--- a/ClassMaterials/JavaIntro/Slides/JavaIntro.pptx
+++ b/ClassMaterials/JavaIntro/Slides/JavaIntro.pptx
@@ -6,7 +6,7 @@
     <p:sldMasterId id="2147483660" r:id="rId2"/>
   </p:sldMasterIdLst>
   <p:notesMasterIdLst>
-    <p:notesMasterId r:id="rId44"/>
+    <p:notesMasterId r:id="rId35"/>
   </p:notesMasterIdLst>
   <p:sldIdLst>
     <p:sldId id="256" r:id="rId3"/>
@@ -29,27 +29,18 @@
     <p:sldId id="287" r:id="rId20"/>
     <p:sldId id="323" r:id="rId21"/>
     <p:sldId id="308" r:id="rId22"/>
-    <p:sldId id="316" r:id="rId23"/>
-    <p:sldId id="275" r:id="rId24"/>
-    <p:sldId id="276" r:id="rId25"/>
-    <p:sldId id="277" r:id="rId26"/>
-    <p:sldId id="278" r:id="rId27"/>
-    <p:sldId id="306" r:id="rId28"/>
-    <p:sldId id="280" r:id="rId29"/>
-    <p:sldId id="279" r:id="rId30"/>
-    <p:sldId id="281" r:id="rId31"/>
-    <p:sldId id="282" r:id="rId32"/>
-    <p:sldId id="317" r:id="rId33"/>
-    <p:sldId id="264" r:id="rId34"/>
-    <p:sldId id="265" r:id="rId35"/>
-    <p:sldId id="318" r:id="rId36"/>
-    <p:sldId id="319" r:id="rId37"/>
-    <p:sldId id="288" r:id="rId38"/>
-    <p:sldId id="289" r:id="rId39"/>
-    <p:sldId id="290" r:id="rId40"/>
-    <p:sldId id="291" r:id="rId41"/>
-    <p:sldId id="320" r:id="rId42"/>
-    <p:sldId id="274" r:id="rId43"/>
+    <p:sldId id="318" r:id="rId23"/>
+    <p:sldId id="317" r:id="rId24"/>
+    <p:sldId id="264" r:id="rId25"/>
+    <p:sldId id="265" r:id="rId26"/>
+    <p:sldId id="319" r:id="rId27"/>
+    <p:sldId id="288" r:id="rId28"/>
+    <p:sldId id="289" r:id="rId29"/>
+    <p:sldId id="290" r:id="rId30"/>
+    <p:sldId id="291" r:id="rId31"/>
+    <p:sldId id="320" r:id="rId32"/>
+    <p:sldId id="325" r:id="rId33"/>
+    <p:sldId id="274" r:id="rId34"/>
   </p:sldIdLst>
   <p:sldSz cx="9144000" cy="6858000" type="screen4x3"/>
   <p:notesSz cx="6858000" cy="9144000"/>
@@ -404,20 +395,16 @@
               <a:t>The code/project we’re working in today will be in </a:t>
             </a:r>
             <a:r>
-              <a:rPr lang="en-US" sz="2200" dirty="0" smtClean="0"/>
+              <a:rPr lang="en-US" sz="2200" dirty="0"/>
               <a:t>JavaIntro</a:t>
             </a:r>
             <a:r>
-              <a:rPr lang="en-US" sz="2200" baseline="0" dirty="0" smtClean="0"/>
+              <a:rPr lang="en-US" sz="2200" baseline="0" dirty="0"/>
               <a:t> and </a:t>
             </a:r>
             <a:r>
-              <a:rPr sz="2200" dirty="0" smtClean="0"/>
-              <a:t>HW1</a:t>
-            </a:r>
-            <a:r>
               <a:rPr sz="2200" dirty="0"/>
-              <a:t>.  The solution has a number of different examples that may be used if desired.</a:t>
+              <a:t>HW1.  The solution has a number of different examples that may be used if desired.</a:t>
             </a:r>
           </a:p>
         </p:txBody>
@@ -454,455 +441,6 @@
       </p:grpSpPr>
       <p:sp>
         <p:nvSpPr>
-          <p:cNvPr id="127" name="Shape 127"/>
-          <p:cNvSpPr>
-            <a:spLocks noGrp="1" noRot="1" noChangeAspect="1"/>
-          </p:cNvSpPr>
-          <p:nvPr>
-            <p:ph type="sldImg"/>
-          </p:nvPr>
-        </p:nvSpPr>
-        <p:spPr>
-          <a:prstGeom prst="rect">
-            <a:avLst/>
-          </a:prstGeom>
-        </p:spPr>
-        <p:txBody>
-          <a:bodyPr/>
-          <a:lstStyle/>
-          <a:p>
-            <a:pPr lvl="0"/>
-            <a:endParaRPr/>
-          </a:p>
-        </p:txBody>
-      </p:sp>
-      <p:sp>
-        <p:nvSpPr>
-          <p:cNvPr id="128" name="Shape 128"/>
-          <p:cNvSpPr>
-            <a:spLocks noGrp="1"/>
-          </p:cNvSpPr>
-          <p:nvPr>
-            <p:ph type="body" sz="quarter" idx="1"/>
-          </p:nvPr>
-        </p:nvSpPr>
-        <p:spPr>
-          <a:prstGeom prst="rect">
-            <a:avLst/>
-          </a:prstGeom>
-        </p:spPr>
-        <p:txBody>
-          <a:bodyPr/>
-          <a:lstStyle/>
-          <a:p>
-            <a:pPr lvl="0" defTabSz="914400">
-              <a:lnSpc>
-                <a:spcPct val="100000"/>
-              </a:lnSpc>
-              <a:defRPr sz="1800"/>
-            </a:pPr>
-            <a:r>
-              <a:rPr sz="1200" b="1">
-                <a:latin typeface="Lucida Sans"/>
-                <a:ea typeface="Lucida Sans"/>
-                <a:cs typeface="Lucida Sans"/>
-                <a:sym typeface="Lucida Sans"/>
-              </a:rPr>
-              <a:t>Argument for main </a:t>
-            </a:r>
-            <a:r>
-              <a:rPr sz="1200">
-                <a:latin typeface="Lucida Sans"/>
-                <a:ea typeface="Lucida Sans"/>
-                <a:cs typeface="Lucida Sans"/>
-                <a:sym typeface="Lucida Sans"/>
-              </a:rPr>
-              <a:t>is not optional.  Must be there.</a:t>
-            </a:r>
-            <a:endParaRPr sz="1200">
-              <a:latin typeface="Gill Sans"/>
-              <a:ea typeface="Gill Sans"/>
-              <a:cs typeface="Gill Sans"/>
-              <a:sym typeface="Gill Sans"/>
-            </a:endParaRPr>
-          </a:p>
-          <a:p>
-            <a:pPr lvl="0" defTabSz="914400">
-              <a:lnSpc>
-                <a:spcPct val="100000"/>
-              </a:lnSpc>
-              <a:defRPr sz="1800"/>
-            </a:pPr>
-            <a:endParaRPr sz="1200">
-              <a:latin typeface="Lucida Sans"/>
-              <a:ea typeface="Lucida Sans"/>
-              <a:cs typeface="Lucida Sans"/>
-              <a:sym typeface="Lucida Sans"/>
-            </a:endParaRPr>
-          </a:p>
-          <a:p>
-            <a:pPr lvl="0" defTabSz="914400">
-              <a:lnSpc>
-                <a:spcPct val="100000"/>
-              </a:lnSpc>
-              <a:defRPr sz="1800"/>
-            </a:pPr>
-            <a:endParaRPr sz="1200">
-              <a:latin typeface="Lucida Sans"/>
-              <a:ea typeface="Lucida Sans"/>
-              <a:cs typeface="Lucida Sans"/>
-              <a:sym typeface="Lucida Sans"/>
-            </a:endParaRPr>
-          </a:p>
-        </p:txBody>
-      </p:sp>
-    </p:spTree>
-    <p:extLst>
-      <p:ext uri="{BB962C8B-B14F-4D97-AF65-F5344CB8AC3E}">
-        <p14:creationId xmlns:p14="http://schemas.microsoft.com/office/powerpoint/2010/main" val="2682829326"/>
-      </p:ext>
-    </p:extLst>
-  </p:cSld>
-  <p:clrMapOvr>
-    <a:masterClrMapping/>
-  </p:clrMapOvr>
-</p:notes>
-</file>
-
-<file path=ppt/notesSlides/notesSlide11.xml><?xml version="1.0" encoding="utf-8"?>
-<p:notes xmlns:a="http://schemas.openxmlformats.org/drawingml/2006/main" xmlns:r="http://schemas.openxmlformats.org/officeDocument/2006/relationships" xmlns:p="http://schemas.openxmlformats.org/presentationml/2006/main">
-  <p:cSld>
-    <p:spTree>
-      <p:nvGrpSpPr>
-        <p:cNvPr id="1" name=""/>
-        <p:cNvGrpSpPr/>
-        <p:nvPr/>
-      </p:nvGrpSpPr>
-      <p:grpSpPr>
-        <a:xfrm>
-          <a:off x="0" y="0"/>
-          <a:ext cx="0" cy="0"/>
-          <a:chOff x="0" y="0"/>
-          <a:chExt cx="0" cy="0"/>
-        </a:xfrm>
-      </p:grpSpPr>
-      <p:sp>
-        <p:nvSpPr>
-          <p:cNvPr id="77" name="Shape 77"/>
-          <p:cNvSpPr>
-            <a:spLocks noGrp="1" noRot="1" noChangeAspect="1"/>
-          </p:cNvSpPr>
-          <p:nvPr>
-            <p:ph type="sldImg"/>
-          </p:nvPr>
-        </p:nvSpPr>
-        <p:spPr>
-          <a:prstGeom prst="rect">
-            <a:avLst/>
-          </a:prstGeom>
-        </p:spPr>
-        <p:txBody>
-          <a:bodyPr/>
-          <a:lstStyle/>
-          <a:p>
-            <a:pPr lvl="0"/>
-            <a:endParaRPr/>
-          </a:p>
-        </p:txBody>
-      </p:sp>
-      <p:sp>
-        <p:nvSpPr>
-          <p:cNvPr id="78" name="Shape 78"/>
-          <p:cNvSpPr>
-            <a:spLocks noGrp="1"/>
-          </p:cNvSpPr>
-          <p:nvPr>
-            <p:ph type="body" sz="quarter" idx="1"/>
-          </p:nvPr>
-        </p:nvSpPr>
-        <p:spPr>
-          <a:prstGeom prst="rect">
-            <a:avLst/>
-          </a:prstGeom>
-        </p:spPr>
-        <p:txBody>
-          <a:bodyPr/>
-          <a:lstStyle/>
-          <a:p>
-            <a:pPr lvl="0" defTabSz="914400">
-              <a:lnSpc>
-                <a:spcPct val="100000"/>
-              </a:lnSpc>
-              <a:spcBef>
-                <a:spcPts val="800"/>
-              </a:spcBef>
-              <a:defRPr sz="1800"/>
-            </a:pPr>
-            <a:r>
-              <a:rPr sz="2300">
-                <a:latin typeface="Calibri"/>
-                <a:ea typeface="Calibri"/>
-                <a:cs typeface="Calibri"/>
-                <a:sym typeface="Calibri"/>
-              </a:rPr>
-              <a:t>Find the documentation for the </a:t>
-            </a:r>
-            <a:r>
-              <a:rPr sz="2300" b="1">
-                <a:latin typeface="Calibri"/>
-                <a:ea typeface="Calibri"/>
-                <a:cs typeface="Calibri"/>
-                <a:sym typeface="Calibri"/>
-              </a:rPr>
-              <a:t>String</a:t>
-            </a:r>
-            <a:r>
-              <a:rPr sz="2300">
-                <a:latin typeface="Calibri"/>
-                <a:ea typeface="Calibri"/>
-                <a:cs typeface="Calibri"/>
-                <a:sym typeface="Calibri"/>
-              </a:rPr>
-              <a:t> class from one of the above links, as follows:</a:t>
-            </a:r>
-            <a:endParaRPr sz="1200">
-              <a:latin typeface="Calibri"/>
-              <a:ea typeface="Calibri"/>
-              <a:cs typeface="Calibri"/>
-              <a:sym typeface="Calibri"/>
-            </a:endParaRPr>
-          </a:p>
-          <a:p>
-            <a:pPr lvl="0" defTabSz="914400">
-              <a:lnSpc>
-                <a:spcPct val="100000"/>
-              </a:lnSpc>
-              <a:spcBef>
-                <a:spcPts val="600"/>
-              </a:spcBef>
-              <a:buSzPct val="100000"/>
-              <a:buChar char="-"/>
-              <a:defRPr sz="1800"/>
-            </a:pPr>
-            <a:r>
-              <a:rPr sz="1900">
-                <a:latin typeface="Calibri"/>
-                <a:ea typeface="Calibri"/>
-                <a:cs typeface="Calibri"/>
-                <a:sym typeface="Calibri"/>
-              </a:rPr>
-              <a:t> Click </a:t>
-            </a:r>
-            <a:r>
-              <a:rPr sz="1900">
-                <a:solidFill>
-                  <a:srgbClr val="9BBB59"/>
-                </a:solidFill>
-                <a:latin typeface="Calibri"/>
-                <a:ea typeface="Calibri"/>
-                <a:cs typeface="Calibri"/>
-                <a:sym typeface="Calibri"/>
-              </a:rPr>
-              <a:t>java.lang</a:t>
-            </a:r>
-            <a:r>
-              <a:rPr sz="1900">
-                <a:latin typeface="Calibri"/>
-                <a:ea typeface="Calibri"/>
-                <a:cs typeface="Calibri"/>
-                <a:sym typeface="Calibri"/>
-              </a:rPr>
-              <a:t> in the top-left pane</a:t>
-            </a:r>
-            <a:endParaRPr sz="1200">
-              <a:latin typeface="Calibri"/>
-              <a:ea typeface="Calibri"/>
-              <a:cs typeface="Calibri"/>
-              <a:sym typeface="Calibri"/>
-            </a:endParaRPr>
-          </a:p>
-          <a:p>
-            <a:pPr lvl="0" defTabSz="914400">
-              <a:lnSpc>
-                <a:spcPct val="100000"/>
-              </a:lnSpc>
-              <a:spcBef>
-                <a:spcPts val="600"/>
-              </a:spcBef>
-              <a:buSzPct val="100000"/>
-              <a:buChar char="-"/>
-              <a:defRPr sz="1800"/>
-            </a:pPr>
-            <a:r>
-              <a:rPr sz="1900">
-                <a:latin typeface="Calibri"/>
-                <a:ea typeface="Calibri"/>
-                <a:cs typeface="Calibri"/>
-                <a:sym typeface="Calibri"/>
-              </a:rPr>
-              <a:t> Then click </a:t>
-            </a:r>
-            <a:r>
-              <a:rPr sz="1900">
-                <a:solidFill>
-                  <a:srgbClr val="9BBB59"/>
-                </a:solidFill>
-                <a:latin typeface="Calibri"/>
-                <a:ea typeface="Calibri"/>
-                <a:cs typeface="Calibri"/>
-                <a:sym typeface="Calibri"/>
-              </a:rPr>
-              <a:t>String</a:t>
-            </a:r>
-            <a:r>
-              <a:rPr sz="1900">
-                <a:latin typeface="Calibri"/>
-                <a:ea typeface="Calibri"/>
-                <a:cs typeface="Calibri"/>
-                <a:sym typeface="Calibri"/>
-              </a:rPr>
-              <a:t> in the bottom-left pane</a:t>
-            </a:r>
-            <a:endParaRPr sz="1200">
-              <a:latin typeface="Calibri"/>
-              <a:ea typeface="Calibri"/>
-              <a:cs typeface="Calibri"/>
-              <a:sym typeface="Calibri"/>
-            </a:endParaRPr>
-          </a:p>
-          <a:p>
-            <a:pPr lvl="0" defTabSz="914400">
-              <a:lnSpc>
-                <a:spcPct val="100000"/>
-              </a:lnSpc>
-              <a:spcBef>
-                <a:spcPts val="400"/>
-              </a:spcBef>
-              <a:defRPr sz="1800"/>
-            </a:pPr>
-            <a:endParaRPr sz="1200">
-              <a:latin typeface="Calibri"/>
-              <a:ea typeface="Calibri"/>
-              <a:cs typeface="Calibri"/>
-              <a:sym typeface="Calibri"/>
-            </a:endParaRPr>
-          </a:p>
-          <a:p>
-            <a:pPr lvl="0" defTabSz="914400">
-              <a:lnSpc>
-                <a:spcPct val="100000"/>
-              </a:lnSpc>
-              <a:spcBef>
-                <a:spcPts val="400"/>
-              </a:spcBef>
-              <a:defRPr sz="1800"/>
-            </a:pPr>
-            <a:r>
-              <a:rPr sz="1200">
-                <a:latin typeface="Calibri"/>
-                <a:ea typeface="Calibri"/>
-                <a:cs typeface="Calibri"/>
-                <a:sym typeface="Calibri"/>
-              </a:rPr>
-              <a:t>Describe the parts of the String API documentation:</a:t>
-            </a:r>
-          </a:p>
-          <a:p>
-            <a:pPr lvl="0" defTabSz="914400">
-              <a:lnSpc>
-                <a:spcPct val="100000"/>
-              </a:lnSpc>
-              <a:spcBef>
-                <a:spcPts val="400"/>
-              </a:spcBef>
-              <a:defRPr sz="1800"/>
-            </a:pPr>
-            <a:r>
-              <a:rPr sz="1200">
-                <a:latin typeface="Calibri"/>
-                <a:ea typeface="Calibri"/>
-                <a:cs typeface="Calibri"/>
-                <a:sym typeface="Calibri"/>
-              </a:rPr>
-              <a:t>- description of the class</a:t>
-            </a:r>
-          </a:p>
-          <a:p>
-            <a:pPr lvl="0" defTabSz="914400">
-              <a:lnSpc>
-                <a:spcPct val="100000"/>
-              </a:lnSpc>
-              <a:spcBef>
-                <a:spcPts val="400"/>
-              </a:spcBef>
-              <a:defRPr sz="1800"/>
-            </a:pPr>
-            <a:r>
-              <a:rPr sz="1200">
-                <a:latin typeface="Calibri"/>
-                <a:ea typeface="Calibri"/>
-                <a:cs typeface="Calibri"/>
-                <a:sym typeface="Calibri"/>
-              </a:rPr>
-              <a:t>- summaries of all the fields, constructors, and method</a:t>
-            </a:r>
-          </a:p>
-          <a:p>
-            <a:pPr marL="162130" lvl="0" indent="-162130" defTabSz="914400">
-              <a:lnSpc>
-                <a:spcPct val="100000"/>
-              </a:lnSpc>
-              <a:spcBef>
-                <a:spcPts val="400"/>
-              </a:spcBef>
-              <a:buSzPct val="100000"/>
-              <a:buChar char="-"/>
-              <a:defRPr sz="1800"/>
-            </a:pPr>
-            <a:r>
-              <a:rPr sz="1200">
-                <a:latin typeface="Calibri"/>
-                <a:ea typeface="Calibri"/>
-                <a:cs typeface="Calibri"/>
-                <a:sym typeface="Calibri"/>
-              </a:rPr>
-              <a:t>detailed descriptions of everything</a:t>
-            </a:r>
-          </a:p>
-        </p:txBody>
-      </p:sp>
-    </p:spTree>
-    <p:extLst>
-      <p:ext uri="{BB962C8B-B14F-4D97-AF65-F5344CB8AC3E}">
-        <p14:creationId xmlns:p14="http://schemas.microsoft.com/office/powerpoint/2010/main" val="1218477835"/>
-      </p:ext>
-    </p:extLst>
-  </p:cSld>
-  <p:clrMapOvr>
-    <a:masterClrMapping/>
-  </p:clrMapOvr>
-</p:notes>
-</file>
-
-<file path=ppt/notesSlides/notesSlide12.xml><?xml version="1.0" encoding="utf-8"?>
-<p:notes xmlns:a="http://schemas.openxmlformats.org/drawingml/2006/main" xmlns:r="http://schemas.openxmlformats.org/officeDocument/2006/relationships" xmlns:p="http://schemas.openxmlformats.org/presentationml/2006/main">
-  <p:cSld>
-    <p:spTree>
-      <p:nvGrpSpPr>
-        <p:cNvPr id="1" name=""/>
-        <p:cNvGrpSpPr/>
-        <p:nvPr/>
-      </p:nvGrpSpPr>
-      <p:grpSpPr>
-        <a:xfrm>
-          <a:off x="0" y="0"/>
-          <a:ext cx="0" cy="0"/>
-          <a:chOff x="0" y="0"/>
-          <a:chExt cx="0" cy="0"/>
-        </a:xfrm>
-      </p:grpSpPr>
-      <p:sp>
-        <p:nvSpPr>
           <p:cNvPr id="84" name="Shape 84"/>
           <p:cNvSpPr>
             <a:spLocks noGrp="1" noRot="1" noChangeAspect="1"/>
@@ -1018,7 +556,7 @@
 </p:notes>
 </file>
 
-<file path=ppt/notesSlides/notesSlide13.xml><?xml version="1.0" encoding="utf-8"?>
+<file path=ppt/notesSlides/notesSlide11.xml><?xml version="1.0" encoding="utf-8"?>
 <p:notes xmlns:a="http://schemas.openxmlformats.org/drawingml/2006/main" xmlns:r="http://schemas.openxmlformats.org/officeDocument/2006/relationships" xmlns:p="http://schemas.openxmlformats.org/presentationml/2006/main">
   <p:cSld>
     <p:spTree>
@@ -1256,14 +794,14 @@
           <a:lstStyle/>
           <a:p>
             <a:r>
-              <a:rPr lang="en-US" dirty="0" smtClean="0"/>
+              <a:rPr lang="en-US" dirty="0"/>
               <a:t>My reviews are consistent: </a:t>
             </a:r>
           </a:p>
           <a:p>
             <a:pPr lvl="1"/>
             <a:r>
-              <a:rPr lang="en-US" dirty="0" smtClean="0"/>
+              <a:rPr lang="en-US" dirty="0"/>
               <a:t>Not around as often as I’d like, but responds very quickly to email.</a:t>
             </a:r>
           </a:p>
@@ -1330,11 +868,11 @@
           <a:lstStyle/>
           <a:p>
             <a:r>
-              <a:rPr lang="en-US" dirty="0" smtClean="0"/>
+              <a:rPr lang="en-US" dirty="0"/>
               <a:t>Why am</a:t>
             </a:r>
             <a:r>
-              <a:rPr lang="en-US" baseline="0" dirty="0" smtClean="0"/>
+              <a:rPr lang="en-US" baseline="0" dirty="0"/>
               <a:t> I doing this?</a:t>
             </a:r>
           </a:p>
@@ -1344,7 +882,7 @@
               <a:buChar char="-"/>
             </a:pPr>
             <a:r>
-              <a:rPr lang="en-US" baseline="0" dirty="0" smtClean="0"/>
+              <a:rPr lang="en-US" baseline="0" dirty="0"/>
               <a:t>I don’t like repeating myself, and laptops are distracting. When I allow them to be open throughout class, I end up repeating myself and have students who have no idea what’s going on. For example, one year, I had a student who, three weeks into the class said he didn’t know what the schedule page was… There was more going on, but he was never forced to watch what was going on. Also, I know how tempting it is to turn on a game in the middle of class… don’t, 1) you won’t get the most out of this class… 2) You’re not as fast as you think you are at switching out of that game!</a:t>
             </a:r>
           </a:p>
@@ -1354,11 +892,11 @@
               <a:buChar char="-"/>
             </a:pPr>
             <a:r>
-              <a:rPr lang="en-US" dirty="0" smtClean="0"/>
+              <a:rPr lang="en-US" dirty="0"/>
               <a:t>We</a:t>
             </a:r>
             <a:r>
-              <a:rPr lang="en-US" baseline="0" dirty="0" smtClean="0"/>
+              <a:rPr lang="en-US" baseline="0" dirty="0"/>
               <a:t> will do a lot of live-coding, so you will need your laptops, and for those portions of the class, no problem! But during lecture, when we’re not live-coding, I’ll ask you to close / lower your laptop lids so I know I have your attention</a:t>
             </a:r>
           </a:p>
@@ -1368,7 +906,7 @@
               <a:buChar char="-"/>
             </a:pPr>
             <a:r>
-              <a:rPr lang="en-US" baseline="0" dirty="0" smtClean="0"/>
+              <a:rPr lang="en-US" baseline="0" dirty="0"/>
               <a:t>Phones / other devices: I’m not blind, I can see you’re texting someone… You’re looking down, not up, easy to spot.</a:t>
             </a:r>
           </a:p>
@@ -1378,7 +916,7 @@
               <a:buChar char="-"/>
             </a:pPr>
             <a:r>
-              <a:rPr lang="en-US" baseline="0" dirty="0" smtClean="0"/>
+              <a:rPr lang="en-US" baseline="0" dirty="0"/>
               <a:t>Since we will open and close our laptops a lot, I’m okay if you only close it so you can’t see the screen, rather than all the way, but barely tilted doesn’t cut it.</a:t>
             </a:r>
           </a:p>
@@ -1388,7 +926,7 @@
               <a:buChar char="-"/>
             </a:pPr>
             <a:r>
-              <a:rPr lang="en-US" baseline="0" dirty="0" smtClean="0"/>
+              <a:rPr lang="en-US" baseline="0" dirty="0"/>
               <a:t>I know some people take notes on their laptops… If that’s you, I would ask that you come to my office after class and show me an example of the notes that you typically take on your laptop and I’ll make an exception. However, a lot of the notes taken in here should be on the daily quizzes, which we’ll get to shortly.</a:t>
             </a:r>
           </a:p>
@@ -1398,7 +936,7 @@
               <a:buChar char="-"/>
             </a:pPr>
             <a:r>
-              <a:rPr lang="en-US" baseline="0" dirty="0" smtClean="0"/>
+              <a:rPr lang="en-US" baseline="0" dirty="0"/>
               <a:t>With all that said… please close (or at least lower) your laptop screens for the moment.</a:t>
             </a:r>
           </a:p>
@@ -1530,16 +1068,12 @@
           <a:lstStyle/>
           <a:p>
             <a:r>
-              <a:rPr lang="en-US" dirty="0" smtClean="0"/>
+              <a:rPr lang="en-US" dirty="0"/>
               <a:t>Introduce</a:t>
             </a:r>
             <a:r>
-              <a:rPr lang="en-US" baseline="0" dirty="0" smtClean="0"/>
-              <a:t> </a:t>
-            </a:r>
-            <a:r>
-              <a:rPr lang="en-US" baseline="0" dirty="0" smtClean="0"/>
-              <a:t>TA</a:t>
+              <a:rPr lang="en-US" baseline="0" dirty="0"/>
+              <a:t> TA</a:t>
             </a:r>
             <a:endParaRPr lang="en-US" dirty="0"/>
           </a:p>
@@ -1577,7 +1111,7 @@
       </p:grpSpPr>
       <p:sp>
         <p:nvSpPr>
-          <p:cNvPr id="2" name="Slide Image Placeholder 1"/>
+          <p:cNvPr id="99" name="Shape 99"/>
           <p:cNvSpPr>
             <a:spLocks noGrp="1" noRot="1" noChangeAspect="1"/>
           </p:cNvSpPr>
@@ -1585,31 +1119,68 @@
             <p:ph type="sldImg"/>
           </p:nvPr>
         </p:nvSpPr>
-        <p:spPr/>
-      </p:sp>
-      <p:sp>
-        <p:nvSpPr>
-          <p:cNvPr id="3" name="Notes Placeholder 2"/>
-          <p:cNvSpPr>
-            <a:spLocks noGrp="1"/>
-          </p:cNvSpPr>
-          <p:nvPr>
-            <p:ph type="body" idx="1"/>
-          </p:nvPr>
-        </p:nvSpPr>
-        <p:spPr/>
+        <p:spPr>
+          <a:prstGeom prst="rect">
+            <a:avLst/>
+          </a:prstGeom>
+        </p:spPr>
         <p:txBody>
           <a:bodyPr/>
           <a:lstStyle/>
           <a:p>
-            <a:endParaRPr lang="en-US" dirty="0"/>
+            <a:pPr lvl="0"/>
+            <a:endParaRPr/>
+          </a:p>
+        </p:txBody>
+      </p:sp>
+      <p:sp>
+        <p:nvSpPr>
+          <p:cNvPr id="100" name="Shape 100"/>
+          <p:cNvSpPr>
+            <a:spLocks noGrp="1"/>
+          </p:cNvSpPr>
+          <p:nvPr>
+            <p:ph type="body" sz="quarter" idx="1"/>
+          </p:nvPr>
+        </p:nvSpPr>
+        <p:spPr>
+          <a:prstGeom prst="rect">
+            <a:avLst/>
+          </a:prstGeom>
+        </p:spPr>
+        <p:txBody>
+          <a:bodyPr/>
+          <a:lstStyle>
+            <a:lvl1pPr defTabSz="914400">
+              <a:lnSpc>
+                <a:spcPct val="100000"/>
+              </a:lnSpc>
+              <a:spcBef>
+                <a:spcPts val="400"/>
+              </a:spcBef>
+              <a:defRPr sz="1200">
+                <a:latin typeface="Lucida Sans"/>
+                <a:ea typeface="Lucida Sans"/>
+                <a:cs typeface="Lucida Sans"/>
+                <a:sym typeface="Lucida Sans"/>
+              </a:defRPr>
+            </a:lvl1pPr>
+          </a:lstStyle>
+          <a:p>
+            <a:pPr lvl="0">
+              <a:defRPr sz="1800"/>
+            </a:pPr>
+            <a:r>
+              <a:rPr sz="1200"/>
+              <a:t>Discuss errors and error messages</a:t>
+            </a:r>
           </a:p>
         </p:txBody>
       </p:sp>
     </p:spTree>
     <p:extLst>
       <p:ext uri="{BB962C8B-B14F-4D97-AF65-F5344CB8AC3E}">
-        <p14:creationId xmlns:p14="http://schemas.microsoft.com/office/powerpoint/2010/main" val="1048724205"/>
+        <p14:creationId xmlns:p14="http://schemas.microsoft.com/office/powerpoint/2010/main" val="942886938"/>
       </p:ext>
     </p:extLst>
   </p:cSld>
@@ -1638,7 +1209,7 @@
       </p:grpSpPr>
       <p:sp>
         <p:nvSpPr>
-          <p:cNvPr id="2" name="Slide Image Placeholder 1"/>
+          <p:cNvPr id="127" name="Shape 127"/>
           <p:cNvSpPr>
             <a:spLocks noGrp="1" noRot="1" noChangeAspect="1"/>
           </p:cNvSpPr>
@@ -1646,31 +1217,104 @@
             <p:ph type="sldImg"/>
           </p:nvPr>
         </p:nvSpPr>
-        <p:spPr/>
-      </p:sp>
-      <p:sp>
-        <p:nvSpPr>
-          <p:cNvPr id="3" name="Notes Placeholder 2"/>
-          <p:cNvSpPr>
-            <a:spLocks noGrp="1"/>
-          </p:cNvSpPr>
-          <p:nvPr>
-            <p:ph type="body" idx="1"/>
-          </p:nvPr>
-        </p:nvSpPr>
-        <p:spPr/>
+        <p:spPr>
+          <a:prstGeom prst="rect">
+            <a:avLst/>
+          </a:prstGeom>
+        </p:spPr>
         <p:txBody>
           <a:bodyPr/>
           <a:lstStyle/>
           <a:p>
-            <a:endParaRPr lang="en-US" dirty="0"/>
+            <a:pPr lvl="0"/>
+            <a:endParaRPr/>
+          </a:p>
+        </p:txBody>
+      </p:sp>
+      <p:sp>
+        <p:nvSpPr>
+          <p:cNvPr id="128" name="Shape 128"/>
+          <p:cNvSpPr>
+            <a:spLocks noGrp="1"/>
+          </p:cNvSpPr>
+          <p:nvPr>
+            <p:ph type="body" sz="quarter" idx="1"/>
+          </p:nvPr>
+        </p:nvSpPr>
+        <p:spPr>
+          <a:prstGeom prst="rect">
+            <a:avLst/>
+          </a:prstGeom>
+        </p:spPr>
+        <p:txBody>
+          <a:bodyPr/>
+          <a:lstStyle/>
+          <a:p>
+            <a:pPr lvl="0" defTabSz="914400">
+              <a:lnSpc>
+                <a:spcPct val="100000"/>
+              </a:lnSpc>
+              <a:defRPr sz="1800"/>
+            </a:pPr>
+            <a:r>
+              <a:rPr sz="1200" b="1">
+                <a:latin typeface="Lucida Sans"/>
+                <a:ea typeface="Lucida Sans"/>
+                <a:cs typeface="Lucida Sans"/>
+                <a:sym typeface="Lucida Sans"/>
+              </a:rPr>
+              <a:t>Argument for main </a:t>
+            </a:r>
+            <a:r>
+              <a:rPr sz="1200">
+                <a:latin typeface="Lucida Sans"/>
+                <a:ea typeface="Lucida Sans"/>
+                <a:cs typeface="Lucida Sans"/>
+                <a:sym typeface="Lucida Sans"/>
+              </a:rPr>
+              <a:t>is not optional.  Must be there.</a:t>
+            </a:r>
+            <a:endParaRPr sz="1200">
+              <a:latin typeface="Gill Sans"/>
+              <a:ea typeface="Gill Sans"/>
+              <a:cs typeface="Gill Sans"/>
+              <a:sym typeface="Gill Sans"/>
+            </a:endParaRPr>
+          </a:p>
+          <a:p>
+            <a:pPr lvl="0" defTabSz="914400">
+              <a:lnSpc>
+                <a:spcPct val="100000"/>
+              </a:lnSpc>
+              <a:defRPr sz="1800"/>
+            </a:pPr>
+            <a:endParaRPr sz="1200">
+              <a:latin typeface="Lucida Sans"/>
+              <a:ea typeface="Lucida Sans"/>
+              <a:cs typeface="Lucida Sans"/>
+              <a:sym typeface="Lucida Sans"/>
+            </a:endParaRPr>
+          </a:p>
+          <a:p>
+            <a:pPr lvl="0" defTabSz="914400">
+              <a:lnSpc>
+                <a:spcPct val="100000"/>
+              </a:lnSpc>
+              <a:defRPr sz="1800"/>
+            </a:pPr>
+            <a:endParaRPr sz="1200">
+              <a:latin typeface="Lucida Sans"/>
+              <a:ea typeface="Lucida Sans"/>
+              <a:cs typeface="Lucida Sans"/>
+              <a:sym typeface="Lucida Sans"/>
+            </a:endParaRPr>
           </a:p>
         </p:txBody>
       </p:sp>
     </p:spTree>
     <p:extLst>
       <p:ext uri="{BB962C8B-B14F-4D97-AF65-F5344CB8AC3E}">
-        <p14:creationId xmlns:p14="http://schemas.microsoft.com/office/powerpoint/2010/main" val="303954992"/>
+        <p14:creationId xmlns:p14="http://schemas.microsoft.com/office/powerpoint/2010/main" val="2682829326"/>
       </p:ext>
     </p:extLst>
   </p:cSld>
@@ -1699,7 +1343,7 @@
       </p:grpSpPr>
       <p:sp>
         <p:nvSpPr>
-          <p:cNvPr id="99" name="Shape 99"/>
+          <p:cNvPr id="77" name="Shape 77"/>
           <p:cNvSpPr>
             <a:spLocks noGrp="1" noRot="1" noChangeAspect="1"/>
           </p:cNvSpPr>
@@ -1723,7 +1367,7 @@
       </p:sp>
       <p:sp>
         <p:nvSpPr>
-          <p:cNvPr id="100" name="Shape 100"/>
+          <p:cNvPr id="78" name="Shape 78"/>
           <p:cNvSpPr>
             <a:spLocks noGrp="1"/>
           </p:cNvSpPr>
@@ -1738,29 +1382,246 @@
         </p:spPr>
         <p:txBody>
           <a:bodyPr/>
-          <a:lstStyle>
-            <a:lvl1pPr defTabSz="914400">
+          <a:lstStyle/>
+          <a:p>
+            <a:pPr lvl="0" defTabSz="914400">
+              <a:lnSpc>
+                <a:spcPct val="100000"/>
+              </a:lnSpc>
+              <a:spcBef>
+                <a:spcPts val="800"/>
+              </a:spcBef>
+              <a:defRPr sz="1800"/>
+            </a:pPr>
+            <a:r>
+              <a:rPr sz="2300">
+                <a:latin typeface="Calibri"/>
+                <a:ea typeface="Calibri"/>
+                <a:cs typeface="Calibri"/>
+                <a:sym typeface="Calibri"/>
+              </a:rPr>
+              <a:t>Find the documentation for the </a:t>
+            </a:r>
+            <a:r>
+              <a:rPr sz="2300" b="1">
+                <a:latin typeface="Calibri"/>
+                <a:ea typeface="Calibri"/>
+                <a:cs typeface="Calibri"/>
+                <a:sym typeface="Calibri"/>
+              </a:rPr>
+              <a:t>String</a:t>
+            </a:r>
+            <a:r>
+              <a:rPr sz="2300">
+                <a:latin typeface="Calibri"/>
+                <a:ea typeface="Calibri"/>
+                <a:cs typeface="Calibri"/>
+                <a:sym typeface="Calibri"/>
+              </a:rPr>
+              <a:t> class from one of the above links, as follows:</a:t>
+            </a:r>
+            <a:endParaRPr sz="1200">
+              <a:latin typeface="Calibri"/>
+              <a:ea typeface="Calibri"/>
+              <a:cs typeface="Calibri"/>
+              <a:sym typeface="Calibri"/>
+            </a:endParaRPr>
+          </a:p>
+          <a:p>
+            <a:pPr lvl="0" defTabSz="914400">
+              <a:lnSpc>
+                <a:spcPct val="100000"/>
+              </a:lnSpc>
+              <a:spcBef>
+                <a:spcPts val="600"/>
+              </a:spcBef>
+              <a:buSzPct val="100000"/>
+              <a:buChar char="-"/>
+              <a:defRPr sz="1800"/>
+            </a:pPr>
+            <a:r>
+              <a:rPr sz="1900">
+                <a:latin typeface="Calibri"/>
+                <a:ea typeface="Calibri"/>
+                <a:cs typeface="Calibri"/>
+                <a:sym typeface="Calibri"/>
+              </a:rPr>
+              <a:t> Click </a:t>
+            </a:r>
+            <a:r>
+              <a:rPr sz="1900">
+                <a:solidFill>
+                  <a:srgbClr val="9BBB59"/>
+                </a:solidFill>
+                <a:latin typeface="Calibri"/>
+                <a:ea typeface="Calibri"/>
+                <a:cs typeface="Calibri"/>
+                <a:sym typeface="Calibri"/>
+              </a:rPr>
+              <a:t>java.lang</a:t>
+            </a:r>
+            <a:r>
+              <a:rPr sz="1900">
+                <a:latin typeface="Calibri"/>
+                <a:ea typeface="Calibri"/>
+                <a:cs typeface="Calibri"/>
+                <a:sym typeface="Calibri"/>
+              </a:rPr>
+              <a:t> in the top-left pane</a:t>
+            </a:r>
+            <a:endParaRPr sz="1200">
+              <a:latin typeface="Calibri"/>
+              <a:ea typeface="Calibri"/>
+              <a:cs typeface="Calibri"/>
+              <a:sym typeface="Calibri"/>
+            </a:endParaRPr>
+          </a:p>
+          <a:p>
+            <a:pPr lvl="0" defTabSz="914400">
+              <a:lnSpc>
+                <a:spcPct val="100000"/>
+              </a:lnSpc>
+              <a:spcBef>
+                <a:spcPts val="600"/>
+              </a:spcBef>
+              <a:buSzPct val="100000"/>
+              <a:buChar char="-"/>
+              <a:defRPr sz="1800"/>
+            </a:pPr>
+            <a:r>
+              <a:rPr sz="1900">
+                <a:latin typeface="Calibri"/>
+                <a:ea typeface="Calibri"/>
+                <a:cs typeface="Calibri"/>
+                <a:sym typeface="Calibri"/>
+              </a:rPr>
+              <a:t> Then click </a:t>
+            </a:r>
+            <a:r>
+              <a:rPr sz="1900">
+                <a:solidFill>
+                  <a:srgbClr val="9BBB59"/>
+                </a:solidFill>
+                <a:latin typeface="Calibri"/>
+                <a:ea typeface="Calibri"/>
+                <a:cs typeface="Calibri"/>
+                <a:sym typeface="Calibri"/>
+              </a:rPr>
+              <a:t>String</a:t>
+            </a:r>
+            <a:r>
+              <a:rPr sz="1900">
+                <a:latin typeface="Calibri"/>
+                <a:ea typeface="Calibri"/>
+                <a:cs typeface="Calibri"/>
+                <a:sym typeface="Calibri"/>
+              </a:rPr>
+              <a:t> in the bottom-left pane</a:t>
+            </a:r>
+            <a:endParaRPr sz="1200">
+              <a:latin typeface="Calibri"/>
+              <a:ea typeface="Calibri"/>
+              <a:cs typeface="Calibri"/>
+              <a:sym typeface="Calibri"/>
+            </a:endParaRPr>
+          </a:p>
+          <a:p>
+            <a:pPr lvl="0" defTabSz="914400">
               <a:lnSpc>
                 <a:spcPct val="100000"/>
               </a:lnSpc>
               <a:spcBef>
                 <a:spcPts val="400"/>
               </a:spcBef>
-              <a:defRPr sz="1200">
-                <a:latin typeface="Lucida Sans"/>
-                <a:ea typeface="Lucida Sans"/>
-                <a:cs typeface="Lucida Sans"/>
-                <a:sym typeface="Lucida Sans"/>
-              </a:defRPr>
-            </a:lvl1pPr>
-          </a:lstStyle>
-          <a:p>
-            <a:pPr lvl="0">
               <a:defRPr sz="1800"/>
             </a:pPr>
-            <a:r>
-              <a:rPr sz="1200"/>
-              <a:t>Discuss errors and error messages</a:t>
+            <a:endParaRPr sz="1200">
+              <a:latin typeface="Calibri"/>
+              <a:ea typeface="Calibri"/>
+              <a:cs typeface="Calibri"/>
+              <a:sym typeface="Calibri"/>
+            </a:endParaRPr>
+          </a:p>
+          <a:p>
+            <a:pPr lvl="0" defTabSz="914400">
+              <a:lnSpc>
+                <a:spcPct val="100000"/>
+              </a:lnSpc>
+              <a:spcBef>
+                <a:spcPts val="400"/>
+              </a:spcBef>
+              <a:defRPr sz="1800"/>
+            </a:pPr>
+            <a:r>
+              <a:rPr sz="1200">
+                <a:latin typeface="Calibri"/>
+                <a:ea typeface="Calibri"/>
+                <a:cs typeface="Calibri"/>
+                <a:sym typeface="Calibri"/>
+              </a:rPr>
+              <a:t>Describe the parts of the String API documentation:</a:t>
+            </a:r>
+          </a:p>
+          <a:p>
+            <a:pPr lvl="0" defTabSz="914400">
+              <a:lnSpc>
+                <a:spcPct val="100000"/>
+              </a:lnSpc>
+              <a:spcBef>
+                <a:spcPts val="400"/>
+              </a:spcBef>
+              <a:defRPr sz="1800"/>
+            </a:pPr>
+            <a:r>
+              <a:rPr sz="1200">
+                <a:latin typeface="Calibri"/>
+                <a:ea typeface="Calibri"/>
+                <a:cs typeface="Calibri"/>
+                <a:sym typeface="Calibri"/>
+              </a:rPr>
+              <a:t>- description of the class</a:t>
+            </a:r>
+          </a:p>
+          <a:p>
+            <a:pPr lvl="0" defTabSz="914400">
+              <a:lnSpc>
+                <a:spcPct val="100000"/>
+              </a:lnSpc>
+              <a:spcBef>
+                <a:spcPts val="400"/>
+              </a:spcBef>
+              <a:defRPr sz="1800"/>
+            </a:pPr>
+            <a:r>
+              <a:rPr sz="1200">
+                <a:latin typeface="Calibri"/>
+                <a:ea typeface="Calibri"/>
+                <a:cs typeface="Calibri"/>
+                <a:sym typeface="Calibri"/>
+              </a:rPr>
+              <a:t>- summaries of all the fields, constructors, and method</a:t>
+            </a:r>
+          </a:p>
+          <a:p>
+            <a:pPr marL="162130" lvl="0" indent="-162130" defTabSz="914400">
+              <a:lnSpc>
+                <a:spcPct val="100000"/>
+              </a:lnSpc>
+              <a:spcBef>
+                <a:spcPts val="400"/>
+              </a:spcBef>
+              <a:buSzPct val="100000"/>
+              <a:buChar char="-"/>
+              <a:defRPr sz="1800"/>
+            </a:pPr>
+            <a:r>
+              <a:rPr sz="1200">
+                <a:latin typeface="Calibri"/>
+                <a:ea typeface="Calibri"/>
+                <a:cs typeface="Calibri"/>
+                <a:sym typeface="Calibri"/>
+              </a:rPr>
+              <a:t>detailed descriptions of everything</a:t>
             </a:r>
           </a:p>
         </p:txBody>
@@ -1768,7 +1629,7 @@
     </p:spTree>
     <p:extLst>
       <p:ext uri="{BB962C8B-B14F-4D97-AF65-F5344CB8AC3E}">
-        <p14:creationId xmlns:p14="http://schemas.microsoft.com/office/powerpoint/2010/main" val="942886938"/>
+        <p14:creationId xmlns:p14="http://schemas.microsoft.com/office/powerpoint/2010/main" val="1218477835"/>
       </p:ext>
     </p:extLst>
   </p:cSld>
@@ -2113,10 +1974,9 @@
           </a:lstStyle>
           <a:p>
             <a:r>
-              <a:rPr lang="en-US" smtClean="0"/>
+              <a:rPr lang="en-US"/>
               <a:t>Click to edit Master title style</a:t>
             </a:r>
-            <a:endParaRPr lang="en-US"/>
           </a:p>
         </p:txBody>
       </p:sp>
@@ -2178,10 +2038,9 @@
           </a:lstStyle>
           <a:p>
             <a:r>
-              <a:rPr lang="en-US" smtClean="0"/>
+              <a:rPr lang="en-US"/>
               <a:t>Click to edit Master subtitle style</a:t>
             </a:r>
-            <a:endParaRPr lang="en-US"/>
           </a:p>
         </p:txBody>
       </p:sp>
@@ -2209,7 +2068,7 @@
                 </a:solidFill>
               </a:rPr>
               <a:pPr/>
-              <a:t>3/4/2018</a:t>
+              <a:t>8/28/2018</a:t>
             </a:fld>
             <a:endParaRPr lang="en-US">
               <a:solidFill>
@@ -2328,10 +2187,9 @@
           <a:lstStyle/>
           <a:p>
             <a:r>
-              <a:rPr lang="en-US" smtClean="0"/>
+              <a:rPr lang="en-US"/>
               <a:t>Click to edit Master title style</a:t>
             </a:r>
-            <a:endParaRPr lang="en-US"/>
           </a:p>
         </p:txBody>
       </p:sp>
@@ -2352,38 +2210,37 @@
           <a:p>
             <a:pPr lvl="0"/>
             <a:r>
-              <a:rPr lang="en-US" smtClean="0"/>
+              <a:rPr lang="en-US"/>
               <a:t>Click to edit Master text styles</a:t>
             </a:r>
           </a:p>
           <a:p>
             <a:pPr lvl="1"/>
             <a:r>
-              <a:rPr lang="en-US" smtClean="0"/>
+              <a:rPr lang="en-US"/>
               <a:t>Second level</a:t>
             </a:r>
           </a:p>
           <a:p>
             <a:pPr lvl="2"/>
             <a:r>
-              <a:rPr lang="en-US" smtClean="0"/>
+              <a:rPr lang="en-US"/>
               <a:t>Third level</a:t>
             </a:r>
           </a:p>
           <a:p>
             <a:pPr lvl="3"/>
             <a:r>
-              <a:rPr lang="en-US" smtClean="0"/>
+              <a:rPr lang="en-US"/>
               <a:t>Fourth level</a:t>
             </a:r>
           </a:p>
           <a:p>
             <a:pPr lvl="4"/>
             <a:r>
-              <a:rPr lang="en-US" smtClean="0"/>
+              <a:rPr lang="en-US"/>
               <a:t>Fifth level</a:t>
             </a:r>
-            <a:endParaRPr lang="en-US"/>
           </a:p>
         </p:txBody>
       </p:sp>
@@ -2411,7 +2268,7 @@
                 </a:solidFill>
               </a:rPr>
               <a:pPr/>
-              <a:t>3/4/2018</a:t>
+              <a:t>8/28/2018</a:t>
             </a:fld>
             <a:endParaRPr lang="en-US">
               <a:solidFill>
@@ -2539,10 +2396,9 @@
           </a:lstStyle>
           <a:p>
             <a:r>
-              <a:rPr lang="en-US" smtClean="0"/>
+              <a:rPr lang="en-US"/>
               <a:t>Click to edit Master title style</a:t>
             </a:r>
-            <a:endParaRPr lang="en-US"/>
           </a:p>
         </p:txBody>
       </p:sp>
@@ -2659,7 +2515,7 @@
           <a:p>
             <a:pPr lvl="0"/>
             <a:r>
-              <a:rPr lang="en-US" smtClean="0"/>
+              <a:rPr lang="en-US"/>
               <a:t>Click to edit Master text styles</a:t>
             </a:r>
           </a:p>
@@ -2689,7 +2545,7 @@
                 </a:solidFill>
               </a:rPr>
               <a:pPr/>
-              <a:t>3/4/2018</a:t>
+              <a:t>8/28/2018</a:t>
             </a:fld>
             <a:endParaRPr lang="en-US">
               <a:solidFill>
@@ -2808,10 +2664,9 @@
           <a:lstStyle/>
           <a:p>
             <a:r>
-              <a:rPr lang="en-US" smtClean="0"/>
+              <a:rPr lang="en-US"/>
               <a:t>Click to edit Master title style</a:t>
             </a:r>
-            <a:endParaRPr lang="en-US"/>
           </a:p>
         </p:txBody>
       </p:sp>
@@ -2837,38 +2692,37 @@
           <a:p>
             <a:pPr lvl="0"/>
             <a:r>
-              <a:rPr lang="en-US" smtClean="0"/>
+              <a:rPr lang="en-US"/>
               <a:t>Click to edit Master text styles</a:t>
             </a:r>
           </a:p>
           <a:p>
             <a:pPr lvl="1"/>
             <a:r>
-              <a:rPr lang="en-US" smtClean="0"/>
+              <a:rPr lang="en-US"/>
               <a:t>Second level</a:t>
             </a:r>
           </a:p>
           <a:p>
             <a:pPr lvl="2"/>
             <a:r>
-              <a:rPr lang="en-US" smtClean="0"/>
+              <a:rPr lang="en-US"/>
               <a:t>Third level</a:t>
             </a:r>
           </a:p>
           <a:p>
             <a:pPr lvl="3"/>
             <a:r>
-              <a:rPr lang="en-US" smtClean="0"/>
+              <a:rPr lang="en-US"/>
               <a:t>Fourth level</a:t>
             </a:r>
           </a:p>
           <a:p>
             <a:pPr lvl="4"/>
             <a:r>
-              <a:rPr lang="en-US" smtClean="0"/>
+              <a:rPr lang="en-US"/>
               <a:t>Fifth level</a:t>
             </a:r>
-            <a:endParaRPr lang="en-US"/>
           </a:p>
         </p:txBody>
       </p:sp>
@@ -2894,38 +2748,37 @@
           <a:p>
             <a:pPr lvl="0"/>
             <a:r>
-              <a:rPr lang="en-US" smtClean="0"/>
+              <a:rPr lang="en-US"/>
               <a:t>Click to edit Master text styles</a:t>
             </a:r>
           </a:p>
           <a:p>
             <a:pPr lvl="1"/>
             <a:r>
-              <a:rPr lang="en-US" smtClean="0"/>
+              <a:rPr lang="en-US"/>
               <a:t>Second level</a:t>
             </a:r>
           </a:p>
           <a:p>
             <a:pPr lvl="2"/>
             <a:r>
-              <a:rPr lang="en-US" smtClean="0"/>
+              <a:rPr lang="en-US"/>
               <a:t>Third level</a:t>
             </a:r>
           </a:p>
           <a:p>
             <a:pPr lvl="3"/>
             <a:r>
-              <a:rPr lang="en-US" smtClean="0"/>
+              <a:rPr lang="en-US"/>
               <a:t>Fourth level</a:t>
             </a:r>
           </a:p>
           <a:p>
             <a:pPr lvl="4"/>
             <a:r>
-              <a:rPr lang="en-US" smtClean="0"/>
+              <a:rPr lang="en-US"/>
               <a:t>Fifth level</a:t>
             </a:r>
-            <a:endParaRPr lang="en-US"/>
           </a:p>
         </p:txBody>
       </p:sp>
@@ -2953,7 +2806,7 @@
                 </a:solidFill>
               </a:rPr>
               <a:pPr/>
-              <a:t>3/4/2018</a:t>
+              <a:t>8/28/2018</a:t>
             </a:fld>
             <a:endParaRPr lang="en-US">
               <a:solidFill>
@@ -3077,10 +2930,9 @@
           <a:lstStyle/>
           <a:p>
             <a:r>
-              <a:rPr lang="en-US" smtClean="0"/>
+              <a:rPr lang="en-US"/>
               <a:t>Click to edit Master title style</a:t>
             </a:r>
-            <a:endParaRPr lang="en-US"/>
           </a:p>
         </p:txBody>
       </p:sp>
@@ -3143,7 +2995,7 @@
           <a:p>
             <a:pPr lvl="0"/>
             <a:r>
-              <a:rPr lang="en-US" smtClean="0"/>
+              <a:rPr lang="en-US"/>
               <a:t>Click to edit Master text styles</a:t>
             </a:r>
           </a:p>
@@ -3171,38 +3023,37 @@
           <a:p>
             <a:pPr lvl="0"/>
             <a:r>
-              <a:rPr lang="en-US" smtClean="0"/>
+              <a:rPr lang="en-US"/>
               <a:t>Click to edit Master text styles</a:t>
             </a:r>
           </a:p>
           <a:p>
             <a:pPr lvl="1"/>
             <a:r>
-              <a:rPr lang="en-US" smtClean="0"/>
+              <a:rPr lang="en-US"/>
               <a:t>Second level</a:t>
             </a:r>
           </a:p>
           <a:p>
             <a:pPr lvl="2"/>
             <a:r>
-              <a:rPr lang="en-US" smtClean="0"/>
+              <a:rPr lang="en-US"/>
               <a:t>Third level</a:t>
             </a:r>
           </a:p>
           <a:p>
             <a:pPr lvl="3"/>
             <a:r>
-              <a:rPr lang="en-US" smtClean="0"/>
+              <a:rPr lang="en-US"/>
               <a:t>Fourth level</a:t>
             </a:r>
           </a:p>
           <a:p>
             <a:pPr lvl="4"/>
             <a:r>
-              <a:rPr lang="en-US" smtClean="0"/>
+              <a:rPr lang="en-US"/>
               <a:t>Fifth level</a:t>
             </a:r>
-            <a:endParaRPr lang="en-US"/>
           </a:p>
         </p:txBody>
       </p:sp>
@@ -3265,7 +3116,7 @@
           <a:p>
             <a:pPr lvl="0"/>
             <a:r>
-              <a:rPr lang="en-US" smtClean="0"/>
+              <a:rPr lang="en-US"/>
               <a:t>Click to edit Master text styles</a:t>
             </a:r>
           </a:p>
@@ -3293,38 +3144,37 @@
           <a:p>
             <a:pPr lvl="0"/>
             <a:r>
-              <a:rPr lang="en-US" smtClean="0"/>
+              <a:rPr lang="en-US"/>
               <a:t>Click to edit Master text styles</a:t>
             </a:r>
           </a:p>
           <a:p>
             <a:pPr lvl="1"/>
             <a:r>
-              <a:rPr lang="en-US" smtClean="0"/>
+              <a:rPr lang="en-US"/>
               <a:t>Second level</a:t>
             </a:r>
           </a:p>
           <a:p>
             <a:pPr lvl="2"/>
             <a:r>
-              <a:rPr lang="en-US" smtClean="0"/>
+              <a:rPr lang="en-US"/>
               <a:t>Third level</a:t>
             </a:r>
           </a:p>
           <a:p>
             <a:pPr lvl="3"/>
             <a:r>
-              <a:rPr lang="en-US" smtClean="0"/>
+              <a:rPr lang="en-US"/>
               <a:t>Fourth level</a:t>
             </a:r>
           </a:p>
           <a:p>
             <a:pPr lvl="4"/>
             <a:r>
-              <a:rPr lang="en-US" smtClean="0"/>
+              <a:rPr lang="en-US"/>
               <a:t>Fifth level</a:t>
             </a:r>
-            <a:endParaRPr lang="en-US"/>
           </a:p>
         </p:txBody>
       </p:sp>
@@ -3352,7 +3202,7 @@
                 </a:solidFill>
               </a:rPr>
               <a:pPr/>
-              <a:t>3/4/2018</a:t>
+              <a:t>8/28/2018</a:t>
             </a:fld>
             <a:endParaRPr lang="en-US">
               <a:solidFill>
@@ -3471,10 +3321,9 @@
           <a:lstStyle/>
           <a:p>
             <a:r>
-              <a:rPr lang="en-US" smtClean="0"/>
+              <a:rPr lang="en-US"/>
               <a:t>Click to edit Master title style</a:t>
             </a:r>
-            <a:endParaRPr lang="en-US"/>
           </a:p>
         </p:txBody>
       </p:sp>
@@ -3502,7 +3351,7 @@
                 </a:solidFill>
               </a:rPr>
               <a:pPr/>
-              <a:t>3/4/2018</a:t>
+              <a:t>8/28/2018</a:t>
             </a:fld>
             <a:endParaRPr lang="en-US">
               <a:solidFill>
@@ -3629,7 +3478,7 @@
                 </a:solidFill>
               </a:rPr>
               <a:pPr/>
-              <a:t>3/4/2018</a:t>
+              <a:t>8/28/2018</a:t>
             </a:fld>
             <a:endParaRPr lang="en-US">
               <a:solidFill>
@@ -3757,10 +3606,9 @@
           </a:lstStyle>
           <a:p>
             <a:r>
-              <a:rPr lang="en-US" smtClean="0"/>
+              <a:rPr lang="en-US"/>
               <a:t>Click to edit Master title style</a:t>
             </a:r>
-            <a:endParaRPr lang="en-US"/>
           </a:p>
         </p:txBody>
       </p:sp>
@@ -3814,38 +3662,37 @@
           <a:p>
             <a:pPr lvl="0"/>
             <a:r>
-              <a:rPr lang="en-US" smtClean="0"/>
+              <a:rPr lang="en-US"/>
               <a:t>Click to edit Master text styles</a:t>
             </a:r>
           </a:p>
           <a:p>
             <a:pPr lvl="1"/>
             <a:r>
-              <a:rPr lang="en-US" smtClean="0"/>
+              <a:rPr lang="en-US"/>
               <a:t>Second level</a:t>
             </a:r>
           </a:p>
           <a:p>
             <a:pPr lvl="2"/>
             <a:r>
-              <a:rPr lang="en-US" smtClean="0"/>
+              <a:rPr lang="en-US"/>
               <a:t>Third level</a:t>
             </a:r>
           </a:p>
           <a:p>
             <a:pPr lvl="3"/>
             <a:r>
-              <a:rPr lang="en-US" smtClean="0"/>
+              <a:rPr lang="en-US"/>
               <a:t>Fourth level</a:t>
             </a:r>
           </a:p>
           <a:p>
             <a:pPr lvl="4"/>
             <a:r>
-              <a:rPr lang="en-US" smtClean="0"/>
+              <a:rPr lang="en-US"/>
               <a:t>Fifth level</a:t>
             </a:r>
-            <a:endParaRPr lang="en-US"/>
           </a:p>
         </p:txBody>
       </p:sp>
@@ -3908,7 +3755,7 @@
           <a:p>
             <a:pPr lvl="0"/>
             <a:r>
-              <a:rPr lang="en-US" smtClean="0"/>
+              <a:rPr lang="en-US"/>
               <a:t>Click to edit Master text styles</a:t>
             </a:r>
           </a:p>
@@ -3938,7 +3785,7 @@
                 </a:solidFill>
               </a:rPr>
               <a:pPr/>
-              <a:t>3/4/2018</a:t>
+              <a:t>8/28/2018</a:t>
             </a:fld>
             <a:endParaRPr lang="en-US">
               <a:solidFill>
@@ -4066,10 +3913,9 @@
           </a:lstStyle>
           <a:p>
             <a:r>
-              <a:rPr lang="en-US" smtClean="0"/>
+              <a:rPr lang="en-US"/>
               <a:t>Click to edit Master title style</a:t>
             </a:r>
-            <a:endParaRPr lang="en-US"/>
           </a:p>
         </p:txBody>
       </p:sp>
@@ -4193,7 +4039,7 @@
           <a:p>
             <a:pPr lvl="0"/>
             <a:r>
-              <a:rPr lang="en-US" smtClean="0"/>
+              <a:rPr lang="en-US"/>
               <a:t>Click to edit Master text styles</a:t>
             </a:r>
           </a:p>
@@ -4223,7 +4069,7 @@
                 </a:solidFill>
               </a:rPr>
               <a:pPr/>
-              <a:t>3/4/2018</a:t>
+              <a:t>8/28/2018</a:t>
             </a:fld>
             <a:endParaRPr lang="en-US">
               <a:solidFill>
@@ -4489,10 +4335,9 @@
           <a:lstStyle/>
           <a:p>
             <a:r>
-              <a:rPr lang="en-US" smtClean="0"/>
+              <a:rPr lang="en-US"/>
               <a:t>Click to edit Master title style</a:t>
             </a:r>
-            <a:endParaRPr lang="en-US"/>
           </a:p>
         </p:txBody>
       </p:sp>
@@ -4513,38 +4358,37 @@
           <a:p>
             <a:pPr lvl="0"/>
             <a:r>
-              <a:rPr lang="en-US" smtClean="0"/>
+              <a:rPr lang="en-US"/>
               <a:t>Click to edit Master text styles</a:t>
             </a:r>
           </a:p>
           <a:p>
             <a:pPr lvl="1"/>
             <a:r>
-              <a:rPr lang="en-US" smtClean="0"/>
+              <a:rPr lang="en-US"/>
               <a:t>Second level</a:t>
             </a:r>
           </a:p>
           <a:p>
             <a:pPr lvl="2"/>
             <a:r>
-              <a:rPr lang="en-US" smtClean="0"/>
+              <a:rPr lang="en-US"/>
               <a:t>Third level</a:t>
             </a:r>
           </a:p>
           <a:p>
             <a:pPr lvl="3"/>
             <a:r>
-              <a:rPr lang="en-US" smtClean="0"/>
+              <a:rPr lang="en-US"/>
               <a:t>Fourth level</a:t>
             </a:r>
           </a:p>
           <a:p>
             <a:pPr lvl="4"/>
             <a:r>
-              <a:rPr lang="en-US" smtClean="0"/>
+              <a:rPr lang="en-US"/>
               <a:t>Fifth level</a:t>
             </a:r>
-            <a:endParaRPr lang="en-US"/>
           </a:p>
         </p:txBody>
       </p:sp>
@@ -4572,7 +4416,7 @@
                 </a:solidFill>
               </a:rPr>
               <a:pPr/>
-              <a:t>3/4/2018</a:t>
+              <a:t>8/28/2018</a:t>
             </a:fld>
             <a:endParaRPr lang="en-US">
               <a:solidFill>
@@ -4696,10 +4540,9 @@
           <a:lstStyle/>
           <a:p>
             <a:r>
-              <a:rPr lang="en-US" smtClean="0"/>
+              <a:rPr lang="en-US"/>
               <a:t>Click to edit Master title style</a:t>
             </a:r>
-            <a:endParaRPr lang="en-US"/>
           </a:p>
         </p:txBody>
       </p:sp>
@@ -4725,38 +4568,37 @@
           <a:p>
             <a:pPr lvl="0"/>
             <a:r>
-              <a:rPr lang="en-US" smtClean="0"/>
+              <a:rPr lang="en-US"/>
               <a:t>Click to edit Master text styles</a:t>
             </a:r>
           </a:p>
           <a:p>
             <a:pPr lvl="1"/>
             <a:r>
-              <a:rPr lang="en-US" smtClean="0"/>
+              <a:rPr lang="en-US"/>
               <a:t>Second level</a:t>
             </a:r>
           </a:p>
           <a:p>
             <a:pPr lvl="2"/>
             <a:r>
-              <a:rPr lang="en-US" smtClean="0"/>
+              <a:rPr lang="en-US"/>
               <a:t>Third level</a:t>
             </a:r>
           </a:p>
           <a:p>
             <a:pPr lvl="3"/>
             <a:r>
-              <a:rPr lang="en-US" smtClean="0"/>
+              <a:rPr lang="en-US"/>
               <a:t>Fourth level</a:t>
             </a:r>
           </a:p>
           <a:p>
             <a:pPr lvl="4"/>
             <a:r>
-              <a:rPr lang="en-US" smtClean="0"/>
+              <a:rPr lang="en-US"/>
               <a:t>Fifth level</a:t>
             </a:r>
-            <a:endParaRPr lang="en-US"/>
           </a:p>
         </p:txBody>
       </p:sp>
@@ -4784,7 +4626,7 @@
                 </a:solidFill>
               </a:rPr>
               <a:pPr/>
-              <a:t>3/4/2018</a:t>
+              <a:t>8/28/2018</a:t>
             </a:fld>
             <a:endParaRPr lang="en-US">
               <a:solidFill>
@@ -6414,10 +6256,9 @@
           <a:lstStyle/>
           <a:p>
             <a:r>
-              <a:rPr lang="en-US" smtClean="0"/>
+              <a:rPr lang="en-US"/>
               <a:t>Click to edit Master title style</a:t>
             </a:r>
-            <a:endParaRPr lang="en-US"/>
           </a:p>
         </p:txBody>
       </p:sp>
@@ -6448,38 +6289,37 @@
           <a:p>
             <a:pPr lvl="0"/>
             <a:r>
-              <a:rPr lang="en-US" smtClean="0"/>
+              <a:rPr lang="en-US"/>
               <a:t>Click to edit Master text styles</a:t>
             </a:r>
           </a:p>
           <a:p>
             <a:pPr lvl="1"/>
             <a:r>
-              <a:rPr lang="en-US" smtClean="0"/>
+              <a:rPr lang="en-US"/>
               <a:t>Second level</a:t>
             </a:r>
           </a:p>
           <a:p>
             <a:pPr lvl="2"/>
             <a:r>
-              <a:rPr lang="en-US" smtClean="0"/>
+              <a:rPr lang="en-US"/>
               <a:t>Third level</a:t>
             </a:r>
           </a:p>
           <a:p>
             <a:pPr lvl="3"/>
             <a:r>
-              <a:rPr lang="en-US" smtClean="0"/>
+              <a:rPr lang="en-US"/>
               <a:t>Fourth level</a:t>
             </a:r>
           </a:p>
           <a:p>
             <a:pPr lvl="4"/>
             <a:r>
-              <a:rPr lang="en-US" smtClean="0"/>
+              <a:rPr lang="en-US"/>
               <a:t>Fifth level</a:t>
             </a:r>
-            <a:endParaRPr lang="en-US"/>
           </a:p>
         </p:txBody>
       </p:sp>
@@ -6529,7 +6369,7 @@
                 <a:sym typeface="Lucida Sans Unicode"/>
               </a:rPr>
               <a:pPr/>
-              <a:t>3/4/2018</a:t>
+              <a:t>8/28/2018</a:t>
             </a:fld>
             <a:endParaRPr lang="en-US">
               <a:solidFill>
@@ -7028,7 +6868,9 @@
           </a:prstGeom>
         </p:spPr>
         <p:txBody>
-          <a:bodyPr/>
+          <a:bodyPr lIns="45719" rIns="45719" anchor="t">
+            <a:normAutofit/>
+          </a:bodyPr>
           <a:lstStyle/>
           <a:p>
             <a:pPr marL="742950" lvl="1" indent="-285750">
@@ -7056,16 +6898,8 @@
               <a:defRPr sz="1800"/>
             </a:pPr>
             <a:r>
-              <a:rPr sz="2800" dirty="0"/>
-              <a:t>Start your </a:t>
-            </a:r>
-            <a:r>
-              <a:rPr sz="2800" dirty="0" smtClean="0"/>
-              <a:t>computer</a:t>
-            </a:r>
-            <a:r>
-              <a:rPr lang="en-US" sz="2800" dirty="0" smtClean="0"/>
-              <a:t> &amp; Eclipse</a:t>
+              <a:rPr lang="en-US" sz="2800" dirty="0"/>
+              <a:t>Hopefully you followed the instructions in the welcome email, installed eclipse and checked out the Java intro project</a:t>
             </a:r>
           </a:p>
           <a:p>
@@ -7076,37 +6910,42 @@
               <a:defRPr sz="1800"/>
             </a:pPr>
             <a:r>
-              <a:rPr sz="2800" dirty="0" smtClean="0"/>
-              <a:t>Pick </a:t>
-            </a:r>
-            <a:r>
               <a:rPr sz="2800" dirty="0"/>
-              <a:t>up a quiz from the back </a:t>
-            </a:r>
-            <a:r>
-              <a:rPr sz="2800" dirty="0" smtClean="0"/>
-              <a:t>table</a:t>
-            </a:r>
-            <a:endParaRPr lang="en-US" sz="2800" dirty="0" smtClean="0"/>
-          </a:p>
-          <a:p>
-            <a:pPr marL="1178379" lvl="2" indent="-285750">
+              <a:t>Start your computer</a:t>
+            </a:r>
+            <a:r>
+              <a:rPr lang="en-US" sz="2800" dirty="0"/>
+              <a:t> &amp; Eclipse</a:t>
+            </a:r>
+            <a:endParaRPr lang="en-US"/>
+          </a:p>
+          <a:p>
+            <a:pPr marL="742950" lvl="1" indent="-285750">
               <a:spcBef>
                 <a:spcPts val="600"/>
               </a:spcBef>
               <a:defRPr sz="1800"/>
             </a:pPr>
             <a:r>
-              <a:rPr lang="en-US" sz="2800" dirty="0" smtClean="0"/>
+              <a:rPr sz="2800" dirty="0"/>
+              <a:t>Pick up a quiz from the back table</a:t>
+            </a:r>
+            <a:endParaRPr lang="en-US" sz="2800" dirty="0"/>
+          </a:p>
+          <a:p>
+            <a:pPr marL="1177925" lvl="2" indent="-285750">
+              <a:spcBef>
+                <a:spcPts val="600"/>
+              </a:spcBef>
+              <a:defRPr sz="1800"/>
+            </a:pPr>
+            <a:r>
+              <a:rPr lang="en-US" sz="2800" dirty="0"/>
               <a:t>A</a:t>
             </a:r>
             <a:r>
-              <a:rPr sz="2800" dirty="0" smtClean="0"/>
-              <a:t>nswer </a:t>
-            </a:r>
-            <a:r>
               <a:rPr sz="2800" dirty="0"/>
-              <a:t>the first two questions</a:t>
+              <a:t>nswer the first two questions</a:t>
             </a:r>
           </a:p>
         </p:txBody>
@@ -7117,18 +6956,11 @@
     <a:masterClrMapping/>
   </p:clrMapOvr>
   <p:transition spd="med"/>
-  <p:timing>
-    <p:tnLst>
-      <p:par>
-        <p:cTn id="1" dur="indefinite" restart="never" nodeType="tmRoot"/>
-      </p:par>
-    </p:tnLst>
-  </p:timing>
 </p:sld>
 </file>
 
 <file path=ppt/slides/slide10.xml><?xml version="1.0" encoding="utf-8"?>
-<p:sld xmlns:a="http://schemas.openxmlformats.org/drawingml/2006/main" xmlns:r="http://schemas.openxmlformats.org/officeDocument/2006/relationships" xmlns:p="http://schemas.openxmlformats.org/presentationml/2006/main" show="0">
+<p:sld xmlns:a="http://schemas.openxmlformats.org/drawingml/2006/main" xmlns:r="http://schemas.openxmlformats.org/officeDocument/2006/relationships" xmlns:p="http://schemas.openxmlformats.org/presentationml/2006/main">
   <p:cSld>
     <p:spTree>
       <p:nvGrpSpPr>
@@ -7165,10 +6997,9 @@
           <a:lstStyle/>
           <a:p>
             <a:r>
-              <a:rPr lang="en-US" dirty="0" smtClean="0"/>
+              <a:rPr lang="en-US" dirty="0"/>
               <a:t>Should I really call my Professor Buffalo?</a:t>
             </a:r>
-            <a:endParaRPr lang="en-US" dirty="0"/>
           </a:p>
         </p:txBody>
       </p:sp>
@@ -7196,10 +7027,9 @@
               <a:buNone/>
             </a:pPr>
             <a:r>
-              <a:rPr lang="en-US" dirty="0" smtClean="0"/>
+              <a:rPr lang="en-US" dirty="0"/>
               <a:t>Consult this handy chart…</a:t>
             </a:r>
-            <a:endParaRPr lang="en-US" dirty="0"/>
           </a:p>
         </p:txBody>
       </p:sp>
@@ -7265,14 +7095,14 @@
                     <a:p>
                       <a:pPr algn="ctr"/>
                       <a:r>
-                        <a:rPr lang="en-US" sz="2000" dirty="0" smtClean="0">
+                        <a:rPr lang="en-US" sz="2000" dirty="0">
                           <a:latin typeface="Calibri" panose="020F0502020204030204" pitchFamily="34" charset="0"/>
                           <a:cs typeface="Calibri" panose="020F0502020204030204" pitchFamily="34" charset="0"/>
                         </a:rPr>
                         <a:t>Situation</a:t>
                       </a:r>
                       <a:r>
-                        <a:rPr lang="en-US" sz="2000" baseline="0" dirty="0" smtClean="0">
+                        <a:rPr lang="en-US" sz="2000" baseline="0" dirty="0">
                           <a:latin typeface="Calibri" panose="020F0502020204030204" pitchFamily="34" charset="0"/>
                           <a:cs typeface="Calibri" panose="020F0502020204030204" pitchFamily="34" charset="0"/>
                         </a:rPr>
@@ -7303,16 +7133,12 @@
                     <a:p>
                       <a:pPr algn="ctr"/>
                       <a:r>
-                        <a:rPr lang="en-US" sz="2000" dirty="0" smtClean="0">
+                        <a:rPr lang="en-US" sz="2000" dirty="0">
                           <a:latin typeface="Calibri" panose="020F0502020204030204" pitchFamily="34" charset="0"/>
                           <a:cs typeface="Calibri" panose="020F0502020204030204" pitchFamily="34" charset="0"/>
                         </a:rPr>
                         <a:t>Informal</a:t>
                       </a:r>
-                      <a:endParaRPr lang="en-US" sz="2000" dirty="0">
-                        <a:latin typeface="Calibri" panose="020F0502020204030204" pitchFamily="34" charset="0"/>
-                        <a:cs typeface="Calibri" panose="020F0502020204030204" pitchFamily="34" charset="0"/>
-                      </a:endParaRPr>
                     </a:p>
                   </a:txBody>
                   <a:tcPr anchor="ctr">
@@ -7343,14 +7169,14 @@
                     <a:p>
                       <a:pPr algn="ctr"/>
                       <a:r>
-                        <a:rPr lang="en-US" sz="2000" dirty="0" smtClean="0">
+                        <a:rPr lang="en-US" sz="2000" dirty="0">
                           <a:latin typeface="Calibri" panose="020F0502020204030204" pitchFamily="34" charset="0"/>
                           <a:cs typeface="Calibri" panose="020F0502020204030204" pitchFamily="34" charset="0"/>
                         </a:rPr>
                         <a:t>Semi-Formal/Kissing</a:t>
                       </a:r>
                       <a:r>
-                        <a:rPr lang="en-US" sz="2000" baseline="0" dirty="0" smtClean="0">
+                        <a:rPr lang="en-US" sz="2000" baseline="0" dirty="0">
                           <a:latin typeface="Calibri" panose="020F0502020204030204" pitchFamily="34" charset="0"/>
                           <a:cs typeface="Calibri" panose="020F0502020204030204" pitchFamily="34" charset="0"/>
                         </a:rPr>
@@ -7390,14 +7216,14 @@
                     <a:p>
                       <a:pPr algn="ctr"/>
                       <a:r>
-                        <a:rPr lang="en-US" sz="2000" dirty="0" smtClean="0">
+                        <a:rPr lang="en-US" sz="2000" dirty="0">
                           <a:latin typeface="Calibri" panose="020F0502020204030204" pitchFamily="34" charset="0"/>
                           <a:cs typeface="Calibri" panose="020F0502020204030204" pitchFamily="34" charset="0"/>
                         </a:rPr>
                         <a:t>Highly</a:t>
                       </a:r>
                       <a:r>
-                        <a:rPr lang="en-US" sz="2000" baseline="0" dirty="0" smtClean="0">
+                        <a:rPr lang="en-US" sz="2000" baseline="0" dirty="0">
                           <a:latin typeface="Calibri" panose="020F0502020204030204" pitchFamily="34" charset="0"/>
                           <a:cs typeface="Calibri" panose="020F0502020204030204" pitchFamily="34" charset="0"/>
                         </a:rPr>
@@ -7435,14 +7261,14 @@
                     <a:p>
                       <a:pPr algn="ctr"/>
                       <a:r>
-                        <a:rPr lang="en-US" sz="2000" dirty="0" smtClean="0">
+                        <a:rPr lang="en-US" sz="2000" dirty="0">
                           <a:latin typeface="Calibri" panose="020F0502020204030204" pitchFamily="34" charset="0"/>
                           <a:cs typeface="Calibri" panose="020F0502020204030204" pitchFamily="34" charset="0"/>
                         </a:rPr>
                         <a:t>Example</a:t>
                       </a:r>
                       <a:r>
-                        <a:rPr lang="en-US" sz="2000" baseline="0" dirty="0" smtClean="0">
+                        <a:rPr lang="en-US" sz="2000" baseline="0" dirty="0">
                           <a:latin typeface="Calibri" panose="020F0502020204030204" pitchFamily="34" charset="0"/>
                           <a:cs typeface="Calibri" panose="020F0502020204030204" pitchFamily="34" charset="0"/>
                         </a:rPr>
@@ -7473,14 +7299,14 @@
                     <a:p>
                       <a:pPr algn="ctr"/>
                       <a:r>
-                        <a:rPr lang="en-US" sz="2000" dirty="0" smtClean="0">
+                        <a:rPr lang="en-US" sz="2000" dirty="0">
                           <a:latin typeface="Calibri" panose="020F0502020204030204" pitchFamily="34" charset="0"/>
                           <a:cs typeface="Calibri" panose="020F0502020204030204" pitchFamily="34" charset="0"/>
                         </a:rPr>
                         <a:t>asking</a:t>
                       </a:r>
                       <a:r>
-                        <a:rPr lang="en-US" sz="2000" baseline="0" dirty="0" smtClean="0">
+                        <a:rPr lang="en-US" sz="2000" baseline="0" dirty="0">
                           <a:latin typeface="Calibri" panose="020F0502020204030204" pitchFamily="34" charset="0"/>
                           <a:cs typeface="Calibri" panose="020F0502020204030204" pitchFamily="34" charset="0"/>
                         </a:rPr>
@@ -7520,14 +7346,14 @@
                     <a:p>
                       <a:pPr algn="ctr"/>
                       <a:r>
-                        <a:rPr lang="en-US" sz="2000" dirty="0" smtClean="0">
+                        <a:rPr lang="en-US" sz="2000" dirty="0">
                           <a:latin typeface="Calibri" panose="020F0502020204030204" pitchFamily="34" charset="0"/>
                           <a:cs typeface="Calibri" panose="020F0502020204030204" pitchFamily="34" charset="0"/>
                         </a:rPr>
                         <a:t>requesting things like re-grades</a:t>
                       </a:r>
                       <a:r>
-                        <a:rPr lang="en-US" sz="2000" baseline="0" dirty="0" smtClean="0">
+                        <a:rPr lang="en-US" sz="2000" baseline="0" dirty="0">
                           <a:latin typeface="Calibri" panose="020F0502020204030204" pitchFamily="34" charset="0"/>
                           <a:cs typeface="Calibri" panose="020F0502020204030204" pitchFamily="34" charset="0"/>
                         </a:rPr>
@@ -7567,7 +7393,7 @@
                     <a:p>
                       <a:pPr algn="ctr"/>
                       <a:r>
-                        <a:rPr lang="en-US" sz="2000" baseline="0" dirty="0" smtClean="0">
+                        <a:rPr lang="en-US" sz="2000" baseline="0" dirty="0">
                           <a:latin typeface="Calibri" panose="020F0502020204030204" pitchFamily="34" charset="0"/>
                           <a:cs typeface="Calibri" panose="020F0502020204030204" pitchFamily="34" charset="0"/>
                         </a:rPr>
@@ -7605,16 +7431,12 @@
                     <a:p>
                       <a:pPr algn="ctr"/>
                       <a:r>
-                        <a:rPr lang="en-US" sz="2000" dirty="0" smtClean="0">
+                        <a:rPr lang="en-US" sz="2000" dirty="0">
                           <a:latin typeface="Calibri" panose="020F0502020204030204" pitchFamily="34" charset="0"/>
                           <a:cs typeface="Calibri" panose="020F0502020204030204" pitchFamily="34" charset="0"/>
                         </a:rPr>
                         <a:t>Correct form of address</a:t>
                       </a:r>
-                      <a:endParaRPr lang="en-US" sz="2000" dirty="0">
-                        <a:latin typeface="Calibri" panose="020F0502020204030204" pitchFamily="34" charset="0"/>
-                        <a:cs typeface="Calibri" panose="020F0502020204030204" pitchFamily="34" charset="0"/>
-                      </a:endParaRPr>
                     </a:p>
                   </a:txBody>
                   <a:tcPr anchor="ctr">
@@ -7636,16 +7458,12 @@
                     <a:p>
                       <a:pPr algn="ctr"/>
                       <a:r>
-                        <a:rPr lang="en-US" sz="2000" dirty="0" smtClean="0">
+                        <a:rPr lang="en-US" sz="2000" dirty="0">
                           <a:latin typeface="Calibri" panose="020F0502020204030204" pitchFamily="34" charset="0"/>
                           <a:cs typeface="Calibri" panose="020F0502020204030204" pitchFamily="34" charset="0"/>
                         </a:rPr>
                         <a:t>Buffalo</a:t>
                       </a:r>
-                      <a:endParaRPr lang="en-US" sz="2000" dirty="0">
-                        <a:latin typeface="Calibri" panose="020F0502020204030204" pitchFamily="34" charset="0"/>
-                        <a:cs typeface="Calibri" panose="020F0502020204030204" pitchFamily="34" charset="0"/>
-                      </a:endParaRPr>
                     </a:p>
                   </a:txBody>
                   <a:tcPr anchor="ctr">
@@ -7676,16 +7494,12 @@
                     <a:p>
                       <a:pPr algn="ctr"/>
                       <a:r>
-                        <a:rPr lang="en-US" sz="2000" dirty="0" smtClean="0">
+                        <a:rPr lang="en-US" sz="2000" dirty="0">
                           <a:latin typeface="Calibri" panose="020F0502020204030204" pitchFamily="34" charset="0"/>
                           <a:cs typeface="Calibri" panose="020F0502020204030204" pitchFamily="34" charset="0"/>
                         </a:rPr>
                         <a:t>Dr. Buffalo</a:t>
                       </a:r>
-                      <a:endParaRPr lang="en-US" sz="2000" dirty="0">
-                        <a:latin typeface="Calibri" panose="020F0502020204030204" pitchFamily="34" charset="0"/>
-                        <a:cs typeface="Calibri" panose="020F0502020204030204" pitchFamily="34" charset="0"/>
-                      </a:endParaRPr>
                     </a:p>
                   </a:txBody>
                   <a:tcPr anchor="ctr">
@@ -7716,16 +7530,12 @@
                     <a:p>
                       <a:pPr algn="ctr"/>
                       <a:r>
-                        <a:rPr lang="en-US" sz="2000" dirty="0" smtClean="0">
+                        <a:rPr lang="en-US" sz="2000" dirty="0">
                           <a:latin typeface="Calibri" panose="020F0502020204030204" pitchFamily="34" charset="0"/>
                           <a:cs typeface="Calibri" panose="020F0502020204030204" pitchFamily="34" charset="0"/>
                         </a:rPr>
                         <a:t>Dr. Hewner</a:t>
                       </a:r>
-                      <a:endParaRPr lang="en-US" sz="2000" dirty="0">
-                        <a:latin typeface="Calibri" panose="020F0502020204030204" pitchFamily="34" charset="0"/>
-                        <a:cs typeface="Calibri" panose="020F0502020204030204" pitchFamily="34" charset="0"/>
-                      </a:endParaRPr>
                     </a:p>
                   </a:txBody>
                   <a:tcPr anchor="ctr">
@@ -7754,16 +7564,12 @@
                     <a:p>
                       <a:pPr algn="ctr"/>
                       <a:r>
-                        <a:rPr lang="en-US" sz="2000" dirty="0" smtClean="0">
+                        <a:rPr lang="en-US" sz="2000" dirty="0">
                           <a:latin typeface="Calibri" panose="020F0502020204030204" pitchFamily="34" charset="0"/>
                           <a:cs typeface="Calibri" panose="020F0502020204030204" pitchFamily="34" charset="0"/>
                         </a:rPr>
                         <a:t>Example</a:t>
                       </a:r>
-                      <a:endParaRPr lang="en-US" sz="2000" dirty="0">
-                        <a:latin typeface="Calibri" panose="020F0502020204030204" pitchFamily="34" charset="0"/>
-                        <a:cs typeface="Calibri" panose="020F0502020204030204" pitchFamily="34" charset="0"/>
-                      </a:endParaRPr>
                     </a:p>
                   </a:txBody>
                   <a:tcPr anchor="ctr">
@@ -7785,30 +7591,26 @@
                     <a:p>
                       <a:pPr algn="ctr"/>
                       <a:r>
-                        <a:rPr lang="en-US" sz="2000" dirty="0" smtClean="0">
+                        <a:rPr lang="en-US" sz="2000" dirty="0">
                           <a:latin typeface="Calibri" panose="020F0502020204030204" pitchFamily="34" charset="0"/>
                           <a:cs typeface="Calibri" panose="020F0502020204030204" pitchFamily="34" charset="0"/>
                         </a:rPr>
                         <a:t>“</a:t>
                       </a:r>
                       <a:r>
-                        <a:rPr lang="en-US" sz="2000" dirty="0" err="1" smtClean="0">
+                        <a:rPr lang="en-US" sz="2000" dirty="0" err="1">
                           <a:latin typeface="Calibri" panose="020F0502020204030204" pitchFamily="34" charset="0"/>
                           <a:cs typeface="Calibri" panose="020F0502020204030204" pitchFamily="34" charset="0"/>
                         </a:rPr>
                         <a:t>Yo</a:t>
                       </a:r>
                       <a:r>
-                        <a:rPr lang="en-US" sz="2000" dirty="0" smtClean="0">
+                        <a:rPr lang="en-US" sz="2000" dirty="0">
                           <a:latin typeface="Calibri" panose="020F0502020204030204" pitchFamily="34" charset="0"/>
                           <a:cs typeface="Calibri" panose="020F0502020204030204" pitchFamily="34" charset="0"/>
                         </a:rPr>
                         <a:t> Buffalo, when is that assignment due?”</a:t>
                       </a:r>
-                      <a:endParaRPr lang="en-US" sz="2000" dirty="0">
-                        <a:latin typeface="Calibri" panose="020F0502020204030204" pitchFamily="34" charset="0"/>
-                        <a:cs typeface="Calibri" panose="020F0502020204030204" pitchFamily="34" charset="0"/>
-                      </a:endParaRPr>
                     </a:p>
                   </a:txBody>
                   <a:tcPr anchor="ctr">
@@ -7839,14 +7641,14 @@
                     <a:p>
                       <a:pPr algn="ctr"/>
                       <a:r>
-                        <a:rPr lang="en-US" sz="2000" dirty="0" smtClean="0">
+                        <a:rPr lang="en-US" sz="2000" dirty="0">
                           <a:latin typeface="Calibri" panose="020F0502020204030204" pitchFamily="34" charset="0"/>
                           <a:cs typeface="Calibri" panose="020F0502020204030204" pitchFamily="34" charset="0"/>
                         </a:rPr>
                         <a:t>“So</a:t>
                       </a:r>
                       <a:r>
-                        <a:rPr lang="en-US" sz="2000" baseline="0" dirty="0" smtClean="0">
+                        <a:rPr lang="en-US" sz="2000" baseline="0" dirty="0">
                           <a:latin typeface="Calibri" panose="020F0502020204030204" pitchFamily="34" charset="0"/>
                           <a:cs typeface="Calibri" panose="020F0502020204030204" pitchFamily="34" charset="0"/>
                         </a:rPr>
@@ -7886,14 +7688,14 @@
                     <a:p>
                       <a:pPr algn="ctr"/>
                       <a:r>
-                        <a:rPr lang="en-US" sz="2000" dirty="0" smtClean="0">
+                        <a:rPr lang="en-US" sz="2000" dirty="0">
                           <a:latin typeface="Calibri" panose="020F0502020204030204" pitchFamily="34" charset="0"/>
                           <a:cs typeface="Calibri" panose="020F0502020204030204" pitchFamily="34" charset="0"/>
                         </a:rPr>
                         <a:t>“In accepting this Turing Award,</a:t>
                       </a:r>
                       <a:r>
-                        <a:rPr lang="en-US" sz="2000" baseline="0" dirty="0" smtClean="0">
+                        <a:rPr lang="en-US" sz="2000" baseline="0" dirty="0">
                           <a:latin typeface="Calibri" panose="020F0502020204030204" pitchFamily="34" charset="0"/>
                           <a:cs typeface="Calibri" panose="020F0502020204030204" pitchFamily="34" charset="0"/>
                         </a:rPr>
@@ -7938,13 +7740,6 @@
     <a:masterClrMapping/>
   </p:clrMapOvr>
   <p:transition spd="med"/>
-  <p:timing>
-    <p:tnLst>
-      <p:par>
-        <p:cTn id="1" dur="indefinite" restart="never" nodeType="tmRoot"/>
-      </p:par>
-    </p:tnLst>
-  </p:timing>
 </p:sld>
 </file>
 
@@ -7981,10 +7776,9 @@
           <a:lstStyle/>
           <a:p>
             <a:r>
-              <a:rPr lang="en-US" dirty="0" smtClean="0"/>
+              <a:rPr lang="en-US" dirty="0"/>
               <a:t>Instructor Info</a:t>
             </a:r>
-            <a:endParaRPr lang="en-US" dirty="0"/>
           </a:p>
         </p:txBody>
       </p:sp>
@@ -8006,69 +7800,34 @@
           <a:lstStyle/>
           <a:p>
             <a:r>
-              <a:rPr lang="en-US" dirty="0" smtClean="0"/>
-              <a:t>Chandan Rupakheti - Call </a:t>
-            </a:r>
-            <a:r>
               <a:rPr lang="en-US" dirty="0"/>
-              <a:t>me </a:t>
-            </a:r>
-            <a:r>
-              <a:rPr lang="en-US" dirty="0" smtClean="0"/>
-              <a:t>Chandan</a:t>
-            </a:r>
-            <a:endParaRPr lang="en-US" dirty="0"/>
+              <a:t>Chandan Rupakheti - Call me Chandan</a:t>
+            </a:r>
           </a:p>
           <a:p>
             <a:r>
               <a:rPr lang="en-US" dirty="0"/>
-              <a:t>I </a:t>
-            </a:r>
-            <a:r>
-              <a:rPr lang="en-US" dirty="0" smtClean="0"/>
-              <a:t>enjoy learning and teaching Software Engineering courses</a:t>
+              <a:t>I enjoy learning and teaching Software Engineering courses</a:t>
             </a:r>
           </a:p>
           <a:p>
             <a:pPr lvl="1"/>
             <a:r>
-              <a:rPr lang="en-US" dirty="0" smtClean="0"/>
-              <a:t>My particular favorites are Object-Oriented Programming, </a:t>
-            </a:r>
-            <a:r>
               <a:rPr lang="en-US" dirty="0"/>
-              <a:t>Software Design</a:t>
-            </a:r>
-            <a:r>
-              <a:rPr lang="en-US" dirty="0" smtClean="0"/>
-              <a:t>, and  </a:t>
-            </a:r>
+              <a:t>My particular favorites are Object-Oriented Programming, Software Design, and  Software Architecture</a:t>
+            </a:r>
+          </a:p>
+          <a:p>
             <a:r>
               <a:rPr lang="en-US" dirty="0"/>
-              <a:t>Software Architecture</a:t>
+              <a:t>I’ve worked at ESRI, DASS, and on many software engineer research projects at graduate school</a:t>
             </a:r>
           </a:p>
           <a:p>
             <a:r>
               <a:rPr lang="en-US" dirty="0"/>
-              <a:t>I’ve worked at </a:t>
-            </a:r>
-            <a:r>
-              <a:rPr lang="en-US" dirty="0" smtClean="0"/>
-              <a:t>ESRI, DASS, and on many software engineer research projects at graduate school</a:t>
-            </a:r>
-            <a:endParaRPr lang="en-US" dirty="0"/>
-          </a:p>
-          <a:p>
-            <a:r>
-              <a:rPr lang="en-US" dirty="0"/>
-              <a:t>Contact info on the </a:t>
-            </a:r>
-            <a:r>
-              <a:rPr lang="en-US" dirty="0" smtClean="0"/>
-              <a:t>syllabus</a:t>
-            </a:r>
-            <a:endParaRPr lang="en-US" dirty="0"/>
+              <a:t>Contact info on the syllabus</a:t>
+            </a:r>
           </a:p>
         </p:txBody>
       </p:sp>
@@ -8119,10 +7878,9 @@
           <a:lstStyle/>
           <a:p>
             <a:r>
-              <a:rPr lang="en-US" dirty="0" smtClean="0"/>
+              <a:rPr lang="en-US" dirty="0"/>
               <a:t>Instructor Info</a:t>
             </a:r>
-            <a:endParaRPr lang="en-US" dirty="0"/>
           </a:p>
         </p:txBody>
       </p:sp>
@@ -8149,10 +7907,9 @@
           <a:lstStyle/>
           <a:p>
             <a:r>
-              <a:rPr lang="en-US" dirty="0" smtClean="0"/>
+              <a:rPr lang="en-US" dirty="0"/>
               <a:t>Aaron Wilkin</a:t>
             </a:r>
-            <a:endParaRPr lang="en-US" dirty="0"/>
           </a:p>
         </p:txBody>
       </p:sp>
@@ -8167,13 +7924,6 @@
     <a:masterClrMapping/>
   </p:clrMapOvr>
   <p:transition spd="med"/>
-  <p:timing>
-    <p:tnLst>
-      <p:par>
-        <p:cTn id="1" dur="indefinite" restart="never" nodeType="tmRoot"/>
-      </p:par>
-    </p:tnLst>
-  </p:timing>
 </p:sld>
 </file>
 
@@ -8504,10 +8254,9 @@
           <a:lstStyle/>
           <a:p>
             <a:r>
-              <a:rPr lang="en-US" dirty="0" smtClean="0"/>
+              <a:rPr lang="en-US" dirty="0"/>
               <a:t>Instructor Info (continued)</a:t>
             </a:r>
-            <a:endParaRPr lang="en-US" dirty="0"/>
           </a:p>
         </p:txBody>
       </p:sp>
@@ -8532,41 +8281,41 @@
           <a:lstStyle/>
           <a:p>
             <a:r>
-              <a:rPr lang="en-US" dirty="0" smtClean="0"/>
+              <a:rPr lang="en-US" dirty="0"/>
               <a:t>On Campus every day</a:t>
             </a:r>
           </a:p>
           <a:p>
             <a:pPr lvl="1"/>
             <a:r>
-              <a:rPr lang="en-US" dirty="0" smtClean="0"/>
+              <a:rPr lang="en-US" dirty="0"/>
               <a:t>Office Hours (F203)</a:t>
             </a:r>
           </a:p>
           <a:p>
             <a:pPr lvl="2"/>
             <a:r>
-              <a:rPr lang="is-IS" dirty="0" smtClean="0"/>
+              <a:rPr lang="is-IS" dirty="0"/>
               <a:t>…</a:t>
             </a:r>
-            <a:endParaRPr lang="en-US" dirty="0" smtClean="0"/>
+            <a:endParaRPr lang="en-US" dirty="0"/>
           </a:p>
           <a:p>
             <a:pPr lvl="1"/>
             <a:r>
-              <a:rPr lang="en-US" dirty="0" smtClean="0"/>
+              <a:rPr lang="en-US" dirty="0"/>
               <a:t>Email – </a:t>
             </a:r>
             <a:r>
-              <a:rPr lang="en-US" dirty="0" err="1" smtClean="0"/>
+              <a:rPr lang="en-US" dirty="0" err="1"/>
               <a:t>wilkin@rose-hulman.edu</a:t>
             </a:r>
-            <a:endParaRPr lang="en-US" dirty="0" smtClean="0"/>
+            <a:endParaRPr lang="en-US" dirty="0"/>
           </a:p>
           <a:p>
             <a:pPr lvl="1"/>
             <a:r>
-              <a:rPr lang="en-US" dirty="0" smtClean="0"/>
+              <a:rPr lang="en-US" dirty="0"/>
               <a:t>If you need another time, let me know and I’ll do my best</a:t>
             </a:r>
           </a:p>
@@ -8586,13 +8335,6 @@
     <a:masterClrMapping/>
   </p:clrMapOvr>
   <p:transition spd="med"/>
-  <p:timing>
-    <p:tnLst>
-      <p:par>
-        <p:cTn id="1" dur="indefinite" restart="never" nodeType="tmRoot"/>
-      </p:par>
-    </p:tnLst>
-  </p:timing>
 </p:sld>
 </file>
 
@@ -8629,10 +8371,9 @@
           <a:lstStyle/>
           <a:p>
             <a:r>
-              <a:rPr lang="en-US" dirty="0" smtClean="0"/>
+              <a:rPr lang="en-US" dirty="0"/>
               <a:t>Instructor Info</a:t>
             </a:r>
-            <a:endParaRPr lang="en-US" dirty="0"/>
           </a:p>
         </p:txBody>
       </p:sp>
@@ -8659,72 +8400,70 @@
           <a:lstStyle/>
           <a:p>
             <a:r>
-              <a:rPr lang="en-US" dirty="0" err="1" smtClean="0"/>
+              <a:rPr lang="en-US" dirty="0" err="1"/>
               <a:t>Delvin</a:t>
             </a:r>
             <a:r>
-              <a:rPr lang="en-US" dirty="0" smtClean="0"/>
+              <a:rPr lang="en-US" dirty="0"/>
               <a:t> Defoe</a:t>
             </a:r>
-            <a:endParaRPr lang="en-US" dirty="0"/>
           </a:p>
           <a:p>
             <a:pPr lvl="1"/>
             <a:r>
-              <a:rPr lang="en-US" dirty="0" smtClean="0"/>
+              <a:rPr lang="en-US" dirty="0"/>
               <a:t>PhD, Washington University in St Louis 2007</a:t>
             </a:r>
           </a:p>
           <a:p>
             <a:pPr lvl="1"/>
             <a:r>
-              <a:rPr lang="en-US" dirty="0" smtClean="0"/>
+              <a:rPr lang="en-US" dirty="0"/>
               <a:t>Computer Science and Engineering</a:t>
             </a:r>
           </a:p>
           <a:p>
             <a:r>
-              <a:rPr lang="en-US" dirty="0" smtClean="0"/>
+              <a:rPr lang="en-US" dirty="0"/>
               <a:t>Tenured Associate Professor</a:t>
             </a:r>
           </a:p>
           <a:p>
             <a:pPr lvl="1"/>
             <a:r>
-              <a:rPr lang="en-US" dirty="0" smtClean="0"/>
+              <a:rPr lang="en-US" dirty="0"/>
               <a:t>Fall 2013</a:t>
             </a:r>
           </a:p>
           <a:p>
             <a:r>
-              <a:rPr lang="en-US" dirty="0" smtClean="0"/>
+              <a:rPr lang="en-US" dirty="0"/>
               <a:t>SEP</a:t>
             </a:r>
           </a:p>
           <a:p>
             <a:pPr lvl="1"/>
             <a:r>
-              <a:rPr lang="en-US" dirty="0" smtClean="0"/>
+              <a:rPr lang="en-US" dirty="0"/>
               <a:t>June 2014 – July 2015</a:t>
             </a:r>
           </a:p>
           <a:p>
             <a:r>
-              <a:rPr lang="en-US" dirty="0" smtClean="0"/>
+              <a:rPr lang="en-US" dirty="0"/>
               <a:t>Christian</a:t>
             </a:r>
           </a:p>
           <a:p>
             <a:pPr lvl="1"/>
             <a:r>
-              <a:rPr lang="en-US" dirty="0" err="1" smtClean="0"/>
+              <a:rPr lang="en-US" dirty="0" err="1"/>
               <a:t>Knightsville</a:t>
             </a:r>
             <a:r>
-              <a:rPr lang="en-US" dirty="0" smtClean="0"/>
+              <a:rPr lang="en-US" dirty="0"/>
               <a:t> Church of Christ</a:t>
             </a:r>
-            <a:endParaRPr lang="en-US" dirty="0"/>
           </a:p>
         </p:txBody>
       </p:sp>
@@ -8739,13 +8478,6 @@
     <a:masterClrMapping/>
   </p:clrMapOvr>
   <p:transition spd="med"/>
-  <p:timing>
-    <p:tnLst>
-      <p:par>
-        <p:cTn id="1" dur="indefinite" restart="never" nodeType="tmRoot"/>
-      </p:par>
-    </p:tnLst>
-  </p:timing>
 </p:sld>
 </file>
 
@@ -8782,10 +8514,9 @@
           <a:lstStyle/>
           <a:p>
             <a:r>
-              <a:rPr lang="en-US" dirty="0" smtClean="0"/>
+              <a:rPr lang="en-US" dirty="0"/>
               <a:t>Instructor Info (continued)</a:t>
             </a:r>
-            <a:endParaRPr lang="en-US" dirty="0"/>
           </a:p>
         </p:txBody>
       </p:sp>
@@ -8810,29 +8541,29 @@
           <a:lstStyle/>
           <a:p>
             <a:r>
-              <a:rPr lang="en-US" dirty="0" smtClean="0"/>
+              <a:rPr lang="en-US" dirty="0"/>
               <a:t>On Campus Mon., Tues., </a:t>
             </a:r>
             <a:r>
-              <a:rPr lang="en-US" dirty="0" err="1" smtClean="0"/>
+              <a:rPr lang="en-US" dirty="0" err="1"/>
               <a:t>Wednes</a:t>
             </a:r>
             <a:r>
-              <a:rPr lang="en-US" dirty="0" smtClean="0"/>
+              <a:rPr lang="en-US" dirty="0"/>
               <a:t>., Fri.</a:t>
             </a:r>
           </a:p>
           <a:p>
             <a:pPr lvl="1"/>
             <a:r>
-              <a:rPr lang="en-US" dirty="0" smtClean="0"/>
+              <a:rPr lang="en-US" dirty="0"/>
               <a:t>Office Hours (M240D)</a:t>
             </a:r>
           </a:p>
           <a:p>
             <a:pPr lvl="2"/>
             <a:r>
-              <a:rPr lang="en-US" dirty="0" smtClean="0"/>
+              <a:rPr lang="en-US" dirty="0"/>
               <a:t>See my schedule page </a:t>
             </a:r>
           </a:p>
@@ -8862,19 +8593,19 @@
               <a:rPr lang="en-US" dirty="0" err="1"/>
               <a:t>schedule.html</a:t>
             </a:r>
-            <a:endParaRPr lang="en-US" dirty="0" smtClean="0"/>
+            <a:endParaRPr lang="en-US" dirty="0"/>
           </a:p>
           <a:p>
             <a:pPr lvl="1"/>
             <a:r>
-              <a:rPr lang="en-US" dirty="0" smtClean="0"/>
+              <a:rPr lang="en-US" dirty="0"/>
               <a:t>Email – Always by my phone/computer</a:t>
             </a:r>
           </a:p>
           <a:p>
             <a:pPr lvl="1"/>
             <a:r>
-              <a:rPr lang="en-US" dirty="0" smtClean="0"/>
+              <a:rPr lang="en-US" dirty="0"/>
               <a:t>If you need another time, let me know and I’ll do my best</a:t>
             </a:r>
           </a:p>
@@ -8894,18 +8625,11 @@
     <a:masterClrMapping/>
   </p:clrMapOvr>
   <p:transition spd="med"/>
-  <p:timing>
-    <p:tnLst>
-      <p:par>
-        <p:cTn id="1" dur="indefinite" restart="never" nodeType="tmRoot"/>
-      </p:par>
-    </p:tnLst>
-  </p:timing>
 </p:sld>
 </file>
 
 <file path=ppt/slides/slide19.xml><?xml version="1.0" encoding="utf-8"?>
-<p:sld xmlns:a="http://schemas.openxmlformats.org/drawingml/2006/main" xmlns:r="http://schemas.openxmlformats.org/officeDocument/2006/relationships" xmlns:p="http://schemas.openxmlformats.org/presentationml/2006/main">
+<p:sld xmlns:a="http://schemas.openxmlformats.org/drawingml/2006/main" xmlns:r="http://schemas.openxmlformats.org/officeDocument/2006/relationships" xmlns:p="http://schemas.openxmlformats.org/presentationml/2006/main" show="0">
   <p:cSld>
     <p:spTree>
       <p:nvGrpSpPr>
@@ -8937,10 +8661,9 @@
           <a:lstStyle/>
           <a:p>
             <a:r>
-              <a:rPr lang="en-US" dirty="0" smtClean="0"/>
+              <a:rPr lang="en-US" dirty="0"/>
               <a:t>Instructor Info</a:t>
             </a:r>
-            <a:endParaRPr lang="en-US" dirty="0"/>
           </a:p>
         </p:txBody>
       </p:sp>
@@ -8965,7 +8688,7 @@
           <a:lstStyle/>
           <a:p>
             <a:r>
-              <a:rPr lang="en-US" dirty="0" smtClean="0"/>
+              <a:rPr lang="en-US" dirty="0"/>
               <a:t>Jason Yoder</a:t>
             </a:r>
           </a:p>
@@ -8973,50 +8696,45 @@
             <a:pPr lvl="1"/>
             <a:r>
               <a:rPr lang="en-US" dirty="0"/>
-              <a:t>Visiting Professor CSSE </a:t>
-            </a:r>
-            <a:r>
-              <a:rPr lang="en-US" dirty="0" smtClean="0"/>
-              <a:t>2017-2018</a:t>
-            </a:r>
-            <a:endParaRPr lang="en-US" dirty="0" smtClean="0"/>
+              <a:t>Visiting Professor CSSE 2017-2018</a:t>
+            </a:r>
           </a:p>
           <a:p>
             <a:pPr lvl="1"/>
             <a:r>
-              <a:rPr lang="en-US" dirty="0" smtClean="0"/>
+              <a:rPr lang="en-US" dirty="0"/>
               <a:t>You can call me:</a:t>
             </a:r>
           </a:p>
           <a:p>
             <a:pPr lvl="2"/>
             <a:r>
-              <a:rPr lang="en-US" dirty="0" smtClean="0"/>
+              <a:rPr lang="en-US" dirty="0"/>
               <a:t>Jason</a:t>
             </a:r>
           </a:p>
           <a:p>
             <a:pPr lvl="2"/>
             <a:r>
-              <a:rPr lang="en-US" dirty="0" smtClean="0"/>
+              <a:rPr lang="en-US" dirty="0"/>
               <a:t>Professor Yoder</a:t>
             </a:r>
           </a:p>
           <a:p>
             <a:pPr lvl="1"/>
             <a:r>
-              <a:rPr lang="en-US" dirty="0" smtClean="0"/>
+              <a:rPr lang="en-US" dirty="0"/>
               <a:t>Don’t call me:</a:t>
             </a:r>
           </a:p>
           <a:p>
             <a:pPr lvl="2"/>
             <a:r>
-              <a:rPr lang="en-US" strike="sngStrike" dirty="0" smtClean="0"/>
+              <a:rPr lang="en-US" strike="sngStrike" dirty="0"/>
               <a:t>Dr. Yoder</a:t>
             </a:r>
             <a:r>
-              <a:rPr lang="en-US" dirty="0" smtClean="0"/>
+              <a:rPr lang="en-US" dirty="0"/>
               <a:t> (more info at end of class)</a:t>
             </a:r>
           </a:p>
@@ -9039,13 +8757,6 @@
     <a:masterClrMapping/>
   </p:clrMapOvr>
   <p:transition spd="med"/>
-  <p:timing>
-    <p:tnLst>
-      <p:par>
-        <p:cTn id="1" dur="indefinite" restart="never" nodeType="tmRoot"/>
-      </p:par>
-    </p:tnLst>
-  </p:timing>
 </p:sld>
 </file>
 
@@ -9082,10 +8793,9 @@
           <a:lstStyle/>
           <a:p>
             <a:r>
-              <a:rPr lang="en-US" dirty="0" smtClean="0"/>
+              <a:rPr lang="en-US" dirty="0"/>
               <a:t>Goals for this course</a:t>
             </a:r>
-            <a:endParaRPr lang="en-US" dirty="0"/>
           </a:p>
         </p:txBody>
       </p:sp>
@@ -9107,56 +8817,55 @@
           <a:lstStyle/>
           <a:p>
             <a:r>
-              <a:rPr lang="en-US" dirty="0" smtClean="0"/>
+              <a:rPr lang="en-US" dirty="0"/>
               <a:t>Move from Python to Java</a:t>
             </a:r>
           </a:p>
           <a:p>
             <a:pPr lvl="1"/>
             <a:r>
-              <a:rPr lang="en-US" dirty="0" smtClean="0"/>
+              <a:rPr lang="en-US" dirty="0"/>
               <a:t>Lots of little programs in the first few weeks</a:t>
             </a:r>
           </a:p>
           <a:p>
             <a:r>
-              <a:rPr lang="en-US" dirty="0" smtClean="0"/>
+              <a:rPr lang="en-US" dirty="0"/>
               <a:t>Move from writing method bodies to writing whole classes from scratch</a:t>
             </a:r>
           </a:p>
           <a:p>
             <a:pPr lvl="1"/>
             <a:r>
-              <a:rPr lang="en-US" dirty="0" smtClean="0"/>
+              <a:rPr lang="en-US" dirty="0"/>
               <a:t>Learn how to design programs</a:t>
             </a:r>
           </a:p>
           <a:p>
             <a:r>
-              <a:rPr lang="en-US" dirty="0" smtClean="0"/>
+              <a:rPr lang="en-US" dirty="0"/>
               <a:t>Break up larger programs into multiple classes</a:t>
             </a:r>
           </a:p>
           <a:p>
             <a:pPr lvl="1"/>
             <a:r>
-              <a:rPr lang="en-US" dirty="0" smtClean="0"/>
+              <a:rPr lang="en-US" dirty="0"/>
               <a:t>Arcade Game project</a:t>
             </a:r>
           </a:p>
           <a:p>
             <a:r>
-              <a:rPr lang="en-US" dirty="0" smtClean="0"/>
+              <a:rPr lang="en-US" dirty="0"/>
               <a:t>Learn algorithms and data storage</a:t>
             </a:r>
           </a:p>
           <a:p>
             <a:pPr lvl="1"/>
             <a:r>
-              <a:rPr lang="en-US" dirty="0" smtClean="0"/>
+              <a:rPr lang="en-US" dirty="0"/>
               <a:t>Maps, Sorting, mixed patterns and problem solving</a:t>
             </a:r>
-            <a:endParaRPr lang="en-US" dirty="0"/>
           </a:p>
         </p:txBody>
       </p:sp>
@@ -9171,13 +8880,6 @@
     <a:masterClrMapping/>
   </p:clrMapOvr>
   <p:transition spd="med"/>
-  <p:timing>
-    <p:tnLst>
-      <p:par>
-        <p:cTn id="1" dur="indefinite" restart="never" nodeType="tmRoot"/>
-      </p:par>
-    </p:tnLst>
-  </p:timing>
 </p:sld>
 </file>
 
@@ -9214,10 +8916,9 @@
           <a:lstStyle/>
           <a:p>
             <a:r>
-              <a:rPr lang="en-US" dirty="0" smtClean="0"/>
+              <a:rPr lang="en-US" dirty="0"/>
               <a:t>Critical Logistics</a:t>
             </a:r>
-            <a:endParaRPr lang="en-US" dirty="0"/>
           </a:p>
         </p:txBody>
       </p:sp>
@@ -9238,61 +8939,27 @@
           </a:xfrm>
         </p:spPr>
         <p:txBody>
-          <a:bodyPr/>
+          <a:bodyPr lIns="45719" rIns="45719" anchor="t">
+            <a:normAutofit/>
+          </a:bodyPr>
           <a:lstStyle/>
           <a:p>
             <a:r>
-              <a:rPr lang="en-US" dirty="0" smtClean="0"/>
+              <a:rPr lang="en-US" dirty="0"/>
               <a:t>You have 2 homework assignments in the very near future</a:t>
             </a:r>
           </a:p>
           <a:p>
             <a:r>
-              <a:rPr lang="en-US" dirty="0" smtClean="0"/>
-              <a:t>See all assignment due dates here:</a:t>
-            </a:r>
-          </a:p>
-          <a:p>
-            <a:pPr marL="0" indent="0">
-              <a:buNone/>
-            </a:pPr>
-            <a:r>
-              <a:rPr lang="en-US" sz="1800" dirty="0" smtClean="0">
-                <a:hlinkClick r:id="rId2"/>
-              </a:rPr>
-              <a:t>https://</a:t>
-            </a:r>
-            <a:r>
-              <a:rPr lang="en-US" sz="1800" dirty="0" smtClean="0">
-                <a:hlinkClick r:id="rId2"/>
-              </a:rPr>
-              <a:t>www.rose-hulman.edu/class/csse/csse220/201830/Schedule/Schedule.htm</a:t>
-            </a:r>
-            <a:endParaRPr lang="en-US" sz="1800" dirty="0" smtClean="0"/>
-          </a:p>
-          <a:p>
-            <a:r>
-              <a:rPr lang="en-US" dirty="0" smtClean="0"/>
-              <a:t>We will only go over the course policies if we have time, but they are covered in detail in the syllabus here:</a:t>
-            </a:r>
-          </a:p>
-          <a:p>
-            <a:pPr marL="0" indent="0">
-              <a:buNone/>
-            </a:pPr>
-            <a:r>
-              <a:rPr lang="en-US" sz="1800" dirty="0" smtClean="0">
-                <a:hlinkClick r:id="rId3"/>
-              </a:rPr>
-              <a:t>https://</a:t>
-            </a:r>
-            <a:r>
-              <a:rPr lang="en-US" sz="1800" dirty="0" smtClean="0">
-                <a:hlinkClick r:id="rId3"/>
-              </a:rPr>
-              <a:t>www.rose-hulman.edu/class/csse/csse220/201830/syllabus.html</a:t>
-            </a:r>
-            <a:endParaRPr lang="en-US" sz="1800" dirty="0" smtClean="0"/>
+              <a:rPr lang="en-US" dirty="0"/>
+              <a:t>To see all assignment due dates, follow the "Course Schedule" link on Moodle</a:t>
+            </a:r>
+          </a:p>
+          <a:p>
+            <a:r>
+              <a:rPr lang="en-US" dirty="0"/>
+              <a:t>We will only go over the course policies if we have time, but they are covered in the "Course Policies" page link on Moodle</a:t>
+            </a:r>
           </a:p>
           <a:p>
             <a:pPr marL="0" indent="0">
@@ -9304,16 +8971,10 @@
             <a:pPr marL="0" indent="0">
               <a:buNone/>
             </a:pPr>
-            <a:endParaRPr lang="en-US" dirty="0" smtClean="0"/>
-          </a:p>
-          <a:p>
-            <a:pPr marL="0" indent="0">
-              <a:buNone/>
-            </a:pPr>
-            <a:endParaRPr lang="en-US" dirty="0" smtClean="0"/>
-          </a:p>
-          <a:p>
-            <a:endParaRPr lang="en-US" dirty="0" smtClean="0"/>
+            <a:endParaRPr lang="en-US" dirty="0"/>
+          </a:p>
+          <a:p>
+            <a:endParaRPr lang="en-US" dirty="0"/>
           </a:p>
           <a:p>
             <a:endParaRPr lang="en-US" dirty="0"/>
@@ -9331,13 +8992,6 @@
     <a:masterClrMapping/>
   </p:clrMapOvr>
   <p:transition spd="med"/>
-  <p:timing>
-    <p:tnLst>
-      <p:par>
-        <p:cTn id="1" dur="indefinite" restart="never" nodeType="tmRoot"/>
-      </p:par>
-    </p:tnLst>
-  </p:timing>
 </p:sld>
 </file>
 
@@ -9374,10 +9028,9 @@
           <a:lstStyle/>
           <a:p>
             <a:r>
-              <a:rPr lang="en-US" dirty="0" smtClean="0"/>
+              <a:rPr lang="en-US" dirty="0"/>
               <a:t>Agenda</a:t>
             </a:r>
-            <a:endParaRPr lang="en-US" dirty="0"/>
           </a:p>
         </p:txBody>
       </p:sp>
@@ -9397,60 +9050,57 @@
           <a:lstStyle/>
           <a:p>
             <a:r>
-              <a:rPr lang="en-US" strike="sngStrike" dirty="0" smtClean="0"/>
+              <a:rPr lang="en-US" strike="sngStrike" dirty="0"/>
               <a:t>Instructor intro</a:t>
             </a:r>
           </a:p>
           <a:p>
             <a:r>
-              <a:rPr lang="en-US" strike="sngStrike" dirty="0" smtClean="0"/>
+              <a:rPr lang="en-US" strike="sngStrike" dirty="0"/>
               <a:t>Critical links</a:t>
             </a:r>
           </a:p>
           <a:p>
             <a:r>
-              <a:rPr lang="en-US" b="1" dirty="0" smtClean="0"/>
-              <a:t>Verify Eclipse and </a:t>
-            </a:r>
-            <a:r>
-              <a:rPr lang="en-US" b="1" dirty="0" err="1"/>
-              <a:t>S</a:t>
-            </a:r>
-            <a:r>
-              <a:rPr lang="en-US" b="1" dirty="0" err="1" smtClean="0"/>
-              <a:t>ubclipse</a:t>
-            </a:r>
-            <a:r>
-              <a:rPr lang="en-US" b="1" dirty="0" smtClean="0"/>
+              <a:rPr lang="en-US" strike="sngStrike" dirty="0"/>
+              <a:t>Verify eclipse and </a:t>
+            </a:r>
+            <a:r>
+              <a:rPr lang="en-US" strike="sngStrike" dirty="0" err="1"/>
+              <a:t>subclipse</a:t>
+            </a:r>
+            <a:r>
+              <a:rPr lang="en-US" strike="sngStrike" dirty="0"/>
               <a:t> configuration</a:t>
             </a:r>
           </a:p>
           <a:p>
             <a:r>
-              <a:rPr lang="en-US" dirty="0" smtClean="0"/>
+              <a:rPr lang="en-US" b="1" dirty="0"/>
               <a:t>We write some java code</a:t>
             </a:r>
           </a:p>
           <a:p>
             <a:pPr lvl="1"/>
             <a:r>
-              <a:rPr lang="en-US" dirty="0" smtClean="0"/>
+              <a:rPr lang="en-US" b="1" dirty="0"/>
               <a:t>Conditionals</a:t>
             </a:r>
           </a:p>
           <a:p>
             <a:pPr lvl="1"/>
             <a:r>
-              <a:rPr lang="en-US" dirty="0" smtClean="0"/>
+              <a:rPr lang="en-US" b="1" dirty="0"/>
               <a:t>Strings</a:t>
             </a:r>
           </a:p>
           <a:p>
             <a:pPr lvl="1"/>
             <a:r>
-              <a:rPr lang="en-US" dirty="0" smtClean="0"/>
+              <a:rPr lang="en-US" b="1" dirty="0"/>
               <a:t>Loops</a:t>
             </a:r>
+            <a:endParaRPr lang="en-US" dirty="0"/>
           </a:p>
           <a:p>
             <a:endParaRPr lang="en-US" dirty="0"/>
@@ -9460,7 +9110,7 @@
     </p:spTree>
     <p:extLst>
       <p:ext uri="{BB962C8B-B14F-4D97-AF65-F5344CB8AC3E}">
-        <p14:creationId xmlns:p14="http://schemas.microsoft.com/office/powerpoint/2010/main" val="3779267257"/>
+        <p14:creationId xmlns:p14="http://schemas.microsoft.com/office/powerpoint/2010/main" val="2266639869"/>
       </p:ext>
     </p:extLst>
   </p:cSld>
@@ -9468,17 +9118,82 @@
     <a:masterClrMapping/>
   </p:clrMapOvr>
   <p:transition spd="med"/>
-  <p:timing>
-    <p:tnLst>
-      <p:par>
-        <p:cTn id="1" dur="indefinite" restart="never" nodeType="tmRoot"/>
-      </p:par>
-    </p:tnLst>
-  </p:timing>
 </p:sld>
 </file>
 
 <file path=ppt/slides/slide22.xml><?xml version="1.0" encoding="utf-8"?>
+<p:sld xmlns:a="http://schemas.openxmlformats.org/drawingml/2006/main" xmlns:r="http://schemas.openxmlformats.org/officeDocument/2006/relationships" xmlns:p="http://schemas.openxmlformats.org/presentationml/2006/main">
+  <p:cSld>
+    <p:spTree>
+      <p:nvGrpSpPr>
+        <p:cNvPr id="1" name=""/>
+        <p:cNvGrpSpPr/>
+        <p:nvPr/>
+      </p:nvGrpSpPr>
+      <p:grpSpPr>
+        <a:xfrm>
+          <a:off x="0" y="0"/>
+          <a:ext cx="0" cy="0"/>
+          <a:chOff x="0" y="0"/>
+          <a:chExt cx="0" cy="0"/>
+        </a:xfrm>
+      </p:grpSpPr>
+      <p:sp>
+        <p:nvSpPr>
+          <p:cNvPr id="2" name="Title 1"/>
+          <p:cNvSpPr>
+            <a:spLocks noGrp="1"/>
+          </p:cNvSpPr>
+          <p:nvPr>
+            <p:ph type="title"/>
+          </p:nvPr>
+        </p:nvSpPr>
+        <p:spPr/>
+        <p:txBody>
+          <a:bodyPr/>
+          <a:lstStyle/>
+          <a:p>
+            <a:r>
+              <a:rPr lang="en-US" dirty="0"/>
+              <a:t>Let’s write hello world together</a:t>
+            </a:r>
+          </a:p>
+        </p:txBody>
+      </p:sp>
+      <p:sp>
+        <p:nvSpPr>
+          <p:cNvPr id="3" name="Text Placeholder 2"/>
+          <p:cNvSpPr>
+            <a:spLocks noGrp="1"/>
+          </p:cNvSpPr>
+          <p:nvPr>
+            <p:ph type="body" idx="1"/>
+          </p:nvPr>
+        </p:nvSpPr>
+        <p:spPr/>
+        <p:txBody>
+          <a:bodyPr/>
+          <a:lstStyle/>
+          <a:p>
+            <a:endParaRPr lang="en-US" dirty="0"/>
+          </a:p>
+        </p:txBody>
+      </p:sp>
+    </p:spTree>
+    <p:extLst>
+      <p:ext uri="{BB962C8B-B14F-4D97-AF65-F5344CB8AC3E}">
+        <p14:creationId xmlns:p14="http://schemas.microsoft.com/office/powerpoint/2010/main" val="3050790655"/>
+      </p:ext>
+    </p:extLst>
+  </p:cSld>
+  <p:clrMapOvr>
+    <a:masterClrMapping/>
+  </p:clrMapOvr>
+  <p:transition spd="med"/>
+</p:sld>
+</file>
+
+<file path=ppt/slides/slide23.xml><?xml version="1.0" encoding="utf-8"?>
 <p:sld xmlns:a="http://schemas.openxmlformats.org/drawingml/2006/main" xmlns:r="http://schemas.openxmlformats.org/officeDocument/2006/relationships" xmlns:p="http://schemas.openxmlformats.org/presentationml/2006/main" show="0">
   <p:cSld>
     <p:spTree>
@@ -9497,1576 +9212,6 @@
       </p:grpSpPr>
       <p:sp>
         <p:nvSpPr>
-          <p:cNvPr id="2" name="Title 1"/>
-          <p:cNvSpPr>
-            <a:spLocks noGrp="1"/>
-          </p:cNvSpPr>
-          <p:nvPr>
-            <p:ph type="title"/>
-          </p:nvPr>
-        </p:nvSpPr>
-        <p:spPr/>
-        <p:txBody>
-          <a:bodyPr/>
-          <a:lstStyle/>
-          <a:p>
-            <a:r>
-              <a:rPr lang="en-US" dirty="0" smtClean="0"/>
-              <a:t>Check the Repository Folder	</a:t>
-            </a:r>
-            <a:endParaRPr lang="en-US" dirty="0"/>
-          </a:p>
-        </p:txBody>
-      </p:sp>
-      <p:sp>
-        <p:nvSpPr>
-          <p:cNvPr id="3" name="Text Placeholder 2"/>
-          <p:cNvSpPr>
-            <a:spLocks noGrp="1"/>
-          </p:cNvSpPr>
-          <p:nvPr>
-            <p:ph type="body" idx="1"/>
-          </p:nvPr>
-        </p:nvSpPr>
-        <p:spPr>
-          <a:xfrm>
-            <a:off x="457200" y="1295400"/>
-            <a:ext cx="8229600" cy="5562600"/>
-          </a:xfrm>
-        </p:spPr>
-        <p:txBody>
-          <a:bodyPr>
-            <a:normAutofit/>
-          </a:bodyPr>
-          <a:lstStyle/>
-          <a:p>
-            <a:r>
-              <a:rPr lang="en-US" dirty="0" smtClean="0"/>
-              <a:t>Click Start </a:t>
-            </a:r>
-            <a:r>
-              <a:rPr lang="en-US" dirty="0" smtClean="0">
-                <a:sym typeface="Wingdings" panose="05000000000000000000" pitchFamily="2" charset="2"/>
-              </a:rPr>
-              <a:t> Computer</a:t>
-            </a:r>
-          </a:p>
-          <a:p>
-            <a:r>
-              <a:rPr lang="en-US" dirty="0" smtClean="0"/>
-              <a:t>Double-Click “Local Disk (C:)”</a:t>
-            </a:r>
-          </a:p>
-          <a:p>
-            <a:r>
-              <a:rPr lang="en-US" dirty="0" smtClean="0"/>
-              <a:t>Double-Click “</a:t>
-            </a:r>
-            <a:r>
-              <a:rPr lang="en-US" dirty="0" err="1" smtClean="0"/>
-              <a:t>EclipseWorkspaces</a:t>
-            </a:r>
-            <a:r>
-              <a:rPr lang="en-US" dirty="0" smtClean="0"/>
-              <a:t>”</a:t>
-            </a:r>
-          </a:p>
-          <a:p>
-            <a:pPr lvl="1"/>
-            <a:r>
-              <a:rPr lang="en-US" dirty="0" smtClean="0"/>
-              <a:t>If it doesn’t exist, create it</a:t>
-            </a:r>
-          </a:p>
-          <a:p>
-            <a:r>
-              <a:rPr lang="en-US" dirty="0" smtClean="0"/>
-              <a:t>Verify that you have a folder named “csse220”</a:t>
-            </a:r>
-          </a:p>
-          <a:p>
-            <a:pPr lvl="1"/>
-            <a:r>
-              <a:rPr lang="en-US" dirty="0" smtClean="0"/>
-              <a:t>If it doesn’t exist, create it</a:t>
-            </a:r>
-          </a:p>
-          <a:p>
-            <a:r>
-              <a:rPr lang="en-US" dirty="0" smtClean="0"/>
-              <a:t>If you have taken the course before:</a:t>
-            </a:r>
-          </a:p>
-          <a:p>
-            <a:pPr lvl="1"/>
-            <a:r>
-              <a:rPr lang="en-US" dirty="0" smtClean="0"/>
-              <a:t>Rename the existing folder to “csse220-old”</a:t>
-            </a:r>
-          </a:p>
-          <a:p>
-            <a:pPr lvl="1"/>
-            <a:r>
-              <a:rPr lang="en-US" dirty="0" smtClean="0"/>
-              <a:t>Create a new folder named “csse220”</a:t>
-            </a:r>
-          </a:p>
-        </p:txBody>
-      </p:sp>
-    </p:spTree>
-    <p:extLst>
-      <p:ext uri="{BB962C8B-B14F-4D97-AF65-F5344CB8AC3E}">
-        <p14:creationId xmlns:p14="http://schemas.microsoft.com/office/powerpoint/2010/main" val="295313603"/>
-      </p:ext>
-    </p:extLst>
-  </p:cSld>
-  <p:clrMapOvr>
-    <a:masterClrMapping/>
-  </p:clrMapOvr>
-  <p:transition spd="med"/>
-  <p:timing>
-    <p:tnLst>
-      <p:par>
-        <p:cTn id="1" dur="indefinite" restart="never" nodeType="tmRoot"/>
-      </p:par>
-    </p:tnLst>
-  </p:timing>
-</p:sld>
-</file>
-
-<file path=ppt/slides/slide23.xml><?xml version="1.0" encoding="utf-8"?>
-<p:sld xmlns:a="http://schemas.openxmlformats.org/drawingml/2006/main" xmlns:r="http://schemas.openxmlformats.org/officeDocument/2006/relationships" xmlns:p="http://schemas.openxmlformats.org/presentationml/2006/main">
-  <p:cSld>
-    <p:spTree>
-      <p:nvGrpSpPr>
-        <p:cNvPr id="1" name=""/>
-        <p:cNvGrpSpPr/>
-        <p:nvPr/>
-      </p:nvGrpSpPr>
-      <p:grpSpPr>
-        <a:xfrm>
-          <a:off x="0" y="0"/>
-          <a:ext cx="0" cy="0"/>
-          <a:chOff x="0" y="0"/>
-          <a:chExt cx="0" cy="0"/>
-        </a:xfrm>
-      </p:grpSpPr>
-      <p:sp>
-        <p:nvSpPr>
-          <p:cNvPr id="2" name="Title 1"/>
-          <p:cNvSpPr>
-            <a:spLocks noGrp="1"/>
-          </p:cNvSpPr>
-          <p:nvPr>
-            <p:ph type="title"/>
-          </p:nvPr>
-        </p:nvSpPr>
-        <p:spPr/>
-        <p:txBody>
-          <a:bodyPr/>
-          <a:lstStyle/>
-          <a:p>
-            <a:r>
-              <a:rPr lang="en-US" dirty="0" smtClean="0"/>
-              <a:t>Opening Eclipse</a:t>
-            </a:r>
-            <a:endParaRPr lang="en-US" dirty="0"/>
-          </a:p>
-        </p:txBody>
-      </p:sp>
-      <p:sp>
-        <p:nvSpPr>
-          <p:cNvPr id="3" name="Text Placeholder 2"/>
-          <p:cNvSpPr>
-            <a:spLocks noGrp="1"/>
-          </p:cNvSpPr>
-          <p:nvPr>
-            <p:ph type="body" idx="1"/>
-          </p:nvPr>
-        </p:nvSpPr>
-        <p:spPr>
-          <a:xfrm>
-            <a:off x="457200" y="1371600"/>
-            <a:ext cx="8229600" cy="5257800"/>
-          </a:xfrm>
-        </p:spPr>
-        <p:txBody>
-          <a:bodyPr>
-            <a:normAutofit lnSpcReduction="10000"/>
-          </a:bodyPr>
-          <a:lstStyle/>
-          <a:p>
-            <a:r>
-              <a:rPr lang="en-US" dirty="0" smtClean="0"/>
-              <a:t>Start Eclipse</a:t>
-            </a:r>
-          </a:p>
-          <a:p>
-            <a:pPr lvl="1"/>
-            <a:r>
-              <a:rPr lang="en-US" dirty="0" smtClean="0"/>
-              <a:t>Go to C:\Program Files\eclipse</a:t>
-            </a:r>
-          </a:p>
-          <a:p>
-            <a:pPr lvl="1"/>
-            <a:r>
-              <a:rPr lang="en-US" dirty="0" smtClean="0"/>
-              <a:t>Double-click “eclipse.exe”</a:t>
-            </a:r>
-          </a:p>
-          <a:p>
-            <a:r>
-              <a:rPr lang="en-US" dirty="0" smtClean="0"/>
-              <a:t>When prompted for the workspace, enter:</a:t>
-            </a:r>
-          </a:p>
-          <a:p>
-            <a:pPr lvl="1"/>
-            <a:r>
-              <a:rPr lang="en-US" dirty="0" smtClean="0"/>
-              <a:t>C:\EclipseWorkspaces\csse220 (or any other place you like)</a:t>
-            </a:r>
-          </a:p>
-          <a:p>
-            <a:r>
-              <a:rPr lang="en-US" dirty="0" smtClean="0"/>
-              <a:t>If not prompted for the workspace, after Eclipse loads:</a:t>
-            </a:r>
-          </a:p>
-          <a:p>
-            <a:pPr lvl="1"/>
-            <a:r>
-              <a:rPr lang="en-US" dirty="0" smtClean="0"/>
-              <a:t>Click File </a:t>
-            </a:r>
-            <a:r>
-              <a:rPr lang="en-US" dirty="0" smtClean="0">
-                <a:sym typeface="Wingdings" panose="05000000000000000000" pitchFamily="2" charset="2"/>
-              </a:rPr>
-              <a:t> Switch Workspaces  Other</a:t>
-            </a:r>
-          </a:p>
-          <a:p>
-            <a:pPr lvl="1"/>
-            <a:r>
-              <a:rPr lang="en-US" dirty="0" smtClean="0"/>
-              <a:t>Enter path above</a:t>
-            </a:r>
-            <a:endParaRPr lang="en-US" dirty="0"/>
-          </a:p>
-        </p:txBody>
-      </p:sp>
-    </p:spTree>
-    <p:extLst>
-      <p:ext uri="{BB962C8B-B14F-4D97-AF65-F5344CB8AC3E}">
-        <p14:creationId xmlns:p14="http://schemas.microsoft.com/office/powerpoint/2010/main" val="3456565198"/>
-      </p:ext>
-    </p:extLst>
-  </p:cSld>
-  <p:clrMapOvr>
-    <a:masterClrMapping/>
-  </p:clrMapOvr>
-  <p:transition spd="med"/>
-  <p:timing>
-    <p:tnLst>
-      <p:par>
-        <p:cTn id="1" dur="indefinite" restart="never" nodeType="tmRoot"/>
-      </p:par>
-    </p:tnLst>
-  </p:timing>
-</p:sld>
-</file>
-
-<file path=ppt/slides/slide24.xml><?xml version="1.0" encoding="utf-8"?>
-<p:sld xmlns:a="http://schemas.openxmlformats.org/drawingml/2006/main" xmlns:r="http://schemas.openxmlformats.org/officeDocument/2006/relationships" xmlns:p="http://schemas.openxmlformats.org/presentationml/2006/main" show="0">
-  <p:cSld>
-    <p:spTree>
-      <p:nvGrpSpPr>
-        <p:cNvPr id="1" name=""/>
-        <p:cNvGrpSpPr/>
-        <p:nvPr/>
-      </p:nvGrpSpPr>
-      <p:grpSpPr>
-        <a:xfrm>
-          <a:off x="0" y="0"/>
-          <a:ext cx="0" cy="0"/>
-          <a:chOff x="0" y="0"/>
-          <a:chExt cx="0" cy="0"/>
-        </a:xfrm>
-      </p:grpSpPr>
-      <p:sp>
-        <p:nvSpPr>
-          <p:cNvPr id="2" name="Title 1"/>
-          <p:cNvSpPr>
-            <a:spLocks noGrp="1"/>
-          </p:cNvSpPr>
-          <p:nvPr>
-            <p:ph type="title"/>
-          </p:nvPr>
-        </p:nvSpPr>
-        <p:spPr/>
-        <p:txBody>
-          <a:bodyPr/>
-          <a:lstStyle/>
-          <a:p>
-            <a:r>
-              <a:rPr lang="en-US" dirty="0" smtClean="0"/>
-              <a:t>Select Perspective</a:t>
-            </a:r>
-            <a:endParaRPr lang="en-US" dirty="0"/>
-          </a:p>
-        </p:txBody>
-      </p:sp>
-      <p:sp>
-        <p:nvSpPr>
-          <p:cNvPr id="3" name="Text Placeholder 2"/>
-          <p:cNvSpPr>
-            <a:spLocks noGrp="1"/>
-          </p:cNvSpPr>
-          <p:nvPr>
-            <p:ph type="body" idx="1"/>
-          </p:nvPr>
-        </p:nvSpPr>
-        <p:spPr/>
-        <p:txBody>
-          <a:bodyPr/>
-          <a:lstStyle/>
-          <a:p>
-            <a:r>
-              <a:rPr lang="en-US" dirty="0" smtClean="0"/>
-              <a:t>Look at the top-right corner of Eclipse</a:t>
-            </a:r>
-          </a:p>
-          <a:p>
-            <a:r>
-              <a:rPr lang="en-US" dirty="0" smtClean="0"/>
-              <a:t>If “Java” is selected, do nothing and wait for next slide</a:t>
-            </a:r>
-          </a:p>
-          <a:p>
-            <a:r>
-              <a:rPr lang="en-US" dirty="0" smtClean="0"/>
-              <a:t>Otherwise:</a:t>
-            </a:r>
-          </a:p>
-          <a:p>
-            <a:pPr lvl="1"/>
-            <a:r>
-              <a:rPr lang="en-US" dirty="0" smtClean="0"/>
-              <a:t>Click Window </a:t>
-            </a:r>
-            <a:r>
-              <a:rPr lang="en-US" dirty="0" smtClean="0">
-                <a:sym typeface="Wingdings" panose="05000000000000000000" pitchFamily="2" charset="2"/>
-              </a:rPr>
-              <a:t> Perspective  Other…</a:t>
-            </a:r>
-          </a:p>
-          <a:p>
-            <a:pPr lvl="1"/>
-            <a:r>
-              <a:rPr lang="en-US" dirty="0" smtClean="0">
-                <a:sym typeface="Wingdings" panose="05000000000000000000" pitchFamily="2" charset="2"/>
-              </a:rPr>
-              <a:t>Select “Java”</a:t>
-            </a:r>
-          </a:p>
-          <a:p>
-            <a:pPr lvl="1"/>
-            <a:r>
-              <a:rPr lang="en-US" dirty="0" smtClean="0">
-                <a:sym typeface="Wingdings" panose="05000000000000000000" pitchFamily="2" charset="2"/>
-              </a:rPr>
-              <a:t>Click OK</a:t>
-            </a:r>
-            <a:endParaRPr lang="en-US" dirty="0"/>
-          </a:p>
-        </p:txBody>
-      </p:sp>
-    </p:spTree>
-    <p:extLst>
-      <p:ext uri="{BB962C8B-B14F-4D97-AF65-F5344CB8AC3E}">
-        <p14:creationId xmlns:p14="http://schemas.microsoft.com/office/powerpoint/2010/main" val="2480246123"/>
-      </p:ext>
-    </p:extLst>
-  </p:cSld>
-  <p:clrMapOvr>
-    <a:masterClrMapping/>
-  </p:clrMapOvr>
-  <p:transition spd="med"/>
-  <p:timing>
-    <p:tnLst>
-      <p:par>
-        <p:cTn id="1" dur="indefinite" restart="never" nodeType="tmRoot"/>
-      </p:par>
-    </p:tnLst>
-  </p:timing>
-</p:sld>
-</file>
-
-<file path=ppt/slides/slide25.xml><?xml version="1.0" encoding="utf-8"?>
-<p:sld xmlns:a="http://schemas.openxmlformats.org/drawingml/2006/main" xmlns:r="http://schemas.openxmlformats.org/officeDocument/2006/relationships" xmlns:p="http://schemas.openxmlformats.org/presentationml/2006/main" show="0">
-  <p:cSld>
-    <p:spTree>
-      <p:nvGrpSpPr>
-        <p:cNvPr id="1" name=""/>
-        <p:cNvGrpSpPr/>
-        <p:nvPr/>
-      </p:nvGrpSpPr>
-      <p:grpSpPr>
-        <a:xfrm>
-          <a:off x="0" y="0"/>
-          <a:ext cx="0" cy="0"/>
-          <a:chOff x="0" y="0"/>
-          <a:chExt cx="0" cy="0"/>
-        </a:xfrm>
-      </p:grpSpPr>
-      <p:sp>
-        <p:nvSpPr>
-          <p:cNvPr id="2" name="Title 1"/>
-          <p:cNvSpPr>
-            <a:spLocks noGrp="1"/>
-          </p:cNvSpPr>
-          <p:nvPr>
-            <p:ph type="title"/>
-          </p:nvPr>
-        </p:nvSpPr>
-        <p:spPr/>
-        <p:txBody>
-          <a:bodyPr/>
-          <a:lstStyle/>
-          <a:p>
-            <a:r>
-              <a:rPr lang="en-US" dirty="0" smtClean="0"/>
-              <a:t>Get SVN Menu</a:t>
-            </a:r>
-            <a:endParaRPr lang="en-US" dirty="0"/>
-          </a:p>
-        </p:txBody>
-      </p:sp>
-      <p:sp>
-        <p:nvSpPr>
-          <p:cNvPr id="3" name="Text Placeholder 2"/>
-          <p:cNvSpPr>
-            <a:spLocks noGrp="1"/>
-          </p:cNvSpPr>
-          <p:nvPr>
-            <p:ph type="body" idx="1"/>
-          </p:nvPr>
-        </p:nvSpPr>
-        <p:spPr/>
-        <p:txBody>
-          <a:bodyPr/>
-          <a:lstStyle/>
-          <a:p>
-            <a:r>
-              <a:rPr lang="en-US" dirty="0" smtClean="0"/>
-              <a:t>If SVN menu not shown at the top of the screen:</a:t>
-            </a:r>
-          </a:p>
-          <a:p>
-            <a:pPr lvl="1"/>
-            <a:r>
-              <a:rPr lang="en-US" dirty="0" smtClean="0"/>
-              <a:t>Click Window </a:t>
-            </a:r>
-            <a:r>
-              <a:rPr lang="en-US" dirty="0" smtClean="0">
-                <a:sym typeface="Wingdings" panose="05000000000000000000" pitchFamily="2" charset="2"/>
-              </a:rPr>
-              <a:t> Perspective  Customize Perspective</a:t>
-            </a:r>
-          </a:p>
-          <a:p>
-            <a:pPr lvl="1"/>
-            <a:r>
-              <a:rPr lang="en-US" dirty="0" smtClean="0">
-                <a:sym typeface="Wingdings" panose="05000000000000000000" pitchFamily="2" charset="2"/>
-              </a:rPr>
-              <a:t>Click “Command Groups Availability” OR</a:t>
-            </a:r>
-            <a:r>
-              <a:rPr lang="en-US" dirty="0">
-                <a:sym typeface="Wingdings" panose="05000000000000000000" pitchFamily="2" charset="2"/>
-              </a:rPr>
-              <a:t> </a:t>
-            </a:r>
-            <a:r>
-              <a:rPr lang="en-US" dirty="0" smtClean="0">
-                <a:sym typeface="Wingdings" panose="05000000000000000000" pitchFamily="2" charset="2"/>
-              </a:rPr>
-              <a:t>“Action Set Availability”</a:t>
-            </a:r>
-          </a:p>
-          <a:p>
-            <a:pPr lvl="1"/>
-            <a:r>
-              <a:rPr lang="en-US" dirty="0" smtClean="0">
-                <a:sym typeface="Wingdings" panose="05000000000000000000" pitchFamily="2" charset="2"/>
-              </a:rPr>
-              <a:t>Scroll down and check “SVN”</a:t>
-            </a:r>
-          </a:p>
-          <a:p>
-            <a:pPr lvl="1"/>
-            <a:r>
-              <a:rPr lang="en-US" dirty="0" smtClean="0">
-                <a:sym typeface="Wingdings" panose="05000000000000000000" pitchFamily="2" charset="2"/>
-              </a:rPr>
-              <a:t>Click “OK”</a:t>
-            </a:r>
-            <a:endParaRPr lang="en-US" dirty="0" smtClean="0"/>
-          </a:p>
-        </p:txBody>
-      </p:sp>
-    </p:spTree>
-    <p:extLst>
-      <p:ext uri="{BB962C8B-B14F-4D97-AF65-F5344CB8AC3E}">
-        <p14:creationId xmlns:p14="http://schemas.microsoft.com/office/powerpoint/2010/main" val="1076069722"/>
-      </p:ext>
-    </p:extLst>
-  </p:cSld>
-  <p:clrMapOvr>
-    <a:masterClrMapping/>
-  </p:clrMapOvr>
-  <p:transition spd="med"/>
-  <p:timing>
-    <p:tnLst>
-      <p:par>
-        <p:cTn id="1" dur="indefinite" restart="never" nodeType="tmRoot"/>
-      </p:par>
-    </p:tnLst>
-  </p:timing>
-</p:sld>
-</file>
-
-<file path=ppt/slides/slide26.xml><?xml version="1.0" encoding="utf-8"?>
-<p:sld xmlns:a="http://schemas.openxmlformats.org/drawingml/2006/main" xmlns:r="http://schemas.openxmlformats.org/officeDocument/2006/relationships" xmlns:p="http://schemas.openxmlformats.org/presentationml/2006/main" show="0">
-  <p:cSld>
-    <p:spTree>
-      <p:nvGrpSpPr>
-        <p:cNvPr id="1" name=""/>
-        <p:cNvGrpSpPr/>
-        <p:nvPr/>
-      </p:nvGrpSpPr>
-      <p:grpSpPr>
-        <a:xfrm>
-          <a:off x="0" y="0"/>
-          <a:ext cx="0" cy="0"/>
-          <a:chOff x="0" y="0"/>
-          <a:chExt cx="0" cy="0"/>
-        </a:xfrm>
-      </p:grpSpPr>
-      <p:sp>
-        <p:nvSpPr>
-          <p:cNvPr id="2" name="Title 1"/>
-          <p:cNvSpPr>
-            <a:spLocks noGrp="1"/>
-          </p:cNvSpPr>
-          <p:nvPr>
-            <p:ph type="title"/>
-          </p:nvPr>
-        </p:nvSpPr>
-        <p:spPr/>
-        <p:txBody>
-          <a:bodyPr/>
-          <a:lstStyle/>
-          <a:p>
-            <a:r>
-              <a:rPr lang="en-US" dirty="0" smtClean="0"/>
-              <a:t>SVN Menu Not Available</a:t>
-            </a:r>
-            <a:endParaRPr lang="en-US" dirty="0"/>
-          </a:p>
-        </p:txBody>
-      </p:sp>
-      <p:sp>
-        <p:nvSpPr>
-          <p:cNvPr id="3" name="Text Placeholder 2"/>
-          <p:cNvSpPr>
-            <a:spLocks noGrp="1"/>
-          </p:cNvSpPr>
-          <p:nvPr>
-            <p:ph type="body" idx="1"/>
-          </p:nvPr>
-        </p:nvSpPr>
-        <p:spPr/>
-        <p:txBody>
-          <a:bodyPr/>
-          <a:lstStyle/>
-          <a:p>
-            <a:r>
-              <a:rPr lang="en-US" dirty="0" smtClean="0"/>
-              <a:t>You need to install </a:t>
-            </a:r>
-            <a:r>
-              <a:rPr lang="en-US" dirty="0" err="1" smtClean="0"/>
-              <a:t>Subclipse</a:t>
-            </a:r>
-            <a:endParaRPr lang="en-US" dirty="0" smtClean="0"/>
-          </a:p>
-          <a:p>
-            <a:pPr lvl="1"/>
-            <a:r>
-              <a:rPr lang="en-US" dirty="0" smtClean="0"/>
-              <a:t>Help </a:t>
-            </a:r>
-            <a:r>
-              <a:rPr lang="en-US" dirty="0" smtClean="0">
-                <a:sym typeface="Wingdings" panose="05000000000000000000" pitchFamily="2" charset="2"/>
-              </a:rPr>
-              <a:t> Install New Software </a:t>
-            </a:r>
-          </a:p>
-          <a:p>
-            <a:pPr lvl="1"/>
-            <a:r>
-              <a:rPr lang="en-US" dirty="0" smtClean="0">
-                <a:sym typeface="Wingdings" panose="05000000000000000000" pitchFamily="2" charset="2"/>
-              </a:rPr>
-              <a:t>Add…</a:t>
-            </a:r>
-          </a:p>
-          <a:p>
-            <a:pPr lvl="2"/>
-            <a:r>
-              <a:rPr lang="en-US" dirty="0" smtClean="0"/>
-              <a:t>Name: </a:t>
-            </a:r>
-            <a:r>
-              <a:rPr lang="en-US" dirty="0" err="1" smtClean="0"/>
-              <a:t>Subclipse</a:t>
-            </a:r>
-            <a:endParaRPr lang="en-US" dirty="0" smtClean="0"/>
-          </a:p>
-          <a:p>
-            <a:pPr lvl="2"/>
-            <a:r>
-              <a:rPr lang="en-US" dirty="0" smtClean="0"/>
-              <a:t>Location: </a:t>
-            </a:r>
-            <a:r>
-              <a:rPr lang="en-US" dirty="0">
-                <a:hlinkClick r:id="rId2"/>
-              </a:rPr>
-              <a:t>http://</a:t>
-            </a:r>
-            <a:r>
-              <a:rPr lang="en-US" dirty="0" smtClean="0">
-                <a:hlinkClick r:id="rId2"/>
-              </a:rPr>
-              <a:t>subclipse.tigris.org/update_1.8.x</a:t>
-            </a:r>
-            <a:endParaRPr lang="en-US" dirty="0" smtClean="0"/>
-          </a:p>
-          <a:p>
-            <a:pPr lvl="1"/>
-            <a:r>
-              <a:rPr lang="en-US" dirty="0" smtClean="0"/>
-              <a:t>Check </a:t>
-            </a:r>
-            <a:r>
-              <a:rPr lang="en-US" dirty="0" err="1" smtClean="0"/>
-              <a:t>Subclipse</a:t>
-            </a:r>
-            <a:r>
-              <a:rPr lang="en-US" dirty="0" smtClean="0"/>
-              <a:t> AND </a:t>
-            </a:r>
-            <a:r>
-              <a:rPr lang="en-US" dirty="0" err="1" smtClean="0"/>
-              <a:t>SVNKit</a:t>
-            </a:r>
-            <a:endParaRPr lang="en-US" dirty="0" smtClean="0"/>
-          </a:p>
-          <a:p>
-            <a:pPr lvl="1"/>
-            <a:r>
-              <a:rPr lang="en-US" dirty="0" smtClean="0"/>
-              <a:t>Continue clicking Next, Accepting terms, </a:t>
-            </a:r>
-            <a:r>
-              <a:rPr lang="en-US" smtClean="0"/>
-              <a:t>and then </a:t>
-            </a:r>
-            <a:r>
-              <a:rPr lang="en-US" dirty="0" smtClean="0"/>
-              <a:t>click Finish when available</a:t>
-            </a:r>
-            <a:endParaRPr lang="en-US" dirty="0"/>
-          </a:p>
-        </p:txBody>
-      </p:sp>
-    </p:spTree>
-    <p:extLst>
-      <p:ext uri="{BB962C8B-B14F-4D97-AF65-F5344CB8AC3E}">
-        <p14:creationId xmlns:p14="http://schemas.microsoft.com/office/powerpoint/2010/main" val="3477279010"/>
-      </p:ext>
-    </p:extLst>
-  </p:cSld>
-  <p:clrMapOvr>
-    <a:masterClrMapping/>
-  </p:clrMapOvr>
-  <p:transition spd="med"/>
-  <p:timing>
-    <p:tnLst>
-      <p:par>
-        <p:cTn id="1" dur="indefinite" restart="never" nodeType="tmRoot"/>
-      </p:par>
-    </p:tnLst>
-  </p:timing>
-</p:sld>
-</file>
-
-<file path=ppt/slides/slide27.xml><?xml version="1.0" encoding="utf-8"?>
-<p:sld xmlns:a="http://schemas.openxmlformats.org/drawingml/2006/main" xmlns:r="http://schemas.openxmlformats.org/officeDocument/2006/relationships" xmlns:p="http://schemas.openxmlformats.org/presentationml/2006/main">
-  <p:cSld>
-    <p:spTree>
-      <p:nvGrpSpPr>
-        <p:cNvPr id="1" name=""/>
-        <p:cNvGrpSpPr/>
-        <p:nvPr/>
-      </p:nvGrpSpPr>
-      <p:grpSpPr>
-        <a:xfrm>
-          <a:off x="0" y="0"/>
-          <a:ext cx="0" cy="0"/>
-          <a:chOff x="0" y="0"/>
-          <a:chExt cx="0" cy="0"/>
-        </a:xfrm>
-      </p:grpSpPr>
-      <p:sp>
-        <p:nvSpPr>
-          <p:cNvPr id="2" name="Title 1"/>
-          <p:cNvSpPr>
-            <a:spLocks noGrp="1"/>
-          </p:cNvSpPr>
-          <p:nvPr>
-            <p:ph type="title"/>
-          </p:nvPr>
-        </p:nvSpPr>
-        <p:spPr/>
-        <p:txBody>
-          <a:bodyPr/>
-          <a:lstStyle/>
-          <a:p>
-            <a:r>
-              <a:rPr lang="en-US" dirty="0" smtClean="0"/>
-              <a:t>SVN Repositories Window</a:t>
-            </a:r>
-            <a:endParaRPr lang="en-US" dirty="0"/>
-          </a:p>
-        </p:txBody>
-      </p:sp>
-      <p:sp>
-        <p:nvSpPr>
-          <p:cNvPr id="3" name="Text Placeholder 2"/>
-          <p:cNvSpPr>
-            <a:spLocks noGrp="1"/>
-          </p:cNvSpPr>
-          <p:nvPr>
-            <p:ph type="body" idx="1"/>
-          </p:nvPr>
-        </p:nvSpPr>
-        <p:spPr/>
-        <p:txBody>
-          <a:bodyPr/>
-          <a:lstStyle/>
-          <a:p>
-            <a:r>
-              <a:rPr lang="en-US" dirty="0" smtClean="0"/>
-              <a:t>You display the SVN Repositories Window by doing the following:</a:t>
-            </a:r>
-          </a:p>
-          <a:p>
-            <a:pPr lvl="1"/>
-            <a:r>
-              <a:rPr lang="en-US" dirty="0" smtClean="0"/>
-              <a:t>Click Window </a:t>
-            </a:r>
-            <a:r>
-              <a:rPr lang="en-US" dirty="0" smtClean="0">
-                <a:sym typeface="Wingdings" panose="05000000000000000000" pitchFamily="2" charset="2"/>
-              </a:rPr>
-              <a:t> Show View  Other…</a:t>
-            </a:r>
-          </a:p>
-          <a:p>
-            <a:pPr lvl="1"/>
-            <a:r>
-              <a:rPr lang="en-US" dirty="0" smtClean="0"/>
-              <a:t>Expand SVN</a:t>
-            </a:r>
-          </a:p>
-          <a:p>
-            <a:pPr lvl="1"/>
-            <a:r>
-              <a:rPr lang="en-US" dirty="0" smtClean="0"/>
-              <a:t>Select “SVN Repositories”</a:t>
-            </a:r>
-          </a:p>
-          <a:p>
-            <a:pPr lvl="1"/>
-            <a:r>
-              <a:rPr lang="en-US" dirty="0" smtClean="0"/>
-              <a:t>Click OK</a:t>
-            </a:r>
-          </a:p>
-          <a:p>
-            <a:pPr lvl="1"/>
-            <a:endParaRPr lang="en-US" dirty="0"/>
-          </a:p>
-          <a:p>
-            <a:r>
-              <a:rPr lang="en-US" dirty="0" smtClean="0"/>
-              <a:t>Once you see SVN, please help your neighbor if needed.</a:t>
-            </a:r>
-            <a:endParaRPr lang="en-US" dirty="0"/>
-          </a:p>
-        </p:txBody>
-      </p:sp>
-    </p:spTree>
-    <p:extLst>
-      <p:ext uri="{BB962C8B-B14F-4D97-AF65-F5344CB8AC3E}">
-        <p14:creationId xmlns:p14="http://schemas.microsoft.com/office/powerpoint/2010/main" val="410635176"/>
-      </p:ext>
-    </p:extLst>
-  </p:cSld>
-  <p:clrMapOvr>
-    <a:masterClrMapping/>
-  </p:clrMapOvr>
-  <p:transition spd="med"/>
-  <p:timing>
-    <p:tnLst>
-      <p:par>
-        <p:cTn id="1" dur="indefinite" restart="never" nodeType="tmRoot"/>
-      </p:par>
-    </p:tnLst>
-  </p:timing>
-</p:sld>
-</file>
-
-<file path=ppt/slides/slide28.xml><?xml version="1.0" encoding="utf-8"?>
-<p:sld xmlns:a="http://schemas.openxmlformats.org/drawingml/2006/main" xmlns:r="http://schemas.openxmlformats.org/officeDocument/2006/relationships" xmlns:p="http://schemas.openxmlformats.org/presentationml/2006/main">
-  <p:cSld>
-    <p:spTree>
-      <p:nvGrpSpPr>
-        <p:cNvPr id="1" name=""/>
-        <p:cNvGrpSpPr/>
-        <p:nvPr/>
-      </p:nvGrpSpPr>
-      <p:grpSpPr>
-        <a:xfrm>
-          <a:off x="0" y="0"/>
-          <a:ext cx="0" cy="0"/>
-          <a:chOff x="0" y="0"/>
-          <a:chExt cx="0" cy="0"/>
-        </a:xfrm>
-      </p:grpSpPr>
-      <p:sp>
-        <p:nvSpPr>
-          <p:cNvPr id="2" name="Title 1"/>
-          <p:cNvSpPr>
-            <a:spLocks noGrp="1"/>
-          </p:cNvSpPr>
-          <p:nvPr>
-            <p:ph type="title"/>
-          </p:nvPr>
-        </p:nvSpPr>
-        <p:spPr/>
-        <p:txBody>
-          <a:bodyPr/>
-          <a:lstStyle/>
-          <a:p>
-            <a:r>
-              <a:rPr lang="en-US" dirty="0" smtClean="0"/>
-              <a:t>Add Your Repository</a:t>
-            </a:r>
-            <a:endParaRPr lang="en-US" dirty="0"/>
-          </a:p>
-        </p:txBody>
-      </p:sp>
-      <p:sp>
-        <p:nvSpPr>
-          <p:cNvPr id="3" name="Text Placeholder 2"/>
-          <p:cNvSpPr>
-            <a:spLocks noGrp="1"/>
-          </p:cNvSpPr>
-          <p:nvPr>
-            <p:ph type="body" idx="1"/>
-          </p:nvPr>
-        </p:nvSpPr>
-        <p:spPr/>
-        <p:txBody>
-          <a:bodyPr>
-            <a:normAutofit/>
-          </a:bodyPr>
-          <a:lstStyle/>
-          <a:p>
-            <a:r>
-              <a:rPr lang="en-US" dirty="0" smtClean="0"/>
-              <a:t>Click SVN </a:t>
-            </a:r>
-            <a:r>
-              <a:rPr lang="en-US" dirty="0" smtClean="0">
-                <a:sym typeface="Wingdings" panose="05000000000000000000" pitchFamily="2" charset="2"/>
-              </a:rPr>
-              <a:t> “Checkout projects from SVN”</a:t>
-            </a:r>
-          </a:p>
-          <a:p>
-            <a:pPr lvl="1"/>
-            <a:r>
-              <a:rPr lang="en-US" dirty="0" smtClean="0">
-                <a:sym typeface="Wingdings" panose="05000000000000000000" pitchFamily="2" charset="2"/>
-              </a:rPr>
-              <a:t>Select </a:t>
-            </a:r>
-            <a:r>
-              <a:rPr lang="en-US" dirty="0">
-                <a:sym typeface="Wingdings" panose="05000000000000000000" pitchFamily="2" charset="2"/>
-              </a:rPr>
-              <a:t>“Create a new repository location”</a:t>
-            </a:r>
-          </a:p>
-          <a:p>
-            <a:r>
-              <a:rPr lang="en-US" dirty="0" smtClean="0">
-                <a:sym typeface="Wingdings" panose="05000000000000000000" pitchFamily="2" charset="2"/>
-              </a:rPr>
-              <a:t>Click Next</a:t>
-            </a:r>
-          </a:p>
-          <a:p>
-            <a:r>
-              <a:rPr lang="en-US" dirty="0" smtClean="0">
-                <a:sym typeface="Wingdings" panose="05000000000000000000" pitchFamily="2" charset="2"/>
-              </a:rPr>
-              <a:t>Type the following URL, replace the </a:t>
-            </a:r>
-            <a:r>
-              <a:rPr lang="en-US" dirty="0" smtClean="0">
-                <a:solidFill>
-                  <a:schemeClr val="accent5"/>
-                </a:solidFill>
-                <a:sym typeface="Wingdings" panose="05000000000000000000" pitchFamily="2" charset="2"/>
-              </a:rPr>
-              <a:t>user</a:t>
-            </a:r>
-            <a:r>
-              <a:rPr lang="en-US" dirty="0" smtClean="0">
-                <a:sym typeface="Wingdings" panose="05000000000000000000" pitchFamily="2" charset="2"/>
-              </a:rPr>
-              <a:t> in blue with your username:</a:t>
-            </a:r>
-          </a:p>
-          <a:p>
-            <a:pPr marL="457200" lvl="1" indent="0">
-              <a:buNone/>
-            </a:pPr>
-            <a:r>
-              <a:rPr lang="en-US" sz="2400" dirty="0" smtClean="0">
-                <a:sym typeface="Wingdings" panose="05000000000000000000" pitchFamily="2" charset="2"/>
-              </a:rPr>
-              <a:t>http://</a:t>
-            </a:r>
-            <a:r>
-              <a:rPr lang="en-US" sz="2400" dirty="0" smtClean="0">
-                <a:sym typeface="Wingdings" panose="05000000000000000000" pitchFamily="2" charset="2"/>
-              </a:rPr>
-              <a:t>svn.csse.rose-hulman.edu/repos/csse220-201830-</a:t>
-            </a:r>
-            <a:r>
-              <a:rPr lang="en-US" sz="2400" dirty="0" smtClean="0">
-                <a:solidFill>
-                  <a:schemeClr val="accent5"/>
-                </a:solidFill>
-                <a:sym typeface="Wingdings" panose="05000000000000000000" pitchFamily="2" charset="2"/>
-              </a:rPr>
-              <a:t>user</a:t>
-            </a:r>
-            <a:endParaRPr lang="en-US" sz="2400" dirty="0" smtClean="0">
-              <a:solidFill>
-                <a:schemeClr val="accent5"/>
-              </a:solidFill>
-              <a:sym typeface="Wingdings" panose="05000000000000000000" pitchFamily="2" charset="2"/>
-            </a:endParaRPr>
-          </a:p>
-          <a:p>
-            <a:pPr marL="457200" lvl="1" indent="0">
-              <a:buNone/>
-            </a:pPr>
-            <a:r>
-              <a:rPr lang="en-US" dirty="0" smtClean="0">
-                <a:solidFill>
-                  <a:schemeClr val="tx1"/>
-                </a:solidFill>
-              </a:rPr>
-              <a:t>Mine would be:</a:t>
-            </a:r>
-          </a:p>
-          <a:p>
-            <a:pPr marL="457200" lvl="1" indent="0">
-              <a:buNone/>
-            </a:pPr>
-            <a:r>
-              <a:rPr lang="en-US" sz="2200" dirty="0" smtClean="0">
-                <a:solidFill>
-                  <a:schemeClr val="tx1"/>
-                </a:solidFill>
-              </a:rPr>
-              <a:t>http</a:t>
-            </a:r>
-            <a:r>
-              <a:rPr lang="en-US" sz="2200" smtClean="0">
-                <a:solidFill>
-                  <a:schemeClr val="tx1"/>
-                </a:solidFill>
-              </a:rPr>
-              <a:t>://</a:t>
-            </a:r>
-            <a:r>
-              <a:rPr lang="en-US" sz="2200" smtClean="0">
-                <a:solidFill>
-                  <a:schemeClr val="tx1"/>
-                </a:solidFill>
-              </a:rPr>
-              <a:t>svn.csse.rose-hulman.edu/repos/csse220-201830-yoder</a:t>
-            </a:r>
-            <a:endParaRPr lang="en-US" sz="2200" dirty="0" smtClean="0">
-              <a:solidFill>
-                <a:schemeClr val="tx1"/>
-              </a:solidFill>
-            </a:endParaRPr>
-          </a:p>
-          <a:p>
-            <a:r>
-              <a:rPr lang="en-US" dirty="0">
-                <a:sym typeface="Wingdings" panose="05000000000000000000" pitchFamily="2" charset="2"/>
-              </a:rPr>
-              <a:t>Click Next</a:t>
-            </a:r>
-          </a:p>
-          <a:p>
-            <a:pPr marL="457200" lvl="1" indent="0">
-              <a:buNone/>
-            </a:pPr>
-            <a:endParaRPr lang="en-US" sz="2200" dirty="0">
-              <a:solidFill>
-                <a:schemeClr val="tx1"/>
-              </a:solidFill>
-            </a:endParaRPr>
-          </a:p>
-        </p:txBody>
-      </p:sp>
-    </p:spTree>
-    <p:extLst>
-      <p:ext uri="{BB962C8B-B14F-4D97-AF65-F5344CB8AC3E}">
-        <p14:creationId xmlns:p14="http://schemas.microsoft.com/office/powerpoint/2010/main" val="1807871955"/>
-      </p:ext>
-    </p:extLst>
-  </p:cSld>
-  <p:clrMapOvr>
-    <a:masterClrMapping/>
-  </p:clrMapOvr>
-  <p:transition spd="med"/>
-  <p:timing>
-    <p:tnLst>
-      <p:par>
-        <p:cTn id="1" dur="indefinite" restart="never" nodeType="tmRoot"/>
-      </p:par>
-    </p:tnLst>
-  </p:timing>
-</p:sld>
-</file>
-
-<file path=ppt/slides/slide29.xml><?xml version="1.0" encoding="utf-8"?>
-<p:sld xmlns:a="http://schemas.openxmlformats.org/drawingml/2006/main" xmlns:r="http://schemas.openxmlformats.org/officeDocument/2006/relationships" xmlns:p="http://schemas.openxmlformats.org/presentationml/2006/main">
-  <p:cSld>
-    <p:spTree>
-      <p:nvGrpSpPr>
-        <p:cNvPr id="1" name=""/>
-        <p:cNvGrpSpPr/>
-        <p:nvPr/>
-      </p:nvGrpSpPr>
-      <p:grpSpPr>
-        <a:xfrm>
-          <a:off x="0" y="0"/>
-          <a:ext cx="0" cy="0"/>
-          <a:chOff x="0" y="0"/>
-          <a:chExt cx="0" cy="0"/>
-        </a:xfrm>
-      </p:grpSpPr>
-      <p:sp>
-        <p:nvSpPr>
-          <p:cNvPr id="2" name="Title 1"/>
-          <p:cNvSpPr>
-            <a:spLocks noGrp="1"/>
-          </p:cNvSpPr>
-          <p:nvPr>
-            <p:ph type="title"/>
-          </p:nvPr>
-        </p:nvSpPr>
-        <p:spPr/>
-        <p:txBody>
-          <a:bodyPr/>
-          <a:lstStyle/>
-          <a:p>
-            <a:r>
-              <a:rPr lang="en-US" dirty="0" smtClean="0"/>
-              <a:t>Checkout Project for Today</a:t>
-            </a:r>
-            <a:endParaRPr lang="en-US" dirty="0"/>
-          </a:p>
-        </p:txBody>
-      </p:sp>
-      <p:sp>
-        <p:nvSpPr>
-          <p:cNvPr id="3" name="Text Placeholder 2"/>
-          <p:cNvSpPr>
-            <a:spLocks noGrp="1"/>
-          </p:cNvSpPr>
-          <p:nvPr>
-            <p:ph type="body" idx="1"/>
-          </p:nvPr>
-        </p:nvSpPr>
-        <p:spPr/>
-        <p:txBody>
-          <a:bodyPr>
-            <a:normAutofit fontScale="92500" lnSpcReduction="10000"/>
-          </a:bodyPr>
-          <a:lstStyle/>
-          <a:p>
-            <a:r>
-              <a:rPr lang="en-US" dirty="0" smtClean="0"/>
-              <a:t>If you received an error at the end of the last slide, </a:t>
-            </a:r>
-          </a:p>
-          <a:p>
-            <a:pPr lvl="1"/>
-            <a:r>
-              <a:rPr lang="en-US" dirty="0" smtClean="0"/>
-              <a:t>let myself or a TA know immediately</a:t>
-            </a:r>
-          </a:p>
-          <a:p>
-            <a:pPr lvl="1"/>
-            <a:r>
-              <a:rPr lang="en-US" dirty="0"/>
-              <a:t>Use </a:t>
-            </a:r>
-            <a:r>
-              <a:rPr lang="en-US" dirty="0">
-                <a:hlinkClick r:id="rId3"/>
-              </a:rPr>
-              <a:t>https://svn.csse.rose-hulman.edu/password</a:t>
-            </a:r>
-            <a:r>
-              <a:rPr lang="en-US" dirty="0" smtClean="0">
-                <a:hlinkClick r:id="rId3"/>
-              </a:rPr>
-              <a:t>/</a:t>
-            </a:r>
-            <a:r>
-              <a:rPr lang="en-US" dirty="0" smtClean="0"/>
-              <a:t> to reset your SVN password</a:t>
-            </a:r>
-          </a:p>
-          <a:p>
-            <a:r>
-              <a:rPr lang="en-US" dirty="0" smtClean="0"/>
-              <a:t>Otherwise, expand your repository and select “</a:t>
-            </a:r>
-            <a:r>
-              <a:rPr lang="en-US" dirty="0" err="1" smtClean="0"/>
-              <a:t>JavaIntro</a:t>
-            </a:r>
-            <a:r>
-              <a:rPr lang="en-US" dirty="0" smtClean="0"/>
-              <a:t>”</a:t>
-            </a:r>
-          </a:p>
-          <a:p>
-            <a:r>
-              <a:rPr lang="en-US" dirty="0" smtClean="0"/>
-              <a:t>Click Finish</a:t>
-            </a:r>
-          </a:p>
-          <a:p>
-            <a:pPr marL="778329" lvl="2" indent="-342900"/>
-            <a:r>
-              <a:rPr lang="en-US" dirty="0"/>
-              <a:t>Do the same for HW1 now if you’d like, or you can wait and check it out later</a:t>
-            </a:r>
-          </a:p>
-          <a:p>
-            <a:endParaRPr lang="en-US" dirty="0"/>
-          </a:p>
-        </p:txBody>
-      </p:sp>
-    </p:spTree>
-    <p:extLst>
-      <p:ext uri="{BB962C8B-B14F-4D97-AF65-F5344CB8AC3E}">
-        <p14:creationId xmlns:p14="http://schemas.microsoft.com/office/powerpoint/2010/main" val="2593022295"/>
-      </p:ext>
-    </p:extLst>
-  </p:cSld>
-  <p:clrMapOvr>
-    <a:masterClrMapping/>
-  </p:clrMapOvr>
-  <p:transition spd="med"/>
-  <p:timing>
-    <p:tnLst>
-      <p:par>
-        <p:cTn id="1" dur="indefinite" restart="never" nodeType="tmRoot"/>
-      </p:par>
-    </p:tnLst>
-  </p:timing>
-</p:sld>
-</file>
-
-<file path=ppt/slides/slide3.xml><?xml version="1.0" encoding="utf-8"?>
-<p:sld xmlns:a="http://schemas.openxmlformats.org/drawingml/2006/main" xmlns:r="http://schemas.openxmlformats.org/officeDocument/2006/relationships" xmlns:p="http://schemas.openxmlformats.org/presentationml/2006/main">
-  <p:cSld>
-    <p:spTree>
-      <p:nvGrpSpPr>
-        <p:cNvPr id="1" name=""/>
-        <p:cNvGrpSpPr/>
-        <p:nvPr/>
-      </p:nvGrpSpPr>
-      <p:grpSpPr>
-        <a:xfrm>
-          <a:off x="0" y="0"/>
-          <a:ext cx="0" cy="0"/>
-          <a:chOff x="0" y="0"/>
-          <a:chExt cx="0" cy="0"/>
-        </a:xfrm>
-      </p:grpSpPr>
-      <p:sp>
-        <p:nvSpPr>
-          <p:cNvPr id="54" name="Shape 54"/>
-          <p:cNvSpPr>
-            <a:spLocks noGrp="1"/>
-          </p:cNvSpPr>
-          <p:nvPr>
-            <p:ph type="title"/>
-          </p:nvPr>
-        </p:nvSpPr>
-        <p:spPr>
-          <a:xfrm>
-            <a:off x="685800" y="2130425"/>
-            <a:ext cx="7772400" cy="1470025"/>
-          </a:xfrm>
-          <a:prstGeom prst="rect">
-            <a:avLst/>
-          </a:prstGeom>
-        </p:spPr>
-        <p:txBody>
-          <a:bodyPr/>
-          <a:lstStyle/>
-          <a:p>
-            <a:pPr lvl="0">
-              <a:defRPr sz="1800"/>
-            </a:pPr>
-            <a:r>
-              <a:rPr sz="4400"/>
-              <a:t>Course Introduction,</a:t>
-            </a:r>
-            <a:br>
-              <a:rPr sz="4400"/>
-            </a:br>
-            <a:r>
-              <a:rPr sz="4400"/>
-              <a:t>Starting with Java</a:t>
-            </a:r>
-          </a:p>
-        </p:txBody>
-      </p:sp>
-      <p:sp>
-        <p:nvSpPr>
-          <p:cNvPr id="55" name="Shape 55"/>
-          <p:cNvSpPr>
-            <a:spLocks noGrp="1"/>
-          </p:cNvSpPr>
-          <p:nvPr>
-            <p:ph type="body" idx="1"/>
-          </p:nvPr>
-        </p:nvSpPr>
-        <p:spPr>
-          <a:xfrm>
-            <a:off x="1371600" y="3886200"/>
-            <a:ext cx="6400800" cy="1752600"/>
-          </a:xfrm>
-          <a:prstGeom prst="rect">
-            <a:avLst/>
-          </a:prstGeom>
-        </p:spPr>
-        <p:txBody>
-          <a:bodyPr/>
-          <a:lstStyle/>
-          <a:p>
-            <a:pPr lvl="0" defTabSz="868680">
-              <a:spcBef>
-                <a:spcPts val="500"/>
-              </a:spcBef>
-              <a:defRPr sz="1800">
-                <a:solidFill>
-                  <a:srgbClr val="000000"/>
-                </a:solidFill>
-              </a:defRPr>
-            </a:pPr>
-            <a:r>
-              <a:rPr sz="2280">
-                <a:solidFill>
-                  <a:srgbClr val="888888"/>
-                </a:solidFill>
-              </a:rPr>
-              <a:t>CSSE 220—Object-Oriented Software Development</a:t>
-            </a:r>
-          </a:p>
-          <a:p>
-            <a:pPr lvl="0" defTabSz="868680">
-              <a:defRPr sz="1800">
-                <a:solidFill>
-                  <a:srgbClr val="000000"/>
-                </a:solidFill>
-              </a:defRPr>
-            </a:pPr>
-            <a:r>
-              <a:rPr sz="3040">
-                <a:solidFill>
-                  <a:srgbClr val="888888"/>
-                </a:solidFill>
-              </a:rPr>
-              <a:t>Rose-Hulman Institute of Technology</a:t>
-            </a:r>
-          </a:p>
-        </p:txBody>
-      </p:sp>
-    </p:spTree>
-  </p:cSld>
-  <p:clrMapOvr>
-    <a:masterClrMapping/>
-  </p:clrMapOvr>
-  <p:transition spd="med"/>
-  <p:timing>
-    <p:tnLst>
-      <p:par>
-        <p:cTn id="1" dur="indefinite" restart="never" nodeType="tmRoot"/>
-      </p:par>
-    </p:tnLst>
-  </p:timing>
-</p:sld>
-</file>
-
-<file path=ppt/slides/slide30.xml><?xml version="1.0" encoding="utf-8"?>
-<p:sld xmlns:a="http://schemas.openxmlformats.org/drawingml/2006/main" xmlns:r="http://schemas.openxmlformats.org/officeDocument/2006/relationships" xmlns:p="http://schemas.openxmlformats.org/presentationml/2006/main" show="0">
-  <p:cSld>
-    <p:spTree>
-      <p:nvGrpSpPr>
-        <p:cNvPr id="1" name=""/>
-        <p:cNvGrpSpPr/>
-        <p:nvPr/>
-      </p:nvGrpSpPr>
-      <p:grpSpPr>
-        <a:xfrm>
-          <a:off x="0" y="0"/>
-          <a:ext cx="0" cy="0"/>
-          <a:chOff x="0" y="0"/>
-          <a:chExt cx="0" cy="0"/>
-        </a:xfrm>
-      </p:grpSpPr>
-      <p:sp>
-        <p:nvSpPr>
-          <p:cNvPr id="2" name="Title 1"/>
-          <p:cNvSpPr>
-            <a:spLocks noGrp="1"/>
-          </p:cNvSpPr>
-          <p:nvPr>
-            <p:ph type="title"/>
-          </p:nvPr>
-        </p:nvSpPr>
-        <p:spPr/>
-        <p:txBody>
-          <a:bodyPr/>
-          <a:lstStyle/>
-          <a:p>
-            <a:r>
-              <a:rPr lang="en-US" dirty="0" smtClean="0"/>
-              <a:t>Show Package Explorer</a:t>
-            </a:r>
-            <a:endParaRPr lang="en-US" dirty="0"/>
-          </a:p>
-        </p:txBody>
-      </p:sp>
-      <p:sp>
-        <p:nvSpPr>
-          <p:cNvPr id="3" name="Text Placeholder 2"/>
-          <p:cNvSpPr>
-            <a:spLocks noGrp="1"/>
-          </p:cNvSpPr>
-          <p:nvPr>
-            <p:ph type="body" idx="1"/>
-          </p:nvPr>
-        </p:nvSpPr>
-        <p:spPr/>
-        <p:txBody>
-          <a:bodyPr/>
-          <a:lstStyle/>
-          <a:p>
-            <a:r>
-              <a:rPr lang="en-US" dirty="0" smtClean="0"/>
-              <a:t>If </a:t>
-            </a:r>
-            <a:r>
-              <a:rPr lang="en-US" smtClean="0"/>
-              <a:t>JavaIntro </a:t>
-            </a:r>
-            <a:r>
-              <a:rPr lang="en-US" dirty="0" smtClean="0"/>
-              <a:t>did not show up in the Package Explorer (defaults to the left):</a:t>
-            </a:r>
-          </a:p>
-          <a:p>
-            <a:pPr lvl="1"/>
-            <a:r>
-              <a:rPr lang="en-US" dirty="0" smtClean="0"/>
-              <a:t>Click Window </a:t>
-            </a:r>
-            <a:r>
-              <a:rPr lang="en-US" dirty="0" smtClean="0">
-                <a:sym typeface="Wingdings" panose="05000000000000000000" pitchFamily="2" charset="2"/>
-              </a:rPr>
-              <a:t> Show View  Package Explorer</a:t>
-            </a:r>
-            <a:endParaRPr lang="en-US" dirty="0" smtClean="0"/>
-          </a:p>
-          <a:p>
-            <a:endParaRPr lang="en-US" dirty="0"/>
-          </a:p>
-        </p:txBody>
-      </p:sp>
-    </p:spTree>
-    <p:extLst>
-      <p:ext uri="{BB962C8B-B14F-4D97-AF65-F5344CB8AC3E}">
-        <p14:creationId xmlns:p14="http://schemas.microsoft.com/office/powerpoint/2010/main" val="920058173"/>
-      </p:ext>
-    </p:extLst>
-  </p:cSld>
-  <p:clrMapOvr>
-    <a:masterClrMapping/>
-  </p:clrMapOvr>
-  <p:transition spd="med"/>
-  <p:timing>
-    <p:tnLst>
-      <p:par>
-        <p:cTn id="1" dur="indefinite" restart="never" nodeType="tmRoot"/>
-      </p:par>
-    </p:tnLst>
-  </p:timing>
-</p:sld>
-</file>
-
-<file path=ppt/slides/slide31.xml><?xml version="1.0" encoding="utf-8"?>
-<p:sld xmlns:a="http://schemas.openxmlformats.org/drawingml/2006/main" xmlns:r="http://schemas.openxmlformats.org/officeDocument/2006/relationships" xmlns:p="http://schemas.openxmlformats.org/presentationml/2006/main">
-  <p:cSld>
-    <p:spTree>
-      <p:nvGrpSpPr>
-        <p:cNvPr id="1" name=""/>
-        <p:cNvGrpSpPr/>
-        <p:nvPr/>
-      </p:nvGrpSpPr>
-      <p:grpSpPr>
-        <a:xfrm>
-          <a:off x="0" y="0"/>
-          <a:ext cx="0" cy="0"/>
-          <a:chOff x="0" y="0"/>
-          <a:chExt cx="0" cy="0"/>
-        </a:xfrm>
-      </p:grpSpPr>
-      <p:sp>
-        <p:nvSpPr>
-          <p:cNvPr id="2" name="Title 1"/>
-          <p:cNvSpPr>
-            <a:spLocks noGrp="1"/>
-          </p:cNvSpPr>
-          <p:nvPr>
-            <p:ph type="title"/>
-          </p:nvPr>
-        </p:nvSpPr>
-        <p:spPr/>
-        <p:txBody>
-          <a:bodyPr/>
-          <a:lstStyle/>
-          <a:p>
-            <a:r>
-              <a:rPr lang="en-US" dirty="0" smtClean="0"/>
-              <a:t>Let’s write hello world together</a:t>
-            </a:r>
-            <a:endParaRPr lang="en-US" dirty="0"/>
-          </a:p>
-        </p:txBody>
-      </p:sp>
-      <p:sp>
-        <p:nvSpPr>
-          <p:cNvPr id="3" name="Text Placeholder 2"/>
-          <p:cNvSpPr>
-            <a:spLocks noGrp="1"/>
-          </p:cNvSpPr>
-          <p:nvPr>
-            <p:ph type="body" idx="1"/>
-          </p:nvPr>
-        </p:nvSpPr>
-        <p:spPr/>
-        <p:txBody>
-          <a:bodyPr/>
-          <a:lstStyle/>
-          <a:p>
-            <a:endParaRPr lang="en-US" dirty="0"/>
-          </a:p>
-        </p:txBody>
-      </p:sp>
-    </p:spTree>
-    <p:extLst>
-      <p:ext uri="{BB962C8B-B14F-4D97-AF65-F5344CB8AC3E}">
-        <p14:creationId xmlns:p14="http://schemas.microsoft.com/office/powerpoint/2010/main" val="3050790655"/>
-      </p:ext>
-    </p:extLst>
-  </p:cSld>
-  <p:clrMapOvr>
-    <a:masterClrMapping/>
-  </p:clrMapOvr>
-  <p:transition spd="med"/>
-  <p:timing>
-    <p:tnLst>
-      <p:par>
-        <p:cTn id="1" dur="indefinite" restart="never" nodeType="tmRoot"/>
-      </p:par>
-    </p:tnLst>
-  </p:timing>
-</p:sld>
-</file>
-
-<file path=ppt/slides/slide32.xml><?xml version="1.0" encoding="utf-8"?>
-<p:sld xmlns:a="http://schemas.openxmlformats.org/drawingml/2006/main" xmlns:r="http://schemas.openxmlformats.org/officeDocument/2006/relationships" xmlns:p="http://schemas.openxmlformats.org/presentationml/2006/main" show="0">
-  <p:cSld>
-    <p:spTree>
-      <p:nvGrpSpPr>
-        <p:cNvPr id="1" name=""/>
-        <p:cNvGrpSpPr/>
-        <p:nvPr/>
-      </p:nvGrpSpPr>
-      <p:grpSpPr>
-        <a:xfrm>
-          <a:off x="0" y="0"/>
-          <a:ext cx="0" cy="0"/>
-          <a:chOff x="0" y="0"/>
-          <a:chExt cx="0" cy="0"/>
-        </a:xfrm>
-      </p:grpSpPr>
-      <p:sp>
-        <p:nvSpPr>
           <p:cNvPr id="97" name="Shape 97"/>
           <p:cNvSpPr>
             <a:spLocks noGrp="1"/>
@@ -11092,10 +9237,9 @@
               <a:defRPr sz="1800"/>
             </a:pPr>
             <a:r>
-              <a:rPr sz="4400" dirty="0" smtClean="0"/>
+              <a:rPr sz="4400" dirty="0"/>
               <a:t>HelloPrinter.java</a:t>
             </a:r>
-            <a:endParaRPr sz="4400" dirty="0"/>
           </a:p>
         </p:txBody>
       </p:sp>
@@ -11182,23 +9326,15 @@
               <a:defRPr sz="1800"/>
             </a:pPr>
             <a:r>
-              <a:rPr lang="en-US" sz="2900" dirty="0" smtClean="0"/>
-              <a:t>Introduce yourself to your neighbor and </a:t>
-            </a:r>
-            <a:r>
               <a:rPr lang="en-US" sz="2900" dirty="0"/>
-              <a:t>c</a:t>
-            </a:r>
-            <a:r>
-              <a:rPr sz="2900" dirty="0" smtClean="0"/>
-              <a:t>hange </a:t>
+              <a:t>Introduce yourself to your neighbor and c</a:t>
             </a:r>
             <a:r>
               <a:rPr sz="2900" dirty="0"/>
-              <a:t>the program to say hello to </a:t>
-            </a:r>
-            <a:r>
-              <a:rPr lang="en-US" sz="2900" dirty="0" smtClean="0"/>
+              <a:t>hange the program to say hello to </a:t>
+            </a:r>
+            <a:r>
+              <a:rPr lang="en-US" sz="2900" dirty="0"/>
               <a:t>them</a:t>
             </a:r>
             <a:endParaRPr sz="2900" dirty="0"/>
@@ -11233,7 +9369,7 @@
               <a:t>See if you can come up with a different error than </a:t>
             </a:r>
             <a:r>
-              <a:rPr lang="en-US" sz="2500" dirty="0" smtClean="0"/>
+              <a:rPr lang="en-US" sz="2500" dirty="0"/>
               <a:t>your neighbor</a:t>
             </a:r>
             <a:endParaRPr sz="2500" dirty="0"/>
@@ -11257,11 +9393,11 @@
               <a:t>that </a:t>
             </a:r>
             <a:r>
-              <a:rPr lang="en-US" sz="2900" smtClean="0"/>
+              <a:rPr lang="en-US" sz="2900"/>
               <a:t>your neighbor </a:t>
             </a:r>
             <a:r>
-              <a:rPr sz="2900" smtClean="0"/>
+              <a:rPr sz="2900"/>
               <a:t>introduced</a:t>
             </a:r>
             <a:endParaRPr sz="2900" dirty="0"/>
@@ -11274,17 +9410,10 @@
     <a:masterClrMapping/>
   </p:clrMapOvr>
   <p:transition spd="med"/>
-  <p:timing>
-    <p:tnLst>
-      <p:par>
-        <p:cTn id="1" dur="indefinite" restart="never" nodeType="tmRoot"/>
-      </p:par>
-    </p:tnLst>
-  </p:timing>
 </p:sld>
 </file>
 
-<file path=ppt/slides/slide33.xml><?xml version="1.0" encoding="utf-8"?>
+<file path=ppt/slides/slide24.xml><?xml version="1.0" encoding="utf-8"?>
 <p:sld xmlns:a="http://schemas.openxmlformats.org/drawingml/2006/main" xmlns:r="http://schemas.openxmlformats.org/officeDocument/2006/relationships" xmlns:p="http://schemas.openxmlformats.org/presentationml/2006/main">
   <p:cSld>
     <p:spTree>
@@ -12556,7 +10685,7 @@
                 </a:defRPr>
               </a:pPr>
               <a:r>
-                <a:rPr sz="2000" dirty="0" smtClean="0">
+                <a:rPr sz="2000" dirty="0">
                   <a:solidFill>
                     <a:srgbClr val="FFFFFF"/>
                   </a:solidFill>
@@ -12564,7 +10693,7 @@
                 <a:t>Q</a:t>
               </a:r>
               <a:r>
-                <a:rPr lang="en-US" sz="2000" dirty="0" smtClean="0">
+                <a:rPr lang="en-US" sz="2000" dirty="0">
                   <a:solidFill>
                     <a:srgbClr val="FFFFFF"/>
                   </a:solidFill>
@@ -12801,7 +10930,7 @@
 </p:sld>
 </file>
 
-<file path=ppt/slides/slide34.xml><?xml version="1.0" encoding="utf-8"?>
+<file path=ppt/slides/slide25.xml><?xml version="1.0" encoding="utf-8"?>
 <p:sld xmlns:a="http://schemas.openxmlformats.org/drawingml/2006/main" xmlns:r="http://schemas.openxmlformats.org/officeDocument/2006/relationships" xmlns:p="http://schemas.openxmlformats.org/presentationml/2006/main">
   <p:cSld>
     <p:spTree>
@@ -12834,10 +10963,9 @@
           <a:lstStyle/>
           <a:p>
             <a:r>
-              <a:rPr lang="en-US" dirty="0" smtClean="0"/>
-              <a:t>Agenda</a:t>
-            </a:r>
-            <a:endParaRPr lang="en-US" dirty="0"/>
+              <a:rPr lang="en-US" dirty="0"/>
+              <a:t>In Class Coding</a:t>
+            </a:r>
           </a:p>
         </p:txBody>
       </p:sp>
@@ -12851,73 +10979,96 @@
             <p:ph type="body" idx="1"/>
           </p:nvPr>
         </p:nvSpPr>
-        <p:spPr/>
-        <p:txBody>
-          <a:bodyPr/>
+        <p:spPr>
+          <a:xfrm>
+            <a:off x="457200" y="1371600"/>
+            <a:ext cx="8229600" cy="5486400"/>
+          </a:xfrm>
+        </p:spPr>
+        <p:txBody>
+          <a:bodyPr>
+            <a:normAutofit fontScale="70000" lnSpcReduction="20000"/>
+          </a:bodyPr>
           <a:lstStyle/>
           <a:p>
             <a:r>
-              <a:rPr lang="en-US" strike="sngStrike" dirty="0" smtClean="0"/>
-              <a:t>Instructor intro</a:t>
-            </a:r>
-          </a:p>
-          <a:p>
-            <a:r>
-              <a:rPr lang="en-US" strike="sngStrike" dirty="0" smtClean="0"/>
-              <a:t>Critical links</a:t>
-            </a:r>
-          </a:p>
-          <a:p>
-            <a:r>
-              <a:rPr lang="en-US" strike="sngStrike" dirty="0" smtClean="0"/>
-              <a:t>Verify eclipse and </a:t>
-            </a:r>
-            <a:r>
-              <a:rPr lang="en-US" strike="sngStrike" dirty="0" err="1" smtClean="0"/>
-              <a:t>subclipse</a:t>
-            </a:r>
-            <a:r>
-              <a:rPr lang="en-US" strike="sngStrike" dirty="0" smtClean="0"/>
-              <a:t> configuration</a:t>
-            </a:r>
-          </a:p>
-          <a:p>
-            <a:r>
-              <a:rPr lang="en-US" b="1" dirty="0" smtClean="0"/>
-              <a:t>We write some java code</a:t>
+              <a:rPr lang="en-US" dirty="0"/>
+              <a:t>You can do this in pairs or on your own</a:t>
+            </a:r>
+          </a:p>
+          <a:p>
+            <a:r>
+              <a:rPr lang="en-US" dirty="0"/>
+              <a:t>There are 3 files:</a:t>
             </a:r>
           </a:p>
           <a:p>
             <a:pPr lvl="1"/>
             <a:r>
-              <a:rPr lang="en-US" b="1" dirty="0" smtClean="0"/>
-              <a:t>Conditionals</a:t>
+              <a:rPr lang="en-US" dirty="0"/>
+              <a:t>ConditionalExamples.java</a:t>
             </a:r>
           </a:p>
           <a:p>
             <a:pPr lvl="1"/>
             <a:r>
-              <a:rPr lang="en-US" b="1" dirty="0" smtClean="0"/>
-              <a:t>Strings</a:t>
+              <a:rPr lang="en-US" dirty="0"/>
+              <a:t>StringProbs.java</a:t>
             </a:r>
           </a:p>
           <a:p>
             <a:pPr lvl="1"/>
             <a:r>
-              <a:rPr lang="en-US" b="1" dirty="0" smtClean="0"/>
-              <a:t>Loops</a:t>
-            </a:r>
-            <a:endParaRPr lang="en-US" dirty="0" smtClean="0"/>
-          </a:p>
-          <a:p>
-            <a:endParaRPr lang="en-US" dirty="0"/>
+              <a:rPr lang="en-US" dirty="0"/>
+              <a:t>LoopProbs.java</a:t>
+            </a:r>
+          </a:p>
+          <a:p>
+            <a:r>
+              <a:rPr lang="en-US" dirty="0"/>
+              <a:t>Each file contains several solved functions and several unsolved functions.  Understand the code in the solved functions, and then use that code to help you write the unsolved functions.</a:t>
+            </a:r>
+          </a:p>
+          <a:p>
+            <a:r>
+              <a:rPr lang="en-US" dirty="0"/>
+              <a:t>If you have a problem you can’t  quickly debug, or you need a hint – call myself or the TA over</a:t>
+            </a:r>
+          </a:p>
+          <a:p>
+            <a:r>
+              <a:rPr lang="en-US" dirty="0"/>
+              <a:t>Test your code to ensure you’re right</a:t>
+            </a:r>
+          </a:p>
+          <a:p>
+            <a:pPr lvl="1"/>
+            <a:r>
+              <a:rPr lang="en-US" dirty="0"/>
+              <a:t>In ConditionalExamples.java, modify “main” to call your new functions with test values</a:t>
+            </a:r>
+          </a:p>
+          <a:p>
+            <a:pPr lvl="1"/>
+            <a:r>
+              <a:rPr lang="en-US" dirty="0"/>
+              <a:t>In the String/Loop </a:t>
+            </a:r>
+            <a:r>
+              <a:rPr lang="en-US" dirty="0" err="1"/>
+              <a:t>probs</a:t>
+            </a:r>
+            <a:r>
+              <a:rPr lang="en-US" dirty="0"/>
+              <a:t>, run the corresponding Test file to test your code</a:t>
+            </a:r>
           </a:p>
         </p:txBody>
       </p:sp>
     </p:spTree>
     <p:extLst>
       <p:ext uri="{BB962C8B-B14F-4D97-AF65-F5344CB8AC3E}">
-        <p14:creationId xmlns:p14="http://schemas.microsoft.com/office/powerpoint/2010/main" val="2266639869"/>
+        <p14:creationId xmlns:p14="http://schemas.microsoft.com/office/powerpoint/2010/main" val="2484985177"/>
       </p:ext>
     </p:extLst>
   </p:cSld>
@@ -12925,17 +11076,10 @@
     <a:masterClrMapping/>
   </p:clrMapOvr>
   <p:transition spd="med"/>
-  <p:timing>
-    <p:tnLst>
-      <p:par>
-        <p:cTn id="1" dur="indefinite" restart="never" nodeType="tmRoot"/>
-      </p:par>
-    </p:tnLst>
-  </p:timing>
 </p:sld>
 </file>
 
-<file path=ppt/slides/slide35.xml><?xml version="1.0" encoding="utf-8"?>
+<file path=ppt/slides/slide26.xml><?xml version="1.0" encoding="utf-8"?>
 <p:sld xmlns:a="http://schemas.openxmlformats.org/drawingml/2006/main" xmlns:r="http://schemas.openxmlformats.org/officeDocument/2006/relationships" xmlns:p="http://schemas.openxmlformats.org/presentationml/2006/main">
   <p:cSld>
     <p:spTree>
@@ -12954,7 +11098,7 @@
       </p:grpSpPr>
       <p:sp>
         <p:nvSpPr>
-          <p:cNvPr id="2" name="Title 1"/>
+          <p:cNvPr id="3" name="Title 2"/>
           <p:cNvSpPr>
             <a:spLocks noGrp="1"/>
           </p:cNvSpPr>
@@ -12968,8 +11112,8 @@
           <a:lstStyle/>
           <a:p>
             <a:r>
-              <a:rPr lang="en-US" dirty="0" smtClean="0"/>
-              <a:t>In Class Coding</a:t>
+              <a:rPr lang="en-US"/>
+              <a:t>What are Types?</a:t>
             </a:r>
             <a:endParaRPr lang="en-US" dirty="0"/>
           </a:p>
@@ -12977,96 +11121,69 @@
       </p:sp>
       <p:sp>
         <p:nvSpPr>
-          <p:cNvPr id="3" name="Text Placeholder 2"/>
-          <p:cNvSpPr>
-            <a:spLocks noGrp="1"/>
-          </p:cNvSpPr>
-          <p:nvPr>
-            <p:ph type="body" idx="1"/>
-          </p:nvPr>
-        </p:nvSpPr>
-        <p:spPr>
-          <a:xfrm>
-            <a:off x="457200" y="1371600"/>
-            <a:ext cx="8229600" cy="5486400"/>
-          </a:xfrm>
-        </p:spPr>
-        <p:txBody>
-          <a:bodyPr>
-            <a:normAutofit fontScale="70000" lnSpcReduction="20000"/>
-          </a:bodyPr>
+          <p:cNvPr id="2" name="Text Placeholder 1"/>
+          <p:cNvSpPr>
+            <a:spLocks noGrp="1"/>
+          </p:cNvSpPr>
+          <p:nvPr>
+            <p:ph idx="1"/>
+          </p:nvPr>
+        </p:nvSpPr>
+        <p:spPr/>
+        <p:txBody>
+          <a:bodyPr/>
           <a:lstStyle/>
           <a:p>
             <a:r>
-              <a:rPr lang="en-US" dirty="0" smtClean="0"/>
-              <a:t>You can do this in pairs or on your own</a:t>
-            </a:r>
-          </a:p>
-          <a:p>
-            <a:r>
-              <a:rPr lang="en-US" dirty="0" smtClean="0"/>
-              <a:t>There are 3 files:</a:t>
+              <a:rPr lang="en-US"/>
+              <a:t>All variables in Java have a “type”</a:t>
+            </a:r>
+          </a:p>
+          <a:p>
+            <a:r>
+              <a:rPr lang="en-US"/>
+              <a:t>Describes the data that can be stored in a variable</a:t>
             </a:r>
           </a:p>
           <a:p>
             <a:pPr lvl="1"/>
             <a:r>
-              <a:rPr lang="en-US" dirty="0" smtClean="0"/>
-              <a:t>ConditionalExamples.java</a:t>
+              <a:rPr lang="en-US"/>
+              <a:t>String – text only</a:t>
             </a:r>
           </a:p>
           <a:p>
             <a:pPr lvl="1"/>
             <a:r>
-              <a:rPr lang="en-US" dirty="0" smtClean="0"/>
-              <a:t>StringProbs.java</a:t>
+              <a:rPr lang="en-US"/>
+              <a:t>short/int/long – whole numbers only</a:t>
             </a:r>
           </a:p>
           <a:p>
             <a:pPr lvl="1"/>
             <a:r>
-              <a:rPr lang="en-US" dirty="0" smtClean="0"/>
-              <a:t>LoopProbs.java</a:t>
-            </a:r>
-          </a:p>
-          <a:p>
-            <a:r>
-              <a:rPr lang="en-US" dirty="0" smtClean="0"/>
-              <a:t>Each file contains several solved functions and several unsolved functions.  Understand the code in the solved functions, and then use that code to help you write the unsolved functions.</a:t>
-            </a:r>
-          </a:p>
-          <a:p>
-            <a:r>
-              <a:rPr lang="en-US" dirty="0" smtClean="0"/>
-              <a:t>If you have a problem you can’t  quickly debug, or you need a hint – call myself or the TA over</a:t>
-            </a:r>
-          </a:p>
-          <a:p>
-            <a:r>
-              <a:rPr lang="en-US" dirty="0" smtClean="0"/>
-              <a:t>Test your code to ensure you’re right</a:t>
+              <a:rPr lang="en-US"/>
+              <a:t>float/double – numbers with decimals</a:t>
             </a:r>
           </a:p>
           <a:p>
             <a:pPr lvl="1"/>
             <a:r>
-              <a:rPr lang="en-US" dirty="0" smtClean="0"/>
-              <a:t>In ConditionalExamples.java, modify “main” to call your new functions with test values</a:t>
+              <a:rPr lang="en-US"/>
+              <a:t>boolean – true or false</a:t>
             </a:r>
           </a:p>
           <a:p>
             <a:pPr lvl="1"/>
             <a:r>
-              <a:rPr lang="en-US" dirty="0" smtClean="0"/>
-              <a:t>In the String/Loop </a:t>
-            </a:r>
-            <a:r>
-              <a:rPr lang="en-US" dirty="0" err="1" smtClean="0"/>
-              <a:t>probs</a:t>
-            </a:r>
-            <a:r>
-              <a:rPr lang="en-US" dirty="0" smtClean="0"/>
-              <a:t>, run the corresponding Test file to test your code</a:t>
+              <a:rPr lang="en-US"/>
+              <a:t>char – a single text character</a:t>
+            </a:r>
+          </a:p>
+          <a:p>
+            <a:r>
+              <a:rPr lang="en-US"/>
+              <a:t>Classes – Class names are also types, let you define your own, more complex, types</a:t>
             </a:r>
             <a:endParaRPr lang="en-US" dirty="0"/>
           </a:p>
@@ -13075,25 +11192,17 @@
     </p:spTree>
     <p:extLst>
       <p:ext uri="{BB962C8B-B14F-4D97-AF65-F5344CB8AC3E}">
-        <p14:creationId xmlns:p14="http://schemas.microsoft.com/office/powerpoint/2010/main" val="2484985177"/>
+        <p14:creationId xmlns:p14="http://schemas.microsoft.com/office/powerpoint/2010/main" val="782453341"/>
       </p:ext>
     </p:extLst>
   </p:cSld>
   <p:clrMapOvr>
     <a:masterClrMapping/>
   </p:clrMapOvr>
-  <p:transition spd="med"/>
-  <p:timing>
-    <p:tnLst>
-      <p:par>
-        <p:cTn id="1" dur="indefinite" restart="never" nodeType="tmRoot"/>
-      </p:par>
-    </p:tnLst>
-  </p:timing>
 </p:sld>
 </file>
 
-<file path=ppt/slides/slide36.xml><?xml version="1.0" encoding="utf-8"?>
+<file path=ppt/slides/slide27.xml><?xml version="1.0" encoding="utf-8"?>
 <p:sld xmlns:a="http://schemas.openxmlformats.org/drawingml/2006/main" xmlns:r="http://schemas.openxmlformats.org/officeDocument/2006/relationships" xmlns:p="http://schemas.openxmlformats.org/presentationml/2006/main">
   <p:cSld>
     <p:spTree>
@@ -13112,7 +11221,7 @@
       </p:grpSpPr>
       <p:sp>
         <p:nvSpPr>
-          <p:cNvPr id="3" name="Title 2"/>
+          <p:cNvPr id="70" name="Shape 70"/>
           <p:cNvSpPr>
             <a:spLocks noGrp="1"/>
           </p:cNvSpPr>
@@ -13125,17 +11234,17 @@
           <a:bodyPr/>
           <a:lstStyle/>
           <a:p>
-            <a:r>
-              <a:rPr lang="en-US" smtClean="0"/>
-              <a:t>What are Types?</a:t>
-            </a:r>
-            <a:endParaRPr lang="en-US" dirty="0"/>
-          </a:p>
-        </p:txBody>
-      </p:sp>
-      <p:sp>
-        <p:nvSpPr>
-          <p:cNvPr id="2" name="Text Placeholder 1"/>
+            <a:pPr lvl="0"/>
+            <a:r>
+              <a:rPr lang="en-US"/>
+              <a:t>Strings</a:t>
+            </a:r>
+          </a:p>
+        </p:txBody>
+      </p:sp>
+      <p:sp>
+        <p:nvSpPr>
+          <p:cNvPr id="69" name="Shape 69"/>
           <p:cNvSpPr>
             <a:spLocks noGrp="1"/>
           </p:cNvSpPr>
@@ -13148,56 +11257,42 @@
           <a:bodyPr/>
           <a:lstStyle/>
           <a:p>
-            <a:r>
-              <a:rPr lang="en-US" smtClean="0"/>
-              <a:t>All variables in Java have a “type”</a:t>
-            </a:r>
-          </a:p>
-          <a:p>
-            <a:r>
-              <a:rPr lang="en-US" smtClean="0"/>
-              <a:t>Describes the data that can be stored in a variable</a:t>
-            </a:r>
-          </a:p>
-          <a:p>
-            <a:pPr lvl="1"/>
-            <a:r>
-              <a:rPr lang="en-US" smtClean="0"/>
-              <a:t>String – text only</a:t>
-            </a:r>
-          </a:p>
-          <a:p>
-            <a:pPr lvl="1"/>
-            <a:r>
-              <a:rPr lang="en-US" smtClean="0"/>
-              <a:t>short/int/long – whole numbers only</a:t>
-            </a:r>
-          </a:p>
-          <a:p>
-            <a:pPr lvl="1"/>
-            <a:r>
-              <a:rPr lang="en-US" smtClean="0"/>
-              <a:t>float/double – numbers with decimals</a:t>
-            </a:r>
-          </a:p>
-          <a:p>
-            <a:pPr lvl="1"/>
-            <a:r>
-              <a:rPr lang="en-US" smtClean="0"/>
-              <a:t>boolean – true or false</a:t>
-            </a:r>
-          </a:p>
-          <a:p>
-            <a:pPr lvl="1"/>
-            <a:r>
-              <a:rPr lang="en-US" smtClean="0"/>
-              <a:t>char – a single text character</a:t>
-            </a:r>
-          </a:p>
-          <a:p>
-            <a:r>
-              <a:rPr lang="en-US" smtClean="0"/>
-              <a:t>Classes – Class names are also types, let you define your own, more complex, types</a:t>
+            <a:pPr lvl="0"/>
+            <a:r>
+              <a:rPr lang="en-US"/>
+              <a:t>String myString = “hello”;</a:t>
+            </a:r>
+          </a:p>
+          <a:p>
+            <a:pPr lvl="0"/>
+            <a:r>
+              <a:rPr lang="en-US"/>
+              <a:t>String otherString = new String(“hello2”);</a:t>
+            </a:r>
+          </a:p>
+          <a:p>
+            <a:pPr lvl="0"/>
+            <a:endParaRPr lang="en-US"/>
+          </a:p>
+          <a:p>
+            <a:pPr lvl="0"/>
+            <a:r>
+              <a:rPr lang="en-US"/>
+              <a:t>Java’s way of storing text data</a:t>
+            </a:r>
+          </a:p>
+          <a:p>
+            <a:pPr lvl="0"/>
+            <a:r>
+              <a:rPr lang="en-US"/>
+              <a:t>Has many handy functions like substring, charAt, etc. that you will slowly learn</a:t>
+            </a:r>
+          </a:p>
+          <a:p>
+            <a:pPr lvl="0"/>
+            <a:r>
+              <a:rPr lang="en-US"/>
+              <a:t>But how do you find out about these cool functions?</a:t>
             </a:r>
             <a:endParaRPr lang="en-US" dirty="0"/>
           </a:p>
@@ -13206,32 +11301,17 @@
     </p:spTree>
     <p:extLst>
       <p:ext uri="{BB962C8B-B14F-4D97-AF65-F5344CB8AC3E}">
-        <p14:creationId xmlns:p14="http://schemas.microsoft.com/office/powerpoint/2010/main" val="782453341"/>
+        <p14:creationId xmlns:p14="http://schemas.microsoft.com/office/powerpoint/2010/main" val="765393618"/>
       </p:ext>
     </p:extLst>
   </p:cSld>
   <p:clrMapOvr>
     <a:masterClrMapping/>
   </p:clrMapOvr>
-  <mc:AlternateContent xmlns:mc="http://schemas.openxmlformats.org/markup-compatibility/2006" xmlns:p14="http://schemas.microsoft.com/office/powerpoint/2010/main">
-    <mc:Choice Requires="p14">
-      <p:transition spd="slow" p14:dur="2000"/>
-    </mc:Choice>
-    <mc:Fallback xmlns="">
-      <p:transition spd="slow"/>
-    </mc:Fallback>
-  </mc:AlternateContent>
-  <p:timing>
-    <p:tnLst>
-      <p:par>
-        <p:cTn id="1" dur="indefinite" restart="never" nodeType="tmRoot"/>
-      </p:par>
-    </p:tnLst>
-  </p:timing>
 </p:sld>
 </file>
 
-<file path=ppt/slides/slide37.xml><?xml version="1.0" encoding="utf-8"?>
+<file path=ppt/slides/slide28.xml><?xml version="1.0" encoding="utf-8"?>
 <p:sld xmlns:a="http://schemas.openxmlformats.org/drawingml/2006/main" xmlns:r="http://schemas.openxmlformats.org/officeDocument/2006/relationships" xmlns:p="http://schemas.openxmlformats.org/presentationml/2006/main">
   <p:cSld>
     <p:spTree>
@@ -13250,7 +11330,7 @@
       </p:grpSpPr>
       <p:sp>
         <p:nvSpPr>
-          <p:cNvPr id="70" name="Shape 70"/>
+          <p:cNvPr id="72" name="Shape 72"/>
           <p:cNvSpPr>
             <a:spLocks noGrp="1"/>
           </p:cNvSpPr>
@@ -13265,16 +11345,15 @@
           <a:p>
             <a:pPr lvl="0"/>
             <a:r>
-              <a:rPr lang="en-US" smtClean="0"/>
-              <a:t>Strings</a:t>
-            </a:r>
-            <a:endParaRPr lang="en-US"/>
-          </a:p>
-        </p:txBody>
-      </p:sp>
-      <p:sp>
-        <p:nvSpPr>
-          <p:cNvPr id="69" name="Shape 69"/>
+              <a:rPr lang="en-US"/>
+              <a:t>Java API Documentation</a:t>
+            </a:r>
+          </a:p>
+        </p:txBody>
+      </p:sp>
+      <p:sp>
+        <p:nvSpPr>
+          <p:cNvPr id="73" name="Shape 73"/>
           <p:cNvSpPr>
             <a:spLocks noGrp="1"/>
           </p:cNvSpPr>
@@ -13289,223 +11368,97 @@
           <a:p>
             <a:pPr lvl="0"/>
             <a:r>
-              <a:rPr lang="en-US" smtClean="0"/>
-              <a:t>String myString = “hello”;</a:t>
-            </a:r>
+              <a:rPr lang="en-US" dirty="0"/>
+              <a:t>What’s an API?</a:t>
+            </a:r>
+          </a:p>
+          <a:p>
+            <a:pPr lvl="1"/>
+            <a:r>
+              <a:rPr lang="en-US" dirty="0"/>
+              <a:t>Application Programming Interface</a:t>
+            </a:r>
+          </a:p>
+          <a:p>
+            <a:pPr lvl="1"/>
+            <a:endParaRPr lang="en-US" dirty="0"/>
           </a:p>
           <a:p>
             <a:pPr lvl="0"/>
             <a:r>
-              <a:rPr lang="en-US" smtClean="0"/>
-              <a:t>String otherString = new String(“hello2”);</a:t>
-            </a:r>
-          </a:p>
-          <a:p>
-            <a:pPr lvl="0"/>
-            <a:endParaRPr lang="en-US" smtClean="0"/>
-          </a:p>
-          <a:p>
-            <a:pPr lvl="0"/>
-            <a:r>
-              <a:rPr lang="en-US" smtClean="0"/>
-              <a:t>Java’s way of storing text data</a:t>
-            </a:r>
-          </a:p>
-          <a:p>
-            <a:pPr lvl="0"/>
-            <a:r>
-              <a:rPr lang="en-US" smtClean="0"/>
-              <a:t>Has many handy functions like substring, charAt, etc. that you will slowly learn</a:t>
-            </a:r>
-          </a:p>
-          <a:p>
-            <a:pPr lvl="0"/>
-            <a:r>
-              <a:rPr lang="en-US" smtClean="0"/>
-              <a:t>But how do you find out about these cool functions?</a:t>
-            </a:r>
+              <a:rPr lang="en-US" dirty="0"/>
+              <a:t>The Java API on-line</a:t>
+            </a:r>
+          </a:p>
+          <a:p>
+            <a:pPr lvl="1"/>
+            <a:r>
+              <a:rPr lang="en-US" dirty="0"/>
+              <a:t>Google for: java </a:t>
+            </a:r>
+            <a:r>
+              <a:rPr lang="en-US" dirty="0" err="1"/>
+              <a:t>api</a:t>
+            </a:r>
+            <a:r>
+              <a:rPr lang="en-US" dirty="0"/>
+              <a:t> documentation 7</a:t>
+            </a:r>
+          </a:p>
+          <a:p>
+            <a:pPr lvl="1"/>
             <a:endParaRPr lang="en-US" dirty="0"/>
           </a:p>
-        </p:txBody>
-      </p:sp>
-    </p:spTree>
-    <p:extLst>
-      <p:ext uri="{BB962C8B-B14F-4D97-AF65-F5344CB8AC3E}">
-        <p14:creationId xmlns:p14="http://schemas.microsoft.com/office/powerpoint/2010/main" val="765393618"/>
-      </p:ext>
-    </p:extLst>
-  </p:cSld>
-  <p:clrMapOvr>
-    <a:masterClrMapping/>
-  </p:clrMapOvr>
-  <mc:AlternateContent xmlns:mc="http://schemas.openxmlformats.org/markup-compatibility/2006" xmlns:p14="http://schemas.microsoft.com/office/powerpoint/2010/main">
-    <mc:Choice Requires="p14">
-      <p:transition spd="slow" p14:dur="2000"/>
-    </mc:Choice>
-    <mc:Fallback xmlns="">
-      <p:transition spd="slow"/>
-    </mc:Fallback>
-  </mc:AlternateContent>
-  <p:timing>
-    <p:tnLst>
-      <p:par>
-        <p:cTn id="1" dur="indefinite" restart="never" nodeType="tmRoot"/>
-      </p:par>
-    </p:tnLst>
-  </p:timing>
-</p:sld>
-</file>
-
-<file path=ppt/slides/slide38.xml><?xml version="1.0" encoding="utf-8"?>
-<p:sld xmlns:a="http://schemas.openxmlformats.org/drawingml/2006/main" xmlns:r="http://schemas.openxmlformats.org/officeDocument/2006/relationships" xmlns:p="http://schemas.openxmlformats.org/presentationml/2006/main">
-  <p:cSld>
-    <p:spTree>
-      <p:nvGrpSpPr>
-        <p:cNvPr id="1" name=""/>
-        <p:cNvGrpSpPr/>
-        <p:nvPr/>
-      </p:nvGrpSpPr>
-      <p:grpSpPr>
-        <a:xfrm>
-          <a:off x="0" y="0"/>
-          <a:ext cx="0" cy="0"/>
-          <a:chOff x="0" y="0"/>
-          <a:chExt cx="0" cy="0"/>
-        </a:xfrm>
-      </p:grpSpPr>
-      <p:sp>
-        <p:nvSpPr>
-          <p:cNvPr id="72" name="Shape 72"/>
-          <p:cNvSpPr>
-            <a:spLocks noGrp="1"/>
-          </p:cNvSpPr>
-          <p:nvPr>
-            <p:ph type="title"/>
-          </p:nvPr>
-        </p:nvSpPr>
-        <p:spPr/>
-        <p:txBody>
-          <a:bodyPr/>
-          <a:lstStyle/>
-          <a:p>
-            <a:pPr lvl="0"/>
-            <a:r>
-              <a:rPr lang="en-US" smtClean="0"/>
-              <a:t>Java API Documentation</a:t>
-            </a:r>
-            <a:endParaRPr lang="en-US"/>
-          </a:p>
-        </p:txBody>
-      </p:sp>
-      <p:sp>
-        <p:nvSpPr>
-          <p:cNvPr id="73" name="Shape 73"/>
-          <p:cNvSpPr>
-            <a:spLocks noGrp="1"/>
-          </p:cNvSpPr>
-          <p:nvPr>
-            <p:ph idx="1"/>
-          </p:nvPr>
-        </p:nvSpPr>
-        <p:spPr/>
-        <p:txBody>
-          <a:bodyPr/>
-          <a:lstStyle/>
-          <a:p>
-            <a:pPr lvl="0"/>
-            <a:r>
-              <a:rPr lang="en-US" dirty="0" smtClean="0"/>
-              <a:t>What’s an API?</a:t>
-            </a:r>
-          </a:p>
           <a:p>
             <a:pPr lvl="1"/>
             <a:r>
-              <a:rPr lang="en-US" dirty="0" smtClean="0"/>
-              <a:t>Application Programming Interface</a:t>
-            </a:r>
-          </a:p>
-          <a:p>
-            <a:pPr lvl="1"/>
-            <a:endParaRPr lang="en-US" dirty="0" smtClean="0"/>
-          </a:p>
-          <a:p>
-            <a:pPr lvl="0"/>
-            <a:r>
-              <a:rPr lang="en-US" dirty="0" smtClean="0"/>
-              <a:t>The Java API on-line</a:t>
-            </a:r>
-          </a:p>
-          <a:p>
-            <a:pPr lvl="1"/>
-            <a:r>
-              <a:rPr lang="en-US" dirty="0" smtClean="0"/>
-              <a:t>Google for: java </a:t>
-            </a:r>
-            <a:r>
-              <a:rPr lang="en-US" dirty="0" err="1" smtClean="0"/>
-              <a:t>api</a:t>
-            </a:r>
-            <a:r>
-              <a:rPr lang="en-US" dirty="0" smtClean="0"/>
-              <a:t> documentation 7</a:t>
-            </a:r>
-          </a:p>
-          <a:p>
-            <a:pPr lvl="1"/>
-            <a:endParaRPr lang="en-US" dirty="0" smtClean="0"/>
-          </a:p>
-          <a:p>
-            <a:pPr lvl="1"/>
-            <a:r>
-              <a:rPr lang="en-US" dirty="0" smtClean="0"/>
+              <a:rPr lang="en-US" dirty="0"/>
               <a:t>Or go to: </a:t>
             </a:r>
             <a:r>
-              <a:rPr lang="en-US" dirty="0" smtClean="0">
+              <a:rPr lang="en-US" dirty="0">
                 <a:hlinkClick r:id="rId3"/>
               </a:rPr>
               <a:t>http://download.oracle.com/javase/8/docs/api/</a:t>
             </a:r>
             <a:r>
-              <a:rPr lang="en-US" dirty="0" smtClean="0"/>
+              <a:rPr lang="en-US" dirty="0"/>
               <a:t> </a:t>
             </a:r>
           </a:p>
           <a:p>
             <a:pPr lvl="1"/>
-            <a:endParaRPr lang="en-US" dirty="0" smtClean="0"/>
+            <a:endParaRPr lang="en-US" dirty="0"/>
           </a:p>
           <a:p>
             <a:pPr lvl="1"/>
             <a:r>
-              <a:rPr lang="en-US" dirty="0" smtClean="0"/>
+              <a:rPr lang="en-US" dirty="0"/>
               <a:t>Also hopefully on your computer at</a:t>
             </a:r>
           </a:p>
           <a:p>
             <a:pPr lvl="1"/>
             <a:r>
-              <a:rPr lang="en-US" dirty="0" smtClean="0"/>
+              <a:rPr lang="en-US" dirty="0"/>
               <a:t>C:\Program Files\Java\jdk1.8.0_9\docs\</a:t>
             </a:r>
             <a:r>
-              <a:rPr lang="en-US" dirty="0" err="1" smtClean="0"/>
+              <a:rPr lang="en-US" dirty="0" err="1"/>
               <a:t>api</a:t>
             </a:r>
             <a:r>
-              <a:rPr lang="en-US" dirty="0" smtClean="0"/>
+              <a:rPr lang="en-US" dirty="0"/>
               <a:t>\</a:t>
             </a:r>
             <a:r>
-              <a:rPr lang="en-US" dirty="0" err="1" smtClean="0"/>
+              <a:rPr lang="en-US" dirty="0" err="1"/>
               <a:t>index.html</a:t>
             </a:r>
             <a:r>
-              <a:rPr lang="en-US" dirty="0" smtClean="0"/>
+              <a:rPr lang="en-US" dirty="0"/>
               <a:t>  </a:t>
             </a:r>
-            <a:endParaRPr lang="en-US" dirty="0"/>
           </a:p>
         </p:txBody>
       </p:sp>
@@ -13565,7 +11518,7 @@
               <a:t>You need the   7 </a:t>
             </a:r>
             <a:r>
-              <a:rPr lang="en-US" sz="1800" dirty="0" smtClean="0">
+              <a:rPr lang="en-US" sz="1800" dirty="0">
                 <a:solidFill>
                   <a:prstClr val="white"/>
                 </a:solidFill>
@@ -13573,12 +11526,8 @@
               <a:t>(or 8)</a:t>
             </a:r>
             <a:r>
-              <a:rPr dirty="0" smtClean="0"/>
-              <a:t>  </a:t>
-            </a:r>
-            <a:r>
               <a:rPr dirty="0"/>
-              <a:t>to get the current version of Java</a:t>
+              <a:t>  to get the current version of Java</a:t>
             </a:r>
           </a:p>
         </p:txBody>
@@ -13682,7 +11631,7 @@
               <a:t>Your version may be something other than </a:t>
             </a:r>
             <a:r>
-              <a:rPr lang="en-US" sz="2000" smtClean="0">
+              <a:rPr lang="en-US" sz="2000">
                 <a:solidFill>
                   <a:srgbClr val="FFFFFF"/>
                 </a:solidFill>
@@ -13694,18 +11643,6 @@
               <a:t>8</a:t>
             </a:r>
             <a:r>
-              <a:rPr sz="2000" smtClean="0">
-                <a:solidFill>
-                  <a:srgbClr val="FFFFFF"/>
-                </a:solidFill>
-                <a:latin typeface="Arial"/>
-                <a:ea typeface="Arial"/>
-                <a:cs typeface="Arial"/>
-                <a:sym typeface="Arial"/>
-              </a:rPr>
-              <a:t>.0_9</a:t>
-            </a:r>
-            <a:r>
               <a:rPr sz="2000">
                 <a:solidFill>
                   <a:srgbClr val="FFFFFF"/>
@@ -13715,7 +11652,7 @@
                 <a:cs typeface="Arial"/>
                 <a:sym typeface="Arial"/>
               </a:rPr>
-              <a:t>.</a:t>
+              <a:t>.0_9.</a:t>
             </a:r>
             <a:endParaRPr sz="1800">
               <a:latin typeface="Arial"/>
@@ -13759,14 +11696,6 @@
   <p:clrMapOvr>
     <a:masterClrMapping/>
   </p:clrMapOvr>
-  <mc:AlternateContent xmlns:mc="http://schemas.openxmlformats.org/markup-compatibility/2006" xmlns:p14="http://schemas.microsoft.com/office/powerpoint/2010/main">
-    <mc:Choice Requires="p14">
-      <p:transition spd="slow" p14:dur="2000"/>
-    </mc:Choice>
-    <mc:Fallback xmlns="">
-      <p:transition spd="slow"/>
-    </mc:Fallback>
-  </mc:AlternateContent>
   <p:timing>
     <p:tnLst>
       <p:par>
@@ -13847,7 +11776,7 @@
 </p:sld>
 </file>
 
-<file path=ppt/slides/slide39.xml><?xml version="1.0" encoding="utf-8"?>
+<file path=ppt/slides/slide29.xml><?xml version="1.0" encoding="utf-8"?>
 <p:sld xmlns:a="http://schemas.openxmlformats.org/drawingml/2006/main" xmlns:r="http://schemas.openxmlformats.org/officeDocument/2006/relationships" xmlns:p="http://schemas.openxmlformats.org/presentationml/2006/main">
   <p:cSld>
     <p:spTree>
@@ -13881,10 +11810,9 @@
           <a:p>
             <a:pPr lvl="0"/>
             <a:r>
-              <a:rPr lang="en-US" smtClean="0"/>
+              <a:rPr lang="en-US"/>
               <a:t>Java Documentation in Eclipse</a:t>
             </a:r>
-            <a:endParaRPr lang="en-US"/>
           </a:p>
         </p:txBody>
       </p:sp>
@@ -13905,38 +11833,37 @@
           <a:p>
             <a:pPr lvl="0"/>
             <a:r>
-              <a:rPr lang="en-US" smtClean="0"/>
+              <a:rPr lang="en-US"/>
               <a:t>Setting up Java API documentation in Eclipse</a:t>
             </a:r>
           </a:p>
           <a:p>
             <a:pPr lvl="1"/>
             <a:r>
-              <a:rPr lang="en-US" smtClean="0"/>
+              <a:rPr lang="en-US"/>
               <a:t>Should be done already, </a:t>
             </a:r>
           </a:p>
           <a:p>
             <a:pPr lvl="0"/>
             <a:r>
-              <a:rPr lang="en-US" smtClean="0"/>
+              <a:rPr lang="en-US"/>
               <a:t>Using the API documentation in Eclipse</a:t>
             </a:r>
           </a:p>
           <a:p>
             <a:pPr lvl="1"/>
             <a:r>
-              <a:rPr lang="en-US" smtClean="0"/>
+              <a:rPr lang="en-US"/>
               <a:t>Hover text</a:t>
             </a:r>
           </a:p>
           <a:p>
             <a:pPr lvl="1"/>
             <a:r>
-              <a:rPr lang="en-US" smtClean="0"/>
+              <a:rPr lang="en-US"/>
               <a:t>Open external documentation (Shift-F2)</a:t>
             </a:r>
-            <a:endParaRPr lang="en-US"/>
           </a:p>
         </p:txBody>
       </p:sp>
@@ -14019,25 +11946,10 @@
   <p:clrMapOvr>
     <a:masterClrMapping/>
   </p:clrMapOvr>
-  <mc:AlternateContent xmlns:mc="http://schemas.openxmlformats.org/markup-compatibility/2006" xmlns:p14="http://schemas.microsoft.com/office/powerpoint/2010/main">
-    <mc:Choice Requires="p14">
-      <p:transition spd="slow" p14:dur="2000"/>
-    </mc:Choice>
-    <mc:Fallback xmlns="">
-      <p:transition spd="slow"/>
-    </mc:Fallback>
-  </mc:AlternateContent>
-  <p:timing>
-    <p:tnLst>
-      <p:par>
-        <p:cTn id="1" dur="indefinite" restart="never" nodeType="tmRoot"/>
-      </p:par>
-    </p:tnLst>
-  </p:timing>
 </p:sld>
 </file>
 
-<file path=ppt/slides/slide4.xml><?xml version="1.0" encoding="utf-8"?>
+<file path=ppt/slides/slide3.xml><?xml version="1.0" encoding="utf-8"?>
 <p:sld xmlns:a="http://schemas.openxmlformats.org/drawingml/2006/main" xmlns:r="http://schemas.openxmlformats.org/officeDocument/2006/relationships" xmlns:p="http://schemas.openxmlformats.org/presentationml/2006/main">
   <p:cSld>
     <p:spTree>
@@ -14056,7 +11968,7 @@
       </p:grpSpPr>
       <p:sp>
         <p:nvSpPr>
-          <p:cNvPr id="2" name="Title 1"/>
+          <p:cNvPr id="54" name="Shape 54"/>
           <p:cNvSpPr>
             <a:spLocks noGrp="1"/>
           </p:cNvSpPr>
@@ -14064,22 +11976,39 @@
             <p:ph type="title"/>
           </p:nvPr>
         </p:nvSpPr>
-        <p:spPr/>
+        <p:spPr>
+          <a:xfrm>
+            <a:off x="685800" y="2130425"/>
+            <a:ext cx="7772400" cy="1470025"/>
+          </a:xfrm>
+          <a:prstGeom prst="rect">
+            <a:avLst/>
+          </a:prstGeom>
+        </p:spPr>
         <p:txBody>
           <a:bodyPr/>
           <a:lstStyle/>
           <a:p>
-            <a:r>
-              <a:rPr lang="en-US" dirty="0" smtClean="0"/>
-              <a:t>Agenda</a:t>
-            </a:r>
-            <a:endParaRPr lang="en-US" dirty="0"/>
-          </a:p>
-        </p:txBody>
-      </p:sp>
-      <p:sp>
-        <p:nvSpPr>
-          <p:cNvPr id="3" name="Text Placeholder 2"/>
+            <a:pPr lvl="0">
+              <a:defRPr sz="1800"/>
+            </a:pPr>
+            <a:r>
+              <a:rPr sz="4400"/>
+              <a:t>Course Introduction,</a:t>
+            </a:r>
+            <a:br>
+              <a:rPr sz="4400"/>
+            </a:br>
+            <a:r>
+              <a:rPr sz="4400"/>
+              <a:t>Starting with Java</a:t>
+            </a:r>
+          </a:p>
+        </p:txBody>
+      </p:sp>
+      <p:sp>
+        <p:nvSpPr>
+          <p:cNvPr id="55" name="Shape 55"/>
           <p:cNvSpPr>
             <a:spLocks noGrp="1"/>
           </p:cNvSpPr>
@@ -14087,90 +12016,67 @@
             <p:ph type="body" idx="1"/>
           </p:nvPr>
         </p:nvSpPr>
-        <p:spPr/>
+        <p:spPr>
+          <a:xfrm>
+            <a:off x="1371600" y="3886200"/>
+            <a:ext cx="6400800" cy="1752600"/>
+          </a:xfrm>
+          <a:prstGeom prst="rect">
+            <a:avLst/>
+          </a:prstGeom>
+        </p:spPr>
         <p:txBody>
           <a:bodyPr/>
           <a:lstStyle/>
           <a:p>
-            <a:r>
-              <a:rPr lang="en-US" dirty="0" smtClean="0"/>
-              <a:t>Instructor intro</a:t>
-            </a:r>
-          </a:p>
-          <a:p>
-            <a:r>
-              <a:rPr lang="en-US" dirty="0" smtClean="0"/>
-              <a:t>Critical links</a:t>
-            </a:r>
-          </a:p>
-          <a:p>
-            <a:r>
-              <a:rPr lang="en-US" dirty="0" smtClean="0"/>
-              <a:t>Verify eclipse and </a:t>
-            </a:r>
-            <a:r>
-              <a:rPr lang="en-US" dirty="0" err="1" smtClean="0"/>
-              <a:t>subclipse</a:t>
-            </a:r>
-            <a:r>
-              <a:rPr lang="en-US" dirty="0" smtClean="0"/>
-              <a:t> configuration</a:t>
-            </a:r>
-          </a:p>
-          <a:p>
-            <a:r>
-              <a:rPr lang="en-US" dirty="0" smtClean="0"/>
-              <a:t>We write some java code</a:t>
-            </a:r>
-          </a:p>
-          <a:p>
-            <a:pPr lvl="1"/>
-            <a:r>
-              <a:rPr lang="en-US" dirty="0" smtClean="0"/>
-              <a:t>Conditionals</a:t>
-            </a:r>
-          </a:p>
-          <a:p>
-            <a:pPr lvl="1"/>
-            <a:r>
-              <a:rPr lang="en-US" dirty="0" smtClean="0"/>
-              <a:t>Strings</a:t>
-            </a:r>
-          </a:p>
-          <a:p>
-            <a:pPr lvl="1"/>
-            <a:r>
-              <a:rPr lang="en-US" dirty="0" smtClean="0"/>
-              <a:t>Loops</a:t>
-            </a:r>
-          </a:p>
-          <a:p>
-            <a:endParaRPr lang="en-US" dirty="0"/>
+            <a:pPr lvl="0" defTabSz="868680">
+              <a:spcBef>
+                <a:spcPts val="500"/>
+              </a:spcBef>
+              <a:defRPr sz="1800">
+                <a:solidFill>
+                  <a:srgbClr val="000000"/>
+                </a:solidFill>
+              </a:defRPr>
+            </a:pPr>
+            <a:r>
+              <a:rPr sz="2280">
+                <a:solidFill>
+                  <a:srgbClr val="888888"/>
+                </a:solidFill>
+              </a:rPr>
+              <a:t>CSSE 220—Object-Oriented Software Development</a:t>
+            </a:r>
+          </a:p>
+          <a:p>
+            <a:pPr lvl="0" defTabSz="868680">
+              <a:defRPr sz="1800">
+                <a:solidFill>
+                  <a:srgbClr val="000000"/>
+                </a:solidFill>
+              </a:defRPr>
+            </a:pPr>
+            <a:r>
+              <a:rPr sz="3040">
+                <a:solidFill>
+                  <a:srgbClr val="888888"/>
+                </a:solidFill>
+              </a:rPr>
+              <a:t>Rose-Hulman Institute of Technology</a:t>
+            </a:r>
           </a:p>
         </p:txBody>
       </p:sp>
     </p:spTree>
-    <p:extLst>
-      <p:ext uri="{BB962C8B-B14F-4D97-AF65-F5344CB8AC3E}">
-        <p14:creationId xmlns:p14="http://schemas.microsoft.com/office/powerpoint/2010/main" val="4168845061"/>
-      </p:ext>
-    </p:extLst>
   </p:cSld>
   <p:clrMapOvr>
     <a:masterClrMapping/>
   </p:clrMapOvr>
   <p:transition spd="med"/>
-  <p:timing>
-    <p:tnLst>
-      <p:par>
-        <p:cTn id="1" dur="indefinite" restart="never" nodeType="tmRoot"/>
-      </p:par>
-    </p:tnLst>
-  </p:timing>
 </p:sld>
 </file>
 
-<file path=ppt/slides/slide40.xml><?xml version="1.0" encoding="utf-8"?>
+<file path=ppt/slides/slide30.xml><?xml version="1.0" encoding="utf-8"?>
 <p:sld xmlns:a="http://schemas.openxmlformats.org/drawingml/2006/main" xmlns:r="http://schemas.openxmlformats.org/officeDocument/2006/relationships" xmlns:p="http://schemas.openxmlformats.org/presentationml/2006/main">
   <p:cSld>
     <p:spTree>
@@ -14204,7 +12110,7 @@
           <a:p>
             <a:pPr lvl="0"/>
             <a:r>
-              <a:rPr lang="en-US" smtClean="0"/>
+              <a:rPr lang="en-US"/>
               <a:t>Review Loops: while &amp; for Loops</a:t>
             </a:r>
             <a:endParaRPr lang="en-US" dirty="0"/>
@@ -14228,87 +12134,87 @@
           <a:p>
             <a:pPr lvl="0"/>
             <a:r>
-              <a:rPr lang="en-US" smtClean="0"/>
+              <a:rPr lang="en-US"/>
               <a:t>While loop syntax:                Similar to Python</a:t>
             </a:r>
           </a:p>
           <a:p>
             <a:pPr lvl="0"/>
-            <a:endParaRPr lang="en-US" smtClean="0"/>
+            <a:endParaRPr lang="en-US"/>
           </a:p>
           <a:p>
             <a:pPr lvl="2"/>
             <a:r>
-              <a:rPr lang="en-US" smtClean="0">
+              <a:rPr lang="en-US">
                 <a:sym typeface="Lucida Sans Typewriter"/>
               </a:rPr>
               <a:t>while (condition) {    </a:t>
             </a:r>
             <a:br>
-              <a:rPr lang="en-US" smtClean="0">
+              <a:rPr lang="en-US">
                 <a:sym typeface="Lucida Sans Typewriter"/>
               </a:rPr>
             </a:br>
             <a:r>
-              <a:rPr lang="en-US" smtClean="0">
+              <a:rPr lang="en-US">
                 <a:sym typeface="Lucida Sans Typewriter"/>
               </a:rPr>
               <a:t>	statements</a:t>
             </a:r>
-            <a:endParaRPr lang="en-US" smtClean="0"/>
+            <a:endParaRPr lang="en-US"/>
           </a:p>
           <a:p>
             <a:pPr lvl="2"/>
             <a:r>
-              <a:rPr lang="en-US" smtClean="0">
+              <a:rPr lang="en-US">
                 <a:sym typeface="Lucida Sans Typewriter"/>
               </a:rPr>
               <a:t>}</a:t>
             </a:r>
-            <a:endParaRPr lang="en-US" smtClean="0"/>
+            <a:endParaRPr lang="en-US"/>
           </a:p>
           <a:p>
             <a:pPr lvl="2"/>
-            <a:endParaRPr lang="en-US" smtClean="0">
+            <a:endParaRPr lang="en-US">
               <a:sym typeface="Lucida Sans Typewriter"/>
             </a:endParaRPr>
           </a:p>
           <a:p>
             <a:pPr lvl="0"/>
             <a:r>
-              <a:rPr lang="en-US" smtClean="0"/>
+              <a:rPr lang="en-US"/>
               <a:t>For loop syntax:            Different from Python</a:t>
             </a:r>
           </a:p>
           <a:p>
             <a:pPr lvl="0"/>
-            <a:endParaRPr lang="en-US" smtClean="0"/>
+            <a:endParaRPr lang="en-US"/>
           </a:p>
           <a:p>
             <a:pPr lvl="2"/>
             <a:r>
-              <a:rPr lang="en-US" smtClean="0">
+              <a:rPr lang="en-US">
                 <a:sym typeface="Lucida Sans Typewriter"/>
               </a:rPr>
               <a:t> for (initialization ; condition ; update) {</a:t>
             </a:r>
             <a:br>
-              <a:rPr lang="en-US" smtClean="0">
+              <a:rPr lang="en-US">
                 <a:sym typeface="Lucida Sans Typewriter"/>
               </a:rPr>
             </a:br>
             <a:r>
-              <a:rPr lang="en-US" smtClean="0">
+              <a:rPr lang="en-US">
                 <a:sym typeface="Lucida Sans Typewriter"/>
               </a:rPr>
               <a:t>	    statements</a:t>
             </a:r>
-            <a:endParaRPr lang="en-US" smtClean="0"/>
+            <a:endParaRPr lang="en-US"/>
           </a:p>
           <a:p>
             <a:pPr lvl="2"/>
             <a:r>
-              <a:rPr lang="en-US" smtClean="0">
+              <a:rPr lang="en-US">
                 <a:sym typeface="Lucida Sans Typewriter"/>
               </a:rPr>
               <a:t> }</a:t>
@@ -14389,25 +12295,10 @@
   <p:clrMapOvr>
     <a:masterClrMapping/>
   </p:clrMapOvr>
-  <mc:AlternateContent xmlns:mc="http://schemas.openxmlformats.org/markup-compatibility/2006" xmlns:p14="http://schemas.microsoft.com/office/powerpoint/2010/main">
-    <mc:Choice Requires="p14">
-      <p:transition spd="slow" p14:dur="2000"/>
-    </mc:Choice>
-    <mc:Fallback xmlns="">
-      <p:transition spd="slow"/>
-    </mc:Fallback>
-  </mc:AlternateContent>
-  <p:timing>
-    <p:tnLst>
-      <p:par>
-        <p:cTn id="1" dur="indefinite" restart="never" nodeType="tmRoot"/>
-      </p:par>
-    </p:tnLst>
-  </p:timing>
 </p:sld>
 </file>
 
-<file path=ppt/slides/slide41.xml><?xml version="1.0" encoding="utf-8"?>
+<file path=ppt/slides/slide31.xml><?xml version="1.0" encoding="utf-8"?>
 <p:sld xmlns:a="http://schemas.openxmlformats.org/drawingml/2006/main" xmlns:r="http://schemas.openxmlformats.org/officeDocument/2006/relationships" xmlns:p="http://schemas.openxmlformats.org/presentationml/2006/main">
   <p:cSld>
     <p:spTree>
@@ -14426,6 +12317,113 @@
       </p:grpSpPr>
       <p:sp>
         <p:nvSpPr>
+          <p:cNvPr id="2" name="Title 1">
+            <a:extLst>
+              <a:ext uri="{FF2B5EF4-FFF2-40B4-BE49-F238E27FC236}">
+                <a16:creationId xmlns:a16="http://schemas.microsoft.com/office/drawing/2014/main" id="{8433F4E1-045A-4F25-BB60-F134E258827A}"/>
+              </a:ext>
+            </a:extLst>
+          </p:cNvPr>
+          <p:cNvSpPr>
+            <a:spLocks noGrp="1"/>
+          </p:cNvSpPr>
+          <p:nvPr>
+            <p:ph type="title"/>
+          </p:nvPr>
+        </p:nvSpPr>
+        <p:spPr/>
+        <p:txBody>
+          <a:bodyPr/>
+          <a:lstStyle/>
+          <a:p>
+            <a:r>
+              <a:rPr lang="en-US" dirty="0"/>
+              <a:t>How to submit homework assignments</a:t>
+            </a:r>
+          </a:p>
+        </p:txBody>
+      </p:sp>
+      <p:sp>
+        <p:nvSpPr>
+          <p:cNvPr id="3" name="Text Placeholder 2">
+            <a:extLst>
+              <a:ext uri="{FF2B5EF4-FFF2-40B4-BE49-F238E27FC236}">
+                <a16:creationId xmlns:a16="http://schemas.microsoft.com/office/drawing/2014/main" id="{F328175C-158E-4537-A5AD-52C5F0C89631}"/>
+              </a:ext>
+            </a:extLst>
+          </p:cNvPr>
+          <p:cNvSpPr>
+            <a:spLocks noGrp="1"/>
+          </p:cNvSpPr>
+          <p:nvPr>
+            <p:ph type="body" idx="1"/>
+          </p:nvPr>
+        </p:nvSpPr>
+        <p:spPr/>
+        <p:txBody>
+          <a:bodyPr lIns="45719" rIns="45719" anchor="t">
+            <a:normAutofit/>
+          </a:bodyPr>
+          <a:lstStyle/>
+          <a:p>
+            <a:r>
+              <a:rPr lang="en-US" dirty="0"/>
+              <a:t>You'll submit your .java files via </a:t>
+            </a:r>
+            <a:r>
+              <a:rPr lang="en-US" dirty="0" err="1"/>
+              <a:t>moodle</a:t>
+            </a:r>
+            <a:r>
+              <a:rPr lang="en-US" dirty="0"/>
+              <a:t> assignments</a:t>
+            </a:r>
+          </a:p>
+          <a:p>
+            <a:r>
+              <a:rPr lang="en-US" dirty="0"/>
+              <a:t>There's instructions in the Homework section of the course </a:t>
+            </a:r>
+            <a:r>
+              <a:rPr lang="en-US" dirty="0" err="1"/>
+              <a:t>moodle</a:t>
+            </a:r>
+          </a:p>
+        </p:txBody>
+      </p:sp>
+    </p:spTree>
+    <p:extLst>
+      <p:ext uri="{BB962C8B-B14F-4D97-AF65-F5344CB8AC3E}">
+        <p14:creationId xmlns:p14="http://schemas.microsoft.com/office/powerpoint/2010/main" val="3649854280"/>
+      </p:ext>
+    </p:extLst>
+  </p:cSld>
+  <p:clrMapOvr>
+    <a:masterClrMapping/>
+  </p:clrMapOvr>
+  <p:transition spd="med"/>
+</p:sld>
+</file>
+
+<file path=ppt/slides/slide32.xml><?xml version="1.0" encoding="utf-8"?>
+<p:sld xmlns:a="http://schemas.openxmlformats.org/drawingml/2006/main" xmlns:r="http://schemas.openxmlformats.org/officeDocument/2006/relationships" xmlns:p="http://schemas.openxmlformats.org/presentationml/2006/main">
+  <p:cSld>
+    <p:spTree>
+      <p:nvGrpSpPr>
+        <p:cNvPr id="1" name=""/>
+        <p:cNvGrpSpPr/>
+        <p:nvPr/>
+      </p:nvGrpSpPr>
+      <p:grpSpPr>
+        <a:xfrm>
+          <a:off x="0" y="0"/>
+          <a:ext cx="0" cy="0"/>
+          <a:chOff x="0" y="0"/>
+          <a:chExt cx="0" cy="0"/>
+        </a:xfrm>
+      </p:grpSpPr>
+      <p:sp>
+        <p:nvSpPr>
           <p:cNvPr id="180" name="Shape 180"/>
           <p:cNvSpPr>
             <a:spLocks noGrp="1"/>
@@ -14454,15 +12452,7 @@
             </a:pPr>
             <a:r>
               <a:rPr sz="4725" b="1" cap="all" dirty="0"/>
-              <a:t>HW1 </a:t>
-            </a:r>
-            <a:r>
-              <a:rPr sz="4725" b="1" cap="all" dirty="0" smtClean="0"/>
-              <a:t>Due </a:t>
-            </a:r>
-            <a:r>
-              <a:rPr sz="4725" b="1" cap="all" dirty="0"/>
-              <a:t/>
+              <a:t>HW1 Due </a:t>
             </a:r>
             <a:br>
               <a:rPr sz="4725" b="1" cap="all" dirty="0"/>
@@ -14474,57 +12464,29 @@
             <a:br>
               <a:rPr sz="4725" b="1" cap="all" dirty="0"/>
             </a:br>
-            <a:r>
-              <a:rPr sz="4725" b="1" cap="all" dirty="0"/>
-              <a:t/>
-            </a:r>
             <a:br>
               <a:rPr sz="4725" b="1" cap="all" dirty="0"/>
             </a:br>
             <a:r>
               <a:rPr sz="4725" b="1" cap="all" dirty="0"/>
-              <a:t>It’s on the schedule page</a:t>
-            </a:r>
-            <a:r>
-              <a:rPr sz="4725" b="1" cap="all" dirty="0" smtClean="0"/>
-              <a:t>.</a:t>
-            </a:r>
-            <a:r>
-              <a:rPr lang="en-US" sz="4725" b="1" cap="all" dirty="0" smtClean="0"/>
-              <a:t/>
+              <a:t>It’s on the schedule page.</a:t>
             </a:r>
             <a:br>
-              <a:rPr lang="en-US" sz="4725" b="1" cap="all" dirty="0" smtClean="0"/>
+              <a:rPr lang="en-US" sz="4725" b="1" cap="all" dirty="0"/>
             </a:br>
             <a:r>
-              <a:rPr lang="en-US" sz="2400" b="1" cap="all" dirty="0" smtClean="0"/>
+              <a:rPr lang="en-US" sz="2400" b="1" cap="all" dirty="0"/>
               <a:t>(It is your responsibility to keep up with the schedule page)</a:t>
-            </a:r>
-            <a:r>
-              <a:rPr sz="4725" b="1" cap="all" dirty="0"/>
-              <a:t/>
             </a:r>
             <a:br>
               <a:rPr sz="4725" b="1" cap="all" dirty="0"/>
             </a:br>
-            <a:r>
-              <a:rPr sz="4725" b="1" cap="all" dirty="0"/>
-              <a:t/>
-            </a:r>
             <a:br>
               <a:rPr sz="4725" b="1" cap="all" dirty="0"/>
             </a:br>
             <a:r>
               <a:rPr sz="4725" b="1" cap="all" dirty="0"/>
-              <a:t>As always, </a:t>
-            </a:r>
-            <a:r>
-              <a:rPr sz="4725" b="1" cap="all" dirty="0" smtClean="0"/>
-              <a:t>email me </a:t>
-            </a:r>
-            <a:r>
-              <a:rPr sz="4725" b="1" cap="all" dirty="0"/>
-              <a:t>if you have any questions</a:t>
+              <a:t>As always, email me if you have any questions</a:t>
             </a:r>
           </a:p>
         </p:txBody>
@@ -14566,7 +12528,7 @@
                   <a:srgbClr val="888888"/>
                 </a:solidFill>
               </a:rPr>
-              <a:t>41</a:t>
+              <a:t>32</a:t>
             </a:fld>
             <a:endParaRPr sz="1200">
               <a:solidFill>
@@ -14582,13 +12544,119 @@
     <a:masterClrMapping/>
   </p:clrMapOvr>
   <p:transition spd="med"/>
-  <p:timing>
-    <p:tnLst>
-      <p:par>
-        <p:cTn id="1" dur="indefinite" restart="never" nodeType="tmRoot"/>
-      </p:par>
-    </p:tnLst>
-  </p:timing>
+</p:sld>
+</file>
+
+<file path=ppt/slides/slide4.xml><?xml version="1.0" encoding="utf-8"?>
+<p:sld xmlns:a="http://schemas.openxmlformats.org/drawingml/2006/main" xmlns:r="http://schemas.openxmlformats.org/officeDocument/2006/relationships" xmlns:p="http://schemas.openxmlformats.org/presentationml/2006/main">
+  <p:cSld>
+    <p:spTree>
+      <p:nvGrpSpPr>
+        <p:cNvPr id="1" name=""/>
+        <p:cNvGrpSpPr/>
+        <p:nvPr/>
+      </p:nvGrpSpPr>
+      <p:grpSpPr>
+        <a:xfrm>
+          <a:off x="0" y="0"/>
+          <a:ext cx="0" cy="0"/>
+          <a:chOff x="0" y="0"/>
+          <a:chExt cx="0" cy="0"/>
+        </a:xfrm>
+      </p:grpSpPr>
+      <p:sp>
+        <p:nvSpPr>
+          <p:cNvPr id="2" name="Title 1"/>
+          <p:cNvSpPr>
+            <a:spLocks noGrp="1"/>
+          </p:cNvSpPr>
+          <p:nvPr>
+            <p:ph type="title"/>
+          </p:nvPr>
+        </p:nvSpPr>
+        <p:spPr/>
+        <p:txBody>
+          <a:bodyPr/>
+          <a:lstStyle/>
+          <a:p>
+            <a:r>
+              <a:rPr lang="en-US" dirty="0"/>
+              <a:t>Agenda</a:t>
+            </a:r>
+          </a:p>
+        </p:txBody>
+      </p:sp>
+      <p:sp>
+        <p:nvSpPr>
+          <p:cNvPr id="3" name="Text Placeholder 2"/>
+          <p:cNvSpPr>
+            <a:spLocks noGrp="1"/>
+          </p:cNvSpPr>
+          <p:nvPr>
+            <p:ph type="body" idx="1"/>
+          </p:nvPr>
+        </p:nvSpPr>
+        <p:spPr/>
+        <p:txBody>
+          <a:bodyPr lIns="45719" rIns="45719" anchor="t">
+            <a:normAutofit/>
+          </a:bodyPr>
+          <a:lstStyle/>
+          <a:p>
+            <a:r>
+              <a:rPr lang="en-US" dirty="0"/>
+              <a:t>Instructor intro</a:t>
+            </a:r>
+          </a:p>
+          <a:p>
+            <a:r>
+              <a:rPr lang="en-US" dirty="0"/>
+              <a:t>Critical links</a:t>
+            </a:r>
+          </a:p>
+          <a:p>
+            <a:r>
+              <a:rPr lang="en-US" dirty="0"/>
+              <a:t>We write some java code</a:t>
+            </a:r>
+          </a:p>
+          <a:p>
+            <a:pPr marL="783590" lvl="1" indent="-326390"/>
+            <a:r>
+              <a:rPr lang="en-US" dirty="0"/>
+              <a:t>Conditionals</a:t>
+            </a:r>
+          </a:p>
+          <a:p>
+            <a:pPr marL="783590" lvl="1" indent="-326390"/>
+            <a:r>
+              <a:rPr lang="en-US" dirty="0"/>
+              <a:t>Strings</a:t>
+            </a:r>
+          </a:p>
+          <a:p>
+            <a:pPr marL="783590" lvl="1" indent="-326390"/>
+            <a:r>
+              <a:rPr lang="en-US" dirty="0"/>
+              <a:t>Loops</a:t>
+            </a:r>
+          </a:p>
+          <a:p>
+            <a:endParaRPr lang="en-US" dirty="0"/>
+          </a:p>
+        </p:txBody>
+      </p:sp>
+    </p:spTree>
+    <p:extLst>
+      <p:ext uri="{BB962C8B-B14F-4D97-AF65-F5344CB8AC3E}">
+        <p14:creationId xmlns:p14="http://schemas.microsoft.com/office/powerpoint/2010/main" val="4168845061"/>
+      </p:ext>
+    </p:extLst>
+  </p:cSld>
+  <p:clrMapOvr>
+    <a:masterClrMapping/>
+  </p:clrMapOvr>
+  <p:transition spd="med"/>
 </p:sld>
 </file>
 
@@ -14625,10 +12693,9 @@
           <a:lstStyle/>
           <a:p>
             <a:r>
-              <a:rPr lang="en-US" dirty="0" smtClean="0"/>
+              <a:rPr lang="en-US" dirty="0"/>
               <a:t>Instructor Info</a:t>
             </a:r>
-            <a:endParaRPr lang="en-US" dirty="0"/>
           </a:p>
         </p:txBody>
       </p:sp>
@@ -14653,73 +12720,65 @@
           <a:lstStyle/>
           <a:p>
             <a:r>
-              <a:rPr lang="en-US" dirty="0" smtClean="0"/>
+              <a:rPr lang="en-US" dirty="0"/>
               <a:t>Amanda Stouder</a:t>
             </a:r>
           </a:p>
           <a:p>
             <a:pPr lvl="1"/>
             <a:r>
-              <a:rPr lang="en-US" dirty="0" smtClean="0"/>
+              <a:rPr lang="en-US" dirty="0"/>
               <a:t>Assistant Professor for the Practice of Computer Science and Software Engineering</a:t>
             </a:r>
           </a:p>
           <a:p>
             <a:pPr lvl="1"/>
             <a:r>
-              <a:rPr lang="en-US" dirty="0" smtClean="0"/>
+              <a:rPr lang="en-US" dirty="0"/>
               <a:t>You can call me:</a:t>
             </a:r>
           </a:p>
           <a:p>
             <a:pPr lvl="2"/>
             <a:r>
-              <a:rPr lang="en-US" dirty="0" smtClean="0"/>
+              <a:rPr lang="en-US" dirty="0"/>
               <a:t>Amanda</a:t>
             </a:r>
           </a:p>
           <a:p>
             <a:pPr lvl="2"/>
             <a:r>
-              <a:rPr lang="en-US" dirty="0" smtClean="0"/>
+              <a:rPr lang="en-US" dirty="0"/>
               <a:t>Professor Stouder</a:t>
             </a:r>
           </a:p>
           <a:p>
             <a:pPr lvl="1"/>
             <a:r>
-              <a:rPr lang="en-US" dirty="0" smtClean="0"/>
+              <a:rPr lang="en-US" dirty="0"/>
               <a:t>Don’t call me:</a:t>
             </a:r>
           </a:p>
           <a:p>
             <a:pPr lvl="2"/>
             <a:r>
-              <a:rPr lang="en-US" strike="sngStrike" dirty="0" smtClean="0"/>
+              <a:rPr lang="en-US" strike="sngStrike" dirty="0"/>
               <a:t>Mrs. Stouder</a:t>
             </a:r>
             <a:r>
-              <a:rPr lang="en-US" dirty="0" smtClean="0"/>
+              <a:rPr lang="en-US" dirty="0"/>
               <a:t> (please not this)</a:t>
             </a:r>
           </a:p>
           <a:p>
             <a:pPr lvl="2"/>
             <a:r>
-              <a:rPr lang="en-US" strike="sngStrike" dirty="0" smtClean="0"/>
-              <a:t>Dr. </a:t>
-            </a:r>
-            <a:r>
               <a:rPr lang="en-US" strike="sngStrike" dirty="0"/>
-              <a:t>Stouder</a:t>
+              <a:t>Dr. Stouder</a:t>
             </a:r>
             <a:r>
               <a:rPr lang="en-US" dirty="0"/>
-              <a:t> </a:t>
-            </a:r>
-            <a:r>
-              <a:rPr lang="en-US" dirty="0" smtClean="0"/>
-              <a:t>(not this either, I’ll explain)</a:t>
+              <a:t> (not this either, I’ll explain)</a:t>
             </a:r>
           </a:p>
           <a:p>
@@ -14741,13 +12800,6 @@
     <a:masterClrMapping/>
   </p:clrMapOvr>
   <p:transition spd="med"/>
-  <p:timing>
-    <p:tnLst>
-      <p:par>
-        <p:cTn id="1" dur="indefinite" restart="never" nodeType="tmRoot"/>
-      </p:par>
-    </p:tnLst>
-  </p:timing>
 </p:sld>
 </file>
 
@@ -14784,10 +12836,9 @@
           <a:lstStyle/>
           <a:p>
             <a:r>
-              <a:rPr lang="en-US" dirty="0" smtClean="0"/>
+              <a:rPr lang="en-US" dirty="0"/>
               <a:t>Instructor Info</a:t>
             </a:r>
-            <a:endParaRPr lang="en-US" dirty="0"/>
           </a:p>
         </p:txBody>
       </p:sp>
@@ -14814,63 +12865,63 @@
           <a:lstStyle/>
           <a:p>
             <a:r>
-              <a:rPr lang="en-US" dirty="0" smtClean="0"/>
+              <a:rPr lang="en-US" dirty="0"/>
               <a:t>Education</a:t>
             </a:r>
           </a:p>
           <a:p>
             <a:pPr lvl="1"/>
             <a:r>
-              <a:rPr lang="en-US" dirty="0" smtClean="0"/>
+              <a:rPr lang="en-US" dirty="0"/>
               <a:t>Rose-</a:t>
             </a:r>
             <a:r>
-              <a:rPr lang="en-US" dirty="0" err="1" smtClean="0"/>
+              <a:rPr lang="en-US" dirty="0" err="1"/>
               <a:t>Hulman</a:t>
             </a:r>
             <a:r>
-              <a:rPr lang="en-US" dirty="0" smtClean="0"/>
+              <a:rPr lang="en-US" dirty="0"/>
               <a:t> Institute of Technology 2008</a:t>
             </a:r>
           </a:p>
           <a:p>
             <a:pPr lvl="2"/>
             <a:r>
-              <a:rPr lang="en-US" dirty="0" smtClean="0"/>
+              <a:rPr lang="en-US" dirty="0"/>
               <a:t>B.S. in Computer Science and Software Engineering</a:t>
             </a:r>
           </a:p>
           <a:p>
             <a:r>
-              <a:rPr lang="en-US" dirty="0" smtClean="0"/>
+              <a:rPr lang="en-US" dirty="0"/>
               <a:t>Experience:</a:t>
             </a:r>
           </a:p>
           <a:p>
             <a:pPr lvl="1"/>
             <a:r>
-              <a:rPr lang="en-US" dirty="0" smtClean="0"/>
+              <a:rPr lang="en-US" dirty="0"/>
               <a:t>Amadeus Consulting, 2008-2010</a:t>
             </a:r>
           </a:p>
           <a:p>
             <a:pPr lvl="1"/>
             <a:r>
-              <a:rPr lang="en-US" dirty="0" smtClean="0"/>
+              <a:rPr lang="en-US" dirty="0"/>
               <a:t>Software Engineering Professionals (SEP), 2010-2014</a:t>
             </a:r>
           </a:p>
           <a:p>
             <a:pPr lvl="1"/>
             <a:r>
-              <a:rPr lang="en-US" dirty="0" smtClean="0"/>
+              <a:rPr lang="en-US" dirty="0"/>
               <a:t>Stouder Software Consulting, LLC (2014-present)</a:t>
             </a:r>
           </a:p>
           <a:p>
             <a:pPr lvl="1"/>
             <a:r>
-              <a:rPr lang="en-US" dirty="0" smtClean="0"/>
+              <a:rPr lang="en-US" dirty="0"/>
               <a:t>RHIT: Visiting Professor CSSE (2013-2016)</a:t>
             </a:r>
           </a:p>
@@ -14893,13 +12944,6 @@
     <a:masterClrMapping/>
   </p:clrMapOvr>
   <p:transition spd="med"/>
-  <p:timing>
-    <p:tnLst>
-      <p:par>
-        <p:cTn id="1" dur="indefinite" restart="never" nodeType="tmRoot"/>
-      </p:par>
-    </p:tnLst>
-  </p:timing>
 </p:sld>
 </file>
 
@@ -14936,10 +12980,9 @@
           <a:lstStyle/>
           <a:p>
             <a:r>
-              <a:rPr lang="en-US" dirty="0" smtClean="0"/>
+              <a:rPr lang="en-US" dirty="0"/>
               <a:t>Instructor Info</a:t>
             </a:r>
-            <a:endParaRPr lang="en-US" dirty="0"/>
           </a:p>
         </p:txBody>
       </p:sp>
@@ -14959,35 +13002,35 @@
           <a:lstStyle/>
           <a:p>
             <a:r>
-              <a:rPr lang="en-US" dirty="0" smtClean="0"/>
+              <a:rPr lang="en-US" dirty="0"/>
               <a:t>Office Hours:</a:t>
             </a:r>
           </a:p>
           <a:p>
             <a:pPr lvl="1"/>
             <a:r>
-              <a:rPr lang="en-US" dirty="0" smtClean="0"/>
+              <a:rPr lang="en-US" dirty="0"/>
               <a:t>MWF 7:30am – 8:30am, 1:30pm – 4:30pm</a:t>
             </a:r>
           </a:p>
           <a:p>
             <a:pPr lvl="1"/>
             <a:r>
-              <a:rPr lang="en-US" dirty="0" smtClean="0"/>
+              <a:rPr lang="en-US" dirty="0"/>
               <a:t>OFF CAMPUS: Tuesdays and Thursdays</a:t>
             </a:r>
           </a:p>
           <a:p>
             <a:pPr lvl="1"/>
             <a:r>
-              <a:rPr lang="en-US" dirty="0" smtClean="0"/>
+              <a:rPr lang="en-US" dirty="0"/>
               <a:t>Always by my email!</a:t>
             </a:r>
           </a:p>
           <a:p>
             <a:pPr lvl="1"/>
             <a:r>
-              <a:rPr lang="en-US" dirty="0" smtClean="0"/>
+              <a:rPr lang="en-US" dirty="0"/>
               <a:t>If you need a different time, email me and we’ll work something out</a:t>
             </a:r>
           </a:p>
@@ -15004,13 +13047,6 @@
     <a:masterClrMapping/>
   </p:clrMapOvr>
   <p:transition spd="med"/>
-  <p:timing>
-    <p:tnLst>
-      <p:par>
-        <p:cTn id="1" dur="indefinite" restart="never" nodeType="tmRoot"/>
-      </p:par>
-    </p:tnLst>
-  </p:timing>
 </p:sld>
 </file>
 
@@ -15047,10 +13083,9 @@
           <a:lstStyle/>
           <a:p>
             <a:r>
-              <a:rPr lang="en-US" dirty="0" smtClean="0"/>
+              <a:rPr lang="en-US" dirty="0"/>
               <a:t>Instructor Info</a:t>
             </a:r>
-            <a:endParaRPr lang="en-US" dirty="0"/>
           </a:p>
         </p:txBody>
       </p:sp>
@@ -15077,56 +13112,56 @@
           <a:lstStyle/>
           <a:p>
             <a:r>
-              <a:rPr lang="en-US" dirty="0" smtClean="0"/>
+              <a:rPr lang="en-US" dirty="0"/>
               <a:t>Laptop Policy</a:t>
             </a:r>
           </a:p>
           <a:p>
             <a:pPr lvl="1"/>
             <a:r>
-              <a:rPr lang="en-US" dirty="0" smtClean="0"/>
+              <a:rPr lang="en-US" dirty="0"/>
               <a:t>I’m trying something new this quarter</a:t>
             </a:r>
           </a:p>
           <a:p>
             <a:pPr lvl="1"/>
             <a:r>
-              <a:rPr lang="en-US" dirty="0" smtClean="0"/>
+              <a:rPr lang="en-US" dirty="0"/>
               <a:t>Why?</a:t>
             </a:r>
           </a:p>
           <a:p>
             <a:pPr lvl="1"/>
             <a:r>
-              <a:rPr lang="en-US" dirty="0" smtClean="0"/>
+              <a:rPr lang="en-US" dirty="0"/>
               <a:t>I will ask you to close/open laptops as we move through the class</a:t>
             </a:r>
           </a:p>
           <a:p>
             <a:pPr lvl="1"/>
             <a:r>
-              <a:rPr lang="en-US" dirty="0" smtClean="0"/>
+              <a:rPr lang="en-US" dirty="0"/>
               <a:t>When closed, I need you to pay attention</a:t>
             </a:r>
           </a:p>
           <a:p>
             <a:pPr lvl="2"/>
             <a:r>
-              <a:rPr lang="en-US" dirty="0" smtClean="0"/>
+              <a:rPr lang="en-US" dirty="0"/>
               <a:t>This also means no phones/other devices</a:t>
             </a:r>
           </a:p>
           <a:p>
             <a:pPr lvl="1"/>
             <a:r>
-              <a:rPr lang="en-US" dirty="0" smtClean="0"/>
+              <a:rPr lang="en-US" dirty="0"/>
               <a:t>Closing far enough so you can’t see the screen is fine</a:t>
             </a:r>
           </a:p>
           <a:p>
             <a:pPr lvl="1"/>
             <a:r>
-              <a:rPr lang="en-US" dirty="0" smtClean="0"/>
+              <a:rPr lang="en-US" dirty="0"/>
               <a:t>What if I take notes on my laptop?</a:t>
             </a:r>
           </a:p>
@@ -15520,7 +13555,7 @@
 </file>
 
 <file path=ppt/slides/slide9.xml><?xml version="1.0" encoding="utf-8"?>
-<p:sld xmlns:a="http://schemas.openxmlformats.org/drawingml/2006/main" xmlns:r="http://schemas.openxmlformats.org/officeDocument/2006/relationships" xmlns:p="http://schemas.openxmlformats.org/presentationml/2006/main" show="0">
+<p:sld xmlns:a="http://schemas.openxmlformats.org/drawingml/2006/main" xmlns:r="http://schemas.openxmlformats.org/officeDocument/2006/relationships" xmlns:p="http://schemas.openxmlformats.org/presentationml/2006/main">
   <p:cSld>
     <p:spTree>
       <p:nvGrpSpPr>
@@ -15552,10 +13587,9 @@
           <a:lstStyle/>
           <a:p>
             <a:r>
-              <a:rPr lang="en-US" dirty="0" smtClean="0"/>
+              <a:rPr lang="en-US" dirty="0"/>
               <a:t>Instructor Info</a:t>
             </a:r>
-            <a:endParaRPr lang="en-US" dirty="0"/>
           </a:p>
         </p:txBody>
       </p:sp>
@@ -15576,48 +13610,55 @@
           </a:xfrm>
         </p:spPr>
         <p:txBody>
-          <a:bodyPr>
+          <a:bodyPr lIns="45719" rIns="45719" anchor="t">
             <a:normAutofit/>
           </a:bodyPr>
           <a:lstStyle/>
           <a:p>
             <a:r>
-              <a:rPr lang="en-US" dirty="0" smtClean="0"/>
+              <a:rPr lang="en-US" dirty="0"/>
               <a:t>Mike Hewner</a:t>
             </a:r>
-            <a:endParaRPr lang="en-US" dirty="0"/>
-          </a:p>
-          <a:p>
-            <a:pPr lvl="1"/>
-            <a:r>
-              <a:rPr lang="en-US" dirty="0" smtClean="0"/>
+          </a:p>
+          <a:p>
+            <a:pPr marL="783590" lvl="1" indent="-326390"/>
+            <a:r>
+              <a:rPr lang="en-US" dirty="0"/>
               <a:t>Call me Buffalo</a:t>
             </a:r>
           </a:p>
           <a:p>
             <a:r>
-              <a:rPr lang="en-US" dirty="0" smtClean="0"/>
+              <a:rPr lang="en-US" dirty="0"/>
               <a:t>I love object oriented programming &amp; weird programming languages</a:t>
             </a:r>
           </a:p>
           <a:p>
             <a:r>
-              <a:rPr lang="en-US" dirty="0" smtClean="0"/>
+              <a:rPr lang="en-US" dirty="0"/>
               <a:t>I’ve worked at Amazon, </a:t>
             </a:r>
             <a:r>
-              <a:rPr lang="en-US" dirty="0" err="1" smtClean="0"/>
+              <a:rPr lang="en-US" dirty="0" err="1"/>
               <a:t>GroupOn</a:t>
             </a:r>
             <a:r>
-              <a:rPr lang="en-US" dirty="0" smtClean="0"/>
+              <a:rPr lang="en-US" dirty="0"/>
               <a:t>, Progressive Insurance, and many other places</a:t>
             </a:r>
           </a:p>
           <a:p>
             <a:r>
-              <a:rPr lang="en-US" dirty="0" smtClean="0"/>
-              <a:t>Contact info on the syllabus</a:t>
+              <a:rPr lang="en-US" dirty="0"/>
+              <a:t>Contact info on the course </a:t>
+            </a:r>
+            <a:r>
+              <a:rPr lang="en-US" dirty="0" err="1"/>
+              <a:t>polcies</a:t>
+            </a:r>
+            <a:r>
+              <a:rPr lang="en-US" dirty="0"/>
+              <a:t> document</a:t>
             </a:r>
           </a:p>
         </p:txBody>
@@ -15633,13 +13674,6 @@
     <a:masterClrMapping/>
   </p:clrMapOvr>
   <p:transition spd="med"/>
-  <p:timing>
-    <p:tnLst>
-      <p:par>
-        <p:cTn id="1" dur="indefinite" restart="never" nodeType="tmRoot"/>
-      </p:par>
-    </p:tnLst>
-  </p:timing>
 </p:sld>
 </file>
 

--- a/ClassMaterials/JavaIntro/Slides/JavaIntro.pptx
+++ b/ClassMaterials/JavaIntro/Slides/JavaIntro.pptx
@@ -6,41 +6,46 @@
     <p:sldMasterId id="2147483660" r:id="rId2"/>
   </p:sldMasterIdLst>
   <p:notesMasterIdLst>
-    <p:notesMasterId r:id="rId35"/>
+    <p:notesMasterId r:id="rId40"/>
   </p:notesMasterIdLst>
   <p:sldIdLst>
     <p:sldId id="256" r:id="rId3"/>
     <p:sldId id="322" r:id="rId4"/>
     <p:sldId id="257" r:id="rId5"/>
     <p:sldId id="307" r:id="rId6"/>
-    <p:sldId id="302" r:id="rId7"/>
-    <p:sldId id="303" r:id="rId8"/>
-    <p:sldId id="304" r:id="rId9"/>
-    <p:sldId id="305" r:id="rId10"/>
-    <p:sldId id="293" r:id="rId11"/>
-    <p:sldId id="294" r:id="rId12"/>
-    <p:sldId id="321" r:id="rId13"/>
-    <p:sldId id="284" r:id="rId14"/>
-    <p:sldId id="296" r:id="rId15"/>
-    <p:sldId id="297" r:id="rId16"/>
-    <p:sldId id="298" r:id="rId17"/>
-    <p:sldId id="285" r:id="rId18"/>
-    <p:sldId id="286" r:id="rId19"/>
-    <p:sldId id="287" r:id="rId20"/>
-    <p:sldId id="323" r:id="rId21"/>
-    <p:sldId id="308" r:id="rId22"/>
-    <p:sldId id="318" r:id="rId23"/>
-    <p:sldId id="317" r:id="rId24"/>
-    <p:sldId id="264" r:id="rId25"/>
-    <p:sldId id="265" r:id="rId26"/>
-    <p:sldId id="319" r:id="rId27"/>
-    <p:sldId id="288" r:id="rId28"/>
-    <p:sldId id="289" r:id="rId29"/>
-    <p:sldId id="290" r:id="rId30"/>
-    <p:sldId id="291" r:id="rId31"/>
-    <p:sldId id="320" r:id="rId32"/>
-    <p:sldId id="325" r:id="rId33"/>
-    <p:sldId id="274" r:id="rId34"/>
+    <p:sldId id="326" r:id="rId7"/>
+    <p:sldId id="327" r:id="rId8"/>
+    <p:sldId id="328" r:id="rId9"/>
+    <p:sldId id="329" r:id="rId10"/>
+    <p:sldId id="302" r:id="rId11"/>
+    <p:sldId id="303" r:id="rId12"/>
+    <p:sldId id="304" r:id="rId13"/>
+    <p:sldId id="305" r:id="rId14"/>
+    <p:sldId id="293" r:id="rId15"/>
+    <p:sldId id="294" r:id="rId16"/>
+    <p:sldId id="321" r:id="rId17"/>
+    <p:sldId id="284" r:id="rId18"/>
+    <p:sldId id="296" r:id="rId19"/>
+    <p:sldId id="297" r:id="rId20"/>
+    <p:sldId id="298" r:id="rId21"/>
+    <p:sldId id="285" r:id="rId22"/>
+    <p:sldId id="286" r:id="rId23"/>
+    <p:sldId id="287" r:id="rId24"/>
+    <p:sldId id="323" r:id="rId25"/>
+    <p:sldId id="308" r:id="rId26"/>
+    <p:sldId id="330" r:id="rId27"/>
+    <p:sldId id="317" r:id="rId28"/>
+    <p:sldId id="264" r:id="rId29"/>
+    <p:sldId id="265" r:id="rId30"/>
+    <p:sldId id="319" r:id="rId31"/>
+    <p:sldId id="288" r:id="rId32"/>
+    <p:sldId id="289" r:id="rId33"/>
+    <p:sldId id="290" r:id="rId34"/>
+    <p:sldId id="291" r:id="rId35"/>
+    <p:sldId id="320" r:id="rId36"/>
+    <p:sldId id="325" r:id="rId37"/>
+    <p:sldId id="331" r:id="rId38"/>
+    <p:sldId id="274" r:id="rId39"/>
   </p:sldIdLst>
   <p:sldSz cx="9144000" cy="6858000" type="screen4x3"/>
   <p:notesSz cx="6858000" cy="9144000"/>
@@ -441,7 +446,7 @@
       </p:grpSpPr>
       <p:sp>
         <p:nvSpPr>
-          <p:cNvPr id="84" name="Shape 84"/>
+          <p:cNvPr id="2" name="Slide Image Placeholder 1"/>
           <p:cNvSpPr>
             <a:spLocks noGrp="1" noRot="1" noChangeAspect="1"/>
           </p:cNvSpPr>
@@ -449,104 +454,31 @@
             <p:ph type="sldImg"/>
           </p:nvPr>
         </p:nvSpPr>
-        <p:spPr>
-          <a:prstGeom prst="rect">
-            <a:avLst/>
-          </a:prstGeom>
-        </p:spPr>
+        <p:spPr/>
+      </p:sp>
+      <p:sp>
+        <p:nvSpPr>
+          <p:cNvPr id="3" name="Notes Placeholder 2"/>
+          <p:cNvSpPr>
+            <a:spLocks noGrp="1"/>
+          </p:cNvSpPr>
+          <p:nvPr>
+            <p:ph type="body" idx="1"/>
+          </p:nvPr>
+        </p:nvSpPr>
+        <p:spPr/>
         <p:txBody>
           <a:bodyPr/>
           <a:lstStyle/>
           <a:p>
-            <a:pPr lvl="0"/>
-            <a:endParaRPr/>
-          </a:p>
-        </p:txBody>
-      </p:sp>
-      <p:sp>
-        <p:nvSpPr>
-          <p:cNvPr id="85" name="Shape 85"/>
-          <p:cNvSpPr>
-            <a:spLocks noGrp="1"/>
-          </p:cNvSpPr>
-          <p:nvPr>
-            <p:ph type="body" sz="quarter" idx="1"/>
-          </p:nvPr>
-        </p:nvSpPr>
-        <p:spPr>
-          <a:prstGeom prst="rect">
-            <a:avLst/>
-          </a:prstGeom>
-        </p:spPr>
-        <p:txBody>
-          <a:bodyPr/>
-          <a:lstStyle/>
-          <a:p>
-            <a:pPr lvl="0" defTabSz="914400">
-              <a:lnSpc>
-                <a:spcPct val="100000"/>
-              </a:lnSpc>
-              <a:spcBef>
-                <a:spcPts val="400"/>
-              </a:spcBef>
-              <a:defRPr sz="1800"/>
-            </a:pPr>
-            <a:r>
-              <a:rPr sz="1200">
-                <a:latin typeface="Calibri"/>
-                <a:ea typeface="Calibri"/>
-                <a:cs typeface="Calibri"/>
-                <a:sym typeface="Calibri"/>
-              </a:rPr>
-              <a:t>Point students to the link in the homework if everyone does not have the docs setup.</a:t>
-            </a:r>
-          </a:p>
-          <a:p>
-            <a:pPr lvl="0" defTabSz="914400">
-              <a:lnSpc>
-                <a:spcPct val="100000"/>
-              </a:lnSpc>
-              <a:spcBef>
-                <a:spcPts val="400"/>
-              </a:spcBef>
-              <a:defRPr sz="1800"/>
-            </a:pPr>
-            <a:r>
-              <a:rPr sz="1200">
-                <a:latin typeface="Calibri"/>
-                <a:ea typeface="Calibri"/>
-                <a:cs typeface="Calibri"/>
-                <a:sym typeface="Calibri"/>
-              </a:rPr>
-              <a:t>Demo hover text, F2 to focus on hover text, icon to open in web browser.</a:t>
-            </a:r>
-          </a:p>
-          <a:p>
-            <a:pPr lvl="0" defTabSz="914400">
-              <a:lnSpc>
-                <a:spcPct val="100000"/>
-              </a:lnSpc>
-              <a:spcBef>
-                <a:spcPts val="400"/>
-              </a:spcBef>
-              <a:defRPr sz="1800"/>
-            </a:pPr>
-            <a:r>
-              <a:rPr sz="1200">
-                <a:latin typeface="Calibri"/>
-                <a:ea typeface="Calibri"/>
-                <a:cs typeface="Calibri"/>
-                <a:sym typeface="Calibri"/>
-              </a:rPr>
-              <a:t>Shift-F2 to open external browser immediately.</a:t>
-            </a:r>
+            <a:endParaRPr lang="en-US" dirty="0"/>
           </a:p>
         </p:txBody>
       </p:sp>
     </p:spTree>
     <p:extLst>
       <p:ext uri="{BB962C8B-B14F-4D97-AF65-F5344CB8AC3E}">
-        <p14:creationId xmlns:p14="http://schemas.microsoft.com/office/powerpoint/2010/main" val="2352995128"/>
+        <p14:creationId xmlns:p14="http://schemas.microsoft.com/office/powerpoint/2010/main" val="1649317099"/>
       </p:ext>
     </p:extLst>
   </p:cSld>
@@ -575,6 +507,832 @@
       </p:grpSpPr>
       <p:sp>
         <p:nvSpPr>
+          <p:cNvPr id="2" name="Slide Image Placeholder 1"/>
+          <p:cNvSpPr>
+            <a:spLocks noGrp="1" noRot="1" noChangeAspect="1"/>
+          </p:cNvSpPr>
+          <p:nvPr>
+            <p:ph type="sldImg"/>
+          </p:nvPr>
+        </p:nvSpPr>
+        <p:spPr/>
+      </p:sp>
+      <p:sp>
+        <p:nvSpPr>
+          <p:cNvPr id="3" name="Notes Placeholder 2"/>
+          <p:cNvSpPr>
+            <a:spLocks noGrp="1"/>
+          </p:cNvSpPr>
+          <p:nvPr>
+            <p:ph type="body" idx="1"/>
+          </p:nvPr>
+        </p:nvSpPr>
+        <p:spPr/>
+        <p:txBody>
+          <a:bodyPr/>
+          <a:lstStyle/>
+          <a:p>
+            <a:r>
+              <a:rPr lang="en-US" dirty="0"/>
+              <a:t>Introduce</a:t>
+            </a:r>
+            <a:r>
+              <a:rPr lang="en-US" baseline="0" dirty="0"/>
+              <a:t> TA</a:t>
+            </a:r>
+            <a:endParaRPr lang="en-US" dirty="0"/>
+          </a:p>
+        </p:txBody>
+      </p:sp>
+    </p:spTree>
+    <p:extLst>
+      <p:ext uri="{BB962C8B-B14F-4D97-AF65-F5344CB8AC3E}">
+        <p14:creationId xmlns:p14="http://schemas.microsoft.com/office/powerpoint/2010/main" val="2198811207"/>
+      </p:ext>
+    </p:extLst>
+  </p:cSld>
+  <p:clrMapOvr>
+    <a:masterClrMapping/>
+  </p:clrMapOvr>
+</p:notes>
+</file>
+
+<file path=ppt/notesSlides/notesSlide12.xml><?xml version="1.0" encoding="utf-8"?>
+<p:notes xmlns:a="http://schemas.openxmlformats.org/drawingml/2006/main" xmlns:r="http://schemas.openxmlformats.org/officeDocument/2006/relationships" xmlns:p="http://schemas.openxmlformats.org/presentationml/2006/main">
+  <p:cSld>
+    <p:spTree>
+      <p:nvGrpSpPr>
+        <p:cNvPr id="1" name=""/>
+        <p:cNvGrpSpPr/>
+        <p:nvPr/>
+      </p:nvGrpSpPr>
+      <p:grpSpPr>
+        <a:xfrm>
+          <a:off x="0" y="0"/>
+          <a:ext cx="0" cy="0"/>
+          <a:chOff x="0" y="0"/>
+          <a:chExt cx="0" cy="0"/>
+        </a:xfrm>
+      </p:grpSpPr>
+      <p:sp>
+        <p:nvSpPr>
+          <p:cNvPr id="2" name="Slide Image Placeholder 1"/>
+          <p:cNvSpPr>
+            <a:spLocks noGrp="1" noRot="1" noChangeAspect="1"/>
+          </p:cNvSpPr>
+          <p:nvPr>
+            <p:ph type="sldImg"/>
+          </p:nvPr>
+        </p:nvSpPr>
+        <p:spPr/>
+      </p:sp>
+      <p:sp>
+        <p:nvSpPr>
+          <p:cNvPr id="3" name="Notes Placeholder 2"/>
+          <p:cNvSpPr>
+            <a:spLocks noGrp="1"/>
+          </p:cNvSpPr>
+          <p:nvPr>
+            <p:ph type="body" idx="1"/>
+          </p:nvPr>
+        </p:nvSpPr>
+        <p:spPr/>
+        <p:txBody>
+          <a:bodyPr/>
+          <a:lstStyle/>
+          <a:p>
+            <a:r>
+              <a:rPr lang="en-US" dirty="0" smtClean="0"/>
+              <a:t>Open up schedule page and show students:</a:t>
+            </a:r>
+          </a:p>
+          <a:p>
+            <a:endParaRPr lang="en-US" dirty="0" smtClean="0"/>
+          </a:p>
+          <a:p>
+            <a:r>
+              <a:rPr lang="en-US" dirty="0" smtClean="0">
+                <a:hlinkClick r:id="rId3"/>
+              </a:rPr>
+              <a:t>https://rhit-csse.github.io/csse220/schedule.html</a:t>
+            </a:r>
+            <a:endParaRPr lang="en-US" dirty="0"/>
+          </a:p>
+        </p:txBody>
+      </p:sp>
+    </p:spTree>
+    <p:extLst>
+      <p:ext uri="{BB962C8B-B14F-4D97-AF65-F5344CB8AC3E}">
+        <p14:creationId xmlns:p14="http://schemas.microsoft.com/office/powerpoint/2010/main" val="1659192441"/>
+      </p:ext>
+    </p:extLst>
+  </p:cSld>
+  <p:clrMapOvr>
+    <a:masterClrMapping/>
+  </p:clrMapOvr>
+</p:notes>
+</file>
+
+<file path=ppt/notesSlides/notesSlide13.xml><?xml version="1.0" encoding="utf-8"?>
+<p:notes xmlns:a="http://schemas.openxmlformats.org/drawingml/2006/main" xmlns:r="http://schemas.openxmlformats.org/officeDocument/2006/relationships" xmlns:p="http://schemas.openxmlformats.org/presentationml/2006/main">
+  <p:cSld>
+    <p:spTree>
+      <p:nvGrpSpPr>
+        <p:cNvPr id="1" name=""/>
+        <p:cNvGrpSpPr/>
+        <p:nvPr/>
+      </p:nvGrpSpPr>
+      <p:grpSpPr>
+        <a:xfrm>
+          <a:off x="0" y="0"/>
+          <a:ext cx="0" cy="0"/>
+          <a:chOff x="0" y="0"/>
+          <a:chExt cx="0" cy="0"/>
+        </a:xfrm>
+      </p:grpSpPr>
+      <p:sp>
+        <p:nvSpPr>
+          <p:cNvPr id="99" name="Shape 99"/>
+          <p:cNvSpPr>
+            <a:spLocks noGrp="1" noRot="1" noChangeAspect="1"/>
+          </p:cNvSpPr>
+          <p:nvPr>
+            <p:ph type="sldImg"/>
+          </p:nvPr>
+        </p:nvSpPr>
+        <p:spPr>
+          <a:prstGeom prst="rect">
+            <a:avLst/>
+          </a:prstGeom>
+        </p:spPr>
+        <p:txBody>
+          <a:bodyPr/>
+          <a:lstStyle/>
+          <a:p>
+            <a:pPr lvl="0"/>
+            <a:endParaRPr/>
+          </a:p>
+        </p:txBody>
+      </p:sp>
+      <p:sp>
+        <p:nvSpPr>
+          <p:cNvPr id="100" name="Shape 100"/>
+          <p:cNvSpPr>
+            <a:spLocks noGrp="1"/>
+          </p:cNvSpPr>
+          <p:nvPr>
+            <p:ph type="body" sz="quarter" idx="1"/>
+          </p:nvPr>
+        </p:nvSpPr>
+        <p:spPr>
+          <a:prstGeom prst="rect">
+            <a:avLst/>
+          </a:prstGeom>
+        </p:spPr>
+        <p:txBody>
+          <a:bodyPr/>
+          <a:lstStyle>
+            <a:lvl1pPr defTabSz="914400">
+              <a:lnSpc>
+                <a:spcPct val="100000"/>
+              </a:lnSpc>
+              <a:spcBef>
+                <a:spcPts val="400"/>
+              </a:spcBef>
+              <a:defRPr sz="1200">
+                <a:latin typeface="Lucida Sans"/>
+                <a:ea typeface="Lucida Sans"/>
+                <a:cs typeface="Lucida Sans"/>
+                <a:sym typeface="Lucida Sans"/>
+              </a:defRPr>
+            </a:lvl1pPr>
+          </a:lstStyle>
+          <a:p>
+            <a:pPr lvl="0">
+              <a:defRPr sz="1800"/>
+            </a:pPr>
+            <a:r>
+              <a:rPr sz="1200"/>
+              <a:t>Discuss errors and error messages</a:t>
+            </a:r>
+          </a:p>
+        </p:txBody>
+      </p:sp>
+    </p:spTree>
+    <p:extLst>
+      <p:ext uri="{BB962C8B-B14F-4D97-AF65-F5344CB8AC3E}">
+        <p14:creationId xmlns:p14="http://schemas.microsoft.com/office/powerpoint/2010/main" val="942886938"/>
+      </p:ext>
+    </p:extLst>
+  </p:cSld>
+  <p:clrMapOvr>
+    <a:masterClrMapping/>
+  </p:clrMapOvr>
+</p:notes>
+</file>
+
+<file path=ppt/notesSlides/notesSlide14.xml><?xml version="1.0" encoding="utf-8"?>
+<p:notes xmlns:a="http://schemas.openxmlformats.org/drawingml/2006/main" xmlns:r="http://schemas.openxmlformats.org/officeDocument/2006/relationships" xmlns:p="http://schemas.openxmlformats.org/presentationml/2006/main">
+  <p:cSld>
+    <p:spTree>
+      <p:nvGrpSpPr>
+        <p:cNvPr id="1" name=""/>
+        <p:cNvGrpSpPr/>
+        <p:nvPr/>
+      </p:nvGrpSpPr>
+      <p:grpSpPr>
+        <a:xfrm>
+          <a:off x="0" y="0"/>
+          <a:ext cx="0" cy="0"/>
+          <a:chOff x="0" y="0"/>
+          <a:chExt cx="0" cy="0"/>
+        </a:xfrm>
+      </p:grpSpPr>
+      <p:sp>
+        <p:nvSpPr>
+          <p:cNvPr id="127" name="Shape 127"/>
+          <p:cNvSpPr>
+            <a:spLocks noGrp="1" noRot="1" noChangeAspect="1"/>
+          </p:cNvSpPr>
+          <p:nvPr>
+            <p:ph type="sldImg"/>
+          </p:nvPr>
+        </p:nvSpPr>
+        <p:spPr>
+          <a:prstGeom prst="rect">
+            <a:avLst/>
+          </a:prstGeom>
+        </p:spPr>
+        <p:txBody>
+          <a:bodyPr/>
+          <a:lstStyle/>
+          <a:p>
+            <a:pPr lvl="0"/>
+            <a:endParaRPr/>
+          </a:p>
+        </p:txBody>
+      </p:sp>
+      <p:sp>
+        <p:nvSpPr>
+          <p:cNvPr id="128" name="Shape 128"/>
+          <p:cNvSpPr>
+            <a:spLocks noGrp="1"/>
+          </p:cNvSpPr>
+          <p:nvPr>
+            <p:ph type="body" sz="quarter" idx="1"/>
+          </p:nvPr>
+        </p:nvSpPr>
+        <p:spPr>
+          <a:prstGeom prst="rect">
+            <a:avLst/>
+          </a:prstGeom>
+        </p:spPr>
+        <p:txBody>
+          <a:bodyPr/>
+          <a:lstStyle/>
+          <a:p>
+            <a:pPr lvl="0" defTabSz="914400">
+              <a:lnSpc>
+                <a:spcPct val="100000"/>
+              </a:lnSpc>
+              <a:defRPr sz="1800"/>
+            </a:pPr>
+            <a:r>
+              <a:rPr sz="1200" b="1">
+                <a:latin typeface="Lucida Sans"/>
+                <a:ea typeface="Lucida Sans"/>
+                <a:cs typeface="Lucida Sans"/>
+                <a:sym typeface="Lucida Sans"/>
+              </a:rPr>
+              <a:t>Argument for main </a:t>
+            </a:r>
+            <a:r>
+              <a:rPr sz="1200">
+                <a:latin typeface="Lucida Sans"/>
+                <a:ea typeface="Lucida Sans"/>
+                <a:cs typeface="Lucida Sans"/>
+                <a:sym typeface="Lucida Sans"/>
+              </a:rPr>
+              <a:t>is not optional.  Must be there.</a:t>
+            </a:r>
+            <a:endParaRPr sz="1200">
+              <a:latin typeface="Gill Sans"/>
+              <a:ea typeface="Gill Sans"/>
+              <a:cs typeface="Gill Sans"/>
+              <a:sym typeface="Gill Sans"/>
+            </a:endParaRPr>
+          </a:p>
+          <a:p>
+            <a:pPr lvl="0" defTabSz="914400">
+              <a:lnSpc>
+                <a:spcPct val="100000"/>
+              </a:lnSpc>
+              <a:defRPr sz="1800"/>
+            </a:pPr>
+            <a:endParaRPr sz="1200">
+              <a:latin typeface="Lucida Sans"/>
+              <a:ea typeface="Lucida Sans"/>
+              <a:cs typeface="Lucida Sans"/>
+              <a:sym typeface="Lucida Sans"/>
+            </a:endParaRPr>
+          </a:p>
+          <a:p>
+            <a:pPr lvl="0" defTabSz="914400">
+              <a:lnSpc>
+                <a:spcPct val="100000"/>
+              </a:lnSpc>
+              <a:defRPr sz="1800"/>
+            </a:pPr>
+            <a:endParaRPr sz="1200">
+              <a:latin typeface="Lucida Sans"/>
+              <a:ea typeface="Lucida Sans"/>
+              <a:cs typeface="Lucida Sans"/>
+              <a:sym typeface="Lucida Sans"/>
+            </a:endParaRPr>
+          </a:p>
+        </p:txBody>
+      </p:sp>
+    </p:spTree>
+    <p:extLst>
+      <p:ext uri="{BB962C8B-B14F-4D97-AF65-F5344CB8AC3E}">
+        <p14:creationId xmlns:p14="http://schemas.microsoft.com/office/powerpoint/2010/main" val="2682829326"/>
+      </p:ext>
+    </p:extLst>
+  </p:cSld>
+  <p:clrMapOvr>
+    <a:masterClrMapping/>
+  </p:clrMapOvr>
+</p:notes>
+</file>
+
+<file path=ppt/notesSlides/notesSlide15.xml><?xml version="1.0" encoding="utf-8"?>
+<p:notes xmlns:a="http://schemas.openxmlformats.org/drawingml/2006/main" xmlns:r="http://schemas.openxmlformats.org/officeDocument/2006/relationships" xmlns:p="http://schemas.openxmlformats.org/presentationml/2006/main">
+  <p:cSld>
+    <p:spTree>
+      <p:nvGrpSpPr>
+        <p:cNvPr id="1" name=""/>
+        <p:cNvGrpSpPr/>
+        <p:nvPr/>
+      </p:nvGrpSpPr>
+      <p:grpSpPr>
+        <a:xfrm>
+          <a:off x="0" y="0"/>
+          <a:ext cx="0" cy="0"/>
+          <a:chOff x="0" y="0"/>
+          <a:chExt cx="0" cy="0"/>
+        </a:xfrm>
+      </p:grpSpPr>
+      <p:sp>
+        <p:nvSpPr>
+          <p:cNvPr id="77" name="Shape 77"/>
+          <p:cNvSpPr>
+            <a:spLocks noGrp="1" noRot="1" noChangeAspect="1"/>
+          </p:cNvSpPr>
+          <p:nvPr>
+            <p:ph type="sldImg"/>
+          </p:nvPr>
+        </p:nvSpPr>
+        <p:spPr>
+          <a:prstGeom prst="rect">
+            <a:avLst/>
+          </a:prstGeom>
+        </p:spPr>
+        <p:txBody>
+          <a:bodyPr/>
+          <a:lstStyle/>
+          <a:p>
+            <a:pPr lvl="0"/>
+            <a:endParaRPr/>
+          </a:p>
+        </p:txBody>
+      </p:sp>
+      <p:sp>
+        <p:nvSpPr>
+          <p:cNvPr id="78" name="Shape 78"/>
+          <p:cNvSpPr>
+            <a:spLocks noGrp="1"/>
+          </p:cNvSpPr>
+          <p:nvPr>
+            <p:ph type="body" sz="quarter" idx="1"/>
+          </p:nvPr>
+        </p:nvSpPr>
+        <p:spPr>
+          <a:prstGeom prst="rect">
+            <a:avLst/>
+          </a:prstGeom>
+        </p:spPr>
+        <p:txBody>
+          <a:bodyPr/>
+          <a:lstStyle/>
+          <a:p>
+            <a:pPr lvl="0" defTabSz="914400">
+              <a:lnSpc>
+                <a:spcPct val="100000"/>
+              </a:lnSpc>
+              <a:spcBef>
+                <a:spcPts val="800"/>
+              </a:spcBef>
+              <a:defRPr sz="1800"/>
+            </a:pPr>
+            <a:r>
+              <a:rPr sz="2300">
+                <a:latin typeface="Calibri"/>
+                <a:ea typeface="Calibri"/>
+                <a:cs typeface="Calibri"/>
+                <a:sym typeface="Calibri"/>
+              </a:rPr>
+              <a:t>Find the documentation for the </a:t>
+            </a:r>
+            <a:r>
+              <a:rPr sz="2300" b="1">
+                <a:latin typeface="Calibri"/>
+                <a:ea typeface="Calibri"/>
+                <a:cs typeface="Calibri"/>
+                <a:sym typeface="Calibri"/>
+              </a:rPr>
+              <a:t>String</a:t>
+            </a:r>
+            <a:r>
+              <a:rPr sz="2300">
+                <a:latin typeface="Calibri"/>
+                <a:ea typeface="Calibri"/>
+                <a:cs typeface="Calibri"/>
+                <a:sym typeface="Calibri"/>
+              </a:rPr>
+              <a:t> class from one of the above links, as follows:</a:t>
+            </a:r>
+            <a:endParaRPr sz="1200">
+              <a:latin typeface="Calibri"/>
+              <a:ea typeface="Calibri"/>
+              <a:cs typeface="Calibri"/>
+              <a:sym typeface="Calibri"/>
+            </a:endParaRPr>
+          </a:p>
+          <a:p>
+            <a:pPr lvl="0" defTabSz="914400">
+              <a:lnSpc>
+                <a:spcPct val="100000"/>
+              </a:lnSpc>
+              <a:spcBef>
+                <a:spcPts val="600"/>
+              </a:spcBef>
+              <a:buSzPct val="100000"/>
+              <a:buChar char="-"/>
+              <a:defRPr sz="1800"/>
+            </a:pPr>
+            <a:r>
+              <a:rPr sz="1900">
+                <a:latin typeface="Calibri"/>
+                <a:ea typeface="Calibri"/>
+                <a:cs typeface="Calibri"/>
+                <a:sym typeface="Calibri"/>
+              </a:rPr>
+              <a:t> Click </a:t>
+            </a:r>
+            <a:r>
+              <a:rPr sz="1900">
+                <a:solidFill>
+                  <a:srgbClr val="9BBB59"/>
+                </a:solidFill>
+                <a:latin typeface="Calibri"/>
+                <a:ea typeface="Calibri"/>
+                <a:cs typeface="Calibri"/>
+                <a:sym typeface="Calibri"/>
+              </a:rPr>
+              <a:t>java.lang</a:t>
+            </a:r>
+            <a:r>
+              <a:rPr sz="1900">
+                <a:latin typeface="Calibri"/>
+                <a:ea typeface="Calibri"/>
+                <a:cs typeface="Calibri"/>
+                <a:sym typeface="Calibri"/>
+              </a:rPr>
+              <a:t> in the top-left pane</a:t>
+            </a:r>
+            <a:endParaRPr sz="1200">
+              <a:latin typeface="Calibri"/>
+              <a:ea typeface="Calibri"/>
+              <a:cs typeface="Calibri"/>
+              <a:sym typeface="Calibri"/>
+            </a:endParaRPr>
+          </a:p>
+          <a:p>
+            <a:pPr lvl="0" defTabSz="914400">
+              <a:lnSpc>
+                <a:spcPct val="100000"/>
+              </a:lnSpc>
+              <a:spcBef>
+                <a:spcPts val="600"/>
+              </a:spcBef>
+              <a:buSzPct val="100000"/>
+              <a:buChar char="-"/>
+              <a:defRPr sz="1800"/>
+            </a:pPr>
+            <a:r>
+              <a:rPr sz="1900">
+                <a:latin typeface="Calibri"/>
+                <a:ea typeface="Calibri"/>
+                <a:cs typeface="Calibri"/>
+                <a:sym typeface="Calibri"/>
+              </a:rPr>
+              <a:t> Then click </a:t>
+            </a:r>
+            <a:r>
+              <a:rPr sz="1900">
+                <a:solidFill>
+                  <a:srgbClr val="9BBB59"/>
+                </a:solidFill>
+                <a:latin typeface="Calibri"/>
+                <a:ea typeface="Calibri"/>
+                <a:cs typeface="Calibri"/>
+                <a:sym typeface="Calibri"/>
+              </a:rPr>
+              <a:t>String</a:t>
+            </a:r>
+            <a:r>
+              <a:rPr sz="1900">
+                <a:latin typeface="Calibri"/>
+                <a:ea typeface="Calibri"/>
+                <a:cs typeface="Calibri"/>
+                <a:sym typeface="Calibri"/>
+              </a:rPr>
+              <a:t> in the bottom-left pane</a:t>
+            </a:r>
+            <a:endParaRPr sz="1200">
+              <a:latin typeface="Calibri"/>
+              <a:ea typeface="Calibri"/>
+              <a:cs typeface="Calibri"/>
+              <a:sym typeface="Calibri"/>
+            </a:endParaRPr>
+          </a:p>
+          <a:p>
+            <a:pPr lvl="0" defTabSz="914400">
+              <a:lnSpc>
+                <a:spcPct val="100000"/>
+              </a:lnSpc>
+              <a:spcBef>
+                <a:spcPts val="400"/>
+              </a:spcBef>
+              <a:defRPr sz="1800"/>
+            </a:pPr>
+            <a:endParaRPr sz="1200">
+              <a:latin typeface="Calibri"/>
+              <a:ea typeface="Calibri"/>
+              <a:cs typeface="Calibri"/>
+              <a:sym typeface="Calibri"/>
+            </a:endParaRPr>
+          </a:p>
+          <a:p>
+            <a:pPr lvl="0" defTabSz="914400">
+              <a:lnSpc>
+                <a:spcPct val="100000"/>
+              </a:lnSpc>
+              <a:spcBef>
+                <a:spcPts val="400"/>
+              </a:spcBef>
+              <a:defRPr sz="1800"/>
+            </a:pPr>
+            <a:r>
+              <a:rPr sz="1200">
+                <a:latin typeface="Calibri"/>
+                <a:ea typeface="Calibri"/>
+                <a:cs typeface="Calibri"/>
+                <a:sym typeface="Calibri"/>
+              </a:rPr>
+              <a:t>Describe the parts of the String API documentation:</a:t>
+            </a:r>
+          </a:p>
+          <a:p>
+            <a:pPr lvl="0" defTabSz="914400">
+              <a:lnSpc>
+                <a:spcPct val="100000"/>
+              </a:lnSpc>
+              <a:spcBef>
+                <a:spcPts val="400"/>
+              </a:spcBef>
+              <a:defRPr sz="1800"/>
+            </a:pPr>
+            <a:r>
+              <a:rPr sz="1200">
+                <a:latin typeface="Calibri"/>
+                <a:ea typeface="Calibri"/>
+                <a:cs typeface="Calibri"/>
+                <a:sym typeface="Calibri"/>
+              </a:rPr>
+              <a:t>- description of the class</a:t>
+            </a:r>
+          </a:p>
+          <a:p>
+            <a:pPr lvl="0" defTabSz="914400">
+              <a:lnSpc>
+                <a:spcPct val="100000"/>
+              </a:lnSpc>
+              <a:spcBef>
+                <a:spcPts val="400"/>
+              </a:spcBef>
+              <a:defRPr sz="1800"/>
+            </a:pPr>
+            <a:r>
+              <a:rPr sz="1200">
+                <a:latin typeface="Calibri"/>
+                <a:ea typeface="Calibri"/>
+                <a:cs typeface="Calibri"/>
+                <a:sym typeface="Calibri"/>
+              </a:rPr>
+              <a:t>- summaries of all the fields, constructors, and method</a:t>
+            </a:r>
+          </a:p>
+          <a:p>
+            <a:pPr marL="162130" lvl="0" indent="-162130" defTabSz="914400">
+              <a:lnSpc>
+                <a:spcPct val="100000"/>
+              </a:lnSpc>
+              <a:spcBef>
+                <a:spcPts val="400"/>
+              </a:spcBef>
+              <a:buSzPct val="100000"/>
+              <a:buChar char="-"/>
+              <a:defRPr sz="1800"/>
+            </a:pPr>
+            <a:r>
+              <a:rPr sz="1200">
+                <a:latin typeface="Calibri"/>
+                <a:ea typeface="Calibri"/>
+                <a:cs typeface="Calibri"/>
+                <a:sym typeface="Calibri"/>
+              </a:rPr>
+              <a:t>detailed descriptions of everything</a:t>
+            </a:r>
+          </a:p>
+        </p:txBody>
+      </p:sp>
+    </p:spTree>
+    <p:extLst>
+      <p:ext uri="{BB962C8B-B14F-4D97-AF65-F5344CB8AC3E}">
+        <p14:creationId xmlns:p14="http://schemas.microsoft.com/office/powerpoint/2010/main" val="1218477835"/>
+      </p:ext>
+    </p:extLst>
+  </p:cSld>
+  <p:clrMapOvr>
+    <a:masterClrMapping/>
+  </p:clrMapOvr>
+</p:notes>
+</file>
+
+<file path=ppt/notesSlides/notesSlide16.xml><?xml version="1.0" encoding="utf-8"?>
+<p:notes xmlns:a="http://schemas.openxmlformats.org/drawingml/2006/main" xmlns:r="http://schemas.openxmlformats.org/officeDocument/2006/relationships" xmlns:p="http://schemas.openxmlformats.org/presentationml/2006/main">
+  <p:cSld>
+    <p:spTree>
+      <p:nvGrpSpPr>
+        <p:cNvPr id="1" name=""/>
+        <p:cNvGrpSpPr/>
+        <p:nvPr/>
+      </p:nvGrpSpPr>
+      <p:grpSpPr>
+        <a:xfrm>
+          <a:off x="0" y="0"/>
+          <a:ext cx="0" cy="0"/>
+          <a:chOff x="0" y="0"/>
+          <a:chExt cx="0" cy="0"/>
+        </a:xfrm>
+      </p:grpSpPr>
+      <p:sp>
+        <p:nvSpPr>
+          <p:cNvPr id="84" name="Shape 84"/>
+          <p:cNvSpPr>
+            <a:spLocks noGrp="1" noRot="1" noChangeAspect="1"/>
+          </p:cNvSpPr>
+          <p:nvPr>
+            <p:ph type="sldImg"/>
+          </p:nvPr>
+        </p:nvSpPr>
+        <p:spPr>
+          <a:prstGeom prst="rect">
+            <a:avLst/>
+          </a:prstGeom>
+        </p:spPr>
+        <p:txBody>
+          <a:bodyPr/>
+          <a:lstStyle/>
+          <a:p>
+            <a:pPr lvl="0"/>
+            <a:endParaRPr/>
+          </a:p>
+        </p:txBody>
+      </p:sp>
+      <p:sp>
+        <p:nvSpPr>
+          <p:cNvPr id="85" name="Shape 85"/>
+          <p:cNvSpPr>
+            <a:spLocks noGrp="1"/>
+          </p:cNvSpPr>
+          <p:nvPr>
+            <p:ph type="body" sz="quarter" idx="1"/>
+          </p:nvPr>
+        </p:nvSpPr>
+        <p:spPr>
+          <a:prstGeom prst="rect">
+            <a:avLst/>
+          </a:prstGeom>
+        </p:spPr>
+        <p:txBody>
+          <a:bodyPr/>
+          <a:lstStyle/>
+          <a:p>
+            <a:pPr lvl="0" defTabSz="914400">
+              <a:lnSpc>
+                <a:spcPct val="100000"/>
+              </a:lnSpc>
+              <a:spcBef>
+                <a:spcPts val="400"/>
+              </a:spcBef>
+              <a:defRPr sz="1800"/>
+            </a:pPr>
+            <a:r>
+              <a:rPr sz="1200">
+                <a:latin typeface="Calibri"/>
+                <a:ea typeface="Calibri"/>
+                <a:cs typeface="Calibri"/>
+                <a:sym typeface="Calibri"/>
+              </a:rPr>
+              <a:t>Point students to the link in the homework if everyone does not have the docs setup.</a:t>
+            </a:r>
+          </a:p>
+          <a:p>
+            <a:pPr lvl="0" defTabSz="914400">
+              <a:lnSpc>
+                <a:spcPct val="100000"/>
+              </a:lnSpc>
+              <a:spcBef>
+                <a:spcPts val="400"/>
+              </a:spcBef>
+              <a:defRPr sz="1800"/>
+            </a:pPr>
+            <a:r>
+              <a:rPr sz="1200">
+                <a:latin typeface="Calibri"/>
+                <a:ea typeface="Calibri"/>
+                <a:cs typeface="Calibri"/>
+                <a:sym typeface="Calibri"/>
+              </a:rPr>
+              <a:t>Demo hover text, F2 to focus on hover text, icon to open in web browser.</a:t>
+            </a:r>
+          </a:p>
+          <a:p>
+            <a:pPr lvl="0" defTabSz="914400">
+              <a:lnSpc>
+                <a:spcPct val="100000"/>
+              </a:lnSpc>
+              <a:spcBef>
+                <a:spcPts val="400"/>
+              </a:spcBef>
+              <a:defRPr sz="1800"/>
+            </a:pPr>
+            <a:r>
+              <a:rPr sz="1200">
+                <a:latin typeface="Calibri"/>
+                <a:ea typeface="Calibri"/>
+                <a:cs typeface="Calibri"/>
+                <a:sym typeface="Calibri"/>
+              </a:rPr>
+              <a:t>Shift-F2 to open external browser immediately.</a:t>
+            </a:r>
+          </a:p>
+        </p:txBody>
+      </p:sp>
+    </p:spTree>
+    <p:extLst>
+      <p:ext uri="{BB962C8B-B14F-4D97-AF65-F5344CB8AC3E}">
+        <p14:creationId xmlns:p14="http://schemas.microsoft.com/office/powerpoint/2010/main" val="2352995128"/>
+      </p:ext>
+    </p:extLst>
+  </p:cSld>
+  <p:clrMapOvr>
+    <a:masterClrMapping/>
+  </p:clrMapOvr>
+</p:notes>
+</file>
+
+<file path=ppt/notesSlides/notesSlide17.xml><?xml version="1.0" encoding="utf-8"?>
+<p:notes xmlns:a="http://schemas.openxmlformats.org/drawingml/2006/main" xmlns:r="http://schemas.openxmlformats.org/officeDocument/2006/relationships" xmlns:p="http://schemas.openxmlformats.org/presentationml/2006/main">
+  <p:cSld>
+    <p:spTree>
+      <p:nvGrpSpPr>
+        <p:cNvPr id="1" name=""/>
+        <p:cNvGrpSpPr/>
+        <p:nvPr/>
+      </p:nvGrpSpPr>
+      <p:grpSpPr>
+        <a:xfrm>
+          <a:off x="0" y="0"/>
+          <a:ext cx="0" cy="0"/>
+          <a:chOff x="0" y="0"/>
+          <a:chExt cx="0" cy="0"/>
+        </a:xfrm>
+      </p:grpSpPr>
+      <p:sp>
+        <p:nvSpPr>
           <p:cNvPr id="98" name="Shape 98"/>
           <p:cNvSpPr>
             <a:spLocks noGrp="1" noRot="1" noChangeAspect="1"/>
@@ -635,7 +1393,7 @@
               <a:defRPr sz="1800"/>
             </a:pPr>
             <a:r>
-              <a:rPr sz="1200"/>
+              <a:rPr sz="1200" dirty="0"/>
               <a:t>Point students to Python vs Java features linked from session 1 of course schedule.</a:t>
             </a:r>
           </a:p>
@@ -673,7 +1431,7 @@
       </p:grpSpPr>
       <p:sp>
         <p:nvSpPr>
-          <p:cNvPr id="56" name="Shape 56"/>
+          <p:cNvPr id="2" name="Slide Image Placeholder 1"/>
           <p:cNvSpPr>
             <a:spLocks noGrp="1" noRot="1" noChangeAspect="1"/>
           </p:cNvSpPr>
@@ -681,65 +1439,31 @@
             <p:ph type="sldImg"/>
           </p:nvPr>
         </p:nvSpPr>
-        <p:spPr>
-          <a:prstGeom prst="rect">
-            <a:avLst/>
-          </a:prstGeom>
-        </p:spPr>
+        <p:spPr/>
+      </p:sp>
+      <p:sp>
+        <p:nvSpPr>
+          <p:cNvPr id="3" name="Notes Placeholder 2"/>
+          <p:cNvSpPr>
+            <a:spLocks noGrp="1"/>
+          </p:cNvSpPr>
+          <p:nvPr>
+            <p:ph type="body" idx="1"/>
+          </p:nvPr>
+        </p:nvSpPr>
+        <p:spPr/>
         <p:txBody>
           <a:bodyPr/>
           <a:lstStyle/>
           <a:p>
-            <a:pPr lvl="0"/>
-            <a:endParaRPr/>
-          </a:p>
-        </p:txBody>
-      </p:sp>
-      <p:sp>
-        <p:nvSpPr>
-          <p:cNvPr id="57" name="Shape 57"/>
-          <p:cNvSpPr>
-            <a:spLocks noGrp="1"/>
-          </p:cNvSpPr>
-          <p:nvPr>
-            <p:ph type="body" sz="quarter" idx="1"/>
-          </p:nvPr>
-        </p:nvSpPr>
-        <p:spPr>
-          <a:prstGeom prst="rect">
-            <a:avLst/>
-          </a:prstGeom>
-        </p:spPr>
-        <p:txBody>
-          <a:bodyPr/>
-          <a:lstStyle>
-            <a:lvl1pPr defTabSz="914400">
-              <a:lnSpc>
-                <a:spcPct val="100000"/>
-              </a:lnSpc>
-              <a:defRPr sz="1200">
-                <a:latin typeface="Lucida Sans"/>
-                <a:ea typeface="Lucida Sans"/>
-                <a:cs typeface="Lucida Sans"/>
-                <a:sym typeface="Lucida Sans"/>
-              </a:defRPr>
-            </a:lvl1pPr>
-          </a:lstStyle>
-          <a:p>
-            <a:pPr lvl="0">
-              <a:defRPr sz="1800"/>
-            </a:pPr>
-            <a:r>
-              <a:rPr sz="1200"/>
-              <a:t>Bring textbook to show to the class.</a:t>
-            </a:r>
+            <a:endParaRPr lang="en-US" dirty="0"/>
           </a:p>
         </p:txBody>
       </p:sp>
     </p:spTree>
     <p:extLst>
       <p:ext uri="{BB962C8B-B14F-4D97-AF65-F5344CB8AC3E}">
-        <p14:creationId xmlns:p14="http://schemas.microsoft.com/office/powerpoint/2010/main" val="1008351214"/>
+        <p14:creationId xmlns:p14="http://schemas.microsoft.com/office/powerpoint/2010/main" val="188006985"/>
       </p:ext>
     </p:extLst>
   </p:cSld>
@@ -768,7 +1492,7 @@
       </p:grpSpPr>
       <p:sp>
         <p:nvSpPr>
-          <p:cNvPr id="2" name="Slide Image Placeholder 1"/>
+          <p:cNvPr id="56" name="Shape 56"/>
           <p:cNvSpPr>
             <a:spLocks noGrp="1" noRot="1" noChangeAspect="1"/>
           </p:cNvSpPr>
@@ -776,44 +1500,65 @@
             <p:ph type="sldImg"/>
           </p:nvPr>
         </p:nvSpPr>
-        <p:spPr/>
-      </p:sp>
-      <p:sp>
-        <p:nvSpPr>
-          <p:cNvPr id="3" name="Notes Placeholder 2"/>
-          <p:cNvSpPr>
-            <a:spLocks noGrp="1"/>
-          </p:cNvSpPr>
-          <p:nvPr>
-            <p:ph type="body" idx="1"/>
-          </p:nvPr>
-        </p:nvSpPr>
-        <p:spPr/>
+        <p:spPr>
+          <a:prstGeom prst="rect">
+            <a:avLst/>
+          </a:prstGeom>
+        </p:spPr>
         <p:txBody>
           <a:bodyPr/>
           <a:lstStyle/>
           <a:p>
-            <a:r>
-              <a:rPr lang="en-US" dirty="0"/>
-              <a:t>My reviews are consistent: </a:t>
-            </a:r>
-          </a:p>
-          <a:p>
-            <a:pPr lvl="1"/>
-            <a:r>
-              <a:rPr lang="en-US" dirty="0"/>
-              <a:t>Not around as often as I’d like, but responds very quickly to email.</a:t>
-            </a:r>
-          </a:p>
-          <a:p>
-            <a:endParaRPr lang="en-US" dirty="0"/>
+            <a:pPr lvl="0"/>
+            <a:endParaRPr/>
+          </a:p>
+        </p:txBody>
+      </p:sp>
+      <p:sp>
+        <p:nvSpPr>
+          <p:cNvPr id="57" name="Shape 57"/>
+          <p:cNvSpPr>
+            <a:spLocks noGrp="1"/>
+          </p:cNvSpPr>
+          <p:nvPr>
+            <p:ph type="body" sz="quarter" idx="1"/>
+          </p:nvPr>
+        </p:nvSpPr>
+        <p:spPr>
+          <a:prstGeom prst="rect">
+            <a:avLst/>
+          </a:prstGeom>
+        </p:spPr>
+        <p:txBody>
+          <a:bodyPr/>
+          <a:lstStyle>
+            <a:lvl1pPr defTabSz="914400">
+              <a:lnSpc>
+                <a:spcPct val="100000"/>
+              </a:lnSpc>
+              <a:defRPr sz="1200">
+                <a:latin typeface="Lucida Sans"/>
+                <a:ea typeface="Lucida Sans"/>
+                <a:cs typeface="Lucida Sans"/>
+                <a:sym typeface="Lucida Sans"/>
+              </a:defRPr>
+            </a:lvl1pPr>
+          </a:lstStyle>
+          <a:p>
+            <a:pPr lvl="0">
+              <a:defRPr sz="1800"/>
+            </a:pPr>
+            <a:r>
+              <a:rPr sz="1200"/>
+              <a:t>Bring textbook to show to the class.</a:t>
+            </a:r>
           </a:p>
         </p:txBody>
       </p:sp>
     </p:spTree>
     <p:extLst>
       <p:ext uri="{BB962C8B-B14F-4D97-AF65-F5344CB8AC3E}">
-        <p14:creationId xmlns:p14="http://schemas.microsoft.com/office/powerpoint/2010/main" val="3618574997"/>
+        <p14:creationId xmlns:p14="http://schemas.microsoft.com/office/powerpoint/2010/main" val="1008351214"/>
       </p:ext>
     </p:extLst>
   </p:cSld>
@@ -867,84 +1612,6 @@
           <a:bodyPr/>
           <a:lstStyle/>
           <a:p>
-            <a:r>
-              <a:rPr lang="en-US" dirty="0"/>
-              <a:t>Why am</a:t>
-            </a:r>
-            <a:r>
-              <a:rPr lang="en-US" baseline="0" dirty="0"/>
-              <a:t> I doing this?</a:t>
-            </a:r>
-          </a:p>
-          <a:p>
-            <a:pPr marL="342900" indent="-342900">
-              <a:buFontTx/>
-              <a:buChar char="-"/>
-            </a:pPr>
-            <a:r>
-              <a:rPr lang="en-US" baseline="0" dirty="0"/>
-              <a:t>I don’t like repeating myself, and laptops are distracting. When I allow them to be open throughout class, I end up repeating myself and have students who have no idea what’s going on. For example, one year, I had a student who, three weeks into the class said he didn’t know what the schedule page was… There was more going on, but he was never forced to watch what was going on. Also, I know how tempting it is to turn on a game in the middle of class… don’t, 1) you won’t get the most out of this class… 2) You’re not as fast as you think you are at switching out of that game!</a:t>
-            </a:r>
-          </a:p>
-          <a:p>
-            <a:pPr marL="342900" indent="-342900">
-              <a:buFontTx/>
-              <a:buChar char="-"/>
-            </a:pPr>
-            <a:r>
-              <a:rPr lang="en-US" dirty="0"/>
-              <a:t>We</a:t>
-            </a:r>
-            <a:r>
-              <a:rPr lang="en-US" baseline="0" dirty="0"/>
-              <a:t> will do a lot of live-coding, so you will need your laptops, and for those portions of the class, no problem! But during lecture, when we’re not live-coding, I’ll ask you to close / lower your laptop lids so I know I have your attention</a:t>
-            </a:r>
-          </a:p>
-          <a:p>
-            <a:pPr marL="342900" indent="-342900">
-              <a:buFontTx/>
-              <a:buChar char="-"/>
-            </a:pPr>
-            <a:r>
-              <a:rPr lang="en-US" baseline="0" dirty="0"/>
-              <a:t>Phones / other devices: I’m not blind, I can see you’re texting someone… You’re looking down, not up, easy to spot.</a:t>
-            </a:r>
-          </a:p>
-          <a:p>
-            <a:pPr marL="342900" indent="-342900">
-              <a:buFontTx/>
-              <a:buChar char="-"/>
-            </a:pPr>
-            <a:r>
-              <a:rPr lang="en-US" baseline="0" dirty="0"/>
-              <a:t>Since we will open and close our laptops a lot, I’m okay if you only close it so you can’t see the screen, rather than all the way, but barely tilted doesn’t cut it.</a:t>
-            </a:r>
-          </a:p>
-          <a:p>
-            <a:pPr marL="342900" indent="-342900">
-              <a:buFontTx/>
-              <a:buChar char="-"/>
-            </a:pPr>
-            <a:r>
-              <a:rPr lang="en-US" baseline="0" dirty="0"/>
-              <a:t>I know some people take notes on their laptops… If that’s you, I would ask that you come to my office after class and show me an example of the notes that you typically take on your laptop and I’ll make an exception. However, a lot of the notes taken in here should be on the daily quizzes, which we’ll get to shortly.</a:t>
-            </a:r>
-          </a:p>
-          <a:p>
-            <a:pPr marL="342900" indent="-342900">
-              <a:buFontTx/>
-              <a:buChar char="-"/>
-            </a:pPr>
-            <a:r>
-              <a:rPr lang="en-US" baseline="0" dirty="0"/>
-              <a:t>With all that said… please close (or at least lower) your laptop screens for the moment.</a:t>
-            </a:r>
-          </a:p>
-          <a:p>
-            <a:pPr marL="342900" indent="-342900">
-              <a:buFontTx/>
-              <a:buChar char="-"/>
-            </a:pPr>
             <a:endParaRPr lang="en-US" dirty="0"/>
           </a:p>
         </p:txBody>
@@ -952,7 +1619,7 @@
     </p:spTree>
     <p:extLst>
       <p:ext uri="{BB962C8B-B14F-4D97-AF65-F5344CB8AC3E}">
-        <p14:creationId xmlns:p14="http://schemas.microsoft.com/office/powerpoint/2010/main" val="2751018994"/>
+        <p14:creationId xmlns:p14="http://schemas.microsoft.com/office/powerpoint/2010/main" val="386519047"/>
       </p:ext>
     </p:extLst>
   </p:cSld>
@@ -1013,7 +1680,7 @@
     </p:spTree>
     <p:extLst>
       <p:ext uri="{BB962C8B-B14F-4D97-AF65-F5344CB8AC3E}">
-        <p14:creationId xmlns:p14="http://schemas.microsoft.com/office/powerpoint/2010/main" val="1649317099"/>
+        <p14:creationId xmlns:p14="http://schemas.microsoft.com/office/powerpoint/2010/main" val="3765514963"/>
       </p:ext>
     </p:extLst>
   </p:cSld>
@@ -1067,14 +1734,6 @@
           <a:bodyPr/>
           <a:lstStyle/>
           <a:p>
-            <a:r>
-              <a:rPr lang="en-US" dirty="0"/>
-              <a:t>Introduce</a:t>
-            </a:r>
-            <a:r>
-              <a:rPr lang="en-US" baseline="0" dirty="0"/>
-              <a:t> TA</a:t>
-            </a:r>
             <a:endParaRPr lang="en-US" dirty="0"/>
           </a:p>
         </p:txBody>
@@ -1082,7 +1741,7 @@
     </p:spTree>
     <p:extLst>
       <p:ext uri="{BB962C8B-B14F-4D97-AF65-F5344CB8AC3E}">
-        <p14:creationId xmlns:p14="http://schemas.microsoft.com/office/powerpoint/2010/main" val="2198811207"/>
+        <p14:creationId xmlns:p14="http://schemas.microsoft.com/office/powerpoint/2010/main" val="4292337086"/>
       </p:ext>
     </p:extLst>
   </p:cSld>
@@ -1111,7 +1770,7 @@
       </p:grpSpPr>
       <p:sp>
         <p:nvSpPr>
-          <p:cNvPr id="99" name="Shape 99"/>
+          <p:cNvPr id="2" name="Slide Image Placeholder 1"/>
           <p:cNvSpPr>
             <a:spLocks noGrp="1" noRot="1" noChangeAspect="1"/>
           </p:cNvSpPr>
@@ -1119,68 +1778,39 @@
             <p:ph type="sldImg"/>
           </p:nvPr>
         </p:nvSpPr>
-        <p:spPr>
-          <a:prstGeom prst="rect">
-            <a:avLst/>
-          </a:prstGeom>
-        </p:spPr>
+        <p:spPr/>
+      </p:sp>
+      <p:sp>
+        <p:nvSpPr>
+          <p:cNvPr id="3" name="Notes Placeholder 2"/>
+          <p:cNvSpPr>
+            <a:spLocks noGrp="1"/>
+          </p:cNvSpPr>
+          <p:nvPr>
+            <p:ph type="body" idx="1"/>
+          </p:nvPr>
+        </p:nvSpPr>
+        <p:spPr/>
         <p:txBody>
           <a:bodyPr/>
           <a:lstStyle/>
           <a:p>
-            <a:pPr lvl="0"/>
-            <a:endParaRPr/>
-          </a:p>
-        </p:txBody>
-      </p:sp>
-      <p:sp>
-        <p:nvSpPr>
-          <p:cNvPr id="100" name="Shape 100"/>
-          <p:cNvSpPr>
-            <a:spLocks noGrp="1"/>
-          </p:cNvSpPr>
-          <p:nvPr>
-            <p:ph type="body" sz="quarter" idx="1"/>
-          </p:nvPr>
-        </p:nvSpPr>
-        <p:spPr>
-          <a:prstGeom prst="rect">
-            <a:avLst/>
-          </a:prstGeom>
-        </p:spPr>
-        <p:txBody>
-          <a:bodyPr/>
-          <a:lstStyle>
-            <a:lvl1pPr defTabSz="914400">
-              <a:lnSpc>
-                <a:spcPct val="100000"/>
-              </a:lnSpc>
-              <a:spcBef>
-                <a:spcPts val="400"/>
-              </a:spcBef>
-              <a:defRPr sz="1200">
-                <a:latin typeface="Lucida Sans"/>
-                <a:ea typeface="Lucida Sans"/>
-                <a:cs typeface="Lucida Sans"/>
-                <a:sym typeface="Lucida Sans"/>
-              </a:defRPr>
-            </a:lvl1pPr>
-          </a:lstStyle>
-          <a:p>
-            <a:pPr lvl="0">
-              <a:defRPr sz="1800"/>
-            </a:pPr>
-            <a:r>
-              <a:rPr sz="1200"/>
-              <a:t>Discuss errors and error messages</a:t>
-            </a:r>
+            <a:r>
+              <a:rPr lang="en-US" dirty="0" smtClean="0"/>
+              <a:t>Introduce TA find</a:t>
+            </a:r>
+            <a:r>
+              <a:rPr lang="en-US" baseline="0" dirty="0" smtClean="0"/>
+              <a:t> something each student does for rejuvenation…</a:t>
+            </a:r>
+            <a:endParaRPr lang="en-US" dirty="0"/>
           </a:p>
         </p:txBody>
       </p:sp>
     </p:spTree>
     <p:extLst>
       <p:ext uri="{BB962C8B-B14F-4D97-AF65-F5344CB8AC3E}">
-        <p14:creationId xmlns:p14="http://schemas.microsoft.com/office/powerpoint/2010/main" val="942886938"/>
+        <p14:creationId xmlns:p14="http://schemas.microsoft.com/office/powerpoint/2010/main" val="2526259880"/>
       </p:ext>
     </p:extLst>
   </p:cSld>
@@ -1209,7 +1839,7 @@
       </p:grpSpPr>
       <p:sp>
         <p:nvSpPr>
-          <p:cNvPr id="127" name="Shape 127"/>
+          <p:cNvPr id="2" name="Slide Image Placeholder 1"/>
           <p:cNvSpPr>
             <a:spLocks noGrp="1" noRot="1" noChangeAspect="1"/>
           </p:cNvSpPr>
@@ -1217,104 +1847,44 @@
             <p:ph type="sldImg"/>
           </p:nvPr>
         </p:nvSpPr>
-        <p:spPr>
-          <a:prstGeom prst="rect">
-            <a:avLst/>
-          </a:prstGeom>
-        </p:spPr>
+        <p:spPr/>
+      </p:sp>
+      <p:sp>
+        <p:nvSpPr>
+          <p:cNvPr id="3" name="Notes Placeholder 2"/>
+          <p:cNvSpPr>
+            <a:spLocks noGrp="1"/>
+          </p:cNvSpPr>
+          <p:nvPr>
+            <p:ph type="body" idx="1"/>
+          </p:nvPr>
+        </p:nvSpPr>
+        <p:spPr/>
         <p:txBody>
           <a:bodyPr/>
           <a:lstStyle/>
           <a:p>
-            <a:pPr lvl="0"/>
-            <a:endParaRPr/>
-          </a:p>
-        </p:txBody>
-      </p:sp>
-      <p:sp>
-        <p:nvSpPr>
-          <p:cNvPr id="128" name="Shape 128"/>
-          <p:cNvSpPr>
-            <a:spLocks noGrp="1"/>
-          </p:cNvSpPr>
-          <p:nvPr>
-            <p:ph type="body" sz="quarter" idx="1"/>
-          </p:nvPr>
-        </p:nvSpPr>
-        <p:spPr>
-          <a:prstGeom prst="rect">
-            <a:avLst/>
-          </a:prstGeom>
-        </p:spPr>
-        <p:txBody>
-          <a:bodyPr/>
-          <a:lstStyle/>
-          <a:p>
-            <a:pPr lvl="0" defTabSz="914400">
-              <a:lnSpc>
-                <a:spcPct val="100000"/>
-              </a:lnSpc>
-              <a:defRPr sz="1800"/>
-            </a:pPr>
-            <a:r>
-              <a:rPr sz="1200" b="1">
-                <a:latin typeface="Lucida Sans"/>
-                <a:ea typeface="Lucida Sans"/>
-                <a:cs typeface="Lucida Sans"/>
-                <a:sym typeface="Lucida Sans"/>
-              </a:rPr>
-              <a:t>Argument for main </a:t>
-            </a:r>
-            <a:r>
-              <a:rPr sz="1200">
-                <a:latin typeface="Lucida Sans"/>
-                <a:ea typeface="Lucida Sans"/>
-                <a:cs typeface="Lucida Sans"/>
-                <a:sym typeface="Lucida Sans"/>
-              </a:rPr>
-              <a:t>is not optional.  Must be there.</a:t>
-            </a:r>
-            <a:endParaRPr sz="1200">
-              <a:latin typeface="Gill Sans"/>
-              <a:ea typeface="Gill Sans"/>
-              <a:cs typeface="Gill Sans"/>
-              <a:sym typeface="Gill Sans"/>
-            </a:endParaRPr>
-          </a:p>
-          <a:p>
-            <a:pPr lvl="0" defTabSz="914400">
-              <a:lnSpc>
-                <a:spcPct val="100000"/>
-              </a:lnSpc>
-              <a:defRPr sz="1800"/>
-            </a:pPr>
-            <a:endParaRPr sz="1200">
-              <a:latin typeface="Lucida Sans"/>
-              <a:ea typeface="Lucida Sans"/>
-              <a:cs typeface="Lucida Sans"/>
-              <a:sym typeface="Lucida Sans"/>
-            </a:endParaRPr>
-          </a:p>
-          <a:p>
-            <a:pPr lvl="0" defTabSz="914400">
-              <a:lnSpc>
-                <a:spcPct val="100000"/>
-              </a:lnSpc>
-              <a:defRPr sz="1800"/>
-            </a:pPr>
-            <a:endParaRPr sz="1200">
-              <a:latin typeface="Lucida Sans"/>
-              <a:ea typeface="Lucida Sans"/>
-              <a:cs typeface="Lucida Sans"/>
-              <a:sym typeface="Lucida Sans"/>
-            </a:endParaRPr>
+            <a:r>
+              <a:rPr lang="en-US" dirty="0"/>
+              <a:t>My reviews are consistent: </a:t>
+            </a:r>
+          </a:p>
+          <a:p>
+            <a:pPr lvl="1"/>
+            <a:r>
+              <a:rPr lang="en-US" dirty="0"/>
+              <a:t>Not around as often as I’d like, but responds very quickly to email.</a:t>
+            </a:r>
+          </a:p>
+          <a:p>
+            <a:endParaRPr lang="en-US" dirty="0"/>
           </a:p>
         </p:txBody>
       </p:sp>
     </p:spTree>
     <p:extLst>
       <p:ext uri="{BB962C8B-B14F-4D97-AF65-F5344CB8AC3E}">
-        <p14:creationId xmlns:p14="http://schemas.microsoft.com/office/powerpoint/2010/main" val="2682829326"/>
+        <p14:creationId xmlns:p14="http://schemas.microsoft.com/office/powerpoint/2010/main" val="3618574997"/>
       </p:ext>
     </p:extLst>
   </p:cSld>
@@ -1343,7 +1913,7 @@
       </p:grpSpPr>
       <p:sp>
         <p:nvSpPr>
-          <p:cNvPr id="77" name="Shape 77"/>
+          <p:cNvPr id="2" name="Slide Image Placeholder 1"/>
           <p:cNvSpPr>
             <a:spLocks noGrp="1" noRot="1" noChangeAspect="1"/>
           </p:cNvSpPr>
@@ -1351,285 +1921,109 @@
             <p:ph type="sldImg"/>
           </p:nvPr>
         </p:nvSpPr>
-        <p:spPr>
-          <a:prstGeom prst="rect">
-            <a:avLst/>
-          </a:prstGeom>
-        </p:spPr>
+        <p:spPr/>
+      </p:sp>
+      <p:sp>
+        <p:nvSpPr>
+          <p:cNvPr id="3" name="Notes Placeholder 2"/>
+          <p:cNvSpPr>
+            <a:spLocks noGrp="1"/>
+          </p:cNvSpPr>
+          <p:nvPr>
+            <p:ph type="body" idx="1"/>
+          </p:nvPr>
+        </p:nvSpPr>
+        <p:spPr/>
         <p:txBody>
           <a:bodyPr/>
           <a:lstStyle/>
           <a:p>
-            <a:pPr lvl="0"/>
-            <a:endParaRPr/>
-          </a:p>
-        </p:txBody>
-      </p:sp>
-      <p:sp>
-        <p:nvSpPr>
-          <p:cNvPr id="78" name="Shape 78"/>
-          <p:cNvSpPr>
-            <a:spLocks noGrp="1"/>
-          </p:cNvSpPr>
-          <p:nvPr>
-            <p:ph type="body" sz="quarter" idx="1"/>
-          </p:nvPr>
-        </p:nvSpPr>
-        <p:spPr>
-          <a:prstGeom prst="rect">
-            <a:avLst/>
-          </a:prstGeom>
-        </p:spPr>
-        <p:txBody>
-          <a:bodyPr/>
-          <a:lstStyle/>
-          <a:p>
-            <a:pPr lvl="0" defTabSz="914400">
-              <a:lnSpc>
-                <a:spcPct val="100000"/>
-              </a:lnSpc>
-              <a:spcBef>
-                <a:spcPts val="800"/>
-              </a:spcBef>
-              <a:defRPr sz="1800"/>
+            <a:r>
+              <a:rPr lang="en-US" dirty="0"/>
+              <a:t>Why am</a:t>
+            </a:r>
+            <a:r>
+              <a:rPr lang="en-US" baseline="0" dirty="0"/>
+              <a:t> I doing this?</a:t>
+            </a:r>
+          </a:p>
+          <a:p>
+            <a:pPr marL="342900" indent="-342900">
+              <a:buFontTx/>
+              <a:buChar char="-"/>
             </a:pPr>
             <a:r>
-              <a:rPr sz="2300">
-                <a:latin typeface="Calibri"/>
-                <a:ea typeface="Calibri"/>
-                <a:cs typeface="Calibri"/>
-                <a:sym typeface="Calibri"/>
-              </a:rPr>
-              <a:t>Find the documentation for the </a:t>
-            </a:r>
-            <a:r>
-              <a:rPr sz="2300" b="1">
-                <a:latin typeface="Calibri"/>
-                <a:ea typeface="Calibri"/>
-                <a:cs typeface="Calibri"/>
-                <a:sym typeface="Calibri"/>
-              </a:rPr>
-              <a:t>String</a:t>
-            </a:r>
-            <a:r>
-              <a:rPr sz="2300">
-                <a:latin typeface="Calibri"/>
-                <a:ea typeface="Calibri"/>
-                <a:cs typeface="Calibri"/>
-                <a:sym typeface="Calibri"/>
-              </a:rPr>
-              <a:t> class from one of the above links, as follows:</a:t>
-            </a:r>
-            <a:endParaRPr sz="1200">
-              <a:latin typeface="Calibri"/>
-              <a:ea typeface="Calibri"/>
-              <a:cs typeface="Calibri"/>
-              <a:sym typeface="Calibri"/>
-            </a:endParaRPr>
-          </a:p>
-          <a:p>
-            <a:pPr lvl="0" defTabSz="914400">
-              <a:lnSpc>
-                <a:spcPct val="100000"/>
-              </a:lnSpc>
-              <a:spcBef>
-                <a:spcPts val="600"/>
-              </a:spcBef>
-              <a:buSzPct val="100000"/>
+              <a:rPr lang="en-US" baseline="0" dirty="0"/>
+              <a:t>I don’t like repeating myself, and laptops are distracting. When I allow them to be open throughout class, I end up repeating myself and have students who have no idea what’s going on. For example, one year, I had a student who, three weeks into the class said he didn’t know what the schedule page was… There was more going on, but he was never forced to watch what was going on. Also, I know how tempting it is to turn on a game in the middle of class… don’t, 1) you won’t get the most out of this class… 2) You’re not as fast as you think you are at switching out of that game!</a:t>
+            </a:r>
+          </a:p>
+          <a:p>
+            <a:pPr marL="342900" indent="-342900">
+              <a:buFontTx/>
               <a:buChar char="-"/>
-              <a:defRPr sz="1800"/>
             </a:pPr>
             <a:r>
-              <a:rPr sz="1900">
-                <a:latin typeface="Calibri"/>
-                <a:ea typeface="Calibri"/>
-                <a:cs typeface="Calibri"/>
-                <a:sym typeface="Calibri"/>
-              </a:rPr>
-              <a:t> Click </a:t>
-            </a:r>
-            <a:r>
-              <a:rPr sz="1900">
-                <a:solidFill>
-                  <a:srgbClr val="9BBB59"/>
-                </a:solidFill>
-                <a:latin typeface="Calibri"/>
-                <a:ea typeface="Calibri"/>
-                <a:cs typeface="Calibri"/>
-                <a:sym typeface="Calibri"/>
-              </a:rPr>
-              <a:t>java.lang</a:t>
-            </a:r>
-            <a:r>
-              <a:rPr sz="1900">
-                <a:latin typeface="Calibri"/>
-                <a:ea typeface="Calibri"/>
-                <a:cs typeface="Calibri"/>
-                <a:sym typeface="Calibri"/>
-              </a:rPr>
-              <a:t> in the top-left pane</a:t>
-            </a:r>
-            <a:endParaRPr sz="1200">
-              <a:latin typeface="Calibri"/>
-              <a:ea typeface="Calibri"/>
-              <a:cs typeface="Calibri"/>
-              <a:sym typeface="Calibri"/>
-            </a:endParaRPr>
-          </a:p>
-          <a:p>
-            <a:pPr lvl="0" defTabSz="914400">
-              <a:lnSpc>
-                <a:spcPct val="100000"/>
-              </a:lnSpc>
-              <a:spcBef>
-                <a:spcPts val="600"/>
-              </a:spcBef>
-              <a:buSzPct val="100000"/>
+              <a:rPr lang="en-US" dirty="0"/>
+              <a:t>We</a:t>
+            </a:r>
+            <a:r>
+              <a:rPr lang="en-US" baseline="0" dirty="0"/>
+              <a:t> will do a lot of live-coding, so you will need your laptops, and for those portions of the class, no problem! But during lecture, when we’re not live-coding, I’ll ask you to close / lower your laptop lids so I know I have your attention</a:t>
+            </a:r>
+          </a:p>
+          <a:p>
+            <a:pPr marL="342900" indent="-342900">
+              <a:buFontTx/>
               <a:buChar char="-"/>
-              <a:defRPr sz="1800"/>
             </a:pPr>
             <a:r>
-              <a:rPr sz="1900">
-                <a:latin typeface="Calibri"/>
-                <a:ea typeface="Calibri"/>
-                <a:cs typeface="Calibri"/>
-                <a:sym typeface="Calibri"/>
-              </a:rPr>
-              <a:t> Then click </a:t>
-            </a:r>
-            <a:r>
-              <a:rPr sz="1900">
-                <a:solidFill>
-                  <a:srgbClr val="9BBB59"/>
-                </a:solidFill>
-                <a:latin typeface="Calibri"/>
-                <a:ea typeface="Calibri"/>
-                <a:cs typeface="Calibri"/>
-                <a:sym typeface="Calibri"/>
-              </a:rPr>
-              <a:t>String</a:t>
-            </a:r>
-            <a:r>
-              <a:rPr sz="1900">
-                <a:latin typeface="Calibri"/>
-                <a:ea typeface="Calibri"/>
-                <a:cs typeface="Calibri"/>
-                <a:sym typeface="Calibri"/>
-              </a:rPr>
-              <a:t> in the bottom-left pane</a:t>
-            </a:r>
-            <a:endParaRPr sz="1200">
-              <a:latin typeface="Calibri"/>
-              <a:ea typeface="Calibri"/>
-              <a:cs typeface="Calibri"/>
-              <a:sym typeface="Calibri"/>
-            </a:endParaRPr>
-          </a:p>
-          <a:p>
-            <a:pPr lvl="0" defTabSz="914400">
-              <a:lnSpc>
-                <a:spcPct val="100000"/>
-              </a:lnSpc>
-              <a:spcBef>
-                <a:spcPts val="400"/>
-              </a:spcBef>
-              <a:defRPr sz="1800"/>
+              <a:rPr lang="en-US" baseline="0" dirty="0"/>
+              <a:t>Phones / other devices: I’m not blind, I can see you’re texting someone… You’re looking down, not up, easy to spot.</a:t>
+            </a:r>
+          </a:p>
+          <a:p>
+            <a:pPr marL="342900" indent="-342900">
+              <a:buFontTx/>
+              <a:buChar char="-"/>
             </a:pPr>
-            <a:endParaRPr sz="1200">
-              <a:latin typeface="Calibri"/>
-              <a:ea typeface="Calibri"/>
-              <a:cs typeface="Calibri"/>
-              <a:sym typeface="Calibri"/>
-            </a:endParaRPr>
-          </a:p>
-          <a:p>
-            <a:pPr lvl="0" defTabSz="914400">
-              <a:lnSpc>
-                <a:spcPct val="100000"/>
-              </a:lnSpc>
-              <a:spcBef>
-                <a:spcPts val="400"/>
-              </a:spcBef>
-              <a:defRPr sz="1800"/>
+            <a:r>
+              <a:rPr lang="en-US" baseline="0" dirty="0"/>
+              <a:t>Since we will open and close our laptops a lot, I’m okay if you only close it so you can’t see the screen, rather than all the way, but barely tilted doesn’t cut it.</a:t>
+            </a:r>
+          </a:p>
+          <a:p>
+            <a:pPr marL="342900" indent="-342900">
+              <a:buFontTx/>
+              <a:buChar char="-"/>
             </a:pPr>
             <a:r>
-              <a:rPr sz="1200">
-                <a:latin typeface="Calibri"/>
-                <a:ea typeface="Calibri"/>
-                <a:cs typeface="Calibri"/>
-                <a:sym typeface="Calibri"/>
-              </a:rPr>
-              <a:t>Describe the parts of the String API documentation:</a:t>
-            </a:r>
-          </a:p>
-          <a:p>
-            <a:pPr lvl="0" defTabSz="914400">
-              <a:lnSpc>
-                <a:spcPct val="100000"/>
-              </a:lnSpc>
-              <a:spcBef>
-                <a:spcPts val="400"/>
-              </a:spcBef>
-              <a:defRPr sz="1800"/>
+              <a:rPr lang="en-US" baseline="0" dirty="0"/>
+              <a:t>I know some people take notes on their laptops… If that’s you, I would ask that you come to my office after class and show me an example of the notes that you typically take on your laptop and I’ll make an exception. However, a lot of the notes taken in here should be on the daily quizzes, which we’ll get to shortly.</a:t>
+            </a:r>
+          </a:p>
+          <a:p>
+            <a:pPr marL="342900" indent="-342900">
+              <a:buFontTx/>
+              <a:buChar char="-"/>
             </a:pPr>
             <a:r>
-              <a:rPr sz="1200">
-                <a:latin typeface="Calibri"/>
-                <a:ea typeface="Calibri"/>
-                <a:cs typeface="Calibri"/>
-                <a:sym typeface="Calibri"/>
-              </a:rPr>
-              <a:t>- description of the class</a:t>
-            </a:r>
-          </a:p>
-          <a:p>
-            <a:pPr lvl="0" defTabSz="914400">
-              <a:lnSpc>
-                <a:spcPct val="100000"/>
-              </a:lnSpc>
-              <a:spcBef>
-                <a:spcPts val="400"/>
-              </a:spcBef>
-              <a:defRPr sz="1800"/>
+              <a:rPr lang="en-US" baseline="0" dirty="0"/>
+              <a:t>With all that said… please close (or at least lower) your laptop screens for the moment.</a:t>
+            </a:r>
+          </a:p>
+          <a:p>
+            <a:pPr marL="342900" indent="-342900">
+              <a:buFontTx/>
+              <a:buChar char="-"/>
             </a:pPr>
-            <a:r>
-              <a:rPr sz="1200">
-                <a:latin typeface="Calibri"/>
-                <a:ea typeface="Calibri"/>
-                <a:cs typeface="Calibri"/>
-                <a:sym typeface="Calibri"/>
-              </a:rPr>
-              <a:t>- summaries of all the fields, constructors, and method</a:t>
-            </a:r>
-          </a:p>
-          <a:p>
-            <a:pPr marL="162130" lvl="0" indent="-162130" defTabSz="914400">
-              <a:lnSpc>
-                <a:spcPct val="100000"/>
-              </a:lnSpc>
-              <a:spcBef>
-                <a:spcPts val="400"/>
-              </a:spcBef>
-              <a:buSzPct val="100000"/>
-              <a:buChar char="-"/>
-              <a:defRPr sz="1800"/>
-            </a:pPr>
-            <a:r>
-              <a:rPr sz="1200">
-                <a:latin typeface="Calibri"/>
-                <a:ea typeface="Calibri"/>
-                <a:cs typeface="Calibri"/>
-                <a:sym typeface="Calibri"/>
-              </a:rPr>
-              <a:t>detailed descriptions of everything</a:t>
-            </a:r>
+            <a:endParaRPr lang="en-US" dirty="0"/>
           </a:p>
         </p:txBody>
       </p:sp>
     </p:spTree>
     <p:extLst>
       <p:ext uri="{BB962C8B-B14F-4D97-AF65-F5344CB8AC3E}">
-        <p14:creationId xmlns:p14="http://schemas.microsoft.com/office/powerpoint/2010/main" val="1218477835"/>
+        <p14:creationId xmlns:p14="http://schemas.microsoft.com/office/powerpoint/2010/main" val="2751018994"/>
       </p:ext>
     </p:extLst>
   </p:cSld>
@@ -2068,7 +2462,7 @@
                 </a:solidFill>
               </a:rPr>
               <a:pPr/>
-              <a:t>8/28/2018</a:t>
+              <a:t>2/28/2020</a:t>
             </a:fld>
             <a:endParaRPr lang="en-US">
               <a:solidFill>
@@ -2268,7 +2662,7 @@
                 </a:solidFill>
               </a:rPr>
               <a:pPr/>
-              <a:t>8/28/2018</a:t>
+              <a:t>2/28/2020</a:t>
             </a:fld>
             <a:endParaRPr lang="en-US">
               <a:solidFill>
@@ -2545,7 +2939,7 @@
                 </a:solidFill>
               </a:rPr>
               <a:pPr/>
-              <a:t>8/28/2018</a:t>
+              <a:t>2/28/2020</a:t>
             </a:fld>
             <a:endParaRPr lang="en-US">
               <a:solidFill>
@@ -2806,7 +3200,7 @@
                 </a:solidFill>
               </a:rPr>
               <a:pPr/>
-              <a:t>8/28/2018</a:t>
+              <a:t>2/28/2020</a:t>
             </a:fld>
             <a:endParaRPr lang="en-US">
               <a:solidFill>
@@ -3202,7 +3596,7 @@
                 </a:solidFill>
               </a:rPr>
               <a:pPr/>
-              <a:t>8/28/2018</a:t>
+              <a:t>2/28/2020</a:t>
             </a:fld>
             <a:endParaRPr lang="en-US">
               <a:solidFill>
@@ -3351,7 +3745,7 @@
                 </a:solidFill>
               </a:rPr>
               <a:pPr/>
-              <a:t>8/28/2018</a:t>
+              <a:t>2/28/2020</a:t>
             </a:fld>
             <a:endParaRPr lang="en-US">
               <a:solidFill>
@@ -3478,7 +3872,7 @@
                 </a:solidFill>
               </a:rPr>
               <a:pPr/>
-              <a:t>8/28/2018</a:t>
+              <a:t>2/28/2020</a:t>
             </a:fld>
             <a:endParaRPr lang="en-US">
               <a:solidFill>
@@ -3785,7 +4179,7 @@
                 </a:solidFill>
               </a:rPr>
               <a:pPr/>
-              <a:t>8/28/2018</a:t>
+              <a:t>2/28/2020</a:t>
             </a:fld>
             <a:endParaRPr lang="en-US">
               <a:solidFill>
@@ -4069,7 +4463,7 @@
                 </a:solidFill>
               </a:rPr>
               <a:pPr/>
-              <a:t>8/28/2018</a:t>
+              <a:t>2/28/2020</a:t>
             </a:fld>
             <a:endParaRPr lang="en-US">
               <a:solidFill>
@@ -4416,7 +4810,7 @@
                 </a:solidFill>
               </a:rPr>
               <a:pPr/>
-              <a:t>8/28/2018</a:t>
+              <a:t>2/28/2020</a:t>
             </a:fld>
             <a:endParaRPr lang="en-US">
               <a:solidFill>
@@ -4626,7 +5020,7 @@
                 </a:solidFill>
               </a:rPr>
               <a:pPr/>
-              <a:t>8/28/2018</a:t>
+              <a:t>2/28/2020</a:t>
             </a:fld>
             <a:endParaRPr lang="en-US">
               <a:solidFill>
@@ -5737,7 +6131,7 @@
           </a:ln>
           <a:extLst>
             <a:ext uri="{C572A759-6A51-4108-AA02-DFA0A04FC94B}">
-              <ma14:wrappingTextBoxFlag xmlns:ma14="http://schemas.microsoft.com/office/mac/drawingml/2011/main" xmlns="" val="1"/>
+              <ma14:wrappingTextBoxFlag xmlns="" xmlns:ma14="http://schemas.microsoft.com/office/mac/drawingml/2011/main" val="1"/>
             </a:ext>
           </a:extLst>
         </p:spPr>
@@ -5780,7 +6174,7 @@
           </a:ln>
           <a:extLst>
             <a:ext uri="{C572A759-6A51-4108-AA02-DFA0A04FC94B}">
-              <ma14:wrappingTextBoxFlag xmlns:ma14="http://schemas.microsoft.com/office/mac/drawingml/2011/main" xmlns="" val="1"/>
+              <ma14:wrappingTextBoxFlag xmlns="" xmlns:ma14="http://schemas.microsoft.com/office/mac/drawingml/2011/main" val="1"/>
             </a:ext>
           </a:extLst>
         </p:spPr>
@@ -6369,7 +6763,7 @@
                 <a:sym typeface="Lucida Sans Unicode"/>
               </a:rPr>
               <a:pPr/>
-              <a:t>8/28/2018</a:t>
+              <a:t>2/28/2020</a:t>
             </a:fld>
             <a:endParaRPr lang="en-US">
               <a:solidFill>
@@ -6960,7 +7354,881 @@
 </file>
 
 <file path=ppt/slides/slide10.xml><?xml version="1.0" encoding="utf-8"?>
-<p:sld xmlns:a="http://schemas.openxmlformats.org/drawingml/2006/main" xmlns:r="http://schemas.openxmlformats.org/officeDocument/2006/relationships" xmlns:p="http://schemas.openxmlformats.org/presentationml/2006/main">
+<p:sld xmlns:a="http://schemas.openxmlformats.org/drawingml/2006/main" xmlns:r="http://schemas.openxmlformats.org/officeDocument/2006/relationships" xmlns:p="http://schemas.openxmlformats.org/presentationml/2006/main" show="0">
+  <p:cSld>
+    <p:spTree>
+      <p:nvGrpSpPr>
+        <p:cNvPr id="1" name=""/>
+        <p:cNvGrpSpPr/>
+        <p:nvPr/>
+      </p:nvGrpSpPr>
+      <p:grpSpPr>
+        <a:xfrm>
+          <a:off x="0" y="0"/>
+          <a:ext cx="0" cy="0"/>
+          <a:chOff x="0" y="0"/>
+          <a:chExt cx="0" cy="0"/>
+        </a:xfrm>
+      </p:grpSpPr>
+      <p:sp>
+        <p:nvSpPr>
+          <p:cNvPr id="2" name="Title 1"/>
+          <p:cNvSpPr>
+            <a:spLocks noGrp="1"/>
+          </p:cNvSpPr>
+          <p:nvPr>
+            <p:ph type="title"/>
+          </p:nvPr>
+        </p:nvSpPr>
+        <p:spPr/>
+        <p:txBody>
+          <a:bodyPr/>
+          <a:lstStyle/>
+          <a:p>
+            <a:r>
+              <a:rPr lang="en-US" dirty="0"/>
+              <a:t>Instructor Info</a:t>
+            </a:r>
+          </a:p>
+        </p:txBody>
+      </p:sp>
+      <p:sp>
+        <p:nvSpPr>
+          <p:cNvPr id="3" name="Text Placeholder 2"/>
+          <p:cNvSpPr>
+            <a:spLocks noGrp="1"/>
+          </p:cNvSpPr>
+          <p:nvPr>
+            <p:ph type="body" idx="1"/>
+          </p:nvPr>
+        </p:nvSpPr>
+        <p:spPr>
+          <a:xfrm>
+            <a:off x="457200" y="1447800"/>
+            <a:ext cx="8229600" cy="5257800"/>
+          </a:xfrm>
+        </p:spPr>
+        <p:txBody>
+          <a:bodyPr>
+            <a:normAutofit fontScale="92500" lnSpcReduction="10000"/>
+          </a:bodyPr>
+          <a:lstStyle/>
+          <a:p>
+            <a:r>
+              <a:rPr lang="en-US" dirty="0"/>
+              <a:t>Education</a:t>
+            </a:r>
+          </a:p>
+          <a:p>
+            <a:pPr lvl="1"/>
+            <a:r>
+              <a:rPr lang="en-US" dirty="0"/>
+              <a:t>Rose-</a:t>
+            </a:r>
+            <a:r>
+              <a:rPr lang="en-US" dirty="0" err="1"/>
+              <a:t>Hulman</a:t>
+            </a:r>
+            <a:r>
+              <a:rPr lang="en-US" dirty="0"/>
+              <a:t> Institute of Technology 2008</a:t>
+            </a:r>
+          </a:p>
+          <a:p>
+            <a:pPr lvl="2"/>
+            <a:r>
+              <a:rPr lang="en-US" dirty="0"/>
+              <a:t>B.S. in Computer Science and Software Engineering</a:t>
+            </a:r>
+          </a:p>
+          <a:p>
+            <a:r>
+              <a:rPr lang="en-US" dirty="0"/>
+              <a:t>Experience:</a:t>
+            </a:r>
+          </a:p>
+          <a:p>
+            <a:pPr lvl="1"/>
+            <a:r>
+              <a:rPr lang="en-US" dirty="0"/>
+              <a:t>Amadeus Consulting, 2008-2010</a:t>
+            </a:r>
+          </a:p>
+          <a:p>
+            <a:pPr lvl="1"/>
+            <a:r>
+              <a:rPr lang="en-US" dirty="0"/>
+              <a:t>Software Engineering Professionals (SEP), 2010-2014</a:t>
+            </a:r>
+          </a:p>
+          <a:p>
+            <a:pPr lvl="1"/>
+            <a:r>
+              <a:rPr lang="en-US" dirty="0"/>
+              <a:t>Stouder Software Consulting, LLC (2014-present)</a:t>
+            </a:r>
+          </a:p>
+          <a:p>
+            <a:pPr lvl="1"/>
+            <a:r>
+              <a:rPr lang="en-US" dirty="0"/>
+              <a:t>RHIT: Visiting Professor CSSE (2013-2016)</a:t>
+            </a:r>
+          </a:p>
+          <a:p>
+            <a:pPr marL="0" indent="0">
+              <a:buNone/>
+            </a:pPr>
+            <a:endParaRPr lang="en-US" dirty="0"/>
+          </a:p>
+        </p:txBody>
+      </p:sp>
+    </p:spTree>
+    <p:extLst>
+      <p:ext uri="{BB962C8B-B14F-4D97-AF65-F5344CB8AC3E}">
+        <p14:creationId xmlns:p14="http://schemas.microsoft.com/office/powerpoint/2010/main" val="662568383"/>
+      </p:ext>
+    </p:extLst>
+  </p:cSld>
+  <p:clrMapOvr>
+    <a:masterClrMapping/>
+  </p:clrMapOvr>
+  <p:transition spd="med"/>
+</p:sld>
+</file>
+
+<file path=ppt/slides/slide11.xml><?xml version="1.0" encoding="utf-8"?>
+<p:sld xmlns:a="http://schemas.openxmlformats.org/drawingml/2006/main" xmlns:r="http://schemas.openxmlformats.org/officeDocument/2006/relationships" xmlns:p="http://schemas.openxmlformats.org/presentationml/2006/main" show="0">
+  <p:cSld>
+    <p:spTree>
+      <p:nvGrpSpPr>
+        <p:cNvPr id="1" name=""/>
+        <p:cNvGrpSpPr/>
+        <p:nvPr/>
+      </p:nvGrpSpPr>
+      <p:grpSpPr>
+        <a:xfrm>
+          <a:off x="0" y="0"/>
+          <a:ext cx="0" cy="0"/>
+          <a:chOff x="0" y="0"/>
+          <a:chExt cx="0" cy="0"/>
+        </a:xfrm>
+      </p:grpSpPr>
+      <p:sp>
+        <p:nvSpPr>
+          <p:cNvPr id="2" name="Title 1"/>
+          <p:cNvSpPr>
+            <a:spLocks noGrp="1"/>
+          </p:cNvSpPr>
+          <p:nvPr>
+            <p:ph type="title"/>
+          </p:nvPr>
+        </p:nvSpPr>
+        <p:spPr/>
+        <p:txBody>
+          <a:bodyPr/>
+          <a:lstStyle/>
+          <a:p>
+            <a:r>
+              <a:rPr lang="en-US" dirty="0"/>
+              <a:t>Instructor Info</a:t>
+            </a:r>
+          </a:p>
+        </p:txBody>
+      </p:sp>
+      <p:sp>
+        <p:nvSpPr>
+          <p:cNvPr id="3" name="Text Placeholder 2"/>
+          <p:cNvSpPr>
+            <a:spLocks noGrp="1"/>
+          </p:cNvSpPr>
+          <p:nvPr>
+            <p:ph type="body" idx="1"/>
+          </p:nvPr>
+        </p:nvSpPr>
+        <p:spPr/>
+        <p:txBody>
+          <a:bodyPr/>
+          <a:lstStyle/>
+          <a:p>
+            <a:r>
+              <a:rPr lang="en-US" dirty="0"/>
+              <a:t>Office Hours:</a:t>
+            </a:r>
+          </a:p>
+          <a:p>
+            <a:pPr lvl="1"/>
+            <a:r>
+              <a:rPr lang="en-US" dirty="0"/>
+              <a:t>MWF 7:30am – 8:30am, 1:30pm – 4:30pm</a:t>
+            </a:r>
+          </a:p>
+          <a:p>
+            <a:pPr lvl="1"/>
+            <a:r>
+              <a:rPr lang="en-US" dirty="0"/>
+              <a:t>OFF CAMPUS: Tuesdays and Thursdays</a:t>
+            </a:r>
+          </a:p>
+          <a:p>
+            <a:pPr lvl="1"/>
+            <a:r>
+              <a:rPr lang="en-US" dirty="0"/>
+              <a:t>Always by my email!</a:t>
+            </a:r>
+          </a:p>
+          <a:p>
+            <a:pPr lvl="1"/>
+            <a:r>
+              <a:rPr lang="en-US" dirty="0"/>
+              <a:t>If you need a different time, email me and we’ll work something out</a:t>
+            </a:r>
+          </a:p>
+        </p:txBody>
+      </p:sp>
+    </p:spTree>
+    <p:extLst>
+      <p:ext uri="{BB962C8B-B14F-4D97-AF65-F5344CB8AC3E}">
+        <p14:creationId xmlns:p14="http://schemas.microsoft.com/office/powerpoint/2010/main" val="3139923198"/>
+      </p:ext>
+    </p:extLst>
+  </p:cSld>
+  <p:clrMapOvr>
+    <a:masterClrMapping/>
+  </p:clrMapOvr>
+  <p:transition spd="med"/>
+</p:sld>
+</file>
+
+<file path=ppt/slides/slide12.xml><?xml version="1.0" encoding="utf-8"?>
+<p:sld xmlns:a="http://schemas.openxmlformats.org/drawingml/2006/main" xmlns:r="http://schemas.openxmlformats.org/officeDocument/2006/relationships" xmlns:p="http://schemas.openxmlformats.org/presentationml/2006/main" show="0">
+  <p:cSld>
+    <p:spTree>
+      <p:nvGrpSpPr>
+        <p:cNvPr id="1" name=""/>
+        <p:cNvGrpSpPr/>
+        <p:nvPr/>
+      </p:nvGrpSpPr>
+      <p:grpSpPr>
+        <a:xfrm>
+          <a:off x="0" y="0"/>
+          <a:ext cx="0" cy="0"/>
+          <a:chOff x="0" y="0"/>
+          <a:chExt cx="0" cy="0"/>
+        </a:xfrm>
+      </p:grpSpPr>
+      <p:sp>
+        <p:nvSpPr>
+          <p:cNvPr id="2" name="Title 1"/>
+          <p:cNvSpPr>
+            <a:spLocks noGrp="1"/>
+          </p:cNvSpPr>
+          <p:nvPr>
+            <p:ph type="title"/>
+          </p:nvPr>
+        </p:nvSpPr>
+        <p:spPr/>
+        <p:txBody>
+          <a:bodyPr/>
+          <a:lstStyle/>
+          <a:p>
+            <a:r>
+              <a:rPr lang="en-US" dirty="0"/>
+              <a:t>Instructor Info</a:t>
+            </a:r>
+          </a:p>
+        </p:txBody>
+      </p:sp>
+      <p:sp>
+        <p:nvSpPr>
+          <p:cNvPr id="3" name="Text Placeholder 2"/>
+          <p:cNvSpPr>
+            <a:spLocks noGrp="1"/>
+          </p:cNvSpPr>
+          <p:nvPr>
+            <p:ph type="body" idx="1"/>
+          </p:nvPr>
+        </p:nvSpPr>
+        <p:spPr>
+          <a:xfrm>
+            <a:off x="445168" y="1295400"/>
+            <a:ext cx="8229600" cy="5257800"/>
+          </a:xfrm>
+        </p:spPr>
+        <p:txBody>
+          <a:bodyPr>
+            <a:normAutofit lnSpcReduction="10000"/>
+          </a:bodyPr>
+          <a:lstStyle/>
+          <a:p>
+            <a:r>
+              <a:rPr lang="en-US" dirty="0"/>
+              <a:t>Laptop Policy</a:t>
+            </a:r>
+          </a:p>
+          <a:p>
+            <a:pPr lvl="1"/>
+            <a:r>
+              <a:rPr lang="en-US" dirty="0"/>
+              <a:t>I’m trying something new this quarter</a:t>
+            </a:r>
+          </a:p>
+          <a:p>
+            <a:pPr lvl="1"/>
+            <a:r>
+              <a:rPr lang="en-US" dirty="0"/>
+              <a:t>Why?</a:t>
+            </a:r>
+          </a:p>
+          <a:p>
+            <a:pPr lvl="1"/>
+            <a:r>
+              <a:rPr lang="en-US" dirty="0"/>
+              <a:t>I will ask you to close/open laptops as we move through the class</a:t>
+            </a:r>
+          </a:p>
+          <a:p>
+            <a:pPr lvl="1"/>
+            <a:r>
+              <a:rPr lang="en-US" dirty="0"/>
+              <a:t>When closed, I need you to pay attention</a:t>
+            </a:r>
+          </a:p>
+          <a:p>
+            <a:pPr lvl="2"/>
+            <a:r>
+              <a:rPr lang="en-US" dirty="0"/>
+              <a:t>This also means no phones/other devices</a:t>
+            </a:r>
+          </a:p>
+          <a:p>
+            <a:pPr lvl="1"/>
+            <a:r>
+              <a:rPr lang="en-US" dirty="0"/>
+              <a:t>Closing far enough so you can’t see the screen is fine</a:t>
+            </a:r>
+          </a:p>
+          <a:p>
+            <a:pPr lvl="1"/>
+            <a:r>
+              <a:rPr lang="en-US" dirty="0"/>
+              <a:t>What if I take notes on my laptop?</a:t>
+            </a:r>
+          </a:p>
+        </p:txBody>
+      </p:sp>
+    </p:spTree>
+    <p:extLst>
+      <p:ext uri="{BB962C8B-B14F-4D97-AF65-F5344CB8AC3E}">
+        <p14:creationId xmlns:p14="http://schemas.microsoft.com/office/powerpoint/2010/main" val="123079383"/>
+      </p:ext>
+    </p:extLst>
+  </p:cSld>
+  <p:clrMapOvr>
+    <a:masterClrMapping/>
+  </p:clrMapOvr>
+  <p:transition spd="med"/>
+  <p:timing>
+    <p:tnLst>
+      <p:par>
+        <p:cTn id="1" dur="indefinite" restart="never" nodeType="tmRoot">
+          <p:childTnLst>
+            <p:seq concurrent="1" nextAc="seek">
+              <p:cTn id="2" dur="indefinite" nodeType="mainSeq">
+                <p:childTnLst>
+                  <p:par>
+                    <p:cTn id="3" fill="hold">
+                      <p:stCondLst>
+                        <p:cond delay="indefinite"/>
+                      </p:stCondLst>
+                      <p:childTnLst>
+                        <p:par>
+                          <p:cTn id="4" fill="hold">
+                            <p:stCondLst>
+                              <p:cond delay="0"/>
+                            </p:stCondLst>
+                            <p:childTnLst>
+                              <p:par>
+                                <p:cTn id="5" presetID="1" presetClass="entr" presetSubtype="0" fill="hold" nodeType="clickEffect">
+                                  <p:stCondLst>
+                                    <p:cond delay="0"/>
+                                  </p:stCondLst>
+                                  <p:childTnLst>
+                                    <p:set>
+                                      <p:cBhvr>
+                                        <p:cTn id="6" dur="1" fill="hold">
+                                          <p:stCondLst>
+                                            <p:cond delay="0"/>
+                                          </p:stCondLst>
+                                        </p:cTn>
+                                        <p:tgtEl>
+                                          <p:spTgt spid="3">
+                                            <p:txEl>
+                                              <p:pRg st="1" end="1"/>
+                                            </p:txEl>
+                                          </p:spTgt>
+                                        </p:tgtEl>
+                                        <p:attrNameLst>
+                                          <p:attrName>style.visibility</p:attrName>
+                                        </p:attrNameLst>
+                                      </p:cBhvr>
+                                      <p:to>
+                                        <p:strVal val="visible"/>
+                                      </p:to>
+                                    </p:set>
+                                  </p:childTnLst>
+                                </p:cTn>
+                              </p:par>
+                            </p:childTnLst>
+                          </p:cTn>
+                        </p:par>
+                      </p:childTnLst>
+                    </p:cTn>
+                  </p:par>
+                  <p:par>
+                    <p:cTn id="7" fill="hold">
+                      <p:stCondLst>
+                        <p:cond delay="indefinite"/>
+                      </p:stCondLst>
+                      <p:childTnLst>
+                        <p:par>
+                          <p:cTn id="8" fill="hold">
+                            <p:stCondLst>
+                              <p:cond delay="0"/>
+                            </p:stCondLst>
+                            <p:childTnLst>
+                              <p:par>
+                                <p:cTn id="9" presetID="1" presetClass="entr" presetSubtype="0" fill="hold" nodeType="clickEffect">
+                                  <p:stCondLst>
+                                    <p:cond delay="0"/>
+                                  </p:stCondLst>
+                                  <p:childTnLst>
+                                    <p:set>
+                                      <p:cBhvr>
+                                        <p:cTn id="10" dur="1" fill="hold">
+                                          <p:stCondLst>
+                                            <p:cond delay="0"/>
+                                          </p:stCondLst>
+                                        </p:cTn>
+                                        <p:tgtEl>
+                                          <p:spTgt spid="3">
+                                            <p:txEl>
+                                              <p:pRg st="2" end="2"/>
+                                            </p:txEl>
+                                          </p:spTgt>
+                                        </p:tgtEl>
+                                        <p:attrNameLst>
+                                          <p:attrName>style.visibility</p:attrName>
+                                        </p:attrNameLst>
+                                      </p:cBhvr>
+                                      <p:to>
+                                        <p:strVal val="visible"/>
+                                      </p:to>
+                                    </p:set>
+                                  </p:childTnLst>
+                                </p:cTn>
+                              </p:par>
+                            </p:childTnLst>
+                          </p:cTn>
+                        </p:par>
+                      </p:childTnLst>
+                    </p:cTn>
+                  </p:par>
+                  <p:par>
+                    <p:cTn id="11" fill="hold">
+                      <p:stCondLst>
+                        <p:cond delay="indefinite"/>
+                      </p:stCondLst>
+                      <p:childTnLst>
+                        <p:par>
+                          <p:cTn id="12" fill="hold">
+                            <p:stCondLst>
+                              <p:cond delay="0"/>
+                            </p:stCondLst>
+                            <p:childTnLst>
+                              <p:par>
+                                <p:cTn id="13" presetID="1" presetClass="entr" presetSubtype="0" fill="hold" nodeType="clickEffect">
+                                  <p:stCondLst>
+                                    <p:cond delay="0"/>
+                                  </p:stCondLst>
+                                  <p:childTnLst>
+                                    <p:set>
+                                      <p:cBhvr>
+                                        <p:cTn id="14" dur="1" fill="hold">
+                                          <p:stCondLst>
+                                            <p:cond delay="0"/>
+                                          </p:stCondLst>
+                                        </p:cTn>
+                                        <p:tgtEl>
+                                          <p:spTgt spid="3">
+                                            <p:txEl>
+                                              <p:pRg st="3" end="3"/>
+                                            </p:txEl>
+                                          </p:spTgt>
+                                        </p:tgtEl>
+                                        <p:attrNameLst>
+                                          <p:attrName>style.visibility</p:attrName>
+                                        </p:attrNameLst>
+                                      </p:cBhvr>
+                                      <p:to>
+                                        <p:strVal val="visible"/>
+                                      </p:to>
+                                    </p:set>
+                                  </p:childTnLst>
+                                </p:cTn>
+                              </p:par>
+                            </p:childTnLst>
+                          </p:cTn>
+                        </p:par>
+                      </p:childTnLst>
+                    </p:cTn>
+                  </p:par>
+                  <p:par>
+                    <p:cTn id="15" fill="hold">
+                      <p:stCondLst>
+                        <p:cond delay="indefinite"/>
+                      </p:stCondLst>
+                      <p:childTnLst>
+                        <p:par>
+                          <p:cTn id="16" fill="hold">
+                            <p:stCondLst>
+                              <p:cond delay="0"/>
+                            </p:stCondLst>
+                            <p:childTnLst>
+                              <p:par>
+                                <p:cTn id="17" presetID="1" presetClass="entr" presetSubtype="0" fill="hold" nodeType="clickEffect">
+                                  <p:stCondLst>
+                                    <p:cond delay="0"/>
+                                  </p:stCondLst>
+                                  <p:childTnLst>
+                                    <p:set>
+                                      <p:cBhvr>
+                                        <p:cTn id="18" dur="1" fill="hold">
+                                          <p:stCondLst>
+                                            <p:cond delay="0"/>
+                                          </p:stCondLst>
+                                        </p:cTn>
+                                        <p:tgtEl>
+                                          <p:spTgt spid="3">
+                                            <p:txEl>
+                                              <p:pRg st="4" end="4"/>
+                                            </p:txEl>
+                                          </p:spTgt>
+                                        </p:tgtEl>
+                                        <p:attrNameLst>
+                                          <p:attrName>style.visibility</p:attrName>
+                                        </p:attrNameLst>
+                                      </p:cBhvr>
+                                      <p:to>
+                                        <p:strVal val="visible"/>
+                                      </p:to>
+                                    </p:set>
+                                  </p:childTnLst>
+                                </p:cTn>
+                              </p:par>
+                            </p:childTnLst>
+                          </p:cTn>
+                        </p:par>
+                      </p:childTnLst>
+                    </p:cTn>
+                  </p:par>
+                  <p:par>
+                    <p:cTn id="19" fill="hold">
+                      <p:stCondLst>
+                        <p:cond delay="indefinite"/>
+                      </p:stCondLst>
+                      <p:childTnLst>
+                        <p:par>
+                          <p:cTn id="20" fill="hold">
+                            <p:stCondLst>
+                              <p:cond delay="0"/>
+                            </p:stCondLst>
+                            <p:childTnLst>
+                              <p:par>
+                                <p:cTn id="21" presetID="1" presetClass="entr" presetSubtype="0" fill="hold" nodeType="clickEffect">
+                                  <p:stCondLst>
+                                    <p:cond delay="0"/>
+                                  </p:stCondLst>
+                                  <p:childTnLst>
+                                    <p:set>
+                                      <p:cBhvr>
+                                        <p:cTn id="22" dur="1" fill="hold">
+                                          <p:stCondLst>
+                                            <p:cond delay="0"/>
+                                          </p:stCondLst>
+                                        </p:cTn>
+                                        <p:tgtEl>
+                                          <p:spTgt spid="3">
+                                            <p:txEl>
+                                              <p:pRg st="5" end="5"/>
+                                            </p:txEl>
+                                          </p:spTgt>
+                                        </p:tgtEl>
+                                        <p:attrNameLst>
+                                          <p:attrName>style.visibility</p:attrName>
+                                        </p:attrNameLst>
+                                      </p:cBhvr>
+                                      <p:to>
+                                        <p:strVal val="visible"/>
+                                      </p:to>
+                                    </p:set>
+                                  </p:childTnLst>
+                                </p:cTn>
+                              </p:par>
+                            </p:childTnLst>
+                          </p:cTn>
+                        </p:par>
+                      </p:childTnLst>
+                    </p:cTn>
+                  </p:par>
+                  <p:par>
+                    <p:cTn id="23" fill="hold">
+                      <p:stCondLst>
+                        <p:cond delay="indefinite"/>
+                      </p:stCondLst>
+                      <p:childTnLst>
+                        <p:par>
+                          <p:cTn id="24" fill="hold">
+                            <p:stCondLst>
+                              <p:cond delay="0"/>
+                            </p:stCondLst>
+                            <p:childTnLst>
+                              <p:par>
+                                <p:cTn id="25" presetID="1" presetClass="entr" presetSubtype="0" fill="hold" nodeType="clickEffect">
+                                  <p:stCondLst>
+                                    <p:cond delay="0"/>
+                                  </p:stCondLst>
+                                  <p:childTnLst>
+                                    <p:set>
+                                      <p:cBhvr>
+                                        <p:cTn id="26" dur="1" fill="hold">
+                                          <p:stCondLst>
+                                            <p:cond delay="0"/>
+                                          </p:stCondLst>
+                                        </p:cTn>
+                                        <p:tgtEl>
+                                          <p:spTgt spid="3">
+                                            <p:txEl>
+                                              <p:pRg st="6" end="6"/>
+                                            </p:txEl>
+                                          </p:spTgt>
+                                        </p:tgtEl>
+                                        <p:attrNameLst>
+                                          <p:attrName>style.visibility</p:attrName>
+                                        </p:attrNameLst>
+                                      </p:cBhvr>
+                                      <p:to>
+                                        <p:strVal val="visible"/>
+                                      </p:to>
+                                    </p:set>
+                                  </p:childTnLst>
+                                </p:cTn>
+                              </p:par>
+                            </p:childTnLst>
+                          </p:cTn>
+                        </p:par>
+                      </p:childTnLst>
+                    </p:cTn>
+                  </p:par>
+                  <p:par>
+                    <p:cTn id="27" fill="hold">
+                      <p:stCondLst>
+                        <p:cond delay="indefinite"/>
+                      </p:stCondLst>
+                      <p:childTnLst>
+                        <p:par>
+                          <p:cTn id="28" fill="hold">
+                            <p:stCondLst>
+                              <p:cond delay="0"/>
+                            </p:stCondLst>
+                            <p:childTnLst>
+                              <p:par>
+                                <p:cTn id="29" presetID="1" presetClass="entr" presetSubtype="0" fill="hold" nodeType="clickEffect">
+                                  <p:stCondLst>
+                                    <p:cond delay="0"/>
+                                  </p:stCondLst>
+                                  <p:childTnLst>
+                                    <p:set>
+                                      <p:cBhvr>
+                                        <p:cTn id="30" dur="1" fill="hold">
+                                          <p:stCondLst>
+                                            <p:cond delay="0"/>
+                                          </p:stCondLst>
+                                        </p:cTn>
+                                        <p:tgtEl>
+                                          <p:spTgt spid="3">
+                                            <p:txEl>
+                                              <p:pRg st="7" end="7"/>
+                                            </p:txEl>
+                                          </p:spTgt>
+                                        </p:tgtEl>
+                                        <p:attrNameLst>
+                                          <p:attrName>style.visibility</p:attrName>
+                                        </p:attrNameLst>
+                                      </p:cBhvr>
+                                      <p:to>
+                                        <p:strVal val="visible"/>
+                                      </p:to>
+                                    </p:set>
+                                  </p:childTnLst>
+                                </p:cTn>
+                              </p:par>
+                            </p:childTnLst>
+                          </p:cTn>
+                        </p:par>
+                      </p:childTnLst>
+                    </p:cTn>
+                  </p:par>
+                </p:childTnLst>
+              </p:cTn>
+              <p:prevCondLst>
+                <p:cond evt="onPrev" delay="0">
+                  <p:tgtEl>
+                    <p:sldTgt/>
+                  </p:tgtEl>
+                </p:cond>
+              </p:prevCondLst>
+              <p:nextCondLst>
+                <p:cond evt="onNext" delay="0">
+                  <p:tgtEl>
+                    <p:sldTgt/>
+                  </p:tgtEl>
+                </p:cond>
+              </p:nextCondLst>
+            </p:seq>
+          </p:childTnLst>
+        </p:cTn>
+      </p:par>
+    </p:tnLst>
+  </p:timing>
+</p:sld>
+</file>
+
+<file path=ppt/slides/slide13.xml><?xml version="1.0" encoding="utf-8"?>
+<p:sld xmlns:a="http://schemas.openxmlformats.org/drawingml/2006/main" xmlns:r="http://schemas.openxmlformats.org/officeDocument/2006/relationships" xmlns:p="http://schemas.openxmlformats.org/presentationml/2006/main" show="0">
+  <p:cSld>
+    <p:spTree>
+      <p:nvGrpSpPr>
+        <p:cNvPr id="1" name=""/>
+        <p:cNvGrpSpPr/>
+        <p:nvPr/>
+      </p:nvGrpSpPr>
+      <p:grpSpPr>
+        <a:xfrm>
+          <a:off x="0" y="0"/>
+          <a:ext cx="0" cy="0"/>
+          <a:chOff x="0" y="0"/>
+          <a:chExt cx="0" cy="0"/>
+        </a:xfrm>
+      </p:grpSpPr>
+      <p:sp>
+        <p:nvSpPr>
+          <p:cNvPr id="2" name="Title 1"/>
+          <p:cNvSpPr>
+            <a:spLocks noGrp="1"/>
+          </p:cNvSpPr>
+          <p:nvPr>
+            <p:ph type="title"/>
+          </p:nvPr>
+        </p:nvSpPr>
+        <p:spPr/>
+        <p:txBody>
+          <a:bodyPr/>
+          <a:lstStyle/>
+          <a:p>
+            <a:r>
+              <a:rPr lang="en-US" dirty="0"/>
+              <a:t>Instructor Info</a:t>
+            </a:r>
+          </a:p>
+        </p:txBody>
+      </p:sp>
+      <p:sp>
+        <p:nvSpPr>
+          <p:cNvPr id="3" name="Text Placeholder 2"/>
+          <p:cNvSpPr>
+            <a:spLocks noGrp="1"/>
+          </p:cNvSpPr>
+          <p:nvPr>
+            <p:ph type="body" idx="1"/>
+          </p:nvPr>
+        </p:nvSpPr>
+        <p:spPr>
+          <a:xfrm>
+            <a:off x="457200" y="1219200"/>
+            <a:ext cx="8229600" cy="5410200"/>
+          </a:xfrm>
+        </p:spPr>
+        <p:txBody>
+          <a:bodyPr lIns="45719" rIns="45719" anchor="t">
+            <a:normAutofit/>
+          </a:bodyPr>
+          <a:lstStyle/>
+          <a:p>
+            <a:r>
+              <a:rPr lang="en-US" dirty="0"/>
+              <a:t>Mike Hewner</a:t>
+            </a:r>
+          </a:p>
+          <a:p>
+            <a:pPr marL="783590" lvl="1" indent="-326390"/>
+            <a:r>
+              <a:rPr lang="en-US" dirty="0"/>
+              <a:t>Call me Buffalo</a:t>
+            </a:r>
+          </a:p>
+          <a:p>
+            <a:r>
+              <a:rPr lang="en-US" dirty="0"/>
+              <a:t>I love object oriented programming &amp; weird programming languages</a:t>
+            </a:r>
+          </a:p>
+          <a:p>
+            <a:r>
+              <a:rPr lang="en-US" dirty="0"/>
+              <a:t>I’ve worked at Amazon, </a:t>
+            </a:r>
+            <a:r>
+              <a:rPr lang="en-US" dirty="0" err="1"/>
+              <a:t>GroupOn</a:t>
+            </a:r>
+            <a:r>
+              <a:rPr lang="en-US" dirty="0"/>
+              <a:t>, Progressive Insurance, and many other places</a:t>
+            </a:r>
+          </a:p>
+          <a:p>
+            <a:r>
+              <a:rPr lang="en-US" dirty="0"/>
+              <a:t>Contact info on the course </a:t>
+            </a:r>
+            <a:r>
+              <a:rPr lang="en-US" dirty="0" err="1"/>
+              <a:t>polcies</a:t>
+            </a:r>
+            <a:r>
+              <a:rPr lang="en-US" dirty="0"/>
+              <a:t> document</a:t>
+            </a:r>
+          </a:p>
+        </p:txBody>
+      </p:sp>
+    </p:spTree>
+    <p:extLst>
+      <p:ext uri="{BB962C8B-B14F-4D97-AF65-F5344CB8AC3E}">
+        <p14:creationId xmlns:p14="http://schemas.microsoft.com/office/powerpoint/2010/main" val="2563842827"/>
+      </p:ext>
+    </p:extLst>
+  </p:cSld>
+  <p:clrMapOvr>
+    <a:masterClrMapping/>
+  </p:clrMapOvr>
+  <p:transition spd="med"/>
+</p:sld>
+</file>
+
+<file path=ppt/slides/slide14.xml><?xml version="1.0" encoding="utf-8"?>
+<p:sld xmlns:a="http://schemas.openxmlformats.org/drawingml/2006/main" xmlns:r="http://schemas.openxmlformats.org/officeDocument/2006/relationships" xmlns:p="http://schemas.openxmlformats.org/presentationml/2006/main" show="0">
   <p:cSld>
     <p:spTree>
       <p:nvGrpSpPr>
@@ -7743,7 +9011,7 @@
 </p:sld>
 </file>
 
-<file path=ppt/slides/slide11.xml><?xml version="1.0" encoding="utf-8"?>
+<file path=ppt/slides/slide15.xml><?xml version="1.0" encoding="utf-8"?>
 <p:sld xmlns:a="http://schemas.openxmlformats.org/drawingml/2006/main" xmlns:r="http://schemas.openxmlformats.org/officeDocument/2006/relationships" xmlns:p="http://schemas.openxmlformats.org/presentationml/2006/main" show="0">
   <p:cSld>
     <p:spTree>
@@ -7845,7 +9113,7 @@
 </p:sld>
 </file>
 
-<file path=ppt/slides/slide12.xml><?xml version="1.0" encoding="utf-8"?>
+<file path=ppt/slides/slide16.xml><?xml version="1.0" encoding="utf-8"?>
 <p:sld xmlns:a="http://schemas.openxmlformats.org/drawingml/2006/main" xmlns:r="http://schemas.openxmlformats.org/officeDocument/2006/relationships" xmlns:p="http://schemas.openxmlformats.org/presentationml/2006/main" show="0">
   <p:cSld>
     <p:spTree>
@@ -7927,7 +9195,7 @@
 </p:sld>
 </file>
 
-<file path=ppt/slides/slide13.xml><?xml version="1.0" encoding="utf-8"?>
+<file path=ppt/slides/slide17.xml><?xml version="1.0" encoding="utf-8"?>
 <p:sld xmlns:a="http://schemas.openxmlformats.org/drawingml/2006/main" xmlns:r="http://schemas.openxmlformats.org/officeDocument/2006/relationships" xmlns:p="http://schemas.openxmlformats.org/presentationml/2006/main" show="0">
   <p:cSld>
     <p:spTree>
@@ -8026,7 +9294,7 @@
 </p:sld>
 </file>
 
-<file path=ppt/slides/slide14.xml><?xml version="1.0" encoding="utf-8"?>
+<file path=ppt/slides/slide18.xml><?xml version="1.0" encoding="utf-8"?>
 <p:sld xmlns:a="http://schemas.openxmlformats.org/drawingml/2006/main" xmlns:r="http://schemas.openxmlformats.org/officeDocument/2006/relationships" xmlns:p="http://schemas.openxmlformats.org/presentationml/2006/main" show="0">
   <p:cSld>
     <p:spTree>
@@ -8125,7 +9393,7 @@
 </p:sld>
 </file>
 
-<file path=ppt/slides/slide15.xml><?xml version="1.0" encoding="utf-8"?>
+<file path=ppt/slides/slide19.xml><?xml version="1.0" encoding="utf-8"?>
 <p:sld xmlns:a="http://schemas.openxmlformats.org/drawingml/2006/main" xmlns:r="http://schemas.openxmlformats.org/officeDocument/2006/relationships" xmlns:p="http://schemas.openxmlformats.org/presentationml/2006/main" show="0">
   <p:cSld>
     <p:spTree>
@@ -8221,545 +9489,6 @@
 </p:sld>
 </file>
 
-<file path=ppt/slides/slide16.xml><?xml version="1.0" encoding="utf-8"?>
-<p:sld xmlns:a="http://schemas.openxmlformats.org/drawingml/2006/main" xmlns:r="http://schemas.openxmlformats.org/officeDocument/2006/relationships" xmlns:p="http://schemas.openxmlformats.org/presentationml/2006/main" show="0">
-  <p:cSld>
-    <p:spTree>
-      <p:nvGrpSpPr>
-        <p:cNvPr id="1" name=""/>
-        <p:cNvGrpSpPr/>
-        <p:nvPr/>
-      </p:nvGrpSpPr>
-      <p:grpSpPr>
-        <a:xfrm>
-          <a:off x="0" y="0"/>
-          <a:ext cx="0" cy="0"/>
-          <a:chOff x="0" y="0"/>
-          <a:chExt cx="0" cy="0"/>
-        </a:xfrm>
-      </p:grpSpPr>
-      <p:sp>
-        <p:nvSpPr>
-          <p:cNvPr id="2" name="Title 1"/>
-          <p:cNvSpPr>
-            <a:spLocks noGrp="1"/>
-          </p:cNvSpPr>
-          <p:nvPr>
-            <p:ph type="title"/>
-          </p:nvPr>
-        </p:nvSpPr>
-        <p:spPr/>
-        <p:txBody>
-          <a:bodyPr/>
-          <a:lstStyle/>
-          <a:p>
-            <a:r>
-              <a:rPr lang="en-US" dirty="0"/>
-              <a:t>Instructor Info (continued)</a:t>
-            </a:r>
-          </a:p>
-        </p:txBody>
-      </p:sp>
-      <p:sp>
-        <p:nvSpPr>
-          <p:cNvPr id="3" name="Text Placeholder 2"/>
-          <p:cNvSpPr>
-            <a:spLocks noGrp="1"/>
-          </p:cNvSpPr>
-          <p:nvPr>
-            <p:ph type="body" idx="1"/>
-          </p:nvPr>
-        </p:nvSpPr>
-        <p:spPr>
-          <a:xfrm>
-            <a:off x="457200" y="1371600"/>
-            <a:ext cx="8229600" cy="5486400"/>
-          </a:xfrm>
-        </p:spPr>
-        <p:txBody>
-          <a:bodyPr/>
-          <a:lstStyle/>
-          <a:p>
-            <a:r>
-              <a:rPr lang="en-US" dirty="0"/>
-              <a:t>On Campus every day</a:t>
-            </a:r>
-          </a:p>
-          <a:p>
-            <a:pPr lvl="1"/>
-            <a:r>
-              <a:rPr lang="en-US" dirty="0"/>
-              <a:t>Office Hours (F203)</a:t>
-            </a:r>
-          </a:p>
-          <a:p>
-            <a:pPr lvl="2"/>
-            <a:r>
-              <a:rPr lang="is-IS" dirty="0"/>
-              <a:t>…</a:t>
-            </a:r>
-            <a:endParaRPr lang="en-US" dirty="0"/>
-          </a:p>
-          <a:p>
-            <a:pPr lvl="1"/>
-            <a:r>
-              <a:rPr lang="en-US" dirty="0"/>
-              <a:t>Email – </a:t>
-            </a:r>
-            <a:r>
-              <a:rPr lang="en-US" dirty="0" err="1"/>
-              <a:t>wilkin@rose-hulman.edu</a:t>
-            </a:r>
-            <a:endParaRPr lang="en-US" dirty="0"/>
-          </a:p>
-          <a:p>
-            <a:pPr lvl="1"/>
-            <a:r>
-              <a:rPr lang="en-US" dirty="0"/>
-              <a:t>If you need another time, let me know and I’ll do my best</a:t>
-            </a:r>
-          </a:p>
-          <a:p>
-            <a:endParaRPr lang="en-US" dirty="0"/>
-          </a:p>
-        </p:txBody>
-      </p:sp>
-    </p:spTree>
-    <p:extLst>
-      <p:ext uri="{BB962C8B-B14F-4D97-AF65-F5344CB8AC3E}">
-        <p14:creationId xmlns:p14="http://schemas.microsoft.com/office/powerpoint/2010/main" val="4067268553"/>
-      </p:ext>
-    </p:extLst>
-  </p:cSld>
-  <p:clrMapOvr>
-    <a:masterClrMapping/>
-  </p:clrMapOvr>
-  <p:transition spd="med"/>
-</p:sld>
-</file>
-
-<file path=ppt/slides/slide17.xml><?xml version="1.0" encoding="utf-8"?>
-<p:sld xmlns:a="http://schemas.openxmlformats.org/drawingml/2006/main" xmlns:r="http://schemas.openxmlformats.org/officeDocument/2006/relationships" xmlns:p="http://schemas.openxmlformats.org/presentationml/2006/main" show="0">
-  <p:cSld>
-    <p:spTree>
-      <p:nvGrpSpPr>
-        <p:cNvPr id="1" name=""/>
-        <p:cNvGrpSpPr/>
-        <p:nvPr/>
-      </p:nvGrpSpPr>
-      <p:grpSpPr>
-        <a:xfrm>
-          <a:off x="0" y="0"/>
-          <a:ext cx="0" cy="0"/>
-          <a:chOff x="0" y="0"/>
-          <a:chExt cx="0" cy="0"/>
-        </a:xfrm>
-      </p:grpSpPr>
-      <p:sp>
-        <p:nvSpPr>
-          <p:cNvPr id="2" name="Title 1"/>
-          <p:cNvSpPr>
-            <a:spLocks noGrp="1"/>
-          </p:cNvSpPr>
-          <p:nvPr>
-            <p:ph type="title"/>
-          </p:nvPr>
-        </p:nvSpPr>
-        <p:spPr/>
-        <p:txBody>
-          <a:bodyPr/>
-          <a:lstStyle/>
-          <a:p>
-            <a:r>
-              <a:rPr lang="en-US" dirty="0"/>
-              <a:t>Instructor Info</a:t>
-            </a:r>
-          </a:p>
-        </p:txBody>
-      </p:sp>
-      <p:sp>
-        <p:nvSpPr>
-          <p:cNvPr id="3" name="Text Placeholder 2"/>
-          <p:cNvSpPr>
-            <a:spLocks noGrp="1"/>
-          </p:cNvSpPr>
-          <p:nvPr>
-            <p:ph type="body" idx="1"/>
-          </p:nvPr>
-        </p:nvSpPr>
-        <p:spPr>
-          <a:xfrm>
-            <a:off x="457200" y="1219200"/>
-            <a:ext cx="8229600" cy="5410200"/>
-          </a:xfrm>
-        </p:spPr>
-        <p:txBody>
-          <a:bodyPr>
-            <a:normAutofit/>
-          </a:bodyPr>
-          <a:lstStyle/>
-          <a:p>
-            <a:r>
-              <a:rPr lang="en-US" dirty="0" err="1"/>
-              <a:t>Delvin</a:t>
-            </a:r>
-            <a:r>
-              <a:rPr lang="en-US" dirty="0"/>
-              <a:t> Defoe</a:t>
-            </a:r>
-          </a:p>
-          <a:p>
-            <a:pPr lvl="1"/>
-            <a:r>
-              <a:rPr lang="en-US" dirty="0"/>
-              <a:t>PhD, Washington University in St Louis 2007</a:t>
-            </a:r>
-          </a:p>
-          <a:p>
-            <a:pPr lvl="1"/>
-            <a:r>
-              <a:rPr lang="en-US" dirty="0"/>
-              <a:t>Computer Science and Engineering</a:t>
-            </a:r>
-          </a:p>
-          <a:p>
-            <a:r>
-              <a:rPr lang="en-US" dirty="0"/>
-              <a:t>Tenured Associate Professor</a:t>
-            </a:r>
-          </a:p>
-          <a:p>
-            <a:pPr lvl="1"/>
-            <a:r>
-              <a:rPr lang="en-US" dirty="0"/>
-              <a:t>Fall 2013</a:t>
-            </a:r>
-          </a:p>
-          <a:p>
-            <a:r>
-              <a:rPr lang="en-US" dirty="0"/>
-              <a:t>SEP</a:t>
-            </a:r>
-          </a:p>
-          <a:p>
-            <a:pPr lvl="1"/>
-            <a:r>
-              <a:rPr lang="en-US" dirty="0"/>
-              <a:t>June 2014 – July 2015</a:t>
-            </a:r>
-          </a:p>
-          <a:p>
-            <a:r>
-              <a:rPr lang="en-US" dirty="0"/>
-              <a:t>Christian</a:t>
-            </a:r>
-          </a:p>
-          <a:p>
-            <a:pPr lvl="1"/>
-            <a:r>
-              <a:rPr lang="en-US" dirty="0" err="1"/>
-              <a:t>Knightsville</a:t>
-            </a:r>
-            <a:r>
-              <a:rPr lang="en-US" dirty="0"/>
-              <a:t> Church of Christ</a:t>
-            </a:r>
-          </a:p>
-        </p:txBody>
-      </p:sp>
-    </p:spTree>
-    <p:extLst>
-      <p:ext uri="{BB962C8B-B14F-4D97-AF65-F5344CB8AC3E}">
-        <p14:creationId xmlns:p14="http://schemas.microsoft.com/office/powerpoint/2010/main" val="988910055"/>
-      </p:ext>
-    </p:extLst>
-  </p:cSld>
-  <p:clrMapOvr>
-    <a:masterClrMapping/>
-  </p:clrMapOvr>
-  <p:transition spd="med"/>
-</p:sld>
-</file>
-
-<file path=ppt/slides/slide18.xml><?xml version="1.0" encoding="utf-8"?>
-<p:sld xmlns:a="http://schemas.openxmlformats.org/drawingml/2006/main" xmlns:r="http://schemas.openxmlformats.org/officeDocument/2006/relationships" xmlns:p="http://schemas.openxmlformats.org/presentationml/2006/main" show="0">
-  <p:cSld>
-    <p:spTree>
-      <p:nvGrpSpPr>
-        <p:cNvPr id="1" name=""/>
-        <p:cNvGrpSpPr/>
-        <p:nvPr/>
-      </p:nvGrpSpPr>
-      <p:grpSpPr>
-        <a:xfrm>
-          <a:off x="0" y="0"/>
-          <a:ext cx="0" cy="0"/>
-          <a:chOff x="0" y="0"/>
-          <a:chExt cx="0" cy="0"/>
-        </a:xfrm>
-      </p:grpSpPr>
-      <p:sp>
-        <p:nvSpPr>
-          <p:cNvPr id="2" name="Title 1"/>
-          <p:cNvSpPr>
-            <a:spLocks noGrp="1"/>
-          </p:cNvSpPr>
-          <p:nvPr>
-            <p:ph type="title"/>
-          </p:nvPr>
-        </p:nvSpPr>
-        <p:spPr/>
-        <p:txBody>
-          <a:bodyPr/>
-          <a:lstStyle/>
-          <a:p>
-            <a:r>
-              <a:rPr lang="en-US" dirty="0"/>
-              <a:t>Instructor Info (continued)</a:t>
-            </a:r>
-          </a:p>
-        </p:txBody>
-      </p:sp>
-      <p:sp>
-        <p:nvSpPr>
-          <p:cNvPr id="3" name="Text Placeholder 2"/>
-          <p:cNvSpPr>
-            <a:spLocks noGrp="1"/>
-          </p:cNvSpPr>
-          <p:nvPr>
-            <p:ph type="body" idx="1"/>
-          </p:nvPr>
-        </p:nvSpPr>
-        <p:spPr>
-          <a:xfrm>
-            <a:off x="457200" y="1371600"/>
-            <a:ext cx="8229600" cy="5486400"/>
-          </a:xfrm>
-        </p:spPr>
-        <p:txBody>
-          <a:bodyPr/>
-          <a:lstStyle/>
-          <a:p>
-            <a:r>
-              <a:rPr lang="en-US" dirty="0"/>
-              <a:t>On Campus Mon., Tues., </a:t>
-            </a:r>
-            <a:r>
-              <a:rPr lang="en-US" dirty="0" err="1"/>
-              <a:t>Wednes</a:t>
-            </a:r>
-            <a:r>
-              <a:rPr lang="en-US" dirty="0"/>
-              <a:t>., Fri.</a:t>
-            </a:r>
-          </a:p>
-          <a:p>
-            <a:pPr lvl="1"/>
-            <a:r>
-              <a:rPr lang="en-US" dirty="0"/>
-              <a:t>Office Hours (M240D)</a:t>
-            </a:r>
-          </a:p>
-          <a:p>
-            <a:pPr lvl="2"/>
-            <a:r>
-              <a:rPr lang="en-US" dirty="0"/>
-              <a:t>See my schedule page </a:t>
-            </a:r>
-          </a:p>
-          <a:p>
-            <a:pPr lvl="2"/>
-            <a:r>
-              <a:rPr lang="en-US" dirty="0"/>
-              <a:t>http://</a:t>
-            </a:r>
-            <a:r>
-              <a:rPr lang="en-US" dirty="0" err="1"/>
-              <a:t>www.rose-hulman.edu</a:t>
-            </a:r>
-            <a:r>
-              <a:rPr lang="en-US" dirty="0"/>
-              <a:t>/~</a:t>
-            </a:r>
-            <a:r>
-              <a:rPr lang="en-US" dirty="0" err="1"/>
-              <a:t>defoe</a:t>
-            </a:r>
-            <a:r>
-              <a:rPr lang="en-US" dirty="0"/>
-              <a:t>/</a:t>
-            </a:r>
-            <a:r>
-              <a:rPr lang="en-US" dirty="0" err="1"/>
-              <a:t>schedule.html</a:t>
-            </a:r>
-            <a:endParaRPr lang="en-US" dirty="0"/>
-          </a:p>
-          <a:p>
-            <a:pPr lvl="1"/>
-            <a:r>
-              <a:rPr lang="en-US" dirty="0"/>
-              <a:t>Email – Always by my phone/computer</a:t>
-            </a:r>
-          </a:p>
-          <a:p>
-            <a:pPr lvl="1"/>
-            <a:r>
-              <a:rPr lang="en-US" dirty="0"/>
-              <a:t>If you need another time, let me know and I’ll do my best</a:t>
-            </a:r>
-          </a:p>
-          <a:p>
-            <a:endParaRPr lang="en-US" dirty="0"/>
-          </a:p>
-        </p:txBody>
-      </p:sp>
-    </p:spTree>
-    <p:extLst>
-      <p:ext uri="{BB962C8B-B14F-4D97-AF65-F5344CB8AC3E}">
-        <p14:creationId xmlns:p14="http://schemas.microsoft.com/office/powerpoint/2010/main" val="1235350252"/>
-      </p:ext>
-    </p:extLst>
-  </p:cSld>
-  <p:clrMapOvr>
-    <a:masterClrMapping/>
-  </p:clrMapOvr>
-  <p:transition spd="med"/>
-</p:sld>
-</file>
-
-<file path=ppt/slides/slide19.xml><?xml version="1.0" encoding="utf-8"?>
-<p:sld xmlns:a="http://schemas.openxmlformats.org/drawingml/2006/main" xmlns:r="http://schemas.openxmlformats.org/officeDocument/2006/relationships" xmlns:p="http://schemas.openxmlformats.org/presentationml/2006/main" show="0">
-  <p:cSld>
-    <p:spTree>
-      <p:nvGrpSpPr>
-        <p:cNvPr id="1" name=""/>
-        <p:cNvGrpSpPr/>
-        <p:nvPr/>
-      </p:nvGrpSpPr>
-      <p:grpSpPr>
-        <a:xfrm>
-          <a:off x="0" y="0"/>
-          <a:ext cx="0" cy="0"/>
-          <a:chOff x="0" y="0"/>
-          <a:chExt cx="0" cy="0"/>
-        </a:xfrm>
-      </p:grpSpPr>
-      <p:sp>
-        <p:nvSpPr>
-          <p:cNvPr id="2" name="Title 1"/>
-          <p:cNvSpPr>
-            <a:spLocks noGrp="1"/>
-          </p:cNvSpPr>
-          <p:nvPr>
-            <p:ph type="title"/>
-          </p:nvPr>
-        </p:nvSpPr>
-        <p:spPr/>
-        <p:txBody>
-          <a:bodyPr/>
-          <a:lstStyle/>
-          <a:p>
-            <a:r>
-              <a:rPr lang="en-US" dirty="0"/>
-              <a:t>Instructor Info</a:t>
-            </a:r>
-          </a:p>
-        </p:txBody>
-      </p:sp>
-      <p:sp>
-        <p:nvSpPr>
-          <p:cNvPr id="3" name="Text Placeholder 2"/>
-          <p:cNvSpPr>
-            <a:spLocks noGrp="1"/>
-          </p:cNvSpPr>
-          <p:nvPr>
-            <p:ph type="body" idx="1"/>
-          </p:nvPr>
-        </p:nvSpPr>
-        <p:spPr>
-          <a:xfrm>
-            <a:off x="152400" y="1371600"/>
-            <a:ext cx="8534400" cy="5486400"/>
-          </a:xfrm>
-        </p:spPr>
-        <p:txBody>
-          <a:bodyPr/>
-          <a:lstStyle/>
-          <a:p>
-            <a:r>
-              <a:rPr lang="en-US" dirty="0"/>
-              <a:t>Jason Yoder</a:t>
-            </a:r>
-          </a:p>
-          <a:p>
-            <a:pPr lvl="1"/>
-            <a:r>
-              <a:rPr lang="en-US" dirty="0"/>
-              <a:t>Visiting Professor CSSE 2017-2018</a:t>
-            </a:r>
-          </a:p>
-          <a:p>
-            <a:pPr lvl="1"/>
-            <a:r>
-              <a:rPr lang="en-US" dirty="0"/>
-              <a:t>You can call me:</a:t>
-            </a:r>
-          </a:p>
-          <a:p>
-            <a:pPr lvl="2"/>
-            <a:r>
-              <a:rPr lang="en-US" dirty="0"/>
-              <a:t>Jason</a:t>
-            </a:r>
-          </a:p>
-          <a:p>
-            <a:pPr lvl="2"/>
-            <a:r>
-              <a:rPr lang="en-US" dirty="0"/>
-              <a:t>Professor Yoder</a:t>
-            </a:r>
-          </a:p>
-          <a:p>
-            <a:pPr lvl="1"/>
-            <a:r>
-              <a:rPr lang="en-US" dirty="0"/>
-              <a:t>Don’t call me:</a:t>
-            </a:r>
-          </a:p>
-          <a:p>
-            <a:pPr lvl="2"/>
-            <a:r>
-              <a:rPr lang="en-US" strike="sngStrike" dirty="0"/>
-              <a:t>Dr. Yoder</a:t>
-            </a:r>
-            <a:r>
-              <a:rPr lang="en-US" dirty="0"/>
-              <a:t> (more info at end of class)</a:t>
-            </a:r>
-          </a:p>
-          <a:p>
-            <a:pPr marL="0" indent="0">
-              <a:buNone/>
-            </a:pPr>
-            <a:endParaRPr lang="en-US" dirty="0"/>
-          </a:p>
-        </p:txBody>
-      </p:sp>
-    </p:spTree>
-    <p:extLst>
-      <p:ext uri="{BB962C8B-B14F-4D97-AF65-F5344CB8AC3E}">
-        <p14:creationId xmlns:p14="http://schemas.microsoft.com/office/powerpoint/2010/main" val="1923102376"/>
-      </p:ext>
-    </p:extLst>
-  </p:cSld>
-  <p:clrMapOvr>
-    <a:masterClrMapping/>
-  </p:clrMapOvr>
-  <p:transition spd="med"/>
-</p:sld>
-</file>
-
 <file path=ppt/slides/slide2.xml><?xml version="1.0" encoding="utf-8"?>
 <p:sld xmlns:a="http://schemas.openxmlformats.org/drawingml/2006/main" xmlns:r="http://schemas.openxmlformats.org/officeDocument/2006/relationships" xmlns:p="http://schemas.openxmlformats.org/presentationml/2006/main">
   <p:cSld>
@@ -8884,7 +9613,7 @@
 </file>
 
 <file path=ppt/slides/slide20.xml><?xml version="1.0" encoding="utf-8"?>
-<p:sld xmlns:a="http://schemas.openxmlformats.org/drawingml/2006/main" xmlns:r="http://schemas.openxmlformats.org/officeDocument/2006/relationships" xmlns:p="http://schemas.openxmlformats.org/presentationml/2006/main">
+<p:sld xmlns:a="http://schemas.openxmlformats.org/drawingml/2006/main" xmlns:r="http://schemas.openxmlformats.org/officeDocument/2006/relationships" xmlns:p="http://schemas.openxmlformats.org/presentationml/2006/main" show="0">
   <p:cSld>
     <p:spTree>
       <p:nvGrpSpPr>
@@ -8917,7 +9646,7 @@
           <a:p>
             <a:r>
               <a:rPr lang="en-US" dirty="0"/>
-              <a:t>Critical Logistics</a:t>
+              <a:t>Instructor Info (continued)</a:t>
             </a:r>
           </a:p>
         </p:txBody>
@@ -8934,47 +9663,52 @@
         </p:nvSpPr>
         <p:spPr>
           <a:xfrm>
-            <a:off x="457200" y="1600200"/>
-            <a:ext cx="8229600" cy="4572000"/>
+            <a:off x="457200" y="1371600"/>
+            <a:ext cx="8229600" cy="5486400"/>
           </a:xfrm>
         </p:spPr>
         <p:txBody>
-          <a:bodyPr lIns="45719" rIns="45719" anchor="t">
-            <a:normAutofit/>
-          </a:bodyPr>
+          <a:bodyPr/>
           <a:lstStyle/>
           <a:p>
             <a:r>
               <a:rPr lang="en-US" dirty="0"/>
-              <a:t>You have 2 homework assignments in the very near future</a:t>
-            </a:r>
-          </a:p>
-          <a:p>
+              <a:t>On Campus every day</a:t>
+            </a:r>
+          </a:p>
+          <a:p>
+            <a:pPr lvl="1"/>
             <a:r>
               <a:rPr lang="en-US" dirty="0"/>
-              <a:t>To see all assignment due dates, follow the "Course Schedule" link on Moodle</a:t>
-            </a:r>
-          </a:p>
-          <a:p>
+              <a:t>Office Hours (F203)</a:t>
+            </a:r>
+          </a:p>
+          <a:p>
+            <a:pPr lvl="2"/>
+            <a:r>
+              <a:rPr lang="is-IS" dirty="0"/>
+              <a:t>…</a:t>
+            </a:r>
+            <a:endParaRPr lang="en-US" dirty="0"/>
+          </a:p>
+          <a:p>
+            <a:pPr lvl="1"/>
             <a:r>
               <a:rPr lang="en-US" dirty="0"/>
-              <a:t>We will only go over the course policies if we have time, but they are covered in the "Course Policies" page link on Moodle</a:t>
-            </a:r>
-          </a:p>
-          <a:p>
-            <a:pPr marL="0" indent="0">
-              <a:buNone/>
-            </a:pPr>
+              <a:t>Email – </a:t>
+            </a:r>
+            <a:r>
+              <a:rPr lang="en-US" dirty="0" err="1"/>
+              <a:t>wilkin@rose-hulman.edu</a:t>
+            </a:r>
             <a:endParaRPr lang="en-US" dirty="0"/>
           </a:p>
           <a:p>
-            <a:pPr marL="0" indent="0">
-              <a:buNone/>
-            </a:pPr>
-            <a:endParaRPr lang="en-US" dirty="0"/>
-          </a:p>
-          <a:p>
-            <a:endParaRPr lang="en-US" dirty="0"/>
+            <a:pPr lvl="1"/>
+            <a:r>
+              <a:rPr lang="en-US" dirty="0"/>
+              <a:t>If you need another time, let me know and I’ll do my best</a:t>
+            </a:r>
           </a:p>
           <a:p>
             <a:endParaRPr lang="en-US" dirty="0"/>
@@ -8984,7 +9718,7 @@
     </p:spTree>
     <p:extLst>
       <p:ext uri="{BB962C8B-B14F-4D97-AF65-F5344CB8AC3E}">
-        <p14:creationId xmlns:p14="http://schemas.microsoft.com/office/powerpoint/2010/main" val="4238711982"/>
+        <p14:creationId xmlns:p14="http://schemas.microsoft.com/office/powerpoint/2010/main" val="4067268553"/>
       </p:ext>
     </p:extLst>
   </p:cSld>
@@ -8996,7 +9730,7 @@
 </file>
 
 <file path=ppt/slides/slide21.xml><?xml version="1.0" encoding="utf-8"?>
-<p:sld xmlns:a="http://schemas.openxmlformats.org/drawingml/2006/main" xmlns:r="http://schemas.openxmlformats.org/officeDocument/2006/relationships" xmlns:p="http://schemas.openxmlformats.org/presentationml/2006/main">
+<p:sld xmlns:a="http://schemas.openxmlformats.org/drawingml/2006/main" xmlns:r="http://schemas.openxmlformats.org/officeDocument/2006/relationships" xmlns:p="http://schemas.openxmlformats.org/presentationml/2006/main" show="0">
   <p:cSld>
     <p:spTree>
       <p:nvGrpSpPr>
@@ -9029,7 +9763,7 @@
           <a:p>
             <a:r>
               <a:rPr lang="en-US" dirty="0"/>
-              <a:t>Agenda</a:t>
+              <a:t>Instructor Info</a:t>
             </a:r>
           </a:p>
         </p:txBody>
@@ -9044,73 +9778,90 @@
             <p:ph type="body" idx="1"/>
           </p:nvPr>
         </p:nvSpPr>
-        <p:spPr/>
-        <p:txBody>
-          <a:bodyPr/>
+        <p:spPr>
+          <a:xfrm>
+            <a:off x="457200" y="1219200"/>
+            <a:ext cx="8229600" cy="5410200"/>
+          </a:xfrm>
+        </p:spPr>
+        <p:txBody>
+          <a:bodyPr>
+            <a:normAutofit/>
+          </a:bodyPr>
           <a:lstStyle/>
           <a:p>
             <a:r>
-              <a:rPr lang="en-US" strike="sngStrike" dirty="0"/>
-              <a:t>Instructor intro</a:t>
-            </a:r>
-          </a:p>
-          <a:p>
-            <a:r>
-              <a:rPr lang="en-US" strike="sngStrike" dirty="0"/>
-              <a:t>Critical links</a:t>
-            </a:r>
-          </a:p>
-          <a:p>
-            <a:r>
-              <a:rPr lang="en-US" strike="sngStrike" dirty="0"/>
-              <a:t>Verify eclipse and </a:t>
-            </a:r>
-            <a:r>
-              <a:rPr lang="en-US" strike="sngStrike" dirty="0" err="1"/>
-              <a:t>subclipse</a:t>
-            </a:r>
-            <a:r>
-              <a:rPr lang="en-US" strike="sngStrike" dirty="0"/>
-              <a:t> configuration</a:t>
-            </a:r>
-          </a:p>
-          <a:p>
-            <a:r>
-              <a:rPr lang="en-US" b="1" dirty="0"/>
-              <a:t>We write some java code</a:t>
+              <a:rPr lang="en-US" dirty="0" err="1"/>
+              <a:t>Delvin</a:t>
+            </a:r>
+            <a:r>
+              <a:rPr lang="en-US" dirty="0"/>
+              <a:t> Defoe</a:t>
             </a:r>
           </a:p>
           <a:p>
             <a:pPr lvl="1"/>
             <a:r>
-              <a:rPr lang="en-US" b="1" dirty="0"/>
-              <a:t>Conditionals</a:t>
+              <a:rPr lang="en-US" dirty="0"/>
+              <a:t>PhD, Washington University in St Louis 2007</a:t>
             </a:r>
           </a:p>
           <a:p>
             <a:pPr lvl="1"/>
             <a:r>
-              <a:rPr lang="en-US" b="1" dirty="0"/>
-              <a:t>Strings</a:t>
+              <a:rPr lang="en-US" dirty="0"/>
+              <a:t>Computer Science and Engineering</a:t>
+            </a:r>
+          </a:p>
+          <a:p>
+            <a:r>
+              <a:rPr lang="en-US" dirty="0"/>
+              <a:t>Tenured Associate Professor</a:t>
             </a:r>
           </a:p>
           <a:p>
             <a:pPr lvl="1"/>
             <a:r>
-              <a:rPr lang="en-US" b="1" dirty="0"/>
-              <a:t>Loops</a:t>
-            </a:r>
-            <a:endParaRPr lang="en-US" dirty="0"/>
-          </a:p>
-          <a:p>
-            <a:endParaRPr lang="en-US" dirty="0"/>
+              <a:rPr lang="en-US" dirty="0"/>
+              <a:t>Fall 2013</a:t>
+            </a:r>
+          </a:p>
+          <a:p>
+            <a:r>
+              <a:rPr lang="en-US" dirty="0"/>
+              <a:t>SEP</a:t>
+            </a:r>
+          </a:p>
+          <a:p>
+            <a:pPr lvl="1"/>
+            <a:r>
+              <a:rPr lang="en-US" dirty="0"/>
+              <a:t>June 2014 – July 2015</a:t>
+            </a:r>
+          </a:p>
+          <a:p>
+            <a:r>
+              <a:rPr lang="en-US" dirty="0"/>
+              <a:t>Christian</a:t>
+            </a:r>
+          </a:p>
+          <a:p>
+            <a:pPr lvl="1"/>
+            <a:r>
+              <a:rPr lang="en-US" dirty="0" err="1"/>
+              <a:t>Knightsville</a:t>
+            </a:r>
+            <a:r>
+              <a:rPr lang="en-US" dirty="0"/>
+              <a:t> Church of Christ</a:t>
+            </a:r>
           </a:p>
         </p:txBody>
       </p:sp>
     </p:spTree>
     <p:extLst>
       <p:ext uri="{BB962C8B-B14F-4D97-AF65-F5344CB8AC3E}">
-        <p14:creationId xmlns:p14="http://schemas.microsoft.com/office/powerpoint/2010/main" val="2266639869"/>
+        <p14:creationId xmlns:p14="http://schemas.microsoft.com/office/powerpoint/2010/main" val="988910055"/>
       </p:ext>
     </p:extLst>
   </p:cSld>
@@ -9122,7 +9873,7 @@
 </file>
 
 <file path=ppt/slides/slide22.xml><?xml version="1.0" encoding="utf-8"?>
-<p:sld xmlns:a="http://schemas.openxmlformats.org/drawingml/2006/main" xmlns:r="http://schemas.openxmlformats.org/officeDocument/2006/relationships" xmlns:p="http://schemas.openxmlformats.org/presentationml/2006/main">
+<p:sld xmlns:a="http://schemas.openxmlformats.org/drawingml/2006/main" xmlns:r="http://schemas.openxmlformats.org/officeDocument/2006/relationships" xmlns:p="http://schemas.openxmlformats.org/presentationml/2006/main" show="0">
   <p:cSld>
     <p:spTree>
       <p:nvGrpSpPr>
@@ -9155,7 +9906,7 @@
           <a:p>
             <a:r>
               <a:rPr lang="en-US" dirty="0"/>
-              <a:t>Let’s write hello world together</a:t>
+              <a:t>Instructor Info (continued)</a:t>
             </a:r>
           </a:p>
         </p:txBody>
@@ -9170,10 +9921,85 @@
             <p:ph type="body" idx="1"/>
           </p:nvPr>
         </p:nvSpPr>
-        <p:spPr/>
+        <p:spPr>
+          <a:xfrm>
+            <a:off x="457200" y="1371600"/>
+            <a:ext cx="8229600" cy="5486400"/>
+          </a:xfrm>
+        </p:spPr>
         <p:txBody>
           <a:bodyPr/>
           <a:lstStyle/>
+          <a:p>
+            <a:r>
+              <a:rPr lang="en-US" dirty="0"/>
+              <a:t>On Campus Mon., Tues., </a:t>
+            </a:r>
+            <a:r>
+              <a:rPr lang="en-US" dirty="0" err="1"/>
+              <a:t>Wednes</a:t>
+            </a:r>
+            <a:r>
+              <a:rPr lang="en-US" dirty="0"/>
+              <a:t>., Fri.</a:t>
+            </a:r>
+          </a:p>
+          <a:p>
+            <a:pPr lvl="1"/>
+            <a:r>
+              <a:rPr lang="en-US" dirty="0"/>
+              <a:t>Office Hours (M240D)</a:t>
+            </a:r>
+          </a:p>
+          <a:p>
+            <a:pPr lvl="2"/>
+            <a:r>
+              <a:rPr lang="en-US" dirty="0"/>
+              <a:t>See my schedule page </a:t>
+            </a:r>
+          </a:p>
+          <a:p>
+            <a:pPr lvl="2"/>
+            <a:r>
+              <a:rPr lang="en-US" dirty="0"/>
+              <a:t>http://</a:t>
+            </a:r>
+            <a:r>
+              <a:rPr lang="en-US" dirty="0" err="1"/>
+              <a:t>www.rose-hulman.edu</a:t>
+            </a:r>
+            <a:r>
+              <a:rPr lang="en-US" dirty="0"/>
+              <a:t>/~</a:t>
+            </a:r>
+            <a:r>
+              <a:rPr lang="en-US" dirty="0" err="1"/>
+              <a:t>defoe</a:t>
+            </a:r>
+            <a:r>
+              <a:rPr lang="en-US" dirty="0"/>
+              <a:t>/</a:t>
+            </a:r>
+            <a:r>
+              <a:rPr lang="en-US" dirty="0" err="1"/>
+              <a:t>schedule.html</a:t>
+            </a:r>
+            <a:endParaRPr lang="en-US" dirty="0"/>
+          </a:p>
+          <a:p>
+            <a:pPr lvl="1"/>
+            <a:r>
+              <a:rPr lang="en-US" dirty="0"/>
+              <a:t>Email – Always by my phone/computer</a:t>
+            </a:r>
+          </a:p>
+          <a:p>
+            <a:pPr lvl="1"/>
+            <a:r>
+              <a:rPr lang="en-US" dirty="0"/>
+              <a:t>If you need another time, let me know and I’ll do my best</a:t>
+            </a:r>
+          </a:p>
           <a:p>
             <a:endParaRPr lang="en-US" dirty="0"/>
           </a:p>
@@ -9182,7 +10008,7 @@
     </p:spTree>
     <p:extLst>
       <p:ext uri="{BB962C8B-B14F-4D97-AF65-F5344CB8AC3E}">
-        <p14:creationId xmlns:p14="http://schemas.microsoft.com/office/powerpoint/2010/main" val="3050790655"/>
+        <p14:creationId xmlns:p14="http://schemas.microsoft.com/office/powerpoint/2010/main" val="1235350252"/>
       </p:ext>
     </p:extLst>
   </p:cSld>
@@ -9212,199 +10038,111 @@
       </p:grpSpPr>
       <p:sp>
         <p:nvSpPr>
-          <p:cNvPr id="97" name="Shape 97"/>
+          <p:cNvPr id="2" name="Title 1"/>
           <p:cNvSpPr>
             <a:spLocks noGrp="1"/>
           </p:cNvSpPr>
           <p:nvPr>
             <p:ph type="title"/>
+          </p:nvPr>
+        </p:nvSpPr>
+        <p:spPr/>
+        <p:txBody>
+          <a:bodyPr/>
+          <a:lstStyle/>
+          <a:p>
+            <a:r>
+              <a:rPr lang="en-US" dirty="0"/>
+              <a:t>Instructor Info</a:t>
+            </a:r>
+          </a:p>
+        </p:txBody>
+      </p:sp>
+      <p:sp>
+        <p:nvSpPr>
+          <p:cNvPr id="3" name="Text Placeholder 2"/>
+          <p:cNvSpPr>
+            <a:spLocks noGrp="1"/>
+          </p:cNvSpPr>
+          <p:nvPr>
+            <p:ph type="body" idx="1"/>
           </p:nvPr>
         </p:nvSpPr>
         <p:spPr>
           <a:xfrm>
-            <a:off x="457200" y="274638"/>
-            <a:ext cx="8229600" cy="1143001"/>
+            <a:off x="152400" y="1371600"/>
+            <a:ext cx="8534400" cy="5486400"/>
           </a:xfrm>
-          <a:prstGeom prst="rect">
-            <a:avLst/>
-          </a:prstGeom>
         </p:spPr>
         <p:txBody>
           <a:bodyPr/>
           <a:lstStyle/>
           <a:p>
-            <a:pPr lvl="0">
-              <a:defRPr sz="1800"/>
+            <a:r>
+              <a:rPr lang="en-US" dirty="0"/>
+              <a:t>Jason Yoder</a:t>
+            </a:r>
+          </a:p>
+          <a:p>
+            <a:pPr lvl="1"/>
+            <a:r>
+              <a:rPr lang="en-US" dirty="0"/>
+              <a:t>Visiting Professor CSSE 2017-2018</a:t>
+            </a:r>
+          </a:p>
+          <a:p>
+            <a:pPr lvl="1"/>
+            <a:r>
+              <a:rPr lang="en-US" dirty="0"/>
+              <a:t>You can call me:</a:t>
+            </a:r>
+          </a:p>
+          <a:p>
+            <a:pPr lvl="2"/>
+            <a:r>
+              <a:rPr lang="en-US" dirty="0"/>
+              <a:t>Jason</a:t>
+            </a:r>
+          </a:p>
+          <a:p>
+            <a:pPr lvl="2"/>
+            <a:r>
+              <a:rPr lang="en-US" dirty="0"/>
+              <a:t>Professor Yoder</a:t>
+            </a:r>
+          </a:p>
+          <a:p>
+            <a:pPr lvl="1"/>
+            <a:r>
+              <a:rPr lang="en-US" dirty="0"/>
+              <a:t>Don’t call me:</a:t>
+            </a:r>
+          </a:p>
+          <a:p>
+            <a:pPr lvl="2"/>
+            <a:r>
+              <a:rPr lang="en-US" strike="sngStrike" dirty="0"/>
+              <a:t>Dr. Yoder</a:t>
+            </a:r>
+            <a:r>
+              <a:rPr lang="en-US" dirty="0"/>
+              <a:t> (more info at end of class)</a:t>
+            </a:r>
+          </a:p>
+          <a:p>
+            <a:pPr marL="0" indent="0">
+              <a:buNone/>
             </a:pPr>
-            <a:r>
-              <a:rPr sz="4400" dirty="0"/>
-              <a:t>HelloPrinter.java</a:t>
-            </a:r>
-          </a:p>
-        </p:txBody>
-      </p:sp>
-      <p:sp>
-        <p:nvSpPr>
-          <p:cNvPr id="98" name="Shape 98"/>
-          <p:cNvSpPr>
-            <a:spLocks noGrp="1"/>
-          </p:cNvSpPr>
-          <p:nvPr>
-            <p:ph type="body" idx="1"/>
-          </p:nvPr>
-        </p:nvSpPr>
-        <p:spPr>
-          <a:xfrm>
-            <a:off x="457200" y="1600200"/>
-            <a:ext cx="8229600" cy="4525963"/>
-          </a:xfrm>
-          <a:prstGeom prst="rect">
-            <a:avLst/>
-          </a:prstGeom>
-        </p:spPr>
-        <p:txBody>
-          <a:bodyPr/>
-          <a:lstStyle/>
-          <a:p>
-            <a:pPr lvl="0">
-              <a:lnSpc>
-                <a:spcPct val="90000"/>
-              </a:lnSpc>
-              <a:spcBef>
-                <a:spcPts val="600"/>
-              </a:spcBef>
-              <a:defRPr sz="1800"/>
-            </a:pPr>
-            <a:r>
-              <a:rPr sz="2900" dirty="0"/>
-              <a:t>To run a Java program:</a:t>
-            </a:r>
-          </a:p>
-          <a:p>
-            <a:pPr marL="742950" lvl="1" indent="-285750">
-              <a:lnSpc>
-                <a:spcPct val="90000"/>
-              </a:lnSpc>
-              <a:spcBef>
-                <a:spcPts val="600"/>
-              </a:spcBef>
-              <a:defRPr sz="1800"/>
-            </a:pPr>
-            <a:r>
-              <a:rPr sz="2500" dirty="0"/>
-              <a:t>Right-click the .java file in Package Explorer view</a:t>
-            </a:r>
-          </a:p>
-          <a:p>
-            <a:pPr marL="742950" lvl="1" indent="-285750">
-              <a:lnSpc>
-                <a:spcPct val="90000"/>
-              </a:lnSpc>
-              <a:spcBef>
-                <a:spcPts val="600"/>
-              </a:spcBef>
-              <a:defRPr sz="1800"/>
-            </a:pPr>
-            <a:r>
-              <a:rPr sz="2500" dirty="0"/>
-              <a:t>Choose </a:t>
-            </a:r>
-            <a:r>
-              <a:rPr sz="2500" b="1" dirty="0"/>
-              <a:t>Run As → Java Application</a:t>
-            </a:r>
-            <a:endParaRPr sz="2500" dirty="0"/>
-          </a:p>
-          <a:p>
-            <a:pPr lvl="0">
-              <a:lnSpc>
-                <a:spcPct val="90000"/>
-              </a:lnSpc>
-              <a:spcBef>
-                <a:spcPts val="600"/>
-              </a:spcBef>
-              <a:defRPr sz="1800"/>
-            </a:pPr>
-            <a:r>
-              <a:rPr lang="en-US" sz="2900" dirty="0"/>
-              <a:t>Introduce yourself to your neighbor and c</a:t>
-            </a:r>
-            <a:r>
-              <a:rPr sz="2900" dirty="0"/>
-              <a:t>hange the program to say hello to </a:t>
-            </a:r>
-            <a:r>
-              <a:rPr lang="en-US" sz="2900" dirty="0"/>
-              <a:t>them</a:t>
-            </a:r>
-            <a:endParaRPr sz="2900" dirty="0"/>
-          </a:p>
-          <a:p>
-            <a:pPr lvl="0">
-              <a:lnSpc>
-                <a:spcPct val="90000"/>
-              </a:lnSpc>
-              <a:spcBef>
-                <a:spcPts val="600"/>
-              </a:spcBef>
-              <a:defRPr sz="1800"/>
-            </a:pPr>
-            <a:r>
-              <a:rPr sz="2900" dirty="0"/>
-              <a:t>Introduce an error in the program</a:t>
-            </a:r>
-          </a:p>
-          <a:p>
-            <a:pPr marL="742950" lvl="1" indent="-285750">
-              <a:lnSpc>
-                <a:spcPct val="90000"/>
-              </a:lnSpc>
-              <a:spcBef>
-                <a:spcPts val="600"/>
-              </a:spcBef>
-              <a:defRPr sz="1800"/>
-            </a:pPr>
-            <a:r>
-              <a:rPr sz="2500" dirty="0"/>
-              <a:t>See if you can come up with a different error than </a:t>
-            </a:r>
-            <a:r>
-              <a:rPr lang="en-US" sz="2500" dirty="0"/>
-              <a:t>your neighbor</a:t>
-            </a:r>
-            <a:endParaRPr sz="2500" dirty="0"/>
-          </a:p>
-          <a:p>
-            <a:pPr lvl="0">
-              <a:lnSpc>
-                <a:spcPct val="90000"/>
-              </a:lnSpc>
-              <a:spcBef>
-                <a:spcPts val="600"/>
-              </a:spcBef>
-              <a:defRPr sz="1800"/>
-            </a:pPr>
-            <a:r>
-              <a:rPr sz="2900" dirty="0"/>
-              <a:t>Fix the error </a:t>
-            </a:r>
-            <a:r>
-              <a:rPr sz="2900"/>
-              <a:t>that </a:t>
-            </a:r>
-            <a:r>
-              <a:rPr lang="en-US" sz="2900"/>
-              <a:t>your neighbor </a:t>
-            </a:r>
-            <a:r>
-              <a:rPr sz="2900"/>
-              <a:t>introduced</a:t>
-            </a:r>
-            <a:endParaRPr sz="2900" dirty="0"/>
+            <a:endParaRPr lang="en-US" dirty="0"/>
           </a:p>
         </p:txBody>
       </p:sp>
     </p:spTree>
+    <p:extLst>
+      <p:ext uri="{BB962C8B-B14F-4D97-AF65-F5344CB8AC3E}">
+        <p14:creationId xmlns:p14="http://schemas.microsoft.com/office/powerpoint/2010/main" val="1923102376"/>
+      </p:ext>
+    </p:extLst>
   </p:cSld>
   <p:clrMapOvr>
     <a:masterClrMapping/>
@@ -9432,6 +10170,535 @@
       </p:grpSpPr>
       <p:sp>
         <p:nvSpPr>
+          <p:cNvPr id="2" name="Title 1"/>
+          <p:cNvSpPr>
+            <a:spLocks noGrp="1"/>
+          </p:cNvSpPr>
+          <p:nvPr>
+            <p:ph type="title"/>
+          </p:nvPr>
+        </p:nvSpPr>
+        <p:spPr/>
+        <p:txBody>
+          <a:bodyPr/>
+          <a:lstStyle/>
+          <a:p>
+            <a:r>
+              <a:rPr lang="en-US" dirty="0"/>
+              <a:t>Critical Logistics</a:t>
+            </a:r>
+          </a:p>
+        </p:txBody>
+      </p:sp>
+      <p:sp>
+        <p:nvSpPr>
+          <p:cNvPr id="3" name="Text Placeholder 2"/>
+          <p:cNvSpPr>
+            <a:spLocks noGrp="1"/>
+          </p:cNvSpPr>
+          <p:nvPr>
+            <p:ph type="body" idx="1"/>
+          </p:nvPr>
+        </p:nvSpPr>
+        <p:spPr>
+          <a:xfrm>
+            <a:off x="457200" y="1600200"/>
+            <a:ext cx="8229600" cy="4572000"/>
+          </a:xfrm>
+        </p:spPr>
+        <p:txBody>
+          <a:bodyPr lIns="45719" rIns="45719" anchor="t">
+            <a:normAutofit/>
+          </a:bodyPr>
+          <a:lstStyle/>
+          <a:p>
+            <a:r>
+              <a:rPr lang="en-US" dirty="0"/>
+              <a:t>You have 2 homework assignments in the very near future</a:t>
+            </a:r>
+          </a:p>
+          <a:p>
+            <a:r>
+              <a:rPr lang="en-US" dirty="0"/>
+              <a:t>To see all assignment due dates, follow the "Course Schedule" link on </a:t>
+            </a:r>
+            <a:r>
+              <a:rPr lang="en-US" dirty="0" smtClean="0"/>
+              <a:t>Moodle</a:t>
+            </a:r>
+          </a:p>
+          <a:p>
+            <a:pPr lvl="1"/>
+            <a:r>
+              <a:rPr lang="en-US" dirty="0" smtClean="0"/>
+              <a:t>Please Bookmark Schedule page</a:t>
+            </a:r>
+            <a:endParaRPr lang="en-US" dirty="0"/>
+          </a:p>
+          <a:p>
+            <a:r>
+              <a:rPr lang="en-US" dirty="0"/>
+              <a:t>We will only go over the course policies if we have time, but they are covered in the "Course Policies" page link on Moodle</a:t>
+            </a:r>
+          </a:p>
+          <a:p>
+            <a:pPr marL="0" indent="0">
+              <a:buNone/>
+            </a:pPr>
+            <a:endParaRPr lang="en-US" dirty="0"/>
+          </a:p>
+          <a:p>
+            <a:pPr marL="0" indent="0">
+              <a:buNone/>
+            </a:pPr>
+            <a:endParaRPr lang="en-US" dirty="0"/>
+          </a:p>
+          <a:p>
+            <a:endParaRPr lang="en-US" dirty="0"/>
+          </a:p>
+          <a:p>
+            <a:endParaRPr lang="en-US" dirty="0"/>
+          </a:p>
+        </p:txBody>
+      </p:sp>
+    </p:spTree>
+    <p:extLst>
+      <p:ext uri="{BB962C8B-B14F-4D97-AF65-F5344CB8AC3E}">
+        <p14:creationId xmlns:p14="http://schemas.microsoft.com/office/powerpoint/2010/main" val="4238711982"/>
+      </p:ext>
+    </p:extLst>
+  </p:cSld>
+  <p:clrMapOvr>
+    <a:masterClrMapping/>
+  </p:clrMapOvr>
+  <p:transition spd="med"/>
+</p:sld>
+</file>
+
+<file path=ppt/slides/slide25.xml><?xml version="1.0" encoding="utf-8"?>
+<p:sld xmlns:a="http://schemas.openxmlformats.org/drawingml/2006/main" xmlns:r="http://schemas.openxmlformats.org/officeDocument/2006/relationships" xmlns:p="http://schemas.openxmlformats.org/presentationml/2006/main">
+  <p:cSld>
+    <p:spTree>
+      <p:nvGrpSpPr>
+        <p:cNvPr id="1" name=""/>
+        <p:cNvGrpSpPr/>
+        <p:nvPr/>
+      </p:nvGrpSpPr>
+      <p:grpSpPr>
+        <a:xfrm>
+          <a:off x="0" y="0"/>
+          <a:ext cx="0" cy="0"/>
+          <a:chOff x="0" y="0"/>
+          <a:chExt cx="0" cy="0"/>
+        </a:xfrm>
+      </p:grpSpPr>
+      <p:sp>
+        <p:nvSpPr>
+          <p:cNvPr id="2" name="Title 1"/>
+          <p:cNvSpPr>
+            <a:spLocks noGrp="1"/>
+          </p:cNvSpPr>
+          <p:nvPr>
+            <p:ph type="title"/>
+          </p:nvPr>
+        </p:nvSpPr>
+        <p:spPr/>
+        <p:txBody>
+          <a:bodyPr/>
+          <a:lstStyle/>
+          <a:p>
+            <a:r>
+              <a:rPr lang="en-US" dirty="0"/>
+              <a:t>Agenda</a:t>
+            </a:r>
+          </a:p>
+        </p:txBody>
+      </p:sp>
+      <p:sp>
+        <p:nvSpPr>
+          <p:cNvPr id="3" name="Text Placeholder 2"/>
+          <p:cNvSpPr>
+            <a:spLocks noGrp="1"/>
+          </p:cNvSpPr>
+          <p:nvPr>
+            <p:ph type="body" idx="1"/>
+          </p:nvPr>
+        </p:nvSpPr>
+        <p:spPr/>
+        <p:txBody>
+          <a:bodyPr lIns="45719" rIns="45719" anchor="t">
+            <a:normAutofit/>
+          </a:bodyPr>
+          <a:lstStyle/>
+          <a:p>
+            <a:r>
+              <a:rPr lang="en-US" strike="sngStrike" dirty="0"/>
+              <a:t>Instructor intro</a:t>
+            </a:r>
+          </a:p>
+          <a:p>
+            <a:r>
+              <a:rPr lang="en-US" strike="sngStrike" dirty="0"/>
+              <a:t>Critical links</a:t>
+            </a:r>
+          </a:p>
+          <a:p>
+            <a:r>
+              <a:rPr lang="en-US" b="1" dirty="0"/>
+              <a:t>We write some java code</a:t>
+            </a:r>
+          </a:p>
+          <a:p>
+            <a:pPr marL="783590" lvl="1" indent="-326390"/>
+            <a:r>
+              <a:rPr lang="en-US" b="1" dirty="0"/>
+              <a:t>Conditionals</a:t>
+            </a:r>
+          </a:p>
+          <a:p>
+            <a:pPr marL="783590" lvl="1" indent="-326390"/>
+            <a:r>
+              <a:rPr lang="en-US" b="1" dirty="0"/>
+              <a:t>Strings</a:t>
+            </a:r>
+          </a:p>
+          <a:p>
+            <a:pPr marL="783590" lvl="1" indent="-326390"/>
+            <a:r>
+              <a:rPr lang="en-US" b="1" dirty="0"/>
+              <a:t>Loops</a:t>
+            </a:r>
+          </a:p>
+          <a:p>
+            <a:endParaRPr lang="en-US" dirty="0"/>
+          </a:p>
+        </p:txBody>
+      </p:sp>
+    </p:spTree>
+    <p:extLst>
+      <p:ext uri="{BB962C8B-B14F-4D97-AF65-F5344CB8AC3E}">
+        <p14:creationId xmlns:p14="http://schemas.microsoft.com/office/powerpoint/2010/main" val="2904647193"/>
+      </p:ext>
+    </p:extLst>
+  </p:cSld>
+  <p:clrMapOvr>
+    <a:masterClrMapping/>
+  </p:clrMapOvr>
+  <p:transition spd="med"/>
+</p:sld>
+</file>
+
+<file path=ppt/slides/slide26.xml><?xml version="1.0" encoding="utf-8"?>
+<p:sld xmlns:a="http://schemas.openxmlformats.org/drawingml/2006/main" xmlns:r="http://schemas.openxmlformats.org/officeDocument/2006/relationships" xmlns:p="http://schemas.openxmlformats.org/presentationml/2006/main">
+  <p:cSld>
+    <p:spTree>
+      <p:nvGrpSpPr>
+        <p:cNvPr id="1" name=""/>
+        <p:cNvGrpSpPr/>
+        <p:nvPr/>
+      </p:nvGrpSpPr>
+      <p:grpSpPr>
+        <a:xfrm>
+          <a:off x="0" y="0"/>
+          <a:ext cx="0" cy="0"/>
+          <a:chOff x="0" y="0"/>
+          <a:chExt cx="0" cy="0"/>
+        </a:xfrm>
+      </p:grpSpPr>
+      <p:sp>
+        <p:nvSpPr>
+          <p:cNvPr id="2" name="Title 1"/>
+          <p:cNvSpPr>
+            <a:spLocks noGrp="1"/>
+          </p:cNvSpPr>
+          <p:nvPr>
+            <p:ph type="title"/>
+          </p:nvPr>
+        </p:nvSpPr>
+        <p:spPr/>
+        <p:txBody>
+          <a:bodyPr/>
+          <a:lstStyle/>
+          <a:p>
+            <a:r>
+              <a:rPr lang="en-US" dirty="0"/>
+              <a:t>Let’s write hello world together</a:t>
+            </a:r>
+          </a:p>
+        </p:txBody>
+      </p:sp>
+      <p:sp>
+        <p:nvSpPr>
+          <p:cNvPr id="3" name="Text Placeholder 2"/>
+          <p:cNvSpPr>
+            <a:spLocks noGrp="1"/>
+          </p:cNvSpPr>
+          <p:nvPr>
+            <p:ph type="body" idx="1"/>
+          </p:nvPr>
+        </p:nvSpPr>
+        <p:spPr/>
+        <p:txBody>
+          <a:bodyPr/>
+          <a:lstStyle/>
+          <a:p>
+            <a:endParaRPr lang="en-US" dirty="0"/>
+          </a:p>
+        </p:txBody>
+      </p:sp>
+    </p:spTree>
+    <p:extLst>
+      <p:ext uri="{BB962C8B-B14F-4D97-AF65-F5344CB8AC3E}">
+        <p14:creationId xmlns:p14="http://schemas.microsoft.com/office/powerpoint/2010/main" val="3050790655"/>
+      </p:ext>
+    </p:extLst>
+  </p:cSld>
+  <p:clrMapOvr>
+    <a:masterClrMapping/>
+  </p:clrMapOvr>
+  <p:transition spd="med"/>
+</p:sld>
+</file>
+
+<file path=ppt/slides/slide27.xml><?xml version="1.0" encoding="utf-8"?>
+<p:sld xmlns:a="http://schemas.openxmlformats.org/drawingml/2006/main" xmlns:r="http://schemas.openxmlformats.org/officeDocument/2006/relationships" xmlns:p="http://schemas.openxmlformats.org/presentationml/2006/main" show="0">
+  <p:cSld>
+    <p:spTree>
+      <p:nvGrpSpPr>
+        <p:cNvPr id="1" name=""/>
+        <p:cNvGrpSpPr/>
+        <p:nvPr/>
+      </p:nvGrpSpPr>
+      <p:grpSpPr>
+        <a:xfrm>
+          <a:off x="0" y="0"/>
+          <a:ext cx="0" cy="0"/>
+          <a:chOff x="0" y="0"/>
+          <a:chExt cx="0" cy="0"/>
+        </a:xfrm>
+      </p:grpSpPr>
+      <p:sp>
+        <p:nvSpPr>
+          <p:cNvPr id="97" name="Shape 97"/>
+          <p:cNvSpPr>
+            <a:spLocks noGrp="1"/>
+          </p:cNvSpPr>
+          <p:nvPr>
+            <p:ph type="title"/>
+          </p:nvPr>
+        </p:nvSpPr>
+        <p:spPr>
+          <a:xfrm>
+            <a:off x="457200" y="274638"/>
+            <a:ext cx="8229600" cy="1143001"/>
+          </a:xfrm>
+          <a:prstGeom prst="rect">
+            <a:avLst/>
+          </a:prstGeom>
+        </p:spPr>
+        <p:txBody>
+          <a:bodyPr/>
+          <a:lstStyle/>
+          <a:p>
+            <a:pPr lvl="0">
+              <a:defRPr sz="1800"/>
+            </a:pPr>
+            <a:r>
+              <a:rPr sz="4400" dirty="0"/>
+              <a:t>HelloPrinter.java</a:t>
+            </a:r>
+          </a:p>
+        </p:txBody>
+      </p:sp>
+      <p:sp>
+        <p:nvSpPr>
+          <p:cNvPr id="98" name="Shape 98"/>
+          <p:cNvSpPr>
+            <a:spLocks noGrp="1"/>
+          </p:cNvSpPr>
+          <p:nvPr>
+            <p:ph type="body" idx="1"/>
+          </p:nvPr>
+        </p:nvSpPr>
+        <p:spPr>
+          <a:xfrm>
+            <a:off x="457200" y="1600200"/>
+            <a:ext cx="8229600" cy="4525963"/>
+          </a:xfrm>
+          <a:prstGeom prst="rect">
+            <a:avLst/>
+          </a:prstGeom>
+        </p:spPr>
+        <p:txBody>
+          <a:bodyPr/>
+          <a:lstStyle/>
+          <a:p>
+            <a:pPr lvl="0">
+              <a:lnSpc>
+                <a:spcPct val="90000"/>
+              </a:lnSpc>
+              <a:spcBef>
+                <a:spcPts val="600"/>
+              </a:spcBef>
+              <a:defRPr sz="1800"/>
+            </a:pPr>
+            <a:r>
+              <a:rPr sz="2900" dirty="0"/>
+              <a:t>To run a Java program:</a:t>
+            </a:r>
+          </a:p>
+          <a:p>
+            <a:pPr marL="742950" lvl="1" indent="-285750">
+              <a:lnSpc>
+                <a:spcPct val="90000"/>
+              </a:lnSpc>
+              <a:spcBef>
+                <a:spcPts val="600"/>
+              </a:spcBef>
+              <a:defRPr sz="1800"/>
+            </a:pPr>
+            <a:r>
+              <a:rPr sz="2500" dirty="0"/>
+              <a:t>Right-click the .java file in Package Explorer view</a:t>
+            </a:r>
+          </a:p>
+          <a:p>
+            <a:pPr marL="742950" lvl="1" indent="-285750">
+              <a:lnSpc>
+                <a:spcPct val="90000"/>
+              </a:lnSpc>
+              <a:spcBef>
+                <a:spcPts val="600"/>
+              </a:spcBef>
+              <a:defRPr sz="1800"/>
+            </a:pPr>
+            <a:r>
+              <a:rPr sz="2500" dirty="0"/>
+              <a:t>Choose </a:t>
+            </a:r>
+            <a:r>
+              <a:rPr sz="2500" b="1" dirty="0"/>
+              <a:t>Run As → Java Application</a:t>
+            </a:r>
+            <a:endParaRPr sz="2500" dirty="0"/>
+          </a:p>
+          <a:p>
+            <a:pPr lvl="0">
+              <a:lnSpc>
+                <a:spcPct val="90000"/>
+              </a:lnSpc>
+              <a:spcBef>
+                <a:spcPts val="600"/>
+              </a:spcBef>
+              <a:defRPr sz="1800"/>
+            </a:pPr>
+            <a:r>
+              <a:rPr lang="en-US" sz="2900" dirty="0"/>
+              <a:t>Introduce yourself to your neighbor and c</a:t>
+            </a:r>
+            <a:r>
+              <a:rPr sz="2900" dirty="0"/>
+              <a:t>hange the program to say hello to </a:t>
+            </a:r>
+            <a:r>
+              <a:rPr lang="en-US" sz="2900" dirty="0"/>
+              <a:t>them</a:t>
+            </a:r>
+            <a:endParaRPr sz="2900" dirty="0"/>
+          </a:p>
+          <a:p>
+            <a:pPr lvl="0">
+              <a:lnSpc>
+                <a:spcPct val="90000"/>
+              </a:lnSpc>
+              <a:spcBef>
+                <a:spcPts val="600"/>
+              </a:spcBef>
+              <a:defRPr sz="1800"/>
+            </a:pPr>
+            <a:r>
+              <a:rPr sz="2900" dirty="0"/>
+              <a:t>Introduce an error in the program</a:t>
+            </a:r>
+          </a:p>
+          <a:p>
+            <a:pPr marL="742950" lvl="1" indent="-285750">
+              <a:lnSpc>
+                <a:spcPct val="90000"/>
+              </a:lnSpc>
+              <a:spcBef>
+                <a:spcPts val="600"/>
+              </a:spcBef>
+              <a:defRPr sz="1800"/>
+            </a:pPr>
+            <a:r>
+              <a:rPr sz="2500" dirty="0"/>
+              <a:t>See if you can come up with a different error than </a:t>
+            </a:r>
+            <a:r>
+              <a:rPr lang="en-US" sz="2500" dirty="0"/>
+              <a:t>your neighbor</a:t>
+            </a:r>
+            <a:endParaRPr sz="2500" dirty="0"/>
+          </a:p>
+          <a:p>
+            <a:pPr lvl="0">
+              <a:lnSpc>
+                <a:spcPct val="90000"/>
+              </a:lnSpc>
+              <a:spcBef>
+                <a:spcPts val="600"/>
+              </a:spcBef>
+              <a:defRPr sz="1800"/>
+            </a:pPr>
+            <a:r>
+              <a:rPr sz="2900" dirty="0"/>
+              <a:t>Fix the error </a:t>
+            </a:r>
+            <a:r>
+              <a:rPr sz="2900"/>
+              <a:t>that </a:t>
+            </a:r>
+            <a:r>
+              <a:rPr lang="en-US" sz="2900"/>
+              <a:t>your neighbor </a:t>
+            </a:r>
+            <a:r>
+              <a:rPr sz="2900"/>
+              <a:t>introduced</a:t>
+            </a:r>
+            <a:endParaRPr sz="2900" dirty="0"/>
+          </a:p>
+        </p:txBody>
+      </p:sp>
+    </p:spTree>
+  </p:cSld>
+  <p:clrMapOvr>
+    <a:masterClrMapping/>
+  </p:clrMapOvr>
+  <p:transition spd="med"/>
+</p:sld>
+</file>
+
+<file path=ppt/slides/slide28.xml><?xml version="1.0" encoding="utf-8"?>
+<p:sld xmlns:a="http://schemas.openxmlformats.org/drawingml/2006/main" xmlns:r="http://schemas.openxmlformats.org/officeDocument/2006/relationships" xmlns:p="http://schemas.openxmlformats.org/presentationml/2006/main">
+  <p:cSld>
+    <p:spTree>
+      <p:nvGrpSpPr>
+        <p:cNvPr id="1" name=""/>
+        <p:cNvGrpSpPr/>
+        <p:nvPr/>
+      </p:nvGrpSpPr>
+      <p:grpSpPr>
+        <a:xfrm>
+          <a:off x="0" y="0"/>
+          <a:ext cx="0" cy="0"/>
+          <a:chOff x="0" y="0"/>
+          <a:chExt cx="0" cy="0"/>
+        </a:xfrm>
+      </p:grpSpPr>
+      <p:sp>
+        <p:nvSpPr>
           <p:cNvPr id="102" name="Shape 102"/>
           <p:cNvSpPr/>
           <p:nvPr/>
@@ -9449,7 +10716,7 @@
           </a:ln>
           <a:extLst>
             <a:ext uri="{C572A759-6A51-4108-AA02-DFA0A04FC94B}">
-              <ma14:wrappingTextBoxFlag xmlns:ma14="http://schemas.microsoft.com/office/mac/drawingml/2011/main" xmlns="" val="1"/>
+              <ma14:wrappingTextBoxFlag xmlns="" xmlns:ma14="http://schemas.microsoft.com/office/mac/drawingml/2011/main" val="1"/>
             </a:ext>
           </a:extLst>
         </p:spPr>
@@ -9899,7 +11166,7 @@
               <a:effectLst/>
               <a:extLst>
                 <a:ext uri="{C572A759-6A51-4108-AA02-DFA0A04FC94B}">
-                  <ma14:wrappingTextBoxFlag xmlns:ma14="http://schemas.microsoft.com/office/mac/drawingml/2011/main" xmlns="" val="1"/>
+                  <ma14:wrappingTextBoxFlag xmlns="" xmlns:ma14="http://schemas.microsoft.com/office/mac/drawingml/2011/main" val="1"/>
                 </a:ext>
               </a:extLst>
             </p:spPr>
@@ -10081,7 +11348,7 @@
               <a:effectLst/>
               <a:extLst>
                 <a:ext uri="{C572A759-6A51-4108-AA02-DFA0A04FC94B}">
-                  <ma14:wrappingTextBoxFlag xmlns:ma14="http://schemas.microsoft.com/office/mac/drawingml/2011/main" xmlns="" val="1"/>
+                  <ma14:wrappingTextBoxFlag xmlns="" xmlns:ma14="http://schemas.microsoft.com/office/mac/drawingml/2011/main" val="1"/>
                 </a:ext>
               </a:extLst>
             </p:spPr>
@@ -10254,7 +11521,7 @@
               <a:effectLst/>
               <a:extLst>
                 <a:ext uri="{C572A759-6A51-4108-AA02-DFA0A04FC94B}">
-                  <ma14:wrappingTextBoxFlag xmlns:ma14="http://schemas.microsoft.com/office/mac/drawingml/2011/main" xmlns="" val="1"/>
+                  <ma14:wrappingTextBoxFlag xmlns="" xmlns:ma14="http://schemas.microsoft.com/office/mac/drawingml/2011/main" val="1"/>
                 </a:ext>
               </a:extLst>
             </p:spPr>
@@ -10463,7 +11730,7 @@
               <a:effectLst/>
               <a:extLst>
                 <a:ext uri="{C572A759-6A51-4108-AA02-DFA0A04FC94B}">
-                  <ma14:wrappingTextBoxFlag xmlns:ma14="http://schemas.microsoft.com/office/mac/drawingml/2011/main" xmlns="" val="1"/>
+                  <ma14:wrappingTextBoxFlag xmlns="" xmlns:ma14="http://schemas.microsoft.com/office/mac/drawingml/2011/main" val="1"/>
                 </a:ext>
               </a:extLst>
             </p:spPr>
@@ -10659,7 +11926,7 @@
             <a:effectLst/>
             <a:extLst>
               <a:ext uri="{C572A759-6A51-4108-AA02-DFA0A04FC94B}">
-                <ma14:wrappingTextBoxFlag xmlns:ma14="http://schemas.microsoft.com/office/mac/drawingml/2011/main" xmlns="" val="1"/>
+                <ma14:wrappingTextBoxFlag xmlns="" xmlns:ma14="http://schemas.microsoft.com/office/mac/drawingml/2011/main" val="1"/>
               </a:ext>
             </a:extLst>
           </p:spPr>
@@ -10930,7 +12197,7 @@
 </p:sld>
 </file>
 
-<file path=ppt/slides/slide25.xml><?xml version="1.0" encoding="utf-8"?>
+<file path=ppt/slides/slide29.xml><?xml version="1.0" encoding="utf-8"?>
 <p:sld xmlns:a="http://schemas.openxmlformats.org/drawingml/2006/main" xmlns:r="http://schemas.openxmlformats.org/officeDocument/2006/relationships" xmlns:p="http://schemas.openxmlformats.org/presentationml/2006/main">
   <p:cSld>
     <p:spTree>
@@ -11079,7 +12346,7 @@
 </p:sld>
 </file>
 
-<file path=ppt/slides/slide26.xml><?xml version="1.0" encoding="utf-8"?>
+<file path=ppt/slides/slide3.xml><?xml version="1.0" encoding="utf-8"?>
 <p:sld xmlns:a="http://schemas.openxmlformats.org/drawingml/2006/main" xmlns:r="http://schemas.openxmlformats.org/officeDocument/2006/relationships" xmlns:p="http://schemas.openxmlformats.org/presentationml/2006/main">
   <p:cSld>
     <p:spTree>
@@ -11098,7 +12365,7 @@
       </p:grpSpPr>
       <p:sp>
         <p:nvSpPr>
-          <p:cNvPr id="3" name="Title 2"/>
+          <p:cNvPr id="54" name="Shape 54"/>
           <p:cNvSpPr>
             <a:spLocks noGrp="1"/>
           </p:cNvSpPr>
@@ -11106,103 +12373,107 @@
             <p:ph type="title"/>
           </p:nvPr>
         </p:nvSpPr>
-        <p:spPr/>
+        <p:spPr>
+          <a:xfrm>
+            <a:off x="685800" y="2130425"/>
+            <a:ext cx="7772400" cy="1470025"/>
+          </a:xfrm>
+          <a:prstGeom prst="rect">
+            <a:avLst/>
+          </a:prstGeom>
+        </p:spPr>
         <p:txBody>
           <a:bodyPr/>
           <a:lstStyle/>
           <a:p>
-            <a:r>
-              <a:rPr lang="en-US"/>
-              <a:t>What are Types?</a:t>
-            </a:r>
-            <a:endParaRPr lang="en-US" dirty="0"/>
-          </a:p>
-        </p:txBody>
-      </p:sp>
-      <p:sp>
-        <p:nvSpPr>
-          <p:cNvPr id="2" name="Text Placeholder 1"/>
-          <p:cNvSpPr>
-            <a:spLocks noGrp="1"/>
-          </p:cNvSpPr>
-          <p:nvPr>
-            <p:ph idx="1"/>
-          </p:nvPr>
-        </p:nvSpPr>
-        <p:spPr/>
+            <a:pPr lvl="0">
+              <a:defRPr sz="1800"/>
+            </a:pPr>
+            <a:r>
+              <a:rPr sz="4400"/>
+              <a:t>Course Introduction,</a:t>
+            </a:r>
+            <a:br>
+              <a:rPr sz="4400"/>
+            </a:br>
+            <a:r>
+              <a:rPr sz="4400"/>
+              <a:t>Starting with Java</a:t>
+            </a:r>
+          </a:p>
+        </p:txBody>
+      </p:sp>
+      <p:sp>
+        <p:nvSpPr>
+          <p:cNvPr id="55" name="Shape 55"/>
+          <p:cNvSpPr>
+            <a:spLocks noGrp="1"/>
+          </p:cNvSpPr>
+          <p:nvPr>
+            <p:ph type="body" idx="1"/>
+          </p:nvPr>
+        </p:nvSpPr>
+        <p:spPr>
+          <a:xfrm>
+            <a:off x="1371600" y="3886200"/>
+            <a:ext cx="6400800" cy="1752600"/>
+          </a:xfrm>
+          <a:prstGeom prst="rect">
+            <a:avLst/>
+          </a:prstGeom>
+        </p:spPr>
         <p:txBody>
           <a:bodyPr/>
           <a:lstStyle/>
           <a:p>
-            <a:r>
-              <a:rPr lang="en-US"/>
-              <a:t>All variables in Java have a “type”</a:t>
-            </a:r>
-          </a:p>
-          <a:p>
-            <a:r>
-              <a:rPr lang="en-US"/>
-              <a:t>Describes the data that can be stored in a variable</a:t>
-            </a:r>
-          </a:p>
-          <a:p>
-            <a:pPr lvl="1"/>
-            <a:r>
-              <a:rPr lang="en-US"/>
-              <a:t>String – text only</a:t>
-            </a:r>
-          </a:p>
-          <a:p>
-            <a:pPr lvl="1"/>
-            <a:r>
-              <a:rPr lang="en-US"/>
-              <a:t>short/int/long – whole numbers only</a:t>
-            </a:r>
-          </a:p>
-          <a:p>
-            <a:pPr lvl="1"/>
-            <a:r>
-              <a:rPr lang="en-US"/>
-              <a:t>float/double – numbers with decimals</a:t>
-            </a:r>
-          </a:p>
-          <a:p>
-            <a:pPr lvl="1"/>
-            <a:r>
-              <a:rPr lang="en-US"/>
-              <a:t>boolean – true or false</a:t>
-            </a:r>
-          </a:p>
-          <a:p>
-            <a:pPr lvl="1"/>
-            <a:r>
-              <a:rPr lang="en-US"/>
-              <a:t>char – a single text character</a:t>
-            </a:r>
-          </a:p>
-          <a:p>
-            <a:r>
-              <a:rPr lang="en-US"/>
-              <a:t>Classes – Class names are also types, let you define your own, more complex, types</a:t>
-            </a:r>
-            <a:endParaRPr lang="en-US" dirty="0"/>
+            <a:pPr lvl="0" defTabSz="868680">
+              <a:spcBef>
+                <a:spcPts val="500"/>
+              </a:spcBef>
+              <a:defRPr sz="1800">
+                <a:solidFill>
+                  <a:srgbClr val="000000"/>
+                </a:solidFill>
+              </a:defRPr>
+            </a:pPr>
+            <a:r>
+              <a:rPr sz="2280">
+                <a:solidFill>
+                  <a:srgbClr val="888888"/>
+                </a:solidFill>
+              </a:rPr>
+              <a:t>CSSE 220—Object-Oriented Software Development</a:t>
+            </a:r>
+          </a:p>
+          <a:p>
+            <a:pPr lvl="0" defTabSz="868680">
+              <a:defRPr sz="1800">
+                <a:solidFill>
+                  <a:srgbClr val="000000"/>
+                </a:solidFill>
+              </a:defRPr>
+            </a:pPr>
+            <a:r>
+              <a:rPr sz="3040">
+                <a:solidFill>
+                  <a:srgbClr val="888888"/>
+                </a:solidFill>
+              </a:rPr>
+              <a:t>Rose-Hulman Institute of Technology</a:t>
+            </a:r>
           </a:p>
         </p:txBody>
       </p:sp>
     </p:spTree>
-    <p:extLst>
-      <p:ext uri="{BB962C8B-B14F-4D97-AF65-F5344CB8AC3E}">
-        <p14:creationId xmlns:p14="http://schemas.microsoft.com/office/powerpoint/2010/main" val="782453341"/>
-      </p:ext>
-    </p:extLst>
   </p:cSld>
   <p:clrMapOvr>
     <a:masterClrMapping/>
   </p:clrMapOvr>
+  <p:transition spd="med"/>
 </p:sld>
 </file>
 
-<file path=ppt/slides/slide27.xml><?xml version="1.0" encoding="utf-8"?>
+<file path=ppt/slides/slide30.xml><?xml version="1.0" encoding="utf-8"?>
 <p:sld xmlns:a="http://schemas.openxmlformats.org/drawingml/2006/main" xmlns:r="http://schemas.openxmlformats.org/officeDocument/2006/relationships" xmlns:p="http://schemas.openxmlformats.org/presentationml/2006/main">
   <p:cSld>
     <p:spTree>
@@ -11221,7 +12492,7 @@
       </p:grpSpPr>
       <p:sp>
         <p:nvSpPr>
-          <p:cNvPr id="70" name="Shape 70"/>
+          <p:cNvPr id="3" name="Title 2"/>
           <p:cNvSpPr>
             <a:spLocks noGrp="1"/>
           </p:cNvSpPr>
@@ -11234,17 +12505,17 @@
           <a:bodyPr/>
           <a:lstStyle/>
           <a:p>
-            <a:pPr lvl="0"/>
             <a:r>
               <a:rPr lang="en-US"/>
-              <a:t>Strings</a:t>
-            </a:r>
-          </a:p>
-        </p:txBody>
-      </p:sp>
-      <p:sp>
-        <p:nvSpPr>
-          <p:cNvPr id="69" name="Shape 69"/>
+              <a:t>What are Types?</a:t>
+            </a:r>
+            <a:endParaRPr lang="en-US" dirty="0"/>
+          </a:p>
+        </p:txBody>
+      </p:sp>
+      <p:sp>
+        <p:nvSpPr>
+          <p:cNvPr id="2" name="Text Placeholder 1"/>
           <p:cNvSpPr>
             <a:spLocks noGrp="1"/>
           </p:cNvSpPr>
@@ -11257,42 +12528,56 @@
           <a:bodyPr/>
           <a:lstStyle/>
           <a:p>
-            <a:pPr lvl="0"/>
             <a:r>
               <a:rPr lang="en-US"/>
-              <a:t>String myString = “hello”;</a:t>
-            </a:r>
-          </a:p>
-          <a:p>
-            <a:pPr lvl="0"/>
+              <a:t>All variables in Java have a “type”</a:t>
+            </a:r>
+          </a:p>
+          <a:p>
             <a:r>
               <a:rPr lang="en-US"/>
-              <a:t>String otherString = new String(“hello2”);</a:t>
-            </a:r>
-          </a:p>
-          <a:p>
-            <a:pPr lvl="0"/>
-            <a:endParaRPr lang="en-US"/>
-          </a:p>
-          <a:p>
-            <a:pPr lvl="0"/>
+              <a:t>Describes the data that can be stored in a variable</a:t>
+            </a:r>
+          </a:p>
+          <a:p>
+            <a:pPr lvl="1"/>
             <a:r>
               <a:rPr lang="en-US"/>
-              <a:t>Java’s way of storing text data</a:t>
-            </a:r>
-          </a:p>
-          <a:p>
-            <a:pPr lvl="0"/>
+              <a:t>String – text only</a:t>
+            </a:r>
+          </a:p>
+          <a:p>
+            <a:pPr lvl="1"/>
             <a:r>
               <a:rPr lang="en-US"/>
-              <a:t>Has many handy functions like substring, charAt, etc. that you will slowly learn</a:t>
-            </a:r>
-          </a:p>
-          <a:p>
-            <a:pPr lvl="0"/>
+              <a:t>short/int/long – whole numbers only</a:t>
+            </a:r>
+          </a:p>
+          <a:p>
+            <a:pPr lvl="1"/>
             <a:r>
               <a:rPr lang="en-US"/>
-              <a:t>But how do you find out about these cool functions?</a:t>
+              <a:t>float/double – numbers with decimals</a:t>
+            </a:r>
+          </a:p>
+          <a:p>
+            <a:pPr lvl="1"/>
+            <a:r>
+              <a:rPr lang="en-US"/>
+              <a:t>boolean – true or false</a:t>
+            </a:r>
+          </a:p>
+          <a:p>
+            <a:pPr lvl="1"/>
+            <a:r>
+              <a:rPr lang="en-US"/>
+              <a:t>char – a single text character</a:t>
+            </a:r>
+          </a:p>
+          <a:p>
+            <a:r>
+              <a:rPr lang="en-US"/>
+              <a:t>Classes – Class names are also types, let you define your own, more complex, types</a:t>
             </a:r>
             <a:endParaRPr lang="en-US" dirty="0"/>
           </a:p>
@@ -11301,7 +12586,7 @@
     </p:spTree>
     <p:extLst>
       <p:ext uri="{BB962C8B-B14F-4D97-AF65-F5344CB8AC3E}">
-        <p14:creationId xmlns:p14="http://schemas.microsoft.com/office/powerpoint/2010/main" val="765393618"/>
+        <p14:creationId xmlns:p14="http://schemas.microsoft.com/office/powerpoint/2010/main" val="782453341"/>
       </p:ext>
     </p:extLst>
   </p:cSld>
@@ -11311,7 +12596,7 @@
 </p:sld>
 </file>
 
-<file path=ppt/slides/slide28.xml><?xml version="1.0" encoding="utf-8"?>
+<file path=ppt/slides/slide31.xml><?xml version="1.0" encoding="utf-8"?>
 <p:sld xmlns:a="http://schemas.openxmlformats.org/drawingml/2006/main" xmlns:r="http://schemas.openxmlformats.org/officeDocument/2006/relationships" xmlns:p="http://schemas.openxmlformats.org/presentationml/2006/main">
   <p:cSld>
     <p:spTree>
@@ -11330,6 +12615,115 @@
       </p:grpSpPr>
       <p:sp>
         <p:nvSpPr>
+          <p:cNvPr id="70" name="Shape 70"/>
+          <p:cNvSpPr>
+            <a:spLocks noGrp="1"/>
+          </p:cNvSpPr>
+          <p:nvPr>
+            <p:ph type="title"/>
+          </p:nvPr>
+        </p:nvSpPr>
+        <p:spPr/>
+        <p:txBody>
+          <a:bodyPr/>
+          <a:lstStyle/>
+          <a:p>
+            <a:pPr lvl="0"/>
+            <a:r>
+              <a:rPr lang="en-US"/>
+              <a:t>Strings</a:t>
+            </a:r>
+          </a:p>
+        </p:txBody>
+      </p:sp>
+      <p:sp>
+        <p:nvSpPr>
+          <p:cNvPr id="69" name="Shape 69"/>
+          <p:cNvSpPr>
+            <a:spLocks noGrp="1"/>
+          </p:cNvSpPr>
+          <p:nvPr>
+            <p:ph idx="1"/>
+          </p:nvPr>
+        </p:nvSpPr>
+        <p:spPr/>
+        <p:txBody>
+          <a:bodyPr/>
+          <a:lstStyle/>
+          <a:p>
+            <a:pPr lvl="0"/>
+            <a:r>
+              <a:rPr lang="en-US"/>
+              <a:t>String myString = “hello”;</a:t>
+            </a:r>
+          </a:p>
+          <a:p>
+            <a:pPr lvl="0"/>
+            <a:r>
+              <a:rPr lang="en-US"/>
+              <a:t>String otherString = new String(“hello2”);</a:t>
+            </a:r>
+          </a:p>
+          <a:p>
+            <a:pPr lvl="0"/>
+            <a:endParaRPr lang="en-US"/>
+          </a:p>
+          <a:p>
+            <a:pPr lvl="0"/>
+            <a:r>
+              <a:rPr lang="en-US"/>
+              <a:t>Java’s way of storing text data</a:t>
+            </a:r>
+          </a:p>
+          <a:p>
+            <a:pPr lvl="0"/>
+            <a:r>
+              <a:rPr lang="en-US"/>
+              <a:t>Has many handy functions like substring, charAt, etc. that you will slowly learn</a:t>
+            </a:r>
+          </a:p>
+          <a:p>
+            <a:pPr lvl="0"/>
+            <a:r>
+              <a:rPr lang="en-US"/>
+              <a:t>But how do you find out about these cool functions?</a:t>
+            </a:r>
+            <a:endParaRPr lang="en-US" dirty="0"/>
+          </a:p>
+        </p:txBody>
+      </p:sp>
+    </p:spTree>
+    <p:extLst>
+      <p:ext uri="{BB962C8B-B14F-4D97-AF65-F5344CB8AC3E}">
+        <p14:creationId xmlns:p14="http://schemas.microsoft.com/office/powerpoint/2010/main" val="765393618"/>
+      </p:ext>
+    </p:extLst>
+  </p:cSld>
+  <p:clrMapOvr>
+    <a:masterClrMapping/>
+  </p:clrMapOvr>
+</p:sld>
+</file>
+
+<file path=ppt/slides/slide32.xml><?xml version="1.0" encoding="utf-8"?>
+<p:sld xmlns:a="http://schemas.openxmlformats.org/drawingml/2006/main" xmlns:r="http://schemas.openxmlformats.org/officeDocument/2006/relationships" xmlns:p="http://schemas.openxmlformats.org/presentationml/2006/main">
+  <p:cSld>
+    <p:spTree>
+      <p:nvGrpSpPr>
+        <p:cNvPr id="1" name=""/>
+        <p:cNvGrpSpPr/>
+        <p:nvPr/>
+      </p:nvGrpSpPr>
+      <p:grpSpPr>
+        <a:xfrm>
+          <a:off x="0" y="0"/>
+          <a:ext cx="0" cy="0"/>
+          <a:chOff x="0" y="0"/>
+          <a:chExt cx="0" cy="0"/>
+        </a:xfrm>
+      </p:grpSpPr>
+      <p:sp>
+        <p:nvSpPr>
           <p:cNvPr id="72" name="Shape 72"/>
           <p:cNvSpPr>
             <a:spLocks noGrp="1"/>
@@ -11484,7 +12878,7 @@
           </a:ln>
           <a:extLst>
             <a:ext uri="{C572A759-6A51-4108-AA02-DFA0A04FC94B}">
-              <ma14:wrappingTextBoxFlag xmlns:ma14="http://schemas.microsoft.com/office/mac/drawingml/2011/main" xmlns="" val="1"/>
+              <ma14:wrappingTextBoxFlag xmlns="" xmlns:ma14="http://schemas.microsoft.com/office/mac/drawingml/2011/main" val="1"/>
             </a:ext>
           </a:extLst>
         </p:spPr>
@@ -11596,7 +12990,7 @@
           </a:ln>
           <a:extLst>
             <a:ext uri="{C572A759-6A51-4108-AA02-DFA0A04FC94B}">
-              <ma14:wrappingTextBoxFlag xmlns:ma14="http://schemas.microsoft.com/office/mac/drawingml/2011/main" xmlns="" val="1"/>
+              <ma14:wrappingTextBoxFlag xmlns="" xmlns:ma14="http://schemas.microsoft.com/office/mac/drawingml/2011/main" val="1"/>
             </a:ext>
           </a:extLst>
         </p:spPr>
@@ -11776,7 +13170,7 @@
 </p:sld>
 </file>
 
-<file path=ppt/slides/slide29.xml><?xml version="1.0" encoding="utf-8"?>
+<file path=ppt/slides/slide33.xml><?xml version="1.0" encoding="utf-8"?>
 <p:sld xmlns:a="http://schemas.openxmlformats.org/drawingml/2006/main" xmlns:r="http://schemas.openxmlformats.org/officeDocument/2006/relationships" xmlns:p="http://schemas.openxmlformats.org/presentationml/2006/main">
   <p:cSld>
     <p:spTree>
@@ -11949,134 +13343,7 @@
 </p:sld>
 </file>
 
-<file path=ppt/slides/slide3.xml><?xml version="1.0" encoding="utf-8"?>
-<p:sld xmlns:a="http://schemas.openxmlformats.org/drawingml/2006/main" xmlns:r="http://schemas.openxmlformats.org/officeDocument/2006/relationships" xmlns:p="http://schemas.openxmlformats.org/presentationml/2006/main">
-  <p:cSld>
-    <p:spTree>
-      <p:nvGrpSpPr>
-        <p:cNvPr id="1" name=""/>
-        <p:cNvGrpSpPr/>
-        <p:nvPr/>
-      </p:nvGrpSpPr>
-      <p:grpSpPr>
-        <a:xfrm>
-          <a:off x="0" y="0"/>
-          <a:ext cx="0" cy="0"/>
-          <a:chOff x="0" y="0"/>
-          <a:chExt cx="0" cy="0"/>
-        </a:xfrm>
-      </p:grpSpPr>
-      <p:sp>
-        <p:nvSpPr>
-          <p:cNvPr id="54" name="Shape 54"/>
-          <p:cNvSpPr>
-            <a:spLocks noGrp="1"/>
-          </p:cNvSpPr>
-          <p:nvPr>
-            <p:ph type="title"/>
-          </p:nvPr>
-        </p:nvSpPr>
-        <p:spPr>
-          <a:xfrm>
-            <a:off x="685800" y="2130425"/>
-            <a:ext cx="7772400" cy="1470025"/>
-          </a:xfrm>
-          <a:prstGeom prst="rect">
-            <a:avLst/>
-          </a:prstGeom>
-        </p:spPr>
-        <p:txBody>
-          <a:bodyPr/>
-          <a:lstStyle/>
-          <a:p>
-            <a:pPr lvl="0">
-              <a:defRPr sz="1800"/>
-            </a:pPr>
-            <a:r>
-              <a:rPr sz="4400"/>
-              <a:t>Course Introduction,</a:t>
-            </a:r>
-            <a:br>
-              <a:rPr sz="4400"/>
-            </a:br>
-            <a:r>
-              <a:rPr sz="4400"/>
-              <a:t>Starting with Java</a:t>
-            </a:r>
-          </a:p>
-        </p:txBody>
-      </p:sp>
-      <p:sp>
-        <p:nvSpPr>
-          <p:cNvPr id="55" name="Shape 55"/>
-          <p:cNvSpPr>
-            <a:spLocks noGrp="1"/>
-          </p:cNvSpPr>
-          <p:nvPr>
-            <p:ph type="body" idx="1"/>
-          </p:nvPr>
-        </p:nvSpPr>
-        <p:spPr>
-          <a:xfrm>
-            <a:off x="1371600" y="3886200"/>
-            <a:ext cx="6400800" cy="1752600"/>
-          </a:xfrm>
-          <a:prstGeom prst="rect">
-            <a:avLst/>
-          </a:prstGeom>
-        </p:spPr>
-        <p:txBody>
-          <a:bodyPr/>
-          <a:lstStyle/>
-          <a:p>
-            <a:pPr lvl="0" defTabSz="868680">
-              <a:spcBef>
-                <a:spcPts val="500"/>
-              </a:spcBef>
-              <a:defRPr sz="1800">
-                <a:solidFill>
-                  <a:srgbClr val="000000"/>
-                </a:solidFill>
-              </a:defRPr>
-            </a:pPr>
-            <a:r>
-              <a:rPr sz="2280">
-                <a:solidFill>
-                  <a:srgbClr val="888888"/>
-                </a:solidFill>
-              </a:rPr>
-              <a:t>CSSE 220—Object-Oriented Software Development</a:t>
-            </a:r>
-          </a:p>
-          <a:p>
-            <a:pPr lvl="0" defTabSz="868680">
-              <a:defRPr sz="1800">
-                <a:solidFill>
-                  <a:srgbClr val="000000"/>
-                </a:solidFill>
-              </a:defRPr>
-            </a:pPr>
-            <a:r>
-              <a:rPr sz="3040">
-                <a:solidFill>
-                  <a:srgbClr val="888888"/>
-                </a:solidFill>
-              </a:rPr>
-              <a:t>Rose-Hulman Institute of Technology</a:t>
-            </a:r>
-          </a:p>
-        </p:txBody>
-      </p:sp>
-    </p:spTree>
-  </p:cSld>
-  <p:clrMapOvr>
-    <a:masterClrMapping/>
-  </p:clrMapOvr>
-  <p:transition spd="med"/>
-</p:sld>
-</file>
-
-<file path=ppt/slides/slide30.xml><?xml version="1.0" encoding="utf-8"?>
+<file path=ppt/slides/slide34.xml><?xml version="1.0" encoding="utf-8"?>
 <p:sld xmlns:a="http://schemas.openxmlformats.org/drawingml/2006/main" xmlns:r="http://schemas.openxmlformats.org/officeDocument/2006/relationships" xmlns:p="http://schemas.openxmlformats.org/presentationml/2006/main">
   <p:cSld>
     <p:spTree>
@@ -12249,7 +13516,7 @@
           </a:ln>
           <a:extLst>
             <a:ext uri="{C572A759-6A51-4108-AA02-DFA0A04FC94B}">
-              <ma14:wrappingTextBoxFlag xmlns:ma14="http://schemas.microsoft.com/office/mac/drawingml/2011/main" xmlns="" val="1"/>
+              <ma14:wrappingTextBoxFlag xmlns="" xmlns:ma14="http://schemas.microsoft.com/office/mac/drawingml/2011/main" val="1"/>
             </a:ext>
           </a:extLst>
         </p:spPr>
@@ -12298,7 +13565,7 @@
 </p:sld>
 </file>
 
-<file path=ppt/slides/slide31.xml><?xml version="1.0" encoding="utf-8"?>
+<file path=ppt/slides/slide35.xml><?xml version="1.0" encoding="utf-8"?>
 <p:sld xmlns:a="http://schemas.openxmlformats.org/drawingml/2006/main" xmlns:r="http://schemas.openxmlformats.org/officeDocument/2006/relationships" xmlns:p="http://schemas.openxmlformats.org/presentationml/2006/main">
   <p:cSld>
     <p:spTree>
@@ -12385,12 +13652,114 @@
               <a:t>There's instructions in the Homework section of the course </a:t>
             </a:r>
             <a:r>
-              <a:rPr lang="en-US" dirty="0" err="1"/>
+              <a:rPr lang="en-US" dirty="0" err="1" smtClean="0"/>
               <a:t>moodle</a:t>
             </a:r>
-          </a:p>
-        </p:txBody>
-      </p:sp>
+            <a:endParaRPr lang="en-US" dirty="0" smtClean="0"/>
+          </a:p>
+          <a:p>
+            <a:endParaRPr lang="en-US" dirty="0"/>
+          </a:p>
+          <a:p>
+            <a:pPr marL="0" indent="0">
+              <a:buNone/>
+            </a:pPr>
+            <a:r>
+              <a:rPr lang="en-US" dirty="0" smtClean="0"/>
+              <a:t>Helpful:</a:t>
+            </a:r>
+          </a:p>
+          <a:p>
+            <a:pPr marL="0" indent="0">
+              <a:buNone/>
+            </a:pPr>
+            <a:r>
+              <a:rPr lang="en-US" u="sng" dirty="0"/>
+              <a:t>Python vs Java </a:t>
+            </a:r>
+            <a:r>
+              <a:rPr lang="en-US" dirty="0"/>
+              <a:t>features linked </a:t>
+            </a:r>
+            <a:endParaRPr lang="en-US" dirty="0" smtClean="0"/>
+          </a:p>
+          <a:p>
+            <a:pPr marL="0" indent="0">
+              <a:buNone/>
+            </a:pPr>
+            <a:r>
+              <a:rPr lang="en-US" dirty="0" smtClean="0"/>
+              <a:t>on </a:t>
+            </a:r>
+            <a:r>
+              <a:rPr lang="en-US" dirty="0"/>
+              <a:t>session 1 of course </a:t>
+            </a:r>
+            <a:r>
+              <a:rPr lang="en-US" dirty="0" smtClean="0"/>
+              <a:t>schedule:</a:t>
+            </a:r>
+            <a:endParaRPr lang="en-US" dirty="0"/>
+          </a:p>
+          <a:p>
+            <a:endParaRPr lang="en-US" dirty="0" err="1"/>
+          </a:p>
+        </p:txBody>
+      </p:sp>
+      <p:pic>
+        <p:nvPicPr>
+          <p:cNvPr id="4" name="Picture 3"/>
+          <p:cNvPicPr>
+            <a:picLocks noChangeAspect="1"/>
+          </p:cNvPicPr>
+          <p:nvPr/>
+        </p:nvPicPr>
+        <p:blipFill>
+          <a:blip r:embed="rId2"/>
+          <a:stretch>
+            <a:fillRect/>
+          </a:stretch>
+        </p:blipFill>
+        <p:spPr>
+          <a:xfrm>
+            <a:off x="6324600" y="4229100"/>
+            <a:ext cx="2469696" cy="2095500"/>
+          </a:xfrm>
+          <a:prstGeom prst="rect">
+            <a:avLst/>
+          </a:prstGeom>
+          <a:solidFill>
+            <a:srgbClr val="FFFFFF">
+              <a:shade val="85000"/>
+            </a:srgbClr>
+          </a:solidFill>
+          <a:ln w="88900" cap="sq">
+            <a:solidFill>
+              <a:srgbClr val="FFFFFF"/>
+            </a:solidFill>
+            <a:miter lim="800000"/>
+          </a:ln>
+          <a:effectLst>
+            <a:outerShdw blurRad="55000" dist="18000" dir="5400000" algn="tl" rotWithShape="0">
+              <a:srgbClr val="000000">
+                <a:alpha val="40000"/>
+              </a:srgbClr>
+            </a:outerShdw>
+          </a:effectLst>
+          <a:scene3d>
+            <a:camera prst="orthographicFront"/>
+            <a:lightRig rig="twoPt" dir="t">
+              <a:rot lat="0" lon="0" rev="7200000"/>
+            </a:lightRig>
+          </a:scene3d>
+          <a:sp3d>
+            <a:bevelT w="25400" h="19050"/>
+            <a:contourClr>
+              <a:srgbClr val="FFFFFF"/>
+            </a:contourClr>
+          </a:sp3d>
+        </p:spPr>
+      </p:pic>
     </p:spTree>
     <p:extLst>
       <p:ext uri="{BB962C8B-B14F-4D97-AF65-F5344CB8AC3E}">
@@ -12405,7 +13774,7 @@
 </p:sld>
 </file>
 
-<file path=ppt/slides/slide32.xml><?xml version="1.0" encoding="utf-8"?>
+<file path=ppt/slides/slide36.xml><?xml version="1.0" encoding="utf-8"?>
 <p:sld xmlns:a="http://schemas.openxmlformats.org/drawingml/2006/main" xmlns:r="http://schemas.openxmlformats.org/officeDocument/2006/relationships" xmlns:p="http://schemas.openxmlformats.org/presentationml/2006/main">
   <p:cSld>
     <p:spTree>
@@ -12424,6 +13793,166 @@
       </p:grpSpPr>
       <p:sp>
         <p:nvSpPr>
+          <p:cNvPr id="2" name="Title 1"/>
+          <p:cNvSpPr>
+            <a:spLocks noGrp="1"/>
+          </p:cNvSpPr>
+          <p:nvPr>
+            <p:ph type="title"/>
+          </p:nvPr>
+        </p:nvSpPr>
+        <p:spPr>
+          <a:xfrm>
+            <a:off x="304800" y="439368"/>
+            <a:ext cx="5334000" cy="1508125"/>
+          </a:xfrm>
+        </p:spPr>
+        <p:txBody>
+          <a:bodyPr/>
+          <a:lstStyle/>
+          <a:p>
+            <a:r>
+              <a:rPr lang="en-US" dirty="0" smtClean="0"/>
+              <a:t>Java vs. Python</a:t>
+            </a:r>
+            <a:endParaRPr lang="en-US" dirty="0"/>
+          </a:p>
+        </p:txBody>
+      </p:sp>
+      <p:pic>
+        <p:nvPicPr>
+          <p:cNvPr id="4" name="Picture 3"/>
+          <p:cNvPicPr>
+            <a:picLocks noChangeAspect="1"/>
+          </p:cNvPicPr>
+          <p:nvPr/>
+        </p:nvPicPr>
+        <p:blipFill>
+          <a:blip r:embed="rId2"/>
+          <a:stretch>
+            <a:fillRect/>
+          </a:stretch>
+        </p:blipFill>
+        <p:spPr>
+          <a:xfrm>
+            <a:off x="0" y="3352800"/>
+            <a:ext cx="9108244" cy="3124200"/>
+          </a:xfrm>
+          <a:prstGeom prst="rect">
+            <a:avLst/>
+          </a:prstGeom>
+        </p:spPr>
+      </p:pic>
+      <p:pic>
+        <p:nvPicPr>
+          <p:cNvPr id="7" name="Picture 6"/>
+          <p:cNvPicPr>
+            <a:picLocks noChangeAspect="1"/>
+          </p:cNvPicPr>
+          <p:nvPr/>
+        </p:nvPicPr>
+        <p:blipFill rotWithShape="1">
+          <a:blip r:embed="rId3"/>
+          <a:srcRect l="2792"/>
+          <a:stretch/>
+        </p:blipFill>
+        <p:spPr>
+          <a:xfrm>
+            <a:off x="228600" y="2057400"/>
+            <a:ext cx="6335580" cy="781443"/>
+          </a:xfrm>
+          <a:prstGeom prst="rect">
+            <a:avLst/>
+          </a:prstGeom>
+        </p:spPr>
+      </p:pic>
+      <p:pic>
+        <p:nvPicPr>
+          <p:cNvPr id="6" name="Picture 5"/>
+          <p:cNvPicPr>
+            <a:picLocks noChangeAspect="1"/>
+          </p:cNvPicPr>
+          <p:nvPr/>
+        </p:nvPicPr>
+        <p:blipFill>
+          <a:blip r:embed="rId4"/>
+          <a:stretch>
+            <a:fillRect/>
+          </a:stretch>
+        </p:blipFill>
+        <p:spPr>
+          <a:xfrm>
+            <a:off x="6324600" y="1009650"/>
+            <a:ext cx="2469696" cy="2095500"/>
+          </a:xfrm>
+          <a:prstGeom prst="rect">
+            <a:avLst/>
+          </a:prstGeom>
+          <a:solidFill>
+            <a:srgbClr val="FFFFFF">
+              <a:shade val="85000"/>
+            </a:srgbClr>
+          </a:solidFill>
+          <a:ln w="88900" cap="sq">
+            <a:solidFill>
+              <a:srgbClr val="FFFFFF"/>
+            </a:solidFill>
+            <a:miter lim="800000"/>
+          </a:ln>
+          <a:effectLst>
+            <a:outerShdw blurRad="55000" dist="18000" dir="5400000" algn="tl" rotWithShape="0">
+              <a:srgbClr val="000000">
+                <a:alpha val="40000"/>
+              </a:srgbClr>
+            </a:outerShdw>
+          </a:effectLst>
+          <a:scene3d>
+            <a:camera prst="orthographicFront"/>
+            <a:lightRig rig="twoPt" dir="t">
+              <a:rot lat="0" lon="0" rev="7200000"/>
+            </a:lightRig>
+          </a:scene3d>
+          <a:sp3d>
+            <a:bevelT w="25400" h="19050"/>
+            <a:contourClr>
+              <a:srgbClr val="FFFFFF"/>
+            </a:contourClr>
+          </a:sp3d>
+        </p:spPr>
+      </p:pic>
+    </p:spTree>
+    <p:extLst>
+      <p:ext uri="{BB962C8B-B14F-4D97-AF65-F5344CB8AC3E}">
+        <p14:creationId xmlns:p14="http://schemas.microsoft.com/office/powerpoint/2010/main" val="1342843598"/>
+      </p:ext>
+    </p:extLst>
+  </p:cSld>
+  <p:clrMapOvr>
+    <a:masterClrMapping/>
+  </p:clrMapOvr>
+  <p:transition spd="med"/>
+</p:sld>
+</file>
+
+<file path=ppt/slides/slide37.xml><?xml version="1.0" encoding="utf-8"?>
+<p:sld xmlns:a="http://schemas.openxmlformats.org/drawingml/2006/main" xmlns:r="http://schemas.openxmlformats.org/officeDocument/2006/relationships" xmlns:p="http://schemas.openxmlformats.org/presentationml/2006/main">
+  <p:cSld>
+    <p:spTree>
+      <p:nvGrpSpPr>
+        <p:cNvPr id="1" name=""/>
+        <p:cNvGrpSpPr/>
+        <p:nvPr/>
+      </p:nvGrpSpPr>
+      <p:grpSpPr>
+        <a:xfrm>
+          <a:off x="0" y="0"/>
+          <a:ext cx="0" cy="0"/>
+          <a:chOff x="0" y="0"/>
+          <a:chExt cx="0" cy="0"/>
+        </a:xfrm>
+      </p:grpSpPr>
+      <p:sp>
+        <p:nvSpPr>
           <p:cNvPr id="180" name="Shape 180"/>
           <p:cNvSpPr>
             <a:spLocks noGrp="1"/>
@@ -12464,12 +13993,41 @@
             <a:br>
               <a:rPr sz="4725" b="1" cap="all" dirty="0"/>
             </a:br>
+            <a:r>
+              <a:rPr sz="4725" b="1" cap="all" dirty="0"/>
+              <a:t/>
+            </a:r>
             <a:br>
               <a:rPr sz="4725" b="1" cap="all" dirty="0"/>
             </a:br>
             <a:r>
               <a:rPr sz="4725" b="1" cap="all" dirty="0"/>
-              <a:t>It’s on the schedule page.</a:t>
+              <a:t>It’s on the schedule </a:t>
+            </a:r>
+            <a:r>
+              <a:rPr sz="4725" b="1" cap="all" dirty="0" smtClean="0"/>
+              <a:t>page</a:t>
+            </a:r>
+            <a:r>
+              <a:rPr lang="en-US" sz="4725" b="1" cap="all" dirty="0"/>
+              <a:t>:</a:t>
+            </a:r>
+            <a:r>
+              <a:rPr lang="en-US" sz="4725" b="1" cap="all" dirty="0" smtClean="0"/>
+              <a:t/>
+            </a:r>
+            <a:br>
+              <a:rPr lang="en-US" sz="4725" b="1" cap="all" dirty="0" smtClean="0"/>
+            </a:br>
+            <a:r>
+              <a:rPr lang="en-US" sz="2700" dirty="0">
+                <a:hlinkClick r:id="rId2"/>
+              </a:rPr>
+              <a:t>https://rhit-csse.github.io/csse220/schedule.html</a:t>
+            </a:r>
+            <a:r>
+              <a:rPr lang="en-US" sz="4725" b="1" cap="all" dirty="0"/>
+              <a:t/>
             </a:r>
             <a:br>
               <a:rPr lang="en-US" sz="4725" b="1" cap="all" dirty="0"/>
@@ -12478,9 +14036,17 @@
               <a:rPr lang="en-US" sz="2400" b="1" cap="all" dirty="0"/>
               <a:t>(It is your responsibility to keep up with the schedule page)</a:t>
             </a:r>
+            <a:r>
+              <a:rPr sz="4725" b="1" cap="all" dirty="0"/>
+              <a:t/>
+            </a:r>
             <a:br>
               <a:rPr sz="4725" b="1" cap="all" dirty="0"/>
             </a:br>
+            <a:r>
+              <a:rPr sz="4725" b="1" cap="all" dirty="0"/>
+              <a:t/>
+            </a:r>
             <a:br>
               <a:rPr sz="4725" b="1" cap="all" dirty="0"/>
             </a:br>
@@ -12507,7 +14073,7 @@
           </a:prstGeom>
           <a:extLst>
             <a:ext uri="{C572A759-6A51-4108-AA02-DFA0A04FC94B}">
-              <ma14:wrappingTextBoxFlag xmlns:ma14="http://schemas.microsoft.com/office/mac/drawingml/2011/main" xmlns="" val="1"/>
+              <ma14:wrappingTextBoxFlag xmlns="" xmlns:ma14="http://schemas.microsoft.com/office/mac/drawingml/2011/main" val="1"/>
             </a:ext>
           </a:extLst>
         </p:spPr>
@@ -12528,7 +14094,7 @@
                   <a:srgbClr val="888888"/>
                 </a:solidFill>
               </a:rPr>
-              <a:t>32</a:t>
+              <a:t>37</a:t>
             </a:fld>
             <a:endParaRPr sz="1200">
               <a:solidFill>
@@ -12661,6 +14227,633 @@
 </file>
 
 <file path=ppt/slides/slide5.xml><?xml version="1.0" encoding="utf-8"?>
+<p:sld xmlns:a="http://schemas.openxmlformats.org/drawingml/2006/main" xmlns:r="http://schemas.openxmlformats.org/officeDocument/2006/relationships" xmlns:p="http://schemas.openxmlformats.org/presentationml/2006/main">
+  <p:cSld>
+    <p:spTree>
+      <p:nvGrpSpPr>
+        <p:cNvPr id="1" name=""/>
+        <p:cNvGrpSpPr/>
+        <p:nvPr/>
+      </p:nvGrpSpPr>
+      <p:grpSpPr>
+        <a:xfrm>
+          <a:off x="0" y="0"/>
+          <a:ext cx="0" cy="0"/>
+          <a:chOff x="0" y="0"/>
+          <a:chExt cx="0" cy="0"/>
+        </a:xfrm>
+      </p:grpSpPr>
+      <p:sp>
+        <p:nvSpPr>
+          <p:cNvPr id="2" name="Title 1"/>
+          <p:cNvSpPr>
+            <a:spLocks noGrp="1"/>
+          </p:cNvSpPr>
+          <p:nvPr>
+            <p:ph type="title"/>
+          </p:nvPr>
+        </p:nvSpPr>
+        <p:spPr/>
+        <p:txBody>
+          <a:bodyPr/>
+          <a:lstStyle/>
+          <a:p>
+            <a:r>
+              <a:rPr lang="en-US" dirty="0"/>
+              <a:t>Instructor Info</a:t>
+            </a:r>
+          </a:p>
+        </p:txBody>
+      </p:sp>
+      <p:sp>
+        <p:nvSpPr>
+          <p:cNvPr id="3" name="Text Placeholder 2"/>
+          <p:cNvSpPr>
+            <a:spLocks noGrp="1"/>
+          </p:cNvSpPr>
+          <p:nvPr>
+            <p:ph type="body" idx="1"/>
+          </p:nvPr>
+        </p:nvSpPr>
+        <p:spPr>
+          <a:xfrm>
+            <a:off x="152400" y="1219200"/>
+            <a:ext cx="8534400" cy="5486400"/>
+          </a:xfrm>
+        </p:spPr>
+        <p:txBody>
+          <a:bodyPr>
+            <a:normAutofit/>
+          </a:bodyPr>
+          <a:lstStyle/>
+          <a:p>
+            <a:r>
+              <a:rPr lang="en-US" dirty="0"/>
+              <a:t>Jason Yoder</a:t>
+            </a:r>
+          </a:p>
+          <a:p>
+            <a:pPr lvl="1"/>
+            <a:r>
+              <a:rPr lang="en-US" dirty="0" smtClean="0"/>
+              <a:t>Prev. Visiting </a:t>
+            </a:r>
+            <a:r>
+              <a:rPr lang="en-US" dirty="0"/>
+              <a:t>Professor CSSE </a:t>
+            </a:r>
+            <a:r>
+              <a:rPr lang="en-US" dirty="0" smtClean="0"/>
+              <a:t>2017-2019</a:t>
+            </a:r>
+          </a:p>
+          <a:p>
+            <a:pPr lvl="1"/>
+            <a:r>
+              <a:rPr lang="en-US" dirty="0" smtClean="0"/>
+              <a:t>Feel </a:t>
+            </a:r>
+            <a:r>
+              <a:rPr lang="en-US" dirty="0" smtClean="0"/>
+              <a:t>free to </a:t>
+            </a:r>
+            <a:r>
+              <a:rPr lang="en-US" dirty="0"/>
+              <a:t>call me:</a:t>
+            </a:r>
+          </a:p>
+          <a:p>
+            <a:pPr lvl="2"/>
+            <a:r>
+              <a:rPr lang="en-US" dirty="0"/>
+              <a:t>Jason</a:t>
+            </a:r>
+          </a:p>
+          <a:p>
+            <a:pPr lvl="2"/>
+            <a:r>
+              <a:rPr lang="en-US" dirty="0" smtClean="0"/>
+              <a:t>Dr. </a:t>
+            </a:r>
+            <a:r>
+              <a:rPr lang="en-US" dirty="0"/>
+              <a:t>Yoder (or </a:t>
+            </a:r>
+            <a:r>
+              <a:rPr lang="en-US" dirty="0" smtClean="0"/>
+              <a:t>Professor)</a:t>
+            </a:r>
+            <a:endParaRPr lang="en-US" dirty="0"/>
+          </a:p>
+          <a:p>
+            <a:pPr lvl="1"/>
+            <a:r>
+              <a:rPr lang="en-US" dirty="0" smtClean="0"/>
+              <a:t>Degree: Computer </a:t>
+            </a:r>
+            <a:r>
+              <a:rPr lang="en-US" dirty="0" smtClean="0"/>
+              <a:t>Science, Cognitive Science</a:t>
+            </a:r>
+          </a:p>
+          <a:p>
+            <a:pPr lvl="1"/>
+            <a:r>
+              <a:rPr lang="en-US" dirty="0" smtClean="0"/>
+              <a:t>Only on campus </a:t>
+            </a:r>
+            <a:r>
+              <a:rPr lang="en-US" dirty="0" smtClean="0"/>
+              <a:t>Tue-Fri</a:t>
+            </a:r>
+            <a:endParaRPr lang="en-US" dirty="0" smtClean="0"/>
+          </a:p>
+          <a:p>
+            <a:pPr lvl="1"/>
+            <a:r>
+              <a:rPr lang="en-US" dirty="0" smtClean="0"/>
+              <a:t>Piazza/Email anytime!</a:t>
+            </a:r>
+            <a:endParaRPr lang="en-US" dirty="0"/>
+          </a:p>
+        </p:txBody>
+      </p:sp>
+    </p:spTree>
+    <p:extLst>
+      <p:ext uri="{BB962C8B-B14F-4D97-AF65-F5344CB8AC3E}">
+        <p14:creationId xmlns:p14="http://schemas.microsoft.com/office/powerpoint/2010/main" val="1489438865"/>
+      </p:ext>
+    </p:extLst>
+  </p:cSld>
+  <p:clrMapOvr>
+    <a:masterClrMapping/>
+  </p:clrMapOvr>
+  <p:transition spd="med"/>
+  <p:timing>
+    <p:tnLst>
+      <p:par>
+        <p:cTn id="1" dur="indefinite" restart="never" nodeType="tmRoot"/>
+      </p:par>
+    </p:tnLst>
+  </p:timing>
+</p:sld>
+</file>
+
+<file path=ppt/slides/slide6.xml><?xml version="1.0" encoding="utf-8"?>
+<p:sld xmlns:a="http://schemas.openxmlformats.org/drawingml/2006/main" xmlns:r="http://schemas.openxmlformats.org/officeDocument/2006/relationships" xmlns:p="http://schemas.openxmlformats.org/presentationml/2006/main">
+  <p:cSld>
+    <p:spTree>
+      <p:nvGrpSpPr>
+        <p:cNvPr id="1" name=""/>
+        <p:cNvGrpSpPr/>
+        <p:nvPr/>
+      </p:nvGrpSpPr>
+      <p:grpSpPr>
+        <a:xfrm>
+          <a:off x="0" y="0"/>
+          <a:ext cx="0" cy="0"/>
+          <a:chOff x="0" y="0"/>
+          <a:chExt cx="0" cy="0"/>
+        </a:xfrm>
+      </p:grpSpPr>
+      <p:sp>
+        <p:nvSpPr>
+          <p:cNvPr id="2" name="Title 1"/>
+          <p:cNvSpPr>
+            <a:spLocks noGrp="1"/>
+          </p:cNvSpPr>
+          <p:nvPr>
+            <p:ph type="title"/>
+          </p:nvPr>
+        </p:nvSpPr>
+        <p:spPr/>
+        <p:txBody>
+          <a:bodyPr/>
+          <a:lstStyle/>
+          <a:p>
+            <a:r>
+              <a:rPr lang="en-US" dirty="0"/>
+              <a:t>Instructor Info</a:t>
+            </a:r>
+          </a:p>
+        </p:txBody>
+      </p:sp>
+      <p:sp>
+        <p:nvSpPr>
+          <p:cNvPr id="3" name="Text Placeholder 2"/>
+          <p:cNvSpPr>
+            <a:spLocks noGrp="1"/>
+          </p:cNvSpPr>
+          <p:nvPr>
+            <p:ph type="body" idx="1"/>
+          </p:nvPr>
+        </p:nvSpPr>
+        <p:spPr>
+          <a:xfrm>
+            <a:off x="152400" y="1219200"/>
+            <a:ext cx="8534400" cy="5486400"/>
+          </a:xfrm>
+        </p:spPr>
+        <p:txBody>
+          <a:bodyPr>
+            <a:normAutofit/>
+          </a:bodyPr>
+          <a:lstStyle/>
+          <a:p>
+            <a:endParaRPr lang="en-US" dirty="0" smtClean="0"/>
+          </a:p>
+          <a:p>
+            <a:r>
+              <a:rPr lang="en-US" dirty="0" smtClean="0"/>
+              <a:t>Meetings </a:t>
+            </a:r>
+            <a:r>
+              <a:rPr lang="en-US" dirty="0" smtClean="0"/>
+              <a:t>with me 1 on 1</a:t>
+            </a:r>
+            <a:endParaRPr lang="en-US" dirty="0"/>
+          </a:p>
+          <a:p>
+            <a:pPr lvl="1"/>
+            <a:r>
+              <a:rPr lang="en-US" b="1" dirty="0" err="1" smtClean="0"/>
+              <a:t>Calendly</a:t>
+            </a:r>
+            <a:r>
+              <a:rPr lang="en-US" dirty="0" smtClean="0"/>
+              <a:t>: a service </a:t>
+            </a:r>
+            <a:r>
+              <a:rPr lang="en-US" dirty="0" smtClean="0"/>
+              <a:t>to schedule </a:t>
+            </a:r>
+            <a:endParaRPr lang="en-US" dirty="0" smtClean="0"/>
+          </a:p>
+          <a:p>
+            <a:pPr lvl="1"/>
+            <a:r>
+              <a:rPr lang="en-US" dirty="0" smtClean="0"/>
+              <a:t>appointments (in </a:t>
+            </a:r>
+            <a:r>
+              <a:rPr lang="en-US" dirty="0" smtClean="0"/>
+              <a:t>my email signature)</a:t>
+            </a:r>
+          </a:p>
+          <a:p>
+            <a:pPr lvl="1"/>
+            <a:r>
+              <a:rPr lang="en-US" dirty="0" smtClean="0"/>
+              <a:t>Helps me plan my time effectively</a:t>
+            </a:r>
+          </a:p>
+          <a:p>
+            <a:pPr lvl="1"/>
+            <a:r>
+              <a:rPr lang="en-US" dirty="0" smtClean="0"/>
+              <a:t>Email me if you can’t find a time and we can discuss options:</a:t>
+            </a:r>
+          </a:p>
+          <a:p>
+            <a:pPr lvl="2"/>
+            <a:r>
+              <a:rPr lang="en-US" dirty="0" smtClean="0"/>
+              <a:t>Mondays: Skype/Google </a:t>
+            </a:r>
+            <a:r>
+              <a:rPr lang="en-US" dirty="0" smtClean="0"/>
+              <a:t>hangout</a:t>
+            </a:r>
+          </a:p>
+          <a:p>
+            <a:pPr lvl="2"/>
+            <a:r>
+              <a:rPr lang="en-US" dirty="0" smtClean="0"/>
+              <a:t>Tue-Fri:  </a:t>
+            </a:r>
+            <a:r>
+              <a:rPr lang="en-US" dirty="0" smtClean="0"/>
+              <a:t>After 5pm, before 8am</a:t>
+            </a:r>
+            <a:endParaRPr lang="en-US" dirty="0"/>
+          </a:p>
+        </p:txBody>
+      </p:sp>
+      <p:pic>
+        <p:nvPicPr>
+          <p:cNvPr id="4" name="Picture 3"/>
+          <p:cNvPicPr>
+            <a:picLocks noChangeAspect="1"/>
+          </p:cNvPicPr>
+          <p:nvPr/>
+        </p:nvPicPr>
+        <p:blipFill rotWithShape="1">
+          <a:blip r:embed="rId3"/>
+          <a:srcRect r="67347"/>
+          <a:stretch/>
+        </p:blipFill>
+        <p:spPr>
+          <a:xfrm>
+            <a:off x="7239000" y="1447800"/>
+            <a:ext cx="1676400" cy="2085975"/>
+          </a:xfrm>
+          <a:prstGeom prst="rect">
+            <a:avLst/>
+          </a:prstGeom>
+        </p:spPr>
+      </p:pic>
+    </p:spTree>
+    <p:extLst>
+      <p:ext uri="{BB962C8B-B14F-4D97-AF65-F5344CB8AC3E}">
+        <p14:creationId xmlns:p14="http://schemas.microsoft.com/office/powerpoint/2010/main" val="131884715"/>
+      </p:ext>
+    </p:extLst>
+  </p:cSld>
+  <p:clrMapOvr>
+    <a:masterClrMapping/>
+  </p:clrMapOvr>
+  <p:transition spd="med"/>
+  <p:timing>
+    <p:tnLst>
+      <p:par>
+        <p:cTn id="1" dur="indefinite" restart="never" nodeType="tmRoot"/>
+      </p:par>
+    </p:tnLst>
+  </p:timing>
+</p:sld>
+</file>
+
+<file path=ppt/slides/slide7.xml><?xml version="1.0" encoding="utf-8"?>
+<p:sld xmlns:a="http://schemas.openxmlformats.org/drawingml/2006/main" xmlns:r="http://schemas.openxmlformats.org/officeDocument/2006/relationships" xmlns:p="http://schemas.openxmlformats.org/presentationml/2006/main">
+  <p:cSld>
+    <p:spTree>
+      <p:nvGrpSpPr>
+        <p:cNvPr id="1" name=""/>
+        <p:cNvGrpSpPr/>
+        <p:nvPr/>
+      </p:nvGrpSpPr>
+      <p:grpSpPr>
+        <a:xfrm>
+          <a:off x="0" y="0"/>
+          <a:ext cx="0" cy="0"/>
+          <a:chOff x="0" y="0"/>
+          <a:chExt cx="0" cy="0"/>
+        </a:xfrm>
+      </p:grpSpPr>
+      <p:sp>
+        <p:nvSpPr>
+          <p:cNvPr id="2" name="Title 1"/>
+          <p:cNvSpPr>
+            <a:spLocks noGrp="1"/>
+          </p:cNvSpPr>
+          <p:nvPr>
+            <p:ph type="title"/>
+          </p:nvPr>
+        </p:nvSpPr>
+        <p:spPr/>
+        <p:txBody>
+          <a:bodyPr/>
+          <a:lstStyle/>
+          <a:p>
+            <a:r>
+              <a:rPr lang="en-US" dirty="0"/>
+              <a:t>Instructor Info</a:t>
+            </a:r>
+          </a:p>
+        </p:txBody>
+      </p:sp>
+      <p:sp>
+        <p:nvSpPr>
+          <p:cNvPr id="3" name="Text Placeholder 2"/>
+          <p:cNvSpPr>
+            <a:spLocks noGrp="1"/>
+          </p:cNvSpPr>
+          <p:nvPr>
+            <p:ph type="body" idx="1"/>
+          </p:nvPr>
+        </p:nvSpPr>
+        <p:spPr>
+          <a:xfrm>
+            <a:off x="152400" y="1219200"/>
+            <a:ext cx="8915400" cy="5486400"/>
+          </a:xfrm>
+        </p:spPr>
+        <p:txBody>
+          <a:bodyPr>
+            <a:normAutofit lnSpcReduction="10000"/>
+          </a:bodyPr>
+          <a:lstStyle/>
+          <a:p>
+            <a:r>
+              <a:rPr lang="en-US" dirty="0" smtClean="0"/>
+              <a:t>More about me</a:t>
+            </a:r>
+          </a:p>
+          <a:p>
+            <a:pPr lvl="1"/>
+            <a:r>
+              <a:rPr lang="en-US" dirty="0" smtClean="0"/>
+              <a:t>I am in Bloomington </a:t>
+            </a:r>
+            <a:r>
+              <a:rPr lang="en-US" dirty="0" smtClean="0"/>
+              <a:t>Sat-Monday</a:t>
+            </a:r>
+            <a:endParaRPr lang="en-US" dirty="0" smtClean="0"/>
+          </a:p>
+          <a:p>
+            <a:pPr lvl="1"/>
+            <a:r>
+              <a:rPr lang="en-US" dirty="0" smtClean="0"/>
+              <a:t>I like to </a:t>
+            </a:r>
+            <a:r>
+              <a:rPr lang="en-US" b="1" dirty="0" smtClean="0"/>
+              <a:t>“work hard and play hard”</a:t>
+            </a:r>
+          </a:p>
+          <a:p>
+            <a:pPr lvl="1"/>
+            <a:r>
+              <a:rPr lang="en-US" dirty="0" smtClean="0"/>
+              <a:t>I am rejuvenated by sports/physical challenges:</a:t>
+            </a:r>
+          </a:p>
+          <a:p>
+            <a:pPr lvl="2"/>
+            <a:r>
+              <a:rPr lang="en-US" dirty="0" smtClean="0"/>
+              <a:t>Ultimate Frisbee, rock climbing, hockey,+</a:t>
+            </a:r>
+          </a:p>
+          <a:p>
+            <a:pPr lvl="1"/>
+            <a:r>
+              <a:rPr lang="en-US" dirty="0" smtClean="0"/>
+              <a:t>I think its important to have a hobby or activity that helps keep you “sane” </a:t>
+            </a:r>
+            <a:r>
+              <a:rPr lang="en-US" dirty="0" smtClean="0">
+                <a:sym typeface="Wingdings" panose="05000000000000000000" pitchFamily="2" charset="2"/>
+              </a:rPr>
+              <a:t></a:t>
+            </a:r>
+            <a:endParaRPr lang="en-US" dirty="0" smtClean="0"/>
+          </a:p>
+          <a:p>
+            <a:pPr lvl="1"/>
+            <a:r>
+              <a:rPr lang="en-US" dirty="0" smtClean="0"/>
+              <a:t>Interested in working with students on research</a:t>
+            </a:r>
+          </a:p>
+          <a:p>
+            <a:pPr lvl="2"/>
+            <a:r>
+              <a:rPr lang="en-US" dirty="0" smtClean="0"/>
+              <a:t>Feel free to stop by or email if you have interest in research</a:t>
+            </a:r>
+            <a:endParaRPr lang="en-US" dirty="0"/>
+          </a:p>
+          <a:p>
+            <a:endParaRPr lang="en-US" dirty="0"/>
+          </a:p>
+        </p:txBody>
+      </p:sp>
+    </p:spTree>
+    <p:extLst>
+      <p:ext uri="{BB962C8B-B14F-4D97-AF65-F5344CB8AC3E}">
+        <p14:creationId xmlns:p14="http://schemas.microsoft.com/office/powerpoint/2010/main" val="1546476687"/>
+      </p:ext>
+    </p:extLst>
+  </p:cSld>
+  <p:clrMapOvr>
+    <a:masterClrMapping/>
+  </p:clrMapOvr>
+  <p:transition spd="med"/>
+  <p:timing>
+    <p:tnLst>
+      <p:par>
+        <p:cTn id="1" dur="indefinite" restart="never" nodeType="tmRoot"/>
+      </p:par>
+    </p:tnLst>
+  </p:timing>
+</p:sld>
+</file>
+
+<file path=ppt/slides/slide8.xml><?xml version="1.0" encoding="utf-8"?>
+<p:sld xmlns:a="http://schemas.openxmlformats.org/drawingml/2006/main" xmlns:r="http://schemas.openxmlformats.org/officeDocument/2006/relationships" xmlns:p="http://schemas.openxmlformats.org/presentationml/2006/main">
+  <p:cSld>
+    <p:spTree>
+      <p:nvGrpSpPr>
+        <p:cNvPr id="1" name=""/>
+        <p:cNvGrpSpPr/>
+        <p:nvPr/>
+      </p:nvGrpSpPr>
+      <p:grpSpPr>
+        <a:xfrm>
+          <a:off x="0" y="0"/>
+          <a:ext cx="0" cy="0"/>
+          <a:chOff x="0" y="0"/>
+          <a:chExt cx="0" cy="0"/>
+        </a:xfrm>
+      </p:grpSpPr>
+      <p:sp>
+        <p:nvSpPr>
+          <p:cNvPr id="2" name="Title 1"/>
+          <p:cNvSpPr>
+            <a:spLocks noGrp="1"/>
+          </p:cNvSpPr>
+          <p:nvPr>
+            <p:ph type="title"/>
+          </p:nvPr>
+        </p:nvSpPr>
+        <p:spPr/>
+        <p:txBody>
+          <a:bodyPr/>
+          <a:lstStyle/>
+          <a:p>
+            <a:r>
+              <a:rPr lang="en-US" dirty="0" smtClean="0"/>
+              <a:t>Introductions</a:t>
+            </a:r>
+            <a:endParaRPr lang="en-US" dirty="0"/>
+          </a:p>
+        </p:txBody>
+      </p:sp>
+      <p:sp>
+        <p:nvSpPr>
+          <p:cNvPr id="3" name="Text Placeholder 2"/>
+          <p:cNvSpPr>
+            <a:spLocks noGrp="1"/>
+          </p:cNvSpPr>
+          <p:nvPr>
+            <p:ph type="body" idx="1"/>
+          </p:nvPr>
+        </p:nvSpPr>
+        <p:spPr/>
+        <p:txBody>
+          <a:bodyPr/>
+          <a:lstStyle/>
+          <a:p>
+            <a:r>
+              <a:rPr lang="en-US" dirty="0" smtClean="0"/>
+              <a:t>TA</a:t>
+            </a:r>
+          </a:p>
+          <a:p>
+            <a:r>
+              <a:rPr lang="en-US" dirty="0" smtClean="0"/>
+              <a:t>Students</a:t>
+            </a:r>
+            <a:endParaRPr lang="en-US" dirty="0" smtClean="0"/>
+          </a:p>
+          <a:p>
+            <a:pPr lvl="1"/>
+            <a:r>
+              <a:rPr lang="en-US" dirty="0" smtClean="0"/>
+              <a:t>What should we call you?</a:t>
+            </a:r>
+          </a:p>
+          <a:p>
+            <a:pPr lvl="1"/>
+            <a:r>
+              <a:rPr lang="en-US" dirty="0" smtClean="0"/>
+              <a:t>What you do for fun/rejuvenation?</a:t>
+            </a:r>
+          </a:p>
+          <a:p>
+            <a:pPr lvl="1"/>
+            <a:r>
+              <a:rPr lang="en-US" dirty="0" smtClean="0"/>
+              <a:t>Anything else you want us to know?</a:t>
+            </a:r>
+            <a:endParaRPr lang="en-US" dirty="0"/>
+          </a:p>
+        </p:txBody>
+      </p:sp>
+    </p:spTree>
+    <p:extLst>
+      <p:ext uri="{BB962C8B-B14F-4D97-AF65-F5344CB8AC3E}">
+        <p14:creationId xmlns:p14="http://schemas.microsoft.com/office/powerpoint/2010/main" val="2104651478"/>
+      </p:ext>
+    </p:extLst>
+  </p:cSld>
+  <p:clrMapOvr>
+    <a:masterClrMapping/>
+  </p:clrMapOvr>
+  <p:transition spd="med"/>
+  <p:timing>
+    <p:tnLst>
+      <p:par>
+        <p:cTn id="1" dur="indefinite" restart="never" nodeType="tmRoot"/>
+      </p:par>
+    </p:tnLst>
+  </p:timing>
+</p:sld>
+</file>
+
+<file path=ppt/slides/slide9.xml><?xml version="1.0" encoding="utf-8"?>
 <p:sld xmlns:a="http://schemas.openxmlformats.org/drawingml/2006/main" xmlns:r="http://schemas.openxmlformats.org/officeDocument/2006/relationships" xmlns:p="http://schemas.openxmlformats.org/presentationml/2006/main" show="0">
   <p:cSld>
     <p:spTree>
@@ -12793,880 +14986,6 @@
     <p:extLst>
       <p:ext uri="{BB962C8B-B14F-4D97-AF65-F5344CB8AC3E}">
         <p14:creationId xmlns:p14="http://schemas.microsoft.com/office/powerpoint/2010/main" val="1132767441"/>
-      </p:ext>
-    </p:extLst>
-  </p:cSld>
-  <p:clrMapOvr>
-    <a:masterClrMapping/>
-  </p:clrMapOvr>
-  <p:transition spd="med"/>
-</p:sld>
-</file>
-
-<file path=ppt/slides/slide6.xml><?xml version="1.0" encoding="utf-8"?>
-<p:sld xmlns:a="http://schemas.openxmlformats.org/drawingml/2006/main" xmlns:r="http://schemas.openxmlformats.org/officeDocument/2006/relationships" xmlns:p="http://schemas.openxmlformats.org/presentationml/2006/main" show="0">
-  <p:cSld>
-    <p:spTree>
-      <p:nvGrpSpPr>
-        <p:cNvPr id="1" name=""/>
-        <p:cNvGrpSpPr/>
-        <p:nvPr/>
-      </p:nvGrpSpPr>
-      <p:grpSpPr>
-        <a:xfrm>
-          <a:off x="0" y="0"/>
-          <a:ext cx="0" cy="0"/>
-          <a:chOff x="0" y="0"/>
-          <a:chExt cx="0" cy="0"/>
-        </a:xfrm>
-      </p:grpSpPr>
-      <p:sp>
-        <p:nvSpPr>
-          <p:cNvPr id="2" name="Title 1"/>
-          <p:cNvSpPr>
-            <a:spLocks noGrp="1"/>
-          </p:cNvSpPr>
-          <p:nvPr>
-            <p:ph type="title"/>
-          </p:nvPr>
-        </p:nvSpPr>
-        <p:spPr/>
-        <p:txBody>
-          <a:bodyPr/>
-          <a:lstStyle/>
-          <a:p>
-            <a:r>
-              <a:rPr lang="en-US" dirty="0"/>
-              <a:t>Instructor Info</a:t>
-            </a:r>
-          </a:p>
-        </p:txBody>
-      </p:sp>
-      <p:sp>
-        <p:nvSpPr>
-          <p:cNvPr id="3" name="Text Placeholder 2"/>
-          <p:cNvSpPr>
-            <a:spLocks noGrp="1"/>
-          </p:cNvSpPr>
-          <p:nvPr>
-            <p:ph type="body" idx="1"/>
-          </p:nvPr>
-        </p:nvSpPr>
-        <p:spPr>
-          <a:xfrm>
-            <a:off x="457200" y="1447800"/>
-            <a:ext cx="8229600" cy="5257800"/>
-          </a:xfrm>
-        </p:spPr>
-        <p:txBody>
-          <a:bodyPr>
-            <a:normAutofit fontScale="92500" lnSpcReduction="10000"/>
-          </a:bodyPr>
-          <a:lstStyle/>
-          <a:p>
-            <a:r>
-              <a:rPr lang="en-US" dirty="0"/>
-              <a:t>Education</a:t>
-            </a:r>
-          </a:p>
-          <a:p>
-            <a:pPr lvl="1"/>
-            <a:r>
-              <a:rPr lang="en-US" dirty="0"/>
-              <a:t>Rose-</a:t>
-            </a:r>
-            <a:r>
-              <a:rPr lang="en-US" dirty="0" err="1"/>
-              <a:t>Hulman</a:t>
-            </a:r>
-            <a:r>
-              <a:rPr lang="en-US" dirty="0"/>
-              <a:t> Institute of Technology 2008</a:t>
-            </a:r>
-          </a:p>
-          <a:p>
-            <a:pPr lvl="2"/>
-            <a:r>
-              <a:rPr lang="en-US" dirty="0"/>
-              <a:t>B.S. in Computer Science and Software Engineering</a:t>
-            </a:r>
-          </a:p>
-          <a:p>
-            <a:r>
-              <a:rPr lang="en-US" dirty="0"/>
-              <a:t>Experience:</a:t>
-            </a:r>
-          </a:p>
-          <a:p>
-            <a:pPr lvl="1"/>
-            <a:r>
-              <a:rPr lang="en-US" dirty="0"/>
-              <a:t>Amadeus Consulting, 2008-2010</a:t>
-            </a:r>
-          </a:p>
-          <a:p>
-            <a:pPr lvl="1"/>
-            <a:r>
-              <a:rPr lang="en-US" dirty="0"/>
-              <a:t>Software Engineering Professionals (SEP), 2010-2014</a:t>
-            </a:r>
-          </a:p>
-          <a:p>
-            <a:pPr lvl="1"/>
-            <a:r>
-              <a:rPr lang="en-US" dirty="0"/>
-              <a:t>Stouder Software Consulting, LLC (2014-present)</a:t>
-            </a:r>
-          </a:p>
-          <a:p>
-            <a:pPr lvl="1"/>
-            <a:r>
-              <a:rPr lang="en-US" dirty="0"/>
-              <a:t>RHIT: Visiting Professor CSSE (2013-2016)</a:t>
-            </a:r>
-          </a:p>
-          <a:p>
-            <a:pPr marL="0" indent="0">
-              <a:buNone/>
-            </a:pPr>
-            <a:endParaRPr lang="en-US" dirty="0"/>
-          </a:p>
-        </p:txBody>
-      </p:sp>
-    </p:spTree>
-    <p:extLst>
-      <p:ext uri="{BB962C8B-B14F-4D97-AF65-F5344CB8AC3E}">
-        <p14:creationId xmlns:p14="http://schemas.microsoft.com/office/powerpoint/2010/main" val="662568383"/>
-      </p:ext>
-    </p:extLst>
-  </p:cSld>
-  <p:clrMapOvr>
-    <a:masterClrMapping/>
-  </p:clrMapOvr>
-  <p:transition spd="med"/>
-</p:sld>
-</file>
-
-<file path=ppt/slides/slide7.xml><?xml version="1.0" encoding="utf-8"?>
-<p:sld xmlns:a="http://schemas.openxmlformats.org/drawingml/2006/main" xmlns:r="http://schemas.openxmlformats.org/officeDocument/2006/relationships" xmlns:p="http://schemas.openxmlformats.org/presentationml/2006/main" show="0">
-  <p:cSld>
-    <p:spTree>
-      <p:nvGrpSpPr>
-        <p:cNvPr id="1" name=""/>
-        <p:cNvGrpSpPr/>
-        <p:nvPr/>
-      </p:nvGrpSpPr>
-      <p:grpSpPr>
-        <a:xfrm>
-          <a:off x="0" y="0"/>
-          <a:ext cx="0" cy="0"/>
-          <a:chOff x="0" y="0"/>
-          <a:chExt cx="0" cy="0"/>
-        </a:xfrm>
-      </p:grpSpPr>
-      <p:sp>
-        <p:nvSpPr>
-          <p:cNvPr id="2" name="Title 1"/>
-          <p:cNvSpPr>
-            <a:spLocks noGrp="1"/>
-          </p:cNvSpPr>
-          <p:nvPr>
-            <p:ph type="title"/>
-          </p:nvPr>
-        </p:nvSpPr>
-        <p:spPr/>
-        <p:txBody>
-          <a:bodyPr/>
-          <a:lstStyle/>
-          <a:p>
-            <a:r>
-              <a:rPr lang="en-US" dirty="0"/>
-              <a:t>Instructor Info</a:t>
-            </a:r>
-          </a:p>
-        </p:txBody>
-      </p:sp>
-      <p:sp>
-        <p:nvSpPr>
-          <p:cNvPr id="3" name="Text Placeholder 2"/>
-          <p:cNvSpPr>
-            <a:spLocks noGrp="1"/>
-          </p:cNvSpPr>
-          <p:nvPr>
-            <p:ph type="body" idx="1"/>
-          </p:nvPr>
-        </p:nvSpPr>
-        <p:spPr/>
-        <p:txBody>
-          <a:bodyPr/>
-          <a:lstStyle/>
-          <a:p>
-            <a:r>
-              <a:rPr lang="en-US" dirty="0"/>
-              <a:t>Office Hours:</a:t>
-            </a:r>
-          </a:p>
-          <a:p>
-            <a:pPr lvl="1"/>
-            <a:r>
-              <a:rPr lang="en-US" dirty="0"/>
-              <a:t>MWF 7:30am – 8:30am, 1:30pm – 4:30pm</a:t>
-            </a:r>
-          </a:p>
-          <a:p>
-            <a:pPr lvl="1"/>
-            <a:r>
-              <a:rPr lang="en-US" dirty="0"/>
-              <a:t>OFF CAMPUS: Tuesdays and Thursdays</a:t>
-            </a:r>
-          </a:p>
-          <a:p>
-            <a:pPr lvl="1"/>
-            <a:r>
-              <a:rPr lang="en-US" dirty="0"/>
-              <a:t>Always by my email!</a:t>
-            </a:r>
-          </a:p>
-          <a:p>
-            <a:pPr lvl="1"/>
-            <a:r>
-              <a:rPr lang="en-US" dirty="0"/>
-              <a:t>If you need a different time, email me and we’ll work something out</a:t>
-            </a:r>
-          </a:p>
-        </p:txBody>
-      </p:sp>
-    </p:spTree>
-    <p:extLst>
-      <p:ext uri="{BB962C8B-B14F-4D97-AF65-F5344CB8AC3E}">
-        <p14:creationId xmlns:p14="http://schemas.microsoft.com/office/powerpoint/2010/main" val="3139923198"/>
-      </p:ext>
-    </p:extLst>
-  </p:cSld>
-  <p:clrMapOvr>
-    <a:masterClrMapping/>
-  </p:clrMapOvr>
-  <p:transition spd="med"/>
-</p:sld>
-</file>
-
-<file path=ppt/slides/slide8.xml><?xml version="1.0" encoding="utf-8"?>
-<p:sld xmlns:a="http://schemas.openxmlformats.org/drawingml/2006/main" xmlns:r="http://schemas.openxmlformats.org/officeDocument/2006/relationships" xmlns:p="http://schemas.openxmlformats.org/presentationml/2006/main" show="0">
-  <p:cSld>
-    <p:spTree>
-      <p:nvGrpSpPr>
-        <p:cNvPr id="1" name=""/>
-        <p:cNvGrpSpPr/>
-        <p:nvPr/>
-      </p:nvGrpSpPr>
-      <p:grpSpPr>
-        <a:xfrm>
-          <a:off x="0" y="0"/>
-          <a:ext cx="0" cy="0"/>
-          <a:chOff x="0" y="0"/>
-          <a:chExt cx="0" cy="0"/>
-        </a:xfrm>
-      </p:grpSpPr>
-      <p:sp>
-        <p:nvSpPr>
-          <p:cNvPr id="2" name="Title 1"/>
-          <p:cNvSpPr>
-            <a:spLocks noGrp="1"/>
-          </p:cNvSpPr>
-          <p:nvPr>
-            <p:ph type="title"/>
-          </p:nvPr>
-        </p:nvSpPr>
-        <p:spPr/>
-        <p:txBody>
-          <a:bodyPr/>
-          <a:lstStyle/>
-          <a:p>
-            <a:r>
-              <a:rPr lang="en-US" dirty="0"/>
-              <a:t>Instructor Info</a:t>
-            </a:r>
-          </a:p>
-        </p:txBody>
-      </p:sp>
-      <p:sp>
-        <p:nvSpPr>
-          <p:cNvPr id="3" name="Text Placeholder 2"/>
-          <p:cNvSpPr>
-            <a:spLocks noGrp="1"/>
-          </p:cNvSpPr>
-          <p:nvPr>
-            <p:ph type="body" idx="1"/>
-          </p:nvPr>
-        </p:nvSpPr>
-        <p:spPr>
-          <a:xfrm>
-            <a:off x="445168" y="1295400"/>
-            <a:ext cx="8229600" cy="5257800"/>
-          </a:xfrm>
-        </p:spPr>
-        <p:txBody>
-          <a:bodyPr>
-            <a:normAutofit lnSpcReduction="10000"/>
-          </a:bodyPr>
-          <a:lstStyle/>
-          <a:p>
-            <a:r>
-              <a:rPr lang="en-US" dirty="0"/>
-              <a:t>Laptop Policy</a:t>
-            </a:r>
-          </a:p>
-          <a:p>
-            <a:pPr lvl="1"/>
-            <a:r>
-              <a:rPr lang="en-US" dirty="0"/>
-              <a:t>I’m trying something new this quarter</a:t>
-            </a:r>
-          </a:p>
-          <a:p>
-            <a:pPr lvl="1"/>
-            <a:r>
-              <a:rPr lang="en-US" dirty="0"/>
-              <a:t>Why?</a:t>
-            </a:r>
-          </a:p>
-          <a:p>
-            <a:pPr lvl="1"/>
-            <a:r>
-              <a:rPr lang="en-US" dirty="0"/>
-              <a:t>I will ask you to close/open laptops as we move through the class</a:t>
-            </a:r>
-          </a:p>
-          <a:p>
-            <a:pPr lvl="1"/>
-            <a:r>
-              <a:rPr lang="en-US" dirty="0"/>
-              <a:t>When closed, I need you to pay attention</a:t>
-            </a:r>
-          </a:p>
-          <a:p>
-            <a:pPr lvl="2"/>
-            <a:r>
-              <a:rPr lang="en-US" dirty="0"/>
-              <a:t>This also means no phones/other devices</a:t>
-            </a:r>
-          </a:p>
-          <a:p>
-            <a:pPr lvl="1"/>
-            <a:r>
-              <a:rPr lang="en-US" dirty="0"/>
-              <a:t>Closing far enough so you can’t see the screen is fine</a:t>
-            </a:r>
-          </a:p>
-          <a:p>
-            <a:pPr lvl="1"/>
-            <a:r>
-              <a:rPr lang="en-US" dirty="0"/>
-              <a:t>What if I take notes on my laptop?</a:t>
-            </a:r>
-          </a:p>
-        </p:txBody>
-      </p:sp>
-    </p:spTree>
-    <p:extLst>
-      <p:ext uri="{BB962C8B-B14F-4D97-AF65-F5344CB8AC3E}">
-        <p14:creationId xmlns:p14="http://schemas.microsoft.com/office/powerpoint/2010/main" val="123079383"/>
-      </p:ext>
-    </p:extLst>
-  </p:cSld>
-  <p:clrMapOvr>
-    <a:masterClrMapping/>
-  </p:clrMapOvr>
-  <p:transition spd="med"/>
-  <p:timing>
-    <p:tnLst>
-      <p:par>
-        <p:cTn id="1" dur="indefinite" restart="never" nodeType="tmRoot">
-          <p:childTnLst>
-            <p:seq concurrent="1" nextAc="seek">
-              <p:cTn id="2" dur="indefinite" nodeType="mainSeq">
-                <p:childTnLst>
-                  <p:par>
-                    <p:cTn id="3" fill="hold">
-                      <p:stCondLst>
-                        <p:cond delay="indefinite"/>
-                      </p:stCondLst>
-                      <p:childTnLst>
-                        <p:par>
-                          <p:cTn id="4" fill="hold">
-                            <p:stCondLst>
-                              <p:cond delay="0"/>
-                            </p:stCondLst>
-                            <p:childTnLst>
-                              <p:par>
-                                <p:cTn id="5" presetID="1" presetClass="entr" presetSubtype="0" fill="hold" nodeType="clickEffect">
-                                  <p:stCondLst>
-                                    <p:cond delay="0"/>
-                                  </p:stCondLst>
-                                  <p:childTnLst>
-                                    <p:set>
-                                      <p:cBhvr>
-                                        <p:cTn id="6" dur="1" fill="hold">
-                                          <p:stCondLst>
-                                            <p:cond delay="0"/>
-                                          </p:stCondLst>
-                                        </p:cTn>
-                                        <p:tgtEl>
-                                          <p:spTgt spid="3">
-                                            <p:txEl>
-                                              <p:pRg st="1" end="1"/>
-                                            </p:txEl>
-                                          </p:spTgt>
-                                        </p:tgtEl>
-                                        <p:attrNameLst>
-                                          <p:attrName>style.visibility</p:attrName>
-                                        </p:attrNameLst>
-                                      </p:cBhvr>
-                                      <p:to>
-                                        <p:strVal val="visible"/>
-                                      </p:to>
-                                    </p:set>
-                                  </p:childTnLst>
-                                </p:cTn>
-                              </p:par>
-                            </p:childTnLst>
-                          </p:cTn>
-                        </p:par>
-                      </p:childTnLst>
-                    </p:cTn>
-                  </p:par>
-                  <p:par>
-                    <p:cTn id="7" fill="hold">
-                      <p:stCondLst>
-                        <p:cond delay="indefinite"/>
-                      </p:stCondLst>
-                      <p:childTnLst>
-                        <p:par>
-                          <p:cTn id="8" fill="hold">
-                            <p:stCondLst>
-                              <p:cond delay="0"/>
-                            </p:stCondLst>
-                            <p:childTnLst>
-                              <p:par>
-                                <p:cTn id="9" presetID="1" presetClass="entr" presetSubtype="0" fill="hold" nodeType="clickEffect">
-                                  <p:stCondLst>
-                                    <p:cond delay="0"/>
-                                  </p:stCondLst>
-                                  <p:childTnLst>
-                                    <p:set>
-                                      <p:cBhvr>
-                                        <p:cTn id="10" dur="1" fill="hold">
-                                          <p:stCondLst>
-                                            <p:cond delay="0"/>
-                                          </p:stCondLst>
-                                        </p:cTn>
-                                        <p:tgtEl>
-                                          <p:spTgt spid="3">
-                                            <p:txEl>
-                                              <p:pRg st="2" end="2"/>
-                                            </p:txEl>
-                                          </p:spTgt>
-                                        </p:tgtEl>
-                                        <p:attrNameLst>
-                                          <p:attrName>style.visibility</p:attrName>
-                                        </p:attrNameLst>
-                                      </p:cBhvr>
-                                      <p:to>
-                                        <p:strVal val="visible"/>
-                                      </p:to>
-                                    </p:set>
-                                  </p:childTnLst>
-                                </p:cTn>
-                              </p:par>
-                            </p:childTnLst>
-                          </p:cTn>
-                        </p:par>
-                      </p:childTnLst>
-                    </p:cTn>
-                  </p:par>
-                  <p:par>
-                    <p:cTn id="11" fill="hold">
-                      <p:stCondLst>
-                        <p:cond delay="indefinite"/>
-                      </p:stCondLst>
-                      <p:childTnLst>
-                        <p:par>
-                          <p:cTn id="12" fill="hold">
-                            <p:stCondLst>
-                              <p:cond delay="0"/>
-                            </p:stCondLst>
-                            <p:childTnLst>
-                              <p:par>
-                                <p:cTn id="13" presetID="1" presetClass="entr" presetSubtype="0" fill="hold" nodeType="clickEffect">
-                                  <p:stCondLst>
-                                    <p:cond delay="0"/>
-                                  </p:stCondLst>
-                                  <p:childTnLst>
-                                    <p:set>
-                                      <p:cBhvr>
-                                        <p:cTn id="14" dur="1" fill="hold">
-                                          <p:stCondLst>
-                                            <p:cond delay="0"/>
-                                          </p:stCondLst>
-                                        </p:cTn>
-                                        <p:tgtEl>
-                                          <p:spTgt spid="3">
-                                            <p:txEl>
-                                              <p:pRg st="3" end="3"/>
-                                            </p:txEl>
-                                          </p:spTgt>
-                                        </p:tgtEl>
-                                        <p:attrNameLst>
-                                          <p:attrName>style.visibility</p:attrName>
-                                        </p:attrNameLst>
-                                      </p:cBhvr>
-                                      <p:to>
-                                        <p:strVal val="visible"/>
-                                      </p:to>
-                                    </p:set>
-                                  </p:childTnLst>
-                                </p:cTn>
-                              </p:par>
-                            </p:childTnLst>
-                          </p:cTn>
-                        </p:par>
-                      </p:childTnLst>
-                    </p:cTn>
-                  </p:par>
-                  <p:par>
-                    <p:cTn id="15" fill="hold">
-                      <p:stCondLst>
-                        <p:cond delay="indefinite"/>
-                      </p:stCondLst>
-                      <p:childTnLst>
-                        <p:par>
-                          <p:cTn id="16" fill="hold">
-                            <p:stCondLst>
-                              <p:cond delay="0"/>
-                            </p:stCondLst>
-                            <p:childTnLst>
-                              <p:par>
-                                <p:cTn id="17" presetID="1" presetClass="entr" presetSubtype="0" fill="hold" nodeType="clickEffect">
-                                  <p:stCondLst>
-                                    <p:cond delay="0"/>
-                                  </p:stCondLst>
-                                  <p:childTnLst>
-                                    <p:set>
-                                      <p:cBhvr>
-                                        <p:cTn id="18" dur="1" fill="hold">
-                                          <p:stCondLst>
-                                            <p:cond delay="0"/>
-                                          </p:stCondLst>
-                                        </p:cTn>
-                                        <p:tgtEl>
-                                          <p:spTgt spid="3">
-                                            <p:txEl>
-                                              <p:pRg st="4" end="4"/>
-                                            </p:txEl>
-                                          </p:spTgt>
-                                        </p:tgtEl>
-                                        <p:attrNameLst>
-                                          <p:attrName>style.visibility</p:attrName>
-                                        </p:attrNameLst>
-                                      </p:cBhvr>
-                                      <p:to>
-                                        <p:strVal val="visible"/>
-                                      </p:to>
-                                    </p:set>
-                                  </p:childTnLst>
-                                </p:cTn>
-                              </p:par>
-                            </p:childTnLst>
-                          </p:cTn>
-                        </p:par>
-                      </p:childTnLst>
-                    </p:cTn>
-                  </p:par>
-                  <p:par>
-                    <p:cTn id="19" fill="hold">
-                      <p:stCondLst>
-                        <p:cond delay="indefinite"/>
-                      </p:stCondLst>
-                      <p:childTnLst>
-                        <p:par>
-                          <p:cTn id="20" fill="hold">
-                            <p:stCondLst>
-                              <p:cond delay="0"/>
-                            </p:stCondLst>
-                            <p:childTnLst>
-                              <p:par>
-                                <p:cTn id="21" presetID="1" presetClass="entr" presetSubtype="0" fill="hold" nodeType="clickEffect">
-                                  <p:stCondLst>
-                                    <p:cond delay="0"/>
-                                  </p:stCondLst>
-                                  <p:childTnLst>
-                                    <p:set>
-                                      <p:cBhvr>
-                                        <p:cTn id="22" dur="1" fill="hold">
-                                          <p:stCondLst>
-                                            <p:cond delay="0"/>
-                                          </p:stCondLst>
-                                        </p:cTn>
-                                        <p:tgtEl>
-                                          <p:spTgt spid="3">
-                                            <p:txEl>
-                                              <p:pRg st="5" end="5"/>
-                                            </p:txEl>
-                                          </p:spTgt>
-                                        </p:tgtEl>
-                                        <p:attrNameLst>
-                                          <p:attrName>style.visibility</p:attrName>
-                                        </p:attrNameLst>
-                                      </p:cBhvr>
-                                      <p:to>
-                                        <p:strVal val="visible"/>
-                                      </p:to>
-                                    </p:set>
-                                  </p:childTnLst>
-                                </p:cTn>
-                              </p:par>
-                            </p:childTnLst>
-                          </p:cTn>
-                        </p:par>
-                      </p:childTnLst>
-                    </p:cTn>
-                  </p:par>
-                  <p:par>
-                    <p:cTn id="23" fill="hold">
-                      <p:stCondLst>
-                        <p:cond delay="indefinite"/>
-                      </p:stCondLst>
-                      <p:childTnLst>
-                        <p:par>
-                          <p:cTn id="24" fill="hold">
-                            <p:stCondLst>
-                              <p:cond delay="0"/>
-                            </p:stCondLst>
-                            <p:childTnLst>
-                              <p:par>
-                                <p:cTn id="25" presetID="1" presetClass="entr" presetSubtype="0" fill="hold" nodeType="clickEffect">
-                                  <p:stCondLst>
-                                    <p:cond delay="0"/>
-                                  </p:stCondLst>
-                                  <p:childTnLst>
-                                    <p:set>
-                                      <p:cBhvr>
-                                        <p:cTn id="26" dur="1" fill="hold">
-                                          <p:stCondLst>
-                                            <p:cond delay="0"/>
-                                          </p:stCondLst>
-                                        </p:cTn>
-                                        <p:tgtEl>
-                                          <p:spTgt spid="3">
-                                            <p:txEl>
-                                              <p:pRg st="6" end="6"/>
-                                            </p:txEl>
-                                          </p:spTgt>
-                                        </p:tgtEl>
-                                        <p:attrNameLst>
-                                          <p:attrName>style.visibility</p:attrName>
-                                        </p:attrNameLst>
-                                      </p:cBhvr>
-                                      <p:to>
-                                        <p:strVal val="visible"/>
-                                      </p:to>
-                                    </p:set>
-                                  </p:childTnLst>
-                                </p:cTn>
-                              </p:par>
-                            </p:childTnLst>
-                          </p:cTn>
-                        </p:par>
-                      </p:childTnLst>
-                    </p:cTn>
-                  </p:par>
-                  <p:par>
-                    <p:cTn id="27" fill="hold">
-                      <p:stCondLst>
-                        <p:cond delay="indefinite"/>
-                      </p:stCondLst>
-                      <p:childTnLst>
-                        <p:par>
-                          <p:cTn id="28" fill="hold">
-                            <p:stCondLst>
-                              <p:cond delay="0"/>
-                            </p:stCondLst>
-                            <p:childTnLst>
-                              <p:par>
-                                <p:cTn id="29" presetID="1" presetClass="entr" presetSubtype="0" fill="hold" nodeType="clickEffect">
-                                  <p:stCondLst>
-                                    <p:cond delay="0"/>
-                                  </p:stCondLst>
-                                  <p:childTnLst>
-                                    <p:set>
-                                      <p:cBhvr>
-                                        <p:cTn id="30" dur="1" fill="hold">
-                                          <p:stCondLst>
-                                            <p:cond delay="0"/>
-                                          </p:stCondLst>
-                                        </p:cTn>
-                                        <p:tgtEl>
-                                          <p:spTgt spid="3">
-                                            <p:txEl>
-                                              <p:pRg st="7" end="7"/>
-                                            </p:txEl>
-                                          </p:spTgt>
-                                        </p:tgtEl>
-                                        <p:attrNameLst>
-                                          <p:attrName>style.visibility</p:attrName>
-                                        </p:attrNameLst>
-                                      </p:cBhvr>
-                                      <p:to>
-                                        <p:strVal val="visible"/>
-                                      </p:to>
-                                    </p:set>
-                                  </p:childTnLst>
-                                </p:cTn>
-                              </p:par>
-                            </p:childTnLst>
-                          </p:cTn>
-                        </p:par>
-                      </p:childTnLst>
-                    </p:cTn>
-                  </p:par>
-                </p:childTnLst>
-              </p:cTn>
-              <p:prevCondLst>
-                <p:cond evt="onPrev" delay="0">
-                  <p:tgtEl>
-                    <p:sldTgt/>
-                  </p:tgtEl>
-                </p:cond>
-              </p:prevCondLst>
-              <p:nextCondLst>
-                <p:cond evt="onNext" delay="0">
-                  <p:tgtEl>
-                    <p:sldTgt/>
-                  </p:tgtEl>
-                </p:cond>
-              </p:nextCondLst>
-            </p:seq>
-          </p:childTnLst>
-        </p:cTn>
-      </p:par>
-    </p:tnLst>
-  </p:timing>
-</p:sld>
-</file>
-
-<file path=ppt/slides/slide9.xml><?xml version="1.0" encoding="utf-8"?>
-<p:sld xmlns:a="http://schemas.openxmlformats.org/drawingml/2006/main" xmlns:r="http://schemas.openxmlformats.org/officeDocument/2006/relationships" xmlns:p="http://schemas.openxmlformats.org/presentationml/2006/main">
-  <p:cSld>
-    <p:spTree>
-      <p:nvGrpSpPr>
-        <p:cNvPr id="1" name=""/>
-        <p:cNvGrpSpPr/>
-        <p:nvPr/>
-      </p:nvGrpSpPr>
-      <p:grpSpPr>
-        <a:xfrm>
-          <a:off x="0" y="0"/>
-          <a:ext cx="0" cy="0"/>
-          <a:chOff x="0" y="0"/>
-          <a:chExt cx="0" cy="0"/>
-        </a:xfrm>
-      </p:grpSpPr>
-      <p:sp>
-        <p:nvSpPr>
-          <p:cNvPr id="2" name="Title 1"/>
-          <p:cNvSpPr>
-            <a:spLocks noGrp="1"/>
-          </p:cNvSpPr>
-          <p:nvPr>
-            <p:ph type="title"/>
-          </p:nvPr>
-        </p:nvSpPr>
-        <p:spPr/>
-        <p:txBody>
-          <a:bodyPr/>
-          <a:lstStyle/>
-          <a:p>
-            <a:r>
-              <a:rPr lang="en-US" dirty="0"/>
-              <a:t>Instructor Info</a:t>
-            </a:r>
-          </a:p>
-        </p:txBody>
-      </p:sp>
-      <p:sp>
-        <p:nvSpPr>
-          <p:cNvPr id="3" name="Text Placeholder 2"/>
-          <p:cNvSpPr>
-            <a:spLocks noGrp="1"/>
-          </p:cNvSpPr>
-          <p:nvPr>
-            <p:ph type="body" idx="1"/>
-          </p:nvPr>
-        </p:nvSpPr>
-        <p:spPr>
-          <a:xfrm>
-            <a:off x="457200" y="1219200"/>
-            <a:ext cx="8229600" cy="5410200"/>
-          </a:xfrm>
-        </p:spPr>
-        <p:txBody>
-          <a:bodyPr lIns="45719" rIns="45719" anchor="t">
-            <a:normAutofit/>
-          </a:bodyPr>
-          <a:lstStyle/>
-          <a:p>
-            <a:r>
-              <a:rPr lang="en-US" dirty="0"/>
-              <a:t>Mike Hewner</a:t>
-            </a:r>
-          </a:p>
-          <a:p>
-            <a:pPr marL="783590" lvl="1" indent="-326390"/>
-            <a:r>
-              <a:rPr lang="en-US" dirty="0"/>
-              <a:t>Call me Buffalo</a:t>
-            </a:r>
-          </a:p>
-          <a:p>
-            <a:r>
-              <a:rPr lang="en-US" dirty="0"/>
-              <a:t>I love object oriented programming &amp; weird programming languages</a:t>
-            </a:r>
-          </a:p>
-          <a:p>
-            <a:r>
-              <a:rPr lang="en-US" dirty="0"/>
-              <a:t>I’ve worked at Amazon, </a:t>
-            </a:r>
-            <a:r>
-              <a:rPr lang="en-US" dirty="0" err="1"/>
-              <a:t>GroupOn</a:t>
-            </a:r>
-            <a:r>
-              <a:rPr lang="en-US" dirty="0"/>
-              <a:t>, Progressive Insurance, and many other places</a:t>
-            </a:r>
-          </a:p>
-          <a:p>
-            <a:r>
-              <a:rPr lang="en-US" dirty="0"/>
-              <a:t>Contact info on the course </a:t>
-            </a:r>
-            <a:r>
-              <a:rPr lang="en-US" dirty="0" err="1"/>
-              <a:t>polcies</a:t>
-            </a:r>
-            <a:r>
-              <a:rPr lang="en-US" dirty="0"/>
-              <a:t> document</a:t>
-            </a:r>
-          </a:p>
-        </p:txBody>
-      </p:sp>
-    </p:spTree>
-    <p:extLst>
-      <p:ext uri="{BB962C8B-B14F-4D97-AF65-F5344CB8AC3E}">
-        <p14:creationId xmlns:p14="http://schemas.microsoft.com/office/powerpoint/2010/main" val="2563842827"/>
       </p:ext>
     </p:extLst>
   </p:cSld>

--- a/ClassMaterials/JavaIntro/Slides/JavaIntro.pptx
+++ b/ClassMaterials/JavaIntro/Slides/JavaIntro.pptx
@@ -6,7 +6,7 @@
     <p:sldMasterId id="2147483660" r:id="rId2"/>
   </p:sldMasterIdLst>
   <p:notesMasterIdLst>
-    <p:notesMasterId r:id="rId40"/>
+    <p:notesMasterId r:id="rId41"/>
   </p:notesMasterIdLst>
   <p:sldIdLst>
     <p:sldId id="256" r:id="rId3"/>
@@ -40,12 +40,13 @@
     <p:sldId id="319" r:id="rId31"/>
     <p:sldId id="288" r:id="rId32"/>
     <p:sldId id="289" r:id="rId33"/>
-    <p:sldId id="290" r:id="rId34"/>
-    <p:sldId id="291" r:id="rId35"/>
-    <p:sldId id="320" r:id="rId36"/>
-    <p:sldId id="325" r:id="rId37"/>
-    <p:sldId id="331" r:id="rId38"/>
-    <p:sldId id="274" r:id="rId39"/>
+    <p:sldId id="332" r:id="rId34"/>
+    <p:sldId id="290" r:id="rId35"/>
+    <p:sldId id="291" r:id="rId36"/>
+    <p:sldId id="320" r:id="rId37"/>
+    <p:sldId id="325" r:id="rId38"/>
+    <p:sldId id="331" r:id="rId39"/>
+    <p:sldId id="274" r:id="rId40"/>
   </p:sldIdLst>
   <p:sldSz cx="9144000" cy="6858000" type="screen4x3"/>
   <p:notesSz cx="6858000" cy="9144000"/>
@@ -884,7 +885,7 @@
       </p:grpSpPr>
       <p:sp>
         <p:nvSpPr>
-          <p:cNvPr id="77" name="Shape 77"/>
+          <p:cNvPr id="2" name="Slide Image Placeholder 1"/>
           <p:cNvSpPr>
             <a:spLocks noGrp="1" noRot="1" noChangeAspect="1"/>
           </p:cNvSpPr>
@@ -892,285 +893,39 @@
             <p:ph type="sldImg"/>
           </p:nvPr>
         </p:nvSpPr>
-        <p:spPr>
-          <a:prstGeom prst="rect">
-            <a:avLst/>
-          </a:prstGeom>
-        </p:spPr>
+        <p:spPr/>
+      </p:sp>
+      <p:sp>
+        <p:nvSpPr>
+          <p:cNvPr id="3" name="Notes Placeholder 2"/>
+          <p:cNvSpPr>
+            <a:spLocks noGrp="1"/>
+          </p:cNvSpPr>
+          <p:nvPr>
+            <p:ph type="body" idx="1"/>
+          </p:nvPr>
+        </p:nvSpPr>
+        <p:spPr/>
         <p:txBody>
           <a:bodyPr/>
           <a:lstStyle/>
           <a:p>
-            <a:pPr lvl="0"/>
-            <a:endParaRPr/>
-          </a:p>
-        </p:txBody>
-      </p:sp>
-      <p:sp>
-        <p:nvSpPr>
-          <p:cNvPr id="78" name="Shape 78"/>
-          <p:cNvSpPr>
-            <a:spLocks noGrp="1"/>
-          </p:cNvSpPr>
-          <p:nvPr>
-            <p:ph type="body" sz="quarter" idx="1"/>
-          </p:nvPr>
-        </p:nvSpPr>
-        <p:spPr>
-          <a:prstGeom prst="rect">
-            <a:avLst/>
-          </a:prstGeom>
-        </p:spPr>
-        <p:txBody>
-          <a:bodyPr/>
-          <a:lstStyle/>
-          <a:p>
-            <a:pPr lvl="0" defTabSz="914400">
-              <a:lnSpc>
-                <a:spcPct val="100000"/>
-              </a:lnSpc>
-              <a:spcBef>
-                <a:spcPts val="800"/>
-              </a:spcBef>
-              <a:defRPr sz="1800"/>
-            </a:pPr>
-            <a:r>
-              <a:rPr sz="2300">
-                <a:latin typeface="Calibri"/>
-                <a:ea typeface="Calibri"/>
-                <a:cs typeface="Calibri"/>
-                <a:sym typeface="Calibri"/>
-              </a:rPr>
-              <a:t>Find the documentation for the </a:t>
-            </a:r>
-            <a:r>
-              <a:rPr sz="2300" b="1">
-                <a:latin typeface="Calibri"/>
-                <a:ea typeface="Calibri"/>
-                <a:cs typeface="Calibri"/>
-                <a:sym typeface="Calibri"/>
-              </a:rPr>
-              <a:t>String</a:t>
-            </a:r>
-            <a:r>
-              <a:rPr sz="2300">
-                <a:latin typeface="Calibri"/>
-                <a:ea typeface="Calibri"/>
-                <a:cs typeface="Calibri"/>
-                <a:sym typeface="Calibri"/>
-              </a:rPr>
-              <a:t> class from one of the above links, as follows:</a:t>
-            </a:r>
-            <a:endParaRPr sz="1200">
-              <a:latin typeface="Calibri"/>
-              <a:ea typeface="Calibri"/>
-              <a:cs typeface="Calibri"/>
-              <a:sym typeface="Calibri"/>
-            </a:endParaRPr>
-          </a:p>
-          <a:p>
-            <a:pPr lvl="0" defTabSz="914400">
-              <a:lnSpc>
-                <a:spcPct val="100000"/>
-              </a:lnSpc>
-              <a:spcBef>
-                <a:spcPts val="600"/>
-              </a:spcBef>
-              <a:buSzPct val="100000"/>
-              <a:buChar char="-"/>
-              <a:defRPr sz="1800"/>
-            </a:pPr>
-            <a:r>
-              <a:rPr sz="1900">
-                <a:latin typeface="Calibri"/>
-                <a:ea typeface="Calibri"/>
-                <a:cs typeface="Calibri"/>
-                <a:sym typeface="Calibri"/>
-              </a:rPr>
-              <a:t> Click </a:t>
-            </a:r>
-            <a:r>
-              <a:rPr sz="1900">
-                <a:solidFill>
-                  <a:srgbClr val="9BBB59"/>
-                </a:solidFill>
-                <a:latin typeface="Calibri"/>
-                <a:ea typeface="Calibri"/>
-                <a:cs typeface="Calibri"/>
-                <a:sym typeface="Calibri"/>
-              </a:rPr>
-              <a:t>java.lang</a:t>
-            </a:r>
-            <a:r>
-              <a:rPr sz="1900">
-                <a:latin typeface="Calibri"/>
-                <a:ea typeface="Calibri"/>
-                <a:cs typeface="Calibri"/>
-                <a:sym typeface="Calibri"/>
-              </a:rPr>
-              <a:t> in the top-left pane</a:t>
-            </a:r>
-            <a:endParaRPr sz="1200">
-              <a:latin typeface="Calibri"/>
-              <a:ea typeface="Calibri"/>
-              <a:cs typeface="Calibri"/>
-              <a:sym typeface="Calibri"/>
-            </a:endParaRPr>
-          </a:p>
-          <a:p>
-            <a:pPr lvl="0" defTabSz="914400">
-              <a:lnSpc>
-                <a:spcPct val="100000"/>
-              </a:lnSpc>
-              <a:spcBef>
-                <a:spcPts val="600"/>
-              </a:spcBef>
-              <a:buSzPct val="100000"/>
-              <a:buChar char="-"/>
-              <a:defRPr sz="1800"/>
-            </a:pPr>
-            <a:r>
-              <a:rPr sz="1900">
-                <a:latin typeface="Calibri"/>
-                <a:ea typeface="Calibri"/>
-                <a:cs typeface="Calibri"/>
-                <a:sym typeface="Calibri"/>
-              </a:rPr>
-              <a:t> Then click </a:t>
-            </a:r>
-            <a:r>
-              <a:rPr sz="1900">
-                <a:solidFill>
-                  <a:srgbClr val="9BBB59"/>
-                </a:solidFill>
-                <a:latin typeface="Calibri"/>
-                <a:ea typeface="Calibri"/>
-                <a:cs typeface="Calibri"/>
-                <a:sym typeface="Calibri"/>
-              </a:rPr>
-              <a:t>String</a:t>
-            </a:r>
-            <a:r>
-              <a:rPr sz="1900">
-                <a:latin typeface="Calibri"/>
-                <a:ea typeface="Calibri"/>
-                <a:cs typeface="Calibri"/>
-                <a:sym typeface="Calibri"/>
-              </a:rPr>
-              <a:t> in the bottom-left pane</a:t>
-            </a:r>
-            <a:endParaRPr sz="1200">
-              <a:latin typeface="Calibri"/>
-              <a:ea typeface="Calibri"/>
-              <a:cs typeface="Calibri"/>
-              <a:sym typeface="Calibri"/>
-            </a:endParaRPr>
-          </a:p>
-          <a:p>
-            <a:pPr lvl="0" defTabSz="914400">
-              <a:lnSpc>
-                <a:spcPct val="100000"/>
-              </a:lnSpc>
-              <a:spcBef>
-                <a:spcPts val="400"/>
-              </a:spcBef>
-              <a:defRPr sz="1800"/>
-            </a:pPr>
-            <a:endParaRPr sz="1200">
-              <a:latin typeface="Calibri"/>
-              <a:ea typeface="Calibri"/>
-              <a:cs typeface="Calibri"/>
-              <a:sym typeface="Calibri"/>
-            </a:endParaRPr>
-          </a:p>
-          <a:p>
-            <a:pPr lvl="0" defTabSz="914400">
-              <a:lnSpc>
-                <a:spcPct val="100000"/>
-              </a:lnSpc>
-              <a:spcBef>
-                <a:spcPts val="400"/>
-              </a:spcBef>
-              <a:defRPr sz="1800"/>
-            </a:pPr>
-            <a:r>
-              <a:rPr sz="1200">
-                <a:latin typeface="Calibri"/>
-                <a:ea typeface="Calibri"/>
-                <a:cs typeface="Calibri"/>
-                <a:sym typeface="Calibri"/>
-              </a:rPr>
-              <a:t>Describe the parts of the String API documentation:</a:t>
-            </a:r>
-          </a:p>
-          <a:p>
-            <a:pPr lvl="0" defTabSz="914400">
-              <a:lnSpc>
-                <a:spcPct val="100000"/>
-              </a:lnSpc>
-              <a:spcBef>
-                <a:spcPts val="400"/>
-              </a:spcBef>
-              <a:defRPr sz="1800"/>
-            </a:pPr>
-            <a:r>
-              <a:rPr sz="1200">
-                <a:latin typeface="Calibri"/>
-                <a:ea typeface="Calibri"/>
-                <a:cs typeface="Calibri"/>
-                <a:sym typeface="Calibri"/>
-              </a:rPr>
-              <a:t>- description of the class</a:t>
-            </a:r>
-          </a:p>
-          <a:p>
-            <a:pPr lvl="0" defTabSz="914400">
-              <a:lnSpc>
-                <a:spcPct val="100000"/>
-              </a:lnSpc>
-              <a:spcBef>
-                <a:spcPts val="400"/>
-              </a:spcBef>
-              <a:defRPr sz="1800"/>
-            </a:pPr>
-            <a:r>
-              <a:rPr sz="1200">
-                <a:latin typeface="Calibri"/>
-                <a:ea typeface="Calibri"/>
-                <a:cs typeface="Calibri"/>
-                <a:sym typeface="Calibri"/>
-              </a:rPr>
-              <a:t>- summaries of all the fields, constructors, and method</a:t>
-            </a:r>
-          </a:p>
-          <a:p>
-            <a:pPr marL="162130" lvl="0" indent="-162130" defTabSz="914400">
-              <a:lnSpc>
-                <a:spcPct val="100000"/>
-              </a:lnSpc>
-              <a:spcBef>
-                <a:spcPts val="400"/>
-              </a:spcBef>
-              <a:buSzPct val="100000"/>
-              <a:buChar char="-"/>
-              <a:defRPr sz="1800"/>
-            </a:pPr>
-            <a:r>
-              <a:rPr sz="1200">
-                <a:latin typeface="Calibri"/>
-                <a:ea typeface="Calibri"/>
-                <a:cs typeface="Calibri"/>
-                <a:sym typeface="Calibri"/>
-              </a:rPr>
-              <a:t>detailed descriptions of everything</a:t>
-            </a:r>
+            <a:r>
+              <a:rPr lang="en-US" dirty="0" smtClean="0"/>
+              <a:t>Can decide to say this for next class</a:t>
+            </a:r>
+            <a:r>
+              <a:rPr lang="en-US" baseline="0" dirty="0" smtClean="0"/>
+              <a:t> or mention it now at least…</a:t>
+            </a:r>
+            <a:endParaRPr lang="en-US" dirty="0"/>
           </a:p>
         </p:txBody>
       </p:sp>
     </p:spTree>
     <p:extLst>
       <p:ext uri="{BB962C8B-B14F-4D97-AF65-F5344CB8AC3E}">
-        <p14:creationId xmlns:p14="http://schemas.microsoft.com/office/powerpoint/2010/main" val="1218477835"/>
+        <p14:creationId xmlns:p14="http://schemas.microsoft.com/office/powerpoint/2010/main" val="1609906805"/>
       </p:ext>
     </p:extLst>
   </p:cSld>
@@ -1199,6 +954,321 @@
       </p:grpSpPr>
       <p:sp>
         <p:nvSpPr>
+          <p:cNvPr id="77" name="Shape 77"/>
+          <p:cNvSpPr>
+            <a:spLocks noGrp="1" noRot="1" noChangeAspect="1"/>
+          </p:cNvSpPr>
+          <p:nvPr>
+            <p:ph type="sldImg"/>
+          </p:nvPr>
+        </p:nvSpPr>
+        <p:spPr>
+          <a:prstGeom prst="rect">
+            <a:avLst/>
+          </a:prstGeom>
+        </p:spPr>
+        <p:txBody>
+          <a:bodyPr/>
+          <a:lstStyle/>
+          <a:p>
+            <a:pPr lvl="0"/>
+            <a:endParaRPr/>
+          </a:p>
+        </p:txBody>
+      </p:sp>
+      <p:sp>
+        <p:nvSpPr>
+          <p:cNvPr id="78" name="Shape 78"/>
+          <p:cNvSpPr>
+            <a:spLocks noGrp="1"/>
+          </p:cNvSpPr>
+          <p:nvPr>
+            <p:ph type="body" sz="quarter" idx="1"/>
+          </p:nvPr>
+        </p:nvSpPr>
+        <p:spPr>
+          <a:prstGeom prst="rect">
+            <a:avLst/>
+          </a:prstGeom>
+        </p:spPr>
+        <p:txBody>
+          <a:bodyPr/>
+          <a:lstStyle/>
+          <a:p>
+            <a:pPr lvl="0" defTabSz="914400">
+              <a:lnSpc>
+                <a:spcPct val="100000"/>
+              </a:lnSpc>
+              <a:spcBef>
+                <a:spcPts val="800"/>
+              </a:spcBef>
+              <a:defRPr sz="1800"/>
+            </a:pPr>
+            <a:r>
+              <a:rPr sz="2300">
+                <a:latin typeface="Calibri"/>
+                <a:ea typeface="Calibri"/>
+                <a:cs typeface="Calibri"/>
+                <a:sym typeface="Calibri"/>
+              </a:rPr>
+              <a:t>Find the documentation for the </a:t>
+            </a:r>
+            <a:r>
+              <a:rPr sz="2300" b="1">
+                <a:latin typeface="Calibri"/>
+                <a:ea typeface="Calibri"/>
+                <a:cs typeface="Calibri"/>
+                <a:sym typeface="Calibri"/>
+              </a:rPr>
+              <a:t>String</a:t>
+            </a:r>
+            <a:r>
+              <a:rPr sz="2300">
+                <a:latin typeface="Calibri"/>
+                <a:ea typeface="Calibri"/>
+                <a:cs typeface="Calibri"/>
+                <a:sym typeface="Calibri"/>
+              </a:rPr>
+              <a:t> class from one of the above links, as follows:</a:t>
+            </a:r>
+            <a:endParaRPr sz="1200">
+              <a:latin typeface="Calibri"/>
+              <a:ea typeface="Calibri"/>
+              <a:cs typeface="Calibri"/>
+              <a:sym typeface="Calibri"/>
+            </a:endParaRPr>
+          </a:p>
+          <a:p>
+            <a:pPr lvl="0" defTabSz="914400">
+              <a:lnSpc>
+                <a:spcPct val="100000"/>
+              </a:lnSpc>
+              <a:spcBef>
+                <a:spcPts val="600"/>
+              </a:spcBef>
+              <a:buSzPct val="100000"/>
+              <a:buChar char="-"/>
+              <a:defRPr sz="1800"/>
+            </a:pPr>
+            <a:r>
+              <a:rPr sz="1900">
+                <a:latin typeface="Calibri"/>
+                <a:ea typeface="Calibri"/>
+                <a:cs typeface="Calibri"/>
+                <a:sym typeface="Calibri"/>
+              </a:rPr>
+              <a:t> Click </a:t>
+            </a:r>
+            <a:r>
+              <a:rPr sz="1900">
+                <a:solidFill>
+                  <a:srgbClr val="9BBB59"/>
+                </a:solidFill>
+                <a:latin typeface="Calibri"/>
+                <a:ea typeface="Calibri"/>
+                <a:cs typeface="Calibri"/>
+                <a:sym typeface="Calibri"/>
+              </a:rPr>
+              <a:t>java.lang</a:t>
+            </a:r>
+            <a:r>
+              <a:rPr sz="1900">
+                <a:latin typeface="Calibri"/>
+                <a:ea typeface="Calibri"/>
+                <a:cs typeface="Calibri"/>
+                <a:sym typeface="Calibri"/>
+              </a:rPr>
+              <a:t> in the top-left pane</a:t>
+            </a:r>
+            <a:endParaRPr sz="1200">
+              <a:latin typeface="Calibri"/>
+              <a:ea typeface="Calibri"/>
+              <a:cs typeface="Calibri"/>
+              <a:sym typeface="Calibri"/>
+            </a:endParaRPr>
+          </a:p>
+          <a:p>
+            <a:pPr lvl="0" defTabSz="914400">
+              <a:lnSpc>
+                <a:spcPct val="100000"/>
+              </a:lnSpc>
+              <a:spcBef>
+                <a:spcPts val="600"/>
+              </a:spcBef>
+              <a:buSzPct val="100000"/>
+              <a:buChar char="-"/>
+              <a:defRPr sz="1800"/>
+            </a:pPr>
+            <a:r>
+              <a:rPr sz="1900">
+                <a:latin typeface="Calibri"/>
+                <a:ea typeface="Calibri"/>
+                <a:cs typeface="Calibri"/>
+                <a:sym typeface="Calibri"/>
+              </a:rPr>
+              <a:t> Then click </a:t>
+            </a:r>
+            <a:r>
+              <a:rPr sz="1900">
+                <a:solidFill>
+                  <a:srgbClr val="9BBB59"/>
+                </a:solidFill>
+                <a:latin typeface="Calibri"/>
+                <a:ea typeface="Calibri"/>
+                <a:cs typeface="Calibri"/>
+                <a:sym typeface="Calibri"/>
+              </a:rPr>
+              <a:t>String</a:t>
+            </a:r>
+            <a:r>
+              <a:rPr sz="1900">
+                <a:latin typeface="Calibri"/>
+                <a:ea typeface="Calibri"/>
+                <a:cs typeface="Calibri"/>
+                <a:sym typeface="Calibri"/>
+              </a:rPr>
+              <a:t> in the bottom-left pane</a:t>
+            </a:r>
+            <a:endParaRPr sz="1200">
+              <a:latin typeface="Calibri"/>
+              <a:ea typeface="Calibri"/>
+              <a:cs typeface="Calibri"/>
+              <a:sym typeface="Calibri"/>
+            </a:endParaRPr>
+          </a:p>
+          <a:p>
+            <a:pPr lvl="0" defTabSz="914400">
+              <a:lnSpc>
+                <a:spcPct val="100000"/>
+              </a:lnSpc>
+              <a:spcBef>
+                <a:spcPts val="400"/>
+              </a:spcBef>
+              <a:defRPr sz="1800"/>
+            </a:pPr>
+            <a:endParaRPr sz="1200">
+              <a:latin typeface="Calibri"/>
+              <a:ea typeface="Calibri"/>
+              <a:cs typeface="Calibri"/>
+              <a:sym typeface="Calibri"/>
+            </a:endParaRPr>
+          </a:p>
+          <a:p>
+            <a:pPr lvl="0" defTabSz="914400">
+              <a:lnSpc>
+                <a:spcPct val="100000"/>
+              </a:lnSpc>
+              <a:spcBef>
+                <a:spcPts val="400"/>
+              </a:spcBef>
+              <a:defRPr sz="1800"/>
+            </a:pPr>
+            <a:r>
+              <a:rPr sz="1200">
+                <a:latin typeface="Calibri"/>
+                <a:ea typeface="Calibri"/>
+                <a:cs typeface="Calibri"/>
+                <a:sym typeface="Calibri"/>
+              </a:rPr>
+              <a:t>Describe the parts of the String API documentation:</a:t>
+            </a:r>
+          </a:p>
+          <a:p>
+            <a:pPr lvl="0" defTabSz="914400">
+              <a:lnSpc>
+                <a:spcPct val="100000"/>
+              </a:lnSpc>
+              <a:spcBef>
+                <a:spcPts val="400"/>
+              </a:spcBef>
+              <a:defRPr sz="1800"/>
+            </a:pPr>
+            <a:r>
+              <a:rPr sz="1200">
+                <a:latin typeface="Calibri"/>
+                <a:ea typeface="Calibri"/>
+                <a:cs typeface="Calibri"/>
+                <a:sym typeface="Calibri"/>
+              </a:rPr>
+              <a:t>- description of the class</a:t>
+            </a:r>
+          </a:p>
+          <a:p>
+            <a:pPr lvl="0" defTabSz="914400">
+              <a:lnSpc>
+                <a:spcPct val="100000"/>
+              </a:lnSpc>
+              <a:spcBef>
+                <a:spcPts val="400"/>
+              </a:spcBef>
+              <a:defRPr sz="1800"/>
+            </a:pPr>
+            <a:r>
+              <a:rPr sz="1200">
+                <a:latin typeface="Calibri"/>
+                <a:ea typeface="Calibri"/>
+                <a:cs typeface="Calibri"/>
+                <a:sym typeface="Calibri"/>
+              </a:rPr>
+              <a:t>- summaries of all the fields, constructors, and method</a:t>
+            </a:r>
+          </a:p>
+          <a:p>
+            <a:pPr marL="162130" lvl="0" indent="-162130" defTabSz="914400">
+              <a:lnSpc>
+                <a:spcPct val="100000"/>
+              </a:lnSpc>
+              <a:spcBef>
+                <a:spcPts val="400"/>
+              </a:spcBef>
+              <a:buSzPct val="100000"/>
+              <a:buChar char="-"/>
+              <a:defRPr sz="1800"/>
+            </a:pPr>
+            <a:r>
+              <a:rPr sz="1200">
+                <a:latin typeface="Calibri"/>
+                <a:ea typeface="Calibri"/>
+                <a:cs typeface="Calibri"/>
+                <a:sym typeface="Calibri"/>
+              </a:rPr>
+              <a:t>detailed descriptions of everything</a:t>
+            </a:r>
+          </a:p>
+        </p:txBody>
+      </p:sp>
+    </p:spTree>
+    <p:extLst>
+      <p:ext uri="{BB962C8B-B14F-4D97-AF65-F5344CB8AC3E}">
+        <p14:creationId xmlns:p14="http://schemas.microsoft.com/office/powerpoint/2010/main" val="1218477835"/>
+      </p:ext>
+    </p:extLst>
+  </p:cSld>
+  <p:clrMapOvr>
+    <a:masterClrMapping/>
+  </p:clrMapOvr>
+</p:notes>
+</file>
+
+<file path=ppt/notesSlides/notesSlide17.xml><?xml version="1.0" encoding="utf-8"?>
+<p:notes xmlns:a="http://schemas.openxmlformats.org/drawingml/2006/main" xmlns:r="http://schemas.openxmlformats.org/officeDocument/2006/relationships" xmlns:p="http://schemas.openxmlformats.org/presentationml/2006/main">
+  <p:cSld>
+    <p:spTree>
+      <p:nvGrpSpPr>
+        <p:cNvPr id="1" name=""/>
+        <p:cNvGrpSpPr/>
+        <p:nvPr/>
+      </p:nvGrpSpPr>
+      <p:grpSpPr>
+        <a:xfrm>
+          <a:off x="0" y="0"/>
+          <a:ext cx="0" cy="0"/>
+          <a:chOff x="0" y="0"/>
+          <a:chExt cx="0" cy="0"/>
+        </a:xfrm>
+      </p:grpSpPr>
+      <p:sp>
+        <p:nvSpPr>
           <p:cNvPr id="84" name="Shape 84"/>
           <p:cNvSpPr>
             <a:spLocks noGrp="1" noRot="1" noChangeAspect="1"/>
@@ -1314,7 +1384,7 @@
 </p:notes>
 </file>
 
-<file path=ppt/notesSlides/notesSlide17.xml><?xml version="1.0" encoding="utf-8"?>
+<file path=ppt/notesSlides/notesSlide18.xml><?xml version="1.0" encoding="utf-8"?>
 <p:notes xmlns:a="http://schemas.openxmlformats.org/drawingml/2006/main" xmlns:r="http://schemas.openxmlformats.org/officeDocument/2006/relationships" xmlns:p="http://schemas.openxmlformats.org/presentationml/2006/main">
   <p:cSld>
     <p:spTree>
@@ -6131,7 +6201,7 @@
           </a:ln>
           <a:extLst>
             <a:ext uri="{C572A759-6A51-4108-AA02-DFA0A04FC94B}">
-              <ma14:wrappingTextBoxFlag xmlns="" xmlns:ma14="http://schemas.microsoft.com/office/mac/drawingml/2011/main" val="1"/>
+              <ma14:wrappingTextBoxFlag xmlns:ma14="http://schemas.microsoft.com/office/mac/drawingml/2011/main" xmlns="" val="1"/>
             </a:ext>
           </a:extLst>
         </p:spPr>
@@ -6174,7 +6244,7 @@
           </a:ln>
           <a:extLst>
             <a:ext uri="{C572A759-6A51-4108-AA02-DFA0A04FC94B}">
-              <ma14:wrappingTextBoxFlag xmlns="" xmlns:ma14="http://schemas.microsoft.com/office/mac/drawingml/2011/main" val="1"/>
+              <ma14:wrappingTextBoxFlag xmlns:ma14="http://schemas.microsoft.com/office/mac/drawingml/2011/main" xmlns="" val="1"/>
             </a:ext>
           </a:extLst>
         </p:spPr>
@@ -10716,7 +10786,7 @@
           </a:ln>
           <a:extLst>
             <a:ext uri="{C572A759-6A51-4108-AA02-DFA0A04FC94B}">
-              <ma14:wrappingTextBoxFlag xmlns="" xmlns:ma14="http://schemas.microsoft.com/office/mac/drawingml/2011/main" val="1"/>
+              <ma14:wrappingTextBoxFlag xmlns:ma14="http://schemas.microsoft.com/office/mac/drawingml/2011/main" xmlns="" val="1"/>
             </a:ext>
           </a:extLst>
         </p:spPr>
@@ -11166,7 +11236,7 @@
               <a:effectLst/>
               <a:extLst>
                 <a:ext uri="{C572A759-6A51-4108-AA02-DFA0A04FC94B}">
-                  <ma14:wrappingTextBoxFlag xmlns="" xmlns:ma14="http://schemas.microsoft.com/office/mac/drawingml/2011/main" val="1"/>
+                  <ma14:wrappingTextBoxFlag xmlns:ma14="http://schemas.microsoft.com/office/mac/drawingml/2011/main" xmlns="" val="1"/>
                 </a:ext>
               </a:extLst>
             </p:spPr>
@@ -11348,7 +11418,7 @@
               <a:effectLst/>
               <a:extLst>
                 <a:ext uri="{C572A759-6A51-4108-AA02-DFA0A04FC94B}">
-                  <ma14:wrappingTextBoxFlag xmlns="" xmlns:ma14="http://schemas.microsoft.com/office/mac/drawingml/2011/main" val="1"/>
+                  <ma14:wrappingTextBoxFlag xmlns:ma14="http://schemas.microsoft.com/office/mac/drawingml/2011/main" xmlns="" val="1"/>
                 </a:ext>
               </a:extLst>
             </p:spPr>
@@ -11521,7 +11591,7 @@
               <a:effectLst/>
               <a:extLst>
                 <a:ext uri="{C572A759-6A51-4108-AA02-DFA0A04FC94B}">
-                  <ma14:wrappingTextBoxFlag xmlns="" xmlns:ma14="http://schemas.microsoft.com/office/mac/drawingml/2011/main" val="1"/>
+                  <ma14:wrappingTextBoxFlag xmlns:ma14="http://schemas.microsoft.com/office/mac/drawingml/2011/main" xmlns="" val="1"/>
                 </a:ext>
               </a:extLst>
             </p:spPr>
@@ -11730,7 +11800,7 @@
               <a:effectLst/>
               <a:extLst>
                 <a:ext uri="{C572A759-6A51-4108-AA02-DFA0A04FC94B}">
-                  <ma14:wrappingTextBoxFlag xmlns="" xmlns:ma14="http://schemas.microsoft.com/office/mac/drawingml/2011/main" val="1"/>
+                  <ma14:wrappingTextBoxFlag xmlns:ma14="http://schemas.microsoft.com/office/mac/drawingml/2011/main" xmlns="" val="1"/>
                 </a:ext>
               </a:extLst>
             </p:spPr>
@@ -11926,7 +11996,7 @@
             <a:effectLst/>
             <a:extLst>
               <a:ext uri="{C572A759-6A51-4108-AA02-DFA0A04FC94B}">
-                <ma14:wrappingTextBoxFlag xmlns="" xmlns:ma14="http://schemas.microsoft.com/office/mac/drawingml/2011/main" val="1"/>
+                <ma14:wrappingTextBoxFlag xmlns:ma14="http://schemas.microsoft.com/office/mac/drawingml/2011/main" xmlns="" val="1"/>
               </a:ext>
             </a:extLst>
           </p:spPr>
@@ -12724,6 +12794,187 @@
       </p:grpSpPr>
       <p:sp>
         <p:nvSpPr>
+          <p:cNvPr id="2" name="Title 1"/>
+          <p:cNvSpPr>
+            <a:spLocks noGrp="1"/>
+          </p:cNvSpPr>
+          <p:nvPr>
+            <p:ph type="title"/>
+          </p:nvPr>
+        </p:nvSpPr>
+        <p:spPr/>
+        <p:txBody>
+          <a:bodyPr/>
+          <a:lstStyle/>
+          <a:p>
+            <a:r>
+              <a:rPr lang="en-US" dirty="0" smtClean="0"/>
+              <a:t>Quick Rule for Comparisons</a:t>
+            </a:r>
+            <a:endParaRPr lang="en-US" dirty="0"/>
+          </a:p>
+        </p:txBody>
+      </p:sp>
+      <p:sp>
+        <p:nvSpPr>
+          <p:cNvPr id="3" name="Text Placeholder 2"/>
+          <p:cNvSpPr>
+            <a:spLocks noGrp="1"/>
+          </p:cNvSpPr>
+          <p:nvPr>
+            <p:ph type="body" idx="1"/>
+          </p:nvPr>
+        </p:nvSpPr>
+        <p:spPr/>
+        <p:txBody>
+          <a:bodyPr/>
+          <a:lstStyle/>
+          <a:p>
+            <a:r>
+              <a:rPr lang="en-US" dirty="0" smtClean="0"/>
+              <a:t>Fast rules for now:</a:t>
+            </a:r>
+          </a:p>
+          <a:p>
+            <a:r>
+              <a:rPr lang="en-US" dirty="0" smtClean="0"/>
+              <a:t>Use .equals() for comparing Strings</a:t>
+            </a:r>
+          </a:p>
+          <a:p>
+            <a:pPr lvl="1"/>
+            <a:r>
+              <a:rPr lang="en-US" dirty="0" smtClean="0"/>
+              <a:t>String alpha = “</a:t>
+            </a:r>
+            <a:r>
+              <a:rPr lang="en-US" dirty="0" err="1" smtClean="0"/>
+              <a:t>aaa</a:t>
+            </a:r>
+            <a:r>
+              <a:rPr lang="en-US" dirty="0" smtClean="0"/>
+              <a:t>”;</a:t>
+            </a:r>
+          </a:p>
+          <a:p>
+            <a:pPr lvl="1"/>
+            <a:r>
+              <a:rPr lang="en-US" dirty="0" smtClean="0"/>
+              <a:t>if (</a:t>
+            </a:r>
+            <a:r>
+              <a:rPr lang="en-US" dirty="0" err="1" smtClean="0"/>
+              <a:t>alpha.equals</a:t>
+            </a:r>
+            <a:r>
+              <a:rPr lang="en-US" dirty="0" smtClean="0"/>
+              <a:t>(“</a:t>
+            </a:r>
+            <a:r>
+              <a:rPr lang="en-US" dirty="0" err="1" smtClean="0"/>
+              <a:t>bbb</a:t>
+            </a:r>
+            <a:r>
+              <a:rPr lang="en-US" dirty="0" smtClean="0"/>
+              <a:t>”) {</a:t>
+            </a:r>
+          </a:p>
+          <a:p>
+            <a:pPr lvl="1"/>
+            <a:r>
+              <a:rPr lang="en-US" dirty="0" smtClean="0"/>
+              <a:t>	</a:t>
+            </a:r>
+            <a:r>
+              <a:rPr lang="en-US" dirty="0" err="1" smtClean="0"/>
+              <a:t>System.out.println</a:t>
+            </a:r>
+            <a:r>
+              <a:rPr lang="en-US" dirty="0" smtClean="0"/>
+              <a:t>(“Yes!”)</a:t>
+            </a:r>
+          </a:p>
+          <a:p>
+            <a:pPr lvl="1"/>
+            <a:r>
+              <a:rPr lang="en-US" dirty="0" smtClean="0"/>
+              <a:t>} // end if</a:t>
+            </a:r>
+          </a:p>
+          <a:p>
+            <a:r>
+              <a:rPr lang="en-US" dirty="0" smtClean="0"/>
+              <a:t>Use == comparing numbers or char (primitives)</a:t>
+            </a:r>
+          </a:p>
+          <a:p>
+            <a:r>
+              <a:rPr lang="en-US" dirty="0" err="1" smtClean="0"/>
+              <a:t>boolean</a:t>
+            </a:r>
+            <a:r>
+              <a:rPr lang="en-US" dirty="0" smtClean="0"/>
+              <a:t> a = (5 == 6);</a:t>
+            </a:r>
+          </a:p>
+          <a:p>
+            <a:r>
+              <a:rPr lang="en-US" dirty="0" err="1" smtClean="0"/>
+              <a:t>boolean</a:t>
+            </a:r>
+            <a:r>
+              <a:rPr lang="en-US" dirty="0" smtClean="0"/>
+              <a:t> b = (‘T’ == ‘F’ );</a:t>
+            </a:r>
+          </a:p>
+          <a:p>
+            <a:endParaRPr lang="en-US" dirty="0" smtClean="0"/>
+          </a:p>
+          <a:p>
+            <a:endParaRPr lang="en-US" dirty="0"/>
+          </a:p>
+        </p:txBody>
+      </p:sp>
+    </p:spTree>
+    <p:extLst>
+      <p:ext uri="{BB962C8B-B14F-4D97-AF65-F5344CB8AC3E}">
+        <p14:creationId xmlns:p14="http://schemas.microsoft.com/office/powerpoint/2010/main" val="947730381"/>
+      </p:ext>
+    </p:extLst>
+  </p:cSld>
+  <p:clrMapOvr>
+    <a:masterClrMapping/>
+  </p:clrMapOvr>
+  <mc:AlternateContent xmlns:mc="http://schemas.openxmlformats.org/markup-compatibility/2006">
+    <mc:Choice xmlns:p14="http://schemas.microsoft.com/office/powerpoint/2010/main" Requires="p14">
+      <p:transition spd="slow" p14:dur="2000"/>
+    </mc:Choice>
+    <mc:Fallback>
+      <p:transition spd="slow"/>
+    </mc:Fallback>
+  </mc:AlternateContent>
+</p:sld>
+</file>
+
+<file path=ppt/slides/slide33.xml><?xml version="1.0" encoding="utf-8"?>
+<p:sld xmlns:a="http://schemas.openxmlformats.org/drawingml/2006/main" xmlns:r="http://schemas.openxmlformats.org/officeDocument/2006/relationships" xmlns:p="http://schemas.openxmlformats.org/presentationml/2006/main">
+  <p:cSld>
+    <p:spTree>
+      <p:nvGrpSpPr>
+        <p:cNvPr id="1" name=""/>
+        <p:cNvGrpSpPr/>
+        <p:nvPr/>
+      </p:nvGrpSpPr>
+      <p:grpSpPr>
+        <a:xfrm>
+          <a:off x="0" y="0"/>
+          <a:ext cx="0" cy="0"/>
+          <a:chOff x="0" y="0"/>
+          <a:chExt cx="0" cy="0"/>
+        </a:xfrm>
+      </p:grpSpPr>
+      <p:sp>
+        <p:nvSpPr>
           <p:cNvPr id="72" name="Shape 72"/>
           <p:cNvSpPr>
             <a:spLocks noGrp="1"/>
@@ -12878,7 +13129,7 @@
           </a:ln>
           <a:extLst>
             <a:ext uri="{C572A759-6A51-4108-AA02-DFA0A04FC94B}">
-              <ma14:wrappingTextBoxFlag xmlns="" xmlns:ma14="http://schemas.microsoft.com/office/mac/drawingml/2011/main" val="1"/>
+              <ma14:wrappingTextBoxFlag xmlns:ma14="http://schemas.microsoft.com/office/mac/drawingml/2011/main" xmlns="" val="1"/>
             </a:ext>
           </a:extLst>
         </p:spPr>
@@ -12990,7 +13241,7 @@
           </a:ln>
           <a:extLst>
             <a:ext uri="{C572A759-6A51-4108-AA02-DFA0A04FC94B}">
-              <ma14:wrappingTextBoxFlag xmlns="" xmlns:ma14="http://schemas.microsoft.com/office/mac/drawingml/2011/main" val="1"/>
+              <ma14:wrappingTextBoxFlag xmlns:ma14="http://schemas.microsoft.com/office/mac/drawingml/2011/main" xmlns="" val="1"/>
             </a:ext>
           </a:extLst>
         </p:spPr>
@@ -13170,7 +13421,7 @@
 </p:sld>
 </file>
 
-<file path=ppt/slides/slide33.xml><?xml version="1.0" encoding="utf-8"?>
+<file path=ppt/slides/slide34.xml><?xml version="1.0" encoding="utf-8"?>
 <p:sld xmlns:a="http://schemas.openxmlformats.org/drawingml/2006/main" xmlns:r="http://schemas.openxmlformats.org/officeDocument/2006/relationships" xmlns:p="http://schemas.openxmlformats.org/presentationml/2006/main">
   <p:cSld>
     <p:spTree>
@@ -13343,7 +13594,7 @@
 </p:sld>
 </file>
 
-<file path=ppt/slides/slide34.xml><?xml version="1.0" encoding="utf-8"?>
+<file path=ppt/slides/slide35.xml><?xml version="1.0" encoding="utf-8"?>
 <p:sld xmlns:a="http://schemas.openxmlformats.org/drawingml/2006/main" xmlns:r="http://schemas.openxmlformats.org/officeDocument/2006/relationships" xmlns:p="http://schemas.openxmlformats.org/presentationml/2006/main">
   <p:cSld>
     <p:spTree>
@@ -13516,7 +13767,7 @@
           </a:ln>
           <a:extLst>
             <a:ext uri="{C572A759-6A51-4108-AA02-DFA0A04FC94B}">
-              <ma14:wrappingTextBoxFlag xmlns="" xmlns:ma14="http://schemas.microsoft.com/office/mac/drawingml/2011/main" val="1"/>
+              <ma14:wrappingTextBoxFlag xmlns:ma14="http://schemas.microsoft.com/office/mac/drawingml/2011/main" xmlns="" val="1"/>
             </a:ext>
           </a:extLst>
         </p:spPr>
@@ -13565,7 +13816,7 @@
 </p:sld>
 </file>
 
-<file path=ppt/slides/slide35.xml><?xml version="1.0" encoding="utf-8"?>
+<file path=ppt/slides/slide36.xml><?xml version="1.0" encoding="utf-8"?>
 <p:sld xmlns:a="http://schemas.openxmlformats.org/drawingml/2006/main" xmlns:r="http://schemas.openxmlformats.org/officeDocument/2006/relationships" xmlns:p="http://schemas.openxmlformats.org/presentationml/2006/main">
   <p:cSld>
     <p:spTree>
@@ -13774,7 +14025,7 @@
 </p:sld>
 </file>
 
-<file path=ppt/slides/slide36.xml><?xml version="1.0" encoding="utf-8"?>
+<file path=ppt/slides/slide37.xml><?xml version="1.0" encoding="utf-8"?>
 <p:sld xmlns:a="http://schemas.openxmlformats.org/drawingml/2006/main" xmlns:r="http://schemas.openxmlformats.org/officeDocument/2006/relationships" xmlns:p="http://schemas.openxmlformats.org/presentationml/2006/main">
   <p:cSld>
     <p:spTree>
@@ -13934,7 +14185,7 @@
 </p:sld>
 </file>
 
-<file path=ppt/slides/slide37.xml><?xml version="1.0" encoding="utf-8"?>
+<file path=ppt/slides/slide38.xml><?xml version="1.0" encoding="utf-8"?>
 <p:sld xmlns:a="http://schemas.openxmlformats.org/drawingml/2006/main" xmlns:r="http://schemas.openxmlformats.org/officeDocument/2006/relationships" xmlns:p="http://schemas.openxmlformats.org/presentationml/2006/main">
   <p:cSld>
     <p:spTree>
@@ -14073,7 +14324,7 @@
           </a:prstGeom>
           <a:extLst>
             <a:ext uri="{C572A759-6A51-4108-AA02-DFA0A04FC94B}">
-              <ma14:wrappingTextBoxFlag xmlns="" xmlns:ma14="http://schemas.microsoft.com/office/mac/drawingml/2011/main" val="1"/>
+              <ma14:wrappingTextBoxFlag xmlns:ma14="http://schemas.microsoft.com/office/mac/drawingml/2011/main" xmlns="" val="1"/>
             </a:ext>
           </a:extLst>
         </p:spPr>
@@ -14094,7 +14345,7 @@
                   <a:srgbClr val="888888"/>
                 </a:solidFill>
               </a:rPr>
-              <a:t>37</a:t>
+              <a:t>38</a:t>
             </a:fld>
             <a:endParaRPr sz="1200">
               <a:solidFill>
@@ -14311,11 +14562,7 @@
             <a:pPr lvl="1"/>
             <a:r>
               <a:rPr lang="en-US" dirty="0" smtClean="0"/>
-              <a:t>Feel </a:t>
-            </a:r>
-            <a:r>
-              <a:rPr lang="en-US" dirty="0" smtClean="0"/>
-              <a:t>free to </a:t>
+              <a:t>Feel free to </a:t>
             </a:r>
             <a:r>
               <a:rPr lang="en-US" dirty="0"/>
@@ -14349,24 +14596,15 @@
             <a:pPr lvl="1"/>
             <a:r>
               <a:rPr lang="en-US" dirty="0" smtClean="0"/>
-              <a:t>Degree: Computer </a:t>
-            </a:r>
+              <a:t>Degree: Computer Science, Cognitive Science</a:t>
+            </a:r>
+          </a:p>
+          <a:p>
+            <a:pPr lvl="1"/>
             <a:r>
               <a:rPr lang="en-US" dirty="0" smtClean="0"/>
-              <a:t>Science, Cognitive Science</a:t>
-            </a:r>
-          </a:p>
-          <a:p>
-            <a:pPr lvl="1"/>
-            <a:r>
-              <a:rPr lang="en-US" dirty="0" smtClean="0"/>
-              <a:t>Only on campus </a:t>
-            </a:r>
-            <a:r>
-              <a:rPr lang="en-US" dirty="0" smtClean="0"/>
-              <a:t>Tue-Fri</a:t>
-            </a:r>
-            <a:endParaRPr lang="en-US" dirty="0" smtClean="0"/>
+              <a:t>Only on campus Tue-Fri</a:t>
+            </a:r>
           </a:p>
           <a:p>
             <a:pPr lvl="1"/>
@@ -14465,11 +14703,7 @@
           <a:p>
             <a:r>
               <a:rPr lang="en-US" dirty="0" smtClean="0"/>
-              <a:t>Meetings </a:t>
-            </a:r>
-            <a:r>
-              <a:rPr lang="en-US" dirty="0" smtClean="0"/>
-              <a:t>with me 1 on 1</a:t>
+              <a:t>Meetings with me 1 on 1</a:t>
             </a:r>
             <a:endParaRPr lang="en-US" dirty="0"/>
           </a:p>
@@ -14481,23 +14715,14 @@
             </a:r>
             <a:r>
               <a:rPr lang="en-US" dirty="0" smtClean="0"/>
-              <a:t>: a service </a:t>
-            </a:r>
+              <a:t>: a service to schedule </a:t>
+            </a:r>
+          </a:p>
+          <a:p>
+            <a:pPr lvl="1"/>
             <a:r>
               <a:rPr lang="en-US" dirty="0" smtClean="0"/>
-              <a:t>to schedule </a:t>
-            </a:r>
-            <a:endParaRPr lang="en-US" dirty="0" smtClean="0"/>
-          </a:p>
-          <a:p>
-            <a:pPr lvl="1"/>
-            <a:r>
-              <a:rPr lang="en-US" dirty="0" smtClean="0"/>
-              <a:t>appointments (in </a:t>
-            </a:r>
-            <a:r>
-              <a:rPr lang="en-US" dirty="0" smtClean="0"/>
-              <a:t>my email signature)</a:t>
+              <a:t>appointments (in my email signature)</a:t>
             </a:r>
           </a:p>
           <a:p>
@@ -14518,22 +14743,14 @@
             <a:pPr lvl="2"/>
             <a:r>
               <a:rPr lang="en-US" dirty="0" smtClean="0"/>
-              <a:t>Mondays: Skype/Google </a:t>
-            </a:r>
+              <a:t>Mondays: Skype/Google hangout</a:t>
+            </a:r>
+          </a:p>
+          <a:p>
+            <a:pPr lvl="2"/>
             <a:r>
               <a:rPr lang="en-US" dirty="0" smtClean="0"/>
-              <a:t>hangout</a:t>
-            </a:r>
-          </a:p>
-          <a:p>
-            <a:pPr lvl="2"/>
-            <a:r>
-              <a:rPr lang="en-US" dirty="0" smtClean="0"/>
-              <a:t>Tue-Fri:  </a:t>
-            </a:r>
-            <a:r>
-              <a:rPr lang="en-US" dirty="0" smtClean="0"/>
-              <a:t>After 5pm, before 8am</a:t>
+              <a:t>Tue-Fri:  After 5pm, before 8am</a:t>
             </a:r>
             <a:endParaRPr lang="en-US" dirty="0"/>
           </a:p>
@@ -14653,13 +14870,8 @@
             <a:pPr lvl="1"/>
             <a:r>
               <a:rPr lang="en-US" dirty="0" smtClean="0"/>
-              <a:t>I am in Bloomington </a:t>
-            </a:r>
-            <a:r>
-              <a:rPr lang="en-US" dirty="0" smtClean="0"/>
-              <a:t>Sat-Monday</a:t>
-            </a:r>
-            <a:endParaRPr lang="en-US" dirty="0" smtClean="0"/>
+              <a:t>I am in Bloomington Sat-Monday</a:t>
+            </a:r>
           </a:p>
           <a:p>
             <a:pPr lvl="1"/>
@@ -14806,7 +15018,6 @@
               <a:rPr lang="en-US" dirty="0" smtClean="0"/>
               <a:t>Students</a:t>
             </a:r>
-            <a:endParaRPr lang="en-US" dirty="0" smtClean="0"/>
           </a:p>
           <a:p>
             <a:pPr lvl="1"/>

--- a/ClassMaterials/JavaIntro/Slides/JavaIntro.pptx
+++ b/ClassMaterials/JavaIntro/Slides/JavaIntro.pptx
@@ -3,27 +3,28 @@
 <p:presentation xmlns:a="http://schemas.openxmlformats.org/drawingml/2006/main" xmlns:r="http://schemas.openxmlformats.org/officeDocument/2006/relationships" xmlns:p="http://schemas.openxmlformats.org/presentationml/2006/main" saveSubsetFonts="1">
   <p:sldMasterIdLst>
     <p:sldMasterId id="2147483648" r:id="rId1"/>
-    <p:sldMasterId id="2147483660" r:id="rId2"/>
   </p:sldMasterIdLst>
   <p:notesMasterIdLst>
-    <p:notesMasterId r:id="rId18"/>
+    <p:notesMasterId r:id="rId19"/>
   </p:notesMasterIdLst>
   <p:sldIdLst>
-    <p:sldId id="308" r:id="rId3"/>
-    <p:sldId id="330" r:id="rId4"/>
-    <p:sldId id="317" r:id="rId5"/>
-    <p:sldId id="264" r:id="rId6"/>
-    <p:sldId id="265" r:id="rId7"/>
-    <p:sldId id="319" r:id="rId8"/>
-    <p:sldId id="288" r:id="rId9"/>
-    <p:sldId id="289" r:id="rId10"/>
-    <p:sldId id="332" r:id="rId11"/>
-    <p:sldId id="290" r:id="rId12"/>
-    <p:sldId id="291" r:id="rId13"/>
-    <p:sldId id="320" r:id="rId14"/>
-    <p:sldId id="325" r:id="rId15"/>
-    <p:sldId id="331" r:id="rId16"/>
-    <p:sldId id="274" r:id="rId17"/>
+    <p:sldId id="333" r:id="rId2"/>
+    <p:sldId id="334" r:id="rId3"/>
+    <p:sldId id="335" r:id="rId4"/>
+    <p:sldId id="336" r:id="rId5"/>
+    <p:sldId id="337" r:id="rId6"/>
+    <p:sldId id="338" r:id="rId7"/>
+    <p:sldId id="339" r:id="rId8"/>
+    <p:sldId id="340" r:id="rId9"/>
+    <p:sldId id="341" r:id="rId10"/>
+    <p:sldId id="342" r:id="rId11"/>
+    <p:sldId id="343" r:id="rId12"/>
+    <p:sldId id="344" r:id="rId13"/>
+    <p:sldId id="345" r:id="rId14"/>
+    <p:sldId id="346" r:id="rId15"/>
+    <p:sldId id="347" r:id="rId16"/>
+    <p:sldId id="348" r:id="rId17"/>
+    <p:sldId id="349" r:id="rId18"/>
   </p:sldIdLst>
   <p:sldSz cx="9144000" cy="6858000" type="screen4x3"/>
   <p:notesSz cx="6858000" cy="9144000"/>
@@ -355,19 +356,16 @@
           <a:lstStyle/>
           <a:p>
             <a:r>
+              <a:rPr lang="en-US" dirty="0" err="1"/>
+              <a:t>Airtable</a:t>
+            </a:r>
+            <a:r>
               <a:rPr lang="en-US" dirty="0"/>
-              <a:t>Open up schedule page and show students:</a:t>
-            </a:r>
-          </a:p>
-          <a:p>
-            <a:endParaRPr lang="en-US" dirty="0"/>
-          </a:p>
-          <a:p>
-            <a:r>
-              <a:rPr lang="en-US" dirty="0">
-                <a:hlinkClick r:id="rId3"/>
-              </a:rPr>
-              <a:t>https://rhit-csse.github.io/csse220/schedule.html</a:t>
+              <a:t> in </a:t>
+            </a:r>
+            <a:r>
+              <a:rPr lang="en-US" dirty="0" err="1"/>
+              <a:t>moodle</a:t>
             </a:r>
             <a:endParaRPr lang="en-US" dirty="0"/>
           </a:p>
@@ -387,6 +385,140 @@
 </file>
 
 <file path=ppt/notesSlides/notesSlide2.xml><?xml version="1.0" encoding="utf-8"?>
+<p:notes xmlns:a="http://schemas.openxmlformats.org/drawingml/2006/main" xmlns:r="http://schemas.openxmlformats.org/officeDocument/2006/relationships" xmlns:p="http://schemas.openxmlformats.org/presentationml/2006/main">
+  <p:cSld>
+    <p:spTree>
+      <p:nvGrpSpPr>
+        <p:cNvPr id="1" name=""/>
+        <p:cNvGrpSpPr/>
+        <p:nvPr/>
+      </p:nvGrpSpPr>
+      <p:grpSpPr>
+        <a:xfrm>
+          <a:off x="0" y="0"/>
+          <a:ext cx="0" cy="0"/>
+          <a:chOff x="0" y="0"/>
+          <a:chExt cx="0" cy="0"/>
+        </a:xfrm>
+      </p:grpSpPr>
+      <p:sp>
+        <p:nvSpPr>
+          <p:cNvPr id="127" name="Shape 127"/>
+          <p:cNvSpPr>
+            <a:spLocks noGrp="1" noRot="1" noChangeAspect="1"/>
+          </p:cNvSpPr>
+          <p:nvPr>
+            <p:ph type="sldImg"/>
+          </p:nvPr>
+        </p:nvSpPr>
+        <p:spPr>
+          <a:prstGeom prst="rect">
+            <a:avLst/>
+          </a:prstGeom>
+        </p:spPr>
+        <p:txBody>
+          <a:bodyPr/>
+          <a:lstStyle/>
+          <a:p>
+            <a:pPr lvl="0"/>
+            <a:endParaRPr/>
+          </a:p>
+        </p:txBody>
+      </p:sp>
+      <p:sp>
+        <p:nvSpPr>
+          <p:cNvPr id="128" name="Shape 128"/>
+          <p:cNvSpPr>
+            <a:spLocks noGrp="1"/>
+          </p:cNvSpPr>
+          <p:nvPr>
+            <p:ph type="body" sz="quarter" idx="1"/>
+          </p:nvPr>
+        </p:nvSpPr>
+        <p:spPr>
+          <a:prstGeom prst="rect">
+            <a:avLst/>
+          </a:prstGeom>
+        </p:spPr>
+        <p:txBody>
+          <a:bodyPr/>
+          <a:lstStyle/>
+          <a:p>
+            <a:pPr lvl="0" defTabSz="914400">
+              <a:lnSpc>
+                <a:spcPct val="100000"/>
+              </a:lnSpc>
+              <a:defRPr sz="1800"/>
+            </a:pPr>
+            <a:r>
+              <a:rPr sz="1200" b="1">
+                <a:latin typeface="Lucida Sans"/>
+                <a:ea typeface="Lucida Sans"/>
+                <a:cs typeface="Lucida Sans"/>
+                <a:sym typeface="Lucida Sans"/>
+              </a:rPr>
+              <a:t>Argument for main </a:t>
+            </a:r>
+            <a:r>
+              <a:rPr sz="1200">
+                <a:latin typeface="Lucida Sans"/>
+                <a:ea typeface="Lucida Sans"/>
+                <a:cs typeface="Lucida Sans"/>
+                <a:sym typeface="Lucida Sans"/>
+              </a:rPr>
+              <a:t>is not optional.  Must be there.</a:t>
+            </a:r>
+            <a:endParaRPr sz="1200">
+              <a:latin typeface="Gill Sans"/>
+              <a:ea typeface="Gill Sans"/>
+              <a:cs typeface="Gill Sans"/>
+              <a:sym typeface="Gill Sans"/>
+            </a:endParaRPr>
+          </a:p>
+          <a:p>
+            <a:pPr lvl="0" defTabSz="914400">
+              <a:lnSpc>
+                <a:spcPct val="100000"/>
+              </a:lnSpc>
+              <a:defRPr sz="1800"/>
+            </a:pPr>
+            <a:endParaRPr sz="1200">
+              <a:latin typeface="Lucida Sans"/>
+              <a:ea typeface="Lucida Sans"/>
+              <a:cs typeface="Lucida Sans"/>
+              <a:sym typeface="Lucida Sans"/>
+            </a:endParaRPr>
+          </a:p>
+          <a:p>
+            <a:pPr lvl="0" defTabSz="914400">
+              <a:lnSpc>
+                <a:spcPct val="100000"/>
+              </a:lnSpc>
+              <a:defRPr sz="1800"/>
+            </a:pPr>
+            <a:endParaRPr sz="1200">
+              <a:latin typeface="Lucida Sans"/>
+              <a:ea typeface="Lucida Sans"/>
+              <a:cs typeface="Lucida Sans"/>
+              <a:sym typeface="Lucida Sans"/>
+            </a:endParaRPr>
+          </a:p>
+        </p:txBody>
+      </p:sp>
+    </p:spTree>
+    <p:extLst>
+      <p:ext uri="{BB962C8B-B14F-4D97-AF65-F5344CB8AC3E}">
+        <p14:creationId xmlns:p14="http://schemas.microsoft.com/office/powerpoint/2010/main" val="2682829326"/>
+      </p:ext>
+    </p:extLst>
+  </p:cSld>
+  <p:clrMapOvr>
+    <a:masterClrMapping/>
+  </p:clrMapOvr>
+</p:notes>
+</file>
+
+<file path=ppt/notesSlides/notesSlide3.xml><?xml version="1.0" encoding="utf-8"?>
 <p:notes xmlns:a="http://schemas.openxmlformats.org/drawingml/2006/main" xmlns:r="http://schemas.openxmlformats.org/officeDocument/2006/relationships" xmlns:p="http://schemas.openxmlformats.org/presentationml/2006/main">
   <p:cSld>
     <p:spTree>
@@ -475,140 +607,6 @@
     <p:extLst>
       <p:ext uri="{BB962C8B-B14F-4D97-AF65-F5344CB8AC3E}">
         <p14:creationId xmlns:p14="http://schemas.microsoft.com/office/powerpoint/2010/main" val="942886938"/>
-      </p:ext>
-    </p:extLst>
-  </p:cSld>
-  <p:clrMapOvr>
-    <a:masterClrMapping/>
-  </p:clrMapOvr>
-</p:notes>
-</file>
-
-<file path=ppt/notesSlides/notesSlide3.xml><?xml version="1.0" encoding="utf-8"?>
-<p:notes xmlns:a="http://schemas.openxmlformats.org/drawingml/2006/main" xmlns:r="http://schemas.openxmlformats.org/officeDocument/2006/relationships" xmlns:p="http://schemas.openxmlformats.org/presentationml/2006/main">
-  <p:cSld>
-    <p:spTree>
-      <p:nvGrpSpPr>
-        <p:cNvPr id="1" name=""/>
-        <p:cNvGrpSpPr/>
-        <p:nvPr/>
-      </p:nvGrpSpPr>
-      <p:grpSpPr>
-        <a:xfrm>
-          <a:off x="0" y="0"/>
-          <a:ext cx="0" cy="0"/>
-          <a:chOff x="0" y="0"/>
-          <a:chExt cx="0" cy="0"/>
-        </a:xfrm>
-      </p:grpSpPr>
-      <p:sp>
-        <p:nvSpPr>
-          <p:cNvPr id="127" name="Shape 127"/>
-          <p:cNvSpPr>
-            <a:spLocks noGrp="1" noRot="1" noChangeAspect="1"/>
-          </p:cNvSpPr>
-          <p:nvPr>
-            <p:ph type="sldImg"/>
-          </p:nvPr>
-        </p:nvSpPr>
-        <p:spPr>
-          <a:prstGeom prst="rect">
-            <a:avLst/>
-          </a:prstGeom>
-        </p:spPr>
-        <p:txBody>
-          <a:bodyPr/>
-          <a:lstStyle/>
-          <a:p>
-            <a:pPr lvl="0"/>
-            <a:endParaRPr/>
-          </a:p>
-        </p:txBody>
-      </p:sp>
-      <p:sp>
-        <p:nvSpPr>
-          <p:cNvPr id="128" name="Shape 128"/>
-          <p:cNvSpPr>
-            <a:spLocks noGrp="1"/>
-          </p:cNvSpPr>
-          <p:nvPr>
-            <p:ph type="body" sz="quarter" idx="1"/>
-          </p:nvPr>
-        </p:nvSpPr>
-        <p:spPr>
-          <a:prstGeom prst="rect">
-            <a:avLst/>
-          </a:prstGeom>
-        </p:spPr>
-        <p:txBody>
-          <a:bodyPr/>
-          <a:lstStyle/>
-          <a:p>
-            <a:pPr lvl="0" defTabSz="914400">
-              <a:lnSpc>
-                <a:spcPct val="100000"/>
-              </a:lnSpc>
-              <a:defRPr sz="1800"/>
-            </a:pPr>
-            <a:r>
-              <a:rPr sz="1200" b="1">
-                <a:latin typeface="Lucida Sans"/>
-                <a:ea typeface="Lucida Sans"/>
-                <a:cs typeface="Lucida Sans"/>
-                <a:sym typeface="Lucida Sans"/>
-              </a:rPr>
-              <a:t>Argument for main </a:t>
-            </a:r>
-            <a:r>
-              <a:rPr sz="1200">
-                <a:latin typeface="Lucida Sans"/>
-                <a:ea typeface="Lucida Sans"/>
-                <a:cs typeface="Lucida Sans"/>
-                <a:sym typeface="Lucida Sans"/>
-              </a:rPr>
-              <a:t>is not optional.  Must be there.</a:t>
-            </a:r>
-            <a:endParaRPr sz="1200">
-              <a:latin typeface="Gill Sans"/>
-              <a:ea typeface="Gill Sans"/>
-              <a:cs typeface="Gill Sans"/>
-              <a:sym typeface="Gill Sans"/>
-            </a:endParaRPr>
-          </a:p>
-          <a:p>
-            <a:pPr lvl="0" defTabSz="914400">
-              <a:lnSpc>
-                <a:spcPct val="100000"/>
-              </a:lnSpc>
-              <a:defRPr sz="1800"/>
-            </a:pPr>
-            <a:endParaRPr sz="1200">
-              <a:latin typeface="Lucida Sans"/>
-              <a:ea typeface="Lucida Sans"/>
-              <a:cs typeface="Lucida Sans"/>
-              <a:sym typeface="Lucida Sans"/>
-            </a:endParaRPr>
-          </a:p>
-          <a:p>
-            <a:pPr lvl="0" defTabSz="914400">
-              <a:lnSpc>
-                <a:spcPct val="100000"/>
-              </a:lnSpc>
-              <a:defRPr sz="1800"/>
-            </a:pPr>
-            <a:endParaRPr sz="1200">
-              <a:latin typeface="Lucida Sans"/>
-              <a:ea typeface="Lucida Sans"/>
-              <a:cs typeface="Lucida Sans"/>
-              <a:sym typeface="Lucida Sans"/>
-            </a:endParaRPr>
-          </a:p>
-        </p:txBody>
-      </p:sp>
-    </p:spTree>
-    <p:extLst>
-      <p:ext uri="{BB962C8B-B14F-4D97-AF65-F5344CB8AC3E}">
-        <p14:creationId xmlns:p14="http://schemas.microsoft.com/office/powerpoint/2010/main" val="2682829326"/>
       </p:ext>
     </p:extLst>
   </p:cSld>
@@ -1381,2429 +1379,6 @@
 </p:sldLayout>
 </file>
 
-<file path=ppt/slideLayouts/slideLayout10.xml><?xml version="1.0" encoding="utf-8"?>
-<p:sldLayout xmlns:a="http://schemas.openxmlformats.org/drawingml/2006/main" xmlns:r="http://schemas.openxmlformats.org/officeDocument/2006/relationships" xmlns:p="http://schemas.openxmlformats.org/presentationml/2006/main" type="title" preserve="1">
-  <p:cSld name="Title Slide">
-    <p:spTree>
-      <p:nvGrpSpPr>
-        <p:cNvPr id="1" name=""/>
-        <p:cNvGrpSpPr/>
-        <p:nvPr/>
-      </p:nvGrpSpPr>
-      <p:grpSpPr>
-        <a:xfrm>
-          <a:off x="0" y="0"/>
-          <a:ext cx="0" cy="0"/>
-          <a:chOff x="0" y="0"/>
-          <a:chExt cx="0" cy="0"/>
-        </a:xfrm>
-      </p:grpSpPr>
-      <p:sp>
-        <p:nvSpPr>
-          <p:cNvPr id="2" name="Title 1"/>
-          <p:cNvSpPr>
-            <a:spLocks noGrp="1"/>
-          </p:cNvSpPr>
-          <p:nvPr>
-            <p:ph type="ctrTitle"/>
-          </p:nvPr>
-        </p:nvSpPr>
-        <p:spPr>
-          <a:xfrm>
-            <a:off x="1143000" y="1122363"/>
-            <a:ext cx="6858000" cy="2387600"/>
-          </a:xfrm>
-        </p:spPr>
-        <p:txBody>
-          <a:bodyPr anchor="b"/>
-          <a:lstStyle>
-            <a:lvl1pPr algn="ctr">
-              <a:defRPr sz="4500"/>
-            </a:lvl1pPr>
-          </a:lstStyle>
-          <a:p>
-            <a:r>
-              <a:rPr lang="en-US"/>
-              <a:t>Click to edit Master title style</a:t>
-            </a:r>
-          </a:p>
-        </p:txBody>
-      </p:sp>
-      <p:sp>
-        <p:nvSpPr>
-          <p:cNvPr id="3" name="Subtitle 2"/>
-          <p:cNvSpPr>
-            <a:spLocks noGrp="1"/>
-          </p:cNvSpPr>
-          <p:nvPr>
-            <p:ph type="subTitle" idx="1"/>
-          </p:nvPr>
-        </p:nvSpPr>
-        <p:spPr>
-          <a:xfrm>
-            <a:off x="1143000" y="3602038"/>
-            <a:ext cx="6858000" cy="1655762"/>
-          </a:xfrm>
-        </p:spPr>
-        <p:txBody>
-          <a:bodyPr/>
-          <a:lstStyle>
-            <a:lvl1pPr marL="0" indent="0" algn="ctr">
-              <a:buNone/>
-              <a:defRPr sz="1800"/>
-            </a:lvl1pPr>
-            <a:lvl2pPr marL="342900" indent="0" algn="ctr">
-              <a:buNone/>
-              <a:defRPr sz="1500"/>
-            </a:lvl2pPr>
-            <a:lvl3pPr marL="685800" indent="0" algn="ctr">
-              <a:buNone/>
-              <a:defRPr sz="1350"/>
-            </a:lvl3pPr>
-            <a:lvl4pPr marL="1028700" indent="0" algn="ctr">
-              <a:buNone/>
-              <a:defRPr sz="1200"/>
-            </a:lvl4pPr>
-            <a:lvl5pPr marL="1371600" indent="0" algn="ctr">
-              <a:buNone/>
-              <a:defRPr sz="1200"/>
-            </a:lvl5pPr>
-            <a:lvl6pPr marL="1714500" indent="0" algn="ctr">
-              <a:buNone/>
-              <a:defRPr sz="1200"/>
-            </a:lvl6pPr>
-            <a:lvl7pPr marL="2057400" indent="0" algn="ctr">
-              <a:buNone/>
-              <a:defRPr sz="1200"/>
-            </a:lvl7pPr>
-            <a:lvl8pPr marL="2400300" indent="0" algn="ctr">
-              <a:buNone/>
-              <a:defRPr sz="1200"/>
-            </a:lvl8pPr>
-            <a:lvl9pPr marL="2743200" indent="0" algn="ctr">
-              <a:buNone/>
-              <a:defRPr sz="1200"/>
-            </a:lvl9pPr>
-          </a:lstStyle>
-          <a:p>
-            <a:r>
-              <a:rPr lang="en-US"/>
-              <a:t>Click to edit Master subtitle style</a:t>
-            </a:r>
-          </a:p>
-        </p:txBody>
-      </p:sp>
-      <p:sp>
-        <p:nvSpPr>
-          <p:cNvPr id="4" name="Date Placeholder 3"/>
-          <p:cNvSpPr>
-            <a:spLocks noGrp="1"/>
-          </p:cNvSpPr>
-          <p:nvPr>
-            <p:ph type="dt" sz="half" idx="10"/>
-          </p:nvPr>
-        </p:nvSpPr>
-        <p:spPr/>
-        <p:txBody>
-          <a:bodyPr/>
-          <a:lstStyle/>
-          <a:p>
-            <a:fld id="{7339C8F9-0643-49B4-A2CB-987B8C90EE6B}" type="datetimeFigureOut">
-              <a:rPr lang="en-US" smtClean="0">
-                <a:solidFill>
-                  <a:prstClr val="black">
-                    <a:tint val="75000"/>
-                  </a:prstClr>
-                </a:solidFill>
-              </a:rPr>
-              <a:pPr/>
-              <a:t>9/1/20</a:t>
-            </a:fld>
-            <a:endParaRPr lang="en-US">
-              <a:solidFill>
-                <a:prstClr val="black">
-                  <a:tint val="75000"/>
-                </a:prstClr>
-              </a:solidFill>
-            </a:endParaRPr>
-          </a:p>
-        </p:txBody>
-      </p:sp>
-      <p:sp>
-        <p:nvSpPr>
-          <p:cNvPr id="5" name="Footer Placeholder 4"/>
-          <p:cNvSpPr>
-            <a:spLocks noGrp="1"/>
-          </p:cNvSpPr>
-          <p:nvPr>
-            <p:ph type="ftr" sz="quarter" idx="11"/>
-          </p:nvPr>
-        </p:nvSpPr>
-        <p:spPr/>
-        <p:txBody>
-          <a:bodyPr/>
-          <a:lstStyle/>
-          <a:p>
-            <a:endParaRPr lang="en-US">
-              <a:solidFill>
-                <a:prstClr val="black">
-                  <a:tint val="75000"/>
-                </a:prstClr>
-              </a:solidFill>
-            </a:endParaRPr>
-          </a:p>
-        </p:txBody>
-      </p:sp>
-      <p:sp>
-        <p:nvSpPr>
-          <p:cNvPr id="6" name="Slide Number Placeholder 5"/>
-          <p:cNvSpPr>
-            <a:spLocks noGrp="1"/>
-          </p:cNvSpPr>
-          <p:nvPr>
-            <p:ph type="sldNum" sz="quarter" idx="12"/>
-          </p:nvPr>
-        </p:nvSpPr>
-        <p:spPr/>
-        <p:txBody>
-          <a:bodyPr/>
-          <a:lstStyle/>
-          <a:p>
-            <a:fld id="{86CB4B4D-7CA3-9044-876B-883B54F8677D}" type="slidenum">
-              <a:rPr lang="en-US" smtClean="0">
-                <a:solidFill>
-                  <a:prstClr val="black">
-                    <a:tint val="75000"/>
-                  </a:prstClr>
-                </a:solidFill>
-              </a:rPr>
-              <a:pPr/>
-              <a:t>‹#›</a:t>
-            </a:fld>
-            <a:endParaRPr lang="en-US">
-              <a:solidFill>
-                <a:prstClr val="black">
-                  <a:tint val="75000"/>
-                </a:prstClr>
-              </a:solidFill>
-            </a:endParaRPr>
-          </a:p>
-        </p:txBody>
-      </p:sp>
-    </p:spTree>
-    <p:extLst>
-      <p:ext uri="{BB962C8B-B14F-4D97-AF65-F5344CB8AC3E}">
-        <p14:creationId xmlns:p14="http://schemas.microsoft.com/office/powerpoint/2010/main" val="553822965"/>
-      </p:ext>
-    </p:extLst>
-  </p:cSld>
-  <p:clrMapOvr>
-    <a:masterClrMapping/>
-  </p:clrMapOvr>
-</p:sldLayout>
-</file>
-
-<file path=ppt/slideLayouts/slideLayout11.xml><?xml version="1.0" encoding="utf-8"?>
-<p:sldLayout xmlns:a="http://schemas.openxmlformats.org/drawingml/2006/main" xmlns:r="http://schemas.openxmlformats.org/officeDocument/2006/relationships" xmlns:p="http://schemas.openxmlformats.org/presentationml/2006/main" type="obj" preserve="1">
-  <p:cSld name="Title and Content">
-    <p:spTree>
-      <p:nvGrpSpPr>
-        <p:cNvPr id="1" name=""/>
-        <p:cNvGrpSpPr/>
-        <p:nvPr/>
-      </p:nvGrpSpPr>
-      <p:grpSpPr>
-        <a:xfrm>
-          <a:off x="0" y="0"/>
-          <a:ext cx="0" cy="0"/>
-          <a:chOff x="0" y="0"/>
-          <a:chExt cx="0" cy="0"/>
-        </a:xfrm>
-      </p:grpSpPr>
-      <p:sp>
-        <p:nvSpPr>
-          <p:cNvPr id="2" name="Title 1"/>
-          <p:cNvSpPr>
-            <a:spLocks noGrp="1"/>
-          </p:cNvSpPr>
-          <p:nvPr>
-            <p:ph type="title"/>
-          </p:nvPr>
-        </p:nvSpPr>
-        <p:spPr/>
-        <p:txBody>
-          <a:bodyPr/>
-          <a:lstStyle/>
-          <a:p>
-            <a:r>
-              <a:rPr lang="en-US"/>
-              <a:t>Click to edit Master title style</a:t>
-            </a:r>
-          </a:p>
-        </p:txBody>
-      </p:sp>
-      <p:sp>
-        <p:nvSpPr>
-          <p:cNvPr id="3" name="Content Placeholder 2"/>
-          <p:cNvSpPr>
-            <a:spLocks noGrp="1"/>
-          </p:cNvSpPr>
-          <p:nvPr>
-            <p:ph idx="1"/>
-          </p:nvPr>
-        </p:nvSpPr>
-        <p:spPr/>
-        <p:txBody>
-          <a:bodyPr/>
-          <a:lstStyle/>
-          <a:p>
-            <a:pPr lvl="0"/>
-            <a:r>
-              <a:rPr lang="en-US"/>
-              <a:t>Click to edit Master text styles</a:t>
-            </a:r>
-          </a:p>
-          <a:p>
-            <a:pPr lvl="1"/>
-            <a:r>
-              <a:rPr lang="en-US"/>
-              <a:t>Second level</a:t>
-            </a:r>
-          </a:p>
-          <a:p>
-            <a:pPr lvl="2"/>
-            <a:r>
-              <a:rPr lang="en-US"/>
-              <a:t>Third level</a:t>
-            </a:r>
-          </a:p>
-          <a:p>
-            <a:pPr lvl="3"/>
-            <a:r>
-              <a:rPr lang="en-US"/>
-              <a:t>Fourth level</a:t>
-            </a:r>
-          </a:p>
-          <a:p>
-            <a:pPr lvl="4"/>
-            <a:r>
-              <a:rPr lang="en-US"/>
-              <a:t>Fifth level</a:t>
-            </a:r>
-          </a:p>
-        </p:txBody>
-      </p:sp>
-      <p:sp>
-        <p:nvSpPr>
-          <p:cNvPr id="4" name="Date Placeholder 3"/>
-          <p:cNvSpPr>
-            <a:spLocks noGrp="1"/>
-          </p:cNvSpPr>
-          <p:nvPr>
-            <p:ph type="dt" sz="half" idx="10"/>
-          </p:nvPr>
-        </p:nvSpPr>
-        <p:spPr/>
-        <p:txBody>
-          <a:bodyPr/>
-          <a:lstStyle/>
-          <a:p>
-            <a:fld id="{7339C8F9-0643-49B4-A2CB-987B8C90EE6B}" type="datetimeFigureOut">
-              <a:rPr lang="en-US" smtClean="0">
-                <a:solidFill>
-                  <a:prstClr val="black">
-                    <a:tint val="75000"/>
-                  </a:prstClr>
-                </a:solidFill>
-              </a:rPr>
-              <a:pPr/>
-              <a:t>9/1/20</a:t>
-            </a:fld>
-            <a:endParaRPr lang="en-US">
-              <a:solidFill>
-                <a:prstClr val="black">
-                  <a:tint val="75000"/>
-                </a:prstClr>
-              </a:solidFill>
-            </a:endParaRPr>
-          </a:p>
-        </p:txBody>
-      </p:sp>
-      <p:sp>
-        <p:nvSpPr>
-          <p:cNvPr id="5" name="Footer Placeholder 4"/>
-          <p:cNvSpPr>
-            <a:spLocks noGrp="1"/>
-          </p:cNvSpPr>
-          <p:nvPr>
-            <p:ph type="ftr" sz="quarter" idx="11"/>
-          </p:nvPr>
-        </p:nvSpPr>
-        <p:spPr/>
-        <p:txBody>
-          <a:bodyPr/>
-          <a:lstStyle/>
-          <a:p>
-            <a:endParaRPr lang="en-US">
-              <a:solidFill>
-                <a:prstClr val="black">
-                  <a:tint val="75000"/>
-                </a:prstClr>
-              </a:solidFill>
-            </a:endParaRPr>
-          </a:p>
-        </p:txBody>
-      </p:sp>
-      <p:sp>
-        <p:nvSpPr>
-          <p:cNvPr id="6" name="Slide Number Placeholder 5"/>
-          <p:cNvSpPr>
-            <a:spLocks noGrp="1"/>
-          </p:cNvSpPr>
-          <p:nvPr>
-            <p:ph type="sldNum" sz="quarter" idx="12"/>
-          </p:nvPr>
-        </p:nvSpPr>
-        <p:spPr/>
-        <p:txBody>
-          <a:bodyPr/>
-          <a:lstStyle/>
-          <a:p>
-            <a:fld id="{86CB4B4D-7CA3-9044-876B-883B54F8677D}" type="slidenum">
-              <a:rPr lang="en-US" smtClean="0">
-                <a:solidFill>
-                  <a:prstClr val="black">
-                    <a:tint val="75000"/>
-                  </a:prstClr>
-                </a:solidFill>
-              </a:rPr>
-              <a:pPr/>
-              <a:t>‹#›</a:t>
-            </a:fld>
-            <a:endParaRPr lang="en-US">
-              <a:solidFill>
-                <a:prstClr val="black">
-                  <a:tint val="75000"/>
-                </a:prstClr>
-              </a:solidFill>
-            </a:endParaRPr>
-          </a:p>
-        </p:txBody>
-      </p:sp>
-    </p:spTree>
-    <p:extLst>
-      <p:ext uri="{BB962C8B-B14F-4D97-AF65-F5344CB8AC3E}">
-        <p14:creationId xmlns:p14="http://schemas.microsoft.com/office/powerpoint/2010/main" val="1852435551"/>
-      </p:ext>
-    </p:extLst>
-  </p:cSld>
-  <p:clrMapOvr>
-    <a:masterClrMapping/>
-  </p:clrMapOvr>
-</p:sldLayout>
-</file>
-
-<file path=ppt/slideLayouts/slideLayout12.xml><?xml version="1.0" encoding="utf-8"?>
-<p:sldLayout xmlns:a="http://schemas.openxmlformats.org/drawingml/2006/main" xmlns:r="http://schemas.openxmlformats.org/officeDocument/2006/relationships" xmlns:p="http://schemas.openxmlformats.org/presentationml/2006/main" type="secHead" preserve="1">
-  <p:cSld name="Section Header">
-    <p:spTree>
-      <p:nvGrpSpPr>
-        <p:cNvPr id="1" name=""/>
-        <p:cNvGrpSpPr/>
-        <p:nvPr/>
-      </p:nvGrpSpPr>
-      <p:grpSpPr>
-        <a:xfrm>
-          <a:off x="0" y="0"/>
-          <a:ext cx="0" cy="0"/>
-          <a:chOff x="0" y="0"/>
-          <a:chExt cx="0" cy="0"/>
-        </a:xfrm>
-      </p:grpSpPr>
-      <p:sp>
-        <p:nvSpPr>
-          <p:cNvPr id="2" name="Title 1"/>
-          <p:cNvSpPr>
-            <a:spLocks noGrp="1"/>
-          </p:cNvSpPr>
-          <p:nvPr>
-            <p:ph type="title"/>
-          </p:nvPr>
-        </p:nvSpPr>
-        <p:spPr>
-          <a:xfrm>
-            <a:off x="623888" y="1709739"/>
-            <a:ext cx="7886700" cy="2852737"/>
-          </a:xfrm>
-        </p:spPr>
-        <p:txBody>
-          <a:bodyPr anchor="b"/>
-          <a:lstStyle>
-            <a:lvl1pPr>
-              <a:defRPr sz="4500"/>
-            </a:lvl1pPr>
-          </a:lstStyle>
-          <a:p>
-            <a:r>
-              <a:rPr lang="en-US"/>
-              <a:t>Click to edit Master title style</a:t>
-            </a:r>
-          </a:p>
-        </p:txBody>
-      </p:sp>
-      <p:sp>
-        <p:nvSpPr>
-          <p:cNvPr id="3" name="Text Placeholder 2"/>
-          <p:cNvSpPr>
-            <a:spLocks noGrp="1"/>
-          </p:cNvSpPr>
-          <p:nvPr>
-            <p:ph type="body" idx="1"/>
-          </p:nvPr>
-        </p:nvSpPr>
-        <p:spPr>
-          <a:xfrm>
-            <a:off x="623888" y="4589464"/>
-            <a:ext cx="7886700" cy="1500187"/>
-          </a:xfrm>
-        </p:spPr>
-        <p:txBody>
-          <a:bodyPr/>
-          <a:lstStyle>
-            <a:lvl1pPr marL="0" indent="0">
-              <a:buNone/>
-              <a:defRPr sz="1800">
-                <a:solidFill>
-                  <a:schemeClr val="tx1">
-                    <a:tint val="75000"/>
-                  </a:schemeClr>
-                </a:solidFill>
-              </a:defRPr>
-            </a:lvl1pPr>
-            <a:lvl2pPr marL="342900" indent="0">
-              <a:buNone/>
-              <a:defRPr sz="1500">
-                <a:solidFill>
-                  <a:schemeClr val="tx1">
-                    <a:tint val="75000"/>
-                  </a:schemeClr>
-                </a:solidFill>
-              </a:defRPr>
-            </a:lvl2pPr>
-            <a:lvl3pPr marL="685800" indent="0">
-              <a:buNone/>
-              <a:defRPr sz="1350">
-                <a:solidFill>
-                  <a:schemeClr val="tx1">
-                    <a:tint val="75000"/>
-                  </a:schemeClr>
-                </a:solidFill>
-              </a:defRPr>
-            </a:lvl3pPr>
-            <a:lvl4pPr marL="1028700" indent="0">
-              <a:buNone/>
-              <a:defRPr sz="1200">
-                <a:solidFill>
-                  <a:schemeClr val="tx1">
-                    <a:tint val="75000"/>
-                  </a:schemeClr>
-                </a:solidFill>
-              </a:defRPr>
-            </a:lvl4pPr>
-            <a:lvl5pPr marL="1371600" indent="0">
-              <a:buNone/>
-              <a:defRPr sz="1200">
-                <a:solidFill>
-                  <a:schemeClr val="tx1">
-                    <a:tint val="75000"/>
-                  </a:schemeClr>
-                </a:solidFill>
-              </a:defRPr>
-            </a:lvl5pPr>
-            <a:lvl6pPr marL="1714500" indent="0">
-              <a:buNone/>
-              <a:defRPr sz="1200">
-                <a:solidFill>
-                  <a:schemeClr val="tx1">
-                    <a:tint val="75000"/>
-                  </a:schemeClr>
-                </a:solidFill>
-              </a:defRPr>
-            </a:lvl6pPr>
-            <a:lvl7pPr marL="2057400" indent="0">
-              <a:buNone/>
-              <a:defRPr sz="1200">
-                <a:solidFill>
-                  <a:schemeClr val="tx1">
-                    <a:tint val="75000"/>
-                  </a:schemeClr>
-                </a:solidFill>
-              </a:defRPr>
-            </a:lvl7pPr>
-            <a:lvl8pPr marL="2400300" indent="0">
-              <a:buNone/>
-              <a:defRPr sz="1200">
-                <a:solidFill>
-                  <a:schemeClr val="tx1">
-                    <a:tint val="75000"/>
-                  </a:schemeClr>
-                </a:solidFill>
-              </a:defRPr>
-            </a:lvl8pPr>
-            <a:lvl9pPr marL="2743200" indent="0">
-              <a:buNone/>
-              <a:defRPr sz="1200">
-                <a:solidFill>
-                  <a:schemeClr val="tx1">
-                    <a:tint val="75000"/>
-                  </a:schemeClr>
-                </a:solidFill>
-              </a:defRPr>
-            </a:lvl9pPr>
-          </a:lstStyle>
-          <a:p>
-            <a:pPr lvl="0"/>
-            <a:r>
-              <a:rPr lang="en-US"/>
-              <a:t>Click to edit Master text styles</a:t>
-            </a:r>
-          </a:p>
-        </p:txBody>
-      </p:sp>
-      <p:sp>
-        <p:nvSpPr>
-          <p:cNvPr id="4" name="Date Placeholder 3"/>
-          <p:cNvSpPr>
-            <a:spLocks noGrp="1"/>
-          </p:cNvSpPr>
-          <p:nvPr>
-            <p:ph type="dt" sz="half" idx="10"/>
-          </p:nvPr>
-        </p:nvSpPr>
-        <p:spPr/>
-        <p:txBody>
-          <a:bodyPr/>
-          <a:lstStyle/>
-          <a:p>
-            <a:fld id="{7339C8F9-0643-49B4-A2CB-987B8C90EE6B}" type="datetimeFigureOut">
-              <a:rPr lang="en-US" smtClean="0">
-                <a:solidFill>
-                  <a:prstClr val="black">
-                    <a:tint val="75000"/>
-                  </a:prstClr>
-                </a:solidFill>
-              </a:rPr>
-              <a:pPr/>
-              <a:t>9/1/20</a:t>
-            </a:fld>
-            <a:endParaRPr lang="en-US">
-              <a:solidFill>
-                <a:prstClr val="black">
-                  <a:tint val="75000"/>
-                </a:prstClr>
-              </a:solidFill>
-            </a:endParaRPr>
-          </a:p>
-        </p:txBody>
-      </p:sp>
-      <p:sp>
-        <p:nvSpPr>
-          <p:cNvPr id="5" name="Footer Placeholder 4"/>
-          <p:cNvSpPr>
-            <a:spLocks noGrp="1"/>
-          </p:cNvSpPr>
-          <p:nvPr>
-            <p:ph type="ftr" sz="quarter" idx="11"/>
-          </p:nvPr>
-        </p:nvSpPr>
-        <p:spPr/>
-        <p:txBody>
-          <a:bodyPr/>
-          <a:lstStyle/>
-          <a:p>
-            <a:endParaRPr lang="en-US">
-              <a:solidFill>
-                <a:prstClr val="black">
-                  <a:tint val="75000"/>
-                </a:prstClr>
-              </a:solidFill>
-            </a:endParaRPr>
-          </a:p>
-        </p:txBody>
-      </p:sp>
-      <p:sp>
-        <p:nvSpPr>
-          <p:cNvPr id="6" name="Slide Number Placeholder 5"/>
-          <p:cNvSpPr>
-            <a:spLocks noGrp="1"/>
-          </p:cNvSpPr>
-          <p:nvPr>
-            <p:ph type="sldNum" sz="quarter" idx="12"/>
-          </p:nvPr>
-        </p:nvSpPr>
-        <p:spPr/>
-        <p:txBody>
-          <a:bodyPr/>
-          <a:lstStyle/>
-          <a:p>
-            <a:fld id="{86CB4B4D-7CA3-9044-876B-883B54F8677D}" type="slidenum">
-              <a:rPr lang="en-US" smtClean="0">
-                <a:solidFill>
-                  <a:prstClr val="black">
-                    <a:tint val="75000"/>
-                  </a:prstClr>
-                </a:solidFill>
-              </a:rPr>
-              <a:pPr/>
-              <a:t>‹#›</a:t>
-            </a:fld>
-            <a:endParaRPr lang="en-US">
-              <a:solidFill>
-                <a:prstClr val="black">
-                  <a:tint val="75000"/>
-                </a:prstClr>
-              </a:solidFill>
-            </a:endParaRPr>
-          </a:p>
-        </p:txBody>
-      </p:sp>
-    </p:spTree>
-    <p:extLst>
-      <p:ext uri="{BB962C8B-B14F-4D97-AF65-F5344CB8AC3E}">
-        <p14:creationId xmlns:p14="http://schemas.microsoft.com/office/powerpoint/2010/main" val="540370505"/>
-      </p:ext>
-    </p:extLst>
-  </p:cSld>
-  <p:clrMapOvr>
-    <a:masterClrMapping/>
-  </p:clrMapOvr>
-</p:sldLayout>
-</file>
-
-<file path=ppt/slideLayouts/slideLayout13.xml><?xml version="1.0" encoding="utf-8"?>
-<p:sldLayout xmlns:a="http://schemas.openxmlformats.org/drawingml/2006/main" xmlns:r="http://schemas.openxmlformats.org/officeDocument/2006/relationships" xmlns:p="http://schemas.openxmlformats.org/presentationml/2006/main" type="twoObj" preserve="1">
-  <p:cSld name="Two Content">
-    <p:spTree>
-      <p:nvGrpSpPr>
-        <p:cNvPr id="1" name=""/>
-        <p:cNvGrpSpPr/>
-        <p:nvPr/>
-      </p:nvGrpSpPr>
-      <p:grpSpPr>
-        <a:xfrm>
-          <a:off x="0" y="0"/>
-          <a:ext cx="0" cy="0"/>
-          <a:chOff x="0" y="0"/>
-          <a:chExt cx="0" cy="0"/>
-        </a:xfrm>
-      </p:grpSpPr>
-      <p:sp>
-        <p:nvSpPr>
-          <p:cNvPr id="2" name="Title 1"/>
-          <p:cNvSpPr>
-            <a:spLocks noGrp="1"/>
-          </p:cNvSpPr>
-          <p:nvPr>
-            <p:ph type="title"/>
-          </p:nvPr>
-        </p:nvSpPr>
-        <p:spPr/>
-        <p:txBody>
-          <a:bodyPr/>
-          <a:lstStyle/>
-          <a:p>
-            <a:r>
-              <a:rPr lang="en-US"/>
-              <a:t>Click to edit Master title style</a:t>
-            </a:r>
-          </a:p>
-        </p:txBody>
-      </p:sp>
-      <p:sp>
-        <p:nvSpPr>
-          <p:cNvPr id="3" name="Content Placeholder 2"/>
-          <p:cNvSpPr>
-            <a:spLocks noGrp="1"/>
-          </p:cNvSpPr>
-          <p:nvPr>
-            <p:ph sz="half" idx="1"/>
-          </p:nvPr>
-        </p:nvSpPr>
-        <p:spPr>
-          <a:xfrm>
-            <a:off x="628650" y="1825625"/>
-            <a:ext cx="3886200" cy="4351338"/>
-          </a:xfrm>
-        </p:spPr>
-        <p:txBody>
-          <a:bodyPr/>
-          <a:lstStyle/>
-          <a:p>
-            <a:pPr lvl="0"/>
-            <a:r>
-              <a:rPr lang="en-US"/>
-              <a:t>Click to edit Master text styles</a:t>
-            </a:r>
-          </a:p>
-          <a:p>
-            <a:pPr lvl="1"/>
-            <a:r>
-              <a:rPr lang="en-US"/>
-              <a:t>Second level</a:t>
-            </a:r>
-          </a:p>
-          <a:p>
-            <a:pPr lvl="2"/>
-            <a:r>
-              <a:rPr lang="en-US"/>
-              <a:t>Third level</a:t>
-            </a:r>
-          </a:p>
-          <a:p>
-            <a:pPr lvl="3"/>
-            <a:r>
-              <a:rPr lang="en-US"/>
-              <a:t>Fourth level</a:t>
-            </a:r>
-          </a:p>
-          <a:p>
-            <a:pPr lvl="4"/>
-            <a:r>
-              <a:rPr lang="en-US"/>
-              <a:t>Fifth level</a:t>
-            </a:r>
-          </a:p>
-        </p:txBody>
-      </p:sp>
-      <p:sp>
-        <p:nvSpPr>
-          <p:cNvPr id="4" name="Content Placeholder 3"/>
-          <p:cNvSpPr>
-            <a:spLocks noGrp="1"/>
-          </p:cNvSpPr>
-          <p:nvPr>
-            <p:ph sz="half" idx="2"/>
-          </p:nvPr>
-        </p:nvSpPr>
-        <p:spPr>
-          <a:xfrm>
-            <a:off x="4629150" y="1825625"/>
-            <a:ext cx="3886200" cy="4351338"/>
-          </a:xfrm>
-        </p:spPr>
-        <p:txBody>
-          <a:bodyPr/>
-          <a:lstStyle/>
-          <a:p>
-            <a:pPr lvl="0"/>
-            <a:r>
-              <a:rPr lang="en-US"/>
-              <a:t>Click to edit Master text styles</a:t>
-            </a:r>
-          </a:p>
-          <a:p>
-            <a:pPr lvl="1"/>
-            <a:r>
-              <a:rPr lang="en-US"/>
-              <a:t>Second level</a:t>
-            </a:r>
-          </a:p>
-          <a:p>
-            <a:pPr lvl="2"/>
-            <a:r>
-              <a:rPr lang="en-US"/>
-              <a:t>Third level</a:t>
-            </a:r>
-          </a:p>
-          <a:p>
-            <a:pPr lvl="3"/>
-            <a:r>
-              <a:rPr lang="en-US"/>
-              <a:t>Fourth level</a:t>
-            </a:r>
-          </a:p>
-          <a:p>
-            <a:pPr lvl="4"/>
-            <a:r>
-              <a:rPr lang="en-US"/>
-              <a:t>Fifth level</a:t>
-            </a:r>
-          </a:p>
-        </p:txBody>
-      </p:sp>
-      <p:sp>
-        <p:nvSpPr>
-          <p:cNvPr id="5" name="Date Placeholder 4"/>
-          <p:cNvSpPr>
-            <a:spLocks noGrp="1"/>
-          </p:cNvSpPr>
-          <p:nvPr>
-            <p:ph type="dt" sz="half" idx="10"/>
-          </p:nvPr>
-        </p:nvSpPr>
-        <p:spPr/>
-        <p:txBody>
-          <a:bodyPr/>
-          <a:lstStyle/>
-          <a:p>
-            <a:fld id="{7339C8F9-0643-49B4-A2CB-987B8C90EE6B}" type="datetimeFigureOut">
-              <a:rPr lang="en-US" smtClean="0">
-                <a:solidFill>
-                  <a:prstClr val="black">
-                    <a:tint val="75000"/>
-                  </a:prstClr>
-                </a:solidFill>
-              </a:rPr>
-              <a:pPr/>
-              <a:t>9/1/20</a:t>
-            </a:fld>
-            <a:endParaRPr lang="en-US">
-              <a:solidFill>
-                <a:prstClr val="black">
-                  <a:tint val="75000"/>
-                </a:prstClr>
-              </a:solidFill>
-            </a:endParaRPr>
-          </a:p>
-        </p:txBody>
-      </p:sp>
-      <p:sp>
-        <p:nvSpPr>
-          <p:cNvPr id="6" name="Footer Placeholder 5"/>
-          <p:cNvSpPr>
-            <a:spLocks noGrp="1"/>
-          </p:cNvSpPr>
-          <p:nvPr>
-            <p:ph type="ftr" sz="quarter" idx="11"/>
-          </p:nvPr>
-        </p:nvSpPr>
-        <p:spPr/>
-        <p:txBody>
-          <a:bodyPr/>
-          <a:lstStyle/>
-          <a:p>
-            <a:endParaRPr lang="en-US">
-              <a:solidFill>
-                <a:prstClr val="black">
-                  <a:tint val="75000"/>
-                </a:prstClr>
-              </a:solidFill>
-            </a:endParaRPr>
-          </a:p>
-        </p:txBody>
-      </p:sp>
-      <p:sp>
-        <p:nvSpPr>
-          <p:cNvPr id="7" name="Slide Number Placeholder 6"/>
-          <p:cNvSpPr>
-            <a:spLocks noGrp="1"/>
-          </p:cNvSpPr>
-          <p:nvPr>
-            <p:ph type="sldNum" sz="quarter" idx="12"/>
-          </p:nvPr>
-        </p:nvSpPr>
-        <p:spPr/>
-        <p:txBody>
-          <a:bodyPr/>
-          <a:lstStyle/>
-          <a:p>
-            <a:fld id="{86CB4B4D-7CA3-9044-876B-883B54F8677D}" type="slidenum">
-              <a:rPr lang="en-US" smtClean="0">
-                <a:solidFill>
-                  <a:prstClr val="black">
-                    <a:tint val="75000"/>
-                  </a:prstClr>
-                </a:solidFill>
-              </a:rPr>
-              <a:pPr/>
-              <a:t>‹#›</a:t>
-            </a:fld>
-            <a:endParaRPr lang="en-US">
-              <a:solidFill>
-                <a:prstClr val="black">
-                  <a:tint val="75000"/>
-                </a:prstClr>
-              </a:solidFill>
-            </a:endParaRPr>
-          </a:p>
-        </p:txBody>
-      </p:sp>
-    </p:spTree>
-    <p:extLst>
-      <p:ext uri="{BB962C8B-B14F-4D97-AF65-F5344CB8AC3E}">
-        <p14:creationId xmlns:p14="http://schemas.microsoft.com/office/powerpoint/2010/main" val="3851031520"/>
-      </p:ext>
-    </p:extLst>
-  </p:cSld>
-  <p:clrMapOvr>
-    <a:masterClrMapping/>
-  </p:clrMapOvr>
-</p:sldLayout>
-</file>
-
-<file path=ppt/slideLayouts/slideLayout14.xml><?xml version="1.0" encoding="utf-8"?>
-<p:sldLayout xmlns:a="http://schemas.openxmlformats.org/drawingml/2006/main" xmlns:r="http://schemas.openxmlformats.org/officeDocument/2006/relationships" xmlns:p="http://schemas.openxmlformats.org/presentationml/2006/main" type="twoTxTwoObj" preserve="1">
-  <p:cSld name="Comparison">
-    <p:spTree>
-      <p:nvGrpSpPr>
-        <p:cNvPr id="1" name=""/>
-        <p:cNvGrpSpPr/>
-        <p:nvPr/>
-      </p:nvGrpSpPr>
-      <p:grpSpPr>
-        <a:xfrm>
-          <a:off x="0" y="0"/>
-          <a:ext cx="0" cy="0"/>
-          <a:chOff x="0" y="0"/>
-          <a:chExt cx="0" cy="0"/>
-        </a:xfrm>
-      </p:grpSpPr>
-      <p:sp>
-        <p:nvSpPr>
-          <p:cNvPr id="2" name="Title 1"/>
-          <p:cNvSpPr>
-            <a:spLocks noGrp="1"/>
-          </p:cNvSpPr>
-          <p:nvPr>
-            <p:ph type="title"/>
-          </p:nvPr>
-        </p:nvSpPr>
-        <p:spPr>
-          <a:xfrm>
-            <a:off x="629841" y="365126"/>
-            <a:ext cx="7886700" cy="1325563"/>
-          </a:xfrm>
-        </p:spPr>
-        <p:txBody>
-          <a:bodyPr/>
-          <a:lstStyle/>
-          <a:p>
-            <a:r>
-              <a:rPr lang="en-US"/>
-              <a:t>Click to edit Master title style</a:t>
-            </a:r>
-          </a:p>
-        </p:txBody>
-      </p:sp>
-      <p:sp>
-        <p:nvSpPr>
-          <p:cNvPr id="3" name="Text Placeholder 2"/>
-          <p:cNvSpPr>
-            <a:spLocks noGrp="1"/>
-          </p:cNvSpPr>
-          <p:nvPr>
-            <p:ph type="body" idx="1"/>
-          </p:nvPr>
-        </p:nvSpPr>
-        <p:spPr>
-          <a:xfrm>
-            <a:off x="629842" y="1681163"/>
-            <a:ext cx="3868340" cy="823912"/>
-          </a:xfrm>
-        </p:spPr>
-        <p:txBody>
-          <a:bodyPr anchor="b"/>
-          <a:lstStyle>
-            <a:lvl1pPr marL="0" indent="0">
-              <a:buNone/>
-              <a:defRPr sz="1800" b="1"/>
-            </a:lvl1pPr>
-            <a:lvl2pPr marL="342900" indent="0">
-              <a:buNone/>
-              <a:defRPr sz="1500" b="1"/>
-            </a:lvl2pPr>
-            <a:lvl3pPr marL="685800" indent="0">
-              <a:buNone/>
-              <a:defRPr sz="1350" b="1"/>
-            </a:lvl3pPr>
-            <a:lvl4pPr marL="1028700" indent="0">
-              <a:buNone/>
-              <a:defRPr sz="1200" b="1"/>
-            </a:lvl4pPr>
-            <a:lvl5pPr marL="1371600" indent="0">
-              <a:buNone/>
-              <a:defRPr sz="1200" b="1"/>
-            </a:lvl5pPr>
-            <a:lvl6pPr marL="1714500" indent="0">
-              <a:buNone/>
-              <a:defRPr sz="1200" b="1"/>
-            </a:lvl6pPr>
-            <a:lvl7pPr marL="2057400" indent="0">
-              <a:buNone/>
-              <a:defRPr sz="1200" b="1"/>
-            </a:lvl7pPr>
-            <a:lvl8pPr marL="2400300" indent="0">
-              <a:buNone/>
-              <a:defRPr sz="1200" b="1"/>
-            </a:lvl8pPr>
-            <a:lvl9pPr marL="2743200" indent="0">
-              <a:buNone/>
-              <a:defRPr sz="1200" b="1"/>
-            </a:lvl9pPr>
-          </a:lstStyle>
-          <a:p>
-            <a:pPr lvl="0"/>
-            <a:r>
-              <a:rPr lang="en-US"/>
-              <a:t>Click to edit Master text styles</a:t>
-            </a:r>
-          </a:p>
-        </p:txBody>
-      </p:sp>
-      <p:sp>
-        <p:nvSpPr>
-          <p:cNvPr id="4" name="Content Placeholder 3"/>
-          <p:cNvSpPr>
-            <a:spLocks noGrp="1"/>
-          </p:cNvSpPr>
-          <p:nvPr>
-            <p:ph sz="half" idx="2"/>
-          </p:nvPr>
-        </p:nvSpPr>
-        <p:spPr>
-          <a:xfrm>
-            <a:off x="629842" y="2505075"/>
-            <a:ext cx="3868340" cy="3684588"/>
-          </a:xfrm>
-        </p:spPr>
-        <p:txBody>
-          <a:bodyPr/>
-          <a:lstStyle/>
-          <a:p>
-            <a:pPr lvl="0"/>
-            <a:r>
-              <a:rPr lang="en-US"/>
-              <a:t>Click to edit Master text styles</a:t>
-            </a:r>
-          </a:p>
-          <a:p>
-            <a:pPr lvl="1"/>
-            <a:r>
-              <a:rPr lang="en-US"/>
-              <a:t>Second level</a:t>
-            </a:r>
-          </a:p>
-          <a:p>
-            <a:pPr lvl="2"/>
-            <a:r>
-              <a:rPr lang="en-US"/>
-              <a:t>Third level</a:t>
-            </a:r>
-          </a:p>
-          <a:p>
-            <a:pPr lvl="3"/>
-            <a:r>
-              <a:rPr lang="en-US"/>
-              <a:t>Fourth level</a:t>
-            </a:r>
-          </a:p>
-          <a:p>
-            <a:pPr lvl="4"/>
-            <a:r>
-              <a:rPr lang="en-US"/>
-              <a:t>Fifth level</a:t>
-            </a:r>
-          </a:p>
-        </p:txBody>
-      </p:sp>
-      <p:sp>
-        <p:nvSpPr>
-          <p:cNvPr id="5" name="Text Placeholder 4"/>
-          <p:cNvSpPr>
-            <a:spLocks noGrp="1"/>
-          </p:cNvSpPr>
-          <p:nvPr>
-            <p:ph type="body" sz="quarter" idx="3"/>
-          </p:nvPr>
-        </p:nvSpPr>
-        <p:spPr>
-          <a:xfrm>
-            <a:off x="4629150" y="1681163"/>
-            <a:ext cx="3887391" cy="823912"/>
-          </a:xfrm>
-        </p:spPr>
-        <p:txBody>
-          <a:bodyPr anchor="b"/>
-          <a:lstStyle>
-            <a:lvl1pPr marL="0" indent="0">
-              <a:buNone/>
-              <a:defRPr sz="1800" b="1"/>
-            </a:lvl1pPr>
-            <a:lvl2pPr marL="342900" indent="0">
-              <a:buNone/>
-              <a:defRPr sz="1500" b="1"/>
-            </a:lvl2pPr>
-            <a:lvl3pPr marL="685800" indent="0">
-              <a:buNone/>
-              <a:defRPr sz="1350" b="1"/>
-            </a:lvl3pPr>
-            <a:lvl4pPr marL="1028700" indent="0">
-              <a:buNone/>
-              <a:defRPr sz="1200" b="1"/>
-            </a:lvl4pPr>
-            <a:lvl5pPr marL="1371600" indent="0">
-              <a:buNone/>
-              <a:defRPr sz="1200" b="1"/>
-            </a:lvl5pPr>
-            <a:lvl6pPr marL="1714500" indent="0">
-              <a:buNone/>
-              <a:defRPr sz="1200" b="1"/>
-            </a:lvl6pPr>
-            <a:lvl7pPr marL="2057400" indent="0">
-              <a:buNone/>
-              <a:defRPr sz="1200" b="1"/>
-            </a:lvl7pPr>
-            <a:lvl8pPr marL="2400300" indent="0">
-              <a:buNone/>
-              <a:defRPr sz="1200" b="1"/>
-            </a:lvl8pPr>
-            <a:lvl9pPr marL="2743200" indent="0">
-              <a:buNone/>
-              <a:defRPr sz="1200" b="1"/>
-            </a:lvl9pPr>
-          </a:lstStyle>
-          <a:p>
-            <a:pPr lvl="0"/>
-            <a:r>
-              <a:rPr lang="en-US"/>
-              <a:t>Click to edit Master text styles</a:t>
-            </a:r>
-          </a:p>
-        </p:txBody>
-      </p:sp>
-      <p:sp>
-        <p:nvSpPr>
-          <p:cNvPr id="6" name="Content Placeholder 5"/>
-          <p:cNvSpPr>
-            <a:spLocks noGrp="1"/>
-          </p:cNvSpPr>
-          <p:nvPr>
-            <p:ph sz="quarter" idx="4"/>
-          </p:nvPr>
-        </p:nvSpPr>
-        <p:spPr>
-          <a:xfrm>
-            <a:off x="4629150" y="2505075"/>
-            <a:ext cx="3887391" cy="3684588"/>
-          </a:xfrm>
-        </p:spPr>
-        <p:txBody>
-          <a:bodyPr/>
-          <a:lstStyle/>
-          <a:p>
-            <a:pPr lvl="0"/>
-            <a:r>
-              <a:rPr lang="en-US"/>
-              <a:t>Click to edit Master text styles</a:t>
-            </a:r>
-          </a:p>
-          <a:p>
-            <a:pPr lvl="1"/>
-            <a:r>
-              <a:rPr lang="en-US"/>
-              <a:t>Second level</a:t>
-            </a:r>
-          </a:p>
-          <a:p>
-            <a:pPr lvl="2"/>
-            <a:r>
-              <a:rPr lang="en-US"/>
-              <a:t>Third level</a:t>
-            </a:r>
-          </a:p>
-          <a:p>
-            <a:pPr lvl="3"/>
-            <a:r>
-              <a:rPr lang="en-US"/>
-              <a:t>Fourth level</a:t>
-            </a:r>
-          </a:p>
-          <a:p>
-            <a:pPr lvl="4"/>
-            <a:r>
-              <a:rPr lang="en-US"/>
-              <a:t>Fifth level</a:t>
-            </a:r>
-          </a:p>
-        </p:txBody>
-      </p:sp>
-      <p:sp>
-        <p:nvSpPr>
-          <p:cNvPr id="7" name="Date Placeholder 6"/>
-          <p:cNvSpPr>
-            <a:spLocks noGrp="1"/>
-          </p:cNvSpPr>
-          <p:nvPr>
-            <p:ph type="dt" sz="half" idx="10"/>
-          </p:nvPr>
-        </p:nvSpPr>
-        <p:spPr/>
-        <p:txBody>
-          <a:bodyPr/>
-          <a:lstStyle/>
-          <a:p>
-            <a:fld id="{7339C8F9-0643-49B4-A2CB-987B8C90EE6B}" type="datetimeFigureOut">
-              <a:rPr lang="en-US" smtClean="0">
-                <a:solidFill>
-                  <a:prstClr val="black">
-                    <a:tint val="75000"/>
-                  </a:prstClr>
-                </a:solidFill>
-              </a:rPr>
-              <a:pPr/>
-              <a:t>9/1/20</a:t>
-            </a:fld>
-            <a:endParaRPr lang="en-US">
-              <a:solidFill>
-                <a:prstClr val="black">
-                  <a:tint val="75000"/>
-                </a:prstClr>
-              </a:solidFill>
-            </a:endParaRPr>
-          </a:p>
-        </p:txBody>
-      </p:sp>
-      <p:sp>
-        <p:nvSpPr>
-          <p:cNvPr id="8" name="Footer Placeholder 7"/>
-          <p:cNvSpPr>
-            <a:spLocks noGrp="1"/>
-          </p:cNvSpPr>
-          <p:nvPr>
-            <p:ph type="ftr" sz="quarter" idx="11"/>
-          </p:nvPr>
-        </p:nvSpPr>
-        <p:spPr/>
-        <p:txBody>
-          <a:bodyPr/>
-          <a:lstStyle/>
-          <a:p>
-            <a:endParaRPr lang="en-US">
-              <a:solidFill>
-                <a:prstClr val="black">
-                  <a:tint val="75000"/>
-                </a:prstClr>
-              </a:solidFill>
-            </a:endParaRPr>
-          </a:p>
-        </p:txBody>
-      </p:sp>
-      <p:sp>
-        <p:nvSpPr>
-          <p:cNvPr id="9" name="Slide Number Placeholder 8"/>
-          <p:cNvSpPr>
-            <a:spLocks noGrp="1"/>
-          </p:cNvSpPr>
-          <p:nvPr>
-            <p:ph type="sldNum" sz="quarter" idx="12"/>
-          </p:nvPr>
-        </p:nvSpPr>
-        <p:spPr/>
-        <p:txBody>
-          <a:bodyPr/>
-          <a:lstStyle/>
-          <a:p>
-            <a:fld id="{86CB4B4D-7CA3-9044-876B-883B54F8677D}" type="slidenum">
-              <a:rPr lang="en-US" smtClean="0">
-                <a:solidFill>
-                  <a:prstClr val="black">
-                    <a:tint val="75000"/>
-                  </a:prstClr>
-                </a:solidFill>
-              </a:rPr>
-              <a:pPr/>
-              <a:t>‹#›</a:t>
-            </a:fld>
-            <a:endParaRPr lang="en-US">
-              <a:solidFill>
-                <a:prstClr val="black">
-                  <a:tint val="75000"/>
-                </a:prstClr>
-              </a:solidFill>
-            </a:endParaRPr>
-          </a:p>
-        </p:txBody>
-      </p:sp>
-    </p:spTree>
-    <p:extLst>
-      <p:ext uri="{BB962C8B-B14F-4D97-AF65-F5344CB8AC3E}">
-        <p14:creationId xmlns:p14="http://schemas.microsoft.com/office/powerpoint/2010/main" val="282677020"/>
-      </p:ext>
-    </p:extLst>
-  </p:cSld>
-  <p:clrMapOvr>
-    <a:masterClrMapping/>
-  </p:clrMapOvr>
-</p:sldLayout>
-</file>
-
-<file path=ppt/slideLayouts/slideLayout15.xml><?xml version="1.0" encoding="utf-8"?>
-<p:sldLayout xmlns:a="http://schemas.openxmlformats.org/drawingml/2006/main" xmlns:r="http://schemas.openxmlformats.org/officeDocument/2006/relationships" xmlns:p="http://schemas.openxmlformats.org/presentationml/2006/main" type="titleOnly" preserve="1">
-  <p:cSld name="Title Only">
-    <p:spTree>
-      <p:nvGrpSpPr>
-        <p:cNvPr id="1" name=""/>
-        <p:cNvGrpSpPr/>
-        <p:nvPr/>
-      </p:nvGrpSpPr>
-      <p:grpSpPr>
-        <a:xfrm>
-          <a:off x="0" y="0"/>
-          <a:ext cx="0" cy="0"/>
-          <a:chOff x="0" y="0"/>
-          <a:chExt cx="0" cy="0"/>
-        </a:xfrm>
-      </p:grpSpPr>
-      <p:sp>
-        <p:nvSpPr>
-          <p:cNvPr id="2" name="Title 1"/>
-          <p:cNvSpPr>
-            <a:spLocks noGrp="1"/>
-          </p:cNvSpPr>
-          <p:nvPr>
-            <p:ph type="title"/>
-          </p:nvPr>
-        </p:nvSpPr>
-        <p:spPr/>
-        <p:txBody>
-          <a:bodyPr/>
-          <a:lstStyle/>
-          <a:p>
-            <a:r>
-              <a:rPr lang="en-US"/>
-              <a:t>Click to edit Master title style</a:t>
-            </a:r>
-          </a:p>
-        </p:txBody>
-      </p:sp>
-      <p:sp>
-        <p:nvSpPr>
-          <p:cNvPr id="3" name="Date Placeholder 2"/>
-          <p:cNvSpPr>
-            <a:spLocks noGrp="1"/>
-          </p:cNvSpPr>
-          <p:nvPr>
-            <p:ph type="dt" sz="half" idx="10"/>
-          </p:nvPr>
-        </p:nvSpPr>
-        <p:spPr/>
-        <p:txBody>
-          <a:bodyPr/>
-          <a:lstStyle/>
-          <a:p>
-            <a:fld id="{7339C8F9-0643-49B4-A2CB-987B8C90EE6B}" type="datetimeFigureOut">
-              <a:rPr lang="en-US" smtClean="0">
-                <a:solidFill>
-                  <a:prstClr val="black">
-                    <a:tint val="75000"/>
-                  </a:prstClr>
-                </a:solidFill>
-              </a:rPr>
-              <a:pPr/>
-              <a:t>9/1/20</a:t>
-            </a:fld>
-            <a:endParaRPr lang="en-US">
-              <a:solidFill>
-                <a:prstClr val="black">
-                  <a:tint val="75000"/>
-                </a:prstClr>
-              </a:solidFill>
-            </a:endParaRPr>
-          </a:p>
-        </p:txBody>
-      </p:sp>
-      <p:sp>
-        <p:nvSpPr>
-          <p:cNvPr id="4" name="Footer Placeholder 3"/>
-          <p:cNvSpPr>
-            <a:spLocks noGrp="1"/>
-          </p:cNvSpPr>
-          <p:nvPr>
-            <p:ph type="ftr" sz="quarter" idx="11"/>
-          </p:nvPr>
-        </p:nvSpPr>
-        <p:spPr/>
-        <p:txBody>
-          <a:bodyPr/>
-          <a:lstStyle/>
-          <a:p>
-            <a:endParaRPr lang="en-US">
-              <a:solidFill>
-                <a:prstClr val="black">
-                  <a:tint val="75000"/>
-                </a:prstClr>
-              </a:solidFill>
-            </a:endParaRPr>
-          </a:p>
-        </p:txBody>
-      </p:sp>
-      <p:sp>
-        <p:nvSpPr>
-          <p:cNvPr id="5" name="Slide Number Placeholder 4"/>
-          <p:cNvSpPr>
-            <a:spLocks noGrp="1"/>
-          </p:cNvSpPr>
-          <p:nvPr>
-            <p:ph type="sldNum" sz="quarter" idx="12"/>
-          </p:nvPr>
-        </p:nvSpPr>
-        <p:spPr/>
-        <p:txBody>
-          <a:bodyPr/>
-          <a:lstStyle/>
-          <a:p>
-            <a:fld id="{86CB4B4D-7CA3-9044-876B-883B54F8677D}" type="slidenum">
-              <a:rPr lang="en-US" smtClean="0">
-                <a:solidFill>
-                  <a:prstClr val="black">
-                    <a:tint val="75000"/>
-                  </a:prstClr>
-                </a:solidFill>
-              </a:rPr>
-              <a:pPr/>
-              <a:t>‹#›</a:t>
-            </a:fld>
-            <a:endParaRPr lang="en-US">
-              <a:solidFill>
-                <a:prstClr val="black">
-                  <a:tint val="75000"/>
-                </a:prstClr>
-              </a:solidFill>
-            </a:endParaRPr>
-          </a:p>
-        </p:txBody>
-      </p:sp>
-    </p:spTree>
-    <p:extLst>
-      <p:ext uri="{BB962C8B-B14F-4D97-AF65-F5344CB8AC3E}">
-        <p14:creationId xmlns:p14="http://schemas.microsoft.com/office/powerpoint/2010/main" val="332358327"/>
-      </p:ext>
-    </p:extLst>
-  </p:cSld>
-  <p:clrMapOvr>
-    <a:masterClrMapping/>
-  </p:clrMapOvr>
-</p:sldLayout>
-</file>
-
-<file path=ppt/slideLayouts/slideLayout16.xml><?xml version="1.0" encoding="utf-8"?>
-<p:sldLayout xmlns:a="http://schemas.openxmlformats.org/drawingml/2006/main" xmlns:r="http://schemas.openxmlformats.org/officeDocument/2006/relationships" xmlns:p="http://schemas.openxmlformats.org/presentationml/2006/main" type="blank" preserve="1">
-  <p:cSld name="Blank">
-    <p:spTree>
-      <p:nvGrpSpPr>
-        <p:cNvPr id="1" name=""/>
-        <p:cNvGrpSpPr/>
-        <p:nvPr/>
-      </p:nvGrpSpPr>
-      <p:grpSpPr>
-        <a:xfrm>
-          <a:off x="0" y="0"/>
-          <a:ext cx="0" cy="0"/>
-          <a:chOff x="0" y="0"/>
-          <a:chExt cx="0" cy="0"/>
-        </a:xfrm>
-      </p:grpSpPr>
-      <p:sp>
-        <p:nvSpPr>
-          <p:cNvPr id="2" name="Date Placeholder 1"/>
-          <p:cNvSpPr>
-            <a:spLocks noGrp="1"/>
-          </p:cNvSpPr>
-          <p:nvPr>
-            <p:ph type="dt" sz="half" idx="10"/>
-          </p:nvPr>
-        </p:nvSpPr>
-        <p:spPr/>
-        <p:txBody>
-          <a:bodyPr/>
-          <a:lstStyle/>
-          <a:p>
-            <a:fld id="{7339C8F9-0643-49B4-A2CB-987B8C90EE6B}" type="datetimeFigureOut">
-              <a:rPr lang="en-US" smtClean="0">
-                <a:solidFill>
-                  <a:prstClr val="black">
-                    <a:tint val="75000"/>
-                  </a:prstClr>
-                </a:solidFill>
-              </a:rPr>
-              <a:pPr/>
-              <a:t>9/1/20</a:t>
-            </a:fld>
-            <a:endParaRPr lang="en-US">
-              <a:solidFill>
-                <a:prstClr val="black">
-                  <a:tint val="75000"/>
-                </a:prstClr>
-              </a:solidFill>
-            </a:endParaRPr>
-          </a:p>
-        </p:txBody>
-      </p:sp>
-      <p:sp>
-        <p:nvSpPr>
-          <p:cNvPr id="3" name="Footer Placeholder 2"/>
-          <p:cNvSpPr>
-            <a:spLocks noGrp="1"/>
-          </p:cNvSpPr>
-          <p:nvPr>
-            <p:ph type="ftr" sz="quarter" idx="11"/>
-          </p:nvPr>
-        </p:nvSpPr>
-        <p:spPr/>
-        <p:txBody>
-          <a:bodyPr/>
-          <a:lstStyle/>
-          <a:p>
-            <a:endParaRPr lang="en-US">
-              <a:solidFill>
-                <a:prstClr val="black">
-                  <a:tint val="75000"/>
-                </a:prstClr>
-              </a:solidFill>
-            </a:endParaRPr>
-          </a:p>
-        </p:txBody>
-      </p:sp>
-      <p:sp>
-        <p:nvSpPr>
-          <p:cNvPr id="4" name="Slide Number Placeholder 3"/>
-          <p:cNvSpPr>
-            <a:spLocks noGrp="1"/>
-          </p:cNvSpPr>
-          <p:nvPr>
-            <p:ph type="sldNum" sz="quarter" idx="12"/>
-          </p:nvPr>
-        </p:nvSpPr>
-        <p:spPr/>
-        <p:txBody>
-          <a:bodyPr/>
-          <a:lstStyle/>
-          <a:p>
-            <a:fld id="{86CB4B4D-7CA3-9044-876B-883B54F8677D}" type="slidenum">
-              <a:rPr lang="en-US" smtClean="0">
-                <a:solidFill>
-                  <a:prstClr val="black">
-                    <a:tint val="75000"/>
-                  </a:prstClr>
-                </a:solidFill>
-              </a:rPr>
-              <a:pPr/>
-              <a:t>‹#›</a:t>
-            </a:fld>
-            <a:endParaRPr lang="en-US">
-              <a:solidFill>
-                <a:prstClr val="black">
-                  <a:tint val="75000"/>
-                </a:prstClr>
-              </a:solidFill>
-            </a:endParaRPr>
-          </a:p>
-        </p:txBody>
-      </p:sp>
-    </p:spTree>
-    <p:extLst>
-      <p:ext uri="{BB962C8B-B14F-4D97-AF65-F5344CB8AC3E}">
-        <p14:creationId xmlns:p14="http://schemas.microsoft.com/office/powerpoint/2010/main" val="3197982271"/>
-      </p:ext>
-    </p:extLst>
-  </p:cSld>
-  <p:clrMapOvr>
-    <a:masterClrMapping/>
-  </p:clrMapOvr>
-</p:sldLayout>
-</file>
-
-<file path=ppt/slideLayouts/slideLayout17.xml><?xml version="1.0" encoding="utf-8"?>
-<p:sldLayout xmlns:a="http://schemas.openxmlformats.org/drawingml/2006/main" xmlns:r="http://schemas.openxmlformats.org/officeDocument/2006/relationships" xmlns:p="http://schemas.openxmlformats.org/presentationml/2006/main" type="objTx" preserve="1">
-  <p:cSld name="Content with Caption">
-    <p:spTree>
-      <p:nvGrpSpPr>
-        <p:cNvPr id="1" name=""/>
-        <p:cNvGrpSpPr/>
-        <p:nvPr/>
-      </p:nvGrpSpPr>
-      <p:grpSpPr>
-        <a:xfrm>
-          <a:off x="0" y="0"/>
-          <a:ext cx="0" cy="0"/>
-          <a:chOff x="0" y="0"/>
-          <a:chExt cx="0" cy="0"/>
-        </a:xfrm>
-      </p:grpSpPr>
-      <p:sp>
-        <p:nvSpPr>
-          <p:cNvPr id="2" name="Title 1"/>
-          <p:cNvSpPr>
-            <a:spLocks noGrp="1"/>
-          </p:cNvSpPr>
-          <p:nvPr>
-            <p:ph type="title"/>
-          </p:nvPr>
-        </p:nvSpPr>
-        <p:spPr>
-          <a:xfrm>
-            <a:off x="629841" y="457200"/>
-            <a:ext cx="2949178" cy="1600200"/>
-          </a:xfrm>
-        </p:spPr>
-        <p:txBody>
-          <a:bodyPr anchor="b"/>
-          <a:lstStyle>
-            <a:lvl1pPr>
-              <a:defRPr sz="2400"/>
-            </a:lvl1pPr>
-          </a:lstStyle>
-          <a:p>
-            <a:r>
-              <a:rPr lang="en-US"/>
-              <a:t>Click to edit Master title style</a:t>
-            </a:r>
-          </a:p>
-        </p:txBody>
-      </p:sp>
-      <p:sp>
-        <p:nvSpPr>
-          <p:cNvPr id="3" name="Content Placeholder 2"/>
-          <p:cNvSpPr>
-            <a:spLocks noGrp="1"/>
-          </p:cNvSpPr>
-          <p:nvPr>
-            <p:ph idx="1"/>
-          </p:nvPr>
-        </p:nvSpPr>
-        <p:spPr>
-          <a:xfrm>
-            <a:off x="3887391" y="987426"/>
-            <a:ext cx="4629150" cy="4873625"/>
-          </a:xfrm>
-        </p:spPr>
-        <p:txBody>
-          <a:bodyPr/>
-          <a:lstStyle>
-            <a:lvl1pPr>
-              <a:defRPr sz="2400"/>
-            </a:lvl1pPr>
-            <a:lvl2pPr>
-              <a:defRPr sz="2100"/>
-            </a:lvl2pPr>
-            <a:lvl3pPr>
-              <a:defRPr sz="1800"/>
-            </a:lvl3pPr>
-            <a:lvl4pPr>
-              <a:defRPr sz="1500"/>
-            </a:lvl4pPr>
-            <a:lvl5pPr>
-              <a:defRPr sz="1500"/>
-            </a:lvl5pPr>
-            <a:lvl6pPr>
-              <a:defRPr sz="1500"/>
-            </a:lvl6pPr>
-            <a:lvl7pPr>
-              <a:defRPr sz="1500"/>
-            </a:lvl7pPr>
-            <a:lvl8pPr>
-              <a:defRPr sz="1500"/>
-            </a:lvl8pPr>
-            <a:lvl9pPr>
-              <a:defRPr sz="1500"/>
-            </a:lvl9pPr>
-          </a:lstStyle>
-          <a:p>
-            <a:pPr lvl="0"/>
-            <a:r>
-              <a:rPr lang="en-US"/>
-              <a:t>Click to edit Master text styles</a:t>
-            </a:r>
-          </a:p>
-          <a:p>
-            <a:pPr lvl="1"/>
-            <a:r>
-              <a:rPr lang="en-US"/>
-              <a:t>Second level</a:t>
-            </a:r>
-          </a:p>
-          <a:p>
-            <a:pPr lvl="2"/>
-            <a:r>
-              <a:rPr lang="en-US"/>
-              <a:t>Third level</a:t>
-            </a:r>
-          </a:p>
-          <a:p>
-            <a:pPr lvl="3"/>
-            <a:r>
-              <a:rPr lang="en-US"/>
-              <a:t>Fourth level</a:t>
-            </a:r>
-          </a:p>
-          <a:p>
-            <a:pPr lvl="4"/>
-            <a:r>
-              <a:rPr lang="en-US"/>
-              <a:t>Fifth level</a:t>
-            </a:r>
-          </a:p>
-        </p:txBody>
-      </p:sp>
-      <p:sp>
-        <p:nvSpPr>
-          <p:cNvPr id="4" name="Text Placeholder 3"/>
-          <p:cNvSpPr>
-            <a:spLocks noGrp="1"/>
-          </p:cNvSpPr>
-          <p:nvPr>
-            <p:ph type="body" sz="half" idx="2"/>
-          </p:nvPr>
-        </p:nvSpPr>
-        <p:spPr>
-          <a:xfrm>
-            <a:off x="629841" y="2057400"/>
-            <a:ext cx="2949178" cy="3811588"/>
-          </a:xfrm>
-        </p:spPr>
-        <p:txBody>
-          <a:bodyPr/>
-          <a:lstStyle>
-            <a:lvl1pPr marL="0" indent="0">
-              <a:buNone/>
-              <a:defRPr sz="1200"/>
-            </a:lvl1pPr>
-            <a:lvl2pPr marL="342900" indent="0">
-              <a:buNone/>
-              <a:defRPr sz="1050"/>
-            </a:lvl2pPr>
-            <a:lvl3pPr marL="685800" indent="0">
-              <a:buNone/>
-              <a:defRPr sz="900"/>
-            </a:lvl3pPr>
-            <a:lvl4pPr marL="1028700" indent="0">
-              <a:buNone/>
-              <a:defRPr sz="750"/>
-            </a:lvl4pPr>
-            <a:lvl5pPr marL="1371600" indent="0">
-              <a:buNone/>
-              <a:defRPr sz="750"/>
-            </a:lvl5pPr>
-            <a:lvl6pPr marL="1714500" indent="0">
-              <a:buNone/>
-              <a:defRPr sz="750"/>
-            </a:lvl6pPr>
-            <a:lvl7pPr marL="2057400" indent="0">
-              <a:buNone/>
-              <a:defRPr sz="750"/>
-            </a:lvl7pPr>
-            <a:lvl8pPr marL="2400300" indent="0">
-              <a:buNone/>
-              <a:defRPr sz="750"/>
-            </a:lvl8pPr>
-            <a:lvl9pPr marL="2743200" indent="0">
-              <a:buNone/>
-              <a:defRPr sz="750"/>
-            </a:lvl9pPr>
-          </a:lstStyle>
-          <a:p>
-            <a:pPr lvl="0"/>
-            <a:r>
-              <a:rPr lang="en-US"/>
-              <a:t>Click to edit Master text styles</a:t>
-            </a:r>
-          </a:p>
-        </p:txBody>
-      </p:sp>
-      <p:sp>
-        <p:nvSpPr>
-          <p:cNvPr id="5" name="Date Placeholder 4"/>
-          <p:cNvSpPr>
-            <a:spLocks noGrp="1"/>
-          </p:cNvSpPr>
-          <p:nvPr>
-            <p:ph type="dt" sz="half" idx="10"/>
-          </p:nvPr>
-        </p:nvSpPr>
-        <p:spPr/>
-        <p:txBody>
-          <a:bodyPr/>
-          <a:lstStyle/>
-          <a:p>
-            <a:fld id="{7339C8F9-0643-49B4-A2CB-987B8C90EE6B}" type="datetimeFigureOut">
-              <a:rPr lang="en-US" smtClean="0">
-                <a:solidFill>
-                  <a:prstClr val="black">
-                    <a:tint val="75000"/>
-                  </a:prstClr>
-                </a:solidFill>
-              </a:rPr>
-              <a:pPr/>
-              <a:t>9/1/20</a:t>
-            </a:fld>
-            <a:endParaRPr lang="en-US">
-              <a:solidFill>
-                <a:prstClr val="black">
-                  <a:tint val="75000"/>
-                </a:prstClr>
-              </a:solidFill>
-            </a:endParaRPr>
-          </a:p>
-        </p:txBody>
-      </p:sp>
-      <p:sp>
-        <p:nvSpPr>
-          <p:cNvPr id="6" name="Footer Placeholder 5"/>
-          <p:cNvSpPr>
-            <a:spLocks noGrp="1"/>
-          </p:cNvSpPr>
-          <p:nvPr>
-            <p:ph type="ftr" sz="quarter" idx="11"/>
-          </p:nvPr>
-        </p:nvSpPr>
-        <p:spPr/>
-        <p:txBody>
-          <a:bodyPr/>
-          <a:lstStyle/>
-          <a:p>
-            <a:endParaRPr lang="en-US">
-              <a:solidFill>
-                <a:prstClr val="black">
-                  <a:tint val="75000"/>
-                </a:prstClr>
-              </a:solidFill>
-            </a:endParaRPr>
-          </a:p>
-        </p:txBody>
-      </p:sp>
-      <p:sp>
-        <p:nvSpPr>
-          <p:cNvPr id="7" name="Slide Number Placeholder 6"/>
-          <p:cNvSpPr>
-            <a:spLocks noGrp="1"/>
-          </p:cNvSpPr>
-          <p:nvPr>
-            <p:ph type="sldNum" sz="quarter" idx="12"/>
-          </p:nvPr>
-        </p:nvSpPr>
-        <p:spPr/>
-        <p:txBody>
-          <a:bodyPr/>
-          <a:lstStyle/>
-          <a:p>
-            <a:fld id="{86CB4B4D-7CA3-9044-876B-883B54F8677D}" type="slidenum">
-              <a:rPr lang="en-US" smtClean="0">
-                <a:solidFill>
-                  <a:prstClr val="black">
-                    <a:tint val="75000"/>
-                  </a:prstClr>
-                </a:solidFill>
-              </a:rPr>
-              <a:pPr/>
-              <a:t>‹#›</a:t>
-            </a:fld>
-            <a:endParaRPr lang="en-US">
-              <a:solidFill>
-                <a:prstClr val="black">
-                  <a:tint val="75000"/>
-                </a:prstClr>
-              </a:solidFill>
-            </a:endParaRPr>
-          </a:p>
-        </p:txBody>
-      </p:sp>
-    </p:spTree>
-    <p:extLst>
-      <p:ext uri="{BB962C8B-B14F-4D97-AF65-F5344CB8AC3E}">
-        <p14:creationId xmlns:p14="http://schemas.microsoft.com/office/powerpoint/2010/main" val="2248188188"/>
-      </p:ext>
-    </p:extLst>
-  </p:cSld>
-  <p:clrMapOvr>
-    <a:masterClrMapping/>
-  </p:clrMapOvr>
-</p:sldLayout>
-</file>
-
-<file path=ppt/slideLayouts/slideLayout18.xml><?xml version="1.0" encoding="utf-8"?>
-<p:sldLayout xmlns:a="http://schemas.openxmlformats.org/drawingml/2006/main" xmlns:r="http://schemas.openxmlformats.org/officeDocument/2006/relationships" xmlns:p="http://schemas.openxmlformats.org/presentationml/2006/main" type="picTx" preserve="1">
-  <p:cSld name="Picture with Caption">
-    <p:spTree>
-      <p:nvGrpSpPr>
-        <p:cNvPr id="1" name=""/>
-        <p:cNvGrpSpPr/>
-        <p:nvPr/>
-      </p:nvGrpSpPr>
-      <p:grpSpPr>
-        <a:xfrm>
-          <a:off x="0" y="0"/>
-          <a:ext cx="0" cy="0"/>
-          <a:chOff x="0" y="0"/>
-          <a:chExt cx="0" cy="0"/>
-        </a:xfrm>
-      </p:grpSpPr>
-      <p:sp>
-        <p:nvSpPr>
-          <p:cNvPr id="2" name="Title 1"/>
-          <p:cNvSpPr>
-            <a:spLocks noGrp="1"/>
-          </p:cNvSpPr>
-          <p:nvPr>
-            <p:ph type="title"/>
-          </p:nvPr>
-        </p:nvSpPr>
-        <p:spPr>
-          <a:xfrm>
-            <a:off x="629841" y="457200"/>
-            <a:ext cx="2949178" cy="1600200"/>
-          </a:xfrm>
-        </p:spPr>
-        <p:txBody>
-          <a:bodyPr anchor="b"/>
-          <a:lstStyle>
-            <a:lvl1pPr>
-              <a:defRPr sz="2400"/>
-            </a:lvl1pPr>
-          </a:lstStyle>
-          <a:p>
-            <a:r>
-              <a:rPr lang="en-US"/>
-              <a:t>Click to edit Master title style</a:t>
-            </a:r>
-          </a:p>
-        </p:txBody>
-      </p:sp>
-      <p:sp>
-        <p:nvSpPr>
-          <p:cNvPr id="3" name="Picture Placeholder 2"/>
-          <p:cNvSpPr>
-            <a:spLocks noGrp="1"/>
-          </p:cNvSpPr>
-          <p:nvPr>
-            <p:ph type="pic" idx="1"/>
-          </p:nvPr>
-        </p:nvSpPr>
-        <p:spPr>
-          <a:xfrm>
-            <a:off x="3887391" y="987426"/>
-            <a:ext cx="4629150" cy="4873625"/>
-          </a:xfrm>
-        </p:spPr>
-        <p:txBody>
-          <a:bodyPr/>
-          <a:lstStyle>
-            <a:lvl1pPr marL="0" indent="0">
-              <a:buNone/>
-              <a:defRPr sz="2400"/>
-            </a:lvl1pPr>
-            <a:lvl2pPr marL="342900" indent="0">
-              <a:buNone/>
-              <a:defRPr sz="2100"/>
-            </a:lvl2pPr>
-            <a:lvl3pPr marL="685800" indent="0">
-              <a:buNone/>
-              <a:defRPr sz="1800"/>
-            </a:lvl3pPr>
-            <a:lvl4pPr marL="1028700" indent="0">
-              <a:buNone/>
-              <a:defRPr sz="1500"/>
-            </a:lvl4pPr>
-            <a:lvl5pPr marL="1371600" indent="0">
-              <a:buNone/>
-              <a:defRPr sz="1500"/>
-            </a:lvl5pPr>
-            <a:lvl6pPr marL="1714500" indent="0">
-              <a:buNone/>
-              <a:defRPr sz="1500"/>
-            </a:lvl6pPr>
-            <a:lvl7pPr marL="2057400" indent="0">
-              <a:buNone/>
-              <a:defRPr sz="1500"/>
-            </a:lvl7pPr>
-            <a:lvl8pPr marL="2400300" indent="0">
-              <a:buNone/>
-              <a:defRPr sz="1500"/>
-            </a:lvl8pPr>
-            <a:lvl9pPr marL="2743200" indent="0">
-              <a:buNone/>
-              <a:defRPr sz="1500"/>
-            </a:lvl9pPr>
-          </a:lstStyle>
-          <a:p>
-            <a:endParaRPr lang="en-US"/>
-          </a:p>
-        </p:txBody>
-      </p:sp>
-      <p:sp>
-        <p:nvSpPr>
-          <p:cNvPr id="4" name="Text Placeholder 3"/>
-          <p:cNvSpPr>
-            <a:spLocks noGrp="1"/>
-          </p:cNvSpPr>
-          <p:nvPr>
-            <p:ph type="body" sz="half" idx="2"/>
-          </p:nvPr>
-        </p:nvSpPr>
-        <p:spPr>
-          <a:xfrm>
-            <a:off x="629841" y="2057400"/>
-            <a:ext cx="2949178" cy="3811588"/>
-          </a:xfrm>
-        </p:spPr>
-        <p:txBody>
-          <a:bodyPr/>
-          <a:lstStyle>
-            <a:lvl1pPr marL="0" indent="0">
-              <a:buNone/>
-              <a:defRPr sz="1200"/>
-            </a:lvl1pPr>
-            <a:lvl2pPr marL="342900" indent="0">
-              <a:buNone/>
-              <a:defRPr sz="1050"/>
-            </a:lvl2pPr>
-            <a:lvl3pPr marL="685800" indent="0">
-              <a:buNone/>
-              <a:defRPr sz="900"/>
-            </a:lvl3pPr>
-            <a:lvl4pPr marL="1028700" indent="0">
-              <a:buNone/>
-              <a:defRPr sz="750"/>
-            </a:lvl4pPr>
-            <a:lvl5pPr marL="1371600" indent="0">
-              <a:buNone/>
-              <a:defRPr sz="750"/>
-            </a:lvl5pPr>
-            <a:lvl6pPr marL="1714500" indent="0">
-              <a:buNone/>
-              <a:defRPr sz="750"/>
-            </a:lvl6pPr>
-            <a:lvl7pPr marL="2057400" indent="0">
-              <a:buNone/>
-              <a:defRPr sz="750"/>
-            </a:lvl7pPr>
-            <a:lvl8pPr marL="2400300" indent="0">
-              <a:buNone/>
-              <a:defRPr sz="750"/>
-            </a:lvl8pPr>
-            <a:lvl9pPr marL="2743200" indent="0">
-              <a:buNone/>
-              <a:defRPr sz="750"/>
-            </a:lvl9pPr>
-          </a:lstStyle>
-          <a:p>
-            <a:pPr lvl="0"/>
-            <a:r>
-              <a:rPr lang="en-US"/>
-              <a:t>Click to edit Master text styles</a:t>
-            </a:r>
-          </a:p>
-        </p:txBody>
-      </p:sp>
-      <p:sp>
-        <p:nvSpPr>
-          <p:cNvPr id="5" name="Date Placeholder 4"/>
-          <p:cNvSpPr>
-            <a:spLocks noGrp="1"/>
-          </p:cNvSpPr>
-          <p:nvPr>
-            <p:ph type="dt" sz="half" idx="10"/>
-          </p:nvPr>
-        </p:nvSpPr>
-        <p:spPr/>
-        <p:txBody>
-          <a:bodyPr/>
-          <a:lstStyle/>
-          <a:p>
-            <a:fld id="{7339C8F9-0643-49B4-A2CB-987B8C90EE6B}" type="datetimeFigureOut">
-              <a:rPr lang="en-US" smtClean="0">
-                <a:solidFill>
-                  <a:prstClr val="black">
-                    <a:tint val="75000"/>
-                  </a:prstClr>
-                </a:solidFill>
-              </a:rPr>
-              <a:pPr/>
-              <a:t>9/1/20</a:t>
-            </a:fld>
-            <a:endParaRPr lang="en-US">
-              <a:solidFill>
-                <a:prstClr val="black">
-                  <a:tint val="75000"/>
-                </a:prstClr>
-              </a:solidFill>
-            </a:endParaRPr>
-          </a:p>
-        </p:txBody>
-      </p:sp>
-      <p:sp>
-        <p:nvSpPr>
-          <p:cNvPr id="6" name="Footer Placeholder 5"/>
-          <p:cNvSpPr>
-            <a:spLocks noGrp="1"/>
-          </p:cNvSpPr>
-          <p:nvPr>
-            <p:ph type="ftr" sz="quarter" idx="11"/>
-          </p:nvPr>
-        </p:nvSpPr>
-        <p:spPr/>
-        <p:txBody>
-          <a:bodyPr/>
-          <a:lstStyle/>
-          <a:p>
-            <a:endParaRPr lang="en-US">
-              <a:solidFill>
-                <a:prstClr val="black">
-                  <a:tint val="75000"/>
-                </a:prstClr>
-              </a:solidFill>
-            </a:endParaRPr>
-          </a:p>
-        </p:txBody>
-      </p:sp>
-      <p:sp>
-        <p:nvSpPr>
-          <p:cNvPr id="7" name="Slide Number Placeholder 6"/>
-          <p:cNvSpPr>
-            <a:spLocks noGrp="1"/>
-          </p:cNvSpPr>
-          <p:nvPr>
-            <p:ph type="sldNum" sz="quarter" idx="12"/>
-          </p:nvPr>
-        </p:nvSpPr>
-        <p:spPr/>
-        <p:txBody>
-          <a:bodyPr/>
-          <a:lstStyle/>
-          <a:p>
-            <a:fld id="{86CB4B4D-7CA3-9044-876B-883B54F8677D}" type="slidenum">
-              <a:rPr lang="en-US" smtClean="0">
-                <a:solidFill>
-                  <a:prstClr val="black">
-                    <a:tint val="75000"/>
-                  </a:prstClr>
-                </a:solidFill>
-              </a:rPr>
-              <a:pPr/>
-              <a:t>‹#›</a:t>
-            </a:fld>
-            <a:endParaRPr lang="en-US">
-              <a:solidFill>
-                <a:prstClr val="black">
-                  <a:tint val="75000"/>
-                </a:prstClr>
-              </a:solidFill>
-            </a:endParaRPr>
-          </a:p>
-        </p:txBody>
-      </p:sp>
-    </p:spTree>
-    <p:extLst>
-      <p:ext uri="{BB962C8B-B14F-4D97-AF65-F5344CB8AC3E}">
-        <p14:creationId xmlns:p14="http://schemas.microsoft.com/office/powerpoint/2010/main" val="2247004052"/>
-      </p:ext>
-    </p:extLst>
-  </p:cSld>
-  <p:clrMapOvr>
-    <a:masterClrMapping/>
-  </p:clrMapOvr>
-</p:sldLayout>
-</file>
-
-<file path=ppt/slideLayouts/slideLayout19.xml><?xml version="1.0" encoding="utf-8"?>
-<p:sldLayout xmlns:a="http://schemas.openxmlformats.org/drawingml/2006/main" xmlns:r="http://schemas.openxmlformats.org/officeDocument/2006/relationships" xmlns:p="http://schemas.openxmlformats.org/presentationml/2006/main" type="vertTx" preserve="1">
-  <p:cSld name="Title and Vertical Text">
-    <p:spTree>
-      <p:nvGrpSpPr>
-        <p:cNvPr id="1" name=""/>
-        <p:cNvGrpSpPr/>
-        <p:nvPr/>
-      </p:nvGrpSpPr>
-      <p:grpSpPr>
-        <a:xfrm>
-          <a:off x="0" y="0"/>
-          <a:ext cx="0" cy="0"/>
-          <a:chOff x="0" y="0"/>
-          <a:chExt cx="0" cy="0"/>
-        </a:xfrm>
-      </p:grpSpPr>
-      <p:sp>
-        <p:nvSpPr>
-          <p:cNvPr id="2" name="Title 1"/>
-          <p:cNvSpPr>
-            <a:spLocks noGrp="1"/>
-          </p:cNvSpPr>
-          <p:nvPr>
-            <p:ph type="title"/>
-          </p:nvPr>
-        </p:nvSpPr>
-        <p:spPr/>
-        <p:txBody>
-          <a:bodyPr/>
-          <a:lstStyle/>
-          <a:p>
-            <a:r>
-              <a:rPr lang="en-US"/>
-              <a:t>Click to edit Master title style</a:t>
-            </a:r>
-          </a:p>
-        </p:txBody>
-      </p:sp>
-      <p:sp>
-        <p:nvSpPr>
-          <p:cNvPr id="3" name="Vertical Text Placeholder 2"/>
-          <p:cNvSpPr>
-            <a:spLocks noGrp="1"/>
-          </p:cNvSpPr>
-          <p:nvPr>
-            <p:ph type="body" orient="vert" idx="1"/>
-          </p:nvPr>
-        </p:nvSpPr>
-        <p:spPr/>
-        <p:txBody>
-          <a:bodyPr vert="eaVert"/>
-          <a:lstStyle/>
-          <a:p>
-            <a:pPr lvl="0"/>
-            <a:r>
-              <a:rPr lang="en-US"/>
-              <a:t>Click to edit Master text styles</a:t>
-            </a:r>
-          </a:p>
-          <a:p>
-            <a:pPr lvl="1"/>
-            <a:r>
-              <a:rPr lang="en-US"/>
-              <a:t>Second level</a:t>
-            </a:r>
-          </a:p>
-          <a:p>
-            <a:pPr lvl="2"/>
-            <a:r>
-              <a:rPr lang="en-US"/>
-              <a:t>Third level</a:t>
-            </a:r>
-          </a:p>
-          <a:p>
-            <a:pPr lvl="3"/>
-            <a:r>
-              <a:rPr lang="en-US"/>
-              <a:t>Fourth level</a:t>
-            </a:r>
-          </a:p>
-          <a:p>
-            <a:pPr lvl="4"/>
-            <a:r>
-              <a:rPr lang="en-US"/>
-              <a:t>Fifth level</a:t>
-            </a:r>
-          </a:p>
-        </p:txBody>
-      </p:sp>
-      <p:sp>
-        <p:nvSpPr>
-          <p:cNvPr id="4" name="Date Placeholder 3"/>
-          <p:cNvSpPr>
-            <a:spLocks noGrp="1"/>
-          </p:cNvSpPr>
-          <p:nvPr>
-            <p:ph type="dt" sz="half" idx="10"/>
-          </p:nvPr>
-        </p:nvSpPr>
-        <p:spPr/>
-        <p:txBody>
-          <a:bodyPr/>
-          <a:lstStyle/>
-          <a:p>
-            <a:fld id="{7339C8F9-0643-49B4-A2CB-987B8C90EE6B}" type="datetimeFigureOut">
-              <a:rPr lang="en-US" smtClean="0">
-                <a:solidFill>
-                  <a:prstClr val="black">
-                    <a:tint val="75000"/>
-                  </a:prstClr>
-                </a:solidFill>
-              </a:rPr>
-              <a:pPr/>
-              <a:t>9/1/20</a:t>
-            </a:fld>
-            <a:endParaRPr lang="en-US">
-              <a:solidFill>
-                <a:prstClr val="black">
-                  <a:tint val="75000"/>
-                </a:prstClr>
-              </a:solidFill>
-            </a:endParaRPr>
-          </a:p>
-        </p:txBody>
-      </p:sp>
-      <p:sp>
-        <p:nvSpPr>
-          <p:cNvPr id="5" name="Footer Placeholder 4"/>
-          <p:cNvSpPr>
-            <a:spLocks noGrp="1"/>
-          </p:cNvSpPr>
-          <p:nvPr>
-            <p:ph type="ftr" sz="quarter" idx="11"/>
-          </p:nvPr>
-        </p:nvSpPr>
-        <p:spPr/>
-        <p:txBody>
-          <a:bodyPr/>
-          <a:lstStyle/>
-          <a:p>
-            <a:endParaRPr lang="en-US">
-              <a:solidFill>
-                <a:prstClr val="black">
-                  <a:tint val="75000"/>
-                </a:prstClr>
-              </a:solidFill>
-            </a:endParaRPr>
-          </a:p>
-        </p:txBody>
-      </p:sp>
-      <p:sp>
-        <p:nvSpPr>
-          <p:cNvPr id="6" name="Slide Number Placeholder 5"/>
-          <p:cNvSpPr>
-            <a:spLocks noGrp="1"/>
-          </p:cNvSpPr>
-          <p:nvPr>
-            <p:ph type="sldNum" sz="quarter" idx="12"/>
-          </p:nvPr>
-        </p:nvSpPr>
-        <p:spPr/>
-        <p:txBody>
-          <a:bodyPr/>
-          <a:lstStyle/>
-          <a:p>
-            <a:fld id="{86CB4B4D-7CA3-9044-876B-883B54F8677D}" type="slidenum">
-              <a:rPr lang="en-US" smtClean="0">
-                <a:solidFill>
-                  <a:prstClr val="black">
-                    <a:tint val="75000"/>
-                  </a:prstClr>
-                </a:solidFill>
-              </a:rPr>
-              <a:pPr/>
-              <a:t>‹#›</a:t>
-            </a:fld>
-            <a:endParaRPr lang="en-US">
-              <a:solidFill>
-                <a:prstClr val="black">
-                  <a:tint val="75000"/>
-                </a:prstClr>
-              </a:solidFill>
-            </a:endParaRPr>
-          </a:p>
-        </p:txBody>
-      </p:sp>
-    </p:spTree>
-    <p:extLst>
-      <p:ext uri="{BB962C8B-B14F-4D97-AF65-F5344CB8AC3E}">
-        <p14:creationId xmlns:p14="http://schemas.microsoft.com/office/powerpoint/2010/main" val="946244419"/>
-      </p:ext>
-    </p:extLst>
-  </p:cSld>
-  <p:clrMapOvr>
-    <a:masterClrMapping/>
-  </p:clrMapOvr>
-</p:sldLayout>
-</file>
-
 <file path=ppt/slideLayouts/slideLayout2.xml><?xml version="1.0" encoding="utf-8"?>
 <p:sldLayout xmlns:a="http://schemas.openxmlformats.org/drawingml/2006/main" xmlns:r="http://schemas.openxmlformats.org/officeDocument/2006/relationships" xmlns:p="http://schemas.openxmlformats.org/presentationml/2006/main" type="tx">
   <p:cSld name="Section Header">
@@ -3946,216 +1521,6 @@
     <a:masterClrMapping/>
   </p:clrMapOvr>
   <p:transition spd="med"/>
-</p:sldLayout>
-</file>
-
-<file path=ppt/slideLayouts/slideLayout20.xml><?xml version="1.0" encoding="utf-8"?>
-<p:sldLayout xmlns:a="http://schemas.openxmlformats.org/drawingml/2006/main" xmlns:r="http://schemas.openxmlformats.org/officeDocument/2006/relationships" xmlns:p="http://schemas.openxmlformats.org/presentationml/2006/main" type="vertTitleAndTx" preserve="1">
-  <p:cSld name="Vertical Title and Text">
-    <p:spTree>
-      <p:nvGrpSpPr>
-        <p:cNvPr id="1" name=""/>
-        <p:cNvGrpSpPr/>
-        <p:nvPr/>
-      </p:nvGrpSpPr>
-      <p:grpSpPr>
-        <a:xfrm>
-          <a:off x="0" y="0"/>
-          <a:ext cx="0" cy="0"/>
-          <a:chOff x="0" y="0"/>
-          <a:chExt cx="0" cy="0"/>
-        </a:xfrm>
-      </p:grpSpPr>
-      <p:sp>
-        <p:nvSpPr>
-          <p:cNvPr id="2" name="Vertical Title 1"/>
-          <p:cNvSpPr>
-            <a:spLocks noGrp="1"/>
-          </p:cNvSpPr>
-          <p:nvPr>
-            <p:ph type="title" orient="vert"/>
-          </p:nvPr>
-        </p:nvSpPr>
-        <p:spPr>
-          <a:xfrm>
-            <a:off x="6543675" y="365125"/>
-            <a:ext cx="1971675" cy="5811838"/>
-          </a:xfrm>
-        </p:spPr>
-        <p:txBody>
-          <a:bodyPr vert="eaVert"/>
-          <a:lstStyle/>
-          <a:p>
-            <a:r>
-              <a:rPr lang="en-US"/>
-              <a:t>Click to edit Master title style</a:t>
-            </a:r>
-          </a:p>
-        </p:txBody>
-      </p:sp>
-      <p:sp>
-        <p:nvSpPr>
-          <p:cNvPr id="3" name="Vertical Text Placeholder 2"/>
-          <p:cNvSpPr>
-            <a:spLocks noGrp="1"/>
-          </p:cNvSpPr>
-          <p:nvPr>
-            <p:ph type="body" orient="vert" idx="1"/>
-          </p:nvPr>
-        </p:nvSpPr>
-        <p:spPr>
-          <a:xfrm>
-            <a:off x="628650" y="365125"/>
-            <a:ext cx="5800725" cy="5811838"/>
-          </a:xfrm>
-        </p:spPr>
-        <p:txBody>
-          <a:bodyPr vert="eaVert"/>
-          <a:lstStyle/>
-          <a:p>
-            <a:pPr lvl="0"/>
-            <a:r>
-              <a:rPr lang="en-US"/>
-              <a:t>Click to edit Master text styles</a:t>
-            </a:r>
-          </a:p>
-          <a:p>
-            <a:pPr lvl="1"/>
-            <a:r>
-              <a:rPr lang="en-US"/>
-              <a:t>Second level</a:t>
-            </a:r>
-          </a:p>
-          <a:p>
-            <a:pPr lvl="2"/>
-            <a:r>
-              <a:rPr lang="en-US"/>
-              <a:t>Third level</a:t>
-            </a:r>
-          </a:p>
-          <a:p>
-            <a:pPr lvl="3"/>
-            <a:r>
-              <a:rPr lang="en-US"/>
-              <a:t>Fourth level</a:t>
-            </a:r>
-          </a:p>
-          <a:p>
-            <a:pPr lvl="4"/>
-            <a:r>
-              <a:rPr lang="en-US"/>
-              <a:t>Fifth level</a:t>
-            </a:r>
-          </a:p>
-        </p:txBody>
-      </p:sp>
-      <p:sp>
-        <p:nvSpPr>
-          <p:cNvPr id="4" name="Date Placeholder 3"/>
-          <p:cNvSpPr>
-            <a:spLocks noGrp="1"/>
-          </p:cNvSpPr>
-          <p:nvPr>
-            <p:ph type="dt" sz="half" idx="10"/>
-          </p:nvPr>
-        </p:nvSpPr>
-        <p:spPr/>
-        <p:txBody>
-          <a:bodyPr/>
-          <a:lstStyle/>
-          <a:p>
-            <a:fld id="{7339C8F9-0643-49B4-A2CB-987B8C90EE6B}" type="datetimeFigureOut">
-              <a:rPr lang="en-US" smtClean="0">
-                <a:solidFill>
-                  <a:prstClr val="black">
-                    <a:tint val="75000"/>
-                  </a:prstClr>
-                </a:solidFill>
-              </a:rPr>
-              <a:pPr/>
-              <a:t>9/1/20</a:t>
-            </a:fld>
-            <a:endParaRPr lang="en-US">
-              <a:solidFill>
-                <a:prstClr val="black">
-                  <a:tint val="75000"/>
-                </a:prstClr>
-              </a:solidFill>
-            </a:endParaRPr>
-          </a:p>
-        </p:txBody>
-      </p:sp>
-      <p:sp>
-        <p:nvSpPr>
-          <p:cNvPr id="5" name="Footer Placeholder 4"/>
-          <p:cNvSpPr>
-            <a:spLocks noGrp="1"/>
-          </p:cNvSpPr>
-          <p:nvPr>
-            <p:ph type="ftr" sz="quarter" idx="11"/>
-          </p:nvPr>
-        </p:nvSpPr>
-        <p:spPr/>
-        <p:txBody>
-          <a:bodyPr/>
-          <a:lstStyle/>
-          <a:p>
-            <a:endParaRPr lang="en-US">
-              <a:solidFill>
-                <a:prstClr val="black">
-                  <a:tint val="75000"/>
-                </a:prstClr>
-              </a:solidFill>
-            </a:endParaRPr>
-          </a:p>
-        </p:txBody>
-      </p:sp>
-      <p:sp>
-        <p:nvSpPr>
-          <p:cNvPr id="6" name="Slide Number Placeholder 5"/>
-          <p:cNvSpPr>
-            <a:spLocks noGrp="1"/>
-          </p:cNvSpPr>
-          <p:nvPr>
-            <p:ph type="sldNum" sz="quarter" idx="12"/>
-          </p:nvPr>
-        </p:nvSpPr>
-        <p:spPr/>
-        <p:txBody>
-          <a:bodyPr/>
-          <a:lstStyle/>
-          <a:p>
-            <a:fld id="{86CB4B4D-7CA3-9044-876B-883B54F8677D}" type="slidenum">
-              <a:rPr lang="en-US" smtClean="0">
-                <a:solidFill>
-                  <a:prstClr val="black">
-                    <a:tint val="75000"/>
-                  </a:prstClr>
-                </a:solidFill>
-              </a:rPr>
-              <a:pPr/>
-              <a:t>‹#›</a:t>
-            </a:fld>
-            <a:endParaRPr lang="en-US">
-              <a:solidFill>
-                <a:prstClr val="black">
-                  <a:tint val="75000"/>
-                </a:prstClr>
-              </a:solidFill>
-            </a:endParaRPr>
-          </a:p>
-        </p:txBody>
-      </p:sp>
-    </p:spTree>
-    <p:extLst>
-      <p:ext uri="{BB962C8B-B14F-4D97-AF65-F5344CB8AC3E}">
-        <p14:creationId xmlns:p14="http://schemas.microsoft.com/office/powerpoint/2010/main" val="2284496562"/>
-      </p:ext>
-    </p:extLst>
-  </p:cSld>
-  <p:clrMapOvr>
-    <a:masterClrMapping/>
-  </p:clrMapOvr>
 </p:sldLayout>
 </file>
 
@@ -5194,7 +2559,7 @@
           </a:ln>
           <a:extLst>
             <a:ext uri="{C572A759-6A51-4108-AA02-DFA0A04FC94B}">
-              <ma14:wrappingTextBoxFlag xmlns="" xmlns:ma14="http://schemas.microsoft.com/office/mac/drawingml/2011/main" val="1"/>
+              <ma14:wrappingTextBoxFlag xmlns:ma14="http://schemas.microsoft.com/office/mac/drawingml/2011/main" xmlns="" val="1"/>
             </a:ext>
           </a:extLst>
         </p:spPr>
@@ -5237,7 +2602,7 @@
           </a:ln>
           <a:extLst>
             <a:ext uri="{C572A759-6A51-4108-AA02-DFA0A04FC94B}">
-              <ma14:wrappingTextBoxFlag xmlns="" xmlns:ma14="http://schemas.microsoft.com/office/mac/drawingml/2011/main" val="1"/>
+              <ma14:wrappingTextBoxFlag xmlns:ma14="http://schemas.microsoft.com/office/mac/drawingml/2011/main" xmlns="" val="1"/>
             </a:ext>
           </a:extLst>
         </p:spPr>
@@ -5664,596 +3029,6 @@
 </p:sldMaster>
 </file>
 
-<file path=ppt/slideMasters/slideMaster2.xml><?xml version="1.0" encoding="utf-8"?>
-<p:sldMaster xmlns:a="http://schemas.openxmlformats.org/drawingml/2006/main" xmlns:r="http://schemas.openxmlformats.org/officeDocument/2006/relationships" xmlns:p="http://schemas.openxmlformats.org/presentationml/2006/main">
-  <p:cSld>
-    <p:bg>
-      <p:bgRef idx="1001">
-        <a:schemeClr val="bg1"/>
-      </p:bgRef>
-    </p:bg>
-    <p:spTree>
-      <p:nvGrpSpPr>
-        <p:cNvPr id="1" name=""/>
-        <p:cNvGrpSpPr/>
-        <p:nvPr/>
-      </p:nvGrpSpPr>
-      <p:grpSpPr>
-        <a:xfrm>
-          <a:off x="0" y="0"/>
-          <a:ext cx="0" cy="0"/>
-          <a:chOff x="0" y="0"/>
-          <a:chExt cx="0" cy="0"/>
-        </a:xfrm>
-      </p:grpSpPr>
-      <p:sp>
-        <p:nvSpPr>
-          <p:cNvPr id="2" name="Title Placeholder 1"/>
-          <p:cNvSpPr>
-            <a:spLocks noGrp="1"/>
-          </p:cNvSpPr>
-          <p:nvPr>
-            <p:ph type="title"/>
-          </p:nvPr>
-        </p:nvSpPr>
-        <p:spPr>
-          <a:xfrm>
-            <a:off x="628650" y="365126"/>
-            <a:ext cx="7886700" cy="1325563"/>
-          </a:xfrm>
-          <a:prstGeom prst="rect">
-            <a:avLst/>
-          </a:prstGeom>
-        </p:spPr>
-        <p:txBody>
-          <a:bodyPr vert="horz" lIns="91440" tIns="45720" rIns="91440" bIns="45720" rtlCol="0" anchor="ctr">
-            <a:normAutofit/>
-          </a:bodyPr>
-          <a:lstStyle/>
-          <a:p>
-            <a:r>
-              <a:rPr lang="en-US"/>
-              <a:t>Click to edit Master title style</a:t>
-            </a:r>
-          </a:p>
-        </p:txBody>
-      </p:sp>
-      <p:sp>
-        <p:nvSpPr>
-          <p:cNvPr id="3" name="Text Placeholder 2"/>
-          <p:cNvSpPr>
-            <a:spLocks noGrp="1"/>
-          </p:cNvSpPr>
-          <p:nvPr>
-            <p:ph type="body" idx="1"/>
-          </p:nvPr>
-        </p:nvSpPr>
-        <p:spPr>
-          <a:xfrm>
-            <a:off x="628650" y="1825625"/>
-            <a:ext cx="7886700" cy="4351338"/>
-          </a:xfrm>
-          <a:prstGeom prst="rect">
-            <a:avLst/>
-          </a:prstGeom>
-        </p:spPr>
-        <p:txBody>
-          <a:bodyPr vert="horz" lIns="91440" tIns="45720" rIns="91440" bIns="45720" rtlCol="0">
-            <a:normAutofit/>
-          </a:bodyPr>
-          <a:lstStyle/>
-          <a:p>
-            <a:pPr lvl="0"/>
-            <a:r>
-              <a:rPr lang="en-US"/>
-              <a:t>Click to edit Master text styles</a:t>
-            </a:r>
-          </a:p>
-          <a:p>
-            <a:pPr lvl="1"/>
-            <a:r>
-              <a:rPr lang="en-US"/>
-              <a:t>Second level</a:t>
-            </a:r>
-          </a:p>
-          <a:p>
-            <a:pPr lvl="2"/>
-            <a:r>
-              <a:rPr lang="en-US"/>
-              <a:t>Third level</a:t>
-            </a:r>
-          </a:p>
-          <a:p>
-            <a:pPr lvl="3"/>
-            <a:r>
-              <a:rPr lang="en-US"/>
-              <a:t>Fourth level</a:t>
-            </a:r>
-          </a:p>
-          <a:p>
-            <a:pPr lvl="4"/>
-            <a:r>
-              <a:rPr lang="en-US"/>
-              <a:t>Fifth level</a:t>
-            </a:r>
-          </a:p>
-        </p:txBody>
-      </p:sp>
-      <p:sp>
-        <p:nvSpPr>
-          <p:cNvPr id="4" name="Date Placeholder 3"/>
-          <p:cNvSpPr>
-            <a:spLocks noGrp="1"/>
-          </p:cNvSpPr>
-          <p:nvPr>
-            <p:ph type="dt" sz="half" idx="2"/>
-          </p:nvPr>
-        </p:nvSpPr>
-        <p:spPr>
-          <a:xfrm>
-            <a:off x="628650" y="6356351"/>
-            <a:ext cx="2057400" cy="365125"/>
-          </a:xfrm>
-          <a:prstGeom prst="rect">
-            <a:avLst/>
-          </a:prstGeom>
-        </p:spPr>
-        <p:txBody>
-          <a:bodyPr vert="horz" lIns="91440" tIns="45720" rIns="91440" bIns="45720" rtlCol="0" anchor="ctr"/>
-          <a:lstStyle>
-            <a:lvl1pPr algn="l">
-              <a:defRPr sz="900">
-                <a:solidFill>
-                  <a:schemeClr val="tx1">
-                    <a:tint val="75000"/>
-                  </a:schemeClr>
-                </a:solidFill>
-              </a:defRPr>
-            </a:lvl1pPr>
-          </a:lstStyle>
-          <a:p>
-            <a:fld id="{7339C8F9-0643-49B4-A2CB-987B8C90EE6B}" type="datetimeFigureOut">
-              <a:rPr lang="en-US" smtClean="0">
-                <a:solidFill>
-                  <a:prstClr val="black">
-                    <a:tint val="75000"/>
-                  </a:prstClr>
-                </a:solidFill>
-                <a:latin typeface="Lucida Sans Unicode"/>
-                <a:ea typeface="Lucida Sans Unicode"/>
-                <a:cs typeface="Lucida Sans Unicode"/>
-                <a:sym typeface="Lucida Sans Unicode"/>
-              </a:rPr>
-              <a:pPr/>
-              <a:t>9/1/20</a:t>
-            </a:fld>
-            <a:endParaRPr lang="en-US">
-              <a:solidFill>
-                <a:prstClr val="black">
-                  <a:tint val="75000"/>
-                </a:prstClr>
-              </a:solidFill>
-              <a:latin typeface="Lucida Sans Unicode"/>
-              <a:ea typeface="Lucida Sans Unicode"/>
-              <a:cs typeface="Lucida Sans Unicode"/>
-              <a:sym typeface="Lucida Sans Unicode"/>
-            </a:endParaRPr>
-          </a:p>
-        </p:txBody>
-      </p:sp>
-      <p:sp>
-        <p:nvSpPr>
-          <p:cNvPr id="5" name="Footer Placeholder 4"/>
-          <p:cNvSpPr>
-            <a:spLocks noGrp="1"/>
-          </p:cNvSpPr>
-          <p:nvPr>
-            <p:ph type="ftr" sz="quarter" idx="3"/>
-          </p:nvPr>
-        </p:nvSpPr>
-        <p:spPr>
-          <a:xfrm>
-            <a:off x="3028950" y="6356351"/>
-            <a:ext cx="3086100" cy="365125"/>
-          </a:xfrm>
-          <a:prstGeom prst="rect">
-            <a:avLst/>
-          </a:prstGeom>
-        </p:spPr>
-        <p:txBody>
-          <a:bodyPr vert="horz" lIns="91440" tIns="45720" rIns="91440" bIns="45720" rtlCol="0" anchor="ctr"/>
-          <a:lstStyle>
-            <a:lvl1pPr algn="ctr">
-              <a:defRPr sz="900">
-                <a:solidFill>
-                  <a:schemeClr val="tx1">
-                    <a:tint val="75000"/>
-                  </a:schemeClr>
-                </a:solidFill>
-              </a:defRPr>
-            </a:lvl1pPr>
-          </a:lstStyle>
-          <a:p>
-            <a:endParaRPr lang="en-US">
-              <a:solidFill>
-                <a:prstClr val="black">
-                  <a:tint val="75000"/>
-                </a:prstClr>
-              </a:solidFill>
-              <a:latin typeface="Lucida Sans Unicode"/>
-              <a:ea typeface="Lucida Sans Unicode"/>
-              <a:cs typeface="Lucida Sans Unicode"/>
-              <a:sym typeface="Lucida Sans Unicode"/>
-            </a:endParaRPr>
-          </a:p>
-        </p:txBody>
-      </p:sp>
-      <p:sp>
-        <p:nvSpPr>
-          <p:cNvPr id="6" name="Slide Number Placeholder 5"/>
-          <p:cNvSpPr>
-            <a:spLocks noGrp="1"/>
-          </p:cNvSpPr>
-          <p:nvPr>
-            <p:ph type="sldNum" sz="quarter" idx="4"/>
-          </p:nvPr>
-        </p:nvSpPr>
-        <p:spPr>
-          <a:xfrm>
-            <a:off x="6457950" y="6356351"/>
-            <a:ext cx="2057400" cy="365125"/>
-          </a:xfrm>
-          <a:prstGeom prst="rect">
-            <a:avLst/>
-          </a:prstGeom>
-        </p:spPr>
-        <p:txBody>
-          <a:bodyPr vert="horz" lIns="91440" tIns="45720" rIns="91440" bIns="45720" rtlCol="0" anchor="ctr"/>
-          <a:lstStyle>
-            <a:lvl1pPr algn="r">
-              <a:defRPr sz="900">
-                <a:solidFill>
-                  <a:schemeClr val="tx1">
-                    <a:tint val="75000"/>
-                  </a:schemeClr>
-                </a:solidFill>
-              </a:defRPr>
-            </a:lvl1pPr>
-          </a:lstStyle>
-          <a:p>
-            <a:fld id="{86CB4B4D-7CA3-9044-876B-883B54F8677D}" type="slidenum">
-              <a:rPr lang="en-US" smtClean="0">
-                <a:solidFill>
-                  <a:prstClr val="black">
-                    <a:tint val="75000"/>
-                  </a:prstClr>
-                </a:solidFill>
-                <a:latin typeface="Lucida Sans Unicode"/>
-                <a:ea typeface="Lucida Sans Unicode"/>
-                <a:cs typeface="Lucida Sans Unicode"/>
-                <a:sym typeface="Lucida Sans Unicode"/>
-              </a:rPr>
-              <a:pPr/>
-              <a:t>‹#›</a:t>
-            </a:fld>
-            <a:endParaRPr lang="en-US">
-              <a:solidFill>
-                <a:prstClr val="black">
-                  <a:tint val="75000"/>
-                </a:prstClr>
-              </a:solidFill>
-              <a:latin typeface="Lucida Sans Unicode"/>
-              <a:ea typeface="Lucida Sans Unicode"/>
-              <a:cs typeface="Lucida Sans Unicode"/>
-              <a:sym typeface="Lucida Sans Unicode"/>
-            </a:endParaRPr>
-          </a:p>
-        </p:txBody>
-      </p:sp>
-    </p:spTree>
-    <p:extLst>
-      <p:ext uri="{BB962C8B-B14F-4D97-AF65-F5344CB8AC3E}">
-        <p14:creationId xmlns:p14="http://schemas.microsoft.com/office/powerpoint/2010/main" val="3807101211"/>
-      </p:ext>
-    </p:extLst>
-  </p:cSld>
-  <p:clrMap bg1="lt1" tx1="dk1" bg2="lt2" tx2="dk2" accent1="accent1" accent2="accent2" accent3="accent3" accent4="accent4" accent5="accent5" accent6="accent6" hlink="hlink" folHlink="folHlink"/>
-  <p:sldLayoutIdLst>
-    <p:sldLayoutId id="2147483661" r:id="rId1"/>
-    <p:sldLayoutId id="2147483662" r:id="rId2"/>
-    <p:sldLayoutId id="2147483663" r:id="rId3"/>
-    <p:sldLayoutId id="2147483664" r:id="rId4"/>
-    <p:sldLayoutId id="2147483665" r:id="rId5"/>
-    <p:sldLayoutId id="2147483666" r:id="rId6"/>
-    <p:sldLayoutId id="2147483667" r:id="rId7"/>
-    <p:sldLayoutId id="2147483668" r:id="rId8"/>
-    <p:sldLayoutId id="2147483669" r:id="rId9"/>
-    <p:sldLayoutId id="2147483670" r:id="rId10"/>
-    <p:sldLayoutId id="2147483671" r:id="rId11"/>
-  </p:sldLayoutIdLst>
-  <p:txStyles>
-    <p:titleStyle>
-      <a:lvl1pPr algn="l" defTabSz="685800" rtl="0" eaLnBrk="1" latinLnBrk="0" hangingPunct="1">
-        <a:lnSpc>
-          <a:spcPct val="90000"/>
-        </a:lnSpc>
-        <a:spcBef>
-          <a:spcPct val="0"/>
-        </a:spcBef>
-        <a:buNone/>
-        <a:defRPr sz="3300" kern="1200">
-          <a:solidFill>
-            <a:schemeClr val="tx1"/>
-          </a:solidFill>
-          <a:latin typeface="+mj-lt"/>
-          <a:ea typeface="+mj-ea"/>
-          <a:cs typeface="+mj-cs"/>
-        </a:defRPr>
-      </a:lvl1pPr>
-    </p:titleStyle>
-    <p:bodyStyle>
-      <a:lvl1pPr marL="171450" indent="-171450" algn="l" defTabSz="685800" rtl="0" eaLnBrk="1" latinLnBrk="0" hangingPunct="1">
-        <a:lnSpc>
-          <a:spcPct val="90000"/>
-        </a:lnSpc>
-        <a:spcBef>
-          <a:spcPts val="750"/>
-        </a:spcBef>
-        <a:buFont typeface="Arial" panose="020B0604020202020204" pitchFamily="34" charset="0"/>
-        <a:buChar char="•"/>
-        <a:defRPr sz="2100" kern="1200">
-          <a:solidFill>
-            <a:schemeClr val="tx1"/>
-          </a:solidFill>
-          <a:latin typeface="+mn-lt"/>
-          <a:ea typeface="+mn-ea"/>
-          <a:cs typeface="+mn-cs"/>
-        </a:defRPr>
-      </a:lvl1pPr>
-      <a:lvl2pPr marL="514350" indent="-171450" algn="l" defTabSz="685800" rtl="0" eaLnBrk="1" latinLnBrk="0" hangingPunct="1">
-        <a:lnSpc>
-          <a:spcPct val="90000"/>
-        </a:lnSpc>
-        <a:spcBef>
-          <a:spcPts val="375"/>
-        </a:spcBef>
-        <a:buFont typeface="Arial" panose="020B0604020202020204" pitchFamily="34" charset="0"/>
-        <a:buChar char="•"/>
-        <a:defRPr sz="1800" kern="1200">
-          <a:solidFill>
-            <a:schemeClr val="tx1"/>
-          </a:solidFill>
-          <a:latin typeface="+mn-lt"/>
-          <a:ea typeface="+mn-ea"/>
-          <a:cs typeface="+mn-cs"/>
-        </a:defRPr>
-      </a:lvl2pPr>
-      <a:lvl3pPr marL="857250" indent="-171450" algn="l" defTabSz="685800" rtl="0" eaLnBrk="1" latinLnBrk="0" hangingPunct="1">
-        <a:lnSpc>
-          <a:spcPct val="90000"/>
-        </a:lnSpc>
-        <a:spcBef>
-          <a:spcPts val="375"/>
-        </a:spcBef>
-        <a:buFont typeface="Arial" panose="020B0604020202020204" pitchFamily="34" charset="0"/>
-        <a:buChar char="•"/>
-        <a:defRPr sz="1500" kern="1200">
-          <a:solidFill>
-            <a:schemeClr val="tx1"/>
-          </a:solidFill>
-          <a:latin typeface="+mn-lt"/>
-          <a:ea typeface="+mn-ea"/>
-          <a:cs typeface="+mn-cs"/>
-        </a:defRPr>
-      </a:lvl3pPr>
-      <a:lvl4pPr marL="1200150" indent="-171450" algn="l" defTabSz="685800" rtl="0" eaLnBrk="1" latinLnBrk="0" hangingPunct="1">
-        <a:lnSpc>
-          <a:spcPct val="90000"/>
-        </a:lnSpc>
-        <a:spcBef>
-          <a:spcPts val="375"/>
-        </a:spcBef>
-        <a:buFont typeface="Arial" panose="020B0604020202020204" pitchFamily="34" charset="0"/>
-        <a:buChar char="•"/>
-        <a:defRPr sz="1350" kern="1200">
-          <a:solidFill>
-            <a:schemeClr val="tx1"/>
-          </a:solidFill>
-          <a:latin typeface="+mn-lt"/>
-          <a:ea typeface="+mn-ea"/>
-          <a:cs typeface="+mn-cs"/>
-        </a:defRPr>
-      </a:lvl4pPr>
-      <a:lvl5pPr marL="1543050" indent="-171450" algn="l" defTabSz="685800" rtl="0" eaLnBrk="1" latinLnBrk="0" hangingPunct="1">
-        <a:lnSpc>
-          <a:spcPct val="90000"/>
-        </a:lnSpc>
-        <a:spcBef>
-          <a:spcPts val="375"/>
-        </a:spcBef>
-        <a:buFont typeface="Arial" panose="020B0604020202020204" pitchFamily="34" charset="0"/>
-        <a:buChar char="•"/>
-        <a:defRPr sz="1350" kern="1200">
-          <a:solidFill>
-            <a:schemeClr val="tx1"/>
-          </a:solidFill>
-          <a:latin typeface="+mn-lt"/>
-          <a:ea typeface="+mn-ea"/>
-          <a:cs typeface="+mn-cs"/>
-        </a:defRPr>
-      </a:lvl5pPr>
-      <a:lvl6pPr marL="1885950" indent="-171450" algn="l" defTabSz="685800" rtl="0" eaLnBrk="1" latinLnBrk="0" hangingPunct="1">
-        <a:lnSpc>
-          <a:spcPct val="90000"/>
-        </a:lnSpc>
-        <a:spcBef>
-          <a:spcPts val="375"/>
-        </a:spcBef>
-        <a:buFont typeface="Arial" panose="020B0604020202020204" pitchFamily="34" charset="0"/>
-        <a:buChar char="•"/>
-        <a:defRPr sz="1350" kern="1200">
-          <a:solidFill>
-            <a:schemeClr val="tx1"/>
-          </a:solidFill>
-          <a:latin typeface="+mn-lt"/>
-          <a:ea typeface="+mn-ea"/>
-          <a:cs typeface="+mn-cs"/>
-        </a:defRPr>
-      </a:lvl6pPr>
-      <a:lvl7pPr marL="2228850" indent="-171450" algn="l" defTabSz="685800" rtl="0" eaLnBrk="1" latinLnBrk="0" hangingPunct="1">
-        <a:lnSpc>
-          <a:spcPct val="90000"/>
-        </a:lnSpc>
-        <a:spcBef>
-          <a:spcPts val="375"/>
-        </a:spcBef>
-        <a:buFont typeface="Arial" panose="020B0604020202020204" pitchFamily="34" charset="0"/>
-        <a:buChar char="•"/>
-        <a:defRPr sz="1350" kern="1200">
-          <a:solidFill>
-            <a:schemeClr val="tx1"/>
-          </a:solidFill>
-          <a:latin typeface="+mn-lt"/>
-          <a:ea typeface="+mn-ea"/>
-          <a:cs typeface="+mn-cs"/>
-        </a:defRPr>
-      </a:lvl7pPr>
-      <a:lvl8pPr marL="2571750" indent="-171450" algn="l" defTabSz="685800" rtl="0" eaLnBrk="1" latinLnBrk="0" hangingPunct="1">
-        <a:lnSpc>
-          <a:spcPct val="90000"/>
-        </a:lnSpc>
-        <a:spcBef>
-          <a:spcPts val="375"/>
-        </a:spcBef>
-        <a:buFont typeface="Arial" panose="020B0604020202020204" pitchFamily="34" charset="0"/>
-        <a:buChar char="•"/>
-        <a:defRPr sz="1350" kern="1200">
-          <a:solidFill>
-            <a:schemeClr val="tx1"/>
-          </a:solidFill>
-          <a:latin typeface="+mn-lt"/>
-          <a:ea typeface="+mn-ea"/>
-          <a:cs typeface="+mn-cs"/>
-        </a:defRPr>
-      </a:lvl8pPr>
-      <a:lvl9pPr marL="2914650" indent="-171450" algn="l" defTabSz="685800" rtl="0" eaLnBrk="1" latinLnBrk="0" hangingPunct="1">
-        <a:lnSpc>
-          <a:spcPct val="90000"/>
-        </a:lnSpc>
-        <a:spcBef>
-          <a:spcPts val="375"/>
-        </a:spcBef>
-        <a:buFont typeface="Arial" panose="020B0604020202020204" pitchFamily="34" charset="0"/>
-        <a:buChar char="•"/>
-        <a:defRPr sz="1350" kern="1200">
-          <a:solidFill>
-            <a:schemeClr val="tx1"/>
-          </a:solidFill>
-          <a:latin typeface="+mn-lt"/>
-          <a:ea typeface="+mn-ea"/>
-          <a:cs typeface="+mn-cs"/>
-        </a:defRPr>
-      </a:lvl9pPr>
-    </p:bodyStyle>
-    <p:otherStyle>
-      <a:defPPr>
-        <a:defRPr lang="en-US"/>
-      </a:defPPr>
-      <a:lvl1pPr marL="0" algn="l" defTabSz="685800" rtl="0" eaLnBrk="1" latinLnBrk="0" hangingPunct="1">
-        <a:defRPr sz="1350" kern="1200">
-          <a:solidFill>
-            <a:schemeClr val="tx1"/>
-          </a:solidFill>
-          <a:latin typeface="+mn-lt"/>
-          <a:ea typeface="+mn-ea"/>
-          <a:cs typeface="+mn-cs"/>
-        </a:defRPr>
-      </a:lvl1pPr>
-      <a:lvl2pPr marL="342900" algn="l" defTabSz="685800" rtl="0" eaLnBrk="1" latinLnBrk="0" hangingPunct="1">
-        <a:defRPr sz="1350" kern="1200">
-          <a:solidFill>
-            <a:schemeClr val="tx1"/>
-          </a:solidFill>
-          <a:latin typeface="+mn-lt"/>
-          <a:ea typeface="+mn-ea"/>
-          <a:cs typeface="+mn-cs"/>
-        </a:defRPr>
-      </a:lvl2pPr>
-      <a:lvl3pPr marL="685800" algn="l" defTabSz="685800" rtl="0" eaLnBrk="1" latinLnBrk="0" hangingPunct="1">
-        <a:defRPr sz="1350" kern="1200">
-          <a:solidFill>
-            <a:schemeClr val="tx1"/>
-          </a:solidFill>
-          <a:latin typeface="+mn-lt"/>
-          <a:ea typeface="+mn-ea"/>
-          <a:cs typeface="+mn-cs"/>
-        </a:defRPr>
-      </a:lvl3pPr>
-      <a:lvl4pPr marL="1028700" algn="l" defTabSz="685800" rtl="0" eaLnBrk="1" latinLnBrk="0" hangingPunct="1">
-        <a:defRPr sz="1350" kern="1200">
-          <a:solidFill>
-            <a:schemeClr val="tx1"/>
-          </a:solidFill>
-          <a:latin typeface="+mn-lt"/>
-          <a:ea typeface="+mn-ea"/>
-          <a:cs typeface="+mn-cs"/>
-        </a:defRPr>
-      </a:lvl4pPr>
-      <a:lvl5pPr marL="1371600" algn="l" defTabSz="685800" rtl="0" eaLnBrk="1" latinLnBrk="0" hangingPunct="1">
-        <a:defRPr sz="1350" kern="1200">
-          <a:solidFill>
-            <a:schemeClr val="tx1"/>
-          </a:solidFill>
-          <a:latin typeface="+mn-lt"/>
-          <a:ea typeface="+mn-ea"/>
-          <a:cs typeface="+mn-cs"/>
-        </a:defRPr>
-      </a:lvl5pPr>
-      <a:lvl6pPr marL="1714500" algn="l" defTabSz="685800" rtl="0" eaLnBrk="1" latinLnBrk="0" hangingPunct="1">
-        <a:defRPr sz="1350" kern="1200">
-          <a:solidFill>
-            <a:schemeClr val="tx1"/>
-          </a:solidFill>
-          <a:latin typeface="+mn-lt"/>
-          <a:ea typeface="+mn-ea"/>
-          <a:cs typeface="+mn-cs"/>
-        </a:defRPr>
-      </a:lvl6pPr>
-      <a:lvl7pPr marL="2057400" algn="l" defTabSz="685800" rtl="0" eaLnBrk="1" latinLnBrk="0" hangingPunct="1">
-        <a:defRPr sz="1350" kern="1200">
-          <a:solidFill>
-            <a:schemeClr val="tx1"/>
-          </a:solidFill>
-          <a:latin typeface="+mn-lt"/>
-          <a:ea typeface="+mn-ea"/>
-          <a:cs typeface="+mn-cs"/>
-        </a:defRPr>
-      </a:lvl7pPr>
-      <a:lvl8pPr marL="2400300" algn="l" defTabSz="685800" rtl="0" eaLnBrk="1" latinLnBrk="0" hangingPunct="1">
-        <a:defRPr sz="1350" kern="1200">
-          <a:solidFill>
-            <a:schemeClr val="tx1"/>
-          </a:solidFill>
-          <a:latin typeface="+mn-lt"/>
-          <a:ea typeface="+mn-ea"/>
-          <a:cs typeface="+mn-cs"/>
-        </a:defRPr>
-      </a:lvl8pPr>
-      <a:lvl9pPr marL="2743200" algn="l" defTabSz="685800" rtl="0" eaLnBrk="1" latinLnBrk="0" hangingPunct="1">
-        <a:defRPr sz="1350" kern="1200">
-          <a:solidFill>
-            <a:schemeClr val="tx1"/>
-          </a:solidFill>
-          <a:latin typeface="+mn-lt"/>
-          <a:ea typeface="+mn-ea"/>
-          <a:cs typeface="+mn-cs"/>
-        </a:defRPr>
-      </a:lvl9pPr>
-    </p:otherStyle>
-  </p:txStyles>
-</p:sldMaster>
-</file>
-
 <file path=ppt/slides/slide1.xml><?xml version="1.0" encoding="utf-8"?>
 <p:sld xmlns:a="http://schemas.openxmlformats.org/drawingml/2006/main" xmlns:r="http://schemas.openxmlformats.org/officeDocument/2006/relationships" xmlns:p="http://schemas.openxmlformats.org/presentationml/2006/main">
   <p:cSld>
@@ -6323,14 +3098,15 @@
           <a:p>
             <a:r>
               <a:rPr lang="en-US" dirty="0"/>
-              <a:t>To see all assignment due dates, follow the "Course Schedule" link on Moodle</a:t>
-            </a:r>
-          </a:p>
-          <a:p>
-            <a:pPr lvl="1"/>
+              <a:t>To see all assignment due dates, look at the </a:t>
+            </a:r>
+            <a:r>
+              <a:rPr lang="en-US" dirty="0" err="1"/>
+              <a:t>Airtable</a:t>
+            </a:r>
             <a:r>
               <a:rPr lang="en-US" dirty="0"/>
-              <a:t>Please Bookmark Schedule page</a:t>
+              <a:t> view on Moodle (next slide)</a:t>
             </a:r>
           </a:p>
           <a:p>
@@ -6362,7 +3138,7 @@
     </p:spTree>
     <p:extLst>
       <p:ext uri="{BB962C8B-B14F-4D97-AF65-F5344CB8AC3E}">
-        <p14:creationId xmlns:p14="http://schemas.microsoft.com/office/powerpoint/2010/main" val="4238711982"/>
+        <p14:creationId xmlns:p14="http://schemas.microsoft.com/office/powerpoint/2010/main" val="1643537373"/>
       </p:ext>
     </p:extLst>
   </p:cSld>
@@ -6374,6 +3150,179 @@
 </file>
 
 <file path=ppt/slides/slide10.xml><?xml version="1.0" encoding="utf-8"?>
+<p:sld xmlns:a="http://schemas.openxmlformats.org/drawingml/2006/main" xmlns:r="http://schemas.openxmlformats.org/officeDocument/2006/relationships" xmlns:p="http://schemas.openxmlformats.org/presentationml/2006/main">
+  <p:cSld>
+    <p:spTree>
+      <p:nvGrpSpPr>
+        <p:cNvPr id="1" name=""/>
+        <p:cNvGrpSpPr/>
+        <p:nvPr/>
+      </p:nvGrpSpPr>
+      <p:grpSpPr>
+        <a:xfrm>
+          <a:off x="0" y="0"/>
+          <a:ext cx="0" cy="0"/>
+          <a:chOff x="0" y="0"/>
+          <a:chExt cx="0" cy="0"/>
+        </a:xfrm>
+      </p:grpSpPr>
+      <p:sp>
+        <p:nvSpPr>
+          <p:cNvPr id="2" name="Title 1"/>
+          <p:cNvSpPr>
+            <a:spLocks noGrp="1"/>
+          </p:cNvSpPr>
+          <p:nvPr>
+            <p:ph type="title"/>
+          </p:nvPr>
+        </p:nvSpPr>
+        <p:spPr/>
+        <p:txBody>
+          <a:bodyPr/>
+          <a:lstStyle/>
+          <a:p>
+            <a:r>
+              <a:rPr lang="en-US" dirty="0"/>
+              <a:t>Quick Rule for Comparisons</a:t>
+            </a:r>
+          </a:p>
+        </p:txBody>
+      </p:sp>
+      <p:sp>
+        <p:nvSpPr>
+          <p:cNvPr id="3" name="Text Placeholder 2"/>
+          <p:cNvSpPr>
+            <a:spLocks noGrp="1"/>
+          </p:cNvSpPr>
+          <p:nvPr>
+            <p:ph type="body" idx="1"/>
+          </p:nvPr>
+        </p:nvSpPr>
+        <p:spPr/>
+        <p:txBody>
+          <a:bodyPr/>
+          <a:lstStyle/>
+          <a:p>
+            <a:r>
+              <a:rPr lang="en-US" dirty="0"/>
+              <a:t>Fast rules for now:</a:t>
+            </a:r>
+          </a:p>
+          <a:p>
+            <a:r>
+              <a:rPr lang="en-US" dirty="0"/>
+              <a:t>Use .equals() for comparing Strings</a:t>
+            </a:r>
+          </a:p>
+          <a:p>
+            <a:pPr lvl="1"/>
+            <a:r>
+              <a:rPr lang="en-US" dirty="0"/>
+              <a:t>String alpha = “</a:t>
+            </a:r>
+            <a:r>
+              <a:rPr lang="en-US" dirty="0" err="1"/>
+              <a:t>aaa</a:t>
+            </a:r>
+            <a:r>
+              <a:rPr lang="en-US" dirty="0"/>
+              <a:t>”;</a:t>
+            </a:r>
+          </a:p>
+          <a:p>
+            <a:pPr lvl="1"/>
+            <a:r>
+              <a:rPr lang="en-US" dirty="0"/>
+              <a:t>if (</a:t>
+            </a:r>
+            <a:r>
+              <a:rPr lang="en-US" dirty="0" err="1"/>
+              <a:t>alpha.equals</a:t>
+            </a:r>
+            <a:r>
+              <a:rPr lang="en-US" dirty="0"/>
+              <a:t>(“</a:t>
+            </a:r>
+            <a:r>
+              <a:rPr lang="en-US" dirty="0" err="1"/>
+              <a:t>bbb</a:t>
+            </a:r>
+            <a:r>
+              <a:rPr lang="en-US" dirty="0"/>
+              <a:t>”) {</a:t>
+            </a:r>
+          </a:p>
+          <a:p>
+            <a:pPr lvl="1"/>
+            <a:r>
+              <a:rPr lang="en-US" dirty="0"/>
+              <a:t>	</a:t>
+            </a:r>
+            <a:r>
+              <a:rPr lang="en-US" dirty="0" err="1"/>
+              <a:t>System.out.println</a:t>
+            </a:r>
+            <a:r>
+              <a:rPr lang="en-US" dirty="0"/>
+              <a:t>(“Yes!”)</a:t>
+            </a:r>
+          </a:p>
+          <a:p>
+            <a:pPr lvl="1"/>
+            <a:r>
+              <a:rPr lang="en-US" dirty="0"/>
+              <a:t>} // end if</a:t>
+            </a:r>
+          </a:p>
+          <a:p>
+            <a:r>
+              <a:rPr lang="en-US" dirty="0"/>
+              <a:t>Use == comparing numbers or char (primitives)</a:t>
+            </a:r>
+          </a:p>
+          <a:p>
+            <a:r>
+              <a:rPr lang="en-US" dirty="0" err="1"/>
+              <a:t>boolean</a:t>
+            </a:r>
+            <a:r>
+              <a:rPr lang="en-US" dirty="0"/>
+              <a:t> a = (5 == 6);</a:t>
+            </a:r>
+          </a:p>
+          <a:p>
+            <a:r>
+              <a:rPr lang="en-US" dirty="0" err="1"/>
+              <a:t>boolean</a:t>
+            </a:r>
+            <a:r>
+              <a:rPr lang="en-US" dirty="0"/>
+              <a:t> b = (‘T’ == ‘F’ );</a:t>
+            </a:r>
+          </a:p>
+          <a:p>
+            <a:endParaRPr lang="en-US" dirty="0"/>
+          </a:p>
+          <a:p>
+            <a:endParaRPr lang="en-US" dirty="0"/>
+          </a:p>
+        </p:txBody>
+      </p:sp>
+    </p:spTree>
+    <p:extLst>
+      <p:ext uri="{BB962C8B-B14F-4D97-AF65-F5344CB8AC3E}">
+        <p14:creationId xmlns:p14="http://schemas.microsoft.com/office/powerpoint/2010/main" val="2313675794"/>
+      </p:ext>
+    </p:extLst>
+  </p:cSld>
+  <p:clrMapOvr>
+    <a:masterClrMapping/>
+  </p:clrMapOvr>
+  <p:transition spd="med"/>
+</p:sld>
+</file>
+
+<file path=ppt/slides/slide11.xml><?xml version="1.0" encoding="utf-8"?>
 <p:sld xmlns:a="http://schemas.openxmlformats.org/drawingml/2006/main" xmlns:r="http://schemas.openxmlformats.org/officeDocument/2006/relationships" xmlns:p="http://schemas.openxmlformats.org/presentationml/2006/main">
   <p:cSld>
     <p:spTree>
@@ -6425,7 +3374,9 @@
         </p:nvSpPr>
         <p:spPr/>
         <p:txBody>
-          <a:bodyPr/>
+          <a:bodyPr>
+            <a:normAutofit fontScale="85000" lnSpcReduction="20000"/>
+          </a:bodyPr>
           <a:lstStyle/>
           <a:p>
             <a:pPr lvl="0"/>
@@ -6751,13 +3702,14 @@
     </p:spTree>
     <p:extLst>
       <p:ext uri="{BB962C8B-B14F-4D97-AF65-F5344CB8AC3E}">
-        <p14:creationId xmlns:p14="http://schemas.microsoft.com/office/powerpoint/2010/main" val="352091483"/>
+        <p14:creationId xmlns:p14="http://schemas.microsoft.com/office/powerpoint/2010/main" val="877940686"/>
       </p:ext>
     </p:extLst>
   </p:cSld>
   <p:clrMapOvr>
     <a:masterClrMapping/>
   </p:clrMapOvr>
+  <p:transition spd="med"/>
   <p:timing>
     <p:tnLst>
       <p:par>
@@ -6838,7 +3790,7 @@
 </p:sld>
 </file>
 
-<file path=ppt/slides/slide11.xml><?xml version="1.0" encoding="utf-8"?>
+<file path=ppt/slides/slide12.xml><?xml version="1.0" encoding="utf-8"?>
 <p:sld xmlns:a="http://schemas.openxmlformats.org/drawingml/2006/main" xmlns:r="http://schemas.openxmlformats.org/officeDocument/2006/relationships" xmlns:p="http://schemas.openxmlformats.org/presentationml/2006/main">
   <p:cSld>
     <p:spTree>
@@ -6999,17 +3951,18 @@
     </p:spTree>
     <p:extLst>
       <p:ext uri="{BB962C8B-B14F-4D97-AF65-F5344CB8AC3E}">
-        <p14:creationId xmlns:p14="http://schemas.microsoft.com/office/powerpoint/2010/main" val="322297156"/>
+        <p14:creationId xmlns:p14="http://schemas.microsoft.com/office/powerpoint/2010/main" val="386876798"/>
       </p:ext>
     </p:extLst>
   </p:cSld>
   <p:clrMapOvr>
     <a:masterClrMapping/>
   </p:clrMapOvr>
+  <p:transition spd="med"/>
 </p:sld>
 </file>
 
-<file path=ppt/slides/slide12.xml><?xml version="1.0" encoding="utf-8"?>
+<file path=ppt/slides/slide13.xml><?xml version="1.0" encoding="utf-8"?>
 <p:sld xmlns:a="http://schemas.openxmlformats.org/drawingml/2006/main" xmlns:r="http://schemas.openxmlformats.org/officeDocument/2006/relationships" xmlns:p="http://schemas.openxmlformats.org/presentationml/2006/main">
   <p:cSld>
     <p:spTree>
@@ -7062,99 +4015,98 @@
         </p:nvSpPr>
         <p:spPr/>
         <p:txBody>
-          <a:bodyPr/>
+          <a:bodyPr>
+            <a:normAutofit fontScale="92500" lnSpcReduction="20000"/>
+          </a:bodyPr>
           <a:lstStyle/>
           <a:p>
             <a:pPr lvl="0"/>
             <a:r>
-              <a:rPr lang="en-US"/>
+              <a:rPr lang="en-US" dirty="0"/>
               <a:t>While loop syntax:                Similar to Python</a:t>
             </a:r>
           </a:p>
           <a:p>
             <a:pPr lvl="0"/>
-            <a:endParaRPr lang="en-US"/>
+            <a:endParaRPr lang="en-US" dirty="0"/>
           </a:p>
           <a:p>
             <a:pPr lvl="2"/>
             <a:r>
-              <a:rPr lang="en-US">
+              <a:rPr lang="en-US" dirty="0">
                 <a:sym typeface="Lucida Sans Typewriter"/>
               </a:rPr>
               <a:t>while (condition) {    </a:t>
             </a:r>
             <a:br>
-              <a:rPr lang="en-US">
+              <a:rPr lang="en-US" dirty="0">
                 <a:sym typeface="Lucida Sans Typewriter"/>
               </a:rPr>
             </a:br>
             <a:r>
-              <a:rPr lang="en-US">
+              <a:rPr lang="en-US" dirty="0">
                 <a:sym typeface="Lucida Sans Typewriter"/>
               </a:rPr>
               <a:t>	statements</a:t>
             </a:r>
-            <a:endParaRPr lang="en-US"/>
+            <a:endParaRPr lang="en-US" dirty="0"/>
           </a:p>
           <a:p>
             <a:pPr lvl="2"/>
             <a:r>
-              <a:rPr lang="en-US">
+              <a:rPr lang="en-US" dirty="0">
                 <a:sym typeface="Lucida Sans Typewriter"/>
               </a:rPr>
               <a:t>}</a:t>
             </a:r>
-            <a:endParaRPr lang="en-US"/>
+            <a:endParaRPr lang="en-US" dirty="0"/>
           </a:p>
           <a:p>
             <a:pPr lvl="2"/>
-            <a:endParaRPr lang="en-US">
+            <a:endParaRPr lang="en-US" dirty="0">
               <a:sym typeface="Lucida Sans Typewriter"/>
             </a:endParaRPr>
           </a:p>
           <a:p>
             <a:pPr lvl="0"/>
             <a:r>
-              <a:rPr lang="en-US"/>
+              <a:rPr lang="en-US" dirty="0"/>
               <a:t>For loop syntax:            Different from Python</a:t>
             </a:r>
           </a:p>
           <a:p>
             <a:pPr lvl="0"/>
-            <a:endParaRPr lang="en-US"/>
+            <a:endParaRPr lang="en-US" dirty="0"/>
           </a:p>
           <a:p>
             <a:pPr lvl="2"/>
             <a:r>
-              <a:rPr lang="en-US">
+              <a:rPr lang="en-US" dirty="0">
                 <a:sym typeface="Lucida Sans Typewriter"/>
               </a:rPr>
               <a:t> for (initialization ; condition ; update) {</a:t>
             </a:r>
             <a:br>
-              <a:rPr lang="en-US">
+              <a:rPr lang="en-US" dirty="0">
                 <a:sym typeface="Lucida Sans Typewriter"/>
               </a:rPr>
             </a:br>
             <a:r>
-              <a:rPr lang="en-US">
+              <a:rPr lang="en-US" dirty="0">
                 <a:sym typeface="Lucida Sans Typewriter"/>
               </a:rPr>
               <a:t>	    statements</a:t>
             </a:r>
-            <a:endParaRPr lang="en-US"/>
+            <a:endParaRPr lang="en-US" dirty="0"/>
           </a:p>
           <a:p>
             <a:pPr lvl="2"/>
             <a:r>
-              <a:rPr lang="en-US">
+              <a:rPr lang="en-US" dirty="0">
                 <a:sym typeface="Lucida Sans Typewriter"/>
               </a:rPr>
               <a:t> }</a:t>
             </a:r>
-            <a:endParaRPr lang="en-US" dirty="0">
-              <a:sym typeface="Lucida Sans Typewriter"/>
-            </a:endParaRPr>
           </a:p>
         </p:txBody>
       </p:sp>
@@ -7221,17 +4173,18 @@
     </p:spTree>
     <p:extLst>
       <p:ext uri="{BB962C8B-B14F-4D97-AF65-F5344CB8AC3E}">
-        <p14:creationId xmlns:p14="http://schemas.microsoft.com/office/powerpoint/2010/main" val="1614123111"/>
+        <p14:creationId xmlns:p14="http://schemas.microsoft.com/office/powerpoint/2010/main" val="1193294898"/>
       </p:ext>
     </p:extLst>
   </p:cSld>
   <p:clrMapOvr>
     <a:masterClrMapping/>
   </p:clrMapOvr>
+  <p:transition spd="med"/>
 </p:sld>
 </file>
 
-<file path=ppt/slides/slide13.xml><?xml version="1.0" encoding="utf-8"?>
+<file path=ppt/slides/slide14.xml><?xml version="1.0" encoding="utf-8"?>
 <p:sld xmlns:a="http://schemas.openxmlformats.org/drawingml/2006/main" xmlns:r="http://schemas.openxmlformats.org/officeDocument/2006/relationships" xmlns:p="http://schemas.openxmlformats.org/presentationml/2006/main">
   <p:cSld>
     <p:spTree>
@@ -7419,7 +4372,7 @@
     </p:spTree>
     <p:extLst>
       <p:ext uri="{BB962C8B-B14F-4D97-AF65-F5344CB8AC3E}">
-        <p14:creationId xmlns:p14="http://schemas.microsoft.com/office/powerpoint/2010/main" val="3649854280"/>
+        <p14:creationId xmlns:p14="http://schemas.microsoft.com/office/powerpoint/2010/main" val="960001639"/>
       </p:ext>
     </p:extLst>
   </p:cSld>
@@ -7430,7 +4383,7 @@
 </p:sld>
 </file>
 
-<file path=ppt/slides/slide14.xml><?xml version="1.0" encoding="utf-8"?>
+<file path=ppt/slides/slide15.xml><?xml version="1.0" encoding="utf-8"?>
 <p:sld xmlns:a="http://schemas.openxmlformats.org/drawingml/2006/main" xmlns:r="http://schemas.openxmlformats.org/officeDocument/2006/relationships" xmlns:p="http://schemas.openxmlformats.org/presentationml/2006/main">
   <p:cSld>
     <p:spTree>
@@ -7459,7 +4412,7 @@
         </p:nvSpPr>
         <p:spPr>
           <a:xfrm>
-            <a:off x="304800" y="439368"/>
+            <a:off x="-742723" y="-76200"/>
             <a:ext cx="5334000" cy="1508125"/>
           </a:xfrm>
         </p:spPr>
@@ -7500,21 +4453,28 @@
       </p:pic>
       <p:pic>
         <p:nvPicPr>
-          <p:cNvPr id="7" name="Picture 6"/>
+          <p:cNvPr id="5" name="Picture 4">
+            <a:extLst>
+              <a:ext uri="{FF2B5EF4-FFF2-40B4-BE49-F238E27FC236}">
+                <a16:creationId xmlns:a16="http://schemas.microsoft.com/office/drawing/2014/main" id="{07F493F1-C468-4B5F-A391-A88102E305FA}"/>
+              </a:ext>
+            </a:extLst>
+          </p:cNvPr>
           <p:cNvPicPr>
             <a:picLocks noChangeAspect="1"/>
           </p:cNvPicPr>
           <p:nvPr/>
         </p:nvPicPr>
-        <p:blipFill rotWithShape="1">
+        <p:blipFill>
           <a:blip r:embed="rId3"/>
-          <a:srcRect l="2792"/>
-          <a:stretch/>
+          <a:stretch>
+            <a:fillRect/>
+          </a:stretch>
         </p:blipFill>
         <p:spPr>
           <a:xfrm>
-            <a:off x="228600" y="2057400"/>
-            <a:ext cx="6335580" cy="781443"/>
+            <a:off x="3733800" y="914400"/>
+            <a:ext cx="4953000" cy="2080016"/>
           </a:xfrm>
           <a:prstGeom prst="rect">
             <a:avLst/>
@@ -7523,7 +4483,13 @@
       </p:pic>
       <p:pic>
         <p:nvPicPr>
-          <p:cNvPr id="6" name="Picture 5"/>
+          <p:cNvPr id="8" name="Picture 7">
+            <a:extLst>
+              <a:ext uri="{FF2B5EF4-FFF2-40B4-BE49-F238E27FC236}">
+                <a16:creationId xmlns:a16="http://schemas.microsoft.com/office/drawing/2014/main" id="{54FC8368-500C-40DD-8600-7AAE84D43A72}"/>
+              </a:ext>
+            </a:extLst>
+          </p:cNvPr>
           <p:cNvPicPr>
             <a:picLocks noChangeAspect="1"/>
           </p:cNvPicPr>
@@ -7537,48 +4503,18 @@
         </p:blipFill>
         <p:spPr>
           <a:xfrm>
-            <a:off x="6324600" y="1009650"/>
-            <a:ext cx="2469696" cy="2095500"/>
+            <a:off x="31531" y="939515"/>
+            <a:ext cx="9144000" cy="2089060"/>
           </a:xfrm>
           <a:prstGeom prst="rect">
             <a:avLst/>
           </a:prstGeom>
-          <a:solidFill>
-            <a:srgbClr val="FFFFFF">
-              <a:shade val="85000"/>
-            </a:srgbClr>
-          </a:solidFill>
-          <a:ln w="88900" cap="sq">
-            <a:solidFill>
-              <a:srgbClr val="FFFFFF"/>
-            </a:solidFill>
-            <a:miter lim="800000"/>
-          </a:ln>
-          <a:effectLst>
-            <a:outerShdw blurRad="55000" dist="18000" dir="5400000" algn="tl" rotWithShape="0">
-              <a:srgbClr val="000000">
-                <a:alpha val="40000"/>
-              </a:srgbClr>
-            </a:outerShdw>
-          </a:effectLst>
-          <a:scene3d>
-            <a:camera prst="orthographicFront"/>
-            <a:lightRig rig="twoPt" dir="t">
-              <a:rot lat="0" lon="0" rev="7200000"/>
-            </a:lightRig>
-          </a:scene3d>
-          <a:sp3d>
-            <a:bevelT w="25400" h="19050"/>
-            <a:contourClr>
-              <a:srgbClr val="FFFFFF"/>
-            </a:contourClr>
-          </a:sp3d>
         </p:spPr>
       </p:pic>
     </p:spTree>
     <p:extLst>
       <p:ext uri="{BB962C8B-B14F-4D97-AF65-F5344CB8AC3E}">
-        <p14:creationId xmlns:p14="http://schemas.microsoft.com/office/powerpoint/2010/main" val="1342843598"/>
+        <p14:creationId xmlns:p14="http://schemas.microsoft.com/office/powerpoint/2010/main" val="2977216702"/>
       </p:ext>
     </p:extLst>
   </p:cSld>
@@ -7589,7 +4525,149 @@
 </p:sld>
 </file>
 
-<file path=ppt/slides/slide15.xml><?xml version="1.0" encoding="utf-8"?>
+<file path=ppt/slides/slide16.xml><?xml version="1.0" encoding="utf-8"?>
+<p:sld xmlns:a="http://schemas.openxmlformats.org/drawingml/2006/main" xmlns:r="http://schemas.openxmlformats.org/officeDocument/2006/relationships" xmlns:p="http://schemas.openxmlformats.org/presentationml/2006/main">
+  <p:cSld>
+    <p:spTree>
+      <p:nvGrpSpPr>
+        <p:cNvPr id="1" name=""/>
+        <p:cNvGrpSpPr/>
+        <p:nvPr/>
+      </p:nvGrpSpPr>
+      <p:grpSpPr>
+        <a:xfrm>
+          <a:off x="0" y="0"/>
+          <a:ext cx="0" cy="0"/>
+          <a:chOff x="0" y="0"/>
+          <a:chExt cx="0" cy="0"/>
+        </a:xfrm>
+      </p:grpSpPr>
+      <p:sp>
+        <p:nvSpPr>
+          <p:cNvPr id="2" name="Title 1">
+            <a:extLst>
+              <a:ext uri="{FF2B5EF4-FFF2-40B4-BE49-F238E27FC236}">
+                <a16:creationId xmlns:a16="http://schemas.microsoft.com/office/drawing/2014/main" id="{42DF9813-D81B-4812-BF37-51D503440FB6}"/>
+              </a:ext>
+            </a:extLst>
+          </p:cNvPr>
+          <p:cNvSpPr>
+            <a:spLocks noGrp="1"/>
+          </p:cNvSpPr>
+          <p:nvPr>
+            <p:ph type="title"/>
+          </p:nvPr>
+        </p:nvSpPr>
+        <p:spPr/>
+        <p:txBody>
+          <a:bodyPr/>
+          <a:lstStyle/>
+          <a:p>
+            <a:r>
+              <a:rPr lang="en-US" dirty="0"/>
+              <a:t>Deadlines</a:t>
+            </a:r>
+          </a:p>
+        </p:txBody>
+      </p:sp>
+      <p:sp>
+        <p:nvSpPr>
+          <p:cNvPr id="3" name="Text Placeholder 2">
+            <a:extLst>
+              <a:ext uri="{FF2B5EF4-FFF2-40B4-BE49-F238E27FC236}">
+                <a16:creationId xmlns:a16="http://schemas.microsoft.com/office/drawing/2014/main" id="{15AB1AEC-C30B-420F-9CED-2EFA7A4B6F98}"/>
+              </a:ext>
+            </a:extLst>
+          </p:cNvPr>
+          <p:cNvSpPr>
+            <a:spLocks noGrp="1"/>
+          </p:cNvSpPr>
+          <p:nvPr>
+            <p:ph type="body" idx="1"/>
+          </p:nvPr>
+        </p:nvSpPr>
+        <p:spPr>
+          <a:xfrm>
+            <a:off x="457200" y="1600200"/>
+            <a:ext cx="8458200" cy="5257800"/>
+          </a:xfrm>
+        </p:spPr>
+        <p:txBody>
+          <a:bodyPr/>
+          <a:lstStyle/>
+          <a:p>
+            <a:r>
+              <a:rPr lang="en-US" b="1" dirty="0"/>
+              <a:t>You should AIM to complete these 1 day early</a:t>
+            </a:r>
+          </a:p>
+          <a:p>
+            <a:r>
+              <a:rPr lang="en-US" b="1" dirty="0"/>
+              <a:t>I will allow you to turn them in by the same deadline, no questions asked</a:t>
+            </a:r>
+          </a:p>
+          <a:p>
+            <a:r>
+              <a:rPr lang="en-US" dirty="0"/>
+              <a:t>However, </a:t>
+            </a:r>
+            <a:r>
+              <a:rPr lang="en-US" b="1" dirty="0"/>
+              <a:t>if exceptional circumstance arise</a:t>
+            </a:r>
+            <a:r>
+              <a:rPr lang="en-US" dirty="0"/>
+              <a:t>, I will ask you to complete a form requesting an extension.</a:t>
+            </a:r>
+          </a:p>
+        </p:txBody>
+      </p:sp>
+      <p:pic>
+        <p:nvPicPr>
+          <p:cNvPr id="5" name="Picture 4">
+            <a:extLst>
+              <a:ext uri="{FF2B5EF4-FFF2-40B4-BE49-F238E27FC236}">
+                <a16:creationId xmlns:a16="http://schemas.microsoft.com/office/drawing/2014/main" id="{F513D367-FD02-4BAD-9018-6DD203C56D21}"/>
+              </a:ext>
+            </a:extLst>
+          </p:cNvPr>
+          <p:cNvPicPr>
+            <a:picLocks noChangeAspect="1"/>
+          </p:cNvPicPr>
+          <p:nvPr/>
+        </p:nvPicPr>
+        <p:blipFill>
+          <a:blip r:embed="rId2"/>
+          <a:stretch>
+            <a:fillRect/>
+          </a:stretch>
+        </p:blipFill>
+        <p:spPr>
+          <a:xfrm>
+            <a:off x="762000" y="4229100"/>
+            <a:ext cx="7620000" cy="2426138"/>
+          </a:xfrm>
+          <a:prstGeom prst="rect">
+            <a:avLst/>
+          </a:prstGeom>
+        </p:spPr>
+      </p:pic>
+    </p:spTree>
+    <p:extLst>
+      <p:ext uri="{BB962C8B-B14F-4D97-AF65-F5344CB8AC3E}">
+        <p14:creationId xmlns:p14="http://schemas.microsoft.com/office/powerpoint/2010/main" val="2595913101"/>
+      </p:ext>
+    </p:extLst>
+  </p:cSld>
+  <p:clrMapOvr>
+    <a:masterClrMapping/>
+  </p:clrMapOvr>
+  <p:transition spd="med"/>
+</p:sld>
+</file>
+
+<file path=ppt/slides/slide17.xml><?xml version="1.0" encoding="utf-8"?>
 <p:sld xmlns:a="http://schemas.openxmlformats.org/drawingml/2006/main" xmlns:r="http://schemas.openxmlformats.org/officeDocument/2006/relationships" xmlns:p="http://schemas.openxmlformats.org/presentationml/2006/main">
   <p:cSld>
     <p:spTree>
@@ -7638,12 +4716,9 @@
               <a:rPr sz="4725" b="1" cap="all" dirty="0"/>
               <a:t>HW1 Due </a:t>
             </a:r>
-            <a:br>
-              <a:rPr sz="4725" b="1" cap="all" dirty="0"/>
-            </a:br>
-            <a:r>
-              <a:rPr sz="4725" b="1" cap="all" dirty="0"/>
-              <a:t>Before Next Session</a:t>
+            <a:r>
+              <a:rPr lang="en-US" sz="4725" b="1" cap="all" dirty="0"/>
+              <a:t>SOON</a:t>
             </a:r>
             <a:br>
               <a:rPr sz="4725" b="1" cap="all" dirty="0"/>
@@ -7653,7 +4728,15 @@
             </a:br>
             <a:r>
               <a:rPr sz="4725" b="1" cap="all" dirty="0"/>
-              <a:t>It’s on the schedule page</a:t>
+              <a:t>It’s on the </a:t>
+            </a:r>
+            <a:r>
+              <a:rPr lang="en-US" sz="4725" b="1" cap="all" dirty="0"/>
+              <a:t>MOODLE</a:t>
+            </a:r>
+            <a:r>
+              <a:rPr sz="4725" b="1" cap="all" dirty="0"/>
+              <a:t> page</a:t>
             </a:r>
             <a:r>
               <a:rPr lang="en-US" sz="4725" b="1" cap="all" dirty="0"/>
@@ -7662,18 +4745,12 @@
             <a:br>
               <a:rPr lang="en-US" sz="4725" b="1" cap="all" dirty="0"/>
             </a:br>
-            <a:r>
-              <a:rPr lang="en-US" sz="2700" dirty="0">
-                <a:hlinkClick r:id="rId2"/>
-              </a:rPr>
-              <a:t>https://rhit-csse.github.io/csse220/schedule.html</a:t>
-            </a:r>
             <a:br>
               <a:rPr lang="en-US" sz="4725" b="1" cap="all" dirty="0"/>
             </a:br>
             <a:r>
               <a:rPr lang="en-US" sz="2400" b="1" cap="all" dirty="0"/>
-              <a:t>(It is your responsibility to keep up with the schedule page)</a:t>
+              <a:t>(It is your responsibility to keep up with the schedule)</a:t>
             </a:r>
             <a:br>
               <a:rPr sz="4725" b="1" cap="all" dirty="0"/>
@@ -7725,7 +4802,7 @@
                   <a:srgbClr val="888888"/>
                 </a:solidFill>
               </a:rPr>
-              <a:t>15</a:t>
+              <a:t>17</a:t>
             </a:fld>
             <a:endParaRPr sz="1200">
               <a:solidFill>
@@ -7761,9 +4838,45 @@
           <a:chExt cx="0" cy="0"/>
         </a:xfrm>
       </p:grpSpPr>
+      <p:pic>
+        <p:nvPicPr>
+          <p:cNvPr id="7" name="Picture 6">
+            <a:extLst>
+              <a:ext uri="{FF2B5EF4-FFF2-40B4-BE49-F238E27FC236}">
+                <a16:creationId xmlns:a16="http://schemas.microsoft.com/office/drawing/2014/main" id="{9514720E-0130-4293-9C6A-5FFD9CDD1782}"/>
+              </a:ext>
+            </a:extLst>
+          </p:cNvPr>
+          <p:cNvPicPr>
+            <a:picLocks noChangeAspect="1"/>
+          </p:cNvPicPr>
+          <p:nvPr/>
+        </p:nvPicPr>
+        <p:blipFill>
+          <a:blip r:embed="rId2"/>
+          <a:stretch>
+            <a:fillRect/>
+          </a:stretch>
+        </p:blipFill>
+        <p:spPr>
+          <a:xfrm>
+            <a:off x="0" y="1192211"/>
+            <a:ext cx="9144000" cy="5473853"/>
+          </a:xfrm>
+          <a:prstGeom prst="rect">
+            <a:avLst/>
+          </a:prstGeom>
+        </p:spPr>
+      </p:pic>
       <p:sp>
         <p:nvSpPr>
-          <p:cNvPr id="2" name="Title 1"/>
+          <p:cNvPr id="2" name="Title 1">
+            <a:extLst>
+              <a:ext uri="{FF2B5EF4-FFF2-40B4-BE49-F238E27FC236}">
+                <a16:creationId xmlns:a16="http://schemas.microsoft.com/office/drawing/2014/main" id="{D9F249E8-0C8F-4F33-9A1D-E5CFEF6DB0BE}"/>
+              </a:ext>
+            </a:extLst>
+          </p:cNvPr>
           <p:cNvSpPr>
             <a:spLocks noGrp="1"/>
           </p:cNvSpPr>
@@ -7777,70 +4890,494 @@
           <a:lstStyle/>
           <a:p>
             <a:r>
+              <a:rPr lang="en-US" dirty="0" err="1"/>
+              <a:t>Airtable</a:t>
+            </a:r>
+            <a:r>
               <a:rPr lang="en-US" dirty="0"/>
-              <a:t>Agenda</a:t>
+              <a:t> View on Moodle</a:t>
             </a:r>
           </a:p>
         </p:txBody>
       </p:sp>
       <p:sp>
         <p:nvSpPr>
-          <p:cNvPr id="3" name="Text Placeholder 2"/>
-          <p:cNvSpPr>
-            <a:spLocks noGrp="1"/>
-          </p:cNvSpPr>
-          <p:nvPr>
-            <p:ph type="body" idx="1"/>
-          </p:nvPr>
+          <p:cNvPr id="6" name="Rectangle 5">
+            <a:extLst>
+              <a:ext uri="{FF2B5EF4-FFF2-40B4-BE49-F238E27FC236}">
+                <a16:creationId xmlns:a16="http://schemas.microsoft.com/office/drawing/2014/main" id="{38005B05-3511-4C6F-AF45-02B30B2147DC}"/>
+              </a:ext>
+            </a:extLst>
+          </p:cNvPr>
+          <p:cNvSpPr/>
+          <p:nvPr/>
         </p:nvSpPr>
-        <p:spPr/>
+        <p:spPr>
+          <a:xfrm>
+            <a:off x="4280739" y="5257800"/>
+            <a:ext cx="734925" cy="830995"/>
+          </a:xfrm>
+          <a:prstGeom prst="rect">
+            <a:avLst/>
+          </a:prstGeom>
+          <a:solidFill>
+            <a:srgbClr val="FFFFFF"/>
+          </a:solidFill>
+          <a:ln w="25400" cap="flat">
+            <a:solidFill>
+              <a:srgbClr val="4F81BD"/>
+            </a:solidFill>
+            <a:prstDash val="solid"/>
+            <a:bevel/>
+          </a:ln>
+          <a:effectLst>
+            <a:outerShdw blurRad="38100" dist="23000" dir="5400000" rotWithShape="0">
+              <a:srgbClr val="000000">
+                <a:alpha val="35000"/>
+              </a:srgbClr>
+            </a:outerShdw>
+          </a:effectLst>
+        </p:spPr>
+        <p:style>
+          <a:lnRef idx="0">
+            <a:scrgbClr r="0" g="0" b="0"/>
+          </a:lnRef>
+          <a:fillRef idx="0">
+            <a:scrgbClr r="0" g="0" b="0"/>
+          </a:fillRef>
+          <a:effectRef idx="0">
+            <a:scrgbClr r="0" g="0" b="0"/>
+          </a:effectRef>
+          <a:fontRef idx="none"/>
+        </p:style>
         <p:txBody>
-          <a:bodyPr lIns="45719" rIns="45719" anchor="t">
-            <a:normAutofit/>
+          <a:bodyPr rot="0" spcFirstLastPara="1" vertOverflow="overflow" horzOverflow="overflow" vert="horz" wrap="square" lIns="45719" tIns="45719" rIns="45719" bIns="45719" numCol="1" spcCol="38100" rtlCol="0" anchor="ctr">
+            <a:spAutoFit/>
           </a:bodyPr>
           <a:lstStyle/>
           <a:p>
-            <a:r>
-              <a:rPr lang="en-US" strike="sngStrike" dirty="0"/>
-              <a:t>Critical links</a:t>
-            </a:r>
-          </a:p>
-          <a:p>
-            <a:r>
-              <a:rPr lang="en-US" b="1" dirty="0"/>
-              <a:t>We write some java code</a:t>
-            </a:r>
-          </a:p>
-          <a:p>
-            <a:pPr marL="783590" lvl="1" indent="-326390"/>
-            <a:r>
-              <a:rPr lang="en-US" b="1" dirty="0"/>
-              <a:t>Conditionals</a:t>
-            </a:r>
-          </a:p>
-          <a:p>
-            <a:pPr marL="783590" lvl="1" indent="-326390"/>
-            <a:r>
-              <a:rPr lang="en-US" b="1" dirty="0"/>
-              <a:t>Strings</a:t>
-            </a:r>
-          </a:p>
-          <a:p>
-            <a:pPr marL="783590" lvl="1" indent="-326390"/>
-            <a:r>
-              <a:rPr lang="en-US" b="1" dirty="0"/>
-              <a:t>Loops</a:t>
-            </a:r>
-          </a:p>
-          <a:p>
-            <a:endParaRPr lang="en-US" dirty="0"/>
+            <a:pPr marL="0" marR="0" indent="0" algn="ctr" defTabSz="914400" rtl="0" fontAlgn="auto" latinLnBrk="1" hangingPunct="0">
+              <a:lnSpc>
+                <a:spcPct val="100000"/>
+              </a:lnSpc>
+              <a:spcBef>
+                <a:spcPts val="0"/>
+              </a:spcBef>
+              <a:spcAft>
+                <a:spcPts val="0"/>
+              </a:spcAft>
+              <a:buClrTx/>
+              <a:buSzTx/>
+              <a:buFontTx/>
+              <a:buNone/>
+              <a:tabLst/>
+            </a:pPr>
+            <a:r>
+              <a:rPr lang="en-US" sz="1600" dirty="0">
+                <a:solidFill>
+                  <a:srgbClr val="000000"/>
+                </a:solidFill>
+              </a:rPr>
+              <a:t>DUE:</a:t>
+            </a:r>
+          </a:p>
+          <a:p>
+            <a:pPr marL="0" marR="0" indent="0" algn="ctr" defTabSz="914400" rtl="0" fontAlgn="auto" latinLnBrk="1" hangingPunct="0">
+              <a:lnSpc>
+                <a:spcPct val="100000"/>
+              </a:lnSpc>
+              <a:spcBef>
+                <a:spcPts val="0"/>
+              </a:spcBef>
+              <a:spcAft>
+                <a:spcPts val="0"/>
+              </a:spcAft>
+              <a:buClrTx/>
+              <a:buSzTx/>
+              <a:buFontTx/>
+              <a:buNone/>
+              <a:tabLst/>
+            </a:pPr>
+            <a:r>
+              <a:rPr kumimoji="0" lang="en-US" sz="1600" b="0" i="0" u="none" strike="noStrike" cap="none" spc="0" normalizeH="0" baseline="0" dirty="0">
+                <a:ln>
+                  <a:noFill/>
+                </a:ln>
+                <a:solidFill>
+                  <a:srgbClr val="000000"/>
+                </a:solidFill>
+                <a:effectLst/>
+                <a:uFillTx/>
+                <a:latin typeface="Calibri"/>
+                <a:ea typeface="Calibri"/>
+                <a:cs typeface="Calibri"/>
+                <a:sym typeface="Calibri"/>
+              </a:rPr>
+              <a:t>Last</a:t>
+            </a:r>
+          </a:p>
+          <a:p>
+            <a:pPr marL="0" marR="0" indent="0" algn="ctr" defTabSz="914400" rtl="0" fontAlgn="auto" latinLnBrk="1" hangingPunct="0">
+              <a:lnSpc>
+                <a:spcPct val="100000"/>
+              </a:lnSpc>
+              <a:spcBef>
+                <a:spcPts val="0"/>
+              </a:spcBef>
+              <a:spcAft>
+                <a:spcPts val="0"/>
+              </a:spcAft>
+              <a:buClrTx/>
+              <a:buSzTx/>
+              <a:buFontTx/>
+              <a:buNone/>
+              <a:tabLst/>
+            </a:pPr>
+            <a:r>
+              <a:rPr lang="en-US" sz="1600" dirty="0">
+                <a:solidFill>
+                  <a:srgbClr val="000000"/>
+                </a:solidFill>
+              </a:rPr>
+              <a:t>Day</a:t>
+            </a:r>
+            <a:endParaRPr kumimoji="0" lang="en-US" sz="1600" b="0" i="0" u="none" strike="noStrike" cap="none" spc="0" normalizeH="0" baseline="0" dirty="0">
+              <a:ln>
+                <a:noFill/>
+              </a:ln>
+              <a:solidFill>
+                <a:srgbClr val="000000"/>
+              </a:solidFill>
+              <a:effectLst/>
+              <a:uFillTx/>
+              <a:latin typeface="Calibri"/>
+              <a:ea typeface="Calibri"/>
+              <a:cs typeface="Calibri"/>
+              <a:sym typeface="Calibri"/>
+            </a:endParaRPr>
+          </a:p>
+        </p:txBody>
+      </p:sp>
+      <p:sp>
+        <p:nvSpPr>
+          <p:cNvPr id="9" name="Rectangle 8">
+            <a:extLst>
+              <a:ext uri="{FF2B5EF4-FFF2-40B4-BE49-F238E27FC236}">
+                <a16:creationId xmlns:a16="http://schemas.microsoft.com/office/drawing/2014/main" id="{AE8D4721-5435-4294-9CC6-712E1A848A03}"/>
+              </a:ext>
+            </a:extLst>
+          </p:cNvPr>
+          <p:cNvSpPr/>
+          <p:nvPr/>
+        </p:nvSpPr>
+        <p:spPr>
+          <a:xfrm>
+            <a:off x="3124200" y="3398105"/>
+            <a:ext cx="734925" cy="830995"/>
+          </a:xfrm>
+          <a:prstGeom prst="rect">
+            <a:avLst/>
+          </a:prstGeom>
+          <a:solidFill>
+            <a:srgbClr val="FFFFFF"/>
+          </a:solidFill>
+          <a:ln w="25400" cap="flat">
+            <a:solidFill>
+              <a:srgbClr val="4F81BD"/>
+            </a:solidFill>
+            <a:prstDash val="solid"/>
+            <a:bevel/>
+          </a:ln>
+          <a:effectLst>
+            <a:outerShdw blurRad="38100" dist="23000" dir="5400000" rotWithShape="0">
+              <a:srgbClr val="000000">
+                <a:alpha val="35000"/>
+              </a:srgbClr>
+            </a:outerShdw>
+          </a:effectLst>
+        </p:spPr>
+        <p:style>
+          <a:lnRef idx="0">
+            <a:scrgbClr r="0" g="0" b="0"/>
+          </a:lnRef>
+          <a:fillRef idx="0">
+            <a:scrgbClr r="0" g="0" b="0"/>
+          </a:fillRef>
+          <a:effectRef idx="0">
+            <a:scrgbClr r="0" g="0" b="0"/>
+          </a:effectRef>
+          <a:fontRef idx="none"/>
+        </p:style>
+        <p:txBody>
+          <a:bodyPr rot="0" spcFirstLastPara="1" vertOverflow="overflow" horzOverflow="overflow" vert="horz" wrap="square" lIns="45719" tIns="45719" rIns="45719" bIns="45719" numCol="1" spcCol="38100" rtlCol="0" anchor="ctr">
+            <a:spAutoFit/>
+          </a:bodyPr>
+          <a:lstStyle/>
+          <a:p>
+            <a:pPr marL="0" marR="0" indent="0" algn="ctr" defTabSz="914400" rtl="0" fontAlgn="auto" latinLnBrk="1" hangingPunct="0">
+              <a:lnSpc>
+                <a:spcPct val="100000"/>
+              </a:lnSpc>
+              <a:spcBef>
+                <a:spcPts val="0"/>
+              </a:spcBef>
+              <a:spcAft>
+                <a:spcPts val="0"/>
+              </a:spcAft>
+              <a:buClrTx/>
+              <a:buSzTx/>
+              <a:buFontTx/>
+              <a:buNone/>
+              <a:tabLst/>
+            </a:pPr>
+            <a:r>
+              <a:rPr lang="en-US" sz="1600" dirty="0">
+                <a:solidFill>
+                  <a:srgbClr val="000000"/>
+                </a:solidFill>
+              </a:rPr>
+              <a:t>DUE:</a:t>
+            </a:r>
+          </a:p>
+          <a:p>
+            <a:pPr marL="0" marR="0" indent="0" algn="ctr" defTabSz="914400" rtl="0" fontAlgn="auto" latinLnBrk="1" hangingPunct="0">
+              <a:lnSpc>
+                <a:spcPct val="100000"/>
+              </a:lnSpc>
+              <a:spcBef>
+                <a:spcPts val="0"/>
+              </a:spcBef>
+              <a:spcAft>
+                <a:spcPts val="0"/>
+              </a:spcAft>
+              <a:buClrTx/>
+              <a:buSzTx/>
+              <a:buFontTx/>
+              <a:buNone/>
+              <a:tabLst/>
+            </a:pPr>
+            <a:r>
+              <a:rPr kumimoji="0" lang="en-US" sz="1600" b="0" i="0" u="none" strike="noStrike" cap="none" spc="0" normalizeH="0" baseline="0" dirty="0">
+                <a:ln>
+                  <a:noFill/>
+                </a:ln>
+                <a:solidFill>
+                  <a:srgbClr val="000000"/>
+                </a:solidFill>
+                <a:effectLst/>
+                <a:uFillTx/>
+                <a:latin typeface="Calibri"/>
+                <a:ea typeface="Calibri"/>
+                <a:cs typeface="Calibri"/>
+                <a:sym typeface="Calibri"/>
+              </a:rPr>
+              <a:t>Last</a:t>
+            </a:r>
+          </a:p>
+          <a:p>
+            <a:pPr marL="0" marR="0" indent="0" algn="ctr" defTabSz="914400" rtl="0" fontAlgn="auto" latinLnBrk="1" hangingPunct="0">
+              <a:lnSpc>
+                <a:spcPct val="100000"/>
+              </a:lnSpc>
+              <a:spcBef>
+                <a:spcPts val="0"/>
+              </a:spcBef>
+              <a:spcAft>
+                <a:spcPts val="0"/>
+              </a:spcAft>
+              <a:buClrTx/>
+              <a:buSzTx/>
+              <a:buFontTx/>
+              <a:buNone/>
+              <a:tabLst/>
+            </a:pPr>
+            <a:r>
+              <a:rPr lang="en-US" sz="1600" dirty="0">
+                <a:solidFill>
+                  <a:srgbClr val="000000"/>
+                </a:solidFill>
+              </a:rPr>
+              <a:t>Day</a:t>
+            </a:r>
+            <a:endParaRPr kumimoji="0" lang="en-US" sz="1600" b="0" i="0" u="none" strike="noStrike" cap="none" spc="0" normalizeH="0" baseline="0" dirty="0">
+              <a:ln>
+                <a:noFill/>
+              </a:ln>
+              <a:solidFill>
+                <a:srgbClr val="000000"/>
+              </a:solidFill>
+              <a:effectLst/>
+              <a:uFillTx/>
+              <a:latin typeface="Calibri"/>
+              <a:ea typeface="Calibri"/>
+              <a:cs typeface="Calibri"/>
+              <a:sym typeface="Calibri"/>
+            </a:endParaRPr>
+          </a:p>
+        </p:txBody>
+      </p:sp>
+      <p:sp>
+        <p:nvSpPr>
+          <p:cNvPr id="10" name="Rectangle 9">
+            <a:extLst>
+              <a:ext uri="{FF2B5EF4-FFF2-40B4-BE49-F238E27FC236}">
+                <a16:creationId xmlns:a16="http://schemas.microsoft.com/office/drawing/2014/main" id="{95ECFC35-62BE-4A5C-9EC4-4F758AA598E7}"/>
+              </a:ext>
+            </a:extLst>
+          </p:cNvPr>
+          <p:cNvSpPr/>
+          <p:nvPr/>
+        </p:nvSpPr>
+        <p:spPr>
+          <a:xfrm>
+            <a:off x="8077200" y="3098142"/>
+            <a:ext cx="734925" cy="830995"/>
+          </a:xfrm>
+          <a:prstGeom prst="rect">
+            <a:avLst/>
+          </a:prstGeom>
+          <a:solidFill>
+            <a:srgbClr val="FFFFFF"/>
+          </a:solidFill>
+          <a:ln w="25400" cap="flat">
+            <a:solidFill>
+              <a:srgbClr val="4F81BD"/>
+            </a:solidFill>
+            <a:prstDash val="solid"/>
+            <a:bevel/>
+          </a:ln>
+          <a:effectLst>
+            <a:outerShdw blurRad="38100" dist="23000" dir="5400000" rotWithShape="0">
+              <a:srgbClr val="000000">
+                <a:alpha val="35000"/>
+              </a:srgbClr>
+            </a:outerShdw>
+          </a:effectLst>
+        </p:spPr>
+        <p:style>
+          <a:lnRef idx="0">
+            <a:scrgbClr r="0" g="0" b="0"/>
+          </a:lnRef>
+          <a:fillRef idx="0">
+            <a:scrgbClr r="0" g="0" b="0"/>
+          </a:fillRef>
+          <a:effectRef idx="0">
+            <a:scrgbClr r="0" g="0" b="0"/>
+          </a:effectRef>
+          <a:fontRef idx="none"/>
+        </p:style>
+        <p:txBody>
+          <a:bodyPr rot="0" spcFirstLastPara="1" vertOverflow="overflow" horzOverflow="overflow" vert="horz" wrap="square" lIns="45719" tIns="45719" rIns="45719" bIns="45719" numCol="1" spcCol="38100" rtlCol="0" anchor="ctr">
+            <a:spAutoFit/>
+          </a:bodyPr>
+          <a:lstStyle/>
+          <a:p>
+            <a:pPr marL="0" marR="0" indent="0" algn="ctr" defTabSz="914400" rtl="0" fontAlgn="auto" latinLnBrk="1" hangingPunct="0">
+              <a:lnSpc>
+                <a:spcPct val="100000"/>
+              </a:lnSpc>
+              <a:spcBef>
+                <a:spcPts val="0"/>
+              </a:spcBef>
+              <a:spcAft>
+                <a:spcPts val="0"/>
+              </a:spcAft>
+              <a:buClrTx/>
+              <a:buSzTx/>
+              <a:buFontTx/>
+              <a:buNone/>
+              <a:tabLst/>
+            </a:pPr>
+            <a:r>
+              <a:rPr lang="en-US" sz="1600" dirty="0">
+                <a:solidFill>
+                  <a:srgbClr val="000000"/>
+                </a:solidFill>
+              </a:rPr>
+              <a:t>DUE:</a:t>
+            </a:r>
+          </a:p>
+          <a:p>
+            <a:pPr marL="0" marR="0" indent="0" algn="ctr" defTabSz="914400" rtl="0" fontAlgn="auto" latinLnBrk="1" hangingPunct="0">
+              <a:lnSpc>
+                <a:spcPct val="100000"/>
+              </a:lnSpc>
+              <a:spcBef>
+                <a:spcPts val="0"/>
+              </a:spcBef>
+              <a:spcAft>
+                <a:spcPts val="0"/>
+              </a:spcAft>
+              <a:buClrTx/>
+              <a:buSzTx/>
+              <a:buFontTx/>
+              <a:buNone/>
+              <a:tabLst/>
+            </a:pPr>
+            <a:r>
+              <a:rPr kumimoji="0" lang="en-US" sz="1600" b="0" i="0" u="none" strike="noStrike" cap="none" spc="0" normalizeH="0" baseline="0" dirty="0">
+                <a:ln>
+                  <a:noFill/>
+                </a:ln>
+                <a:solidFill>
+                  <a:srgbClr val="000000"/>
+                </a:solidFill>
+                <a:effectLst/>
+                <a:uFillTx/>
+                <a:latin typeface="Calibri"/>
+                <a:ea typeface="Calibri"/>
+                <a:cs typeface="Calibri"/>
+                <a:sym typeface="Calibri"/>
+              </a:rPr>
+              <a:t>Last</a:t>
+            </a:r>
+          </a:p>
+          <a:p>
+            <a:pPr marL="0" marR="0" indent="0" algn="ctr" defTabSz="914400" rtl="0" fontAlgn="auto" latinLnBrk="1" hangingPunct="0">
+              <a:lnSpc>
+                <a:spcPct val="100000"/>
+              </a:lnSpc>
+              <a:spcBef>
+                <a:spcPts val="0"/>
+              </a:spcBef>
+              <a:spcAft>
+                <a:spcPts val="0"/>
+              </a:spcAft>
+              <a:buClrTx/>
+              <a:buSzTx/>
+              <a:buFontTx/>
+              <a:buNone/>
+              <a:tabLst/>
+            </a:pPr>
+            <a:r>
+              <a:rPr lang="en-US" sz="1600" dirty="0">
+                <a:solidFill>
+                  <a:srgbClr val="000000"/>
+                </a:solidFill>
+              </a:rPr>
+              <a:t>Day</a:t>
+            </a:r>
+            <a:endParaRPr kumimoji="0" lang="en-US" sz="1600" b="0" i="0" u="none" strike="noStrike" cap="none" spc="0" normalizeH="0" baseline="0" dirty="0">
+              <a:ln>
+                <a:noFill/>
+              </a:ln>
+              <a:solidFill>
+                <a:srgbClr val="000000"/>
+              </a:solidFill>
+              <a:effectLst/>
+              <a:uFillTx/>
+              <a:latin typeface="Calibri"/>
+              <a:ea typeface="Calibri"/>
+              <a:cs typeface="Calibri"/>
+              <a:sym typeface="Calibri"/>
+            </a:endParaRPr>
           </a:p>
         </p:txBody>
       </p:sp>
     </p:spTree>
     <p:extLst>
       <p:ext uri="{BB962C8B-B14F-4D97-AF65-F5344CB8AC3E}">
-        <p14:creationId xmlns:p14="http://schemas.microsoft.com/office/powerpoint/2010/main" val="2904647193"/>
+        <p14:creationId xmlns:p14="http://schemas.microsoft.com/office/powerpoint/2010/main" val="3221831349"/>
       </p:ext>
     </p:extLst>
   </p:cSld>
@@ -7885,7 +5422,7 @@
           <a:p>
             <a:r>
               <a:rPr lang="en-US" dirty="0"/>
-              <a:t>Let’s write hello world together</a:t>
+              <a:t>Agenda</a:t>
             </a:r>
           </a:p>
         </p:txBody>
@@ -7902,8 +5439,43 @@
         </p:nvSpPr>
         <p:spPr/>
         <p:txBody>
-          <a:bodyPr/>
+          <a:bodyPr lIns="45719" rIns="45719" anchor="t">
+            <a:normAutofit/>
+          </a:bodyPr>
           <a:lstStyle/>
+          <a:p>
+            <a:r>
+              <a:rPr lang="en-US" strike="sngStrike" dirty="0"/>
+              <a:t>Critical links</a:t>
+            </a:r>
+          </a:p>
+          <a:p>
+            <a:r>
+              <a:rPr lang="en-US" b="1" dirty="0"/>
+              <a:t>We write some java code</a:t>
+            </a:r>
+          </a:p>
+          <a:p>
+            <a:pPr marL="783590" lvl="1" indent="-326390"/>
+            <a:r>
+              <a:rPr lang="en-US" b="1" dirty="0"/>
+              <a:t>Conditionals</a:t>
+            </a:r>
+          </a:p>
+          <a:p>
+            <a:pPr marL="783590" lvl="1" indent="-326390"/>
+            <a:r>
+              <a:rPr lang="en-US" b="1" dirty="0"/>
+              <a:t>Strings</a:t>
+            </a:r>
+          </a:p>
+          <a:p>
+            <a:pPr marL="783590" lvl="1" indent="-326390"/>
+            <a:r>
+              <a:rPr lang="en-US" b="1" dirty="0"/>
+              <a:t>Loops</a:t>
+            </a:r>
+          </a:p>
           <a:p>
             <a:endParaRPr lang="en-US" dirty="0"/>
           </a:p>
@@ -7912,7 +5484,7 @@
     </p:spTree>
     <p:extLst>
       <p:ext uri="{BB962C8B-B14F-4D97-AF65-F5344CB8AC3E}">
-        <p14:creationId xmlns:p14="http://schemas.microsoft.com/office/powerpoint/2010/main" val="3050790655"/>
+        <p14:creationId xmlns:p14="http://schemas.microsoft.com/office/powerpoint/2010/main" val="393877966"/>
       </p:ext>
     </p:extLst>
   </p:cSld>
@@ -7924,7 +5496,7 @@
 </file>
 
 <file path=ppt/slides/slide4.xml><?xml version="1.0" encoding="utf-8"?>
-<p:sld xmlns:a="http://schemas.openxmlformats.org/drawingml/2006/main" xmlns:r="http://schemas.openxmlformats.org/officeDocument/2006/relationships" xmlns:p="http://schemas.openxmlformats.org/presentationml/2006/main" show="0">
+<p:sld xmlns:a="http://schemas.openxmlformats.org/drawingml/2006/main" xmlns:r="http://schemas.openxmlformats.org/officeDocument/2006/relationships" xmlns:p="http://schemas.openxmlformats.org/presentationml/2006/main">
   <p:cSld>
     <p:spTree>
       <p:nvGrpSpPr>
@@ -7942,7 +5514,7 @@
       </p:grpSpPr>
       <p:sp>
         <p:nvSpPr>
-          <p:cNvPr id="97" name="Shape 97"/>
+          <p:cNvPr id="2" name="Title 1"/>
           <p:cNvSpPr>
             <a:spLocks noGrp="1"/>
           </p:cNvSpPr>
@@ -7950,32 +5522,21 @@
             <p:ph type="title"/>
           </p:nvPr>
         </p:nvSpPr>
-        <p:spPr>
-          <a:xfrm>
-            <a:off x="457200" y="274638"/>
-            <a:ext cx="8229600" cy="1143001"/>
-          </a:xfrm>
-          <a:prstGeom prst="rect">
-            <a:avLst/>
-          </a:prstGeom>
-        </p:spPr>
+        <p:spPr/>
         <p:txBody>
           <a:bodyPr/>
           <a:lstStyle/>
           <a:p>
-            <a:pPr lvl="0">
-              <a:defRPr sz="1800"/>
-            </a:pPr>
-            <a:r>
-              <a:rPr sz="4400" dirty="0"/>
-              <a:t>HelloPrinter.java</a:t>
+            <a:r>
+              <a:rPr lang="en-US" dirty="0"/>
+              <a:t>Let’s write hello world together</a:t>
             </a:r>
           </a:p>
         </p:txBody>
       </p:sp>
       <p:sp>
         <p:nvSpPr>
-          <p:cNvPr id="98" name="Shape 98"/>
+          <p:cNvPr id="3" name="Text Placeholder 2"/>
           <p:cNvSpPr>
             <a:spLocks noGrp="1"/>
           </p:cNvSpPr>
@@ -7983,158 +5544,21 @@
             <p:ph type="body" idx="1"/>
           </p:nvPr>
         </p:nvSpPr>
-        <p:spPr>
-          <a:xfrm>
-            <a:off x="457200" y="1600200"/>
-            <a:ext cx="8229600" cy="4525963"/>
-          </a:xfrm>
-          <a:prstGeom prst="rect">
-            <a:avLst/>
-          </a:prstGeom>
-        </p:spPr>
+        <p:spPr/>
         <p:txBody>
           <a:bodyPr/>
           <a:lstStyle/>
           <a:p>
-            <a:pPr lvl="0">
-              <a:lnSpc>
-                <a:spcPct val="90000"/>
-              </a:lnSpc>
-              <a:spcBef>
-                <a:spcPts val="600"/>
-              </a:spcBef>
-              <a:defRPr sz="1800"/>
-            </a:pPr>
-            <a:r>
-              <a:rPr sz="2900" dirty="0"/>
-              <a:t>To run a Java program:</a:t>
-            </a:r>
-          </a:p>
-          <a:p>
-            <a:pPr marL="742950" lvl="1" indent="-285750">
-              <a:lnSpc>
-                <a:spcPct val="90000"/>
-              </a:lnSpc>
-              <a:spcBef>
-                <a:spcPts val="600"/>
-              </a:spcBef>
-              <a:defRPr sz="1800"/>
-            </a:pPr>
-            <a:r>
-              <a:rPr sz="2500" dirty="0"/>
-              <a:t>Right-click the .java file in Package Explorer view</a:t>
-            </a:r>
-          </a:p>
-          <a:p>
-            <a:pPr marL="742950" lvl="1" indent="-285750">
-              <a:lnSpc>
-                <a:spcPct val="90000"/>
-              </a:lnSpc>
-              <a:spcBef>
-                <a:spcPts val="600"/>
-              </a:spcBef>
-              <a:defRPr sz="1800"/>
-            </a:pPr>
-            <a:r>
-              <a:rPr sz="2500" dirty="0"/>
-              <a:t>Choose </a:t>
-            </a:r>
-            <a:r>
-              <a:rPr sz="2500" b="1" dirty="0"/>
-              <a:t>Run As → Java Application</a:t>
-            </a:r>
-            <a:endParaRPr sz="2500" dirty="0"/>
-          </a:p>
-          <a:p>
-            <a:pPr lvl="0">
-              <a:lnSpc>
-                <a:spcPct val="90000"/>
-              </a:lnSpc>
-              <a:spcBef>
-                <a:spcPts val="600"/>
-              </a:spcBef>
-              <a:defRPr sz="1800"/>
-            </a:pPr>
-            <a:r>
-              <a:rPr lang="en-US" sz="2900" dirty="0"/>
-              <a:t>Introduce yourself to your neighbor and c</a:t>
-            </a:r>
-            <a:r>
-              <a:rPr sz="2900" dirty="0"/>
-              <a:t>hange the program to say hello to </a:t>
-            </a:r>
-            <a:r>
-              <a:rPr lang="en-US" sz="2900" dirty="0"/>
-              <a:t>them</a:t>
-            </a:r>
-            <a:endParaRPr sz="2900" dirty="0"/>
-          </a:p>
-          <a:p>
-            <a:pPr lvl="0">
-              <a:lnSpc>
-                <a:spcPct val="90000"/>
-              </a:lnSpc>
-              <a:spcBef>
-                <a:spcPts val="600"/>
-              </a:spcBef>
-              <a:defRPr sz="1800"/>
-            </a:pPr>
-            <a:r>
-              <a:rPr sz="2900" dirty="0"/>
-              <a:t>Introduce an error in the program</a:t>
-            </a:r>
-          </a:p>
-          <a:p>
-            <a:pPr marL="742950" lvl="1" indent="-285750">
-              <a:lnSpc>
-                <a:spcPct val="90000"/>
-              </a:lnSpc>
-              <a:spcBef>
-                <a:spcPts val="600"/>
-              </a:spcBef>
-              <a:defRPr sz="1800"/>
-            </a:pPr>
-            <a:r>
-              <a:rPr sz="2500" dirty="0"/>
-              <a:t>See if you can come up with a different error than </a:t>
-            </a:r>
-            <a:r>
-              <a:rPr lang="en-US" sz="2500" dirty="0"/>
-              <a:t>your neighbor</a:t>
-            </a:r>
-            <a:endParaRPr sz="2500" dirty="0"/>
-          </a:p>
-          <a:p>
-            <a:pPr lvl="0">
-              <a:lnSpc>
-                <a:spcPct val="90000"/>
-              </a:lnSpc>
-              <a:spcBef>
-                <a:spcPts val="600"/>
-              </a:spcBef>
-              <a:defRPr sz="1800"/>
-            </a:pPr>
-            <a:r>
-              <a:rPr sz="2900" dirty="0"/>
-              <a:t>Fix the error </a:t>
-            </a:r>
-            <a:r>
-              <a:rPr sz="2900"/>
-              <a:t>that </a:t>
-            </a:r>
-            <a:r>
-              <a:rPr lang="en-US" sz="2900"/>
-              <a:t>your neighbor </a:t>
-            </a:r>
-            <a:r>
-              <a:rPr sz="2900"/>
-              <a:t>introduced</a:t>
-            </a:r>
-            <a:endParaRPr sz="2900" dirty="0"/>
+            <a:endParaRPr lang="en-US" dirty="0"/>
           </a:p>
         </p:txBody>
       </p:sp>
     </p:spTree>
+    <p:extLst>
+      <p:ext uri="{BB962C8B-B14F-4D97-AF65-F5344CB8AC3E}">
+        <p14:creationId xmlns:p14="http://schemas.microsoft.com/office/powerpoint/2010/main" val="1695002246"/>
+      </p:ext>
+    </p:extLst>
   </p:cSld>
   <p:clrMapOvr>
     <a:masterClrMapping/>
@@ -8193,7 +5617,7 @@
               <a:defRPr sz="1800"/>
             </a:pPr>
             <a:r>
-              <a:rPr sz="2200" b="1">
+              <a:rPr sz="2200" b="1" dirty="0">
                 <a:solidFill>
                   <a:srgbClr val="7F0055"/>
                 </a:solidFill>
@@ -8205,7 +5629,7 @@
               <a:t>public</a:t>
             </a:r>
             <a:r>
-              <a:rPr sz="2200" b="1">
+              <a:rPr sz="2200" b="1" dirty="0">
                 <a:latin typeface="Courier New"/>
                 <a:ea typeface="Courier New"/>
                 <a:cs typeface="Courier New"/>
@@ -8214,7 +5638,7 @@
               <a:t> </a:t>
             </a:r>
             <a:r>
-              <a:rPr sz="2200" b="1">
+              <a:rPr sz="2200" b="1" dirty="0">
                 <a:solidFill>
                   <a:srgbClr val="7F0055"/>
                 </a:solidFill>
@@ -8226,15 +5650,33 @@
               <a:t>class</a:t>
             </a:r>
             <a:r>
-              <a:rPr sz="2200" b="1">
+              <a:rPr sz="2200" b="1" dirty="0">
                 <a:latin typeface="Courier New"/>
                 <a:ea typeface="Courier New"/>
                 <a:cs typeface="Courier New"/>
                 <a:sym typeface="Courier New"/>
               </a:rPr>
-              <a:t> HelloPrinter {</a:t>
-            </a:r>
-            <a:endParaRPr sz="3200">
+              <a:t> </a:t>
+            </a:r>
+            <a:r>
+              <a:rPr sz="2200" b="1" dirty="0" err="1">
+                <a:latin typeface="Courier New"/>
+                <a:ea typeface="Courier New"/>
+                <a:cs typeface="Courier New"/>
+                <a:sym typeface="Courier New"/>
+              </a:rPr>
+              <a:t>HelloPrinter</a:t>
+            </a:r>
+            <a:r>
+              <a:rPr sz="2200" b="1" dirty="0">
+                <a:latin typeface="Courier New"/>
+                <a:ea typeface="Courier New"/>
+                <a:cs typeface="Courier New"/>
+                <a:sym typeface="Courier New"/>
+              </a:rPr>
+              <a:t> {</a:t>
+            </a:r>
+            <a:endParaRPr sz="3200" dirty="0">
               <a:latin typeface="Gill Sans"/>
               <a:ea typeface="Gill Sans"/>
               <a:cs typeface="Gill Sans"/>
@@ -8245,7 +5687,7 @@
             <a:pPr lvl="0" algn="l">
               <a:defRPr sz="1800"/>
             </a:pPr>
-            <a:endParaRPr sz="2200" b="1">
+            <a:endParaRPr sz="2200" b="1" dirty="0">
               <a:latin typeface="Courier New"/>
               <a:ea typeface="Courier New"/>
               <a:cs typeface="Courier New"/>
@@ -8257,7 +5699,7 @@
               <a:defRPr sz="1800"/>
             </a:pPr>
             <a:r>
-              <a:rPr sz="2200" b="1">
+              <a:rPr sz="2200" b="1" dirty="0">
                 <a:latin typeface="Courier New"/>
                 <a:ea typeface="Courier New"/>
                 <a:cs typeface="Courier New"/>
@@ -8266,7 +5708,7 @@
               <a:t>	</a:t>
             </a:r>
             <a:r>
-              <a:rPr sz="2200" b="1">
+              <a:rPr sz="2200" b="1" dirty="0">
                 <a:solidFill>
                   <a:srgbClr val="7F0055"/>
                 </a:solidFill>
@@ -8278,7 +5720,7 @@
               <a:t>public</a:t>
             </a:r>
             <a:r>
-              <a:rPr sz="2200" b="1">
+              <a:rPr sz="2200" b="1" dirty="0">
                 <a:latin typeface="Courier New"/>
                 <a:ea typeface="Courier New"/>
                 <a:cs typeface="Courier New"/>
@@ -8287,7 +5729,7 @@
               <a:t> </a:t>
             </a:r>
             <a:r>
-              <a:rPr sz="2200" b="1">
+              <a:rPr sz="2200" b="1" dirty="0">
                 <a:solidFill>
                   <a:srgbClr val="7F0055"/>
                 </a:solidFill>
@@ -8299,7 +5741,7 @@
               <a:t>static</a:t>
             </a:r>
             <a:r>
-              <a:rPr sz="2200" b="1">
+              <a:rPr sz="2200" b="1" dirty="0">
                 <a:latin typeface="Courier New"/>
                 <a:ea typeface="Courier New"/>
                 <a:cs typeface="Courier New"/>
@@ -8308,7 +5750,7 @@
               <a:t> </a:t>
             </a:r>
             <a:r>
-              <a:rPr sz="2200" b="1">
+              <a:rPr sz="2200" b="1" dirty="0">
                 <a:solidFill>
                   <a:srgbClr val="7F0055"/>
                 </a:solidFill>
@@ -8320,15 +5762,33 @@
               <a:t>void</a:t>
             </a:r>
             <a:r>
-              <a:rPr sz="2200" b="1">
+              <a:rPr sz="2200" b="1" dirty="0">
                 <a:latin typeface="Courier New"/>
                 <a:ea typeface="Courier New"/>
                 <a:cs typeface="Courier New"/>
                 <a:sym typeface="Courier New"/>
               </a:rPr>
-              <a:t> main(String[] args) {</a:t>
-            </a:r>
-            <a:endParaRPr sz="3200">
+              <a:t> main(String[] </a:t>
+            </a:r>
+            <a:r>
+              <a:rPr sz="2200" b="1" dirty="0" err="1">
+                <a:latin typeface="Courier New"/>
+                <a:ea typeface="Courier New"/>
+                <a:cs typeface="Courier New"/>
+                <a:sym typeface="Courier New"/>
+              </a:rPr>
+              <a:t>args</a:t>
+            </a:r>
+            <a:r>
+              <a:rPr sz="2200" b="1" dirty="0">
+                <a:latin typeface="Courier New"/>
+                <a:ea typeface="Courier New"/>
+                <a:cs typeface="Courier New"/>
+                <a:sym typeface="Courier New"/>
+              </a:rPr>
+              <a:t>) {</a:t>
+            </a:r>
+            <a:endParaRPr sz="3200" dirty="0">
               <a:latin typeface="Gill Sans"/>
               <a:ea typeface="Gill Sans"/>
               <a:cs typeface="Gill Sans"/>
@@ -8340,16 +5800,25 @@
               <a:defRPr sz="1800"/>
             </a:pPr>
             <a:r>
-              <a:rPr sz="2200" b="1">
+              <a:rPr sz="2200" b="1" dirty="0">
                 <a:latin typeface="Courier New"/>
                 <a:ea typeface="Courier New"/>
                 <a:cs typeface="Courier New"/>
                 <a:sym typeface="Courier New"/>
               </a:rPr>
-              <a:t>		System.</a:t>
-            </a:r>
-            <a:r>
-              <a:rPr sz="2200" b="1" i="1">
+              <a:t>		</a:t>
+            </a:r>
+            <a:r>
+              <a:rPr sz="2200" b="1" dirty="0" err="1">
+                <a:latin typeface="Courier New"/>
+                <a:ea typeface="Courier New"/>
+                <a:cs typeface="Courier New"/>
+                <a:sym typeface="Courier New"/>
+              </a:rPr>
+              <a:t>System.</a:t>
+            </a:r>
+            <a:r>
+              <a:rPr sz="2200" b="1" i="1" dirty="0" err="1">
                 <a:solidFill>
                   <a:srgbClr val="0000C0"/>
                 </a:solidFill>
@@ -8361,16 +5830,25 @@
               <a:t>out</a:t>
             </a:r>
             <a:r>
-              <a:rPr sz="2200" b="1">
+              <a:rPr sz="2200" b="1" dirty="0" err="1">
                 <a:latin typeface="Courier New"/>
                 <a:ea typeface="Courier New"/>
                 <a:cs typeface="Courier New"/>
                 <a:sym typeface="Courier New"/>
               </a:rPr>
-              <a:t>.println(</a:t>
-            </a:r>
-            <a:r>
-              <a:rPr sz="2200" b="1">
+              <a:t>.println</a:t>
+            </a:r>
+            <a:r>
+              <a:rPr sz="2200" b="1" dirty="0">
+                <a:latin typeface="Courier New"/>
+                <a:ea typeface="Courier New"/>
+                <a:cs typeface="Courier New"/>
+                <a:sym typeface="Courier New"/>
+              </a:rPr>
+              <a:t>(</a:t>
+            </a:r>
+            <a:r>
+              <a:rPr sz="2200" b="1" dirty="0">
                 <a:solidFill>
                   <a:srgbClr val="2A00FF"/>
                 </a:solidFill>
@@ -8382,7 +5860,7 @@
               <a:t>"Hello, World!"</a:t>
             </a:r>
             <a:r>
-              <a:rPr sz="2200" b="1">
+              <a:rPr sz="2200" b="1" dirty="0">
                 <a:latin typeface="Courier New"/>
                 <a:ea typeface="Courier New"/>
                 <a:cs typeface="Courier New"/>
@@ -8390,7 +5868,7 @@
               </a:rPr>
               <a:t>);</a:t>
             </a:r>
-            <a:endParaRPr sz="3200">
+            <a:endParaRPr sz="3200" dirty="0">
               <a:latin typeface="Gill Sans"/>
               <a:ea typeface="Gill Sans"/>
               <a:cs typeface="Gill Sans"/>
@@ -8402,7 +5880,7 @@
               <a:defRPr sz="1800"/>
             </a:pPr>
             <a:r>
-              <a:rPr sz="2200" b="1">
+              <a:rPr sz="2200" b="1" dirty="0">
                 <a:latin typeface="Courier New"/>
                 <a:ea typeface="Courier New"/>
                 <a:cs typeface="Courier New"/>
@@ -8410,7 +5888,7 @@
               </a:rPr>
               <a:t>	}</a:t>
             </a:r>
-            <a:endParaRPr sz="3200">
+            <a:endParaRPr sz="3200" dirty="0">
               <a:latin typeface="Gill Sans"/>
               <a:ea typeface="Gill Sans"/>
               <a:cs typeface="Gill Sans"/>
@@ -8421,7 +5899,7 @@
             <a:pPr lvl="0" algn="l">
               <a:defRPr sz="1800"/>
             </a:pPr>
-            <a:endParaRPr sz="2200" b="1">
+            <a:endParaRPr sz="2200" b="1" dirty="0">
               <a:latin typeface="Courier New"/>
               <a:ea typeface="Courier New"/>
               <a:cs typeface="Courier New"/>
@@ -8433,7 +5911,7 @@
               <a:defRPr sz="1800"/>
             </a:pPr>
             <a:r>
-              <a:rPr sz="2200" b="1">
+              <a:rPr sz="2200" b="1" dirty="0">
                 <a:latin typeface="Courier New"/>
                 <a:ea typeface="Courier New"/>
                 <a:cs typeface="Courier New"/>
@@ -8441,7 +5919,7 @@
               </a:rPr>
               <a:t>}</a:t>
             </a:r>
-            <a:endParaRPr sz="3200">
+            <a:endParaRPr sz="3200" dirty="0">
               <a:latin typeface="Gill Sans"/>
               <a:ea typeface="Gill Sans"/>
               <a:cs typeface="Gill Sans"/>
@@ -9466,7 +6944,7 @@
                             </p:stCondLst>
                             <p:childTnLst>
                               <p:par>
-                                <p:cTn id="5" presetID="1" presetClass="entr" presetSubtype="0" fill="hold" grpId="1" nodeType="clickEffect">
+                                <p:cTn id="5" presetID="1" presetClass="entr" presetSubtype="0" fill="hold" grpId="0" nodeType="clickEffect">
                                   <p:stCondLst>
                                     <p:cond delay="0"/>
                                   </p:stCondLst>
@@ -9510,7 +6988,7 @@
                             </p:stCondLst>
                             <p:childTnLst>
                               <p:par>
-                                <p:cTn id="9" presetID="1" presetClass="entr" presetSubtype="0" fill="hold" grpId="2" nodeType="clickEffect">
+                                <p:cTn id="9" presetID="1" presetClass="entr" presetSubtype="0" fill="hold" grpId="0" nodeType="clickEffect">
                                   <p:stCondLst>
                                     <p:cond delay="0"/>
                                   </p:stCondLst>
@@ -9554,7 +7032,7 @@
                             </p:stCondLst>
                             <p:childTnLst>
                               <p:par>
-                                <p:cTn id="13" presetID="1" presetClass="entr" presetSubtype="0" fill="hold" grpId="3" nodeType="clickEffect">
+                                <p:cTn id="13" presetID="1" presetClass="entr" presetSubtype="0" fill="hold" grpId="0" nodeType="clickEffect">
                                   <p:stCondLst>
                                     <p:cond delay="0"/>
                                   </p:stCondLst>
@@ -9598,7 +7076,7 @@
                             </p:stCondLst>
                             <p:childTnLst>
                               <p:par>
-                                <p:cTn id="17" presetID="1" presetClass="entr" presetSubtype="0" fill="hold" grpId="4" nodeType="clickEffect">
+                                <p:cTn id="17" presetID="1" presetClass="entr" presetSubtype="0" fill="hold" grpId="0" nodeType="clickEffect">
                                   <p:stCondLst>
                                     <p:cond delay="0"/>
                                   </p:stCondLst>
@@ -9651,16 +7129,236 @@
       </p:par>
     </p:tnLst>
     <p:bldLst>
-      <p:bldP spid="108" grpId="1" animBg="1" advAuto="0"/>
-      <p:bldP spid="113" grpId="2" animBg="1" advAuto="0"/>
-      <p:bldP spid="118" grpId="3" animBg="1" advAuto="0"/>
-      <p:bldP spid="123" grpId="4" animBg="1" advAuto="0"/>
+      <p:bldP spid="108" grpId="0" animBg="1" advAuto="0"/>
+      <p:bldP spid="113" grpId="0" animBg="1" advAuto="0"/>
+      <p:bldP spid="118" grpId="0" animBg="1" advAuto="0"/>
+      <p:bldP spid="123" grpId="0" animBg="1" advAuto="0"/>
     </p:bldLst>
   </p:timing>
 </p:sld>
 </file>
 
 <file path=ppt/slides/slide6.xml><?xml version="1.0" encoding="utf-8"?>
+<p:sld xmlns:a="http://schemas.openxmlformats.org/drawingml/2006/main" xmlns:r="http://schemas.openxmlformats.org/officeDocument/2006/relationships" xmlns:p="http://schemas.openxmlformats.org/presentationml/2006/main">
+  <p:cSld>
+    <p:spTree>
+      <p:nvGrpSpPr>
+        <p:cNvPr id="1" name=""/>
+        <p:cNvGrpSpPr/>
+        <p:nvPr/>
+      </p:nvGrpSpPr>
+      <p:grpSpPr>
+        <a:xfrm>
+          <a:off x="0" y="0"/>
+          <a:ext cx="0" cy="0"/>
+          <a:chOff x="0" y="0"/>
+          <a:chExt cx="0" cy="0"/>
+        </a:xfrm>
+      </p:grpSpPr>
+      <p:sp>
+        <p:nvSpPr>
+          <p:cNvPr id="97" name="Shape 97"/>
+          <p:cNvSpPr>
+            <a:spLocks noGrp="1"/>
+          </p:cNvSpPr>
+          <p:nvPr>
+            <p:ph type="title"/>
+          </p:nvPr>
+        </p:nvSpPr>
+        <p:spPr>
+          <a:xfrm>
+            <a:off x="457200" y="274638"/>
+            <a:ext cx="8229600" cy="1143001"/>
+          </a:xfrm>
+          <a:prstGeom prst="rect">
+            <a:avLst/>
+          </a:prstGeom>
+        </p:spPr>
+        <p:txBody>
+          <a:bodyPr/>
+          <a:lstStyle/>
+          <a:p>
+            <a:pPr lvl="0">
+              <a:defRPr sz="1800"/>
+            </a:pPr>
+            <a:r>
+              <a:rPr sz="4400" dirty="0"/>
+              <a:t>HelloPrinter.java</a:t>
+            </a:r>
+          </a:p>
+        </p:txBody>
+      </p:sp>
+      <p:sp>
+        <p:nvSpPr>
+          <p:cNvPr id="98" name="Shape 98"/>
+          <p:cNvSpPr>
+            <a:spLocks noGrp="1"/>
+          </p:cNvSpPr>
+          <p:nvPr>
+            <p:ph type="body" idx="1"/>
+          </p:nvPr>
+        </p:nvSpPr>
+        <p:spPr>
+          <a:xfrm>
+            <a:off x="457200" y="1600200"/>
+            <a:ext cx="8229600" cy="4525963"/>
+          </a:xfrm>
+          <a:prstGeom prst="rect">
+            <a:avLst/>
+          </a:prstGeom>
+        </p:spPr>
+        <p:txBody>
+          <a:bodyPr/>
+          <a:lstStyle/>
+          <a:p>
+            <a:pPr lvl="0">
+              <a:lnSpc>
+                <a:spcPct val="90000"/>
+              </a:lnSpc>
+              <a:spcBef>
+                <a:spcPts val="600"/>
+              </a:spcBef>
+              <a:defRPr sz="1800"/>
+            </a:pPr>
+            <a:r>
+              <a:rPr sz="2900" dirty="0"/>
+              <a:t>To run a Java program:</a:t>
+            </a:r>
+          </a:p>
+          <a:p>
+            <a:pPr marL="742950" lvl="1" indent="-285750">
+              <a:lnSpc>
+                <a:spcPct val="90000"/>
+              </a:lnSpc>
+              <a:spcBef>
+                <a:spcPts val="600"/>
+              </a:spcBef>
+              <a:defRPr sz="1800"/>
+            </a:pPr>
+            <a:r>
+              <a:rPr sz="2500" dirty="0"/>
+              <a:t>Right-click the .java file in Package Explorer view</a:t>
+            </a:r>
+          </a:p>
+          <a:p>
+            <a:pPr marL="742950" lvl="1" indent="-285750">
+              <a:lnSpc>
+                <a:spcPct val="90000"/>
+              </a:lnSpc>
+              <a:spcBef>
+                <a:spcPts val="600"/>
+              </a:spcBef>
+              <a:defRPr sz="1800"/>
+            </a:pPr>
+            <a:r>
+              <a:rPr sz="2500" dirty="0"/>
+              <a:t>Choose </a:t>
+            </a:r>
+            <a:r>
+              <a:rPr sz="2500" b="1" dirty="0"/>
+              <a:t>Run As → Java Application</a:t>
+            </a:r>
+            <a:endParaRPr sz="2500" dirty="0"/>
+          </a:p>
+          <a:p>
+            <a:pPr lvl="0">
+              <a:lnSpc>
+                <a:spcPct val="90000"/>
+              </a:lnSpc>
+              <a:spcBef>
+                <a:spcPts val="600"/>
+              </a:spcBef>
+              <a:defRPr sz="1800"/>
+            </a:pPr>
+            <a:r>
+              <a:rPr lang="en-US" sz="2900" dirty="0"/>
+              <a:t>Introduce yourself to your neighbor and c</a:t>
+            </a:r>
+            <a:r>
+              <a:rPr sz="2900" dirty="0"/>
+              <a:t>hange the program to say hello to </a:t>
+            </a:r>
+            <a:r>
+              <a:rPr lang="en-US" sz="2900" dirty="0"/>
+              <a:t>them</a:t>
+            </a:r>
+            <a:endParaRPr sz="2900" dirty="0"/>
+          </a:p>
+          <a:p>
+            <a:pPr lvl="0">
+              <a:lnSpc>
+                <a:spcPct val="90000"/>
+              </a:lnSpc>
+              <a:spcBef>
+                <a:spcPts val="600"/>
+              </a:spcBef>
+              <a:defRPr sz="1800"/>
+            </a:pPr>
+            <a:r>
+              <a:rPr sz="2900" dirty="0"/>
+              <a:t>Introduce an error in the program</a:t>
+            </a:r>
+          </a:p>
+          <a:p>
+            <a:pPr marL="742950" lvl="1" indent="-285750">
+              <a:lnSpc>
+                <a:spcPct val="90000"/>
+              </a:lnSpc>
+              <a:spcBef>
+                <a:spcPts val="600"/>
+              </a:spcBef>
+              <a:defRPr sz="1800"/>
+            </a:pPr>
+            <a:r>
+              <a:rPr sz="2500" dirty="0"/>
+              <a:t>See if you can come up with a different error than </a:t>
+            </a:r>
+            <a:r>
+              <a:rPr lang="en-US" sz="2500" dirty="0"/>
+              <a:t>your neighbor</a:t>
+            </a:r>
+            <a:endParaRPr sz="2500" dirty="0"/>
+          </a:p>
+          <a:p>
+            <a:pPr lvl="0">
+              <a:lnSpc>
+                <a:spcPct val="90000"/>
+              </a:lnSpc>
+              <a:spcBef>
+                <a:spcPts val="600"/>
+              </a:spcBef>
+              <a:defRPr sz="1800"/>
+            </a:pPr>
+            <a:r>
+              <a:rPr sz="2900" dirty="0"/>
+              <a:t>Fix the error </a:t>
+            </a:r>
+            <a:r>
+              <a:rPr sz="2900"/>
+              <a:t>that </a:t>
+            </a:r>
+            <a:r>
+              <a:rPr lang="en-US" sz="2900"/>
+              <a:t>your neighbor </a:t>
+            </a:r>
+            <a:r>
+              <a:rPr sz="2900"/>
+              <a:t>introduced</a:t>
+            </a:r>
+            <a:endParaRPr sz="2900" dirty="0"/>
+          </a:p>
+        </p:txBody>
+      </p:sp>
+    </p:spTree>
+  </p:cSld>
+  <p:clrMapOvr>
+    <a:masterClrMapping/>
+  </p:clrMapOvr>
+  <p:transition spd="med"/>
+</p:sld>
+</file>
+
+<file path=ppt/slides/slide7.xml><?xml version="1.0" encoding="utf-8"?>
 <p:sld xmlns:a="http://schemas.openxmlformats.org/drawingml/2006/main" xmlns:r="http://schemas.openxmlformats.org/officeDocument/2006/relationships" xmlns:p="http://schemas.openxmlformats.org/presentationml/2006/main">
   <p:cSld>
     <p:spTree>
@@ -9798,7 +7496,7 @@
     </p:spTree>
     <p:extLst>
       <p:ext uri="{BB962C8B-B14F-4D97-AF65-F5344CB8AC3E}">
-        <p14:creationId xmlns:p14="http://schemas.microsoft.com/office/powerpoint/2010/main" val="2484985177"/>
+        <p14:creationId xmlns:p14="http://schemas.microsoft.com/office/powerpoint/2010/main" val="1563935321"/>
       </p:ext>
     </p:extLst>
   </p:cSld>
@@ -9809,7 +7507,7 @@
 </p:sld>
 </file>
 
-<file path=ppt/slides/slide7.xml><?xml version="1.0" encoding="utf-8"?>
+<file path=ppt/slides/slide8.xml><?xml version="1.0" encoding="utf-8"?>
 <p:sld xmlns:a="http://schemas.openxmlformats.org/drawingml/2006/main" xmlns:r="http://schemas.openxmlformats.org/officeDocument/2006/relationships" xmlns:p="http://schemas.openxmlformats.org/presentationml/2006/main">
   <p:cSld>
     <p:spTree>
@@ -9861,7 +7559,9 @@
         </p:nvSpPr>
         <p:spPr/>
         <p:txBody>
-          <a:bodyPr/>
+          <a:bodyPr>
+            <a:normAutofit lnSpcReduction="10000"/>
+          </a:bodyPr>
           <a:lstStyle/>
           <a:p>
             <a:r>
@@ -9922,17 +7622,18 @@
     </p:spTree>
     <p:extLst>
       <p:ext uri="{BB962C8B-B14F-4D97-AF65-F5344CB8AC3E}">
-        <p14:creationId xmlns:p14="http://schemas.microsoft.com/office/powerpoint/2010/main" val="782453341"/>
+        <p14:creationId xmlns:p14="http://schemas.microsoft.com/office/powerpoint/2010/main" val="802536644"/>
       </p:ext>
     </p:extLst>
   </p:cSld>
   <p:clrMapOvr>
     <a:masterClrMapping/>
   </p:clrMapOvr>
+  <p:transition spd="med"/>
 </p:sld>
 </file>
 
-<file path=ppt/slides/slide8.xml><?xml version="1.0" encoding="utf-8"?>
+<file path=ppt/slides/slide9.xml><?xml version="1.0" encoding="utf-8"?>
 <p:sld xmlns:a="http://schemas.openxmlformats.org/drawingml/2006/main" xmlns:r="http://schemas.openxmlformats.org/officeDocument/2006/relationships" xmlns:p="http://schemas.openxmlformats.org/presentationml/2006/main">
   <p:cSld>
     <p:spTree>
@@ -10031,185 +7732,14 @@
     </p:spTree>
     <p:extLst>
       <p:ext uri="{BB962C8B-B14F-4D97-AF65-F5344CB8AC3E}">
-        <p14:creationId xmlns:p14="http://schemas.microsoft.com/office/powerpoint/2010/main" val="765393618"/>
+        <p14:creationId xmlns:p14="http://schemas.microsoft.com/office/powerpoint/2010/main" val="1202489991"/>
       </p:ext>
     </p:extLst>
   </p:cSld>
   <p:clrMapOvr>
     <a:masterClrMapping/>
   </p:clrMapOvr>
-</p:sld>
-</file>
-
-<file path=ppt/slides/slide9.xml><?xml version="1.0" encoding="utf-8"?>
-<p:sld xmlns:a="http://schemas.openxmlformats.org/drawingml/2006/main" xmlns:r="http://schemas.openxmlformats.org/officeDocument/2006/relationships" xmlns:p="http://schemas.openxmlformats.org/presentationml/2006/main">
-  <p:cSld>
-    <p:spTree>
-      <p:nvGrpSpPr>
-        <p:cNvPr id="1" name=""/>
-        <p:cNvGrpSpPr/>
-        <p:nvPr/>
-      </p:nvGrpSpPr>
-      <p:grpSpPr>
-        <a:xfrm>
-          <a:off x="0" y="0"/>
-          <a:ext cx="0" cy="0"/>
-          <a:chOff x="0" y="0"/>
-          <a:chExt cx="0" cy="0"/>
-        </a:xfrm>
-      </p:grpSpPr>
-      <p:sp>
-        <p:nvSpPr>
-          <p:cNvPr id="2" name="Title 1"/>
-          <p:cNvSpPr>
-            <a:spLocks noGrp="1"/>
-          </p:cNvSpPr>
-          <p:nvPr>
-            <p:ph type="title"/>
-          </p:nvPr>
-        </p:nvSpPr>
-        <p:spPr/>
-        <p:txBody>
-          <a:bodyPr/>
-          <a:lstStyle/>
-          <a:p>
-            <a:r>
-              <a:rPr lang="en-US" dirty="0"/>
-              <a:t>Quick Rule for Comparisons</a:t>
-            </a:r>
-          </a:p>
-        </p:txBody>
-      </p:sp>
-      <p:sp>
-        <p:nvSpPr>
-          <p:cNvPr id="3" name="Text Placeholder 2"/>
-          <p:cNvSpPr>
-            <a:spLocks noGrp="1"/>
-          </p:cNvSpPr>
-          <p:nvPr>
-            <p:ph type="body" idx="1"/>
-          </p:nvPr>
-        </p:nvSpPr>
-        <p:spPr/>
-        <p:txBody>
-          <a:bodyPr/>
-          <a:lstStyle/>
-          <a:p>
-            <a:r>
-              <a:rPr lang="en-US" dirty="0"/>
-              <a:t>Fast rules for now:</a:t>
-            </a:r>
-          </a:p>
-          <a:p>
-            <a:r>
-              <a:rPr lang="en-US" dirty="0"/>
-              <a:t>Use .equals() for comparing Strings</a:t>
-            </a:r>
-          </a:p>
-          <a:p>
-            <a:pPr lvl="1"/>
-            <a:r>
-              <a:rPr lang="en-US" dirty="0"/>
-              <a:t>String alpha = “</a:t>
-            </a:r>
-            <a:r>
-              <a:rPr lang="en-US" dirty="0" err="1"/>
-              <a:t>aaa</a:t>
-            </a:r>
-            <a:r>
-              <a:rPr lang="en-US" dirty="0"/>
-              <a:t>”;</a:t>
-            </a:r>
-          </a:p>
-          <a:p>
-            <a:pPr lvl="1"/>
-            <a:r>
-              <a:rPr lang="en-US" dirty="0"/>
-              <a:t>if (</a:t>
-            </a:r>
-            <a:r>
-              <a:rPr lang="en-US" dirty="0" err="1"/>
-              <a:t>alpha.equals</a:t>
-            </a:r>
-            <a:r>
-              <a:rPr lang="en-US" dirty="0"/>
-              <a:t>(“</a:t>
-            </a:r>
-            <a:r>
-              <a:rPr lang="en-US" dirty="0" err="1"/>
-              <a:t>bbb</a:t>
-            </a:r>
-            <a:r>
-              <a:rPr lang="en-US" dirty="0"/>
-              <a:t>”) {</a:t>
-            </a:r>
-          </a:p>
-          <a:p>
-            <a:pPr lvl="1"/>
-            <a:r>
-              <a:rPr lang="en-US" dirty="0"/>
-              <a:t>	</a:t>
-            </a:r>
-            <a:r>
-              <a:rPr lang="en-US" dirty="0" err="1"/>
-              <a:t>System.out.println</a:t>
-            </a:r>
-            <a:r>
-              <a:rPr lang="en-US" dirty="0"/>
-              <a:t>(“Yes!”)</a:t>
-            </a:r>
-          </a:p>
-          <a:p>
-            <a:pPr lvl="1"/>
-            <a:r>
-              <a:rPr lang="en-US" dirty="0"/>
-              <a:t>} // end if</a:t>
-            </a:r>
-          </a:p>
-          <a:p>
-            <a:r>
-              <a:rPr lang="en-US" dirty="0"/>
-              <a:t>Use == comparing numbers or char (primitives)</a:t>
-            </a:r>
-          </a:p>
-          <a:p>
-            <a:r>
-              <a:rPr lang="en-US" dirty="0" err="1"/>
-              <a:t>boolean</a:t>
-            </a:r>
-            <a:r>
-              <a:rPr lang="en-US" dirty="0"/>
-              <a:t> a = (5 == 6);</a:t>
-            </a:r>
-          </a:p>
-          <a:p>
-            <a:r>
-              <a:rPr lang="en-US" dirty="0" err="1"/>
-              <a:t>boolean</a:t>
-            </a:r>
-            <a:r>
-              <a:rPr lang="en-US" dirty="0"/>
-              <a:t> b = (‘T’ == ‘F’ );</a:t>
-            </a:r>
-          </a:p>
-          <a:p>
-            <a:endParaRPr lang="en-US" dirty="0"/>
-          </a:p>
-          <a:p>
-            <a:endParaRPr lang="en-US" dirty="0"/>
-          </a:p>
-        </p:txBody>
-      </p:sp>
-    </p:spTree>
-    <p:extLst>
-      <p:ext uri="{BB962C8B-B14F-4D97-AF65-F5344CB8AC3E}">
-        <p14:creationId xmlns:p14="http://schemas.microsoft.com/office/powerpoint/2010/main" val="947730381"/>
-      </p:ext>
-    </p:extLst>
-  </p:cSld>
-  <p:clrMapOvr>
-    <a:masterClrMapping/>
-  </p:clrMapOvr>
+  <p:transition spd="med"/>
 </p:sld>
 </file>
 
@@ -11314,267 +8844,6 @@
 </file>
 
 <file path=ppt/theme/theme2.xml><?xml version="1.0" encoding="utf-8"?>
-<a:theme xmlns:a="http://schemas.openxmlformats.org/drawingml/2006/main" name="Office Theme">
-  <a:themeElements>
-    <a:clrScheme name="Office">
-      <a:dk1>
-        <a:sysClr val="windowText" lastClr="000000"/>
-      </a:dk1>
-      <a:lt1>
-        <a:sysClr val="window" lastClr="FFFFFF"/>
-      </a:lt1>
-      <a:dk2>
-        <a:srgbClr val="44546A"/>
-      </a:dk2>
-      <a:lt2>
-        <a:srgbClr val="E7E6E6"/>
-      </a:lt2>
-      <a:accent1>
-        <a:srgbClr val="5B9BD5"/>
-      </a:accent1>
-      <a:accent2>
-        <a:srgbClr val="ED7D31"/>
-      </a:accent2>
-      <a:accent3>
-        <a:srgbClr val="A5A5A5"/>
-      </a:accent3>
-      <a:accent4>
-        <a:srgbClr val="FFC000"/>
-      </a:accent4>
-      <a:accent5>
-        <a:srgbClr val="4472C4"/>
-      </a:accent5>
-      <a:accent6>
-        <a:srgbClr val="70AD47"/>
-      </a:accent6>
-      <a:hlink>
-        <a:srgbClr val="0563C1"/>
-      </a:hlink>
-      <a:folHlink>
-        <a:srgbClr val="954F72"/>
-      </a:folHlink>
-    </a:clrScheme>
-    <a:fontScheme name="Office">
-      <a:majorFont>
-        <a:latin typeface="Calibri Light"/>
-        <a:ea typeface=""/>
-        <a:cs typeface=""/>
-        <a:font script="Jpan" typeface="ＭＳ Ｐゴシック"/>
-        <a:font script="Hang" typeface="맑은 고딕"/>
-        <a:font script="Hans" typeface="宋体"/>
-        <a:font script="Hant" typeface="新細明體"/>
-        <a:font script="Arab" typeface="Times New Roman"/>
-        <a:font script="Hebr" typeface="Times New Roman"/>
-        <a:font script="Thai" typeface="Angsana New"/>
-        <a:font script="Ethi" typeface="Nyala"/>
-        <a:font script="Beng" typeface="Vrinda"/>
-        <a:font script="Gujr" typeface="Shruti"/>
-        <a:font script="Khmr" typeface="MoolBoran"/>
-        <a:font script="Knda" typeface="Tunga"/>
-        <a:font script="Guru" typeface="Raavi"/>
-        <a:font script="Cans" typeface="Euphemia"/>
-        <a:font script="Cher" typeface="Plantagenet Cherokee"/>
-        <a:font script="Yiii" typeface="Microsoft Yi Baiti"/>
-        <a:font script="Tibt" typeface="Microsoft Himalaya"/>
-        <a:font script="Thaa" typeface="MV Boli"/>
-        <a:font script="Deva" typeface="Mangal"/>
-        <a:font script="Telu" typeface="Gautami"/>
-        <a:font script="Taml" typeface="Latha"/>
-        <a:font script="Syrc" typeface="Estrangelo Edessa"/>
-        <a:font script="Orya" typeface="Kalinga"/>
-        <a:font script="Mlym" typeface="Kartika"/>
-        <a:font script="Laoo" typeface="DokChampa"/>
-        <a:font script="Sinh" typeface="Iskoola Pota"/>
-        <a:font script="Mong" typeface="Mongolian Baiti"/>
-        <a:font script="Viet" typeface="Times New Roman"/>
-        <a:font script="Uigh" typeface="Microsoft Uighur"/>
-        <a:font script="Geor" typeface="Sylfaen"/>
-      </a:majorFont>
-      <a:minorFont>
-        <a:latin typeface="Calibri"/>
-        <a:ea typeface=""/>
-        <a:cs typeface=""/>
-        <a:font script="Jpan" typeface="ＭＳ Ｐゴシック"/>
-        <a:font script="Hang" typeface="맑은 고딕"/>
-        <a:font script="Hans" typeface="宋体"/>
-        <a:font script="Hant" typeface="新細明體"/>
-        <a:font script="Arab" typeface="Arial"/>
-        <a:font script="Hebr" typeface="Arial"/>
-        <a:font script="Thai" typeface="Cordia New"/>
-        <a:font script="Ethi" typeface="Nyala"/>
-        <a:font script="Beng" typeface="Vrinda"/>
-        <a:font script="Gujr" typeface="Shruti"/>
-        <a:font script="Khmr" typeface="DaunPenh"/>
-        <a:font script="Knda" typeface="Tunga"/>
-        <a:font script="Guru" typeface="Raavi"/>
-        <a:font script="Cans" typeface="Euphemia"/>
-        <a:font script="Cher" typeface="Plantagenet Cherokee"/>
-        <a:font script="Yiii" typeface="Microsoft Yi Baiti"/>
-        <a:font script="Tibt" typeface="Microsoft Himalaya"/>
-        <a:font script="Thaa" typeface="MV Boli"/>
-        <a:font script="Deva" typeface="Mangal"/>
-        <a:font script="Telu" typeface="Gautami"/>
-        <a:font script="Taml" typeface="Latha"/>
-        <a:font script="Syrc" typeface="Estrangelo Edessa"/>
-        <a:font script="Orya" typeface="Kalinga"/>
-        <a:font script="Mlym" typeface="Kartika"/>
-        <a:font script="Laoo" typeface="DokChampa"/>
-        <a:font script="Sinh" typeface="Iskoola Pota"/>
-        <a:font script="Mong" typeface="Mongolian Baiti"/>
-        <a:font script="Viet" typeface="Arial"/>
-        <a:font script="Uigh" typeface="Microsoft Uighur"/>
-        <a:font script="Geor" typeface="Sylfaen"/>
-      </a:minorFont>
-    </a:fontScheme>
-    <a:fmtScheme name="Office">
-      <a:fillStyleLst>
-        <a:solidFill>
-          <a:schemeClr val="phClr"/>
-        </a:solidFill>
-        <a:gradFill rotWithShape="1">
-          <a:gsLst>
-            <a:gs pos="0">
-              <a:schemeClr val="phClr">
-                <a:lumMod val="110000"/>
-                <a:satMod val="105000"/>
-                <a:tint val="67000"/>
-              </a:schemeClr>
-            </a:gs>
-            <a:gs pos="50000">
-              <a:schemeClr val="phClr">
-                <a:lumMod val="105000"/>
-                <a:satMod val="103000"/>
-                <a:tint val="73000"/>
-              </a:schemeClr>
-            </a:gs>
-            <a:gs pos="100000">
-              <a:schemeClr val="phClr">
-                <a:lumMod val="105000"/>
-                <a:satMod val="109000"/>
-                <a:tint val="81000"/>
-              </a:schemeClr>
-            </a:gs>
-          </a:gsLst>
-          <a:lin ang="5400000" scaled="0"/>
-        </a:gradFill>
-        <a:gradFill rotWithShape="1">
-          <a:gsLst>
-            <a:gs pos="0">
-              <a:schemeClr val="phClr">
-                <a:satMod val="103000"/>
-                <a:lumMod val="102000"/>
-                <a:tint val="94000"/>
-              </a:schemeClr>
-            </a:gs>
-            <a:gs pos="50000">
-              <a:schemeClr val="phClr">
-                <a:satMod val="110000"/>
-                <a:lumMod val="100000"/>
-                <a:shade val="100000"/>
-              </a:schemeClr>
-            </a:gs>
-            <a:gs pos="100000">
-              <a:schemeClr val="phClr">
-                <a:lumMod val="99000"/>
-                <a:satMod val="120000"/>
-                <a:shade val="78000"/>
-              </a:schemeClr>
-            </a:gs>
-          </a:gsLst>
-          <a:lin ang="5400000" scaled="0"/>
-        </a:gradFill>
-      </a:fillStyleLst>
-      <a:lnStyleLst>
-        <a:ln w="6350" cap="flat" cmpd="sng" algn="ctr">
-          <a:solidFill>
-            <a:schemeClr val="phClr"/>
-          </a:solidFill>
-          <a:prstDash val="solid"/>
-          <a:miter lim="800000"/>
-        </a:ln>
-        <a:ln w="12700" cap="flat" cmpd="sng" algn="ctr">
-          <a:solidFill>
-            <a:schemeClr val="phClr"/>
-          </a:solidFill>
-          <a:prstDash val="solid"/>
-          <a:miter lim="800000"/>
-        </a:ln>
-        <a:ln w="19050" cap="flat" cmpd="sng" algn="ctr">
-          <a:solidFill>
-            <a:schemeClr val="phClr"/>
-          </a:solidFill>
-          <a:prstDash val="solid"/>
-          <a:miter lim="800000"/>
-        </a:ln>
-      </a:lnStyleLst>
-      <a:effectStyleLst>
-        <a:effectStyle>
-          <a:effectLst/>
-        </a:effectStyle>
-        <a:effectStyle>
-          <a:effectLst/>
-        </a:effectStyle>
-        <a:effectStyle>
-          <a:effectLst>
-            <a:outerShdw blurRad="57150" dist="19050" dir="5400000" algn="ctr" rotWithShape="0">
-              <a:srgbClr val="000000">
-                <a:alpha val="63000"/>
-              </a:srgbClr>
-            </a:outerShdw>
-          </a:effectLst>
-        </a:effectStyle>
-      </a:effectStyleLst>
-      <a:bgFillStyleLst>
-        <a:solidFill>
-          <a:schemeClr val="phClr"/>
-        </a:solidFill>
-        <a:solidFill>
-          <a:schemeClr val="phClr">
-            <a:tint val="95000"/>
-            <a:satMod val="170000"/>
-          </a:schemeClr>
-        </a:solidFill>
-        <a:gradFill rotWithShape="1">
-          <a:gsLst>
-            <a:gs pos="0">
-              <a:schemeClr val="phClr">
-                <a:tint val="93000"/>
-                <a:satMod val="150000"/>
-                <a:shade val="98000"/>
-                <a:lumMod val="102000"/>
-              </a:schemeClr>
-            </a:gs>
-            <a:gs pos="50000">
-              <a:schemeClr val="phClr">
-                <a:tint val="98000"/>
-                <a:satMod val="130000"/>
-                <a:shade val="90000"/>
-                <a:lumMod val="103000"/>
-              </a:schemeClr>
-            </a:gs>
-            <a:gs pos="100000">
-              <a:schemeClr val="phClr">
-                <a:shade val="63000"/>
-                <a:satMod val="120000"/>
-              </a:schemeClr>
-            </a:gs>
-          </a:gsLst>
-          <a:lin ang="5400000" scaled="0"/>
-        </a:gradFill>
-      </a:bgFillStyleLst>
-    </a:fmtScheme>
-  </a:themeElements>
-  <a:objectDefaults/>
-  <a:extraClrSchemeLst/>
-  <a:extLst>
-    <a:ext uri="{05A4C25C-085E-4340-85A3-A5531E510DB2}">
-      <thm15:themeFamily xmlns:thm15="http://schemas.microsoft.com/office/thememl/2012/main" name="Office Theme" id="{62F939B6-93AF-4DB8-9C6B-D6C7DFDC589F}" vid="{4A3C46E8-61CC-4603-A589-7422A47A8E4A}"/>
-    </a:ext>
-  </a:extLst>
-</a:theme>
-</file>
-
-<file path=ppt/theme/theme3.xml><?xml version="1.0" encoding="utf-8"?>
 <a:theme xmlns:a="http://schemas.openxmlformats.org/drawingml/2006/main" name="Default">
   <a:themeElements>
     <a:clrScheme name="Default">

--- a/ClassMaterials/JavaIntro/Slides/JavaIntro.pptx
+++ b/ClassMaterials/JavaIntro/Slides/JavaIntro.pptx
@@ -403,6 +403,100 @@
       </p:grpSpPr>
       <p:sp>
         <p:nvSpPr>
+          <p:cNvPr id="2" name="Slide Image Placeholder 1"/>
+          <p:cNvSpPr>
+            <a:spLocks noGrp="1" noRot="1" noChangeAspect="1"/>
+          </p:cNvSpPr>
+          <p:nvPr>
+            <p:ph type="sldImg"/>
+          </p:nvPr>
+        </p:nvSpPr>
+        <p:spPr/>
+      </p:sp>
+      <p:sp>
+        <p:nvSpPr>
+          <p:cNvPr id="3" name="Notes Placeholder 2"/>
+          <p:cNvSpPr>
+            <a:spLocks noGrp="1"/>
+          </p:cNvSpPr>
+          <p:nvPr>
+            <p:ph type="body" idx="1"/>
+          </p:nvPr>
+        </p:nvSpPr>
+        <p:spPr/>
+        <p:txBody>
+          <a:bodyPr/>
+          <a:lstStyle/>
+          <a:p>
+            <a:r>
+              <a:rPr lang="en-US" dirty="0"/>
+              <a:t>Write this out first, things to note:</a:t>
+            </a:r>
+          </a:p>
+          <a:p>
+            <a:r>
+              <a:rPr lang="en-US" dirty="0"/>
+              <a:t>{ } enclose code in blocks – Eclipse highlights them for you</a:t>
+            </a:r>
+          </a:p>
+          <a:p>
+            <a:r>
+              <a:rPr lang="en-US" dirty="0"/>
+              <a:t>Special words have different colors</a:t>
+            </a:r>
+          </a:p>
+          <a:p>
+            <a:r>
+              <a:rPr lang="en-US" dirty="0"/>
+              <a:t>Semicolons are required</a:t>
+            </a:r>
+          </a:p>
+          <a:p>
+            <a:r>
+              <a:rPr lang="en-US" dirty="0"/>
+              <a:t>Capitalization matters and is important</a:t>
+            </a:r>
+          </a:p>
+          <a:p>
+            <a:r>
+              <a:rPr lang="en-US" dirty="0"/>
+              <a:t> </a:t>
+            </a:r>
+          </a:p>
+        </p:txBody>
+      </p:sp>
+    </p:spTree>
+    <p:extLst>
+      <p:ext uri="{BB962C8B-B14F-4D97-AF65-F5344CB8AC3E}">
+        <p14:creationId xmlns:p14="http://schemas.microsoft.com/office/powerpoint/2010/main" val="2411726575"/>
+      </p:ext>
+    </p:extLst>
+  </p:cSld>
+  <p:clrMapOvr>
+    <a:masterClrMapping/>
+  </p:clrMapOvr>
+</p:notes>
+</file>
+
+<file path=ppt/notesSlides/notesSlide3.xml><?xml version="1.0" encoding="utf-8"?>
+<p:notes xmlns:a="http://schemas.openxmlformats.org/drawingml/2006/main" xmlns:r="http://schemas.openxmlformats.org/officeDocument/2006/relationships" xmlns:p="http://schemas.openxmlformats.org/presentationml/2006/main">
+  <p:cSld>
+    <p:spTree>
+      <p:nvGrpSpPr>
+        <p:cNvPr id="1" name=""/>
+        <p:cNvGrpSpPr/>
+        <p:nvPr/>
+      </p:nvGrpSpPr>
+      <p:grpSpPr>
+        <a:xfrm>
+          <a:off x="0" y="0"/>
+          <a:ext cx="0" cy="0"/>
+          <a:chOff x="0" y="0"/>
+          <a:chExt cx="0" cy="0"/>
+        </a:xfrm>
+      </p:grpSpPr>
+      <p:sp>
+        <p:nvSpPr>
           <p:cNvPr id="127" name="Shape 127"/>
           <p:cNvSpPr>
             <a:spLocks noGrp="1" noRot="1" noChangeAspect="1"/>
@@ -518,7 +612,7 @@
 </p:notes>
 </file>
 
-<file path=ppt/notesSlides/notesSlide3.xml><?xml version="1.0" encoding="utf-8"?>
+<file path=ppt/notesSlides/notesSlide4.xml><?xml version="1.0" encoding="utf-8"?>
 <p:notes xmlns:a="http://schemas.openxmlformats.org/drawingml/2006/main" xmlns:r="http://schemas.openxmlformats.org/officeDocument/2006/relationships" xmlns:p="http://schemas.openxmlformats.org/presentationml/2006/main">
   <p:cSld>
     <p:spTree>
@@ -616,7 +710,7 @@
 </p:notes>
 </file>
 
-<file path=ppt/notesSlides/notesSlide4.xml><?xml version="1.0" encoding="utf-8"?>
+<file path=ppt/notesSlides/notesSlide5.xml><?xml version="1.0" encoding="utf-8"?>
 <p:notes xmlns:a="http://schemas.openxmlformats.org/drawingml/2006/main" xmlns:r="http://schemas.openxmlformats.org/officeDocument/2006/relationships" xmlns:p="http://schemas.openxmlformats.org/presentationml/2006/main">
   <p:cSld>
     <p:spTree>
@@ -685,7 +779,7 @@
 </p:notes>
 </file>
 
-<file path=ppt/notesSlides/notesSlide5.xml><?xml version="1.0" encoding="utf-8"?>
+<file path=ppt/notesSlides/notesSlide6.xml><?xml version="1.0" encoding="utf-8"?>
 <p:notes xmlns:a="http://schemas.openxmlformats.org/drawingml/2006/main" xmlns:r="http://schemas.openxmlformats.org/officeDocument/2006/relationships" xmlns:p="http://schemas.openxmlformats.org/presentationml/2006/main">
   <p:cSld>
     <p:spTree>
@@ -1000,7 +1094,7 @@
 </p:notes>
 </file>
 
-<file path=ppt/notesSlides/notesSlide6.xml><?xml version="1.0" encoding="utf-8"?>
+<file path=ppt/notesSlides/notesSlide7.xml><?xml version="1.0" encoding="utf-8"?>
 <p:notes xmlns:a="http://schemas.openxmlformats.org/drawingml/2006/main" xmlns:r="http://schemas.openxmlformats.org/officeDocument/2006/relationships" xmlns:p="http://schemas.openxmlformats.org/presentationml/2006/main">
   <p:cSld>
     <p:spTree>
@@ -1134,7 +1228,7 @@
 </p:notes>
 </file>
 
-<file path=ppt/notesSlides/notesSlide7.xml><?xml version="1.0" encoding="utf-8"?>
+<file path=ppt/notesSlides/notesSlide8.xml><?xml version="1.0" encoding="utf-8"?>
 <p:notes xmlns:a="http://schemas.openxmlformats.org/drawingml/2006/main" xmlns:r="http://schemas.openxmlformats.org/officeDocument/2006/relationships" xmlns:p="http://schemas.openxmlformats.org/presentationml/2006/main">
   <p:cSld>
     <p:spTree>
@@ -2559,7 +2653,7 @@
           </a:ln>
           <a:extLst>
             <a:ext uri="{C572A759-6A51-4108-AA02-DFA0A04FC94B}">
-              <ma14:wrappingTextBoxFlag xmlns:ma14="http://schemas.microsoft.com/office/mac/drawingml/2011/main" xmlns="" val="1"/>
+              <ma14:wrappingTextBoxFlag xmlns="" xmlns:ma14="http://schemas.microsoft.com/office/mac/drawingml/2011/main" val="1"/>
             </a:ext>
           </a:extLst>
         </p:spPr>
@@ -2602,7 +2696,7 @@
           </a:ln>
           <a:extLst>
             <a:ext uri="{C572A759-6A51-4108-AA02-DFA0A04FC94B}">
-              <ma14:wrappingTextBoxFlag xmlns:ma14="http://schemas.microsoft.com/office/mac/drawingml/2011/main" xmlns="" val="1"/>
+              <ma14:wrappingTextBoxFlag xmlns="" xmlns:ma14="http://schemas.microsoft.com/office/mac/drawingml/2011/main" val="1"/>
             </a:ext>
           </a:extLst>
         </p:spPr>
@@ -3497,7 +3591,7 @@
           </a:ln>
           <a:extLst>
             <a:ext uri="{C572A759-6A51-4108-AA02-DFA0A04FC94B}">
-              <ma14:wrappingTextBoxFlag xmlns="" xmlns:ma14="http://schemas.microsoft.com/office/mac/drawingml/2011/main" val="1"/>
+              <ma14:wrappingTextBoxFlag xmlns:ma14="http://schemas.microsoft.com/office/mac/drawingml/2011/main" xmlns="" val="1"/>
             </a:ext>
           </a:extLst>
         </p:spPr>
@@ -3609,7 +3703,7 @@
           </a:ln>
           <a:extLst>
             <a:ext uri="{C572A759-6A51-4108-AA02-DFA0A04FC94B}">
-              <ma14:wrappingTextBoxFlag xmlns="" xmlns:ma14="http://schemas.microsoft.com/office/mac/drawingml/2011/main" val="1"/>
+              <ma14:wrappingTextBoxFlag xmlns:ma14="http://schemas.microsoft.com/office/mac/drawingml/2011/main" xmlns="" val="1"/>
             </a:ext>
           </a:extLst>
         </p:spPr>
@@ -4118,7 +4212,7 @@
         </p:nvSpPr>
         <p:spPr>
           <a:xfrm>
-            <a:off x="3429000" y="4981893"/>
+            <a:off x="3276600" y="6002654"/>
             <a:ext cx="5257800" cy="1526540"/>
           </a:xfrm>
           <a:prstGeom prst="rect">
@@ -4134,7 +4228,7 @@
           </a:ln>
           <a:extLst>
             <a:ext uri="{C572A759-6A51-4108-AA02-DFA0A04FC94B}">
-              <ma14:wrappingTextBoxFlag xmlns="" xmlns:ma14="http://schemas.microsoft.com/office/mac/drawingml/2011/main" val="1"/>
+              <ma14:wrappingTextBoxFlag xmlns:ma14="http://schemas.microsoft.com/office/mac/drawingml/2011/main" xmlns="" val="1"/>
             </a:ext>
           </a:extLst>
         </p:spPr>
@@ -4160,7 +4254,7 @@
               </a:defRPr>
             </a:pPr>
             <a:r>
-              <a:rPr sz="2400">
+              <a:rPr sz="2400" dirty="0">
                 <a:solidFill>
                   <a:srgbClr val="FFFFFF"/>
                 </a:solidFill>
@@ -4170,6 +4264,41 @@
           </a:p>
         </p:txBody>
       </p:sp>
+      <p:pic>
+        <p:nvPicPr>
+          <p:cNvPr id="3" name="Picture 2">
+            <a:extLst>
+              <a:ext uri="{FF2B5EF4-FFF2-40B4-BE49-F238E27FC236}">
+                <a16:creationId xmlns:a16="http://schemas.microsoft.com/office/drawing/2014/main" id="{3F372AF3-C4F3-FA70-C761-77D031544731}"/>
+              </a:ext>
+            </a:extLst>
+          </p:cNvPr>
+          <p:cNvPicPr>
+            <a:picLocks noChangeAspect="1"/>
+          </p:cNvPicPr>
+          <p:nvPr/>
+        </p:nvPicPr>
+        <p:blipFill>
+          <a:blip r:embed="rId3"/>
+          <a:stretch>
+            <a:fillRect/>
+          </a:stretch>
+        </p:blipFill>
+        <p:spPr>
+          <a:xfrm>
+            <a:off x="6553200" y="2057400"/>
+            <a:ext cx="2246025" cy="1890098"/>
+          </a:xfrm>
+          <a:prstGeom prst="rect">
+            <a:avLst/>
+          </a:prstGeom>
+          <a:ln>
+            <a:solidFill>
+              <a:schemeClr val="tx1"/>
+            </a:solidFill>
+          </a:ln>
+        </p:spPr>
+      </p:pic>
     </p:spTree>
     <p:extLst>
       <p:ext uri="{BB962C8B-B14F-4D97-AF65-F5344CB8AC3E}">
@@ -4254,27 +4383,14 @@
           <a:p>
             <a:r>
               <a:rPr lang="en-US" dirty="0"/>
-              <a:t>You'll submit your .java files via </a:t>
-            </a:r>
-            <a:r>
-              <a:rPr lang="en-US" dirty="0" err="1"/>
-              <a:t>moodle</a:t>
-            </a:r>
+              <a:t>You'll submit your .java files via Moodle assignments</a:t>
+            </a:r>
+          </a:p>
+          <a:p>
             <a:r>
               <a:rPr lang="en-US" dirty="0"/>
-              <a:t> assignments</a:t>
-            </a:r>
-          </a:p>
-          <a:p>
-            <a:r>
-              <a:rPr lang="en-US" dirty="0"/>
-              <a:t>There's instructions in the Homework section of the course </a:t>
-            </a:r>
-            <a:r>
-              <a:rPr lang="en-US" dirty="0" err="1"/>
-              <a:t>moodle</a:t>
-            </a:r>
-            <a:endParaRPr lang="en-US" dirty="0"/>
+              <a:t>There's instructions in the Homework section of the course Moodle</a:t>
+            </a:r>
           </a:p>
           <a:p>
             <a:endParaRPr lang="en-US" dirty="0"/>
@@ -4298,16 +4414,7 @@
             </a:r>
             <a:r>
               <a:rPr lang="en-US" dirty="0"/>
-              <a:t>features linked </a:t>
-            </a:r>
-          </a:p>
-          <a:p>
-            <a:pPr marL="0" indent="0">
-              <a:buNone/>
-            </a:pPr>
-            <a:r>
-              <a:rPr lang="en-US" dirty="0"/>
-              <a:t>on session 1 of course schedule:</a:t>
+              <a:t>features link</a:t>
             </a:r>
           </a:p>
           <a:p>
@@ -4317,7 +4424,13 @@
       </p:sp>
       <p:pic>
         <p:nvPicPr>
-          <p:cNvPr id="4" name="Picture 3"/>
+          <p:cNvPr id="6" name="Picture 5">
+            <a:extLst>
+              <a:ext uri="{FF2B5EF4-FFF2-40B4-BE49-F238E27FC236}">
+                <a16:creationId xmlns:a16="http://schemas.microsoft.com/office/drawing/2014/main" id="{0DECE89F-20EF-7824-45AB-F01CEA1850D6}"/>
+              </a:ext>
+            </a:extLst>
+          </p:cNvPr>
           <p:cNvPicPr>
             <a:picLocks noChangeAspect="1"/>
           </p:cNvPicPr>
@@ -4331,42 +4444,17 @@
         </p:blipFill>
         <p:spPr>
           <a:xfrm>
-            <a:off x="6324600" y="4229100"/>
-            <a:ext cx="2469696" cy="2095500"/>
+            <a:off x="5334000" y="3657600"/>
+            <a:ext cx="3486150" cy="2933700"/>
           </a:xfrm>
           <a:prstGeom prst="rect">
             <a:avLst/>
           </a:prstGeom>
-          <a:solidFill>
-            <a:srgbClr val="FFFFFF">
-              <a:shade val="85000"/>
-            </a:srgbClr>
-          </a:solidFill>
-          <a:ln w="88900" cap="sq">
+          <a:ln>
             <a:solidFill>
-              <a:srgbClr val="FFFFFF"/>
+              <a:schemeClr val="tx1"/>
             </a:solidFill>
-            <a:miter lim="800000"/>
           </a:ln>
-          <a:effectLst>
-            <a:outerShdw blurRad="55000" dist="18000" dir="5400000" algn="tl" rotWithShape="0">
-              <a:srgbClr val="000000">
-                <a:alpha val="40000"/>
-              </a:srgbClr>
-            </a:outerShdw>
-          </a:effectLst>
-          <a:scene3d>
-            <a:camera prst="orthographicFront"/>
-            <a:lightRig rig="twoPt" dir="t">
-              <a:rot lat="0" lon="0" rev="7200000"/>
-            </a:lightRig>
-          </a:scene3d>
-          <a:sp3d>
-            <a:bevelT w="25400" h="19050"/>
-            <a:contourClr>
-              <a:srgbClr val="FFFFFF"/>
-            </a:contourClr>
-          </a:sp3d>
         </p:spPr>
       </p:pic>
     </p:spTree>
@@ -4781,7 +4869,7 @@
           </a:prstGeom>
           <a:extLst>
             <a:ext uri="{C572A759-6A51-4108-AA02-DFA0A04FC94B}">
-              <ma14:wrappingTextBoxFlag xmlns="" xmlns:ma14="http://schemas.microsoft.com/office/mac/drawingml/2011/main" val="1"/>
+              <ma14:wrappingTextBoxFlag xmlns:ma14="http://schemas.microsoft.com/office/mac/drawingml/2011/main" xmlns="" val="1"/>
             </a:ext>
           </a:extLst>
         </p:spPr>
@@ -4840,10 +4928,10 @@
       </p:grpSpPr>
       <p:pic>
         <p:nvPicPr>
-          <p:cNvPr id="7" name="Picture 6">
+          <p:cNvPr id="4" name="Picture 3">
             <a:extLst>
               <a:ext uri="{FF2B5EF4-FFF2-40B4-BE49-F238E27FC236}">
-                <a16:creationId xmlns:a16="http://schemas.microsoft.com/office/drawing/2014/main" id="{9514720E-0130-4293-9C6A-5FFD9CDD1782}"/>
+                <a16:creationId xmlns:a16="http://schemas.microsoft.com/office/drawing/2014/main" id="{5445919B-1C7C-AE71-4ACA-999A6C01F17F}"/>
               </a:ext>
             </a:extLst>
           </p:cNvPr>
@@ -4860,8 +4948,8 @@
         </p:blipFill>
         <p:spPr>
           <a:xfrm>
-            <a:off x="0" y="1192211"/>
-            <a:ext cx="9144000" cy="5473853"/>
+            <a:off x="0" y="1327755"/>
+            <a:ext cx="9144000" cy="5202763"/>
           </a:xfrm>
           <a:prstGeom prst="rect">
             <a:avLst/>
@@ -4914,7 +5002,7 @@
         </p:nvSpPr>
         <p:spPr>
           <a:xfrm>
-            <a:off x="4280739" y="5257800"/>
+            <a:off x="3352799" y="5629068"/>
             <a:ext cx="734925" cy="830995"/>
           </a:xfrm>
           <a:prstGeom prst="rect">
@@ -5072,7 +5160,7 @@
         </p:nvSpPr>
         <p:spPr>
           <a:xfrm>
-            <a:off x="3124200" y="3398105"/>
+            <a:off x="3352800" y="3810000"/>
             <a:ext cx="734925" cy="830995"/>
           </a:xfrm>
           <a:prstGeom prst="rect">
@@ -5230,7 +5318,7 @@
         </p:nvSpPr>
         <p:spPr>
           <a:xfrm>
-            <a:off x="8077200" y="3098142"/>
+            <a:off x="7073060" y="5629067"/>
             <a:ext cx="734925" cy="830995"/>
           </a:xfrm>
           <a:prstGeom prst="rect">
@@ -5603,7 +5691,7 @@
           </a:ln>
           <a:extLst>
             <a:ext uri="{C572A759-6A51-4108-AA02-DFA0A04FC94B}">
-              <ma14:wrappingTextBoxFlag xmlns="" xmlns:ma14="http://schemas.microsoft.com/office/mac/drawingml/2011/main" val="1"/>
+              <ma14:wrappingTextBoxFlag xmlns:ma14="http://schemas.microsoft.com/office/mac/drawingml/2011/main" xmlns="" val="1"/>
             </a:ext>
           </a:extLst>
         </p:spPr>
@@ -6107,7 +6195,7 @@
               <a:effectLst/>
               <a:extLst>
                 <a:ext uri="{C572A759-6A51-4108-AA02-DFA0A04FC94B}">
-                  <ma14:wrappingTextBoxFlag xmlns="" xmlns:ma14="http://schemas.microsoft.com/office/mac/drawingml/2011/main" val="1"/>
+                  <ma14:wrappingTextBoxFlag xmlns:ma14="http://schemas.microsoft.com/office/mac/drawingml/2011/main" xmlns="" val="1"/>
                 </a:ext>
               </a:extLst>
             </p:spPr>
@@ -6289,7 +6377,7 @@
               <a:effectLst/>
               <a:extLst>
                 <a:ext uri="{C572A759-6A51-4108-AA02-DFA0A04FC94B}">
-                  <ma14:wrappingTextBoxFlag xmlns="" xmlns:ma14="http://schemas.microsoft.com/office/mac/drawingml/2011/main" val="1"/>
+                  <ma14:wrappingTextBoxFlag xmlns:ma14="http://schemas.microsoft.com/office/mac/drawingml/2011/main" xmlns="" val="1"/>
                 </a:ext>
               </a:extLst>
             </p:spPr>
@@ -6462,7 +6550,7 @@
               <a:effectLst/>
               <a:extLst>
                 <a:ext uri="{C572A759-6A51-4108-AA02-DFA0A04FC94B}">
-                  <ma14:wrappingTextBoxFlag xmlns="" xmlns:ma14="http://schemas.microsoft.com/office/mac/drawingml/2011/main" val="1"/>
+                  <ma14:wrappingTextBoxFlag xmlns:ma14="http://schemas.microsoft.com/office/mac/drawingml/2011/main" xmlns="" val="1"/>
                 </a:ext>
               </a:extLst>
             </p:spPr>
@@ -6671,7 +6759,7 @@
               <a:effectLst/>
               <a:extLst>
                 <a:ext uri="{C572A759-6A51-4108-AA02-DFA0A04FC94B}">
-                  <ma14:wrappingTextBoxFlag xmlns="" xmlns:ma14="http://schemas.microsoft.com/office/mac/drawingml/2011/main" val="1"/>
+                  <ma14:wrappingTextBoxFlag xmlns:ma14="http://schemas.microsoft.com/office/mac/drawingml/2011/main" xmlns="" val="1"/>
                 </a:ext>
               </a:extLst>
             </p:spPr>
@@ -6867,7 +6955,7 @@
             <a:effectLst/>
             <a:extLst>
               <a:ext uri="{C572A759-6A51-4108-AA02-DFA0A04FC94B}">
-                <ma14:wrappingTextBoxFlag xmlns="" xmlns:ma14="http://schemas.microsoft.com/office/mac/drawingml/2011/main" val="1"/>
+                <ma14:wrappingTextBoxFlag xmlns:ma14="http://schemas.microsoft.com/office/mac/drawingml/2011/main" xmlns="" val="1"/>
               </a:ext>
             </a:extLst>
           </p:spPr>

--- a/ClassMaterials/JavaIntro/Slides/JavaIntro.pptx
+++ b/ClassMaterials/JavaIntro/Slides/JavaIntro.pptx
@@ -384,6 +384,104 @@
 </p:notes>
 </file>
 
+<file path=ppt/notesSlides/notesSlide10.xml><?xml version="1.0" encoding="utf-8"?>
+<p:notes xmlns:a="http://schemas.openxmlformats.org/drawingml/2006/main" xmlns:r="http://schemas.openxmlformats.org/officeDocument/2006/relationships" xmlns:p="http://schemas.openxmlformats.org/presentationml/2006/main">
+  <p:cSld>
+    <p:spTree>
+      <p:nvGrpSpPr>
+        <p:cNvPr id="1" name=""/>
+        <p:cNvGrpSpPr/>
+        <p:nvPr/>
+      </p:nvGrpSpPr>
+      <p:grpSpPr>
+        <a:xfrm>
+          <a:off x="0" y="0"/>
+          <a:ext cx="0" cy="0"/>
+          <a:chOff x="0" y="0"/>
+          <a:chExt cx="0" cy="0"/>
+        </a:xfrm>
+      </p:grpSpPr>
+      <p:sp>
+        <p:nvSpPr>
+          <p:cNvPr id="98" name="Shape 98"/>
+          <p:cNvSpPr>
+            <a:spLocks noGrp="1" noRot="1" noChangeAspect="1"/>
+          </p:cNvSpPr>
+          <p:nvPr>
+            <p:ph type="sldImg"/>
+          </p:nvPr>
+        </p:nvSpPr>
+        <p:spPr>
+          <a:prstGeom prst="rect">
+            <a:avLst/>
+          </a:prstGeom>
+        </p:spPr>
+        <p:txBody>
+          <a:bodyPr/>
+          <a:lstStyle/>
+          <a:p>
+            <a:pPr lvl="0"/>
+            <a:endParaRPr/>
+          </a:p>
+        </p:txBody>
+      </p:sp>
+      <p:sp>
+        <p:nvSpPr>
+          <p:cNvPr id="99" name="Shape 99"/>
+          <p:cNvSpPr>
+            <a:spLocks noGrp="1"/>
+          </p:cNvSpPr>
+          <p:nvPr>
+            <p:ph type="body" sz="quarter" idx="1"/>
+          </p:nvPr>
+        </p:nvSpPr>
+        <p:spPr>
+          <a:prstGeom prst="rect">
+            <a:avLst/>
+          </a:prstGeom>
+        </p:spPr>
+        <p:txBody>
+          <a:bodyPr/>
+          <a:lstStyle>
+            <a:lvl1pPr defTabSz="914400">
+              <a:lnSpc>
+                <a:spcPct val="100000"/>
+              </a:lnSpc>
+              <a:spcBef>
+                <a:spcPts val="400"/>
+              </a:spcBef>
+              <a:defRPr sz="1200">
+                <a:latin typeface="Calibri"/>
+                <a:ea typeface="Calibri"/>
+                <a:cs typeface="Calibri"/>
+                <a:sym typeface="Calibri"/>
+              </a:defRPr>
+            </a:lvl1pPr>
+          </a:lstStyle>
+          <a:p>
+            <a:pPr lvl="0">
+              <a:defRPr sz="1800"/>
+            </a:pPr>
+            <a:r>
+              <a:rPr sz="1200" dirty="0"/>
+              <a:t>Point students to Python vs Java features linked from session 1 of course schedule.</a:t>
+            </a:r>
+          </a:p>
+        </p:txBody>
+      </p:sp>
+    </p:spTree>
+    <p:extLst>
+      <p:ext uri="{BB962C8B-B14F-4D97-AF65-F5344CB8AC3E}">
+        <p14:creationId xmlns:p14="http://schemas.microsoft.com/office/powerpoint/2010/main" val="3746845533"/>
+      </p:ext>
+    </p:extLst>
+  </p:cSld>
+  <p:clrMapOvr>
+    <a:masterClrMapping/>
+  </p:clrMapOvr>
+</p:notes>
+</file>
+
 <file path=ppt/notesSlides/notesSlide2.xml><?xml version="1.0" encoding="utf-8"?>
 <p:notes xmlns:a="http://schemas.openxmlformats.org/drawingml/2006/main" xmlns:r="http://schemas.openxmlformats.org/officeDocument/2006/relationships" xmlns:p="http://schemas.openxmlformats.org/presentationml/2006/main">
   <p:cSld>
@@ -428,47 +526,14 @@
           <a:bodyPr/>
           <a:lstStyle/>
           <a:p>
-            <a:r>
-              <a:rPr lang="en-US" dirty="0"/>
-              <a:t>Write this out first, things to note:</a:t>
-            </a:r>
-          </a:p>
-          <a:p>
-            <a:r>
-              <a:rPr lang="en-US" dirty="0"/>
-              <a:t>{ } enclose code in blocks – Eclipse highlights them for you</a:t>
-            </a:r>
-          </a:p>
-          <a:p>
-            <a:r>
-              <a:rPr lang="en-US" dirty="0"/>
-              <a:t>Special words have different colors</a:t>
-            </a:r>
-          </a:p>
-          <a:p>
-            <a:r>
-              <a:rPr lang="en-US" dirty="0"/>
-              <a:t>Semicolons are required</a:t>
-            </a:r>
-          </a:p>
-          <a:p>
-            <a:r>
-              <a:rPr lang="en-US" dirty="0"/>
-              <a:t>Capitalization matters and is important</a:t>
-            </a:r>
-          </a:p>
-          <a:p>
-            <a:r>
-              <a:rPr lang="en-US" dirty="0"/>
-              <a:t> </a:t>
-            </a:r>
+            <a:endParaRPr lang="en-US" dirty="0"/>
           </a:p>
         </p:txBody>
       </p:sp>
     </p:spTree>
     <p:extLst>
       <p:ext uri="{BB962C8B-B14F-4D97-AF65-F5344CB8AC3E}">
-        <p14:creationId xmlns:p14="http://schemas.microsoft.com/office/powerpoint/2010/main" val="2411726575"/>
+        <p14:creationId xmlns:p14="http://schemas.microsoft.com/office/powerpoint/2010/main" val="1235572611"/>
       </p:ext>
     </p:extLst>
   </p:cSld>
@@ -479,238 +544,6 @@
 </file>
 
 <file path=ppt/notesSlides/notesSlide3.xml><?xml version="1.0" encoding="utf-8"?>
-<p:notes xmlns:a="http://schemas.openxmlformats.org/drawingml/2006/main" xmlns:r="http://schemas.openxmlformats.org/officeDocument/2006/relationships" xmlns:p="http://schemas.openxmlformats.org/presentationml/2006/main">
-  <p:cSld>
-    <p:spTree>
-      <p:nvGrpSpPr>
-        <p:cNvPr id="1" name=""/>
-        <p:cNvGrpSpPr/>
-        <p:nvPr/>
-      </p:nvGrpSpPr>
-      <p:grpSpPr>
-        <a:xfrm>
-          <a:off x="0" y="0"/>
-          <a:ext cx="0" cy="0"/>
-          <a:chOff x="0" y="0"/>
-          <a:chExt cx="0" cy="0"/>
-        </a:xfrm>
-      </p:grpSpPr>
-      <p:sp>
-        <p:nvSpPr>
-          <p:cNvPr id="127" name="Shape 127"/>
-          <p:cNvSpPr>
-            <a:spLocks noGrp="1" noRot="1" noChangeAspect="1"/>
-          </p:cNvSpPr>
-          <p:nvPr>
-            <p:ph type="sldImg"/>
-          </p:nvPr>
-        </p:nvSpPr>
-        <p:spPr>
-          <a:prstGeom prst="rect">
-            <a:avLst/>
-          </a:prstGeom>
-        </p:spPr>
-        <p:txBody>
-          <a:bodyPr/>
-          <a:lstStyle/>
-          <a:p>
-            <a:pPr lvl="0"/>
-            <a:endParaRPr/>
-          </a:p>
-        </p:txBody>
-      </p:sp>
-      <p:sp>
-        <p:nvSpPr>
-          <p:cNvPr id="128" name="Shape 128"/>
-          <p:cNvSpPr>
-            <a:spLocks noGrp="1"/>
-          </p:cNvSpPr>
-          <p:nvPr>
-            <p:ph type="body" sz="quarter" idx="1"/>
-          </p:nvPr>
-        </p:nvSpPr>
-        <p:spPr>
-          <a:prstGeom prst="rect">
-            <a:avLst/>
-          </a:prstGeom>
-        </p:spPr>
-        <p:txBody>
-          <a:bodyPr/>
-          <a:lstStyle/>
-          <a:p>
-            <a:pPr lvl="0" defTabSz="914400">
-              <a:lnSpc>
-                <a:spcPct val="100000"/>
-              </a:lnSpc>
-              <a:defRPr sz="1800"/>
-            </a:pPr>
-            <a:r>
-              <a:rPr sz="1200" b="1">
-                <a:latin typeface="Lucida Sans"/>
-                <a:ea typeface="Lucida Sans"/>
-                <a:cs typeface="Lucida Sans"/>
-                <a:sym typeface="Lucida Sans"/>
-              </a:rPr>
-              <a:t>Argument for main </a:t>
-            </a:r>
-            <a:r>
-              <a:rPr sz="1200">
-                <a:latin typeface="Lucida Sans"/>
-                <a:ea typeface="Lucida Sans"/>
-                <a:cs typeface="Lucida Sans"/>
-                <a:sym typeface="Lucida Sans"/>
-              </a:rPr>
-              <a:t>is not optional.  Must be there.</a:t>
-            </a:r>
-            <a:endParaRPr sz="1200">
-              <a:latin typeface="Gill Sans"/>
-              <a:ea typeface="Gill Sans"/>
-              <a:cs typeface="Gill Sans"/>
-              <a:sym typeface="Gill Sans"/>
-            </a:endParaRPr>
-          </a:p>
-          <a:p>
-            <a:pPr lvl="0" defTabSz="914400">
-              <a:lnSpc>
-                <a:spcPct val="100000"/>
-              </a:lnSpc>
-              <a:defRPr sz="1800"/>
-            </a:pPr>
-            <a:endParaRPr sz="1200">
-              <a:latin typeface="Lucida Sans"/>
-              <a:ea typeface="Lucida Sans"/>
-              <a:cs typeface="Lucida Sans"/>
-              <a:sym typeface="Lucida Sans"/>
-            </a:endParaRPr>
-          </a:p>
-          <a:p>
-            <a:pPr lvl="0" defTabSz="914400">
-              <a:lnSpc>
-                <a:spcPct val="100000"/>
-              </a:lnSpc>
-              <a:defRPr sz="1800"/>
-            </a:pPr>
-            <a:endParaRPr sz="1200">
-              <a:latin typeface="Lucida Sans"/>
-              <a:ea typeface="Lucida Sans"/>
-              <a:cs typeface="Lucida Sans"/>
-              <a:sym typeface="Lucida Sans"/>
-            </a:endParaRPr>
-          </a:p>
-        </p:txBody>
-      </p:sp>
-    </p:spTree>
-    <p:extLst>
-      <p:ext uri="{BB962C8B-B14F-4D97-AF65-F5344CB8AC3E}">
-        <p14:creationId xmlns:p14="http://schemas.microsoft.com/office/powerpoint/2010/main" val="2682829326"/>
-      </p:ext>
-    </p:extLst>
-  </p:cSld>
-  <p:clrMapOvr>
-    <a:masterClrMapping/>
-  </p:clrMapOvr>
-</p:notes>
-</file>
-
-<file path=ppt/notesSlides/notesSlide4.xml><?xml version="1.0" encoding="utf-8"?>
-<p:notes xmlns:a="http://schemas.openxmlformats.org/drawingml/2006/main" xmlns:r="http://schemas.openxmlformats.org/officeDocument/2006/relationships" xmlns:p="http://schemas.openxmlformats.org/presentationml/2006/main">
-  <p:cSld>
-    <p:spTree>
-      <p:nvGrpSpPr>
-        <p:cNvPr id="1" name=""/>
-        <p:cNvGrpSpPr/>
-        <p:nvPr/>
-      </p:nvGrpSpPr>
-      <p:grpSpPr>
-        <a:xfrm>
-          <a:off x="0" y="0"/>
-          <a:ext cx="0" cy="0"/>
-          <a:chOff x="0" y="0"/>
-          <a:chExt cx="0" cy="0"/>
-        </a:xfrm>
-      </p:grpSpPr>
-      <p:sp>
-        <p:nvSpPr>
-          <p:cNvPr id="99" name="Shape 99"/>
-          <p:cNvSpPr>
-            <a:spLocks noGrp="1" noRot="1" noChangeAspect="1"/>
-          </p:cNvSpPr>
-          <p:nvPr>
-            <p:ph type="sldImg"/>
-          </p:nvPr>
-        </p:nvSpPr>
-        <p:spPr>
-          <a:prstGeom prst="rect">
-            <a:avLst/>
-          </a:prstGeom>
-        </p:spPr>
-        <p:txBody>
-          <a:bodyPr/>
-          <a:lstStyle/>
-          <a:p>
-            <a:pPr lvl="0"/>
-            <a:endParaRPr/>
-          </a:p>
-        </p:txBody>
-      </p:sp>
-      <p:sp>
-        <p:nvSpPr>
-          <p:cNvPr id="100" name="Shape 100"/>
-          <p:cNvSpPr>
-            <a:spLocks noGrp="1"/>
-          </p:cNvSpPr>
-          <p:nvPr>
-            <p:ph type="body" sz="quarter" idx="1"/>
-          </p:nvPr>
-        </p:nvSpPr>
-        <p:spPr>
-          <a:prstGeom prst="rect">
-            <a:avLst/>
-          </a:prstGeom>
-        </p:spPr>
-        <p:txBody>
-          <a:bodyPr/>
-          <a:lstStyle>
-            <a:lvl1pPr defTabSz="914400">
-              <a:lnSpc>
-                <a:spcPct val="100000"/>
-              </a:lnSpc>
-              <a:spcBef>
-                <a:spcPts val="400"/>
-              </a:spcBef>
-              <a:defRPr sz="1200">
-                <a:latin typeface="Lucida Sans"/>
-                <a:ea typeface="Lucida Sans"/>
-                <a:cs typeface="Lucida Sans"/>
-                <a:sym typeface="Lucida Sans"/>
-              </a:defRPr>
-            </a:lvl1pPr>
-          </a:lstStyle>
-          <a:p>
-            <a:pPr lvl="0">
-              <a:defRPr sz="1800"/>
-            </a:pPr>
-            <a:r>
-              <a:rPr sz="1200"/>
-              <a:t>Discuss errors and error messages</a:t>
-            </a:r>
-          </a:p>
-        </p:txBody>
-      </p:sp>
-    </p:spTree>
-    <p:extLst>
-      <p:ext uri="{BB962C8B-B14F-4D97-AF65-F5344CB8AC3E}">
-        <p14:creationId xmlns:p14="http://schemas.microsoft.com/office/powerpoint/2010/main" val="942886938"/>
-      </p:ext>
-    </p:extLst>
-  </p:cSld>
-  <p:clrMapOvr>
-    <a:masterClrMapping/>
-  </p:clrMapOvr>
-</p:notes>
-</file>
-
-<file path=ppt/notesSlides/notesSlide5.xml><?xml version="1.0" encoding="utf-8"?>
 <p:notes xmlns:a="http://schemas.openxmlformats.org/drawingml/2006/main" xmlns:r="http://schemas.openxmlformats.org/officeDocument/2006/relationships" xmlns:p="http://schemas.openxmlformats.org/presentationml/2006/main">
   <p:cSld>
     <p:spTree>
@@ -756,6 +589,393 @@
           <a:p>
             <a:r>
               <a:rPr lang="en-US" dirty="0"/>
+              <a:t>Write this out first, things to note:</a:t>
+            </a:r>
+          </a:p>
+          <a:p>
+            <a:r>
+              <a:rPr lang="en-US" dirty="0"/>
+              <a:t>{ } enclose code in blocks – Eclipse highlights them for you</a:t>
+            </a:r>
+          </a:p>
+          <a:p>
+            <a:r>
+              <a:rPr lang="en-US" dirty="0"/>
+              <a:t>Special words have different colors</a:t>
+            </a:r>
+          </a:p>
+          <a:p>
+            <a:r>
+              <a:rPr lang="en-US" dirty="0"/>
+              <a:t>Semicolons are required</a:t>
+            </a:r>
+          </a:p>
+          <a:p>
+            <a:r>
+              <a:rPr lang="en-US" dirty="0"/>
+              <a:t>Capitalization matters and is important</a:t>
+            </a:r>
+          </a:p>
+          <a:p>
+            <a:r>
+              <a:rPr lang="en-US" dirty="0"/>
+              <a:t> </a:t>
+            </a:r>
+          </a:p>
+        </p:txBody>
+      </p:sp>
+    </p:spTree>
+    <p:extLst>
+      <p:ext uri="{BB962C8B-B14F-4D97-AF65-F5344CB8AC3E}">
+        <p14:creationId xmlns:p14="http://schemas.microsoft.com/office/powerpoint/2010/main" val="2411726575"/>
+      </p:ext>
+    </p:extLst>
+  </p:cSld>
+  <p:clrMapOvr>
+    <a:masterClrMapping/>
+  </p:clrMapOvr>
+</p:notes>
+</file>
+
+<file path=ppt/notesSlides/notesSlide4.xml><?xml version="1.0" encoding="utf-8"?>
+<p:notes xmlns:a="http://schemas.openxmlformats.org/drawingml/2006/main" xmlns:r="http://schemas.openxmlformats.org/officeDocument/2006/relationships" xmlns:p="http://schemas.openxmlformats.org/presentationml/2006/main">
+  <p:cSld>
+    <p:spTree>
+      <p:nvGrpSpPr>
+        <p:cNvPr id="1" name=""/>
+        <p:cNvGrpSpPr/>
+        <p:nvPr/>
+      </p:nvGrpSpPr>
+      <p:grpSpPr>
+        <a:xfrm>
+          <a:off x="0" y="0"/>
+          <a:ext cx="0" cy="0"/>
+          <a:chOff x="0" y="0"/>
+          <a:chExt cx="0" cy="0"/>
+        </a:xfrm>
+      </p:grpSpPr>
+      <p:sp>
+        <p:nvSpPr>
+          <p:cNvPr id="127" name="Shape 127"/>
+          <p:cNvSpPr>
+            <a:spLocks noGrp="1" noRot="1" noChangeAspect="1"/>
+          </p:cNvSpPr>
+          <p:nvPr>
+            <p:ph type="sldImg"/>
+          </p:nvPr>
+        </p:nvSpPr>
+        <p:spPr>
+          <a:prstGeom prst="rect">
+            <a:avLst/>
+          </a:prstGeom>
+        </p:spPr>
+        <p:txBody>
+          <a:bodyPr/>
+          <a:lstStyle/>
+          <a:p>
+            <a:pPr lvl="0"/>
+            <a:endParaRPr/>
+          </a:p>
+        </p:txBody>
+      </p:sp>
+      <p:sp>
+        <p:nvSpPr>
+          <p:cNvPr id="128" name="Shape 128"/>
+          <p:cNvSpPr>
+            <a:spLocks noGrp="1"/>
+          </p:cNvSpPr>
+          <p:nvPr>
+            <p:ph type="body" sz="quarter" idx="1"/>
+          </p:nvPr>
+        </p:nvSpPr>
+        <p:spPr>
+          <a:prstGeom prst="rect">
+            <a:avLst/>
+          </a:prstGeom>
+        </p:spPr>
+        <p:txBody>
+          <a:bodyPr/>
+          <a:lstStyle/>
+          <a:p>
+            <a:pPr lvl="0" defTabSz="914400">
+              <a:lnSpc>
+                <a:spcPct val="100000"/>
+              </a:lnSpc>
+              <a:defRPr sz="1800"/>
+            </a:pPr>
+            <a:r>
+              <a:rPr sz="1200" b="1">
+                <a:latin typeface="Lucida Sans"/>
+                <a:ea typeface="Lucida Sans"/>
+                <a:cs typeface="Lucida Sans"/>
+                <a:sym typeface="Lucida Sans"/>
+              </a:rPr>
+              <a:t>Argument for main </a:t>
+            </a:r>
+            <a:r>
+              <a:rPr sz="1200">
+                <a:latin typeface="Lucida Sans"/>
+                <a:ea typeface="Lucida Sans"/>
+                <a:cs typeface="Lucida Sans"/>
+                <a:sym typeface="Lucida Sans"/>
+              </a:rPr>
+              <a:t>is not optional.  Must be there.</a:t>
+            </a:r>
+            <a:endParaRPr sz="1200">
+              <a:latin typeface="Gill Sans"/>
+              <a:ea typeface="Gill Sans"/>
+              <a:cs typeface="Gill Sans"/>
+              <a:sym typeface="Gill Sans"/>
+            </a:endParaRPr>
+          </a:p>
+          <a:p>
+            <a:pPr lvl="0" defTabSz="914400">
+              <a:lnSpc>
+                <a:spcPct val="100000"/>
+              </a:lnSpc>
+              <a:defRPr sz="1800"/>
+            </a:pPr>
+            <a:endParaRPr sz="1200">
+              <a:latin typeface="Lucida Sans"/>
+              <a:ea typeface="Lucida Sans"/>
+              <a:cs typeface="Lucida Sans"/>
+              <a:sym typeface="Lucida Sans"/>
+            </a:endParaRPr>
+          </a:p>
+          <a:p>
+            <a:pPr lvl="0" defTabSz="914400">
+              <a:lnSpc>
+                <a:spcPct val="100000"/>
+              </a:lnSpc>
+              <a:defRPr sz="1800"/>
+            </a:pPr>
+            <a:endParaRPr sz="1200">
+              <a:latin typeface="Lucida Sans"/>
+              <a:ea typeface="Lucida Sans"/>
+              <a:cs typeface="Lucida Sans"/>
+              <a:sym typeface="Lucida Sans"/>
+            </a:endParaRPr>
+          </a:p>
+        </p:txBody>
+      </p:sp>
+    </p:spTree>
+    <p:extLst>
+      <p:ext uri="{BB962C8B-B14F-4D97-AF65-F5344CB8AC3E}">
+        <p14:creationId xmlns:p14="http://schemas.microsoft.com/office/powerpoint/2010/main" val="2682829326"/>
+      </p:ext>
+    </p:extLst>
+  </p:cSld>
+  <p:clrMapOvr>
+    <a:masterClrMapping/>
+  </p:clrMapOvr>
+</p:notes>
+</file>
+
+<file path=ppt/notesSlides/notesSlide5.xml><?xml version="1.0" encoding="utf-8"?>
+<p:notes xmlns:a="http://schemas.openxmlformats.org/drawingml/2006/main" xmlns:r="http://schemas.openxmlformats.org/officeDocument/2006/relationships" xmlns:p="http://schemas.openxmlformats.org/presentationml/2006/main">
+  <p:cSld>
+    <p:spTree>
+      <p:nvGrpSpPr>
+        <p:cNvPr id="1" name=""/>
+        <p:cNvGrpSpPr/>
+        <p:nvPr/>
+      </p:nvGrpSpPr>
+      <p:grpSpPr>
+        <a:xfrm>
+          <a:off x="0" y="0"/>
+          <a:ext cx="0" cy="0"/>
+          <a:chOff x="0" y="0"/>
+          <a:chExt cx="0" cy="0"/>
+        </a:xfrm>
+      </p:grpSpPr>
+      <p:sp>
+        <p:nvSpPr>
+          <p:cNvPr id="99" name="Shape 99"/>
+          <p:cNvSpPr>
+            <a:spLocks noGrp="1" noRot="1" noChangeAspect="1"/>
+          </p:cNvSpPr>
+          <p:nvPr>
+            <p:ph type="sldImg"/>
+          </p:nvPr>
+        </p:nvSpPr>
+        <p:spPr>
+          <a:prstGeom prst="rect">
+            <a:avLst/>
+          </a:prstGeom>
+        </p:spPr>
+        <p:txBody>
+          <a:bodyPr/>
+          <a:lstStyle/>
+          <a:p>
+            <a:pPr lvl="0"/>
+            <a:endParaRPr/>
+          </a:p>
+        </p:txBody>
+      </p:sp>
+      <p:sp>
+        <p:nvSpPr>
+          <p:cNvPr id="100" name="Shape 100"/>
+          <p:cNvSpPr>
+            <a:spLocks noGrp="1"/>
+          </p:cNvSpPr>
+          <p:nvPr>
+            <p:ph type="body" sz="quarter" idx="1"/>
+          </p:nvPr>
+        </p:nvSpPr>
+        <p:spPr>
+          <a:prstGeom prst="rect">
+            <a:avLst/>
+          </a:prstGeom>
+        </p:spPr>
+        <p:txBody>
+          <a:bodyPr/>
+          <a:lstStyle>
+            <a:lvl1pPr defTabSz="914400">
+              <a:lnSpc>
+                <a:spcPct val="100000"/>
+              </a:lnSpc>
+              <a:spcBef>
+                <a:spcPts val="400"/>
+              </a:spcBef>
+              <a:defRPr sz="1200">
+                <a:latin typeface="Lucida Sans"/>
+                <a:ea typeface="Lucida Sans"/>
+                <a:cs typeface="Lucida Sans"/>
+                <a:sym typeface="Lucida Sans"/>
+              </a:defRPr>
+            </a:lvl1pPr>
+          </a:lstStyle>
+          <a:p>
+            <a:pPr lvl="0">
+              <a:defRPr sz="1800"/>
+            </a:pPr>
+            <a:r>
+              <a:rPr sz="1200"/>
+              <a:t>Discuss errors and error messages</a:t>
+            </a:r>
+          </a:p>
+        </p:txBody>
+      </p:sp>
+    </p:spTree>
+    <p:extLst>
+      <p:ext uri="{BB962C8B-B14F-4D97-AF65-F5344CB8AC3E}">
+        <p14:creationId xmlns:p14="http://schemas.microsoft.com/office/powerpoint/2010/main" val="942886938"/>
+      </p:ext>
+    </p:extLst>
+  </p:cSld>
+  <p:clrMapOvr>
+    <a:masterClrMapping/>
+  </p:clrMapOvr>
+</p:notes>
+</file>
+
+<file path=ppt/notesSlides/notesSlide6.xml><?xml version="1.0" encoding="utf-8"?>
+<p:notes xmlns:a="http://schemas.openxmlformats.org/drawingml/2006/main" xmlns:r="http://schemas.openxmlformats.org/officeDocument/2006/relationships" xmlns:p="http://schemas.openxmlformats.org/presentationml/2006/main">
+  <p:cSld>
+    <p:spTree>
+      <p:nvGrpSpPr>
+        <p:cNvPr id="1" name=""/>
+        <p:cNvGrpSpPr/>
+        <p:nvPr/>
+      </p:nvGrpSpPr>
+      <p:grpSpPr>
+        <a:xfrm>
+          <a:off x="0" y="0"/>
+          <a:ext cx="0" cy="0"/>
+          <a:chOff x="0" y="0"/>
+          <a:chExt cx="0" cy="0"/>
+        </a:xfrm>
+      </p:grpSpPr>
+      <p:sp>
+        <p:nvSpPr>
+          <p:cNvPr id="2" name="Slide Image Placeholder 1"/>
+          <p:cNvSpPr>
+            <a:spLocks noGrp="1" noRot="1" noChangeAspect="1"/>
+          </p:cNvSpPr>
+          <p:nvPr>
+            <p:ph type="sldImg"/>
+          </p:nvPr>
+        </p:nvSpPr>
+        <p:spPr/>
+      </p:sp>
+      <p:sp>
+        <p:nvSpPr>
+          <p:cNvPr id="3" name="Notes Placeholder 2"/>
+          <p:cNvSpPr>
+            <a:spLocks noGrp="1"/>
+          </p:cNvSpPr>
+          <p:nvPr>
+            <p:ph type="body" idx="1"/>
+          </p:nvPr>
+        </p:nvSpPr>
+        <p:spPr/>
+        <p:txBody>
+          <a:bodyPr/>
+          <a:lstStyle/>
+          <a:p>
+            <a:endParaRPr lang="en-US" dirty="0"/>
+          </a:p>
+        </p:txBody>
+      </p:sp>
+    </p:spTree>
+    <p:extLst>
+      <p:ext uri="{BB962C8B-B14F-4D97-AF65-F5344CB8AC3E}">
+        <p14:creationId xmlns:p14="http://schemas.microsoft.com/office/powerpoint/2010/main" val="5505768"/>
+      </p:ext>
+    </p:extLst>
+  </p:cSld>
+  <p:clrMapOvr>
+    <a:masterClrMapping/>
+  </p:clrMapOvr>
+</p:notes>
+</file>
+
+<file path=ppt/notesSlides/notesSlide7.xml><?xml version="1.0" encoding="utf-8"?>
+<p:notes xmlns:a="http://schemas.openxmlformats.org/drawingml/2006/main" xmlns:r="http://schemas.openxmlformats.org/officeDocument/2006/relationships" xmlns:p="http://schemas.openxmlformats.org/presentationml/2006/main">
+  <p:cSld>
+    <p:spTree>
+      <p:nvGrpSpPr>
+        <p:cNvPr id="1" name=""/>
+        <p:cNvGrpSpPr/>
+        <p:nvPr/>
+      </p:nvGrpSpPr>
+      <p:grpSpPr>
+        <a:xfrm>
+          <a:off x="0" y="0"/>
+          <a:ext cx="0" cy="0"/>
+          <a:chOff x="0" y="0"/>
+          <a:chExt cx="0" cy="0"/>
+        </a:xfrm>
+      </p:grpSpPr>
+      <p:sp>
+        <p:nvSpPr>
+          <p:cNvPr id="2" name="Slide Image Placeholder 1"/>
+          <p:cNvSpPr>
+            <a:spLocks noGrp="1" noRot="1" noChangeAspect="1"/>
+          </p:cNvSpPr>
+          <p:nvPr>
+            <p:ph type="sldImg"/>
+          </p:nvPr>
+        </p:nvSpPr>
+        <p:spPr/>
+      </p:sp>
+      <p:sp>
+        <p:nvSpPr>
+          <p:cNvPr id="3" name="Notes Placeholder 2"/>
+          <p:cNvSpPr>
+            <a:spLocks noGrp="1"/>
+          </p:cNvSpPr>
+          <p:nvPr>
+            <p:ph type="body" idx="1"/>
+          </p:nvPr>
+        </p:nvSpPr>
+        <p:spPr/>
+        <p:txBody>
+          <a:bodyPr/>
+          <a:lstStyle/>
+          <a:p>
+            <a:r>
+              <a:rPr lang="en-US" dirty="0"/>
               <a:t>Can decide to say this for next class</a:t>
             </a:r>
             <a:r>
@@ -779,7 +999,7 @@
 </p:notes>
 </file>
 
-<file path=ppt/notesSlides/notesSlide6.xml><?xml version="1.0" encoding="utf-8"?>
+<file path=ppt/notesSlides/notesSlide8.xml><?xml version="1.0" encoding="utf-8"?>
 <p:notes xmlns:a="http://schemas.openxmlformats.org/drawingml/2006/main" xmlns:r="http://schemas.openxmlformats.org/officeDocument/2006/relationships" xmlns:p="http://schemas.openxmlformats.org/presentationml/2006/main">
   <p:cSld>
     <p:spTree>
@@ -1094,7 +1314,7 @@
 </p:notes>
 </file>
 
-<file path=ppt/notesSlides/notesSlide7.xml><?xml version="1.0" encoding="utf-8"?>
+<file path=ppt/notesSlides/notesSlide9.xml><?xml version="1.0" encoding="utf-8"?>
 <p:notes xmlns:a="http://schemas.openxmlformats.org/drawingml/2006/main" xmlns:r="http://schemas.openxmlformats.org/officeDocument/2006/relationships" xmlns:p="http://schemas.openxmlformats.org/presentationml/2006/main">
   <p:cSld>
     <p:spTree>
@@ -1219,104 +1439,6 @@
     <p:extLst>
       <p:ext uri="{BB962C8B-B14F-4D97-AF65-F5344CB8AC3E}">
         <p14:creationId xmlns:p14="http://schemas.microsoft.com/office/powerpoint/2010/main" val="2352995128"/>
-      </p:ext>
-    </p:extLst>
-  </p:cSld>
-  <p:clrMapOvr>
-    <a:masterClrMapping/>
-  </p:clrMapOvr>
-</p:notes>
-</file>
-
-<file path=ppt/notesSlides/notesSlide8.xml><?xml version="1.0" encoding="utf-8"?>
-<p:notes xmlns:a="http://schemas.openxmlformats.org/drawingml/2006/main" xmlns:r="http://schemas.openxmlformats.org/officeDocument/2006/relationships" xmlns:p="http://schemas.openxmlformats.org/presentationml/2006/main">
-  <p:cSld>
-    <p:spTree>
-      <p:nvGrpSpPr>
-        <p:cNvPr id="1" name=""/>
-        <p:cNvGrpSpPr/>
-        <p:nvPr/>
-      </p:nvGrpSpPr>
-      <p:grpSpPr>
-        <a:xfrm>
-          <a:off x="0" y="0"/>
-          <a:ext cx="0" cy="0"/>
-          <a:chOff x="0" y="0"/>
-          <a:chExt cx="0" cy="0"/>
-        </a:xfrm>
-      </p:grpSpPr>
-      <p:sp>
-        <p:nvSpPr>
-          <p:cNvPr id="98" name="Shape 98"/>
-          <p:cNvSpPr>
-            <a:spLocks noGrp="1" noRot="1" noChangeAspect="1"/>
-          </p:cNvSpPr>
-          <p:nvPr>
-            <p:ph type="sldImg"/>
-          </p:nvPr>
-        </p:nvSpPr>
-        <p:spPr>
-          <a:prstGeom prst="rect">
-            <a:avLst/>
-          </a:prstGeom>
-        </p:spPr>
-        <p:txBody>
-          <a:bodyPr/>
-          <a:lstStyle/>
-          <a:p>
-            <a:pPr lvl="0"/>
-            <a:endParaRPr/>
-          </a:p>
-        </p:txBody>
-      </p:sp>
-      <p:sp>
-        <p:nvSpPr>
-          <p:cNvPr id="99" name="Shape 99"/>
-          <p:cNvSpPr>
-            <a:spLocks noGrp="1"/>
-          </p:cNvSpPr>
-          <p:nvPr>
-            <p:ph type="body" sz="quarter" idx="1"/>
-          </p:nvPr>
-        </p:nvSpPr>
-        <p:spPr>
-          <a:prstGeom prst="rect">
-            <a:avLst/>
-          </a:prstGeom>
-        </p:spPr>
-        <p:txBody>
-          <a:bodyPr/>
-          <a:lstStyle>
-            <a:lvl1pPr defTabSz="914400">
-              <a:lnSpc>
-                <a:spcPct val="100000"/>
-              </a:lnSpc>
-              <a:spcBef>
-                <a:spcPts val="400"/>
-              </a:spcBef>
-              <a:defRPr sz="1200">
-                <a:latin typeface="Calibri"/>
-                <a:ea typeface="Calibri"/>
-                <a:cs typeface="Calibri"/>
-                <a:sym typeface="Calibri"/>
-              </a:defRPr>
-            </a:lvl1pPr>
-          </a:lstStyle>
-          <a:p>
-            <a:pPr lvl="0">
-              <a:defRPr sz="1800"/>
-            </a:pPr>
-            <a:r>
-              <a:rPr sz="1200" dirty="0"/>
-              <a:t>Point students to Python vs Java features linked from session 1 of course schedule.</a:t>
-            </a:r>
-          </a:p>
-        </p:txBody>
-      </p:sp>
-    </p:spTree>
-    <p:extLst>
-      <p:ext uri="{BB962C8B-B14F-4D97-AF65-F5344CB8AC3E}">
-        <p14:creationId xmlns:p14="http://schemas.microsoft.com/office/powerpoint/2010/main" val="3746845533"/>
       </p:ext>
     </p:extLst>
   </p:cSld>
@@ -2653,7 +2775,7 @@
           </a:ln>
           <a:extLst>
             <a:ext uri="{C572A759-6A51-4108-AA02-DFA0A04FC94B}">
-              <ma14:wrappingTextBoxFlag xmlns="" xmlns:ma14="http://schemas.microsoft.com/office/mac/drawingml/2011/main" val="1"/>
+              <ma14:wrappingTextBoxFlag xmlns:ma14="http://schemas.microsoft.com/office/mac/drawingml/2011/main" xmlns="" val="1"/>
             </a:ext>
           </a:extLst>
         </p:spPr>
@@ -2696,7 +2818,7 @@
           </a:ln>
           <a:extLst>
             <a:ext uri="{C572A759-6A51-4108-AA02-DFA0A04FC94B}">
-              <ma14:wrappingTextBoxFlag xmlns="" xmlns:ma14="http://schemas.microsoft.com/office/mac/drawingml/2011/main" val="1"/>
+              <ma14:wrappingTextBoxFlag xmlns:ma14="http://schemas.microsoft.com/office/mac/drawingml/2011/main" xmlns="" val="1"/>
             </a:ext>
           </a:extLst>
         </p:spPr>
@@ -3591,7 +3713,7 @@
           </a:ln>
           <a:extLst>
             <a:ext uri="{C572A759-6A51-4108-AA02-DFA0A04FC94B}">
-              <ma14:wrappingTextBoxFlag xmlns:ma14="http://schemas.microsoft.com/office/mac/drawingml/2011/main" xmlns="" val="1"/>
+              <ma14:wrappingTextBoxFlag xmlns="" xmlns:ma14="http://schemas.microsoft.com/office/mac/drawingml/2011/main" val="1"/>
             </a:ext>
           </a:extLst>
         </p:spPr>
@@ -3703,7 +3825,7 @@
           </a:ln>
           <a:extLst>
             <a:ext uri="{C572A759-6A51-4108-AA02-DFA0A04FC94B}">
-              <ma14:wrappingTextBoxFlag xmlns:ma14="http://schemas.microsoft.com/office/mac/drawingml/2011/main" xmlns="" val="1"/>
+              <ma14:wrappingTextBoxFlag xmlns="" xmlns:ma14="http://schemas.microsoft.com/office/mac/drawingml/2011/main" val="1"/>
             </a:ext>
           </a:extLst>
         </p:spPr>
@@ -4228,7 +4350,7 @@
           </a:ln>
           <a:extLst>
             <a:ext uri="{C572A759-6A51-4108-AA02-DFA0A04FC94B}">
-              <ma14:wrappingTextBoxFlag xmlns:ma14="http://schemas.microsoft.com/office/mac/drawingml/2011/main" xmlns="" val="1"/>
+              <ma14:wrappingTextBoxFlag xmlns="" xmlns:ma14="http://schemas.microsoft.com/office/mac/drawingml/2011/main" val="1"/>
             </a:ext>
           </a:extLst>
         </p:spPr>
@@ -4702,7 +4824,7 @@
             </a:r>
             <a:r>
               <a:rPr lang="en-US" b="1" dirty="0"/>
-              <a:t>if exceptional circumstance arise</a:t>
+              <a:t>if exceptional circumstances arise</a:t>
             </a:r>
             <a:r>
               <a:rPr lang="en-US" dirty="0"/>
@@ -4785,7 +4907,7 @@
         <p:spPr>
           <a:xfrm>
             <a:off x="457200" y="92076"/>
-            <a:ext cx="8229600" cy="6464457"/>
+            <a:ext cx="8382000" cy="6464457"/>
           </a:xfrm>
           <a:prstGeom prst="rect">
             <a:avLst/>
@@ -4801,54 +4923,50 @@
               <a:defRPr sz="1800"/>
             </a:pPr>
             <a:r>
-              <a:rPr sz="4725" b="1" cap="all" dirty="0"/>
-              <a:t>HW1 Due </a:t>
-            </a:r>
-            <a:r>
-              <a:rPr lang="en-US" sz="4725" b="1" cap="all" dirty="0"/>
-              <a:t>SOON</a:t>
+              <a:rPr lang="en-US" sz="4725" b="1" dirty="0"/>
+              <a:t>HW1 due soon, </a:t>
             </a:r>
             <a:br>
-              <a:rPr sz="4725" b="1" cap="all" dirty="0"/>
+              <a:rPr sz="4725" b="1" dirty="0"/>
+            </a:br>
+            <a:r>
+              <a:rPr lang="en-US" sz="4725" b="1" dirty="0"/>
+              <a:t>see Moodle/</a:t>
+            </a:r>
+            <a:r>
+              <a:rPr lang="en-US" sz="4725" b="1" dirty="0" err="1"/>
+              <a:t>Gradescope</a:t>
+            </a:r>
+            <a:br>
+              <a:rPr lang="en-US" sz="4725" b="1" dirty="0"/>
             </a:br>
             <a:br>
-              <a:rPr sz="4725" b="1" cap="all" dirty="0"/>
+              <a:rPr lang="en-US" sz="4725" b="1" dirty="0"/>
             </a:br>
             <a:r>
-              <a:rPr sz="4725" b="1" cap="all" dirty="0"/>
-              <a:t>It’s on the </a:t>
-            </a:r>
-            <a:r>
-              <a:rPr lang="en-US" sz="4725" b="1" cap="all" dirty="0"/>
-              <a:t>MOODLE</a:t>
-            </a:r>
-            <a:r>
-              <a:rPr sz="4725" b="1" cap="all" dirty="0"/>
-              <a:t> page</a:t>
-            </a:r>
-            <a:r>
-              <a:rPr lang="en-US" sz="4725" b="1" cap="all" dirty="0"/>
-              <a:t>:</a:t>
+              <a:rPr lang="en-US" sz="2400" b="1" dirty="0"/>
+              <a:t>(It is your responsibility to keep up with the schedule)</a:t>
             </a:r>
             <a:br>
-              <a:rPr lang="en-US" sz="4725" b="1" cap="all" dirty="0"/>
+              <a:rPr sz="4725" b="1" dirty="0"/>
             </a:br>
             <a:br>
-              <a:rPr lang="en-US" sz="4725" b="1" cap="all" dirty="0"/>
+              <a:rPr sz="4725" b="1" dirty="0"/>
             </a:br>
             <a:r>
-              <a:rPr lang="en-US" sz="2400" b="1" cap="all" dirty="0"/>
-              <a:t>(It is your responsibility to keep up with the schedule)</a:t>
+              <a:rPr lang="en-US" sz="4725" b="1" dirty="0"/>
+              <a:t>Post on Piazza or </a:t>
+            </a:r>
+            <a:r>
+              <a:rPr sz="4725" b="1" dirty="0"/>
+              <a:t>email me </a:t>
             </a:r>
             <a:br>
-              <a:rPr sz="4725" b="1" cap="all" dirty="0"/>
+              <a:rPr lang="en-US" sz="4725" b="1" dirty="0"/>
             </a:br>
-            <a:br>
-              <a:rPr sz="4725" b="1" cap="all" dirty="0"/>
-            </a:br>
-            <a:r>
-              <a:rPr sz="4725" b="1" cap="all" dirty="0"/>
-              <a:t>As always, email me if you have any questions</a:t>
+            <a:r>
+              <a:rPr sz="4725" b="1" dirty="0"/>
+              <a:t>if you have any questions</a:t>
             </a:r>
           </a:p>
         </p:txBody>
@@ -4869,7 +4987,7 @@
           </a:prstGeom>
           <a:extLst>
             <a:ext uri="{C572A759-6A51-4108-AA02-DFA0A04FC94B}">
-              <ma14:wrappingTextBoxFlag xmlns:ma14="http://schemas.microsoft.com/office/mac/drawingml/2011/main" xmlns="" val="1"/>
+              <ma14:wrappingTextBoxFlag xmlns="" xmlns:ma14="http://schemas.microsoft.com/office/mac/drawingml/2011/main" val="1"/>
             </a:ext>
           </a:extLst>
         </p:spPr>
@@ -4941,7 +5059,7 @@
           <p:nvPr/>
         </p:nvPicPr>
         <p:blipFill>
-          <a:blip r:embed="rId2"/>
+          <a:blip r:embed="rId3"/>
           <a:stretch>
             <a:fillRect/>
           </a:stretch>
@@ -5534,7 +5652,7 @@
           <a:p>
             <a:r>
               <a:rPr lang="en-US" strike="sngStrike" dirty="0"/>
-              <a:t>Critical links</a:t>
+              <a:t>Critical logistics</a:t>
             </a:r>
           </a:p>
           <a:p>
@@ -5691,7 +5809,7 @@
           </a:ln>
           <a:extLst>
             <a:ext uri="{C572A759-6A51-4108-AA02-DFA0A04FC94B}">
-              <ma14:wrappingTextBoxFlag xmlns:ma14="http://schemas.microsoft.com/office/mac/drawingml/2011/main" xmlns="" val="1"/>
+              <ma14:wrappingTextBoxFlag xmlns="" xmlns:ma14="http://schemas.microsoft.com/office/mac/drawingml/2011/main" val="1"/>
             </a:ext>
           </a:extLst>
         </p:spPr>
@@ -6195,7 +6313,7 @@
               <a:effectLst/>
               <a:extLst>
                 <a:ext uri="{C572A759-6A51-4108-AA02-DFA0A04FC94B}">
-                  <ma14:wrappingTextBoxFlag xmlns:ma14="http://schemas.microsoft.com/office/mac/drawingml/2011/main" xmlns="" val="1"/>
+                  <ma14:wrappingTextBoxFlag xmlns="" xmlns:ma14="http://schemas.microsoft.com/office/mac/drawingml/2011/main" val="1"/>
                 </a:ext>
               </a:extLst>
             </p:spPr>
@@ -6377,7 +6495,7 @@
               <a:effectLst/>
               <a:extLst>
                 <a:ext uri="{C572A759-6A51-4108-AA02-DFA0A04FC94B}">
-                  <ma14:wrappingTextBoxFlag xmlns:ma14="http://schemas.microsoft.com/office/mac/drawingml/2011/main" xmlns="" val="1"/>
+                  <ma14:wrappingTextBoxFlag xmlns="" xmlns:ma14="http://schemas.microsoft.com/office/mac/drawingml/2011/main" val="1"/>
                 </a:ext>
               </a:extLst>
             </p:spPr>
@@ -6550,7 +6668,7 @@
               <a:effectLst/>
               <a:extLst>
                 <a:ext uri="{C572A759-6A51-4108-AA02-DFA0A04FC94B}">
-                  <ma14:wrappingTextBoxFlag xmlns:ma14="http://schemas.microsoft.com/office/mac/drawingml/2011/main" xmlns="" val="1"/>
+                  <ma14:wrappingTextBoxFlag xmlns="" xmlns:ma14="http://schemas.microsoft.com/office/mac/drawingml/2011/main" val="1"/>
                 </a:ext>
               </a:extLst>
             </p:spPr>
@@ -6759,7 +6877,7 @@
               <a:effectLst/>
               <a:extLst>
                 <a:ext uri="{C572A759-6A51-4108-AA02-DFA0A04FC94B}">
-                  <ma14:wrappingTextBoxFlag xmlns:ma14="http://schemas.microsoft.com/office/mac/drawingml/2011/main" xmlns="" val="1"/>
+                  <ma14:wrappingTextBoxFlag xmlns="" xmlns:ma14="http://schemas.microsoft.com/office/mac/drawingml/2011/main" val="1"/>
                 </a:ext>
               </a:extLst>
             </p:spPr>
@@ -6955,7 +7073,7 @@
             <a:effectLst/>
             <a:extLst>
               <a:ext uri="{C572A759-6A51-4108-AA02-DFA0A04FC94B}">
-                <ma14:wrappingTextBoxFlag xmlns:ma14="http://schemas.microsoft.com/office/mac/drawingml/2011/main" xmlns="" val="1"/>
+                <ma14:wrappingTextBoxFlag xmlns="" xmlns:ma14="http://schemas.microsoft.com/office/mac/drawingml/2011/main" val="1"/>
               </a:ext>
             </a:extLst>
           </p:spPr>
@@ -7419,21 +7537,16 @@
             </a:pPr>
             <a:r>
               <a:rPr sz="2900" dirty="0"/>
-              <a:t>Fix the error </a:t>
-            </a:r>
-            <a:r>
-              <a:rPr sz="2900"/>
-              <a:t>that </a:t>
-            </a:r>
-            <a:r>
-              <a:rPr lang="en-US" sz="2900"/>
+              <a:t>Fix the error that </a:t>
+            </a:r>
+            <a:r>
+              <a:rPr lang="en-US" sz="2900" dirty="0"/>
               <a:t>your neighbor </a:t>
             </a:r>
             <a:r>
-              <a:rPr sz="2900"/>
+              <a:rPr sz="2900" dirty="0"/>
               <a:t>introduced</a:t>
             </a:r>
-            <a:endParaRPr sz="2900" dirty="0"/>
           </a:p>
         </p:txBody>
       </p:sp>
@@ -7548,7 +7661,7 @@
           <a:p>
             <a:r>
               <a:rPr lang="en-US" dirty="0"/>
-              <a:t>If you have a problem you can’t  quickly debug, or you need a hint – call myself or the TA over</a:t>
+              <a:t>If you have a problem that you can’t quickly debug, or need a hint – call me or the TA over</a:t>
             </a:r>
           </a:p>
           <a:p>
@@ -7568,15 +7681,7 @@
             <a:pPr lvl="1"/>
             <a:r>
               <a:rPr lang="en-US" dirty="0"/>
-              <a:t>In the String/Loop </a:t>
-            </a:r>
-            <a:r>
-              <a:rPr lang="en-US" dirty="0" err="1"/>
-              <a:t>probs</a:t>
-            </a:r>
-            <a:r>
-              <a:rPr lang="en-US" dirty="0"/>
-              <a:t>, run the corresponding Test file to test your code</a:t>
+              <a:t>In the String/Loop problems, run the corresponding Test file</a:t>
             </a:r>
           </a:p>
         </p:txBody>

--- a/ClassMaterials/JavaIntro/Slides/JavaIntro.pptx
+++ b/ClassMaterials/JavaIntro/Slides/JavaIntro.pptx
@@ -119,6 +119,67 @@
     </p:ext>
   </p:extLst>
 </p:presentation>
+</file>
+
+<file path=ppt/changesInfos/changesInfo1.xml><?xml version="1.0" encoding="utf-8"?>
+<pc:chgInfo xmlns:a="http://schemas.openxmlformats.org/drawingml/2006/main" xmlns:r="http://schemas.openxmlformats.org/officeDocument/2006/relationships" xmlns:ac="http://schemas.microsoft.com/office/drawing/2013/main/command" xmlns:pc="http://schemas.microsoft.com/office/powerpoint/2013/main/command">
+  <pc:docChgLst>
+    <pc:chgData name="Yoder, Jason" userId="28f4d4d8-da04-4f86-b14d-a21675737bc5" providerId="ADAL" clId="{FF9E27FE-BADD-492C-8206-F55627926523}"/>
+    <pc:docChg chg="custSel modSld">
+      <pc:chgData name="Yoder, Jason" userId="28f4d4d8-da04-4f86-b14d-a21675737bc5" providerId="ADAL" clId="{FF9E27FE-BADD-492C-8206-F55627926523}" dt="2023-08-30T23:58:43.759" v="6" actId="1076"/>
+      <pc:docMkLst>
+        <pc:docMk/>
+      </pc:docMkLst>
+      <pc:sldChg chg="addSp delSp modSp mod">
+        <pc:chgData name="Yoder, Jason" userId="28f4d4d8-da04-4f86-b14d-a21675737bc5" providerId="ADAL" clId="{FF9E27FE-BADD-492C-8206-F55627926523}" dt="2023-08-30T23:58:43.759" v="6" actId="1076"/>
+        <pc:sldMkLst>
+          <pc:docMk/>
+          <pc:sldMk cId="3221831349" sldId="334"/>
+        </pc:sldMkLst>
+        <pc:spChg chg="mod">
+          <ac:chgData name="Yoder, Jason" userId="28f4d4d8-da04-4f86-b14d-a21675737bc5" providerId="ADAL" clId="{FF9E27FE-BADD-492C-8206-F55627926523}" dt="2023-08-30T23:58:38.703" v="5" actId="1076"/>
+          <ac:spMkLst>
+            <pc:docMk/>
+            <pc:sldMk cId="3221831349" sldId="334"/>
+            <ac:spMk id="6" creationId="{38005B05-3511-4C6F-AF45-02B30B2147DC}"/>
+          </ac:spMkLst>
+        </pc:spChg>
+        <pc:spChg chg="mod">
+          <ac:chgData name="Yoder, Jason" userId="28f4d4d8-da04-4f86-b14d-a21675737bc5" providerId="ADAL" clId="{FF9E27FE-BADD-492C-8206-F55627926523}" dt="2023-08-30T23:58:36.110" v="4" actId="1076"/>
+          <ac:spMkLst>
+            <pc:docMk/>
+            <pc:sldMk cId="3221831349" sldId="334"/>
+            <ac:spMk id="9" creationId="{AE8D4721-5435-4294-9CC6-712E1A848A03}"/>
+          </ac:spMkLst>
+        </pc:spChg>
+        <pc:spChg chg="mod">
+          <ac:chgData name="Yoder, Jason" userId="28f4d4d8-da04-4f86-b14d-a21675737bc5" providerId="ADAL" clId="{FF9E27FE-BADD-492C-8206-F55627926523}" dt="2023-08-30T23:58:43.759" v="6" actId="1076"/>
+          <ac:spMkLst>
+            <pc:docMk/>
+            <pc:sldMk cId="3221831349" sldId="334"/>
+            <ac:spMk id="10" creationId="{95ECFC35-62BE-4A5C-9EC4-4F758AA598E7}"/>
+          </ac:spMkLst>
+        </pc:spChg>
+        <pc:picChg chg="del">
+          <ac:chgData name="Yoder, Jason" userId="28f4d4d8-da04-4f86-b14d-a21675737bc5" providerId="ADAL" clId="{FF9E27FE-BADD-492C-8206-F55627926523}" dt="2023-08-30T23:58:25.676" v="0" actId="478"/>
+          <ac:picMkLst>
+            <pc:docMk/>
+            <pc:sldMk cId="3221831349" sldId="334"/>
+            <ac:picMk id="4" creationId="{5445919B-1C7C-AE71-4ACA-999A6C01F17F}"/>
+          </ac:picMkLst>
+        </pc:picChg>
+        <pc:picChg chg="add mod ord">
+          <ac:chgData name="Yoder, Jason" userId="28f4d4d8-da04-4f86-b14d-a21675737bc5" providerId="ADAL" clId="{FF9E27FE-BADD-492C-8206-F55627926523}" dt="2023-08-30T23:58:30.634" v="3" actId="1076"/>
+          <ac:picMkLst>
+            <pc:docMk/>
+            <pc:sldMk cId="3221831349" sldId="334"/>
+            <ac:picMk id="5" creationId="{C0332804-A2DA-B805-9357-5D3A2AB8B425}"/>
+          </ac:picMkLst>
+        </pc:picChg>
+      </pc:sldChg>
+    </pc:docChg>
+  </pc:docChgLst>
+</pc:chgInfo>
 </file>
 
 <file path=ppt/notesMasters/notesMaster1.xml><?xml version="1.0" encoding="utf-8"?>
@@ -2775,7 +2836,7 @@
           </a:ln>
           <a:extLst>
             <a:ext uri="{C572A759-6A51-4108-AA02-DFA0A04FC94B}">
-              <ma14:wrappingTextBoxFlag xmlns:ma14="http://schemas.microsoft.com/office/mac/drawingml/2011/main" xmlns="" val="1"/>
+              <ma14:wrappingTextBoxFlag xmlns="" xmlns:ma14="http://schemas.microsoft.com/office/mac/drawingml/2011/main" val="1"/>
             </a:ext>
           </a:extLst>
         </p:spPr>
@@ -2818,7 +2879,7 @@
           </a:ln>
           <a:extLst>
             <a:ext uri="{C572A759-6A51-4108-AA02-DFA0A04FC94B}">
-              <ma14:wrappingTextBoxFlag xmlns:ma14="http://schemas.microsoft.com/office/mac/drawingml/2011/main" xmlns="" val="1"/>
+              <ma14:wrappingTextBoxFlag xmlns="" xmlns:ma14="http://schemas.microsoft.com/office/mac/drawingml/2011/main" val="1"/>
             </a:ext>
           </a:extLst>
         </p:spPr>
@@ -3713,7 +3774,7 @@
           </a:ln>
           <a:extLst>
             <a:ext uri="{C572A759-6A51-4108-AA02-DFA0A04FC94B}">
-              <ma14:wrappingTextBoxFlag xmlns="" xmlns:ma14="http://schemas.microsoft.com/office/mac/drawingml/2011/main" val="1"/>
+              <ma14:wrappingTextBoxFlag xmlns:ma14="http://schemas.microsoft.com/office/mac/drawingml/2011/main" xmlns="" val="1"/>
             </a:ext>
           </a:extLst>
         </p:spPr>
@@ -3825,7 +3886,7 @@
           </a:ln>
           <a:extLst>
             <a:ext uri="{C572A759-6A51-4108-AA02-DFA0A04FC94B}">
-              <ma14:wrappingTextBoxFlag xmlns="" xmlns:ma14="http://schemas.microsoft.com/office/mac/drawingml/2011/main" val="1"/>
+              <ma14:wrappingTextBoxFlag xmlns:ma14="http://schemas.microsoft.com/office/mac/drawingml/2011/main" xmlns="" val="1"/>
             </a:ext>
           </a:extLst>
         </p:spPr>
@@ -4350,7 +4411,7 @@
           </a:ln>
           <a:extLst>
             <a:ext uri="{C572A759-6A51-4108-AA02-DFA0A04FC94B}">
-              <ma14:wrappingTextBoxFlag xmlns="" xmlns:ma14="http://schemas.microsoft.com/office/mac/drawingml/2011/main" val="1"/>
+              <ma14:wrappingTextBoxFlag xmlns:ma14="http://schemas.microsoft.com/office/mac/drawingml/2011/main" xmlns="" val="1"/>
             </a:ext>
           </a:extLst>
         </p:spPr>
@@ -4987,7 +5048,7 @@
           </a:prstGeom>
           <a:extLst>
             <a:ext uri="{C572A759-6A51-4108-AA02-DFA0A04FC94B}">
-              <ma14:wrappingTextBoxFlag xmlns="" xmlns:ma14="http://schemas.microsoft.com/office/mac/drawingml/2011/main" val="1"/>
+              <ma14:wrappingTextBoxFlag xmlns:ma14="http://schemas.microsoft.com/office/mac/drawingml/2011/main" xmlns="" val="1"/>
             </a:ext>
           </a:extLst>
         </p:spPr>
@@ -5046,10 +5107,10 @@
       </p:grpSpPr>
       <p:pic>
         <p:nvPicPr>
-          <p:cNvPr id="4" name="Picture 3">
+          <p:cNvPr id="5" name="Picture 4">
             <a:extLst>
               <a:ext uri="{FF2B5EF4-FFF2-40B4-BE49-F238E27FC236}">
-                <a16:creationId xmlns:a16="http://schemas.microsoft.com/office/drawing/2014/main" id="{5445919B-1C7C-AE71-4ACA-999A6C01F17F}"/>
+                <a16:creationId xmlns:a16="http://schemas.microsoft.com/office/drawing/2014/main" id="{C0332804-A2DA-B805-9357-5D3A2AB8B425}"/>
               </a:ext>
             </a:extLst>
           </p:cNvPr>
@@ -5066,8 +5127,8 @@
         </p:blipFill>
         <p:spPr>
           <a:xfrm>
-            <a:off x="0" y="1327755"/>
-            <a:ext cx="9144000" cy="5202763"/>
+            <a:off x="304800" y="1219200"/>
+            <a:ext cx="8011643" cy="5372850"/>
           </a:xfrm>
           <a:prstGeom prst="rect">
             <a:avLst/>
@@ -5120,7 +5181,7 @@
         </p:nvSpPr>
         <p:spPr>
           <a:xfrm>
-            <a:off x="3352799" y="5629068"/>
+            <a:off x="3048000" y="4191000"/>
             <a:ext cx="734925" cy="830995"/>
           </a:xfrm>
           <a:prstGeom prst="rect">
@@ -5278,7 +5339,7 @@
         </p:nvSpPr>
         <p:spPr>
           <a:xfrm>
-            <a:off x="3352800" y="3810000"/>
+            <a:off x="6477000" y="2311827"/>
             <a:ext cx="734925" cy="830995"/>
           </a:xfrm>
           <a:prstGeom prst="rect">
@@ -5436,7 +5497,7 @@
         </p:nvSpPr>
         <p:spPr>
           <a:xfrm>
-            <a:off x="7073060" y="5629067"/>
+            <a:off x="6485691" y="5638800"/>
             <a:ext cx="734925" cy="830995"/>
           </a:xfrm>
           <a:prstGeom prst="rect">
@@ -5809,7 +5870,7 @@
           </a:ln>
           <a:extLst>
             <a:ext uri="{C572A759-6A51-4108-AA02-DFA0A04FC94B}">
-              <ma14:wrappingTextBoxFlag xmlns="" xmlns:ma14="http://schemas.microsoft.com/office/mac/drawingml/2011/main" val="1"/>
+              <ma14:wrappingTextBoxFlag xmlns:ma14="http://schemas.microsoft.com/office/mac/drawingml/2011/main" xmlns="" val="1"/>
             </a:ext>
           </a:extLst>
         </p:spPr>
@@ -6313,7 +6374,7 @@
               <a:effectLst/>
               <a:extLst>
                 <a:ext uri="{C572A759-6A51-4108-AA02-DFA0A04FC94B}">
-                  <ma14:wrappingTextBoxFlag xmlns="" xmlns:ma14="http://schemas.microsoft.com/office/mac/drawingml/2011/main" val="1"/>
+                  <ma14:wrappingTextBoxFlag xmlns:ma14="http://schemas.microsoft.com/office/mac/drawingml/2011/main" xmlns="" val="1"/>
                 </a:ext>
               </a:extLst>
             </p:spPr>
@@ -6495,7 +6556,7 @@
               <a:effectLst/>
               <a:extLst>
                 <a:ext uri="{C572A759-6A51-4108-AA02-DFA0A04FC94B}">
-                  <ma14:wrappingTextBoxFlag xmlns="" xmlns:ma14="http://schemas.microsoft.com/office/mac/drawingml/2011/main" val="1"/>
+                  <ma14:wrappingTextBoxFlag xmlns:ma14="http://schemas.microsoft.com/office/mac/drawingml/2011/main" xmlns="" val="1"/>
                 </a:ext>
               </a:extLst>
             </p:spPr>
@@ -6668,7 +6729,7 @@
               <a:effectLst/>
               <a:extLst>
                 <a:ext uri="{C572A759-6A51-4108-AA02-DFA0A04FC94B}">
-                  <ma14:wrappingTextBoxFlag xmlns="" xmlns:ma14="http://schemas.microsoft.com/office/mac/drawingml/2011/main" val="1"/>
+                  <ma14:wrappingTextBoxFlag xmlns:ma14="http://schemas.microsoft.com/office/mac/drawingml/2011/main" xmlns="" val="1"/>
                 </a:ext>
               </a:extLst>
             </p:spPr>
@@ -6877,7 +6938,7 @@
               <a:effectLst/>
               <a:extLst>
                 <a:ext uri="{C572A759-6A51-4108-AA02-DFA0A04FC94B}">
-                  <ma14:wrappingTextBoxFlag xmlns="" xmlns:ma14="http://schemas.microsoft.com/office/mac/drawingml/2011/main" val="1"/>
+                  <ma14:wrappingTextBoxFlag xmlns:ma14="http://schemas.microsoft.com/office/mac/drawingml/2011/main" xmlns="" val="1"/>
                 </a:ext>
               </a:extLst>
             </p:spPr>
@@ -7073,7 +7134,7 @@
             <a:effectLst/>
             <a:extLst>
               <a:ext uri="{C572A759-6A51-4108-AA02-DFA0A04FC94B}">
-                <ma14:wrappingTextBoxFlag xmlns="" xmlns:ma14="http://schemas.microsoft.com/office/mac/drawingml/2011/main" val="1"/>
+                <ma14:wrappingTextBoxFlag xmlns:ma14="http://schemas.microsoft.com/office/mac/drawingml/2011/main" xmlns="" val="1"/>
               </a:ext>
             </a:extLst>
           </p:spPr>

--- a/ClassMaterials/JavaIntro/Slides/JavaIntro.pptx
+++ b/ClassMaterials/JavaIntro/Slides/JavaIntro.pptx
@@ -119,67 +119,6 @@
     </p:ext>
   </p:extLst>
 </p:presentation>
-</file>
-
-<file path=ppt/changesInfos/changesInfo1.xml><?xml version="1.0" encoding="utf-8"?>
-<pc:chgInfo xmlns:a="http://schemas.openxmlformats.org/drawingml/2006/main" xmlns:r="http://schemas.openxmlformats.org/officeDocument/2006/relationships" xmlns:ac="http://schemas.microsoft.com/office/drawing/2013/main/command" xmlns:pc="http://schemas.microsoft.com/office/powerpoint/2013/main/command">
-  <pc:docChgLst>
-    <pc:chgData name="Yoder, Jason" userId="28f4d4d8-da04-4f86-b14d-a21675737bc5" providerId="ADAL" clId="{FF9E27FE-BADD-492C-8206-F55627926523}"/>
-    <pc:docChg chg="custSel modSld">
-      <pc:chgData name="Yoder, Jason" userId="28f4d4d8-da04-4f86-b14d-a21675737bc5" providerId="ADAL" clId="{FF9E27FE-BADD-492C-8206-F55627926523}" dt="2023-08-30T23:58:43.759" v="6" actId="1076"/>
-      <pc:docMkLst>
-        <pc:docMk/>
-      </pc:docMkLst>
-      <pc:sldChg chg="addSp delSp modSp mod">
-        <pc:chgData name="Yoder, Jason" userId="28f4d4d8-da04-4f86-b14d-a21675737bc5" providerId="ADAL" clId="{FF9E27FE-BADD-492C-8206-F55627926523}" dt="2023-08-30T23:58:43.759" v="6" actId="1076"/>
-        <pc:sldMkLst>
-          <pc:docMk/>
-          <pc:sldMk cId="3221831349" sldId="334"/>
-        </pc:sldMkLst>
-        <pc:spChg chg="mod">
-          <ac:chgData name="Yoder, Jason" userId="28f4d4d8-da04-4f86-b14d-a21675737bc5" providerId="ADAL" clId="{FF9E27FE-BADD-492C-8206-F55627926523}" dt="2023-08-30T23:58:38.703" v="5" actId="1076"/>
-          <ac:spMkLst>
-            <pc:docMk/>
-            <pc:sldMk cId="3221831349" sldId="334"/>
-            <ac:spMk id="6" creationId="{38005B05-3511-4C6F-AF45-02B30B2147DC}"/>
-          </ac:spMkLst>
-        </pc:spChg>
-        <pc:spChg chg="mod">
-          <ac:chgData name="Yoder, Jason" userId="28f4d4d8-da04-4f86-b14d-a21675737bc5" providerId="ADAL" clId="{FF9E27FE-BADD-492C-8206-F55627926523}" dt="2023-08-30T23:58:36.110" v="4" actId="1076"/>
-          <ac:spMkLst>
-            <pc:docMk/>
-            <pc:sldMk cId="3221831349" sldId="334"/>
-            <ac:spMk id="9" creationId="{AE8D4721-5435-4294-9CC6-712E1A848A03}"/>
-          </ac:spMkLst>
-        </pc:spChg>
-        <pc:spChg chg="mod">
-          <ac:chgData name="Yoder, Jason" userId="28f4d4d8-da04-4f86-b14d-a21675737bc5" providerId="ADAL" clId="{FF9E27FE-BADD-492C-8206-F55627926523}" dt="2023-08-30T23:58:43.759" v="6" actId="1076"/>
-          <ac:spMkLst>
-            <pc:docMk/>
-            <pc:sldMk cId="3221831349" sldId="334"/>
-            <ac:spMk id="10" creationId="{95ECFC35-62BE-4A5C-9EC4-4F758AA598E7}"/>
-          </ac:spMkLst>
-        </pc:spChg>
-        <pc:picChg chg="del">
-          <ac:chgData name="Yoder, Jason" userId="28f4d4d8-da04-4f86-b14d-a21675737bc5" providerId="ADAL" clId="{FF9E27FE-BADD-492C-8206-F55627926523}" dt="2023-08-30T23:58:25.676" v="0" actId="478"/>
-          <ac:picMkLst>
-            <pc:docMk/>
-            <pc:sldMk cId="3221831349" sldId="334"/>
-            <ac:picMk id="4" creationId="{5445919B-1C7C-AE71-4ACA-999A6C01F17F}"/>
-          </ac:picMkLst>
-        </pc:picChg>
-        <pc:picChg chg="add mod ord">
-          <ac:chgData name="Yoder, Jason" userId="28f4d4d8-da04-4f86-b14d-a21675737bc5" providerId="ADAL" clId="{FF9E27FE-BADD-492C-8206-F55627926523}" dt="2023-08-30T23:58:30.634" v="3" actId="1076"/>
-          <ac:picMkLst>
-            <pc:docMk/>
-            <pc:sldMk cId="3221831349" sldId="334"/>
-            <ac:picMk id="5" creationId="{C0332804-A2DA-B805-9357-5D3A2AB8B425}"/>
-          </ac:picMkLst>
-        </pc:picChg>
-      </pc:sldChg>
-    </pc:docChg>
-  </pc:docChgLst>
-</pc:chgInfo>
 </file>
 
 <file path=ppt/notesMasters/notesMaster1.xml><?xml version="1.0" encoding="utf-8"?>
@@ -2836,7 +2775,7 @@
           </a:ln>
           <a:extLst>
             <a:ext uri="{C572A759-6A51-4108-AA02-DFA0A04FC94B}">
-              <ma14:wrappingTextBoxFlag xmlns="" xmlns:ma14="http://schemas.microsoft.com/office/mac/drawingml/2011/main" val="1"/>
+              <ma14:wrappingTextBoxFlag xmlns:ma14="http://schemas.microsoft.com/office/mac/drawingml/2011/main" xmlns="" val="1"/>
             </a:ext>
           </a:extLst>
         </p:spPr>
@@ -2879,7 +2818,7 @@
           </a:ln>
           <a:extLst>
             <a:ext uri="{C572A759-6A51-4108-AA02-DFA0A04FC94B}">
-              <ma14:wrappingTextBoxFlag xmlns="" xmlns:ma14="http://schemas.microsoft.com/office/mac/drawingml/2011/main" val="1"/>
+              <ma14:wrappingTextBoxFlag xmlns:ma14="http://schemas.microsoft.com/office/mac/drawingml/2011/main" xmlns="" val="1"/>
             </a:ext>
           </a:extLst>
         </p:spPr>
@@ -3774,7 +3713,7 @@
           </a:ln>
           <a:extLst>
             <a:ext uri="{C572A759-6A51-4108-AA02-DFA0A04FC94B}">
-              <ma14:wrappingTextBoxFlag xmlns:ma14="http://schemas.microsoft.com/office/mac/drawingml/2011/main" xmlns="" val="1"/>
+              <ma14:wrappingTextBoxFlag xmlns="" xmlns:ma14="http://schemas.microsoft.com/office/mac/drawingml/2011/main" val="1"/>
             </a:ext>
           </a:extLst>
         </p:spPr>
@@ -3886,7 +3825,7 @@
           </a:ln>
           <a:extLst>
             <a:ext uri="{C572A759-6A51-4108-AA02-DFA0A04FC94B}">
-              <ma14:wrappingTextBoxFlag xmlns:ma14="http://schemas.microsoft.com/office/mac/drawingml/2011/main" xmlns="" val="1"/>
+              <ma14:wrappingTextBoxFlag xmlns="" xmlns:ma14="http://schemas.microsoft.com/office/mac/drawingml/2011/main" val="1"/>
             </a:ext>
           </a:extLst>
         </p:spPr>
@@ -4411,7 +4350,7 @@
           </a:ln>
           <a:extLst>
             <a:ext uri="{C572A759-6A51-4108-AA02-DFA0A04FC94B}">
-              <ma14:wrappingTextBoxFlag xmlns:ma14="http://schemas.microsoft.com/office/mac/drawingml/2011/main" xmlns="" val="1"/>
+              <ma14:wrappingTextBoxFlag xmlns="" xmlns:ma14="http://schemas.microsoft.com/office/mac/drawingml/2011/main" val="1"/>
             </a:ext>
           </a:extLst>
         </p:spPr>
@@ -5048,7 +4987,7 @@
           </a:prstGeom>
           <a:extLst>
             <a:ext uri="{C572A759-6A51-4108-AA02-DFA0A04FC94B}">
-              <ma14:wrappingTextBoxFlag xmlns:ma14="http://schemas.microsoft.com/office/mac/drawingml/2011/main" xmlns="" val="1"/>
+              <ma14:wrappingTextBoxFlag xmlns="" xmlns:ma14="http://schemas.microsoft.com/office/mac/drawingml/2011/main" val="1"/>
             </a:ext>
           </a:extLst>
         </p:spPr>
@@ -5107,10 +5046,10 @@
       </p:grpSpPr>
       <p:pic>
         <p:nvPicPr>
-          <p:cNvPr id="5" name="Picture 4">
+          <p:cNvPr id="4" name="Picture 3">
             <a:extLst>
               <a:ext uri="{FF2B5EF4-FFF2-40B4-BE49-F238E27FC236}">
-                <a16:creationId xmlns:a16="http://schemas.microsoft.com/office/drawing/2014/main" id="{C0332804-A2DA-B805-9357-5D3A2AB8B425}"/>
+                <a16:creationId xmlns:a16="http://schemas.microsoft.com/office/drawing/2014/main" id="{5445919B-1C7C-AE71-4ACA-999A6C01F17F}"/>
               </a:ext>
             </a:extLst>
           </p:cNvPr>
@@ -5127,8 +5066,8 @@
         </p:blipFill>
         <p:spPr>
           <a:xfrm>
-            <a:off x="304800" y="1219200"/>
-            <a:ext cx="8011643" cy="5372850"/>
+            <a:off x="0" y="1327755"/>
+            <a:ext cx="9144000" cy="5202763"/>
           </a:xfrm>
           <a:prstGeom prst="rect">
             <a:avLst/>
@@ -5181,7 +5120,7 @@
         </p:nvSpPr>
         <p:spPr>
           <a:xfrm>
-            <a:off x="3048000" y="4191000"/>
+            <a:off x="3352799" y="5629068"/>
             <a:ext cx="734925" cy="830995"/>
           </a:xfrm>
           <a:prstGeom prst="rect">
@@ -5339,7 +5278,7 @@
         </p:nvSpPr>
         <p:spPr>
           <a:xfrm>
-            <a:off x="6477000" y="2311827"/>
+            <a:off x="3352800" y="3810000"/>
             <a:ext cx="734925" cy="830995"/>
           </a:xfrm>
           <a:prstGeom prst="rect">
@@ -5497,7 +5436,7 @@
         </p:nvSpPr>
         <p:spPr>
           <a:xfrm>
-            <a:off x="6485691" y="5638800"/>
+            <a:off x="7073060" y="5629067"/>
             <a:ext cx="734925" cy="830995"/>
           </a:xfrm>
           <a:prstGeom prst="rect">
@@ -5870,7 +5809,7 @@
           </a:ln>
           <a:extLst>
             <a:ext uri="{C572A759-6A51-4108-AA02-DFA0A04FC94B}">
-              <ma14:wrappingTextBoxFlag xmlns:ma14="http://schemas.microsoft.com/office/mac/drawingml/2011/main" xmlns="" val="1"/>
+              <ma14:wrappingTextBoxFlag xmlns="" xmlns:ma14="http://schemas.microsoft.com/office/mac/drawingml/2011/main" val="1"/>
             </a:ext>
           </a:extLst>
         </p:spPr>
@@ -6374,7 +6313,7 @@
               <a:effectLst/>
               <a:extLst>
                 <a:ext uri="{C572A759-6A51-4108-AA02-DFA0A04FC94B}">
-                  <ma14:wrappingTextBoxFlag xmlns:ma14="http://schemas.microsoft.com/office/mac/drawingml/2011/main" xmlns="" val="1"/>
+                  <ma14:wrappingTextBoxFlag xmlns="" xmlns:ma14="http://schemas.microsoft.com/office/mac/drawingml/2011/main" val="1"/>
                 </a:ext>
               </a:extLst>
             </p:spPr>
@@ -6556,7 +6495,7 @@
               <a:effectLst/>
               <a:extLst>
                 <a:ext uri="{C572A759-6A51-4108-AA02-DFA0A04FC94B}">
-                  <ma14:wrappingTextBoxFlag xmlns:ma14="http://schemas.microsoft.com/office/mac/drawingml/2011/main" xmlns="" val="1"/>
+                  <ma14:wrappingTextBoxFlag xmlns="" xmlns:ma14="http://schemas.microsoft.com/office/mac/drawingml/2011/main" val="1"/>
                 </a:ext>
               </a:extLst>
             </p:spPr>
@@ -6729,7 +6668,7 @@
               <a:effectLst/>
               <a:extLst>
                 <a:ext uri="{C572A759-6A51-4108-AA02-DFA0A04FC94B}">
-                  <ma14:wrappingTextBoxFlag xmlns:ma14="http://schemas.microsoft.com/office/mac/drawingml/2011/main" xmlns="" val="1"/>
+                  <ma14:wrappingTextBoxFlag xmlns="" xmlns:ma14="http://schemas.microsoft.com/office/mac/drawingml/2011/main" val="1"/>
                 </a:ext>
               </a:extLst>
             </p:spPr>
@@ -6938,7 +6877,7 @@
               <a:effectLst/>
               <a:extLst>
                 <a:ext uri="{C572A759-6A51-4108-AA02-DFA0A04FC94B}">
-                  <ma14:wrappingTextBoxFlag xmlns:ma14="http://schemas.microsoft.com/office/mac/drawingml/2011/main" xmlns="" val="1"/>
+                  <ma14:wrappingTextBoxFlag xmlns="" xmlns:ma14="http://schemas.microsoft.com/office/mac/drawingml/2011/main" val="1"/>
                 </a:ext>
               </a:extLst>
             </p:spPr>
@@ -7134,7 +7073,7 @@
             <a:effectLst/>
             <a:extLst>
               <a:ext uri="{C572A759-6A51-4108-AA02-DFA0A04FC94B}">
-                <ma14:wrappingTextBoxFlag xmlns:ma14="http://schemas.microsoft.com/office/mac/drawingml/2011/main" xmlns="" val="1"/>
+                <ma14:wrappingTextBoxFlag xmlns="" xmlns:ma14="http://schemas.microsoft.com/office/mac/drawingml/2011/main" val="1"/>
               </a:ext>
             </a:extLst>
           </p:spPr>
